--- a/2022/Exemple/FichiersProf/Corrigé LaTeX/images/Figures.pptx
+++ b/2022/Exemple/FichiersProf/Corrigé LaTeX/images/Figures.pptx
@@ -7,9 +7,9 @@
   <p:sldIdLst>
     <p:sldId id="256" r:id="rId2"/>
     <p:sldId id="257" r:id="rId3"/>
-    <p:sldId id="258" r:id="rId4"/>
-    <p:sldId id="259" r:id="rId5"/>
-    <p:sldId id="260" r:id="rId6"/>
+    <p:sldId id="261" r:id="rId4"/>
+    <p:sldId id="262" r:id="rId5"/>
+    <p:sldId id="263" r:id="rId6"/>
   </p:sldIdLst>
   <p:sldSz cx="12192000" cy="6858000"/>
   <p:notesSz cx="6858000" cy="9144000"/>
@@ -274,7 +274,7 @@
           <a:p>
             <a:fld id="{8C52326C-F649-4E85-9AEA-DEE8D2390CE5}" type="datetimeFigureOut">
               <a:rPr lang="fr-FR" smtClean="0"/>
-              <a:t>07/05/2022</a:t>
+              <a:t>08/05/2022</a:t>
             </a:fld>
             <a:endParaRPr lang="fr-FR"/>
           </a:p>
@@ -472,7 +472,7 @@
           <a:p>
             <a:fld id="{8C52326C-F649-4E85-9AEA-DEE8D2390CE5}" type="datetimeFigureOut">
               <a:rPr lang="fr-FR" smtClean="0"/>
-              <a:t>07/05/2022</a:t>
+              <a:t>08/05/2022</a:t>
             </a:fld>
             <a:endParaRPr lang="fr-FR"/>
           </a:p>
@@ -680,7 +680,7 @@
           <a:p>
             <a:fld id="{8C52326C-F649-4E85-9AEA-DEE8D2390CE5}" type="datetimeFigureOut">
               <a:rPr lang="fr-FR" smtClean="0"/>
-              <a:t>07/05/2022</a:t>
+              <a:t>08/05/2022</a:t>
             </a:fld>
             <a:endParaRPr lang="fr-FR"/>
           </a:p>
@@ -878,7 +878,7 @@
           <a:p>
             <a:fld id="{8C52326C-F649-4E85-9AEA-DEE8D2390CE5}" type="datetimeFigureOut">
               <a:rPr lang="fr-FR" smtClean="0"/>
-              <a:t>07/05/2022</a:t>
+              <a:t>08/05/2022</a:t>
             </a:fld>
             <a:endParaRPr lang="fr-FR"/>
           </a:p>
@@ -1153,7 +1153,7 @@
           <a:p>
             <a:fld id="{8C52326C-F649-4E85-9AEA-DEE8D2390CE5}" type="datetimeFigureOut">
               <a:rPr lang="fr-FR" smtClean="0"/>
-              <a:t>07/05/2022</a:t>
+              <a:t>08/05/2022</a:t>
             </a:fld>
             <a:endParaRPr lang="fr-FR"/>
           </a:p>
@@ -1418,7 +1418,7 @@
           <a:p>
             <a:fld id="{8C52326C-F649-4E85-9AEA-DEE8D2390CE5}" type="datetimeFigureOut">
               <a:rPr lang="fr-FR" smtClean="0"/>
-              <a:t>07/05/2022</a:t>
+              <a:t>08/05/2022</a:t>
             </a:fld>
             <a:endParaRPr lang="fr-FR"/>
           </a:p>
@@ -1830,7 +1830,7 @@
           <a:p>
             <a:fld id="{8C52326C-F649-4E85-9AEA-DEE8D2390CE5}" type="datetimeFigureOut">
               <a:rPr lang="fr-FR" smtClean="0"/>
-              <a:t>07/05/2022</a:t>
+              <a:t>08/05/2022</a:t>
             </a:fld>
             <a:endParaRPr lang="fr-FR"/>
           </a:p>
@@ -1971,7 +1971,7 @@
           <a:p>
             <a:fld id="{8C52326C-F649-4E85-9AEA-DEE8D2390CE5}" type="datetimeFigureOut">
               <a:rPr lang="fr-FR" smtClean="0"/>
-              <a:t>07/05/2022</a:t>
+              <a:t>08/05/2022</a:t>
             </a:fld>
             <a:endParaRPr lang="fr-FR"/>
           </a:p>
@@ -2084,7 +2084,7 @@
           <a:p>
             <a:fld id="{8C52326C-F649-4E85-9AEA-DEE8D2390CE5}" type="datetimeFigureOut">
               <a:rPr lang="fr-FR" smtClean="0"/>
-              <a:t>07/05/2022</a:t>
+              <a:t>08/05/2022</a:t>
             </a:fld>
             <a:endParaRPr lang="fr-FR"/>
           </a:p>
@@ -2395,7 +2395,7 @@
           <a:p>
             <a:fld id="{8C52326C-F649-4E85-9AEA-DEE8D2390CE5}" type="datetimeFigureOut">
               <a:rPr lang="fr-FR" smtClean="0"/>
-              <a:t>07/05/2022</a:t>
+              <a:t>08/05/2022</a:t>
             </a:fld>
             <a:endParaRPr lang="fr-FR"/>
           </a:p>
@@ -2683,7 +2683,7 @@
           <a:p>
             <a:fld id="{8C52326C-F649-4E85-9AEA-DEE8D2390CE5}" type="datetimeFigureOut">
               <a:rPr lang="fr-FR" smtClean="0"/>
-              <a:t>07/05/2022</a:t>
+              <a:t>08/05/2022</a:t>
             </a:fld>
             <a:endParaRPr lang="fr-FR"/>
           </a:p>
@@ -2924,7 +2924,7 @@
           <a:p>
             <a:fld id="{8C52326C-F649-4E85-9AEA-DEE8D2390CE5}" type="datetimeFigureOut">
               <a:rPr lang="fr-FR" smtClean="0"/>
-              <a:t>07/05/2022</a:t>
+              <a:t>08/05/2022</a:t>
             </a:fld>
             <a:endParaRPr lang="fr-FR"/>
           </a:p>
@@ -3451,6 +3451,102 @@
           <a:chExt cx="0" cy="0"/>
         </a:xfrm>
       </p:grpSpPr>
+      <p:cxnSp>
+        <p:nvCxnSpPr>
+          <p:cNvPr id="28" name="Connecteur droit 27">
+            <a:extLst>
+              <a:ext uri="{FF2B5EF4-FFF2-40B4-BE49-F238E27FC236}">
+                <a16:creationId xmlns:a16="http://schemas.microsoft.com/office/drawing/2014/main" id="{C74975E6-0C86-2C0D-1C03-38CA4DF43AE8}"/>
+              </a:ext>
+            </a:extLst>
+          </p:cNvPr>
+          <p:cNvCxnSpPr>
+            <a:cxnSpLocks/>
+          </p:cNvCxnSpPr>
+          <p:nvPr/>
+        </p:nvCxnSpPr>
+        <p:spPr>
+          <a:xfrm>
+            <a:off x="6819954" y="1989882"/>
+            <a:ext cx="720000" cy="0"/>
+          </a:xfrm>
+          <a:prstGeom prst="line">
+            <a:avLst/>
+          </a:prstGeom>
+          <a:solidFill>
+            <a:schemeClr val="bg1"/>
+          </a:solidFill>
+          <a:ln w="28575">
+            <a:solidFill>
+              <a:srgbClr val="7030A0"/>
+            </a:solidFill>
+          </a:ln>
+        </p:spPr>
+        <p:style>
+          <a:lnRef idx="2">
+            <a:schemeClr val="accent1">
+              <a:shade val="50000"/>
+            </a:schemeClr>
+          </a:lnRef>
+          <a:fillRef idx="1">
+            <a:schemeClr val="accent1"/>
+          </a:fillRef>
+          <a:effectRef idx="0">
+            <a:schemeClr val="accent1"/>
+          </a:effectRef>
+          <a:fontRef idx="minor">
+            <a:schemeClr val="lt1"/>
+          </a:fontRef>
+        </p:style>
+      </p:cxnSp>
+      <p:cxnSp>
+        <p:nvCxnSpPr>
+          <p:cNvPr id="24" name="Connecteur droit 23">
+            <a:extLst>
+              <a:ext uri="{FF2B5EF4-FFF2-40B4-BE49-F238E27FC236}">
+                <a16:creationId xmlns:a16="http://schemas.microsoft.com/office/drawing/2014/main" id="{419E6C69-F7DC-0316-44A5-385751940AED}"/>
+              </a:ext>
+            </a:extLst>
+          </p:cNvPr>
+          <p:cNvCxnSpPr>
+            <a:cxnSpLocks/>
+          </p:cNvCxnSpPr>
+          <p:nvPr/>
+        </p:nvCxnSpPr>
+        <p:spPr>
+          <a:xfrm>
+            <a:off x="3939954" y="1989882"/>
+            <a:ext cx="720000" cy="0"/>
+          </a:xfrm>
+          <a:prstGeom prst="line">
+            <a:avLst/>
+          </a:prstGeom>
+          <a:solidFill>
+            <a:schemeClr val="bg1"/>
+          </a:solidFill>
+          <a:ln w="28575">
+            <a:solidFill>
+              <a:srgbClr val="7030A0"/>
+            </a:solidFill>
+          </a:ln>
+        </p:spPr>
+        <p:style>
+          <a:lnRef idx="2">
+            <a:schemeClr val="accent1">
+              <a:shade val="50000"/>
+            </a:schemeClr>
+          </a:lnRef>
+          <a:fillRef idx="1">
+            <a:schemeClr val="accent1"/>
+          </a:fillRef>
+          <a:effectRef idx="0">
+            <a:schemeClr val="accent1"/>
+          </a:effectRef>
+          <a:fontRef idx="minor">
+            <a:schemeClr val="lt1"/>
+          </a:fontRef>
+        </p:style>
+      </p:cxnSp>
       <p:sp>
         <p:nvSpPr>
           <p:cNvPr id="22" name="Rectangle 21">
@@ -3465,7 +3561,7 @@
         </p:nvSpPr>
         <p:spPr>
           <a:xfrm>
-            <a:off x="6593948" y="3472796"/>
+            <a:off x="6585954" y="2043227"/>
             <a:ext cx="468000" cy="144000"/>
           </a:xfrm>
           <a:prstGeom prst="rect">
@@ -3521,7 +3617,7 @@
         </p:nvSpPr>
         <p:spPr>
           <a:xfrm>
-            <a:off x="5181257" y="3249000"/>
+            <a:off x="4479954" y="1809882"/>
             <a:ext cx="360000" cy="360000"/>
           </a:xfrm>
           <a:prstGeom prst="arc">
@@ -3584,7 +3680,7 @@
         </p:nvSpPr>
         <p:spPr>
           <a:xfrm>
-            <a:off x="5220053" y="3285000"/>
+            <a:off x="4515954" y="1845882"/>
             <a:ext cx="288000" cy="288000"/>
           </a:xfrm>
           <a:prstGeom prst="ellipse">
@@ -3638,7 +3734,7 @@
         </p:nvSpPr>
         <p:spPr>
           <a:xfrm>
-            <a:off x="6683948" y="3285000"/>
+            <a:off x="6675954" y="1845882"/>
             <a:ext cx="288000" cy="288000"/>
           </a:xfrm>
           <a:prstGeom prst="ellipse">
@@ -3688,6 +3784,7 @@
             </a:extLst>
           </p:cNvPr>
           <p:cNvCxnSpPr>
+            <a:cxnSpLocks/>
             <a:stCxn id="4" idx="6"/>
             <a:endCxn id="5" idx="2"/>
           </p:cNvCxnSpPr>
@@ -3695,8 +3792,8 @@
         </p:nvCxnSpPr>
         <p:spPr>
           <a:xfrm>
-            <a:off x="5508053" y="3429000"/>
-            <a:ext cx="1175895" cy="0"/>
+            <a:off x="4803954" y="1989882"/>
+            <a:ext cx="1872000" cy="0"/>
           </a:xfrm>
           <a:prstGeom prst="line">
             <a:avLst/>
@@ -3729,102 +3826,6 @@
       </p:cxnSp>
       <p:cxnSp>
         <p:nvCxnSpPr>
-          <p:cNvPr id="8" name="Connecteur droit 7">
-            <a:extLst>
-              <a:ext uri="{FF2B5EF4-FFF2-40B4-BE49-F238E27FC236}">
-                <a16:creationId xmlns:a16="http://schemas.microsoft.com/office/drawing/2014/main" id="{4EA38E8F-8768-AF0F-A8F4-5BD3C0D6222E}"/>
-              </a:ext>
-            </a:extLst>
-          </p:cNvPr>
-          <p:cNvCxnSpPr>
-            <a:cxnSpLocks/>
-          </p:cNvCxnSpPr>
-          <p:nvPr/>
-        </p:nvCxnSpPr>
-        <p:spPr>
-          <a:xfrm flipH="1">
-            <a:off x="4860053" y="3429000"/>
-            <a:ext cx="360000" cy="0"/>
-          </a:xfrm>
-          <a:prstGeom prst="line">
-            <a:avLst/>
-          </a:prstGeom>
-          <a:solidFill>
-            <a:schemeClr val="bg1"/>
-          </a:solidFill>
-          <a:ln w="28575">
-            <a:solidFill>
-              <a:srgbClr val="7030A0"/>
-            </a:solidFill>
-          </a:ln>
-        </p:spPr>
-        <p:style>
-          <a:lnRef idx="2">
-            <a:schemeClr val="accent1">
-              <a:shade val="50000"/>
-            </a:schemeClr>
-          </a:lnRef>
-          <a:fillRef idx="1">
-            <a:schemeClr val="accent1"/>
-          </a:fillRef>
-          <a:effectRef idx="0">
-            <a:schemeClr val="accent1"/>
-          </a:effectRef>
-          <a:fontRef idx="minor">
-            <a:schemeClr val="lt1"/>
-          </a:fontRef>
-        </p:style>
-      </p:cxnSp>
-      <p:cxnSp>
-        <p:nvCxnSpPr>
-          <p:cNvPr id="11" name="Connecteur droit 10">
-            <a:extLst>
-              <a:ext uri="{FF2B5EF4-FFF2-40B4-BE49-F238E27FC236}">
-                <a16:creationId xmlns:a16="http://schemas.microsoft.com/office/drawing/2014/main" id="{0E3472CC-C63F-64B9-D10A-1FED1F7B0E57}"/>
-              </a:ext>
-            </a:extLst>
-          </p:cNvPr>
-          <p:cNvCxnSpPr>
-            <a:cxnSpLocks/>
-          </p:cNvCxnSpPr>
-          <p:nvPr/>
-        </p:nvCxnSpPr>
-        <p:spPr>
-          <a:xfrm flipH="1">
-            <a:off x="6971948" y="3435112"/>
-            <a:ext cx="360000" cy="0"/>
-          </a:xfrm>
-          <a:prstGeom prst="line">
-            <a:avLst/>
-          </a:prstGeom>
-          <a:solidFill>
-            <a:schemeClr val="bg1"/>
-          </a:solidFill>
-          <a:ln w="28575">
-            <a:solidFill>
-              <a:srgbClr val="7030A0"/>
-            </a:solidFill>
-          </a:ln>
-        </p:spPr>
-        <p:style>
-          <a:lnRef idx="2">
-            <a:schemeClr val="accent1">
-              <a:shade val="50000"/>
-            </a:schemeClr>
-          </a:lnRef>
-          <a:fillRef idx="1">
-            <a:schemeClr val="accent1"/>
-          </a:fillRef>
-          <a:effectRef idx="0">
-            <a:schemeClr val="accent1"/>
-          </a:effectRef>
-          <a:fontRef idx="minor">
-            <a:schemeClr val="lt1"/>
-          </a:fontRef>
-        </p:style>
-      </p:cxnSp>
-      <p:cxnSp>
-        <p:nvCxnSpPr>
           <p:cNvPr id="12" name="Connecteur droit 11">
             <a:extLst>
               <a:ext uri="{FF2B5EF4-FFF2-40B4-BE49-F238E27FC236}">
@@ -3839,7 +3840,7 @@
         </p:nvCxnSpPr>
         <p:spPr>
           <a:xfrm flipV="1">
-            <a:off x="4860053" y="3429000"/>
+            <a:off x="3938639" y="1989882"/>
             <a:ext cx="0" cy="712694"/>
           </a:xfrm>
           <a:prstGeom prst="line">
@@ -3888,7 +3889,7 @@
         </p:nvCxnSpPr>
         <p:spPr>
           <a:xfrm>
-            <a:off x="7331948" y="3429000"/>
+            <a:off x="7539954" y="1989882"/>
             <a:ext cx="0" cy="531770"/>
           </a:xfrm>
           <a:prstGeom prst="line">
@@ -3937,7 +3938,7 @@
             </p:nvSpPr>
             <p:spPr>
               <a:xfrm>
-                <a:off x="4065737" y="3932791"/>
+                <a:off x="3185368" y="2282129"/>
                 <a:ext cx="708271" cy="208903"/>
               </a:xfrm>
               <a:prstGeom prst="rect">
@@ -3951,6 +3952,7 @@
               </a:bodyPr>
               <a:lstStyle/>
               <a:p>
+                <a:pPr/>
                 <a14:m>
                   <m:oMathPara xmlns:m="http://schemas.openxmlformats.org/officeDocument/2006/math">
                     <m:oMathParaPr>
@@ -4034,7 +4036,7 @@
             </p:nvSpPr>
             <p:spPr>
               <a:xfrm>
-                <a:off x="4065737" y="3932791"/>
+                <a:off x="3185368" y="2282129"/>
                 <a:ext cx="708271" cy="208903"/>
               </a:xfrm>
               <a:prstGeom prst="rect">
@@ -4043,7 +4045,7 @@
               <a:blipFill>
                 <a:blip r:embed="rId2"/>
                 <a:stretch>
-                  <a:fillRect l="-4310" r="-1724" b="-29412"/>
+                  <a:fillRect l="-4310" r="-1724" b="-25714"/>
                 </a:stretch>
               </a:blipFill>
             </p:spPr>
@@ -4078,7 +4080,7 @@
             </p:nvSpPr>
             <p:spPr>
               <a:xfrm>
-                <a:off x="7337813" y="3932791"/>
+                <a:off x="7629954" y="2106838"/>
                 <a:ext cx="897425" cy="208903"/>
               </a:xfrm>
               <a:prstGeom prst="rect">
@@ -4092,6 +4094,7 @@
               </a:bodyPr>
               <a:lstStyle/>
               <a:p>
+                <a:pPr/>
                 <a14:m>
                   <m:oMathPara xmlns:m="http://schemas.openxmlformats.org/officeDocument/2006/math">
                     <m:oMathParaPr>
@@ -4175,7 +4178,7 @@
             </p:nvSpPr>
             <p:spPr>
               <a:xfrm>
-                <a:off x="7337813" y="3932791"/>
+                <a:off x="7629954" y="2106838"/>
                 <a:ext cx="897425" cy="208903"/>
               </a:xfrm>
               <a:prstGeom prst="rect">
@@ -4184,7 +4187,7 @@
               <a:blipFill>
                 <a:blip r:embed="rId3"/>
                 <a:stretch>
-                  <a:fillRect l="-3401" r="-1361" b="-29412"/>
+                  <a:fillRect l="-3401" r="-1361" b="-26471"/>
                 </a:stretch>
               </a:blipFill>
             </p:spPr>
@@ -4219,7 +4222,7 @@
         </p:nvCxnSpPr>
         <p:spPr>
           <a:xfrm>
-            <a:off x="5361257" y="3609000"/>
+            <a:off x="4659954" y="2169882"/>
             <a:ext cx="0" cy="216699"/>
           </a:xfrm>
           <a:prstGeom prst="line">
@@ -4270,7 +4273,7 @@
         </p:nvCxnSpPr>
         <p:spPr>
           <a:xfrm flipV="1">
-            <a:off x="6827948" y="3616796"/>
+            <a:off x="6819954" y="2187227"/>
             <a:ext cx="0" cy="208903"/>
           </a:xfrm>
           <a:prstGeom prst="line">
@@ -4320,8 +4323,8 @@
         </p:nvCxnSpPr>
         <p:spPr>
           <a:xfrm flipH="1">
-            <a:off x="5362606" y="3825699"/>
-            <a:ext cx="1465342" cy="0"/>
+            <a:off x="4645659" y="2396130"/>
+            <a:ext cx="2174295" cy="0"/>
           </a:xfrm>
           <a:prstGeom prst="line">
             <a:avLst/>
@@ -4370,7 +4373,7 @@
         </p:nvCxnSpPr>
         <p:spPr>
           <a:xfrm>
-            <a:off x="6095238" y="3836424"/>
+            <a:off x="5771147" y="2397171"/>
             <a:ext cx="0" cy="216699"/>
           </a:xfrm>
           <a:prstGeom prst="line">
@@ -4418,7 +4421,7 @@
         </p:nvSpPr>
         <p:spPr>
           <a:xfrm>
-            <a:off x="5891284" y="4044287"/>
+            <a:off x="5567193" y="2605034"/>
             <a:ext cx="418531" cy="153602"/>
           </a:xfrm>
           <a:custGeom>
@@ -4537,7 +4540,7 @@
         </p:nvCxnSpPr>
         <p:spPr>
           <a:xfrm rot="5400000">
-            <a:off x="6096000" y="3837123"/>
+            <a:off x="5771909" y="2397870"/>
             <a:ext cx="0" cy="432000"/>
           </a:xfrm>
           <a:prstGeom prst="line">
@@ -4587,7 +4590,7 @@
             </p:nvSpPr>
             <p:spPr>
               <a:xfrm>
-                <a:off x="4793078" y="3212492"/>
+                <a:off x="3878366" y="1780979"/>
                 <a:ext cx="123175" cy="169277"/>
               </a:xfrm>
               <a:prstGeom prst="rect">
@@ -4601,6 +4604,7 @@
               </a:bodyPr>
               <a:lstStyle/>
               <a:p>
+                <a:pPr/>
                 <a14:m>
                   <m:oMathPara xmlns:m="http://schemas.openxmlformats.org/officeDocument/2006/math">
                     <m:oMathParaPr>
@@ -4638,7 +4642,7 @@
             </p:nvSpPr>
             <p:spPr>
               <a:xfrm>
-                <a:off x="4793078" y="3212492"/>
+                <a:off x="3878366" y="1780979"/>
                 <a:ext cx="123175" cy="169277"/>
               </a:xfrm>
               <a:prstGeom prst="rect">
@@ -4682,7 +4686,7 @@
             </p:nvSpPr>
             <p:spPr>
               <a:xfrm>
-                <a:off x="5299669" y="3066413"/>
+                <a:off x="4356884" y="1780979"/>
                 <a:ext cx="128818" cy="169277"/>
               </a:xfrm>
               <a:prstGeom prst="rect">
@@ -4696,6 +4700,7 @@
               </a:bodyPr>
               <a:lstStyle/>
               <a:p>
+                <a:pPr/>
                 <a14:m>
                   <m:oMathPara xmlns:m="http://schemas.openxmlformats.org/officeDocument/2006/math">
                     <m:oMathParaPr>
@@ -4733,7 +4738,7 @@
             </p:nvSpPr>
             <p:spPr>
               <a:xfrm>
-                <a:off x="5299669" y="3066413"/>
+                <a:off x="4356884" y="1780979"/>
                 <a:ext cx="128818" cy="169277"/>
               </a:xfrm>
               <a:prstGeom prst="rect">
@@ -4777,7 +4782,7 @@
             </p:nvSpPr>
             <p:spPr>
               <a:xfrm>
-                <a:off x="6763539" y="3066413"/>
+                <a:off x="6540982" y="1780979"/>
                 <a:ext cx="123239" cy="169277"/>
               </a:xfrm>
               <a:prstGeom prst="rect">
@@ -4791,6 +4796,7 @@
               </a:bodyPr>
               <a:lstStyle/>
               <a:p>
+                <a:pPr/>
                 <a14:m>
                   <m:oMathPara xmlns:m="http://schemas.openxmlformats.org/officeDocument/2006/math">
                     <m:oMathParaPr>
@@ -4828,7 +4834,7 @@
             </p:nvSpPr>
             <p:spPr>
               <a:xfrm>
-                <a:off x="6763539" y="3066413"/>
+                <a:off x="6540982" y="1780979"/>
                 <a:ext cx="123239" cy="169277"/>
               </a:xfrm>
               <a:prstGeom prst="rect">
@@ -4872,7 +4878,7 @@
             </p:nvSpPr>
             <p:spPr>
               <a:xfrm>
-                <a:off x="7264975" y="3212491"/>
+                <a:off x="7472981" y="1780979"/>
                 <a:ext cx="133946" cy="169277"/>
               </a:xfrm>
               <a:prstGeom prst="rect">
@@ -4886,6 +4892,7 @@
               </a:bodyPr>
               <a:lstStyle/>
               <a:p>
+                <a:pPr/>
                 <a14:m>
                   <m:oMathPara xmlns:m="http://schemas.openxmlformats.org/officeDocument/2006/math">
                     <m:oMathParaPr>
@@ -4923,7 +4930,7 @@
             </p:nvSpPr>
             <p:spPr>
               <a:xfrm>
-                <a:off x="7264975" y="3212491"/>
+                <a:off x="7472981" y="1780979"/>
                 <a:ext cx="133946" cy="169277"/>
               </a:xfrm>
               <a:prstGeom prst="rect">
@@ -4981,6 +4988,102 @@
           <a:chExt cx="0" cy="0"/>
         </a:xfrm>
       </p:grpSpPr>
+      <p:cxnSp>
+        <p:nvCxnSpPr>
+          <p:cNvPr id="28" name="Connecteur droit 27">
+            <a:extLst>
+              <a:ext uri="{FF2B5EF4-FFF2-40B4-BE49-F238E27FC236}">
+                <a16:creationId xmlns:a16="http://schemas.microsoft.com/office/drawing/2014/main" id="{C74975E6-0C86-2C0D-1C03-38CA4DF43AE8}"/>
+              </a:ext>
+            </a:extLst>
+          </p:cNvPr>
+          <p:cNvCxnSpPr>
+            <a:cxnSpLocks/>
+          </p:cNvCxnSpPr>
+          <p:nvPr/>
+        </p:nvCxnSpPr>
+        <p:spPr>
+          <a:xfrm>
+            <a:off x="6819954" y="1989882"/>
+            <a:ext cx="720000" cy="0"/>
+          </a:xfrm>
+          <a:prstGeom prst="line">
+            <a:avLst/>
+          </a:prstGeom>
+          <a:solidFill>
+            <a:schemeClr val="bg1"/>
+          </a:solidFill>
+          <a:ln w="28575">
+            <a:solidFill>
+              <a:srgbClr val="7030A0"/>
+            </a:solidFill>
+          </a:ln>
+        </p:spPr>
+        <p:style>
+          <a:lnRef idx="2">
+            <a:schemeClr val="accent1">
+              <a:shade val="50000"/>
+            </a:schemeClr>
+          </a:lnRef>
+          <a:fillRef idx="1">
+            <a:schemeClr val="accent1"/>
+          </a:fillRef>
+          <a:effectRef idx="0">
+            <a:schemeClr val="accent1"/>
+          </a:effectRef>
+          <a:fontRef idx="minor">
+            <a:schemeClr val="lt1"/>
+          </a:fontRef>
+        </p:style>
+      </p:cxnSp>
+      <p:cxnSp>
+        <p:nvCxnSpPr>
+          <p:cNvPr id="24" name="Connecteur droit 23">
+            <a:extLst>
+              <a:ext uri="{FF2B5EF4-FFF2-40B4-BE49-F238E27FC236}">
+                <a16:creationId xmlns:a16="http://schemas.microsoft.com/office/drawing/2014/main" id="{419E6C69-F7DC-0316-44A5-385751940AED}"/>
+              </a:ext>
+            </a:extLst>
+          </p:cNvPr>
+          <p:cNvCxnSpPr>
+            <a:cxnSpLocks/>
+          </p:cNvCxnSpPr>
+          <p:nvPr/>
+        </p:nvCxnSpPr>
+        <p:spPr>
+          <a:xfrm>
+            <a:off x="3939954" y="1989882"/>
+            <a:ext cx="720000" cy="0"/>
+          </a:xfrm>
+          <a:prstGeom prst="line">
+            <a:avLst/>
+          </a:prstGeom>
+          <a:solidFill>
+            <a:schemeClr val="bg1"/>
+          </a:solidFill>
+          <a:ln w="28575">
+            <a:solidFill>
+              <a:srgbClr val="7030A0"/>
+            </a:solidFill>
+          </a:ln>
+        </p:spPr>
+        <p:style>
+          <a:lnRef idx="2">
+            <a:schemeClr val="accent1">
+              <a:shade val="50000"/>
+            </a:schemeClr>
+          </a:lnRef>
+          <a:fillRef idx="1">
+            <a:schemeClr val="accent1"/>
+          </a:fillRef>
+          <a:effectRef idx="0">
+            <a:schemeClr val="accent1"/>
+          </a:effectRef>
+          <a:fontRef idx="minor">
+            <a:schemeClr val="lt1"/>
+          </a:fontRef>
+        </p:style>
+      </p:cxnSp>
       <p:sp>
         <p:nvSpPr>
           <p:cNvPr id="22" name="Rectangle 21">
@@ -4995,7 +5098,7 @@
         </p:nvSpPr>
         <p:spPr>
           <a:xfrm>
-            <a:off x="6593948" y="3472796"/>
+            <a:off x="6585954" y="2043227"/>
             <a:ext cx="468000" cy="144000"/>
           </a:xfrm>
           <a:prstGeom prst="rect">
@@ -5051,7 +5154,7 @@
         </p:nvSpPr>
         <p:spPr>
           <a:xfrm>
-            <a:off x="5181257" y="3249000"/>
+            <a:off x="4479954" y="1809882"/>
             <a:ext cx="360000" cy="360000"/>
           </a:xfrm>
           <a:prstGeom prst="arc">
@@ -5114,7 +5217,7 @@
         </p:nvSpPr>
         <p:spPr>
           <a:xfrm>
-            <a:off x="5220053" y="3285000"/>
+            <a:off x="4515954" y="1845882"/>
             <a:ext cx="288000" cy="288000"/>
           </a:xfrm>
           <a:prstGeom prst="ellipse">
@@ -5168,7 +5271,7 @@
         </p:nvSpPr>
         <p:spPr>
           <a:xfrm>
-            <a:off x="6683948" y="3285000"/>
+            <a:off x="6675954" y="1845882"/>
             <a:ext cx="288000" cy="288000"/>
           </a:xfrm>
           <a:prstGeom prst="ellipse">
@@ -5218,6 +5321,7 @@
             </a:extLst>
           </p:cNvPr>
           <p:cNvCxnSpPr>
+            <a:cxnSpLocks/>
             <a:stCxn id="4" idx="6"/>
             <a:endCxn id="5" idx="2"/>
           </p:cNvCxnSpPr>
@@ -5225,8 +5329,8 @@
         </p:nvCxnSpPr>
         <p:spPr>
           <a:xfrm>
-            <a:off x="5508053" y="3429000"/>
-            <a:ext cx="1175895" cy="0"/>
+            <a:off x="4803954" y="1989882"/>
+            <a:ext cx="1872000" cy="0"/>
           </a:xfrm>
           <a:prstGeom prst="line">
             <a:avLst/>
@@ -5259,102 +5363,6 @@
       </p:cxnSp>
       <p:cxnSp>
         <p:nvCxnSpPr>
-          <p:cNvPr id="8" name="Connecteur droit 7">
-            <a:extLst>
-              <a:ext uri="{FF2B5EF4-FFF2-40B4-BE49-F238E27FC236}">
-                <a16:creationId xmlns:a16="http://schemas.microsoft.com/office/drawing/2014/main" id="{4EA38E8F-8768-AF0F-A8F4-5BD3C0D6222E}"/>
-              </a:ext>
-            </a:extLst>
-          </p:cNvPr>
-          <p:cNvCxnSpPr>
-            <a:cxnSpLocks/>
-          </p:cNvCxnSpPr>
-          <p:nvPr/>
-        </p:nvCxnSpPr>
-        <p:spPr>
-          <a:xfrm flipH="1">
-            <a:off x="4654550" y="3429000"/>
-            <a:ext cx="565503" cy="0"/>
-          </a:xfrm>
-          <a:prstGeom prst="line">
-            <a:avLst/>
-          </a:prstGeom>
-          <a:solidFill>
-            <a:schemeClr val="bg1"/>
-          </a:solidFill>
-          <a:ln w="28575">
-            <a:solidFill>
-              <a:srgbClr val="7030A0"/>
-            </a:solidFill>
-          </a:ln>
-        </p:spPr>
-        <p:style>
-          <a:lnRef idx="2">
-            <a:schemeClr val="accent1">
-              <a:shade val="50000"/>
-            </a:schemeClr>
-          </a:lnRef>
-          <a:fillRef idx="1">
-            <a:schemeClr val="accent1"/>
-          </a:fillRef>
-          <a:effectRef idx="0">
-            <a:schemeClr val="accent1"/>
-          </a:effectRef>
-          <a:fontRef idx="minor">
-            <a:schemeClr val="lt1"/>
-          </a:fontRef>
-        </p:style>
-      </p:cxnSp>
-      <p:cxnSp>
-        <p:nvCxnSpPr>
-          <p:cNvPr id="11" name="Connecteur droit 10">
-            <a:extLst>
-              <a:ext uri="{FF2B5EF4-FFF2-40B4-BE49-F238E27FC236}">
-                <a16:creationId xmlns:a16="http://schemas.microsoft.com/office/drawing/2014/main" id="{0E3472CC-C63F-64B9-D10A-1FED1F7B0E57}"/>
-              </a:ext>
-            </a:extLst>
-          </p:cNvPr>
-          <p:cNvCxnSpPr>
-            <a:cxnSpLocks/>
-          </p:cNvCxnSpPr>
-          <p:nvPr/>
-        </p:nvCxnSpPr>
-        <p:spPr>
-          <a:xfrm flipH="1">
-            <a:off x="6971948" y="3435112"/>
-            <a:ext cx="552802" cy="0"/>
-          </a:xfrm>
-          <a:prstGeom prst="line">
-            <a:avLst/>
-          </a:prstGeom>
-          <a:solidFill>
-            <a:schemeClr val="bg1"/>
-          </a:solidFill>
-          <a:ln w="28575">
-            <a:solidFill>
-              <a:srgbClr val="7030A0"/>
-            </a:solidFill>
-          </a:ln>
-        </p:spPr>
-        <p:style>
-          <a:lnRef idx="2">
-            <a:schemeClr val="accent1">
-              <a:shade val="50000"/>
-            </a:schemeClr>
-          </a:lnRef>
-          <a:fillRef idx="1">
-            <a:schemeClr val="accent1"/>
-          </a:fillRef>
-          <a:effectRef idx="0">
-            <a:schemeClr val="accent1"/>
-          </a:effectRef>
-          <a:fontRef idx="minor">
-            <a:schemeClr val="lt1"/>
-          </a:fontRef>
-        </p:style>
-      </p:cxnSp>
-      <p:cxnSp>
-        <p:nvCxnSpPr>
           <p:cNvPr id="12" name="Connecteur droit 11">
             <a:extLst>
               <a:ext uri="{FF2B5EF4-FFF2-40B4-BE49-F238E27FC236}">
@@ -5369,7 +5377,7 @@
         </p:nvCxnSpPr>
         <p:spPr>
           <a:xfrm flipV="1">
-            <a:off x="4648710" y="3435112"/>
+            <a:off x="3938639" y="1989882"/>
             <a:ext cx="0" cy="712694"/>
           </a:xfrm>
           <a:prstGeom prst="line">
@@ -5418,7 +5426,7 @@
         </p:nvCxnSpPr>
         <p:spPr>
           <a:xfrm>
-            <a:off x="7515985" y="3437545"/>
+            <a:off x="7539954" y="1989882"/>
             <a:ext cx="0" cy="531770"/>
           </a:xfrm>
           <a:prstGeom prst="line">
@@ -5467,7 +5475,7 @@
             </p:nvSpPr>
             <p:spPr>
               <a:xfrm>
-                <a:off x="3854394" y="3938903"/>
+                <a:off x="3185368" y="2282129"/>
                 <a:ext cx="708271" cy="208903"/>
               </a:xfrm>
               <a:prstGeom prst="rect">
@@ -5481,6 +5489,7 @@
               </a:bodyPr>
               <a:lstStyle/>
               <a:p>
+                <a:pPr/>
                 <a14:m>
                   <m:oMathPara xmlns:m="http://schemas.openxmlformats.org/officeDocument/2006/math">
                     <m:oMathParaPr>
@@ -5564,7 +5573,7 @@
             </p:nvSpPr>
             <p:spPr>
               <a:xfrm>
-                <a:off x="3854394" y="3938903"/>
+                <a:off x="3185368" y="2282129"/>
                 <a:ext cx="708271" cy="208903"/>
               </a:xfrm>
               <a:prstGeom prst="rect">
@@ -5573,7 +5582,7 @@
               <a:blipFill>
                 <a:blip r:embed="rId2"/>
                 <a:stretch>
-                  <a:fillRect l="-4310" r="-1724" b="-29412"/>
+                  <a:fillRect l="-4310" r="-1724" b="-25714"/>
                 </a:stretch>
               </a:blipFill>
             </p:spPr>
@@ -5608,7 +5617,7 @@
             </p:nvSpPr>
             <p:spPr>
               <a:xfrm>
-                <a:off x="7521850" y="3941336"/>
+                <a:off x="7629954" y="2106838"/>
                 <a:ext cx="897425" cy="208903"/>
               </a:xfrm>
               <a:prstGeom prst="rect">
@@ -5622,6 +5631,7 @@
               </a:bodyPr>
               <a:lstStyle/>
               <a:p>
+                <a:pPr/>
                 <a14:m>
                   <m:oMathPara xmlns:m="http://schemas.openxmlformats.org/officeDocument/2006/math">
                     <m:oMathParaPr>
@@ -5705,7 +5715,7 @@
             </p:nvSpPr>
             <p:spPr>
               <a:xfrm>
-                <a:off x="7521850" y="3941336"/>
+                <a:off x="7629954" y="2106838"/>
                 <a:ext cx="897425" cy="208903"/>
               </a:xfrm>
               <a:prstGeom prst="rect">
@@ -5749,7 +5759,7 @@
         </p:nvCxnSpPr>
         <p:spPr>
           <a:xfrm>
-            <a:off x="5361257" y="3609000"/>
+            <a:off x="4659954" y="2169882"/>
             <a:ext cx="0" cy="216699"/>
           </a:xfrm>
           <a:prstGeom prst="line">
@@ -5800,7 +5810,7 @@
         </p:nvCxnSpPr>
         <p:spPr>
           <a:xfrm flipV="1">
-            <a:off x="6827948" y="3616796"/>
+            <a:off x="6819954" y="2187227"/>
             <a:ext cx="0" cy="208903"/>
           </a:xfrm>
           <a:prstGeom prst="line">
@@ -5850,8 +5860,8 @@
         </p:nvCxnSpPr>
         <p:spPr>
           <a:xfrm flipH="1">
-            <a:off x="5362606" y="3825699"/>
-            <a:ext cx="1465342" cy="0"/>
+            <a:off x="4645659" y="2396130"/>
+            <a:ext cx="2174295" cy="0"/>
           </a:xfrm>
           <a:prstGeom prst="line">
             <a:avLst/>
@@ -5900,7 +5910,7 @@
         </p:nvCxnSpPr>
         <p:spPr>
           <a:xfrm>
-            <a:off x="6095238" y="3836424"/>
+            <a:off x="5771147" y="2397171"/>
             <a:ext cx="0" cy="216699"/>
           </a:xfrm>
           <a:prstGeom prst="line">
@@ -5948,8 +5958,8 @@
         </p:nvSpPr>
         <p:spPr>
           <a:xfrm>
-            <a:off x="5891284" y="4044287"/>
-            <a:ext cx="418531" cy="97402"/>
+            <a:off x="5567193" y="2605034"/>
+            <a:ext cx="418531" cy="153602"/>
           </a:xfrm>
           <a:custGeom>
             <a:avLst/>
@@ -6067,7 +6077,7 @@
         </p:nvCxnSpPr>
         <p:spPr>
           <a:xfrm rot="5400000">
-            <a:off x="6096000" y="3837123"/>
+            <a:off x="5771909" y="2397870"/>
             <a:ext cx="0" cy="432000"/>
           </a:xfrm>
           <a:prstGeom prst="line">
@@ -6117,7 +6127,7 @@
             </p:nvSpPr>
             <p:spPr>
               <a:xfrm>
-                <a:off x="4581056" y="3250836"/>
+                <a:off x="3878366" y="1780979"/>
                 <a:ext cx="123175" cy="169277"/>
               </a:xfrm>
               <a:prstGeom prst="rect">
@@ -6131,6 +6141,7 @@
               </a:bodyPr>
               <a:lstStyle/>
               <a:p>
+                <a:pPr/>
                 <a14:m>
                   <m:oMathPara xmlns:m="http://schemas.openxmlformats.org/officeDocument/2006/math">
                     <m:oMathParaPr>
@@ -6168,7 +6179,7 @@
             </p:nvSpPr>
             <p:spPr>
               <a:xfrm>
-                <a:off x="4581056" y="3250836"/>
+                <a:off x="3878366" y="1780979"/>
                 <a:ext cx="123175" cy="169277"/>
               </a:xfrm>
               <a:prstGeom prst="rect">
@@ -6177,7 +6188,7 @@
               <a:blipFill>
                 <a:blip r:embed="rId4"/>
                 <a:stretch>
-                  <a:fillRect l="-23810" r="-23810" b="-7143"/>
+                  <a:fillRect l="-25000" r="-30000" b="-7143"/>
                 </a:stretch>
               </a:blipFill>
             </p:spPr>
@@ -6212,8 +6223,8 @@
             </p:nvSpPr>
             <p:spPr>
               <a:xfrm>
-                <a:off x="5121490" y="3193086"/>
-                <a:ext cx="154086" cy="169277"/>
+                <a:off x="4356884" y="1780979"/>
+                <a:ext cx="128818" cy="169277"/>
               </a:xfrm>
               <a:prstGeom prst="rect">
                 <a:avLst/>
@@ -6221,11 +6232,12 @@
               <a:noFill/>
             </p:spPr>
             <p:txBody>
-              <a:bodyPr wrap="square" lIns="0" tIns="0" rIns="0" bIns="0" rtlCol="0">
+              <a:bodyPr wrap="none" lIns="0" tIns="0" rIns="0" bIns="0" rtlCol="0">
                 <a:spAutoFit/>
               </a:bodyPr>
               <a:lstStyle/>
               <a:p>
+                <a:pPr/>
                 <a14:m>
                   <m:oMathPara xmlns:m="http://schemas.openxmlformats.org/officeDocument/2006/math">
                     <m:oMathParaPr>
@@ -6263,8 +6275,8 @@
             </p:nvSpPr>
             <p:spPr>
               <a:xfrm>
-                <a:off x="5121490" y="3193086"/>
-                <a:ext cx="154086" cy="169277"/>
+                <a:off x="4356884" y="1780979"/>
+                <a:ext cx="128818" cy="169277"/>
               </a:xfrm>
               <a:prstGeom prst="rect">
                 <a:avLst/>
@@ -6272,7 +6284,7 @@
               <a:blipFill>
                 <a:blip r:embed="rId5"/>
                 <a:stretch>
-                  <a:fillRect l="-12000" r="-12000" b="-7143"/>
+                  <a:fillRect l="-23810" r="-23810" b="-7143"/>
                 </a:stretch>
               </a:blipFill>
             </p:spPr>
@@ -6307,7 +6319,7 @@
             </p:nvSpPr>
             <p:spPr>
               <a:xfrm>
-                <a:off x="6611007" y="3193086"/>
+                <a:off x="6540982" y="1780979"/>
                 <a:ext cx="123239" cy="169277"/>
               </a:xfrm>
               <a:prstGeom prst="rect">
@@ -6321,6 +6333,7 @@
               </a:bodyPr>
               <a:lstStyle/>
               <a:p>
+                <a:pPr/>
                 <a14:m>
                   <m:oMathPara xmlns:m="http://schemas.openxmlformats.org/officeDocument/2006/math">
                     <m:oMathParaPr>
@@ -6358,7 +6371,7 @@
             </p:nvSpPr>
             <p:spPr>
               <a:xfrm>
-                <a:off x="6611007" y="3193086"/>
+                <a:off x="6540982" y="1780979"/>
                 <a:ext cx="123239" cy="169277"/>
               </a:xfrm>
               <a:prstGeom prst="rect">
@@ -6367,7 +6380,7 @@
               <a:blipFill>
                 <a:blip r:embed="rId6"/>
                 <a:stretch>
-                  <a:fillRect l="-23810" r="-19048" b="-7143"/>
+                  <a:fillRect l="-25000" r="-25000" b="-7143"/>
                 </a:stretch>
               </a:blipFill>
             </p:spPr>
@@ -6402,7 +6415,7 @@
             </p:nvSpPr>
             <p:spPr>
               <a:xfrm>
-                <a:off x="7449012" y="3221036"/>
+                <a:off x="7472981" y="1780979"/>
                 <a:ext cx="133946" cy="169277"/>
               </a:xfrm>
               <a:prstGeom prst="rect">
@@ -6416,6 +6429,7 @@
               </a:bodyPr>
               <a:lstStyle/>
               <a:p>
+                <a:pPr/>
                 <a14:m>
                   <m:oMathPara xmlns:m="http://schemas.openxmlformats.org/officeDocument/2006/math">
                     <m:oMathParaPr>
@@ -6453,7 +6467,7 @@
             </p:nvSpPr>
             <p:spPr>
               <a:xfrm>
-                <a:off x="7449012" y="3221036"/>
+                <a:off x="7472981" y="1780979"/>
                 <a:ext cx="133946" cy="169277"/>
               </a:xfrm>
               <a:prstGeom prst="rect">
@@ -6483,10 +6497,10 @@
       </mc:AlternateContent>
       <p:cxnSp>
         <p:nvCxnSpPr>
-          <p:cNvPr id="24" name="Connecteur droit 23">
-            <a:extLst>
-              <a:ext uri="{FF2B5EF4-FFF2-40B4-BE49-F238E27FC236}">
-                <a16:creationId xmlns:a16="http://schemas.microsoft.com/office/drawing/2014/main" id="{374F64CB-CAF1-90B4-A8C1-97C47DD239DF}"/>
+          <p:cNvPr id="25" name="Connecteur droit 24">
+            <a:extLst>
+              <a:ext uri="{FF2B5EF4-FFF2-40B4-BE49-F238E27FC236}">
+                <a16:creationId xmlns:a16="http://schemas.microsoft.com/office/drawing/2014/main" id="{B9D48251-6524-9105-9165-A470C93D49EA}"/>
               </a:ext>
             </a:extLst>
           </p:cNvPr>
@@ -6497,7 +6511,7 @@
         </p:nvCxnSpPr>
         <p:spPr>
           <a:xfrm flipV="1">
-            <a:off x="6827948" y="2747176"/>
+            <a:off x="6819954" y="1294417"/>
             <a:ext cx="0" cy="681824"/>
           </a:xfrm>
           <a:prstGeom prst="line">
@@ -6534,10 +6548,10 @@
         <mc:Choice xmlns:a14="http://schemas.microsoft.com/office/drawing/2010/main" Requires="a14">
           <p:sp>
             <p:nvSpPr>
-              <p:cNvPr id="25" name="ZoneTexte 24">
+              <p:cNvPr id="26" name="ZoneTexte 25">
                 <a:extLst>
                   <a:ext uri="{FF2B5EF4-FFF2-40B4-BE49-F238E27FC236}">
-                    <a16:creationId xmlns:a16="http://schemas.microsoft.com/office/drawing/2014/main" id="{0EFF1796-677B-35AD-A195-32712088437A}"/>
+                    <a16:creationId xmlns:a16="http://schemas.microsoft.com/office/drawing/2014/main" id="{457E0124-6EF8-D914-88BF-1B6E0962DA87}"/>
                   </a:ext>
                 </a:extLst>
               </p:cNvPr>
@@ -6546,7 +6560,7 @@
             </p:nvSpPr>
             <p:spPr>
               <a:xfrm>
-                <a:off x="6883350" y="2734542"/>
+                <a:off x="6871148" y="1293377"/>
                 <a:ext cx="182806" cy="182614"/>
               </a:xfrm>
               <a:prstGeom prst="rect">
@@ -6560,6 +6574,7 @@
               </a:bodyPr>
               <a:lstStyle/>
               <a:p>
+                <a:pPr/>
                 <a14:m>
                   <m:oMathPara xmlns:m="http://schemas.openxmlformats.org/officeDocument/2006/math">
                     <m:oMathParaPr>
@@ -6602,10 +6617,10 @@
         <mc:Fallback>
           <p:sp>
             <p:nvSpPr>
-              <p:cNvPr id="25" name="ZoneTexte 24">
+              <p:cNvPr id="26" name="ZoneTexte 25">
                 <a:extLst>
                   <a:ext uri="{FF2B5EF4-FFF2-40B4-BE49-F238E27FC236}">
-                    <a16:creationId xmlns:a16="http://schemas.microsoft.com/office/drawing/2014/main" id="{0EFF1796-677B-35AD-A195-32712088437A}"/>
+                    <a16:creationId xmlns:a16="http://schemas.microsoft.com/office/drawing/2014/main" id="{457E0124-6EF8-D914-88BF-1B6E0962DA87}"/>
                   </a:ext>
                 </a:extLst>
               </p:cNvPr>
@@ -6616,7 +6631,7 @@
             </p:nvSpPr>
             <p:spPr>
               <a:xfrm>
-                <a:off x="6883350" y="2734542"/>
+                <a:off x="6871148" y="1293377"/>
                 <a:ext cx="182806" cy="182614"/>
               </a:xfrm>
               <a:prstGeom prst="rect">
@@ -6646,10 +6661,10 @@
       </mc:AlternateContent>
       <p:cxnSp>
         <p:nvCxnSpPr>
-          <p:cNvPr id="32" name="Connecteur droit 31">
-            <a:extLst>
-              <a:ext uri="{FF2B5EF4-FFF2-40B4-BE49-F238E27FC236}">
-                <a16:creationId xmlns:a16="http://schemas.microsoft.com/office/drawing/2014/main" id="{A4C1F525-80A9-50E9-9DE9-47A071F9A7ED}"/>
+          <p:cNvPr id="29" name="Connecteur droit 28">
+            <a:extLst>
+              <a:ext uri="{FF2B5EF4-FFF2-40B4-BE49-F238E27FC236}">
+                <a16:creationId xmlns:a16="http://schemas.microsoft.com/office/drawing/2014/main" id="{D62D5870-44AD-FB58-8EB5-B2AF97F9A470}"/>
               </a:ext>
             </a:extLst>
           </p:cNvPr>
@@ -6660,7 +6675,7 @@
         </p:nvCxnSpPr>
         <p:spPr>
           <a:xfrm flipV="1">
-            <a:off x="5380101" y="2746991"/>
+            <a:off x="4652571" y="1307051"/>
             <a:ext cx="0" cy="681824"/>
           </a:xfrm>
           <a:prstGeom prst="line">
@@ -6697,10 +6712,10 @@
         <mc:Choice xmlns:a14="http://schemas.microsoft.com/office/drawing/2010/main" Requires="a14">
           <p:sp>
             <p:nvSpPr>
-              <p:cNvPr id="33" name="ZoneTexte 32">
+              <p:cNvPr id="31" name="ZoneTexte 30">
                 <a:extLst>
                   <a:ext uri="{FF2B5EF4-FFF2-40B4-BE49-F238E27FC236}">
-                    <a16:creationId xmlns:a16="http://schemas.microsoft.com/office/drawing/2014/main" id="{C87A156D-AD83-DECD-CFCB-6D3B9A321636}"/>
+                    <a16:creationId xmlns:a16="http://schemas.microsoft.com/office/drawing/2014/main" id="{D3593CDB-D2C0-E391-158A-DD375AC3300E}"/>
                   </a:ext>
                 </a:extLst>
               </p:cNvPr>
@@ -6709,7 +6724,7 @@
             </p:nvSpPr>
             <p:spPr>
               <a:xfrm>
-                <a:off x="5435503" y="2734357"/>
+                <a:off x="4707973" y="1294417"/>
                 <a:ext cx="186718" cy="182614"/>
               </a:xfrm>
               <a:prstGeom prst="rect">
@@ -6723,6 +6738,7 @@
               </a:bodyPr>
               <a:lstStyle/>
               <a:p>
+                <a:pPr/>
                 <a14:m>
                   <m:oMathPara xmlns:m="http://schemas.openxmlformats.org/officeDocument/2006/math">
                     <m:oMathParaPr>
@@ -6765,10 +6781,10 @@
         <mc:Fallback>
           <p:sp>
             <p:nvSpPr>
-              <p:cNvPr id="33" name="ZoneTexte 32">
+              <p:cNvPr id="31" name="ZoneTexte 30">
                 <a:extLst>
                   <a:ext uri="{FF2B5EF4-FFF2-40B4-BE49-F238E27FC236}">
-                    <a16:creationId xmlns:a16="http://schemas.microsoft.com/office/drawing/2014/main" id="{C87A156D-AD83-DECD-CFCB-6D3B9A321636}"/>
+                    <a16:creationId xmlns:a16="http://schemas.microsoft.com/office/drawing/2014/main" id="{D3593CDB-D2C0-E391-158A-DD375AC3300E}"/>
                   </a:ext>
                 </a:extLst>
               </p:cNvPr>
@@ -6779,7 +6795,7 @@
             </p:nvSpPr>
             <p:spPr>
               <a:xfrm>
-                <a:off x="5435503" y="2734357"/>
+                <a:off x="4707973" y="1294417"/>
                 <a:ext cx="186718" cy="182614"/>
               </a:xfrm>
               <a:prstGeom prst="rect">
@@ -6788,7 +6804,7 @@
               <a:blipFill>
                 <a:blip r:embed="rId9"/>
                 <a:stretch>
-                  <a:fillRect l="-16667" r="-10000" b="-20000"/>
+                  <a:fillRect l="-16129" r="-6452" b="-20000"/>
                 </a:stretch>
               </a:blipFill>
             </p:spPr>
@@ -6809,10 +6825,10 @@
       </mc:AlternateContent>
       <p:cxnSp>
         <p:nvCxnSpPr>
-          <p:cNvPr id="41" name="Connecteur droit 40">
-            <a:extLst>
-              <a:ext uri="{FF2B5EF4-FFF2-40B4-BE49-F238E27FC236}">
-                <a16:creationId xmlns:a16="http://schemas.microsoft.com/office/drawing/2014/main" id="{31681AF6-7E45-E08E-101D-85C4C95BFC9F}"/>
+          <p:cNvPr id="32" name="Connecteur droit 31">
+            <a:extLst>
+              <a:ext uri="{FF2B5EF4-FFF2-40B4-BE49-F238E27FC236}">
+                <a16:creationId xmlns:a16="http://schemas.microsoft.com/office/drawing/2014/main" id="{FBDB9C64-9D40-AD67-D305-166925A4C1CC}"/>
               </a:ext>
             </a:extLst>
           </p:cNvPr>
@@ -6823,7 +6839,7 @@
         </p:nvCxnSpPr>
         <p:spPr>
           <a:xfrm>
-            <a:off x="5393271" y="3428815"/>
+            <a:off x="4665741" y="1988875"/>
             <a:ext cx="310830" cy="0"/>
           </a:xfrm>
           <a:prstGeom prst="line">
@@ -6860,10 +6876,10 @@
         <mc:Choice xmlns:a14="http://schemas.microsoft.com/office/drawing/2010/main" Requires="a14">
           <p:sp>
             <p:nvSpPr>
-              <p:cNvPr id="42" name="ZoneTexte 41">
+              <p:cNvPr id="33" name="ZoneTexte 32">
                 <a:extLst>
                   <a:ext uri="{FF2B5EF4-FFF2-40B4-BE49-F238E27FC236}">
-                    <a16:creationId xmlns:a16="http://schemas.microsoft.com/office/drawing/2014/main" id="{86552724-8C3E-E6EA-6DC1-C7D7D0FB7FB2}"/>
+                    <a16:creationId xmlns:a16="http://schemas.microsoft.com/office/drawing/2014/main" id="{0FF554FA-35BC-A669-6CF1-3D3444D6D926}"/>
                   </a:ext>
                 </a:extLst>
               </p:cNvPr>
@@ -6872,7 +6888,7 @@
             </p:nvSpPr>
             <p:spPr>
               <a:xfrm>
-                <a:off x="5568554" y="3172401"/>
+                <a:off x="4841024" y="1732461"/>
                 <a:ext cx="182166" cy="169277"/>
               </a:xfrm>
               <a:prstGeom prst="rect">
@@ -6886,6 +6902,7 @@
               </a:bodyPr>
               <a:lstStyle/>
               <a:p>
+                <a:pPr/>
                 <a14:m>
                   <m:oMathPara xmlns:m="http://schemas.openxmlformats.org/officeDocument/2006/math">
                     <m:oMathParaPr>
@@ -6928,10 +6945,10 @@
         <mc:Fallback>
           <p:sp>
             <p:nvSpPr>
-              <p:cNvPr id="42" name="ZoneTexte 41">
+              <p:cNvPr id="33" name="ZoneTexte 32">
                 <a:extLst>
                   <a:ext uri="{FF2B5EF4-FFF2-40B4-BE49-F238E27FC236}">
-                    <a16:creationId xmlns:a16="http://schemas.microsoft.com/office/drawing/2014/main" id="{86552724-8C3E-E6EA-6DC1-C7D7D0FB7FB2}"/>
+                    <a16:creationId xmlns:a16="http://schemas.microsoft.com/office/drawing/2014/main" id="{0FF554FA-35BC-A669-6CF1-3D3444D6D926}"/>
                   </a:ext>
                 </a:extLst>
               </p:cNvPr>
@@ -6942,7 +6959,7 @@
             </p:nvSpPr>
             <p:spPr>
               <a:xfrm>
-                <a:off x="5568554" y="3172401"/>
+                <a:off x="4841024" y="1732461"/>
                 <a:ext cx="182166" cy="169277"/>
               </a:xfrm>
               <a:prstGeom prst="rect">
@@ -6973,7 +6990,7 @@
     </p:spTree>
     <p:extLst>
       <p:ext uri="{BB962C8B-B14F-4D97-AF65-F5344CB8AC3E}">
-        <p14:creationId xmlns:p14="http://schemas.microsoft.com/office/powerpoint/2010/main" val="3427663405"/>
+        <p14:creationId xmlns:p14="http://schemas.microsoft.com/office/powerpoint/2010/main" val="1184115483"/>
       </p:ext>
     </p:extLst>
   </p:cSld>
@@ -7000,6 +7017,102 @@
           <a:chExt cx="0" cy="0"/>
         </a:xfrm>
       </p:grpSpPr>
+      <p:cxnSp>
+        <p:nvCxnSpPr>
+          <p:cNvPr id="28" name="Connecteur droit 27">
+            <a:extLst>
+              <a:ext uri="{FF2B5EF4-FFF2-40B4-BE49-F238E27FC236}">
+                <a16:creationId xmlns:a16="http://schemas.microsoft.com/office/drawing/2014/main" id="{C74975E6-0C86-2C0D-1C03-38CA4DF43AE8}"/>
+              </a:ext>
+            </a:extLst>
+          </p:cNvPr>
+          <p:cNvCxnSpPr>
+            <a:cxnSpLocks/>
+          </p:cNvCxnSpPr>
+          <p:nvPr/>
+        </p:nvCxnSpPr>
+        <p:spPr>
+          <a:xfrm>
+            <a:off x="6819954" y="1989882"/>
+            <a:ext cx="720000" cy="0"/>
+          </a:xfrm>
+          <a:prstGeom prst="line">
+            <a:avLst/>
+          </a:prstGeom>
+          <a:solidFill>
+            <a:schemeClr val="bg1"/>
+          </a:solidFill>
+          <a:ln w="28575">
+            <a:solidFill>
+              <a:srgbClr val="7030A0"/>
+            </a:solidFill>
+          </a:ln>
+        </p:spPr>
+        <p:style>
+          <a:lnRef idx="2">
+            <a:schemeClr val="accent1">
+              <a:shade val="50000"/>
+            </a:schemeClr>
+          </a:lnRef>
+          <a:fillRef idx="1">
+            <a:schemeClr val="accent1"/>
+          </a:fillRef>
+          <a:effectRef idx="0">
+            <a:schemeClr val="accent1"/>
+          </a:effectRef>
+          <a:fontRef idx="minor">
+            <a:schemeClr val="lt1"/>
+          </a:fontRef>
+        </p:style>
+      </p:cxnSp>
+      <p:cxnSp>
+        <p:nvCxnSpPr>
+          <p:cNvPr id="24" name="Connecteur droit 23">
+            <a:extLst>
+              <a:ext uri="{FF2B5EF4-FFF2-40B4-BE49-F238E27FC236}">
+                <a16:creationId xmlns:a16="http://schemas.microsoft.com/office/drawing/2014/main" id="{419E6C69-F7DC-0316-44A5-385751940AED}"/>
+              </a:ext>
+            </a:extLst>
+          </p:cNvPr>
+          <p:cNvCxnSpPr>
+            <a:cxnSpLocks/>
+          </p:cNvCxnSpPr>
+          <p:nvPr/>
+        </p:nvCxnSpPr>
+        <p:spPr>
+          <a:xfrm>
+            <a:off x="3939954" y="1989882"/>
+            <a:ext cx="720000" cy="0"/>
+          </a:xfrm>
+          <a:prstGeom prst="line">
+            <a:avLst/>
+          </a:prstGeom>
+          <a:solidFill>
+            <a:schemeClr val="bg1"/>
+          </a:solidFill>
+          <a:ln w="28575">
+            <a:solidFill>
+              <a:srgbClr val="7030A0"/>
+            </a:solidFill>
+          </a:ln>
+        </p:spPr>
+        <p:style>
+          <a:lnRef idx="2">
+            <a:schemeClr val="accent1">
+              <a:shade val="50000"/>
+            </a:schemeClr>
+          </a:lnRef>
+          <a:fillRef idx="1">
+            <a:schemeClr val="accent1"/>
+          </a:fillRef>
+          <a:effectRef idx="0">
+            <a:schemeClr val="accent1"/>
+          </a:effectRef>
+          <a:fontRef idx="minor">
+            <a:schemeClr val="lt1"/>
+          </a:fontRef>
+        </p:style>
+      </p:cxnSp>
       <p:sp>
         <p:nvSpPr>
           <p:cNvPr id="22" name="Rectangle 21">
@@ -7014,7 +7127,7 @@
         </p:nvSpPr>
         <p:spPr>
           <a:xfrm>
-            <a:off x="6593948" y="3472796"/>
+            <a:off x="6585954" y="2043227"/>
             <a:ext cx="468000" cy="144000"/>
           </a:xfrm>
           <a:prstGeom prst="rect">
@@ -7070,7 +7183,7 @@
         </p:nvSpPr>
         <p:spPr>
           <a:xfrm>
-            <a:off x="5181257" y="3249000"/>
+            <a:off x="4479954" y="1809882"/>
             <a:ext cx="360000" cy="360000"/>
           </a:xfrm>
           <a:prstGeom prst="arc">
@@ -7133,7 +7246,7 @@
         </p:nvSpPr>
         <p:spPr>
           <a:xfrm>
-            <a:off x="5220053" y="3285000"/>
+            <a:off x="4515954" y="1845882"/>
             <a:ext cx="288000" cy="288000"/>
           </a:xfrm>
           <a:prstGeom prst="ellipse">
@@ -7187,7 +7300,7 @@
         </p:nvSpPr>
         <p:spPr>
           <a:xfrm>
-            <a:off x="6683948" y="3285000"/>
+            <a:off x="6675954" y="1845882"/>
             <a:ext cx="288000" cy="288000"/>
           </a:xfrm>
           <a:prstGeom prst="ellipse">
@@ -7237,6 +7350,7 @@
             </a:extLst>
           </p:cNvPr>
           <p:cNvCxnSpPr>
+            <a:cxnSpLocks/>
             <a:stCxn id="4" idx="6"/>
             <a:endCxn id="5" idx="2"/>
           </p:cNvCxnSpPr>
@@ -7244,8 +7358,8 @@
         </p:nvCxnSpPr>
         <p:spPr>
           <a:xfrm>
-            <a:off x="5508053" y="3429000"/>
-            <a:ext cx="1175895" cy="0"/>
+            <a:off x="4803954" y="1989882"/>
+            <a:ext cx="1872000" cy="0"/>
           </a:xfrm>
           <a:prstGeom prst="line">
             <a:avLst/>
@@ -7278,102 +7392,6 @@
       </p:cxnSp>
       <p:cxnSp>
         <p:nvCxnSpPr>
-          <p:cNvPr id="8" name="Connecteur droit 7">
-            <a:extLst>
-              <a:ext uri="{FF2B5EF4-FFF2-40B4-BE49-F238E27FC236}">
-                <a16:creationId xmlns:a16="http://schemas.microsoft.com/office/drawing/2014/main" id="{4EA38E8F-8768-AF0F-A8F4-5BD3C0D6222E}"/>
-              </a:ext>
-            </a:extLst>
-          </p:cNvPr>
-          <p:cNvCxnSpPr>
-            <a:cxnSpLocks/>
-          </p:cNvCxnSpPr>
-          <p:nvPr/>
-        </p:nvCxnSpPr>
-        <p:spPr>
-          <a:xfrm flipH="1">
-            <a:off x="4654550" y="3429000"/>
-            <a:ext cx="565503" cy="0"/>
-          </a:xfrm>
-          <a:prstGeom prst="line">
-            <a:avLst/>
-          </a:prstGeom>
-          <a:solidFill>
-            <a:schemeClr val="bg1"/>
-          </a:solidFill>
-          <a:ln w="28575">
-            <a:solidFill>
-              <a:srgbClr val="7030A0"/>
-            </a:solidFill>
-          </a:ln>
-        </p:spPr>
-        <p:style>
-          <a:lnRef idx="2">
-            <a:schemeClr val="accent1">
-              <a:shade val="50000"/>
-            </a:schemeClr>
-          </a:lnRef>
-          <a:fillRef idx="1">
-            <a:schemeClr val="accent1"/>
-          </a:fillRef>
-          <a:effectRef idx="0">
-            <a:schemeClr val="accent1"/>
-          </a:effectRef>
-          <a:fontRef idx="minor">
-            <a:schemeClr val="lt1"/>
-          </a:fontRef>
-        </p:style>
-      </p:cxnSp>
-      <p:cxnSp>
-        <p:nvCxnSpPr>
-          <p:cNvPr id="11" name="Connecteur droit 10">
-            <a:extLst>
-              <a:ext uri="{FF2B5EF4-FFF2-40B4-BE49-F238E27FC236}">
-                <a16:creationId xmlns:a16="http://schemas.microsoft.com/office/drawing/2014/main" id="{0E3472CC-C63F-64B9-D10A-1FED1F7B0E57}"/>
-              </a:ext>
-            </a:extLst>
-          </p:cNvPr>
-          <p:cNvCxnSpPr>
-            <a:cxnSpLocks/>
-          </p:cNvCxnSpPr>
-          <p:nvPr/>
-        </p:nvCxnSpPr>
-        <p:spPr>
-          <a:xfrm flipH="1">
-            <a:off x="6971948" y="3435112"/>
-            <a:ext cx="552802" cy="0"/>
-          </a:xfrm>
-          <a:prstGeom prst="line">
-            <a:avLst/>
-          </a:prstGeom>
-          <a:solidFill>
-            <a:schemeClr val="bg1"/>
-          </a:solidFill>
-          <a:ln w="28575">
-            <a:solidFill>
-              <a:srgbClr val="7030A0"/>
-            </a:solidFill>
-          </a:ln>
-        </p:spPr>
-        <p:style>
-          <a:lnRef idx="2">
-            <a:schemeClr val="accent1">
-              <a:shade val="50000"/>
-            </a:schemeClr>
-          </a:lnRef>
-          <a:fillRef idx="1">
-            <a:schemeClr val="accent1"/>
-          </a:fillRef>
-          <a:effectRef idx="0">
-            <a:schemeClr val="accent1"/>
-          </a:effectRef>
-          <a:fontRef idx="minor">
-            <a:schemeClr val="lt1"/>
-          </a:fontRef>
-        </p:style>
-      </p:cxnSp>
-      <p:cxnSp>
-        <p:nvCxnSpPr>
           <p:cNvPr id="12" name="Connecteur droit 11">
             <a:extLst>
               <a:ext uri="{FF2B5EF4-FFF2-40B4-BE49-F238E27FC236}">
@@ -7388,7 +7406,7 @@
         </p:nvCxnSpPr>
         <p:spPr>
           <a:xfrm flipV="1">
-            <a:off x="4648710" y="3435112"/>
+            <a:off x="3938639" y="1989882"/>
             <a:ext cx="0" cy="712694"/>
           </a:xfrm>
           <a:prstGeom prst="line">
@@ -7437,7 +7455,7 @@
         </p:nvCxnSpPr>
         <p:spPr>
           <a:xfrm>
-            <a:off x="7515985" y="3437545"/>
+            <a:off x="7539954" y="1989882"/>
             <a:ext cx="0" cy="531770"/>
           </a:xfrm>
           <a:prstGeom prst="line">
@@ -7486,7 +7504,7 @@
             </p:nvSpPr>
             <p:spPr>
               <a:xfrm>
-                <a:off x="3854394" y="3938903"/>
+                <a:off x="3185368" y="2282129"/>
                 <a:ext cx="708271" cy="208903"/>
               </a:xfrm>
               <a:prstGeom prst="rect">
@@ -7500,6 +7518,7 @@
               </a:bodyPr>
               <a:lstStyle/>
               <a:p>
+                <a:pPr/>
                 <a14:m>
                   <m:oMathPara xmlns:m="http://schemas.openxmlformats.org/officeDocument/2006/math">
                     <m:oMathParaPr>
@@ -7583,7 +7602,7 @@
             </p:nvSpPr>
             <p:spPr>
               <a:xfrm>
-                <a:off x="3854394" y="3938903"/>
+                <a:off x="3185368" y="2282129"/>
                 <a:ext cx="708271" cy="208903"/>
               </a:xfrm>
               <a:prstGeom prst="rect">
@@ -7592,7 +7611,7 @@
               <a:blipFill>
                 <a:blip r:embed="rId2"/>
                 <a:stretch>
-                  <a:fillRect l="-4310" r="-1724" b="-29412"/>
+                  <a:fillRect l="-4310" r="-1724" b="-25714"/>
                 </a:stretch>
               </a:blipFill>
             </p:spPr>
@@ -7627,7 +7646,7 @@
             </p:nvSpPr>
             <p:spPr>
               <a:xfrm>
-                <a:off x="7521850" y="3941336"/>
+                <a:off x="7629954" y="2106838"/>
                 <a:ext cx="897425" cy="208903"/>
               </a:xfrm>
               <a:prstGeom prst="rect">
@@ -7641,6 +7660,7 @@
               </a:bodyPr>
               <a:lstStyle/>
               <a:p>
+                <a:pPr/>
                 <a14:m>
                   <m:oMathPara xmlns:m="http://schemas.openxmlformats.org/officeDocument/2006/math">
                     <m:oMathParaPr>
@@ -7724,7 +7744,7 @@
             </p:nvSpPr>
             <p:spPr>
               <a:xfrm>
-                <a:off x="7521850" y="3941336"/>
+                <a:off x="7629954" y="2106838"/>
                 <a:ext cx="897425" cy="208903"/>
               </a:xfrm>
               <a:prstGeom prst="rect">
@@ -7768,7 +7788,7 @@
         </p:nvCxnSpPr>
         <p:spPr>
           <a:xfrm>
-            <a:off x="5361257" y="3609000"/>
+            <a:off x="4659954" y="2169882"/>
             <a:ext cx="0" cy="216699"/>
           </a:xfrm>
           <a:prstGeom prst="line">
@@ -7819,7 +7839,7 @@
         </p:nvCxnSpPr>
         <p:spPr>
           <a:xfrm flipV="1">
-            <a:off x="6827948" y="3616796"/>
+            <a:off x="6819954" y="2187227"/>
             <a:ext cx="0" cy="208903"/>
           </a:xfrm>
           <a:prstGeom prst="line">
@@ -7869,8 +7889,8 @@
         </p:nvCxnSpPr>
         <p:spPr>
           <a:xfrm flipH="1">
-            <a:off x="5362606" y="3825699"/>
-            <a:ext cx="1465342" cy="0"/>
+            <a:off x="4645659" y="2396130"/>
+            <a:ext cx="2174295" cy="0"/>
           </a:xfrm>
           <a:prstGeom prst="line">
             <a:avLst/>
@@ -7919,7 +7939,7 @@
         </p:nvCxnSpPr>
         <p:spPr>
           <a:xfrm>
-            <a:off x="6095238" y="3836424"/>
+            <a:off x="5771147" y="2397171"/>
             <a:ext cx="0" cy="216699"/>
           </a:xfrm>
           <a:prstGeom prst="line">
@@ -7967,8 +7987,8 @@
         </p:nvSpPr>
         <p:spPr>
           <a:xfrm>
-            <a:off x="5891284" y="4044287"/>
-            <a:ext cx="418531" cy="97402"/>
+            <a:off x="5567193" y="2605034"/>
+            <a:ext cx="418531" cy="153602"/>
           </a:xfrm>
           <a:custGeom>
             <a:avLst/>
@@ -8086,7 +8106,7 @@
         </p:nvCxnSpPr>
         <p:spPr>
           <a:xfrm rot="5400000">
-            <a:off x="6096000" y="3837123"/>
+            <a:off x="5771909" y="2397870"/>
             <a:ext cx="0" cy="432000"/>
           </a:xfrm>
           <a:prstGeom prst="line">
@@ -8136,7 +8156,7 @@
             </p:nvSpPr>
             <p:spPr>
               <a:xfrm>
-                <a:off x="4581056" y="3250836"/>
+                <a:off x="3878366" y="1780979"/>
                 <a:ext cx="123175" cy="169277"/>
               </a:xfrm>
               <a:prstGeom prst="rect">
@@ -8150,6 +8170,7 @@
               </a:bodyPr>
               <a:lstStyle/>
               <a:p>
+                <a:pPr/>
                 <a14:m>
                   <m:oMathPara xmlns:m="http://schemas.openxmlformats.org/officeDocument/2006/math">
                     <m:oMathParaPr>
@@ -8187,7 +8208,7 @@
             </p:nvSpPr>
             <p:spPr>
               <a:xfrm>
-                <a:off x="4581056" y="3250836"/>
+                <a:off x="3878366" y="1780979"/>
                 <a:ext cx="123175" cy="169277"/>
               </a:xfrm>
               <a:prstGeom prst="rect">
@@ -8196,7 +8217,7 @@
               <a:blipFill>
                 <a:blip r:embed="rId4"/>
                 <a:stretch>
-                  <a:fillRect l="-23810" r="-23810" b="-7143"/>
+                  <a:fillRect l="-25000" r="-30000" b="-7143"/>
                 </a:stretch>
               </a:blipFill>
             </p:spPr>
@@ -8231,8 +8252,8 @@
             </p:nvSpPr>
             <p:spPr>
               <a:xfrm>
-                <a:off x="5121490" y="3193086"/>
-                <a:ext cx="154086" cy="169277"/>
+                <a:off x="4356884" y="1780979"/>
+                <a:ext cx="128818" cy="169277"/>
               </a:xfrm>
               <a:prstGeom prst="rect">
                 <a:avLst/>
@@ -8240,11 +8261,12 @@
               <a:noFill/>
             </p:spPr>
             <p:txBody>
-              <a:bodyPr wrap="square" lIns="0" tIns="0" rIns="0" bIns="0" rtlCol="0">
+              <a:bodyPr wrap="none" lIns="0" tIns="0" rIns="0" bIns="0" rtlCol="0">
                 <a:spAutoFit/>
               </a:bodyPr>
               <a:lstStyle/>
               <a:p>
+                <a:pPr/>
                 <a14:m>
                   <m:oMathPara xmlns:m="http://schemas.openxmlformats.org/officeDocument/2006/math">
                     <m:oMathParaPr>
@@ -8282,8 +8304,8 @@
             </p:nvSpPr>
             <p:spPr>
               <a:xfrm>
-                <a:off x="5121490" y="3193086"/>
-                <a:ext cx="154086" cy="169277"/>
+                <a:off x="4356884" y="1780979"/>
+                <a:ext cx="128818" cy="169277"/>
               </a:xfrm>
               <a:prstGeom prst="rect">
                 <a:avLst/>
@@ -8291,7 +8313,7 @@
               <a:blipFill>
                 <a:blip r:embed="rId5"/>
                 <a:stretch>
-                  <a:fillRect l="-12000" r="-12000" b="-7143"/>
+                  <a:fillRect l="-23810" r="-23810" b="-7143"/>
                 </a:stretch>
               </a:blipFill>
             </p:spPr>
@@ -8326,7 +8348,7 @@
             </p:nvSpPr>
             <p:spPr>
               <a:xfrm>
-                <a:off x="6611007" y="3193086"/>
+                <a:off x="6540982" y="1780979"/>
                 <a:ext cx="123239" cy="169277"/>
               </a:xfrm>
               <a:prstGeom prst="rect">
@@ -8340,6 +8362,7 @@
               </a:bodyPr>
               <a:lstStyle/>
               <a:p>
+                <a:pPr/>
                 <a14:m>
                   <m:oMathPara xmlns:m="http://schemas.openxmlformats.org/officeDocument/2006/math">
                     <m:oMathParaPr>
@@ -8377,7 +8400,7 @@
             </p:nvSpPr>
             <p:spPr>
               <a:xfrm>
-                <a:off x="6611007" y="3193086"/>
+                <a:off x="6540982" y="1780979"/>
                 <a:ext cx="123239" cy="169277"/>
               </a:xfrm>
               <a:prstGeom prst="rect">
@@ -8386,7 +8409,7 @@
               <a:blipFill>
                 <a:blip r:embed="rId6"/>
                 <a:stretch>
-                  <a:fillRect l="-23810" r="-19048" b="-7143"/>
+                  <a:fillRect l="-25000" r="-25000" b="-7143"/>
                 </a:stretch>
               </a:blipFill>
             </p:spPr>
@@ -8421,7 +8444,7 @@
             </p:nvSpPr>
             <p:spPr>
               <a:xfrm>
-                <a:off x="7449012" y="3221036"/>
+                <a:off x="7472981" y="1780979"/>
                 <a:ext cx="133946" cy="169277"/>
               </a:xfrm>
               <a:prstGeom prst="rect">
@@ -8435,6 +8458,7 @@
               </a:bodyPr>
               <a:lstStyle/>
               <a:p>
+                <a:pPr/>
                 <a14:m>
                   <m:oMathPara xmlns:m="http://schemas.openxmlformats.org/officeDocument/2006/math">
                     <m:oMathParaPr>
@@ -8472,7 +8496,7 @@
             </p:nvSpPr>
             <p:spPr>
               <a:xfrm>
-                <a:off x="7449012" y="3221036"/>
+                <a:off x="7472981" y="1780979"/>
                 <a:ext cx="133946" cy="169277"/>
               </a:xfrm>
               <a:prstGeom prst="rect">
@@ -8502,10 +8526,10 @@
       </mc:AlternateContent>
       <p:cxnSp>
         <p:nvCxnSpPr>
-          <p:cNvPr id="24" name="Connecteur droit 23">
-            <a:extLst>
-              <a:ext uri="{FF2B5EF4-FFF2-40B4-BE49-F238E27FC236}">
-                <a16:creationId xmlns:a16="http://schemas.microsoft.com/office/drawing/2014/main" id="{374F64CB-CAF1-90B4-A8C1-97C47DD239DF}"/>
+          <p:cNvPr id="25" name="Connecteur droit 24">
+            <a:extLst>
+              <a:ext uri="{FF2B5EF4-FFF2-40B4-BE49-F238E27FC236}">
+                <a16:creationId xmlns:a16="http://schemas.microsoft.com/office/drawing/2014/main" id="{B9D48251-6524-9105-9165-A470C93D49EA}"/>
               </a:ext>
             </a:extLst>
           </p:cNvPr>
@@ -8516,7 +8540,7 @@
         </p:nvCxnSpPr>
         <p:spPr>
           <a:xfrm flipV="1">
-            <a:off x="6827948" y="2747176"/>
+            <a:off x="6819954" y="1294417"/>
             <a:ext cx="0" cy="681824"/>
           </a:xfrm>
           <a:prstGeom prst="line">
@@ -8553,10 +8577,10 @@
         <mc:Choice xmlns:a14="http://schemas.microsoft.com/office/drawing/2010/main" Requires="a14">
           <p:sp>
             <p:nvSpPr>
-              <p:cNvPr id="25" name="ZoneTexte 24">
+              <p:cNvPr id="26" name="ZoneTexte 25">
                 <a:extLst>
                   <a:ext uri="{FF2B5EF4-FFF2-40B4-BE49-F238E27FC236}">
-                    <a16:creationId xmlns:a16="http://schemas.microsoft.com/office/drawing/2014/main" id="{0EFF1796-677B-35AD-A195-32712088437A}"/>
+                    <a16:creationId xmlns:a16="http://schemas.microsoft.com/office/drawing/2014/main" id="{457E0124-6EF8-D914-88BF-1B6E0962DA87}"/>
                   </a:ext>
                 </a:extLst>
               </p:cNvPr>
@@ -8565,7 +8589,7 @@
             </p:nvSpPr>
             <p:spPr>
               <a:xfrm>
-                <a:off x="6883350" y="2734542"/>
+                <a:off x="6871148" y="1293377"/>
                 <a:ext cx="182806" cy="182614"/>
               </a:xfrm>
               <a:prstGeom prst="rect">
@@ -8579,6 +8603,7 @@
               </a:bodyPr>
               <a:lstStyle/>
               <a:p>
+                <a:pPr/>
                 <a14:m>
                   <m:oMathPara xmlns:m="http://schemas.openxmlformats.org/officeDocument/2006/math">
                     <m:oMathParaPr>
@@ -8621,10 +8646,10 @@
         <mc:Fallback>
           <p:sp>
             <p:nvSpPr>
-              <p:cNvPr id="25" name="ZoneTexte 24">
+              <p:cNvPr id="26" name="ZoneTexte 25">
                 <a:extLst>
                   <a:ext uri="{FF2B5EF4-FFF2-40B4-BE49-F238E27FC236}">
-                    <a16:creationId xmlns:a16="http://schemas.microsoft.com/office/drawing/2014/main" id="{0EFF1796-677B-35AD-A195-32712088437A}"/>
+                    <a16:creationId xmlns:a16="http://schemas.microsoft.com/office/drawing/2014/main" id="{457E0124-6EF8-D914-88BF-1B6E0962DA87}"/>
                   </a:ext>
                 </a:extLst>
               </p:cNvPr>
@@ -8635,7 +8660,7 @@
             </p:nvSpPr>
             <p:spPr>
               <a:xfrm>
-                <a:off x="6883350" y="2734542"/>
+                <a:off x="6871148" y="1293377"/>
                 <a:ext cx="182806" cy="182614"/>
               </a:xfrm>
               <a:prstGeom prst="rect">
@@ -8665,10 +8690,10 @@
       </mc:AlternateContent>
       <p:cxnSp>
         <p:nvCxnSpPr>
-          <p:cNvPr id="32" name="Connecteur droit 31">
-            <a:extLst>
-              <a:ext uri="{FF2B5EF4-FFF2-40B4-BE49-F238E27FC236}">
-                <a16:creationId xmlns:a16="http://schemas.microsoft.com/office/drawing/2014/main" id="{A4C1F525-80A9-50E9-9DE9-47A071F9A7ED}"/>
+          <p:cNvPr id="29" name="Connecteur droit 28">
+            <a:extLst>
+              <a:ext uri="{FF2B5EF4-FFF2-40B4-BE49-F238E27FC236}">
+                <a16:creationId xmlns:a16="http://schemas.microsoft.com/office/drawing/2014/main" id="{D62D5870-44AD-FB58-8EB5-B2AF97F9A470}"/>
               </a:ext>
             </a:extLst>
           </p:cNvPr>
@@ -8679,7 +8704,7 @@
         </p:nvCxnSpPr>
         <p:spPr>
           <a:xfrm flipV="1">
-            <a:off x="5380101" y="2746991"/>
+            <a:off x="4652571" y="1307051"/>
             <a:ext cx="0" cy="681824"/>
           </a:xfrm>
           <a:prstGeom prst="line">
@@ -8716,10 +8741,10 @@
         <mc:Choice xmlns:a14="http://schemas.microsoft.com/office/drawing/2010/main" Requires="a14">
           <p:sp>
             <p:nvSpPr>
-              <p:cNvPr id="33" name="ZoneTexte 32">
+              <p:cNvPr id="31" name="ZoneTexte 30">
                 <a:extLst>
                   <a:ext uri="{FF2B5EF4-FFF2-40B4-BE49-F238E27FC236}">
-                    <a16:creationId xmlns:a16="http://schemas.microsoft.com/office/drawing/2014/main" id="{C87A156D-AD83-DECD-CFCB-6D3B9A321636}"/>
+                    <a16:creationId xmlns:a16="http://schemas.microsoft.com/office/drawing/2014/main" id="{D3593CDB-D2C0-E391-158A-DD375AC3300E}"/>
                   </a:ext>
                 </a:extLst>
               </p:cNvPr>
@@ -8728,7 +8753,7 @@
             </p:nvSpPr>
             <p:spPr>
               <a:xfrm>
-                <a:off x="5435503" y="2734357"/>
+                <a:off x="4707973" y="1294417"/>
                 <a:ext cx="186718" cy="182614"/>
               </a:xfrm>
               <a:prstGeom prst="rect">
@@ -8742,6 +8767,7 @@
               </a:bodyPr>
               <a:lstStyle/>
               <a:p>
+                <a:pPr/>
                 <a14:m>
                   <m:oMathPara xmlns:m="http://schemas.openxmlformats.org/officeDocument/2006/math">
                     <m:oMathParaPr>
@@ -8784,10 +8810,10 @@
         <mc:Fallback>
           <p:sp>
             <p:nvSpPr>
-              <p:cNvPr id="33" name="ZoneTexte 32">
+              <p:cNvPr id="31" name="ZoneTexte 30">
                 <a:extLst>
                   <a:ext uri="{FF2B5EF4-FFF2-40B4-BE49-F238E27FC236}">
-                    <a16:creationId xmlns:a16="http://schemas.microsoft.com/office/drawing/2014/main" id="{C87A156D-AD83-DECD-CFCB-6D3B9A321636}"/>
+                    <a16:creationId xmlns:a16="http://schemas.microsoft.com/office/drawing/2014/main" id="{D3593CDB-D2C0-E391-158A-DD375AC3300E}"/>
                   </a:ext>
                 </a:extLst>
               </p:cNvPr>
@@ -8798,7 +8824,7 @@
             </p:nvSpPr>
             <p:spPr>
               <a:xfrm>
-                <a:off x="5435503" y="2734357"/>
+                <a:off x="4707973" y="1294417"/>
                 <a:ext cx="186718" cy="182614"/>
               </a:xfrm>
               <a:prstGeom prst="rect">
@@ -8807,7 +8833,7 @@
               <a:blipFill>
                 <a:blip r:embed="rId9"/>
                 <a:stretch>
-                  <a:fillRect l="-16667" r="-10000" b="-20000"/>
+                  <a:fillRect l="-16129" r="-6452" b="-20000"/>
                 </a:stretch>
               </a:blipFill>
             </p:spPr>
@@ -8828,10 +8854,10 @@
       </mc:AlternateContent>
       <p:cxnSp>
         <p:nvCxnSpPr>
-          <p:cNvPr id="41" name="Connecteur droit 40">
-            <a:extLst>
-              <a:ext uri="{FF2B5EF4-FFF2-40B4-BE49-F238E27FC236}">
-                <a16:creationId xmlns:a16="http://schemas.microsoft.com/office/drawing/2014/main" id="{31681AF6-7E45-E08E-101D-85C4C95BFC9F}"/>
+          <p:cNvPr id="32" name="Connecteur droit 31">
+            <a:extLst>
+              <a:ext uri="{FF2B5EF4-FFF2-40B4-BE49-F238E27FC236}">
+                <a16:creationId xmlns:a16="http://schemas.microsoft.com/office/drawing/2014/main" id="{FBDB9C64-9D40-AD67-D305-166925A4C1CC}"/>
               </a:ext>
             </a:extLst>
           </p:cNvPr>
@@ -8842,7 +8868,7 @@
         </p:nvCxnSpPr>
         <p:spPr>
           <a:xfrm>
-            <a:off x="5393271" y="3428815"/>
+            <a:off x="4665741" y="1988875"/>
             <a:ext cx="310830" cy="0"/>
           </a:xfrm>
           <a:prstGeom prst="line">
@@ -8879,10 +8905,10 @@
         <mc:Choice xmlns:a14="http://schemas.microsoft.com/office/drawing/2010/main" Requires="a14">
           <p:sp>
             <p:nvSpPr>
-              <p:cNvPr id="42" name="ZoneTexte 41">
+              <p:cNvPr id="33" name="ZoneTexte 32">
                 <a:extLst>
                   <a:ext uri="{FF2B5EF4-FFF2-40B4-BE49-F238E27FC236}">
-                    <a16:creationId xmlns:a16="http://schemas.microsoft.com/office/drawing/2014/main" id="{86552724-8C3E-E6EA-6DC1-C7D7D0FB7FB2}"/>
+                    <a16:creationId xmlns:a16="http://schemas.microsoft.com/office/drawing/2014/main" id="{0FF554FA-35BC-A669-6CF1-3D3444D6D926}"/>
                   </a:ext>
                 </a:extLst>
               </p:cNvPr>
@@ -8891,7 +8917,7 @@
             </p:nvSpPr>
             <p:spPr>
               <a:xfrm>
-                <a:off x="5568554" y="3172401"/>
+                <a:off x="4841024" y="1732461"/>
                 <a:ext cx="182166" cy="169277"/>
               </a:xfrm>
               <a:prstGeom prst="rect">
@@ -8905,6 +8931,7 @@
               </a:bodyPr>
               <a:lstStyle/>
               <a:p>
+                <a:pPr/>
                 <a14:m>
                   <m:oMathPara xmlns:m="http://schemas.openxmlformats.org/officeDocument/2006/math">
                     <m:oMathParaPr>
@@ -8947,10 +8974,10 @@
         <mc:Fallback>
           <p:sp>
             <p:nvSpPr>
-              <p:cNvPr id="42" name="ZoneTexte 41">
+              <p:cNvPr id="33" name="ZoneTexte 32">
                 <a:extLst>
                   <a:ext uri="{FF2B5EF4-FFF2-40B4-BE49-F238E27FC236}">
-                    <a16:creationId xmlns:a16="http://schemas.microsoft.com/office/drawing/2014/main" id="{86552724-8C3E-E6EA-6DC1-C7D7D0FB7FB2}"/>
+                    <a16:creationId xmlns:a16="http://schemas.microsoft.com/office/drawing/2014/main" id="{0FF554FA-35BC-A669-6CF1-3D3444D6D926}"/>
                   </a:ext>
                 </a:extLst>
               </p:cNvPr>
@@ -8961,7 +8988,7 @@
             </p:nvSpPr>
             <p:spPr>
               <a:xfrm>
-                <a:off x="5568554" y="3172401"/>
+                <a:off x="4841024" y="1732461"/>
                 <a:ext cx="182166" cy="169277"/>
               </a:xfrm>
               <a:prstGeom prst="rect">
@@ -8991,10 +9018,10 @@
       </mc:AlternateContent>
       <p:sp>
         <p:nvSpPr>
-          <p:cNvPr id="2" name="Forme libre : forme 1">
-            <a:extLst>
-              <a:ext uri="{FF2B5EF4-FFF2-40B4-BE49-F238E27FC236}">
-                <a16:creationId xmlns:a16="http://schemas.microsoft.com/office/drawing/2014/main" id="{0994B53D-6592-D872-AF8B-66DA069DB956}"/>
+          <p:cNvPr id="41" name="Forme libre : forme 40">
+            <a:extLst>
+              <a:ext uri="{FF2B5EF4-FFF2-40B4-BE49-F238E27FC236}">
+                <a16:creationId xmlns:a16="http://schemas.microsoft.com/office/drawing/2014/main" id="{881A3FB5-266A-0216-76E2-B76B89D3DC44}"/>
               </a:ext>
             </a:extLst>
           </p:cNvPr>
@@ -9003,7 +9030,7 @@
         </p:nvSpPr>
         <p:spPr>
           <a:xfrm>
-            <a:off x="4911374" y="3290272"/>
+            <a:off x="4232780" y="1820498"/>
             <a:ext cx="52450" cy="318728"/>
           </a:xfrm>
           <a:custGeom>
@@ -9093,10 +9120,10 @@
         <mc:Choice xmlns:a14="http://schemas.microsoft.com/office/drawing/2010/main" Requires="a14">
           <p:sp>
             <p:nvSpPr>
-              <p:cNvPr id="43" name="ZoneTexte 42">
+              <p:cNvPr id="42" name="ZoneTexte 41">
                 <a:extLst>
                   <a:ext uri="{FF2B5EF4-FFF2-40B4-BE49-F238E27FC236}">
-                    <a16:creationId xmlns:a16="http://schemas.microsoft.com/office/drawing/2014/main" id="{7CB9B51E-91DD-E554-5036-CC327FC2156C}"/>
+                    <a16:creationId xmlns:a16="http://schemas.microsoft.com/office/drawing/2014/main" id="{DC20DF48-8AAC-1DD1-EF18-10983F9D37B9}"/>
                   </a:ext>
                 </a:extLst>
               </p:cNvPr>
@@ -9105,7 +9132,7 @@
             </p:nvSpPr>
             <p:spPr>
               <a:xfrm>
-                <a:off x="4840846" y="3079504"/>
+                <a:off x="4162252" y="1609730"/>
                 <a:ext cx="177997" cy="169277"/>
               </a:xfrm>
               <a:prstGeom prst="rect">
@@ -9119,6 +9146,7 @@
               </a:bodyPr>
               <a:lstStyle/>
               <a:p>
+                <a:pPr/>
                 <a14:m>
                   <m:oMathPara xmlns:m="http://schemas.openxmlformats.org/officeDocument/2006/math">
                     <m:oMathParaPr>
@@ -9161,10 +9189,10 @@
         <mc:Fallback>
           <p:sp>
             <p:nvSpPr>
-              <p:cNvPr id="43" name="ZoneTexte 42">
+              <p:cNvPr id="42" name="ZoneTexte 41">
                 <a:extLst>
                   <a:ext uri="{FF2B5EF4-FFF2-40B4-BE49-F238E27FC236}">
-                    <a16:creationId xmlns:a16="http://schemas.microsoft.com/office/drawing/2014/main" id="{7CB9B51E-91DD-E554-5036-CC327FC2156C}"/>
+                    <a16:creationId xmlns:a16="http://schemas.microsoft.com/office/drawing/2014/main" id="{DC20DF48-8AAC-1DD1-EF18-10983F9D37B9}"/>
                   </a:ext>
                 </a:extLst>
               </p:cNvPr>
@@ -9175,7 +9203,7 @@
             </p:nvSpPr>
             <p:spPr>
               <a:xfrm>
-                <a:off x="4840846" y="3079504"/>
+                <a:off x="4162252" y="1609730"/>
                 <a:ext cx="177997" cy="169277"/>
               </a:xfrm>
               <a:prstGeom prst="rect">
@@ -9207,10 +9235,10 @@
         <mc:Choice xmlns:a14="http://schemas.microsoft.com/office/drawing/2010/main" Requires="a14">
           <p:sp>
             <p:nvSpPr>
-              <p:cNvPr id="46" name="Ellipse 45">
+              <p:cNvPr id="43" name="Ellipse 42">
                 <a:extLst>
                   <a:ext uri="{FF2B5EF4-FFF2-40B4-BE49-F238E27FC236}">
-                    <a16:creationId xmlns:a16="http://schemas.microsoft.com/office/drawing/2014/main" id="{8547419B-646E-308C-B824-3E8164E4ADDD}"/>
+                    <a16:creationId xmlns:a16="http://schemas.microsoft.com/office/drawing/2014/main" id="{450EB561-DD3D-023F-3173-32157E3661F6}"/>
                   </a:ext>
                 </a:extLst>
               </p:cNvPr>
@@ -9219,7 +9247,7 @@
             </p:nvSpPr>
             <p:spPr>
               <a:xfrm>
-                <a:off x="4382407" y="2782837"/>
+                <a:off x="3703813" y="1313063"/>
                 <a:ext cx="288000" cy="288000"/>
               </a:xfrm>
               <a:prstGeom prst="ellipse">
@@ -9284,10 +9312,10 @@
         <mc:Fallback>
           <p:sp>
             <p:nvSpPr>
-              <p:cNvPr id="46" name="Ellipse 45">
+              <p:cNvPr id="43" name="Ellipse 42">
                 <a:extLst>
                   <a:ext uri="{FF2B5EF4-FFF2-40B4-BE49-F238E27FC236}">
-                    <a16:creationId xmlns:a16="http://schemas.microsoft.com/office/drawing/2014/main" id="{8547419B-646E-308C-B824-3E8164E4ADDD}"/>
+                    <a16:creationId xmlns:a16="http://schemas.microsoft.com/office/drawing/2014/main" id="{450EB561-DD3D-023F-3173-32157E3661F6}"/>
                   </a:ext>
                 </a:extLst>
               </p:cNvPr>
@@ -9298,7 +9326,7 @@
             </p:nvSpPr>
             <p:spPr>
               <a:xfrm>
-                <a:off x="4382407" y="2782837"/>
+                <a:off x="3703813" y="1313063"/>
                 <a:ext cx="288000" cy="288000"/>
               </a:xfrm>
               <a:prstGeom prst="ellipse">
@@ -9335,10 +9363,10 @@
         <mc:Choice xmlns:a14="http://schemas.microsoft.com/office/drawing/2010/main" Requires="a14">
           <p:sp>
             <p:nvSpPr>
-              <p:cNvPr id="47" name="Ellipse 46">
+              <p:cNvPr id="44" name="Ellipse 43">
                 <a:extLst>
                   <a:ext uri="{FF2B5EF4-FFF2-40B4-BE49-F238E27FC236}">
-                    <a16:creationId xmlns:a16="http://schemas.microsoft.com/office/drawing/2014/main" id="{308139C7-BF8F-5403-A812-84C7405DAE83}"/>
+                    <a16:creationId xmlns:a16="http://schemas.microsoft.com/office/drawing/2014/main" id="{57AC1567-6749-F385-44C2-4101A2A618B0}"/>
                   </a:ext>
                 </a:extLst>
               </p:cNvPr>
@@ -9347,7 +9375,7 @@
             </p:nvSpPr>
             <p:spPr>
               <a:xfrm>
-                <a:off x="5838965" y="2791504"/>
+                <a:off x="5160371" y="1321730"/>
                 <a:ext cx="288000" cy="288000"/>
               </a:xfrm>
               <a:prstGeom prst="ellipse">
@@ -9412,10 +9440,10 @@
         <mc:Fallback>
           <p:sp>
             <p:nvSpPr>
-              <p:cNvPr id="47" name="Ellipse 46">
+              <p:cNvPr id="44" name="Ellipse 43">
                 <a:extLst>
                   <a:ext uri="{FF2B5EF4-FFF2-40B4-BE49-F238E27FC236}">
-                    <a16:creationId xmlns:a16="http://schemas.microsoft.com/office/drawing/2014/main" id="{308139C7-BF8F-5403-A812-84C7405DAE83}"/>
+                    <a16:creationId xmlns:a16="http://schemas.microsoft.com/office/drawing/2014/main" id="{57AC1567-6749-F385-44C2-4101A2A618B0}"/>
                   </a:ext>
                 </a:extLst>
               </p:cNvPr>
@@ -9426,7 +9454,7 @@
             </p:nvSpPr>
             <p:spPr>
               <a:xfrm>
-                <a:off x="5838965" y="2791504"/>
+                <a:off x="5160371" y="1321730"/>
                 <a:ext cx="288000" cy="288000"/>
               </a:xfrm>
               <a:prstGeom prst="ellipse">
@@ -9462,7 +9490,7 @@
     </p:spTree>
     <p:extLst>
       <p:ext uri="{BB962C8B-B14F-4D97-AF65-F5344CB8AC3E}">
-        <p14:creationId xmlns:p14="http://schemas.microsoft.com/office/powerpoint/2010/main" val="3864678339"/>
+        <p14:creationId xmlns:p14="http://schemas.microsoft.com/office/powerpoint/2010/main" val="2794782026"/>
       </p:ext>
     </p:extLst>
   </p:cSld>
@@ -9489,6 +9517,102 @@
           <a:chExt cx="0" cy="0"/>
         </a:xfrm>
       </p:grpSpPr>
+      <p:cxnSp>
+        <p:nvCxnSpPr>
+          <p:cNvPr id="28" name="Connecteur droit 27">
+            <a:extLst>
+              <a:ext uri="{FF2B5EF4-FFF2-40B4-BE49-F238E27FC236}">
+                <a16:creationId xmlns:a16="http://schemas.microsoft.com/office/drawing/2014/main" id="{C74975E6-0C86-2C0D-1C03-38CA4DF43AE8}"/>
+              </a:ext>
+            </a:extLst>
+          </p:cNvPr>
+          <p:cNvCxnSpPr>
+            <a:cxnSpLocks/>
+          </p:cNvCxnSpPr>
+          <p:nvPr/>
+        </p:nvCxnSpPr>
+        <p:spPr>
+          <a:xfrm>
+            <a:off x="6819954" y="1989882"/>
+            <a:ext cx="720000" cy="0"/>
+          </a:xfrm>
+          <a:prstGeom prst="line">
+            <a:avLst/>
+          </a:prstGeom>
+          <a:solidFill>
+            <a:schemeClr val="bg1"/>
+          </a:solidFill>
+          <a:ln w="28575">
+            <a:solidFill>
+              <a:srgbClr val="7030A0"/>
+            </a:solidFill>
+          </a:ln>
+        </p:spPr>
+        <p:style>
+          <a:lnRef idx="2">
+            <a:schemeClr val="accent1">
+              <a:shade val="50000"/>
+            </a:schemeClr>
+          </a:lnRef>
+          <a:fillRef idx="1">
+            <a:schemeClr val="accent1"/>
+          </a:fillRef>
+          <a:effectRef idx="0">
+            <a:schemeClr val="accent1"/>
+          </a:effectRef>
+          <a:fontRef idx="minor">
+            <a:schemeClr val="lt1"/>
+          </a:fontRef>
+        </p:style>
+      </p:cxnSp>
+      <p:cxnSp>
+        <p:nvCxnSpPr>
+          <p:cNvPr id="24" name="Connecteur droit 23">
+            <a:extLst>
+              <a:ext uri="{FF2B5EF4-FFF2-40B4-BE49-F238E27FC236}">
+                <a16:creationId xmlns:a16="http://schemas.microsoft.com/office/drawing/2014/main" id="{419E6C69-F7DC-0316-44A5-385751940AED}"/>
+              </a:ext>
+            </a:extLst>
+          </p:cNvPr>
+          <p:cNvCxnSpPr>
+            <a:cxnSpLocks/>
+          </p:cNvCxnSpPr>
+          <p:nvPr/>
+        </p:nvCxnSpPr>
+        <p:spPr>
+          <a:xfrm>
+            <a:off x="3939954" y="1989882"/>
+            <a:ext cx="720000" cy="0"/>
+          </a:xfrm>
+          <a:prstGeom prst="line">
+            <a:avLst/>
+          </a:prstGeom>
+          <a:solidFill>
+            <a:schemeClr val="bg1"/>
+          </a:solidFill>
+          <a:ln w="28575">
+            <a:solidFill>
+              <a:srgbClr val="7030A0"/>
+            </a:solidFill>
+          </a:ln>
+        </p:spPr>
+        <p:style>
+          <a:lnRef idx="2">
+            <a:schemeClr val="accent1">
+              <a:shade val="50000"/>
+            </a:schemeClr>
+          </a:lnRef>
+          <a:fillRef idx="1">
+            <a:schemeClr val="accent1"/>
+          </a:fillRef>
+          <a:effectRef idx="0">
+            <a:schemeClr val="accent1"/>
+          </a:effectRef>
+          <a:fontRef idx="minor">
+            <a:schemeClr val="lt1"/>
+          </a:fontRef>
+        </p:style>
+      </p:cxnSp>
       <p:sp>
         <p:nvSpPr>
           <p:cNvPr id="22" name="Rectangle 21">
@@ -9503,7 +9627,7 @@
         </p:nvSpPr>
         <p:spPr>
           <a:xfrm>
-            <a:off x="6593948" y="3472796"/>
+            <a:off x="6585954" y="2043227"/>
             <a:ext cx="468000" cy="144000"/>
           </a:xfrm>
           <a:prstGeom prst="rect">
@@ -9559,7 +9683,7 @@
         </p:nvSpPr>
         <p:spPr>
           <a:xfrm>
-            <a:off x="5181257" y="3249000"/>
+            <a:off x="4479954" y="1809882"/>
             <a:ext cx="360000" cy="360000"/>
           </a:xfrm>
           <a:prstGeom prst="arc">
@@ -9622,7 +9746,7 @@
         </p:nvSpPr>
         <p:spPr>
           <a:xfrm>
-            <a:off x="5220053" y="3285000"/>
+            <a:off x="4515954" y="1845882"/>
             <a:ext cx="288000" cy="288000"/>
           </a:xfrm>
           <a:prstGeom prst="ellipse">
@@ -9676,7 +9800,7 @@
         </p:nvSpPr>
         <p:spPr>
           <a:xfrm>
-            <a:off x="6683948" y="3285000"/>
+            <a:off x="6675954" y="1845882"/>
             <a:ext cx="288000" cy="288000"/>
           </a:xfrm>
           <a:prstGeom prst="ellipse">
@@ -9726,6 +9850,7 @@
             </a:extLst>
           </p:cNvPr>
           <p:cNvCxnSpPr>
+            <a:cxnSpLocks/>
             <a:stCxn id="4" idx="6"/>
             <a:endCxn id="5" idx="2"/>
           </p:cNvCxnSpPr>
@@ -9733,8 +9858,8 @@
         </p:nvCxnSpPr>
         <p:spPr>
           <a:xfrm>
-            <a:off x="5508053" y="3429000"/>
-            <a:ext cx="1175895" cy="0"/>
+            <a:off x="4803954" y="1989882"/>
+            <a:ext cx="1872000" cy="0"/>
           </a:xfrm>
           <a:prstGeom prst="line">
             <a:avLst/>
@@ -9767,102 +9892,6 @@
       </p:cxnSp>
       <p:cxnSp>
         <p:nvCxnSpPr>
-          <p:cNvPr id="8" name="Connecteur droit 7">
-            <a:extLst>
-              <a:ext uri="{FF2B5EF4-FFF2-40B4-BE49-F238E27FC236}">
-                <a16:creationId xmlns:a16="http://schemas.microsoft.com/office/drawing/2014/main" id="{4EA38E8F-8768-AF0F-A8F4-5BD3C0D6222E}"/>
-              </a:ext>
-            </a:extLst>
-          </p:cNvPr>
-          <p:cNvCxnSpPr>
-            <a:cxnSpLocks/>
-          </p:cNvCxnSpPr>
-          <p:nvPr/>
-        </p:nvCxnSpPr>
-        <p:spPr>
-          <a:xfrm flipH="1">
-            <a:off x="4654550" y="3429000"/>
-            <a:ext cx="565503" cy="0"/>
-          </a:xfrm>
-          <a:prstGeom prst="line">
-            <a:avLst/>
-          </a:prstGeom>
-          <a:solidFill>
-            <a:schemeClr val="bg1"/>
-          </a:solidFill>
-          <a:ln w="28575">
-            <a:solidFill>
-              <a:srgbClr val="7030A0"/>
-            </a:solidFill>
-          </a:ln>
-        </p:spPr>
-        <p:style>
-          <a:lnRef idx="2">
-            <a:schemeClr val="accent1">
-              <a:shade val="50000"/>
-            </a:schemeClr>
-          </a:lnRef>
-          <a:fillRef idx="1">
-            <a:schemeClr val="accent1"/>
-          </a:fillRef>
-          <a:effectRef idx="0">
-            <a:schemeClr val="accent1"/>
-          </a:effectRef>
-          <a:fontRef idx="minor">
-            <a:schemeClr val="lt1"/>
-          </a:fontRef>
-        </p:style>
-      </p:cxnSp>
-      <p:cxnSp>
-        <p:nvCxnSpPr>
-          <p:cNvPr id="11" name="Connecteur droit 10">
-            <a:extLst>
-              <a:ext uri="{FF2B5EF4-FFF2-40B4-BE49-F238E27FC236}">
-                <a16:creationId xmlns:a16="http://schemas.microsoft.com/office/drawing/2014/main" id="{0E3472CC-C63F-64B9-D10A-1FED1F7B0E57}"/>
-              </a:ext>
-            </a:extLst>
-          </p:cNvPr>
-          <p:cNvCxnSpPr>
-            <a:cxnSpLocks/>
-          </p:cNvCxnSpPr>
-          <p:nvPr/>
-        </p:nvCxnSpPr>
-        <p:spPr>
-          <a:xfrm flipH="1">
-            <a:off x="6971948" y="3435112"/>
-            <a:ext cx="552802" cy="0"/>
-          </a:xfrm>
-          <a:prstGeom prst="line">
-            <a:avLst/>
-          </a:prstGeom>
-          <a:solidFill>
-            <a:schemeClr val="bg1"/>
-          </a:solidFill>
-          <a:ln w="28575">
-            <a:solidFill>
-              <a:srgbClr val="7030A0"/>
-            </a:solidFill>
-          </a:ln>
-        </p:spPr>
-        <p:style>
-          <a:lnRef idx="2">
-            <a:schemeClr val="accent1">
-              <a:shade val="50000"/>
-            </a:schemeClr>
-          </a:lnRef>
-          <a:fillRef idx="1">
-            <a:schemeClr val="accent1"/>
-          </a:fillRef>
-          <a:effectRef idx="0">
-            <a:schemeClr val="accent1"/>
-          </a:effectRef>
-          <a:fontRef idx="minor">
-            <a:schemeClr val="lt1"/>
-          </a:fontRef>
-        </p:style>
-      </p:cxnSp>
-      <p:cxnSp>
-        <p:nvCxnSpPr>
           <p:cNvPr id="12" name="Connecteur droit 11">
             <a:extLst>
               <a:ext uri="{FF2B5EF4-FFF2-40B4-BE49-F238E27FC236}">
@@ -9877,7 +9906,7 @@
         </p:nvCxnSpPr>
         <p:spPr>
           <a:xfrm flipV="1">
-            <a:off x="4648710" y="3435112"/>
+            <a:off x="3938639" y="1989882"/>
             <a:ext cx="0" cy="712694"/>
           </a:xfrm>
           <a:prstGeom prst="line">
@@ -9926,7 +9955,7 @@
         </p:nvCxnSpPr>
         <p:spPr>
           <a:xfrm>
-            <a:off x="7515985" y="3437545"/>
+            <a:off x="7539954" y="1989882"/>
             <a:ext cx="0" cy="531770"/>
           </a:xfrm>
           <a:prstGeom prst="line">
@@ -9975,7 +10004,7 @@
             </p:nvSpPr>
             <p:spPr>
               <a:xfrm>
-                <a:off x="3854394" y="3938903"/>
+                <a:off x="3185368" y="2282129"/>
                 <a:ext cx="708271" cy="208903"/>
               </a:xfrm>
               <a:prstGeom prst="rect">
@@ -9989,6 +10018,7 @@
               </a:bodyPr>
               <a:lstStyle/>
               <a:p>
+                <a:pPr/>
                 <a14:m>
                   <m:oMathPara xmlns:m="http://schemas.openxmlformats.org/officeDocument/2006/math">
                     <m:oMathParaPr>
@@ -10072,7 +10102,7 @@
             </p:nvSpPr>
             <p:spPr>
               <a:xfrm>
-                <a:off x="3854394" y="3938903"/>
+                <a:off x="3185368" y="2282129"/>
                 <a:ext cx="708271" cy="208903"/>
               </a:xfrm>
               <a:prstGeom prst="rect">
@@ -10081,7 +10111,7 @@
               <a:blipFill>
                 <a:blip r:embed="rId2"/>
                 <a:stretch>
-                  <a:fillRect l="-4310" r="-1724" b="-29412"/>
+                  <a:fillRect l="-4310" r="-1724" b="-25714"/>
                 </a:stretch>
               </a:blipFill>
             </p:spPr>
@@ -10116,7 +10146,7 @@
             </p:nvSpPr>
             <p:spPr>
               <a:xfrm>
-                <a:off x="7521850" y="3941336"/>
+                <a:off x="7629954" y="2106838"/>
                 <a:ext cx="897425" cy="208903"/>
               </a:xfrm>
               <a:prstGeom prst="rect">
@@ -10130,6 +10160,7 @@
               </a:bodyPr>
               <a:lstStyle/>
               <a:p>
+                <a:pPr/>
                 <a14:m>
                   <m:oMathPara xmlns:m="http://schemas.openxmlformats.org/officeDocument/2006/math">
                     <m:oMathParaPr>
@@ -10213,7 +10244,7 @@
             </p:nvSpPr>
             <p:spPr>
               <a:xfrm>
-                <a:off x="7521850" y="3941336"/>
+                <a:off x="7629954" y="2106838"/>
                 <a:ext cx="897425" cy="208903"/>
               </a:xfrm>
               <a:prstGeom prst="rect">
@@ -10257,7 +10288,7 @@
         </p:nvCxnSpPr>
         <p:spPr>
           <a:xfrm>
-            <a:off x="5361257" y="3609000"/>
+            <a:off x="4659954" y="2169882"/>
             <a:ext cx="0" cy="216699"/>
           </a:xfrm>
           <a:prstGeom prst="line">
@@ -10308,7 +10339,7 @@
         </p:nvCxnSpPr>
         <p:spPr>
           <a:xfrm flipV="1">
-            <a:off x="6827948" y="3616796"/>
+            <a:off x="6819954" y="2187227"/>
             <a:ext cx="0" cy="208903"/>
           </a:xfrm>
           <a:prstGeom prst="line">
@@ -10358,8 +10389,8 @@
         </p:nvCxnSpPr>
         <p:spPr>
           <a:xfrm flipH="1">
-            <a:off x="5362606" y="3825699"/>
-            <a:ext cx="1465342" cy="0"/>
+            <a:off x="4645659" y="2396130"/>
+            <a:ext cx="2174295" cy="0"/>
           </a:xfrm>
           <a:prstGeom prst="line">
             <a:avLst/>
@@ -10408,7 +10439,7 @@
         </p:nvCxnSpPr>
         <p:spPr>
           <a:xfrm>
-            <a:off x="6095238" y="3836424"/>
+            <a:off x="5771147" y="2397171"/>
             <a:ext cx="0" cy="216699"/>
           </a:xfrm>
           <a:prstGeom prst="line">
@@ -10456,8 +10487,8 @@
         </p:nvSpPr>
         <p:spPr>
           <a:xfrm>
-            <a:off x="5891284" y="4044287"/>
-            <a:ext cx="418531" cy="97402"/>
+            <a:off x="5567193" y="2605034"/>
+            <a:ext cx="418531" cy="153602"/>
           </a:xfrm>
           <a:custGeom>
             <a:avLst/>
@@ -10575,7 +10606,7 @@
         </p:nvCxnSpPr>
         <p:spPr>
           <a:xfrm rot="5400000">
-            <a:off x="6096000" y="3837123"/>
+            <a:off x="5771909" y="2397870"/>
             <a:ext cx="0" cy="432000"/>
           </a:xfrm>
           <a:prstGeom prst="line">
@@ -10625,7 +10656,7 @@
             </p:nvSpPr>
             <p:spPr>
               <a:xfrm>
-                <a:off x="4581056" y="3250836"/>
+                <a:off x="3878366" y="1780979"/>
                 <a:ext cx="123175" cy="169277"/>
               </a:xfrm>
               <a:prstGeom prst="rect">
@@ -10639,6 +10670,7 @@
               </a:bodyPr>
               <a:lstStyle/>
               <a:p>
+                <a:pPr/>
                 <a14:m>
                   <m:oMathPara xmlns:m="http://schemas.openxmlformats.org/officeDocument/2006/math">
                     <m:oMathParaPr>
@@ -10676,7 +10708,7 @@
             </p:nvSpPr>
             <p:spPr>
               <a:xfrm>
-                <a:off x="4581056" y="3250836"/>
+                <a:off x="3878366" y="1780979"/>
                 <a:ext cx="123175" cy="169277"/>
               </a:xfrm>
               <a:prstGeom prst="rect">
@@ -10685,7 +10717,7 @@
               <a:blipFill>
                 <a:blip r:embed="rId4"/>
                 <a:stretch>
-                  <a:fillRect l="-23810" r="-23810" b="-7143"/>
+                  <a:fillRect l="-25000" r="-30000" b="-7143"/>
                 </a:stretch>
               </a:blipFill>
             </p:spPr>
@@ -10720,8 +10752,8 @@
             </p:nvSpPr>
             <p:spPr>
               <a:xfrm>
-                <a:off x="5121490" y="3193086"/>
-                <a:ext cx="154086" cy="169277"/>
+                <a:off x="4356884" y="1780979"/>
+                <a:ext cx="128818" cy="169277"/>
               </a:xfrm>
               <a:prstGeom prst="rect">
                 <a:avLst/>
@@ -10729,11 +10761,12 @@
               <a:noFill/>
             </p:spPr>
             <p:txBody>
-              <a:bodyPr wrap="square" lIns="0" tIns="0" rIns="0" bIns="0" rtlCol="0">
+              <a:bodyPr wrap="none" lIns="0" tIns="0" rIns="0" bIns="0" rtlCol="0">
                 <a:spAutoFit/>
               </a:bodyPr>
               <a:lstStyle/>
               <a:p>
+                <a:pPr/>
                 <a14:m>
                   <m:oMathPara xmlns:m="http://schemas.openxmlformats.org/officeDocument/2006/math">
                     <m:oMathParaPr>
@@ -10771,8 +10804,8 @@
             </p:nvSpPr>
             <p:spPr>
               <a:xfrm>
-                <a:off x="5121490" y="3193086"/>
-                <a:ext cx="154086" cy="169277"/>
+                <a:off x="4356884" y="1780979"/>
+                <a:ext cx="128818" cy="169277"/>
               </a:xfrm>
               <a:prstGeom prst="rect">
                 <a:avLst/>
@@ -10780,7 +10813,7 @@
               <a:blipFill>
                 <a:blip r:embed="rId5"/>
                 <a:stretch>
-                  <a:fillRect l="-12000" r="-12000" b="-7143"/>
+                  <a:fillRect l="-23810" r="-23810" b="-7143"/>
                 </a:stretch>
               </a:blipFill>
             </p:spPr>
@@ -10815,7 +10848,7 @@
             </p:nvSpPr>
             <p:spPr>
               <a:xfrm>
-                <a:off x="6611007" y="3193086"/>
+                <a:off x="6540982" y="1780979"/>
                 <a:ext cx="123239" cy="169277"/>
               </a:xfrm>
               <a:prstGeom prst="rect">
@@ -10829,6 +10862,7 @@
               </a:bodyPr>
               <a:lstStyle/>
               <a:p>
+                <a:pPr/>
                 <a14:m>
                   <m:oMathPara xmlns:m="http://schemas.openxmlformats.org/officeDocument/2006/math">
                     <m:oMathParaPr>
@@ -10866,7 +10900,7 @@
             </p:nvSpPr>
             <p:spPr>
               <a:xfrm>
-                <a:off x="6611007" y="3193086"/>
+                <a:off x="6540982" y="1780979"/>
                 <a:ext cx="123239" cy="169277"/>
               </a:xfrm>
               <a:prstGeom prst="rect">
@@ -10875,7 +10909,7 @@
               <a:blipFill>
                 <a:blip r:embed="rId6"/>
                 <a:stretch>
-                  <a:fillRect l="-23810" r="-19048" b="-7143"/>
+                  <a:fillRect l="-25000" r="-25000" b="-7143"/>
                 </a:stretch>
               </a:blipFill>
             </p:spPr>
@@ -10910,7 +10944,7 @@
             </p:nvSpPr>
             <p:spPr>
               <a:xfrm>
-                <a:off x="7449012" y="3221036"/>
+                <a:off x="7472981" y="1780979"/>
                 <a:ext cx="133946" cy="169277"/>
               </a:xfrm>
               <a:prstGeom prst="rect">
@@ -10924,6 +10958,7 @@
               </a:bodyPr>
               <a:lstStyle/>
               <a:p>
+                <a:pPr/>
                 <a14:m>
                   <m:oMathPara xmlns:m="http://schemas.openxmlformats.org/officeDocument/2006/math">
                     <m:oMathParaPr>
@@ -10961,7 +10996,7 @@
             </p:nvSpPr>
             <p:spPr>
               <a:xfrm>
-                <a:off x="7449012" y="3221036"/>
+                <a:off x="7472981" y="1780979"/>
                 <a:ext cx="133946" cy="169277"/>
               </a:xfrm>
               <a:prstGeom prst="rect">
@@ -10991,10 +11026,10 @@
       </mc:AlternateContent>
       <p:cxnSp>
         <p:nvCxnSpPr>
-          <p:cNvPr id="24" name="Connecteur droit 23">
-            <a:extLst>
-              <a:ext uri="{FF2B5EF4-FFF2-40B4-BE49-F238E27FC236}">
-                <a16:creationId xmlns:a16="http://schemas.microsoft.com/office/drawing/2014/main" id="{374F64CB-CAF1-90B4-A8C1-97C47DD239DF}"/>
+          <p:cNvPr id="25" name="Connecteur droit 24">
+            <a:extLst>
+              <a:ext uri="{FF2B5EF4-FFF2-40B4-BE49-F238E27FC236}">
+                <a16:creationId xmlns:a16="http://schemas.microsoft.com/office/drawing/2014/main" id="{B9D48251-6524-9105-9165-A470C93D49EA}"/>
               </a:ext>
             </a:extLst>
           </p:cNvPr>
@@ -11005,7 +11040,7 @@
         </p:nvCxnSpPr>
         <p:spPr>
           <a:xfrm flipV="1">
-            <a:off x="6827948" y="2747176"/>
+            <a:off x="6819954" y="1294417"/>
             <a:ext cx="0" cy="681824"/>
           </a:xfrm>
           <a:prstGeom prst="line">
@@ -11042,10 +11077,10 @@
         <mc:Choice xmlns:a14="http://schemas.microsoft.com/office/drawing/2010/main" Requires="a14">
           <p:sp>
             <p:nvSpPr>
-              <p:cNvPr id="25" name="ZoneTexte 24">
+              <p:cNvPr id="26" name="ZoneTexte 25">
                 <a:extLst>
                   <a:ext uri="{FF2B5EF4-FFF2-40B4-BE49-F238E27FC236}">
-                    <a16:creationId xmlns:a16="http://schemas.microsoft.com/office/drawing/2014/main" id="{0EFF1796-677B-35AD-A195-32712088437A}"/>
+                    <a16:creationId xmlns:a16="http://schemas.microsoft.com/office/drawing/2014/main" id="{457E0124-6EF8-D914-88BF-1B6E0962DA87}"/>
                   </a:ext>
                 </a:extLst>
               </p:cNvPr>
@@ -11054,7 +11089,7 @@
             </p:nvSpPr>
             <p:spPr>
               <a:xfrm>
-                <a:off x="6883350" y="2734542"/>
+                <a:off x="6871148" y="1293377"/>
                 <a:ext cx="182806" cy="182614"/>
               </a:xfrm>
               <a:prstGeom prst="rect">
@@ -11068,6 +11103,7 @@
               </a:bodyPr>
               <a:lstStyle/>
               <a:p>
+                <a:pPr/>
                 <a14:m>
                   <m:oMathPara xmlns:m="http://schemas.openxmlformats.org/officeDocument/2006/math">
                     <m:oMathParaPr>
@@ -11110,10 +11146,10 @@
         <mc:Fallback>
           <p:sp>
             <p:nvSpPr>
-              <p:cNvPr id="25" name="ZoneTexte 24">
+              <p:cNvPr id="26" name="ZoneTexte 25">
                 <a:extLst>
                   <a:ext uri="{FF2B5EF4-FFF2-40B4-BE49-F238E27FC236}">
-                    <a16:creationId xmlns:a16="http://schemas.microsoft.com/office/drawing/2014/main" id="{0EFF1796-677B-35AD-A195-32712088437A}"/>
+                    <a16:creationId xmlns:a16="http://schemas.microsoft.com/office/drawing/2014/main" id="{457E0124-6EF8-D914-88BF-1B6E0962DA87}"/>
                   </a:ext>
                 </a:extLst>
               </p:cNvPr>
@@ -11124,7 +11160,7 @@
             </p:nvSpPr>
             <p:spPr>
               <a:xfrm>
-                <a:off x="6883350" y="2734542"/>
+                <a:off x="6871148" y="1293377"/>
                 <a:ext cx="182806" cy="182614"/>
               </a:xfrm>
               <a:prstGeom prst="rect">
@@ -11154,10 +11190,10 @@
       </mc:AlternateContent>
       <p:cxnSp>
         <p:nvCxnSpPr>
-          <p:cNvPr id="32" name="Connecteur droit 31">
-            <a:extLst>
-              <a:ext uri="{FF2B5EF4-FFF2-40B4-BE49-F238E27FC236}">
-                <a16:creationId xmlns:a16="http://schemas.microsoft.com/office/drawing/2014/main" id="{A4C1F525-80A9-50E9-9DE9-47A071F9A7ED}"/>
+          <p:cNvPr id="29" name="Connecteur droit 28">
+            <a:extLst>
+              <a:ext uri="{FF2B5EF4-FFF2-40B4-BE49-F238E27FC236}">
+                <a16:creationId xmlns:a16="http://schemas.microsoft.com/office/drawing/2014/main" id="{D62D5870-44AD-FB58-8EB5-B2AF97F9A470}"/>
               </a:ext>
             </a:extLst>
           </p:cNvPr>
@@ -11168,7 +11204,7 @@
         </p:nvCxnSpPr>
         <p:spPr>
           <a:xfrm flipV="1">
-            <a:off x="5380101" y="2746991"/>
+            <a:off x="4652571" y="1307051"/>
             <a:ext cx="0" cy="681824"/>
           </a:xfrm>
           <a:prstGeom prst="line">
@@ -11205,10 +11241,10 @@
         <mc:Choice xmlns:a14="http://schemas.microsoft.com/office/drawing/2010/main" Requires="a14">
           <p:sp>
             <p:nvSpPr>
-              <p:cNvPr id="33" name="ZoneTexte 32">
+              <p:cNvPr id="31" name="ZoneTexte 30">
                 <a:extLst>
                   <a:ext uri="{FF2B5EF4-FFF2-40B4-BE49-F238E27FC236}">
-                    <a16:creationId xmlns:a16="http://schemas.microsoft.com/office/drawing/2014/main" id="{C87A156D-AD83-DECD-CFCB-6D3B9A321636}"/>
+                    <a16:creationId xmlns:a16="http://schemas.microsoft.com/office/drawing/2014/main" id="{D3593CDB-D2C0-E391-158A-DD375AC3300E}"/>
                   </a:ext>
                 </a:extLst>
               </p:cNvPr>
@@ -11217,7 +11253,7 @@
             </p:nvSpPr>
             <p:spPr>
               <a:xfrm>
-                <a:off x="5435503" y="2734357"/>
+                <a:off x="4707973" y="1294417"/>
                 <a:ext cx="186718" cy="182614"/>
               </a:xfrm>
               <a:prstGeom prst="rect">
@@ -11231,6 +11267,7 @@
               </a:bodyPr>
               <a:lstStyle/>
               <a:p>
+                <a:pPr/>
                 <a14:m>
                   <m:oMathPara xmlns:m="http://schemas.openxmlformats.org/officeDocument/2006/math">
                     <m:oMathParaPr>
@@ -11273,10 +11310,10 @@
         <mc:Fallback>
           <p:sp>
             <p:nvSpPr>
-              <p:cNvPr id="33" name="ZoneTexte 32">
+              <p:cNvPr id="31" name="ZoneTexte 30">
                 <a:extLst>
                   <a:ext uri="{FF2B5EF4-FFF2-40B4-BE49-F238E27FC236}">
-                    <a16:creationId xmlns:a16="http://schemas.microsoft.com/office/drawing/2014/main" id="{C87A156D-AD83-DECD-CFCB-6D3B9A321636}"/>
+                    <a16:creationId xmlns:a16="http://schemas.microsoft.com/office/drawing/2014/main" id="{D3593CDB-D2C0-E391-158A-DD375AC3300E}"/>
                   </a:ext>
                 </a:extLst>
               </p:cNvPr>
@@ -11287,7 +11324,7 @@
             </p:nvSpPr>
             <p:spPr>
               <a:xfrm>
-                <a:off x="5435503" y="2734357"/>
+                <a:off x="4707973" y="1294417"/>
                 <a:ext cx="186718" cy="182614"/>
               </a:xfrm>
               <a:prstGeom prst="rect">
@@ -11296,7 +11333,7 @@
               <a:blipFill>
                 <a:blip r:embed="rId9"/>
                 <a:stretch>
-                  <a:fillRect l="-16667" r="-10000" b="-20000"/>
+                  <a:fillRect l="-16129" r="-6452" b="-20000"/>
                 </a:stretch>
               </a:blipFill>
             </p:spPr>
@@ -11317,10 +11354,10 @@
       </mc:AlternateContent>
       <p:cxnSp>
         <p:nvCxnSpPr>
-          <p:cNvPr id="41" name="Connecteur droit 40">
-            <a:extLst>
-              <a:ext uri="{FF2B5EF4-FFF2-40B4-BE49-F238E27FC236}">
-                <a16:creationId xmlns:a16="http://schemas.microsoft.com/office/drawing/2014/main" id="{31681AF6-7E45-E08E-101D-85C4C95BFC9F}"/>
+          <p:cNvPr id="32" name="Connecteur droit 31">
+            <a:extLst>
+              <a:ext uri="{FF2B5EF4-FFF2-40B4-BE49-F238E27FC236}">
+                <a16:creationId xmlns:a16="http://schemas.microsoft.com/office/drawing/2014/main" id="{FBDB9C64-9D40-AD67-D305-166925A4C1CC}"/>
               </a:ext>
             </a:extLst>
           </p:cNvPr>
@@ -11331,7 +11368,7 @@
         </p:nvCxnSpPr>
         <p:spPr>
           <a:xfrm>
-            <a:off x="5393271" y="3428815"/>
+            <a:off x="4665741" y="1988875"/>
             <a:ext cx="310830" cy="0"/>
           </a:xfrm>
           <a:prstGeom prst="line">
@@ -11368,10 +11405,10 @@
         <mc:Choice xmlns:a14="http://schemas.microsoft.com/office/drawing/2010/main" Requires="a14">
           <p:sp>
             <p:nvSpPr>
-              <p:cNvPr id="42" name="ZoneTexte 41">
+              <p:cNvPr id="33" name="ZoneTexte 32">
                 <a:extLst>
                   <a:ext uri="{FF2B5EF4-FFF2-40B4-BE49-F238E27FC236}">
-                    <a16:creationId xmlns:a16="http://schemas.microsoft.com/office/drawing/2014/main" id="{86552724-8C3E-E6EA-6DC1-C7D7D0FB7FB2}"/>
+                    <a16:creationId xmlns:a16="http://schemas.microsoft.com/office/drawing/2014/main" id="{0FF554FA-35BC-A669-6CF1-3D3444D6D926}"/>
                   </a:ext>
                 </a:extLst>
               </p:cNvPr>
@@ -11380,7 +11417,7 @@
             </p:nvSpPr>
             <p:spPr>
               <a:xfrm>
-                <a:off x="5568554" y="3172401"/>
+                <a:off x="4841024" y="1732461"/>
                 <a:ext cx="182166" cy="169277"/>
               </a:xfrm>
               <a:prstGeom prst="rect">
@@ -11394,6 +11431,7 @@
               </a:bodyPr>
               <a:lstStyle/>
               <a:p>
+                <a:pPr/>
                 <a14:m>
                   <m:oMathPara xmlns:m="http://schemas.openxmlformats.org/officeDocument/2006/math">
                     <m:oMathParaPr>
@@ -11436,10 +11474,10 @@
         <mc:Fallback>
           <p:sp>
             <p:nvSpPr>
-              <p:cNvPr id="42" name="ZoneTexte 41">
+              <p:cNvPr id="33" name="ZoneTexte 32">
                 <a:extLst>
                   <a:ext uri="{FF2B5EF4-FFF2-40B4-BE49-F238E27FC236}">
-                    <a16:creationId xmlns:a16="http://schemas.microsoft.com/office/drawing/2014/main" id="{86552724-8C3E-E6EA-6DC1-C7D7D0FB7FB2}"/>
+                    <a16:creationId xmlns:a16="http://schemas.microsoft.com/office/drawing/2014/main" id="{0FF554FA-35BC-A669-6CF1-3D3444D6D926}"/>
                   </a:ext>
                 </a:extLst>
               </p:cNvPr>
@@ -11450,7 +11488,7 @@
             </p:nvSpPr>
             <p:spPr>
               <a:xfrm>
-                <a:off x="5568554" y="3172401"/>
+                <a:off x="4841024" y="1732461"/>
                 <a:ext cx="182166" cy="169277"/>
               </a:xfrm>
               <a:prstGeom prst="rect">
@@ -11480,10 +11518,10 @@
       </mc:AlternateContent>
       <p:sp>
         <p:nvSpPr>
-          <p:cNvPr id="31" name="Forme libre : forme 30">
-            <a:extLst>
-              <a:ext uri="{FF2B5EF4-FFF2-40B4-BE49-F238E27FC236}">
-                <a16:creationId xmlns:a16="http://schemas.microsoft.com/office/drawing/2014/main" id="{D518C048-D9F3-F700-79CE-0974C5D84E1E}"/>
+          <p:cNvPr id="41" name="Forme libre : forme 40">
+            <a:extLst>
+              <a:ext uri="{FF2B5EF4-FFF2-40B4-BE49-F238E27FC236}">
+                <a16:creationId xmlns:a16="http://schemas.microsoft.com/office/drawing/2014/main" id="{881A3FB5-266A-0216-76E2-B76B89D3DC44}"/>
               </a:ext>
             </a:extLst>
           </p:cNvPr>
@@ -11492,7 +11530,7 @@
         </p:nvSpPr>
         <p:spPr>
           <a:xfrm>
-            <a:off x="6085555" y="3290272"/>
+            <a:off x="5803640" y="1815154"/>
             <a:ext cx="52450" cy="318728"/>
           </a:xfrm>
           <a:custGeom>
@@ -11582,10 +11620,10 @@
         <mc:Choice xmlns:a14="http://schemas.microsoft.com/office/drawing/2010/main" Requires="a14">
           <p:sp>
             <p:nvSpPr>
-              <p:cNvPr id="44" name="ZoneTexte 43">
+              <p:cNvPr id="42" name="ZoneTexte 41">
                 <a:extLst>
                   <a:ext uri="{FF2B5EF4-FFF2-40B4-BE49-F238E27FC236}">
-                    <a16:creationId xmlns:a16="http://schemas.microsoft.com/office/drawing/2014/main" id="{3799F0FD-1EBA-19E9-15A1-DD81B94345E8}"/>
+                    <a16:creationId xmlns:a16="http://schemas.microsoft.com/office/drawing/2014/main" id="{DC20DF48-8AAC-1DD1-EF18-10983F9D37B9}"/>
                   </a:ext>
                 </a:extLst>
               </p:cNvPr>
@@ -11594,8 +11632,8 @@
             </p:nvSpPr>
             <p:spPr>
               <a:xfrm>
-                <a:off x="6031834" y="3086528"/>
-                <a:ext cx="181267" cy="169277"/>
+                <a:off x="5733112" y="1604386"/>
+                <a:ext cx="177997" cy="169277"/>
               </a:xfrm>
               <a:prstGeom prst="rect">
                 <a:avLst/>
@@ -11608,6 +11646,7 @@
               </a:bodyPr>
               <a:lstStyle/>
               <a:p>
+                <a:pPr/>
                 <a14:m>
                   <m:oMathPara xmlns:m="http://schemas.openxmlformats.org/officeDocument/2006/math">
                     <m:oMathParaPr>
@@ -11635,7 +11674,7 @@
                             <a:rPr lang="fr-FR" sz="1100" b="0" i="1" smtClean="0">
                               <a:latin typeface="Cambria Math" panose="02040503050406030204" pitchFamily="18" charset="0"/>
                             </a:rPr>
-                            <m:t>2</m:t>
+                            <m:t>1</m:t>
                           </m:r>
                         </m:sub>
                       </m:sSub>
@@ -11650,10 +11689,10 @@
         <mc:Fallback>
           <p:sp>
             <p:nvSpPr>
-              <p:cNvPr id="44" name="ZoneTexte 43">
+              <p:cNvPr id="42" name="ZoneTexte 41">
                 <a:extLst>
                   <a:ext uri="{FF2B5EF4-FFF2-40B4-BE49-F238E27FC236}">
-                    <a16:creationId xmlns:a16="http://schemas.microsoft.com/office/drawing/2014/main" id="{3799F0FD-1EBA-19E9-15A1-DD81B94345E8}"/>
+                    <a16:creationId xmlns:a16="http://schemas.microsoft.com/office/drawing/2014/main" id="{DC20DF48-8AAC-1DD1-EF18-10983F9D37B9}"/>
                   </a:ext>
                 </a:extLst>
               </p:cNvPr>
@@ -11664,8 +11703,8 @@
             </p:nvSpPr>
             <p:spPr>
               <a:xfrm>
-                <a:off x="6031834" y="3086528"/>
-                <a:ext cx="181267" cy="169277"/>
+                <a:off x="5733112" y="1604386"/>
+                <a:ext cx="177997" cy="169277"/>
               </a:xfrm>
               <a:prstGeom prst="rect">
                 <a:avLst/>
@@ -11673,7 +11712,7 @@
               <a:blipFill>
                 <a:blip r:embed="rId11"/>
                 <a:stretch>
-                  <a:fillRect l="-16667" r="-6667" b="-17857"/>
+                  <a:fillRect l="-16667" r="-3333" b="-17857"/>
                 </a:stretch>
               </a:blipFill>
             </p:spPr>
@@ -11696,10 +11735,10 @@
         <mc:Choice xmlns:a14="http://schemas.microsoft.com/office/drawing/2010/main" Requires="a14">
           <p:sp>
             <p:nvSpPr>
-              <p:cNvPr id="45" name="Ellipse 44">
+              <p:cNvPr id="43" name="Ellipse 42">
                 <a:extLst>
                   <a:ext uri="{FF2B5EF4-FFF2-40B4-BE49-F238E27FC236}">
-                    <a16:creationId xmlns:a16="http://schemas.microsoft.com/office/drawing/2014/main" id="{D5BEBF6C-FA0D-F553-471D-BE403DAC37ED}"/>
+                    <a16:creationId xmlns:a16="http://schemas.microsoft.com/office/drawing/2014/main" id="{450EB561-DD3D-023F-3173-32157E3661F6}"/>
                   </a:ext>
                 </a:extLst>
               </p:cNvPr>
@@ -11708,7 +11747,7 @@
             </p:nvSpPr>
             <p:spPr>
               <a:xfrm>
-                <a:off x="5674740" y="2772479"/>
+                <a:off x="5017773" y="1307719"/>
                 <a:ext cx="288000" cy="288000"/>
               </a:xfrm>
               <a:prstGeom prst="ellipse">
@@ -11773,10 +11812,10 @@
         <mc:Fallback>
           <p:sp>
             <p:nvSpPr>
-              <p:cNvPr id="45" name="Ellipse 44">
+              <p:cNvPr id="43" name="Ellipse 42">
                 <a:extLst>
                   <a:ext uri="{FF2B5EF4-FFF2-40B4-BE49-F238E27FC236}">
-                    <a16:creationId xmlns:a16="http://schemas.microsoft.com/office/drawing/2014/main" id="{D5BEBF6C-FA0D-F553-471D-BE403DAC37ED}"/>
+                    <a16:creationId xmlns:a16="http://schemas.microsoft.com/office/drawing/2014/main" id="{450EB561-DD3D-023F-3173-32157E3661F6}"/>
                   </a:ext>
                 </a:extLst>
               </p:cNvPr>
@@ -11787,7 +11826,7 @@
             </p:nvSpPr>
             <p:spPr>
               <a:xfrm>
-                <a:off x="5674740" y="2772479"/>
+                <a:off x="5017773" y="1307719"/>
                 <a:ext cx="288000" cy="288000"/>
               </a:xfrm>
               <a:prstGeom prst="ellipse">
@@ -11824,10 +11863,10 @@
         <mc:Choice xmlns:a14="http://schemas.microsoft.com/office/drawing/2010/main" Requires="a14">
           <p:sp>
             <p:nvSpPr>
-              <p:cNvPr id="46" name="Ellipse 45">
+              <p:cNvPr id="44" name="Ellipse 43">
                 <a:extLst>
                   <a:ext uri="{FF2B5EF4-FFF2-40B4-BE49-F238E27FC236}">
-                    <a16:creationId xmlns:a16="http://schemas.microsoft.com/office/drawing/2014/main" id="{4A863B3E-BF82-DAFF-E01F-0ABF8ED46202}"/>
+                    <a16:creationId xmlns:a16="http://schemas.microsoft.com/office/drawing/2014/main" id="{57AC1567-6749-F385-44C2-4101A2A618B0}"/>
                   </a:ext>
                 </a:extLst>
               </p:cNvPr>
@@ -11836,7 +11875,7 @@
             </p:nvSpPr>
             <p:spPr>
               <a:xfrm>
-                <a:off x="6289587" y="2772479"/>
+                <a:off x="6096000" y="1307719"/>
                 <a:ext cx="288000" cy="288000"/>
               </a:xfrm>
               <a:prstGeom prst="ellipse">
@@ -11901,10 +11940,10 @@
         <mc:Fallback>
           <p:sp>
             <p:nvSpPr>
-              <p:cNvPr id="46" name="Ellipse 45">
+              <p:cNvPr id="44" name="Ellipse 43">
                 <a:extLst>
                   <a:ext uri="{FF2B5EF4-FFF2-40B4-BE49-F238E27FC236}">
-                    <a16:creationId xmlns:a16="http://schemas.microsoft.com/office/drawing/2014/main" id="{4A863B3E-BF82-DAFF-E01F-0ABF8ED46202}"/>
+                    <a16:creationId xmlns:a16="http://schemas.microsoft.com/office/drawing/2014/main" id="{57AC1567-6749-F385-44C2-4101A2A618B0}"/>
                   </a:ext>
                 </a:extLst>
               </p:cNvPr>
@@ -11915,7 +11954,7 @@
             </p:nvSpPr>
             <p:spPr>
               <a:xfrm>
-                <a:off x="6289587" y="2772479"/>
+                <a:off x="6096000" y="1307719"/>
                 <a:ext cx="288000" cy="288000"/>
               </a:xfrm>
               <a:prstGeom prst="ellipse">
@@ -11951,7 +11990,7 @@
     </p:spTree>
     <p:extLst>
       <p:ext uri="{BB962C8B-B14F-4D97-AF65-F5344CB8AC3E}">
-        <p14:creationId xmlns:p14="http://schemas.microsoft.com/office/powerpoint/2010/main" val="1805820670"/>
+        <p14:creationId xmlns:p14="http://schemas.microsoft.com/office/powerpoint/2010/main" val="2200824490"/>
       </p:ext>
     </p:extLst>
   </p:cSld>

--- a/2022/Exemple/FichiersProf/Corrigé LaTeX/images/Figures.pptx
+++ b/2022/Exemple/FichiersProf/Corrigé LaTeX/images/Figures.pptx
@@ -10,6 +10,7 @@
     <p:sldId id="261" r:id="rId4"/>
     <p:sldId id="262" r:id="rId5"/>
     <p:sldId id="263" r:id="rId6"/>
+    <p:sldId id="264" r:id="rId7"/>
   </p:sldIdLst>
   <p:sldSz cx="12192000" cy="6858000"/>
   <p:notesSz cx="6858000" cy="9144000"/>
@@ -11633,7 +11634,7 @@
             <p:spPr>
               <a:xfrm>
                 <a:off x="5733112" y="1604386"/>
-                <a:ext cx="177997" cy="169277"/>
+                <a:ext cx="181267" cy="169277"/>
               </a:xfrm>
               <a:prstGeom prst="rect">
                 <a:avLst/>
@@ -11674,7 +11675,7 @@
                             <a:rPr lang="fr-FR" sz="1100" b="0" i="1" smtClean="0">
                               <a:latin typeface="Cambria Math" panose="02040503050406030204" pitchFamily="18" charset="0"/>
                             </a:rPr>
-                            <m:t>1</m:t>
+                            <m:t>2</m:t>
                           </m:r>
                         </m:sub>
                       </m:sSub>
@@ -11704,7 +11705,7 @@
             <p:spPr>
               <a:xfrm>
                 <a:off x="5733112" y="1604386"/>
-                <a:ext cx="177997" cy="169277"/>
+                <a:ext cx="181267" cy="169277"/>
               </a:xfrm>
               <a:prstGeom prst="rect">
                 <a:avLst/>
@@ -11712,7 +11713,7 @@
               <a:blipFill>
                 <a:blip r:embed="rId11"/>
                 <a:stretch>
-                  <a:fillRect l="-16667" r="-3333" b="-17857"/>
+                  <a:fillRect l="-16667" r="-6667" b="-17857"/>
                 </a:stretch>
               </a:blipFill>
             </p:spPr>
@@ -11991,6 +11992,3367 @@
     <p:extLst>
       <p:ext uri="{BB962C8B-B14F-4D97-AF65-F5344CB8AC3E}">
         <p14:creationId xmlns:p14="http://schemas.microsoft.com/office/powerpoint/2010/main" val="2200824490"/>
+      </p:ext>
+    </p:extLst>
+  </p:cSld>
+  <p:clrMapOvr>
+    <a:masterClrMapping/>
+  </p:clrMapOvr>
+</p:sld>
+</file>
+
+<file path=ppt/slides/slide6.xml><?xml version="1.0" encoding="utf-8"?>
+<p:sld xmlns:a="http://schemas.openxmlformats.org/drawingml/2006/main" xmlns:r="http://schemas.openxmlformats.org/officeDocument/2006/relationships" xmlns:p="http://schemas.openxmlformats.org/presentationml/2006/main">
+  <p:cSld>
+    <p:spTree>
+      <p:nvGrpSpPr>
+        <p:cNvPr id="1" name=""/>
+        <p:cNvGrpSpPr/>
+        <p:nvPr/>
+      </p:nvGrpSpPr>
+      <p:grpSpPr>
+        <a:xfrm>
+          <a:off x="0" y="0"/>
+          <a:ext cx="0" cy="0"/>
+          <a:chOff x="0" y="0"/>
+          <a:chExt cx="0" cy="0"/>
+        </a:xfrm>
+      </p:grpSpPr>
+      <p:sp>
+        <p:nvSpPr>
+          <p:cNvPr id="49" name="Triangle rectangle 48">
+            <a:extLst>
+              <a:ext uri="{FF2B5EF4-FFF2-40B4-BE49-F238E27FC236}">
+                <a16:creationId xmlns:a16="http://schemas.microsoft.com/office/drawing/2014/main" id="{38F57A9F-EBAF-C146-DE7C-54E788130FB1}"/>
+              </a:ext>
+            </a:extLst>
+          </p:cNvPr>
+          <p:cNvSpPr/>
+          <p:nvPr/>
+        </p:nvSpPr>
+        <p:spPr>
+          <a:xfrm flipH="1" flipV="1">
+            <a:off x="5751269" y="3430849"/>
+            <a:ext cx="1068684" cy="424782"/>
+          </a:xfrm>
+          <a:prstGeom prst="rtTriangle">
+            <a:avLst/>
+          </a:prstGeom>
+          <a:solidFill>
+            <a:schemeClr val="accent2">
+              <a:lumMod val="20000"/>
+              <a:lumOff val="80000"/>
+            </a:schemeClr>
+          </a:solidFill>
+          <a:ln>
+            <a:noFill/>
+          </a:ln>
+        </p:spPr>
+        <p:style>
+          <a:lnRef idx="2">
+            <a:schemeClr val="accent1">
+              <a:shade val="50000"/>
+            </a:schemeClr>
+          </a:lnRef>
+          <a:fillRef idx="1">
+            <a:schemeClr val="accent1"/>
+          </a:fillRef>
+          <a:effectRef idx="0">
+            <a:schemeClr val="accent1"/>
+          </a:effectRef>
+          <a:fontRef idx="minor">
+            <a:schemeClr val="lt1"/>
+          </a:fontRef>
+        </p:style>
+        <p:txBody>
+          <a:bodyPr rtlCol="0" anchor="ctr"/>
+          <a:lstStyle/>
+          <a:p>
+            <a:pPr algn="ctr"/>
+            <a:endParaRPr lang="fr-FR"/>
+          </a:p>
+        </p:txBody>
+      </p:sp>
+      <p:sp>
+        <p:nvSpPr>
+          <p:cNvPr id="50" name="Triangle rectangle 49">
+            <a:extLst>
+              <a:ext uri="{FF2B5EF4-FFF2-40B4-BE49-F238E27FC236}">
+                <a16:creationId xmlns:a16="http://schemas.microsoft.com/office/drawing/2014/main" id="{C7C42802-C836-6B0A-CB33-38ACECC066D7}"/>
+              </a:ext>
+            </a:extLst>
+          </p:cNvPr>
+          <p:cNvSpPr/>
+          <p:nvPr/>
+        </p:nvSpPr>
+        <p:spPr>
+          <a:xfrm>
+            <a:off x="4645647" y="2995733"/>
+            <a:ext cx="1058042" cy="443985"/>
+          </a:xfrm>
+          <a:prstGeom prst="rtTriangle">
+            <a:avLst/>
+          </a:prstGeom>
+          <a:solidFill>
+            <a:schemeClr val="accent2">
+              <a:lumMod val="20000"/>
+              <a:lumOff val="80000"/>
+            </a:schemeClr>
+          </a:solidFill>
+          <a:ln>
+            <a:noFill/>
+          </a:ln>
+        </p:spPr>
+        <p:style>
+          <a:lnRef idx="2">
+            <a:schemeClr val="accent1">
+              <a:shade val="50000"/>
+            </a:schemeClr>
+          </a:lnRef>
+          <a:fillRef idx="1">
+            <a:schemeClr val="accent1"/>
+          </a:fillRef>
+          <a:effectRef idx="0">
+            <a:schemeClr val="accent1"/>
+          </a:effectRef>
+          <a:fontRef idx="minor">
+            <a:schemeClr val="lt1"/>
+          </a:fontRef>
+        </p:style>
+        <p:txBody>
+          <a:bodyPr rtlCol="0" anchor="ctr"/>
+          <a:lstStyle/>
+          <a:p>
+            <a:pPr algn="ctr"/>
+            <a:endParaRPr lang="fr-FR"/>
+          </a:p>
+        </p:txBody>
+      </p:sp>
+      <p:sp>
+        <p:nvSpPr>
+          <p:cNvPr id="6" name="Triangle rectangle 5">
+            <a:extLst>
+              <a:ext uri="{FF2B5EF4-FFF2-40B4-BE49-F238E27FC236}">
+                <a16:creationId xmlns:a16="http://schemas.microsoft.com/office/drawing/2014/main" id="{5EC8948A-AB0B-21ED-02E1-04979AFDCCC7}"/>
+              </a:ext>
+            </a:extLst>
+          </p:cNvPr>
+          <p:cNvSpPr/>
+          <p:nvPr/>
+        </p:nvSpPr>
+        <p:spPr>
+          <a:xfrm flipH="1">
+            <a:off x="3956191" y="2985011"/>
+            <a:ext cx="689457" cy="443985"/>
+          </a:xfrm>
+          <a:prstGeom prst="rtTriangle">
+            <a:avLst/>
+          </a:prstGeom>
+          <a:solidFill>
+            <a:schemeClr val="accent2">
+              <a:lumMod val="20000"/>
+              <a:lumOff val="80000"/>
+            </a:schemeClr>
+          </a:solidFill>
+          <a:ln>
+            <a:noFill/>
+          </a:ln>
+        </p:spPr>
+        <p:style>
+          <a:lnRef idx="2">
+            <a:schemeClr val="accent1">
+              <a:shade val="50000"/>
+            </a:schemeClr>
+          </a:lnRef>
+          <a:fillRef idx="1">
+            <a:schemeClr val="accent1"/>
+          </a:fillRef>
+          <a:effectRef idx="0">
+            <a:schemeClr val="accent1"/>
+          </a:effectRef>
+          <a:fontRef idx="minor">
+            <a:schemeClr val="lt1"/>
+          </a:fontRef>
+        </p:style>
+        <p:txBody>
+          <a:bodyPr rtlCol="0" anchor="ctr"/>
+          <a:lstStyle/>
+          <a:p>
+            <a:pPr algn="ctr"/>
+            <a:endParaRPr lang="fr-FR"/>
+          </a:p>
+        </p:txBody>
+      </p:sp>
+      <p:cxnSp>
+        <p:nvCxnSpPr>
+          <p:cNvPr id="28" name="Connecteur droit 27">
+            <a:extLst>
+              <a:ext uri="{FF2B5EF4-FFF2-40B4-BE49-F238E27FC236}">
+                <a16:creationId xmlns:a16="http://schemas.microsoft.com/office/drawing/2014/main" id="{C74975E6-0C86-2C0D-1C03-38CA4DF43AE8}"/>
+              </a:ext>
+            </a:extLst>
+          </p:cNvPr>
+          <p:cNvCxnSpPr>
+            <a:cxnSpLocks/>
+          </p:cNvCxnSpPr>
+          <p:nvPr/>
+        </p:nvCxnSpPr>
+        <p:spPr>
+          <a:xfrm>
+            <a:off x="6819954" y="1989882"/>
+            <a:ext cx="720000" cy="0"/>
+          </a:xfrm>
+          <a:prstGeom prst="line">
+            <a:avLst/>
+          </a:prstGeom>
+          <a:solidFill>
+            <a:schemeClr val="bg1"/>
+          </a:solidFill>
+          <a:ln w="28575">
+            <a:solidFill>
+              <a:srgbClr val="7030A0"/>
+            </a:solidFill>
+          </a:ln>
+        </p:spPr>
+        <p:style>
+          <a:lnRef idx="2">
+            <a:schemeClr val="accent1">
+              <a:shade val="50000"/>
+            </a:schemeClr>
+          </a:lnRef>
+          <a:fillRef idx="1">
+            <a:schemeClr val="accent1"/>
+          </a:fillRef>
+          <a:effectRef idx="0">
+            <a:schemeClr val="accent1"/>
+          </a:effectRef>
+          <a:fontRef idx="minor">
+            <a:schemeClr val="lt1"/>
+          </a:fontRef>
+        </p:style>
+      </p:cxnSp>
+      <p:cxnSp>
+        <p:nvCxnSpPr>
+          <p:cNvPr id="24" name="Connecteur droit 23">
+            <a:extLst>
+              <a:ext uri="{FF2B5EF4-FFF2-40B4-BE49-F238E27FC236}">
+                <a16:creationId xmlns:a16="http://schemas.microsoft.com/office/drawing/2014/main" id="{419E6C69-F7DC-0316-44A5-385751940AED}"/>
+              </a:ext>
+            </a:extLst>
+          </p:cNvPr>
+          <p:cNvCxnSpPr>
+            <a:cxnSpLocks/>
+          </p:cNvCxnSpPr>
+          <p:nvPr/>
+        </p:nvCxnSpPr>
+        <p:spPr>
+          <a:xfrm>
+            <a:off x="3939954" y="1989882"/>
+            <a:ext cx="720000" cy="0"/>
+          </a:xfrm>
+          <a:prstGeom prst="line">
+            <a:avLst/>
+          </a:prstGeom>
+          <a:solidFill>
+            <a:schemeClr val="bg1"/>
+          </a:solidFill>
+          <a:ln w="28575">
+            <a:solidFill>
+              <a:srgbClr val="7030A0"/>
+            </a:solidFill>
+          </a:ln>
+        </p:spPr>
+        <p:style>
+          <a:lnRef idx="2">
+            <a:schemeClr val="accent1">
+              <a:shade val="50000"/>
+            </a:schemeClr>
+          </a:lnRef>
+          <a:fillRef idx="1">
+            <a:schemeClr val="accent1"/>
+          </a:fillRef>
+          <a:effectRef idx="0">
+            <a:schemeClr val="accent1"/>
+          </a:effectRef>
+          <a:fontRef idx="minor">
+            <a:schemeClr val="lt1"/>
+          </a:fontRef>
+        </p:style>
+      </p:cxnSp>
+      <p:sp>
+        <p:nvSpPr>
+          <p:cNvPr id="22" name="Rectangle 21">
+            <a:extLst>
+              <a:ext uri="{FF2B5EF4-FFF2-40B4-BE49-F238E27FC236}">
+                <a16:creationId xmlns:a16="http://schemas.microsoft.com/office/drawing/2014/main" id="{C1B9B700-CF80-4993-1363-19B22CF5328D}"/>
+              </a:ext>
+            </a:extLst>
+          </p:cNvPr>
+          <p:cNvSpPr/>
+          <p:nvPr/>
+        </p:nvSpPr>
+        <p:spPr>
+          <a:xfrm>
+            <a:off x="6585954" y="2043227"/>
+            <a:ext cx="468000" cy="144000"/>
+          </a:xfrm>
+          <a:prstGeom prst="rect">
+            <a:avLst/>
+          </a:prstGeom>
+          <a:solidFill>
+            <a:schemeClr val="bg1"/>
+          </a:solidFill>
+          <a:ln w="28575">
+            <a:solidFill>
+              <a:schemeClr val="accent1">
+                <a:lumMod val="50000"/>
+              </a:schemeClr>
+            </a:solidFill>
+          </a:ln>
+        </p:spPr>
+        <p:style>
+          <a:lnRef idx="2">
+            <a:schemeClr val="accent1">
+              <a:shade val="50000"/>
+            </a:schemeClr>
+          </a:lnRef>
+          <a:fillRef idx="1">
+            <a:schemeClr val="accent1"/>
+          </a:fillRef>
+          <a:effectRef idx="0">
+            <a:schemeClr val="accent1"/>
+          </a:effectRef>
+          <a:fontRef idx="minor">
+            <a:schemeClr val="lt1"/>
+          </a:fontRef>
+        </p:style>
+        <p:txBody>
+          <a:bodyPr rtlCol="0" anchor="ctr"/>
+          <a:lstStyle/>
+          <a:p>
+            <a:pPr algn="ctr"/>
+            <a:endParaRPr lang="fr-FR"/>
+          </a:p>
+        </p:txBody>
+      </p:sp>
+      <p:sp>
+        <p:nvSpPr>
+          <p:cNvPr id="20" name="Arc 19">
+            <a:extLst>
+              <a:ext uri="{FF2B5EF4-FFF2-40B4-BE49-F238E27FC236}">
+                <a16:creationId xmlns:a16="http://schemas.microsoft.com/office/drawing/2014/main" id="{9A9E1B3D-DDC9-D643-D638-F1A4F560EE1D}"/>
+              </a:ext>
+            </a:extLst>
+          </p:cNvPr>
+          <p:cNvSpPr/>
+          <p:nvPr/>
+        </p:nvSpPr>
+        <p:spPr>
+          <a:xfrm>
+            <a:off x="4479954" y="1809882"/>
+            <a:ext cx="360000" cy="360000"/>
+          </a:xfrm>
+          <a:prstGeom prst="arc">
+            <a:avLst>
+              <a:gd name="adj1" fmla="val 857438"/>
+              <a:gd name="adj2" fmla="val 10008154"/>
+            </a:avLst>
+          </a:prstGeom>
+          <a:solidFill>
+            <a:schemeClr val="bg1"/>
+          </a:solidFill>
+          <a:ln w="28575">
+            <a:solidFill>
+              <a:schemeClr val="accent1">
+                <a:lumMod val="50000"/>
+              </a:schemeClr>
+            </a:solidFill>
+          </a:ln>
+        </p:spPr>
+        <p:style>
+          <a:lnRef idx="2">
+            <a:schemeClr val="accent1">
+              <a:shade val="50000"/>
+            </a:schemeClr>
+          </a:lnRef>
+          <a:fillRef idx="1">
+            <a:schemeClr val="accent1"/>
+          </a:fillRef>
+          <a:effectRef idx="0">
+            <a:schemeClr val="accent1"/>
+          </a:effectRef>
+          <a:fontRef idx="minor">
+            <a:schemeClr val="lt1"/>
+          </a:fontRef>
+        </p:style>
+        <p:txBody>
+          <a:bodyPr rtlCol="0" anchor="ctr"/>
+          <a:lstStyle/>
+          <a:p>
+            <a:pPr algn="ctr"/>
+            <a:endParaRPr lang="fr-FR">
+              <a:solidFill>
+                <a:schemeClr val="lt1"/>
+              </a:solidFill>
+            </a:endParaRPr>
+          </a:p>
+        </p:txBody>
+      </p:sp>
+      <p:sp>
+        <p:nvSpPr>
+          <p:cNvPr id="4" name="Ellipse 3">
+            <a:extLst>
+              <a:ext uri="{FF2B5EF4-FFF2-40B4-BE49-F238E27FC236}">
+                <a16:creationId xmlns:a16="http://schemas.microsoft.com/office/drawing/2014/main" id="{2B73D1EA-FA48-A88E-2C82-7210DF13B222}"/>
+              </a:ext>
+            </a:extLst>
+          </p:cNvPr>
+          <p:cNvSpPr/>
+          <p:nvPr/>
+        </p:nvSpPr>
+        <p:spPr>
+          <a:xfrm>
+            <a:off x="4515954" y="1845882"/>
+            <a:ext cx="288000" cy="288000"/>
+          </a:xfrm>
+          <a:prstGeom prst="ellipse">
+            <a:avLst/>
+          </a:prstGeom>
+          <a:solidFill>
+            <a:schemeClr val="bg1"/>
+          </a:solidFill>
+          <a:ln w="28575">
+            <a:solidFill>
+              <a:srgbClr val="7030A0"/>
+            </a:solidFill>
+          </a:ln>
+        </p:spPr>
+        <p:style>
+          <a:lnRef idx="2">
+            <a:schemeClr val="accent1">
+              <a:shade val="50000"/>
+            </a:schemeClr>
+          </a:lnRef>
+          <a:fillRef idx="1">
+            <a:schemeClr val="accent1"/>
+          </a:fillRef>
+          <a:effectRef idx="0">
+            <a:schemeClr val="accent1"/>
+          </a:effectRef>
+          <a:fontRef idx="minor">
+            <a:schemeClr val="lt1"/>
+          </a:fontRef>
+        </p:style>
+        <p:txBody>
+          <a:bodyPr rtlCol="0" anchor="ctr"/>
+          <a:lstStyle/>
+          <a:p>
+            <a:pPr algn="ctr"/>
+            <a:endParaRPr lang="fr-FR"/>
+          </a:p>
+        </p:txBody>
+      </p:sp>
+      <p:sp>
+        <p:nvSpPr>
+          <p:cNvPr id="5" name="Ellipse 4">
+            <a:extLst>
+              <a:ext uri="{FF2B5EF4-FFF2-40B4-BE49-F238E27FC236}">
+                <a16:creationId xmlns:a16="http://schemas.microsoft.com/office/drawing/2014/main" id="{FF4125D3-B40D-1102-AF1F-AC49C21130B0}"/>
+              </a:ext>
+            </a:extLst>
+          </p:cNvPr>
+          <p:cNvSpPr/>
+          <p:nvPr/>
+        </p:nvSpPr>
+        <p:spPr>
+          <a:xfrm>
+            <a:off x="6675954" y="1845882"/>
+            <a:ext cx="288000" cy="288000"/>
+          </a:xfrm>
+          <a:prstGeom prst="ellipse">
+            <a:avLst/>
+          </a:prstGeom>
+          <a:solidFill>
+            <a:schemeClr val="bg1"/>
+          </a:solidFill>
+          <a:ln w="28575">
+            <a:solidFill>
+              <a:srgbClr val="7030A0"/>
+            </a:solidFill>
+          </a:ln>
+        </p:spPr>
+        <p:style>
+          <a:lnRef idx="2">
+            <a:schemeClr val="accent1">
+              <a:shade val="50000"/>
+            </a:schemeClr>
+          </a:lnRef>
+          <a:fillRef idx="1">
+            <a:schemeClr val="accent1"/>
+          </a:fillRef>
+          <a:effectRef idx="0">
+            <a:schemeClr val="accent1"/>
+          </a:effectRef>
+          <a:fontRef idx="minor">
+            <a:schemeClr val="lt1"/>
+          </a:fontRef>
+        </p:style>
+        <p:txBody>
+          <a:bodyPr rtlCol="0" anchor="ctr"/>
+          <a:lstStyle/>
+          <a:p>
+            <a:pPr algn="ctr"/>
+            <a:endParaRPr lang="fr-FR"/>
+          </a:p>
+        </p:txBody>
+      </p:sp>
+      <p:cxnSp>
+        <p:nvCxnSpPr>
+          <p:cNvPr id="7" name="Connecteur droit 6">
+            <a:extLst>
+              <a:ext uri="{FF2B5EF4-FFF2-40B4-BE49-F238E27FC236}">
+                <a16:creationId xmlns:a16="http://schemas.microsoft.com/office/drawing/2014/main" id="{34FA399A-B722-EE0F-C3F8-1135C57F47CB}"/>
+              </a:ext>
+            </a:extLst>
+          </p:cNvPr>
+          <p:cNvCxnSpPr>
+            <a:cxnSpLocks/>
+            <a:stCxn id="4" idx="6"/>
+            <a:endCxn id="5" idx="2"/>
+          </p:cNvCxnSpPr>
+          <p:nvPr/>
+        </p:nvCxnSpPr>
+        <p:spPr>
+          <a:xfrm>
+            <a:off x="4803954" y="1989882"/>
+            <a:ext cx="1872000" cy="0"/>
+          </a:xfrm>
+          <a:prstGeom prst="line">
+            <a:avLst/>
+          </a:prstGeom>
+          <a:solidFill>
+            <a:schemeClr val="bg1"/>
+          </a:solidFill>
+          <a:ln w="28575">
+            <a:solidFill>
+              <a:srgbClr val="7030A0"/>
+            </a:solidFill>
+          </a:ln>
+        </p:spPr>
+        <p:style>
+          <a:lnRef idx="2">
+            <a:schemeClr val="accent1">
+              <a:shade val="50000"/>
+            </a:schemeClr>
+          </a:lnRef>
+          <a:fillRef idx="1">
+            <a:schemeClr val="accent1"/>
+          </a:fillRef>
+          <a:effectRef idx="0">
+            <a:schemeClr val="accent1"/>
+          </a:effectRef>
+          <a:fontRef idx="minor">
+            <a:schemeClr val="lt1"/>
+          </a:fontRef>
+        </p:style>
+      </p:cxnSp>
+      <p:cxnSp>
+        <p:nvCxnSpPr>
+          <p:cNvPr id="12" name="Connecteur droit 11">
+            <a:extLst>
+              <a:ext uri="{FF2B5EF4-FFF2-40B4-BE49-F238E27FC236}">
+                <a16:creationId xmlns:a16="http://schemas.microsoft.com/office/drawing/2014/main" id="{C3A9B7BA-686D-0D0C-76AE-2AFFF1BD59A2}"/>
+              </a:ext>
+            </a:extLst>
+          </p:cNvPr>
+          <p:cNvCxnSpPr>
+            <a:cxnSpLocks/>
+          </p:cNvCxnSpPr>
+          <p:nvPr/>
+        </p:nvCxnSpPr>
+        <p:spPr>
+          <a:xfrm flipV="1">
+            <a:off x="3939953" y="2716306"/>
+            <a:ext cx="0" cy="1404281"/>
+          </a:xfrm>
+          <a:prstGeom prst="line">
+            <a:avLst/>
+          </a:prstGeom>
+          <a:solidFill>
+            <a:schemeClr val="bg1"/>
+          </a:solidFill>
+          <a:ln w="19050">
+            <a:solidFill>
+              <a:srgbClr val="002060"/>
+            </a:solidFill>
+            <a:tailEnd type="stealth" w="med" len="lg"/>
+          </a:ln>
+        </p:spPr>
+        <p:style>
+          <a:lnRef idx="2">
+            <a:schemeClr val="accent1">
+              <a:shade val="50000"/>
+            </a:schemeClr>
+          </a:lnRef>
+          <a:fillRef idx="1">
+            <a:schemeClr val="accent1"/>
+          </a:fillRef>
+          <a:effectRef idx="0">
+            <a:schemeClr val="accent1"/>
+          </a:effectRef>
+          <a:fontRef idx="minor">
+            <a:schemeClr val="lt1"/>
+          </a:fontRef>
+        </p:style>
+      </p:cxnSp>
+      <p:cxnSp>
+        <p:nvCxnSpPr>
+          <p:cNvPr id="15" name="Connecteur droit 14">
+            <a:extLst>
+              <a:ext uri="{FF2B5EF4-FFF2-40B4-BE49-F238E27FC236}">
+                <a16:creationId xmlns:a16="http://schemas.microsoft.com/office/drawing/2014/main" id="{53C3C478-37F2-BA19-8C53-FC72D2FBC844}"/>
+              </a:ext>
+            </a:extLst>
+          </p:cNvPr>
+          <p:cNvCxnSpPr>
+            <a:cxnSpLocks/>
+          </p:cNvCxnSpPr>
+          <p:nvPr/>
+        </p:nvCxnSpPr>
+        <p:spPr>
+          <a:xfrm>
+            <a:off x="7539954" y="1989882"/>
+            <a:ext cx="0" cy="531770"/>
+          </a:xfrm>
+          <a:prstGeom prst="line">
+            <a:avLst/>
+          </a:prstGeom>
+          <a:solidFill>
+            <a:schemeClr val="bg1"/>
+          </a:solidFill>
+          <a:ln w="28575">
+            <a:solidFill>
+              <a:srgbClr val="C00000"/>
+            </a:solidFill>
+            <a:tailEnd type="stealth" w="med" len="lg"/>
+          </a:ln>
+        </p:spPr>
+        <p:style>
+          <a:lnRef idx="2">
+            <a:schemeClr val="accent1">
+              <a:shade val="50000"/>
+            </a:schemeClr>
+          </a:lnRef>
+          <a:fillRef idx="1">
+            <a:schemeClr val="accent1"/>
+          </a:fillRef>
+          <a:effectRef idx="0">
+            <a:schemeClr val="accent1"/>
+          </a:effectRef>
+          <a:fontRef idx="minor">
+            <a:schemeClr val="lt1"/>
+          </a:fontRef>
+        </p:style>
+      </p:cxnSp>
+      <mc:AlternateContent xmlns:mc="http://schemas.openxmlformats.org/markup-compatibility/2006">
+        <mc:Choice xmlns:a14="http://schemas.microsoft.com/office/drawing/2010/main" Requires="a14">
+          <p:sp>
+            <p:nvSpPr>
+              <p:cNvPr id="17" name="ZoneTexte 16">
+                <a:extLst>
+                  <a:ext uri="{FF2B5EF4-FFF2-40B4-BE49-F238E27FC236}">
+                    <a16:creationId xmlns:a16="http://schemas.microsoft.com/office/drawing/2014/main" id="{5853C66E-F7C5-9D45-4609-DAC8FD58D6DE}"/>
+                  </a:ext>
+                </a:extLst>
+              </p:cNvPr>
+              <p:cNvSpPr txBox="1"/>
+              <p:nvPr/>
+            </p:nvSpPr>
+            <p:spPr>
+              <a:xfrm>
+                <a:off x="2181562" y="2241777"/>
+                <a:ext cx="708271" cy="208903"/>
+              </a:xfrm>
+              <a:prstGeom prst="rect">
+                <a:avLst/>
+              </a:prstGeom>
+              <a:noFill/>
+            </p:spPr>
+            <p:txBody>
+              <a:bodyPr wrap="none" lIns="0" tIns="0" rIns="0" bIns="0" rtlCol="0">
+                <a:spAutoFit/>
+              </a:bodyPr>
+              <a:lstStyle/>
+              <a:p>
+                <a:pPr/>
+                <a14:m>
+                  <m:oMathPara xmlns:m="http://schemas.openxmlformats.org/officeDocument/2006/math">
+                    <m:oMathParaPr>
+                      <m:jc m:val="centerGroup"/>
+                    </m:oMathParaPr>
+                    <m:oMath xmlns:m="http://schemas.openxmlformats.org/officeDocument/2006/math">
+                      <m:acc>
+                        <m:accPr>
+                          <m:chr m:val="⃗"/>
+                          <m:ctrlPr>
+                            <a:rPr lang="fr-FR" sz="1100" b="0" i="1" smtClean="0">
+                              <a:latin typeface="Cambria Math" panose="02040503050406030204" pitchFamily="18" charset="0"/>
+                            </a:rPr>
+                          </m:ctrlPr>
+                        </m:accPr>
+                        <m:e>
+                          <m:sSub>
+                            <m:sSubPr>
+                              <m:ctrlPr>
+                                <a:rPr lang="fr-FR" sz="1100" i="1">
+                                  <a:latin typeface="Cambria Math" panose="02040503050406030204" pitchFamily="18" charset="0"/>
+                                </a:rPr>
+                              </m:ctrlPr>
+                            </m:sSubPr>
+                            <m:e>
+                              <m:r>
+                                <a:rPr lang="fr-FR" sz="1100" i="1">
+                                  <a:latin typeface="Cambria Math" panose="02040503050406030204" pitchFamily="18" charset="0"/>
+                                </a:rPr>
+                                <m:t>𝐹</m:t>
+                              </m:r>
+                            </m:e>
+                            <m:sub>
+                              <m:r>
+                                <a:rPr lang="fr-FR" sz="1100" i="1">
+                                  <a:latin typeface="Cambria Math" panose="02040503050406030204" pitchFamily="18" charset="0"/>
+                                </a:rPr>
+                                <m:t>𝑙𝑎𝑚𝑒</m:t>
+                              </m:r>
+                              <m:r>
+                                <m:rPr>
+                                  <m:lit/>
+                                </m:rPr>
+                                <a:rPr lang="fr-FR" sz="1100" i="1">
+                                  <a:latin typeface="Cambria Math" panose="02040503050406030204" pitchFamily="18" charset="0"/>
+                                </a:rPr>
+                                <m:t>/</m:t>
+                              </m:r>
+                              <m:r>
+                                <a:rPr lang="fr-FR" sz="1100" i="1">
+                                  <a:latin typeface="Cambria Math" panose="02040503050406030204" pitchFamily="18" charset="0"/>
+                                </a:rPr>
+                                <m:t>𝑎𝑟𝑏𝑟𝑒</m:t>
+                              </m:r>
+                            </m:sub>
+                          </m:sSub>
+                        </m:e>
+                      </m:acc>
+                    </m:oMath>
+                  </m:oMathPara>
+                </a14:m>
+                <a:endParaRPr lang="fr-FR" dirty="0"/>
+              </a:p>
+            </p:txBody>
+          </p:sp>
+        </mc:Choice>
+        <mc:Fallback>
+          <p:sp>
+            <p:nvSpPr>
+              <p:cNvPr id="17" name="ZoneTexte 16">
+                <a:extLst>
+                  <a:ext uri="{FF2B5EF4-FFF2-40B4-BE49-F238E27FC236}">
+                    <a16:creationId xmlns:a16="http://schemas.microsoft.com/office/drawing/2014/main" id="{5853C66E-F7C5-9D45-4609-DAC8FD58D6DE}"/>
+                  </a:ext>
+                </a:extLst>
+              </p:cNvPr>
+              <p:cNvSpPr txBox="1">
+                <a:spLocks noRot="1" noChangeAspect="1" noMove="1" noResize="1" noEditPoints="1" noAdjustHandles="1" noChangeArrowheads="1" noChangeShapeType="1" noTextEdit="1"/>
+              </p:cNvSpPr>
+              <p:nvPr/>
+            </p:nvSpPr>
+            <p:spPr>
+              <a:xfrm>
+                <a:off x="2181562" y="2241777"/>
+                <a:ext cx="708271" cy="208903"/>
+              </a:xfrm>
+              <a:prstGeom prst="rect">
+                <a:avLst/>
+              </a:prstGeom>
+              <a:blipFill>
+                <a:blip r:embed="rId2"/>
+                <a:stretch>
+                  <a:fillRect l="-4310" r="-1724" b="-26471"/>
+                </a:stretch>
+              </a:blipFill>
+            </p:spPr>
+            <p:txBody>
+              <a:bodyPr/>
+              <a:lstStyle/>
+              <a:p>
+                <a:r>
+                  <a:rPr lang="fr-FR">
+                    <a:noFill/>
+                  </a:rPr>
+                  <a:t> </a:t>
+                </a:r>
+              </a:p>
+            </p:txBody>
+          </p:sp>
+        </mc:Fallback>
+      </mc:AlternateContent>
+      <mc:AlternateContent xmlns:mc="http://schemas.openxmlformats.org/markup-compatibility/2006">
+        <mc:Choice xmlns:a14="http://schemas.microsoft.com/office/drawing/2010/main" Requires="a14">
+          <p:sp>
+            <p:nvSpPr>
+              <p:cNvPr id="19" name="ZoneTexte 18">
+                <a:extLst>
+                  <a:ext uri="{FF2B5EF4-FFF2-40B4-BE49-F238E27FC236}">
+                    <a16:creationId xmlns:a16="http://schemas.microsoft.com/office/drawing/2014/main" id="{8006ADE4-EE8F-25FA-7E75-529D7061EE5E}"/>
+                  </a:ext>
+                </a:extLst>
+              </p:cNvPr>
+              <p:cNvSpPr txBox="1"/>
+              <p:nvPr/>
+            </p:nvSpPr>
+            <p:spPr>
+              <a:xfrm>
+                <a:off x="7629954" y="2106838"/>
+                <a:ext cx="897425" cy="208903"/>
+              </a:xfrm>
+              <a:prstGeom prst="rect">
+                <a:avLst/>
+              </a:prstGeom>
+              <a:noFill/>
+            </p:spPr>
+            <p:txBody>
+              <a:bodyPr wrap="none" lIns="0" tIns="0" rIns="0" bIns="0" rtlCol="0">
+                <a:spAutoFit/>
+              </a:bodyPr>
+              <a:lstStyle/>
+              <a:p>
+                <a:pPr/>
+                <a14:m>
+                  <m:oMathPara xmlns:m="http://schemas.openxmlformats.org/officeDocument/2006/math">
+                    <m:oMathParaPr>
+                      <m:jc m:val="centerGroup"/>
+                    </m:oMathParaPr>
+                    <m:oMath xmlns:m="http://schemas.openxmlformats.org/officeDocument/2006/math">
+                      <m:acc>
+                        <m:accPr>
+                          <m:chr m:val="⃗"/>
+                          <m:ctrlPr>
+                            <a:rPr lang="fr-FR" sz="1100" b="0" i="1" smtClean="0">
+                              <a:latin typeface="Cambria Math" panose="02040503050406030204" pitchFamily="18" charset="0"/>
+                            </a:rPr>
+                          </m:ctrlPr>
+                        </m:accPr>
+                        <m:e>
+                          <m:sSub>
+                            <m:sSubPr>
+                              <m:ctrlPr>
+                                <a:rPr lang="fr-FR" sz="1100" i="1">
+                                  <a:latin typeface="Cambria Math" panose="02040503050406030204" pitchFamily="18" charset="0"/>
+                                </a:rPr>
+                              </m:ctrlPr>
+                            </m:sSubPr>
+                            <m:e>
+                              <m:r>
+                                <a:rPr lang="fr-FR" sz="1100" i="1">
+                                  <a:latin typeface="Cambria Math" panose="02040503050406030204" pitchFamily="18" charset="0"/>
+                                </a:rPr>
+                                <m:t>𝐹</m:t>
+                              </m:r>
+                            </m:e>
+                            <m:sub>
+                              <m:r>
+                                <a:rPr lang="fr-FR" sz="1100" b="0" i="1" smtClean="0">
+                                  <a:latin typeface="Cambria Math" panose="02040503050406030204" pitchFamily="18" charset="0"/>
+                                </a:rPr>
+                                <m:t>𝑐𝑜𝑢𝑟𝑟𝑜𝑖𝑒</m:t>
+                              </m:r>
+                              <m:r>
+                                <m:rPr>
+                                  <m:lit/>
+                                </m:rPr>
+                                <a:rPr lang="fr-FR" sz="1100" i="1">
+                                  <a:latin typeface="Cambria Math" panose="02040503050406030204" pitchFamily="18" charset="0"/>
+                                </a:rPr>
+                                <m:t>/</m:t>
+                              </m:r>
+                              <m:r>
+                                <a:rPr lang="fr-FR" sz="1100" i="1">
+                                  <a:latin typeface="Cambria Math" panose="02040503050406030204" pitchFamily="18" charset="0"/>
+                                </a:rPr>
+                                <m:t>𝑎𝑟𝑏𝑟𝑒</m:t>
+                              </m:r>
+                            </m:sub>
+                          </m:sSub>
+                        </m:e>
+                      </m:acc>
+                    </m:oMath>
+                  </m:oMathPara>
+                </a14:m>
+                <a:endParaRPr lang="fr-FR" dirty="0"/>
+              </a:p>
+            </p:txBody>
+          </p:sp>
+        </mc:Choice>
+        <mc:Fallback>
+          <p:sp>
+            <p:nvSpPr>
+              <p:cNvPr id="19" name="ZoneTexte 18">
+                <a:extLst>
+                  <a:ext uri="{FF2B5EF4-FFF2-40B4-BE49-F238E27FC236}">
+                    <a16:creationId xmlns:a16="http://schemas.microsoft.com/office/drawing/2014/main" id="{8006ADE4-EE8F-25FA-7E75-529D7061EE5E}"/>
+                  </a:ext>
+                </a:extLst>
+              </p:cNvPr>
+              <p:cNvSpPr txBox="1">
+                <a:spLocks noRot="1" noChangeAspect="1" noMove="1" noResize="1" noEditPoints="1" noAdjustHandles="1" noChangeArrowheads="1" noChangeShapeType="1" noTextEdit="1"/>
+              </p:cNvSpPr>
+              <p:nvPr/>
+            </p:nvSpPr>
+            <p:spPr>
+              <a:xfrm>
+                <a:off x="7629954" y="2106838"/>
+                <a:ext cx="897425" cy="208903"/>
+              </a:xfrm>
+              <a:prstGeom prst="rect">
+                <a:avLst/>
+              </a:prstGeom>
+              <a:blipFill>
+                <a:blip r:embed="rId3"/>
+                <a:stretch>
+                  <a:fillRect l="-3401" r="-1361" b="-26471"/>
+                </a:stretch>
+              </a:blipFill>
+            </p:spPr>
+            <p:txBody>
+              <a:bodyPr/>
+              <a:lstStyle/>
+              <a:p>
+                <a:r>
+                  <a:rPr lang="fr-FR">
+                    <a:noFill/>
+                  </a:rPr>
+                  <a:t> </a:t>
+                </a:r>
+              </a:p>
+            </p:txBody>
+          </p:sp>
+        </mc:Fallback>
+      </mc:AlternateContent>
+      <p:cxnSp>
+        <p:nvCxnSpPr>
+          <p:cNvPr id="23" name="Connecteur droit 22">
+            <a:extLst>
+              <a:ext uri="{FF2B5EF4-FFF2-40B4-BE49-F238E27FC236}">
+                <a16:creationId xmlns:a16="http://schemas.microsoft.com/office/drawing/2014/main" id="{BA6878E0-BA88-A381-C274-546397C3A09A}"/>
+              </a:ext>
+            </a:extLst>
+          </p:cNvPr>
+          <p:cNvCxnSpPr>
+            <a:cxnSpLocks/>
+          </p:cNvCxnSpPr>
+          <p:nvPr/>
+        </p:nvCxnSpPr>
+        <p:spPr>
+          <a:xfrm>
+            <a:off x="4659954" y="2169882"/>
+            <a:ext cx="0" cy="216699"/>
+          </a:xfrm>
+          <a:prstGeom prst="line">
+            <a:avLst/>
+          </a:prstGeom>
+          <a:solidFill>
+            <a:schemeClr val="bg1"/>
+          </a:solidFill>
+          <a:ln w="28575">
+            <a:solidFill>
+              <a:schemeClr val="accent1">
+                <a:lumMod val="50000"/>
+              </a:schemeClr>
+            </a:solidFill>
+          </a:ln>
+        </p:spPr>
+        <p:style>
+          <a:lnRef idx="2">
+            <a:schemeClr val="accent1">
+              <a:shade val="50000"/>
+            </a:schemeClr>
+          </a:lnRef>
+          <a:fillRef idx="1">
+            <a:schemeClr val="accent1"/>
+          </a:fillRef>
+          <a:effectRef idx="0">
+            <a:schemeClr val="accent1"/>
+          </a:effectRef>
+          <a:fontRef idx="minor">
+            <a:schemeClr val="lt1"/>
+          </a:fontRef>
+        </p:style>
+      </p:cxnSp>
+      <p:cxnSp>
+        <p:nvCxnSpPr>
+          <p:cNvPr id="27" name="Connecteur droit 26">
+            <a:extLst>
+              <a:ext uri="{FF2B5EF4-FFF2-40B4-BE49-F238E27FC236}">
+                <a16:creationId xmlns:a16="http://schemas.microsoft.com/office/drawing/2014/main" id="{59441FA6-98EC-AC94-F34B-2595115CFB6B}"/>
+              </a:ext>
+            </a:extLst>
+          </p:cNvPr>
+          <p:cNvCxnSpPr>
+            <a:cxnSpLocks/>
+            <a:endCxn id="22" idx="2"/>
+          </p:cNvCxnSpPr>
+          <p:nvPr/>
+        </p:nvCxnSpPr>
+        <p:spPr>
+          <a:xfrm flipV="1">
+            <a:off x="6819954" y="2187227"/>
+            <a:ext cx="0" cy="208903"/>
+          </a:xfrm>
+          <a:prstGeom prst="line">
+            <a:avLst/>
+          </a:prstGeom>
+          <a:solidFill>
+            <a:schemeClr val="bg1"/>
+          </a:solidFill>
+          <a:ln w="28575">
+            <a:solidFill>
+              <a:schemeClr val="accent1">
+                <a:lumMod val="50000"/>
+              </a:schemeClr>
+            </a:solidFill>
+          </a:ln>
+        </p:spPr>
+        <p:style>
+          <a:lnRef idx="2">
+            <a:schemeClr val="accent1">
+              <a:shade val="50000"/>
+            </a:schemeClr>
+          </a:lnRef>
+          <a:fillRef idx="1">
+            <a:schemeClr val="accent1"/>
+          </a:fillRef>
+          <a:effectRef idx="0">
+            <a:schemeClr val="accent1"/>
+          </a:effectRef>
+          <a:fontRef idx="minor">
+            <a:schemeClr val="lt1"/>
+          </a:fontRef>
+        </p:style>
+      </p:cxnSp>
+      <p:cxnSp>
+        <p:nvCxnSpPr>
+          <p:cNvPr id="30" name="Connecteur droit 29">
+            <a:extLst>
+              <a:ext uri="{FF2B5EF4-FFF2-40B4-BE49-F238E27FC236}">
+                <a16:creationId xmlns:a16="http://schemas.microsoft.com/office/drawing/2014/main" id="{8ED62A41-204D-F5CA-65A4-85C063973BD9}"/>
+              </a:ext>
+            </a:extLst>
+          </p:cNvPr>
+          <p:cNvCxnSpPr>
+            <a:cxnSpLocks/>
+          </p:cNvCxnSpPr>
+          <p:nvPr/>
+        </p:nvCxnSpPr>
+        <p:spPr>
+          <a:xfrm flipH="1">
+            <a:off x="4645659" y="2396130"/>
+            <a:ext cx="2174295" cy="0"/>
+          </a:xfrm>
+          <a:prstGeom prst="line">
+            <a:avLst/>
+          </a:prstGeom>
+          <a:solidFill>
+            <a:schemeClr val="bg1"/>
+          </a:solidFill>
+          <a:ln w="28575">
+            <a:solidFill>
+              <a:schemeClr val="accent1">
+                <a:lumMod val="50000"/>
+              </a:schemeClr>
+            </a:solidFill>
+          </a:ln>
+        </p:spPr>
+        <p:style>
+          <a:lnRef idx="2">
+            <a:schemeClr val="accent1">
+              <a:shade val="50000"/>
+            </a:schemeClr>
+          </a:lnRef>
+          <a:fillRef idx="1">
+            <a:schemeClr val="accent1"/>
+          </a:fillRef>
+          <a:effectRef idx="0">
+            <a:schemeClr val="accent1"/>
+          </a:effectRef>
+          <a:fontRef idx="minor">
+            <a:schemeClr val="lt1"/>
+          </a:fontRef>
+        </p:style>
+      </p:cxnSp>
+      <p:cxnSp>
+        <p:nvCxnSpPr>
+          <p:cNvPr id="34" name="Connecteur droit 33">
+            <a:extLst>
+              <a:ext uri="{FF2B5EF4-FFF2-40B4-BE49-F238E27FC236}">
+                <a16:creationId xmlns:a16="http://schemas.microsoft.com/office/drawing/2014/main" id="{1BADC16F-3A93-FCAE-B5EE-03138BE21FB3}"/>
+              </a:ext>
+            </a:extLst>
+          </p:cNvPr>
+          <p:cNvCxnSpPr>
+            <a:cxnSpLocks/>
+          </p:cNvCxnSpPr>
+          <p:nvPr/>
+        </p:nvCxnSpPr>
+        <p:spPr>
+          <a:xfrm>
+            <a:off x="5771147" y="2397171"/>
+            <a:ext cx="0" cy="216699"/>
+          </a:xfrm>
+          <a:prstGeom prst="line">
+            <a:avLst/>
+          </a:prstGeom>
+          <a:solidFill>
+            <a:schemeClr val="bg1"/>
+          </a:solidFill>
+          <a:ln w="28575">
+            <a:solidFill>
+              <a:schemeClr val="accent1">
+                <a:lumMod val="50000"/>
+              </a:schemeClr>
+            </a:solidFill>
+          </a:ln>
+        </p:spPr>
+        <p:style>
+          <a:lnRef idx="2">
+            <a:schemeClr val="accent1">
+              <a:shade val="50000"/>
+            </a:schemeClr>
+          </a:lnRef>
+          <a:fillRef idx="1">
+            <a:schemeClr val="accent1"/>
+          </a:fillRef>
+          <a:effectRef idx="0">
+            <a:schemeClr val="accent1"/>
+          </a:effectRef>
+          <a:fontRef idx="minor">
+            <a:schemeClr val="lt1"/>
+          </a:fontRef>
+        </p:style>
+      </p:cxnSp>
+      <p:sp>
+        <p:nvSpPr>
+          <p:cNvPr id="36" name="Forme libre : forme 35">
+            <a:extLst>
+              <a:ext uri="{FF2B5EF4-FFF2-40B4-BE49-F238E27FC236}">
+                <a16:creationId xmlns:a16="http://schemas.microsoft.com/office/drawing/2014/main" id="{C8885A49-7B79-5CAF-98DC-D234F195286B}"/>
+              </a:ext>
+            </a:extLst>
+          </p:cNvPr>
+          <p:cNvSpPr/>
+          <p:nvPr/>
+        </p:nvSpPr>
+        <p:spPr>
+          <a:xfrm>
+            <a:off x="5567193" y="2605034"/>
+            <a:ext cx="418531" cy="153602"/>
+          </a:xfrm>
+          <a:custGeom>
+            <a:avLst/>
+            <a:gdLst>
+              <a:gd name="connsiteX0" fmla="*/ 0 w 418531"/>
+              <a:gd name="connsiteY0" fmla="*/ 9098 h 153602"/>
+              <a:gd name="connsiteX1" fmla="*/ 77337 w 418531"/>
+              <a:gd name="connsiteY1" fmla="*/ 150125 h 153602"/>
+              <a:gd name="connsiteX2" fmla="*/ 181970 w 418531"/>
+              <a:gd name="connsiteY2" fmla="*/ 109182 h 153602"/>
+              <a:gd name="connsiteX3" fmla="*/ 332095 w 418531"/>
+              <a:gd name="connsiteY3" fmla="*/ 150125 h 153602"/>
+              <a:gd name="connsiteX4" fmla="*/ 418531 w 418531"/>
+              <a:gd name="connsiteY4" fmla="*/ 0 h 153602"/>
+            </a:gdLst>
+            <a:ahLst/>
+            <a:cxnLst>
+              <a:cxn ang="0">
+                <a:pos x="connsiteX0" y="connsiteY0"/>
+              </a:cxn>
+              <a:cxn ang="0">
+                <a:pos x="connsiteX1" y="connsiteY1"/>
+              </a:cxn>
+              <a:cxn ang="0">
+                <a:pos x="connsiteX2" y="connsiteY2"/>
+              </a:cxn>
+              <a:cxn ang="0">
+                <a:pos x="connsiteX3" y="connsiteY3"/>
+              </a:cxn>
+              <a:cxn ang="0">
+                <a:pos x="connsiteX4" y="connsiteY4"/>
+              </a:cxn>
+            </a:cxnLst>
+            <a:rect l="l" t="t" r="r" b="b"/>
+            <a:pathLst>
+              <a:path w="418531" h="153602">
+                <a:moveTo>
+                  <a:pt x="0" y="9098"/>
+                </a:moveTo>
+                <a:cubicBezTo>
+                  <a:pt x="23504" y="71271"/>
+                  <a:pt x="47009" y="133444"/>
+                  <a:pt x="77337" y="150125"/>
+                </a:cubicBezTo>
+                <a:cubicBezTo>
+                  <a:pt x="107665" y="166806"/>
+                  <a:pt x="139510" y="109182"/>
+                  <a:pt x="181970" y="109182"/>
+                </a:cubicBezTo>
+                <a:cubicBezTo>
+                  <a:pt x="224430" y="109182"/>
+                  <a:pt x="292668" y="168322"/>
+                  <a:pt x="332095" y="150125"/>
+                </a:cubicBezTo>
+                <a:cubicBezTo>
+                  <a:pt x="371522" y="131928"/>
+                  <a:pt x="395026" y="65964"/>
+                  <a:pt x="418531" y="0"/>
+                </a:cubicBezTo>
+              </a:path>
+            </a:pathLst>
+          </a:custGeom>
+          <a:solidFill>
+            <a:schemeClr val="accent1">
+              <a:lumMod val="20000"/>
+              <a:lumOff val="80000"/>
+            </a:schemeClr>
+          </a:solidFill>
+          <a:ln w="12700">
+            <a:solidFill>
+              <a:schemeClr val="accent1">
+                <a:lumMod val="50000"/>
+              </a:schemeClr>
+            </a:solidFill>
+          </a:ln>
+        </p:spPr>
+        <p:style>
+          <a:lnRef idx="2">
+            <a:schemeClr val="accent1">
+              <a:shade val="50000"/>
+            </a:schemeClr>
+          </a:lnRef>
+          <a:fillRef idx="1">
+            <a:schemeClr val="accent1"/>
+          </a:fillRef>
+          <a:effectRef idx="0">
+            <a:schemeClr val="accent1"/>
+          </a:effectRef>
+          <a:fontRef idx="minor">
+            <a:schemeClr val="lt1"/>
+          </a:fontRef>
+        </p:style>
+        <p:txBody>
+          <a:bodyPr rtlCol="0" anchor="ctr"/>
+          <a:lstStyle/>
+          <a:p>
+            <a:pPr algn="ctr"/>
+            <a:endParaRPr lang="fr-FR"/>
+          </a:p>
+        </p:txBody>
+      </p:sp>
+      <p:cxnSp>
+        <p:nvCxnSpPr>
+          <p:cNvPr id="35" name="Connecteur droit 34">
+            <a:extLst>
+              <a:ext uri="{FF2B5EF4-FFF2-40B4-BE49-F238E27FC236}">
+                <a16:creationId xmlns:a16="http://schemas.microsoft.com/office/drawing/2014/main" id="{584EAEEE-4AA8-6ED7-A1D1-B37CD4DB8559}"/>
+              </a:ext>
+            </a:extLst>
+          </p:cNvPr>
+          <p:cNvCxnSpPr>
+            <a:cxnSpLocks/>
+          </p:cNvCxnSpPr>
+          <p:nvPr/>
+        </p:nvCxnSpPr>
+        <p:spPr>
+          <a:xfrm rot="5400000">
+            <a:off x="5771909" y="2397870"/>
+            <a:ext cx="0" cy="432000"/>
+          </a:xfrm>
+          <a:prstGeom prst="line">
+            <a:avLst/>
+          </a:prstGeom>
+          <a:solidFill>
+            <a:schemeClr val="bg1"/>
+          </a:solidFill>
+          <a:ln w="28575">
+            <a:solidFill>
+              <a:schemeClr val="accent1">
+                <a:lumMod val="50000"/>
+              </a:schemeClr>
+            </a:solidFill>
+          </a:ln>
+        </p:spPr>
+        <p:style>
+          <a:lnRef idx="2">
+            <a:schemeClr val="accent1">
+              <a:shade val="50000"/>
+            </a:schemeClr>
+          </a:lnRef>
+          <a:fillRef idx="1">
+            <a:schemeClr val="accent1"/>
+          </a:fillRef>
+          <a:effectRef idx="0">
+            <a:schemeClr val="accent1"/>
+          </a:effectRef>
+          <a:fontRef idx="minor">
+            <a:schemeClr val="lt1"/>
+          </a:fontRef>
+        </p:style>
+      </p:cxnSp>
+      <mc:AlternateContent xmlns:mc="http://schemas.openxmlformats.org/markup-compatibility/2006">
+        <mc:Choice xmlns:a14="http://schemas.microsoft.com/office/drawing/2010/main" Requires="a14">
+          <p:sp>
+            <p:nvSpPr>
+              <p:cNvPr id="37" name="ZoneTexte 36">
+                <a:extLst>
+                  <a:ext uri="{FF2B5EF4-FFF2-40B4-BE49-F238E27FC236}">
+                    <a16:creationId xmlns:a16="http://schemas.microsoft.com/office/drawing/2014/main" id="{9ED1DE3B-9EA9-4E3D-9578-45824CF3B2BD}"/>
+                  </a:ext>
+                </a:extLst>
+              </p:cNvPr>
+              <p:cNvSpPr txBox="1"/>
+              <p:nvPr/>
+            </p:nvSpPr>
+            <p:spPr>
+              <a:xfrm>
+                <a:off x="3741869" y="3259719"/>
+                <a:ext cx="123175" cy="169277"/>
+              </a:xfrm>
+              <a:prstGeom prst="rect">
+                <a:avLst/>
+              </a:prstGeom>
+              <a:noFill/>
+            </p:spPr>
+            <p:txBody>
+              <a:bodyPr wrap="none" lIns="0" tIns="0" rIns="0" bIns="0" rtlCol="0">
+                <a:spAutoFit/>
+              </a:bodyPr>
+              <a:lstStyle/>
+              <a:p>
+                <a:pPr/>
+                <a14:m>
+                  <m:oMathPara xmlns:m="http://schemas.openxmlformats.org/officeDocument/2006/math">
+                    <m:oMathParaPr>
+                      <m:jc m:val="centerGroup"/>
+                    </m:oMathParaPr>
+                    <m:oMath xmlns:m="http://schemas.openxmlformats.org/officeDocument/2006/math">
+                      <m:r>
+                        <a:rPr lang="fr-FR" sz="1100" b="0" i="1" smtClean="0">
+                          <a:latin typeface="Cambria Math" panose="02040503050406030204" pitchFamily="18" charset="0"/>
+                        </a:rPr>
+                        <m:t>𝐴</m:t>
+                      </m:r>
+                    </m:oMath>
+                  </m:oMathPara>
+                </a14:m>
+                <a:endParaRPr lang="fr-FR" dirty="0"/>
+              </a:p>
+            </p:txBody>
+          </p:sp>
+        </mc:Choice>
+        <mc:Fallback>
+          <p:sp>
+            <p:nvSpPr>
+              <p:cNvPr id="37" name="ZoneTexte 36">
+                <a:extLst>
+                  <a:ext uri="{FF2B5EF4-FFF2-40B4-BE49-F238E27FC236}">
+                    <a16:creationId xmlns:a16="http://schemas.microsoft.com/office/drawing/2014/main" id="{9ED1DE3B-9EA9-4E3D-9578-45824CF3B2BD}"/>
+                  </a:ext>
+                </a:extLst>
+              </p:cNvPr>
+              <p:cNvSpPr txBox="1">
+                <a:spLocks noRot="1" noChangeAspect="1" noMove="1" noResize="1" noEditPoints="1" noAdjustHandles="1" noChangeArrowheads="1" noChangeShapeType="1" noTextEdit="1"/>
+              </p:cNvSpPr>
+              <p:nvPr/>
+            </p:nvSpPr>
+            <p:spPr>
+              <a:xfrm>
+                <a:off x="3741869" y="3259719"/>
+                <a:ext cx="123175" cy="169277"/>
+              </a:xfrm>
+              <a:prstGeom prst="rect">
+                <a:avLst/>
+              </a:prstGeom>
+              <a:blipFill>
+                <a:blip r:embed="rId4"/>
+                <a:stretch>
+                  <a:fillRect l="-25000" r="-30000" b="-11111"/>
+                </a:stretch>
+              </a:blipFill>
+            </p:spPr>
+            <p:txBody>
+              <a:bodyPr/>
+              <a:lstStyle/>
+              <a:p>
+                <a:r>
+                  <a:rPr lang="fr-FR">
+                    <a:noFill/>
+                  </a:rPr>
+                  <a:t> </a:t>
+                </a:r>
+              </a:p>
+            </p:txBody>
+          </p:sp>
+        </mc:Fallback>
+      </mc:AlternateContent>
+      <mc:AlternateContent xmlns:mc="http://schemas.openxmlformats.org/markup-compatibility/2006">
+        <mc:Choice xmlns:a14="http://schemas.microsoft.com/office/drawing/2010/main" Requires="a14">
+          <p:sp>
+            <p:nvSpPr>
+              <p:cNvPr id="38" name="ZoneTexte 37">
+                <a:extLst>
+                  <a:ext uri="{FF2B5EF4-FFF2-40B4-BE49-F238E27FC236}">
+                    <a16:creationId xmlns:a16="http://schemas.microsoft.com/office/drawing/2014/main" id="{77473007-63BC-B4A4-3B49-AE53B6F779F7}"/>
+                  </a:ext>
+                </a:extLst>
+              </p:cNvPr>
+              <p:cNvSpPr txBox="1"/>
+              <p:nvPr/>
+            </p:nvSpPr>
+            <p:spPr>
+              <a:xfrm>
+                <a:off x="4689164" y="3242378"/>
+                <a:ext cx="128818" cy="169277"/>
+              </a:xfrm>
+              <a:prstGeom prst="rect">
+                <a:avLst/>
+              </a:prstGeom>
+              <a:noFill/>
+            </p:spPr>
+            <p:txBody>
+              <a:bodyPr wrap="none" lIns="0" tIns="0" rIns="0" bIns="0" rtlCol="0">
+                <a:spAutoFit/>
+              </a:bodyPr>
+              <a:lstStyle/>
+              <a:p>
+                <a:pPr/>
+                <a14:m>
+                  <m:oMathPara xmlns:m="http://schemas.openxmlformats.org/officeDocument/2006/math">
+                    <m:oMathParaPr>
+                      <m:jc m:val="centerGroup"/>
+                    </m:oMathParaPr>
+                    <m:oMath xmlns:m="http://schemas.openxmlformats.org/officeDocument/2006/math">
+                      <m:r>
+                        <a:rPr lang="fr-FR" sz="1100" b="0" i="1" smtClean="0">
+                          <a:latin typeface="Cambria Math" panose="02040503050406030204" pitchFamily="18" charset="0"/>
+                        </a:rPr>
+                        <m:t>𝐵</m:t>
+                      </m:r>
+                    </m:oMath>
+                  </m:oMathPara>
+                </a14:m>
+                <a:endParaRPr lang="fr-FR" dirty="0"/>
+              </a:p>
+            </p:txBody>
+          </p:sp>
+        </mc:Choice>
+        <mc:Fallback>
+          <p:sp>
+            <p:nvSpPr>
+              <p:cNvPr id="38" name="ZoneTexte 37">
+                <a:extLst>
+                  <a:ext uri="{FF2B5EF4-FFF2-40B4-BE49-F238E27FC236}">
+                    <a16:creationId xmlns:a16="http://schemas.microsoft.com/office/drawing/2014/main" id="{77473007-63BC-B4A4-3B49-AE53B6F779F7}"/>
+                  </a:ext>
+                </a:extLst>
+              </p:cNvPr>
+              <p:cNvSpPr txBox="1">
+                <a:spLocks noRot="1" noChangeAspect="1" noMove="1" noResize="1" noEditPoints="1" noAdjustHandles="1" noChangeArrowheads="1" noChangeShapeType="1" noTextEdit="1"/>
+              </p:cNvSpPr>
+              <p:nvPr/>
+            </p:nvSpPr>
+            <p:spPr>
+              <a:xfrm>
+                <a:off x="4689164" y="3242378"/>
+                <a:ext cx="128818" cy="169277"/>
+              </a:xfrm>
+              <a:prstGeom prst="rect">
+                <a:avLst/>
+              </a:prstGeom>
+              <a:blipFill>
+                <a:blip r:embed="rId5"/>
+                <a:stretch>
+                  <a:fillRect l="-23810" r="-23810" b="-7143"/>
+                </a:stretch>
+              </a:blipFill>
+            </p:spPr>
+            <p:txBody>
+              <a:bodyPr/>
+              <a:lstStyle/>
+              <a:p>
+                <a:r>
+                  <a:rPr lang="fr-FR">
+                    <a:noFill/>
+                  </a:rPr>
+                  <a:t> </a:t>
+                </a:r>
+              </a:p>
+            </p:txBody>
+          </p:sp>
+        </mc:Fallback>
+      </mc:AlternateContent>
+      <mc:AlternateContent xmlns:mc="http://schemas.openxmlformats.org/markup-compatibility/2006">
+        <mc:Choice xmlns:a14="http://schemas.microsoft.com/office/drawing/2010/main" Requires="a14">
+          <p:sp>
+            <p:nvSpPr>
+              <p:cNvPr id="39" name="ZoneTexte 38">
+                <a:extLst>
+                  <a:ext uri="{FF2B5EF4-FFF2-40B4-BE49-F238E27FC236}">
+                    <a16:creationId xmlns:a16="http://schemas.microsoft.com/office/drawing/2014/main" id="{F44610B7-42B0-08B2-1595-F33EC3AA8062}"/>
+                  </a:ext>
+                </a:extLst>
+              </p:cNvPr>
+              <p:cNvSpPr txBox="1"/>
+              <p:nvPr/>
+            </p:nvSpPr>
+            <p:spPr>
+              <a:xfrm>
+                <a:off x="6840307" y="3259723"/>
+                <a:ext cx="123239" cy="169277"/>
+              </a:xfrm>
+              <a:prstGeom prst="rect">
+                <a:avLst/>
+              </a:prstGeom>
+              <a:noFill/>
+            </p:spPr>
+            <p:txBody>
+              <a:bodyPr wrap="none" lIns="0" tIns="0" rIns="0" bIns="0" rtlCol="0">
+                <a:spAutoFit/>
+              </a:bodyPr>
+              <a:lstStyle/>
+              <a:p>
+                <a:pPr/>
+                <a14:m>
+                  <m:oMathPara xmlns:m="http://schemas.openxmlformats.org/officeDocument/2006/math">
+                    <m:oMathParaPr>
+                      <m:jc m:val="centerGroup"/>
+                    </m:oMathParaPr>
+                    <m:oMath xmlns:m="http://schemas.openxmlformats.org/officeDocument/2006/math">
+                      <m:r>
+                        <a:rPr lang="fr-FR" sz="1100" b="0" i="1" smtClean="0">
+                          <a:latin typeface="Cambria Math" panose="02040503050406030204" pitchFamily="18" charset="0"/>
+                        </a:rPr>
+                        <m:t>𝐶</m:t>
+                      </m:r>
+                    </m:oMath>
+                  </m:oMathPara>
+                </a14:m>
+                <a:endParaRPr lang="fr-FR" dirty="0"/>
+              </a:p>
+            </p:txBody>
+          </p:sp>
+        </mc:Choice>
+        <mc:Fallback>
+          <p:sp>
+            <p:nvSpPr>
+              <p:cNvPr id="39" name="ZoneTexte 38">
+                <a:extLst>
+                  <a:ext uri="{FF2B5EF4-FFF2-40B4-BE49-F238E27FC236}">
+                    <a16:creationId xmlns:a16="http://schemas.microsoft.com/office/drawing/2014/main" id="{F44610B7-42B0-08B2-1595-F33EC3AA8062}"/>
+                  </a:ext>
+                </a:extLst>
+              </p:cNvPr>
+              <p:cNvSpPr txBox="1">
+                <a:spLocks noRot="1" noChangeAspect="1" noMove="1" noResize="1" noEditPoints="1" noAdjustHandles="1" noChangeArrowheads="1" noChangeShapeType="1" noTextEdit="1"/>
+              </p:cNvSpPr>
+              <p:nvPr/>
+            </p:nvSpPr>
+            <p:spPr>
+              <a:xfrm>
+                <a:off x="6840307" y="3259723"/>
+                <a:ext cx="123239" cy="169277"/>
+              </a:xfrm>
+              <a:prstGeom prst="rect">
+                <a:avLst/>
+              </a:prstGeom>
+              <a:blipFill>
+                <a:blip r:embed="rId6"/>
+                <a:stretch>
+                  <a:fillRect l="-25000" r="-25000" b="-7143"/>
+                </a:stretch>
+              </a:blipFill>
+            </p:spPr>
+            <p:txBody>
+              <a:bodyPr/>
+              <a:lstStyle/>
+              <a:p>
+                <a:r>
+                  <a:rPr lang="fr-FR">
+                    <a:noFill/>
+                  </a:rPr>
+                  <a:t> </a:t>
+                </a:r>
+              </a:p>
+            </p:txBody>
+          </p:sp>
+        </mc:Fallback>
+      </mc:AlternateContent>
+      <mc:AlternateContent xmlns:mc="http://schemas.openxmlformats.org/markup-compatibility/2006">
+        <mc:Choice xmlns:a14="http://schemas.microsoft.com/office/drawing/2010/main" Requires="a14">
+          <p:sp>
+            <p:nvSpPr>
+              <p:cNvPr id="40" name="ZoneTexte 39">
+                <a:extLst>
+                  <a:ext uri="{FF2B5EF4-FFF2-40B4-BE49-F238E27FC236}">
+                    <a16:creationId xmlns:a16="http://schemas.microsoft.com/office/drawing/2014/main" id="{296C7F8F-E7D4-F0C9-5AC5-F98581706E4A}"/>
+                  </a:ext>
+                </a:extLst>
+              </p:cNvPr>
+              <p:cNvSpPr txBox="1"/>
+              <p:nvPr/>
+            </p:nvSpPr>
+            <p:spPr>
+              <a:xfrm>
+                <a:off x="7472981" y="1780979"/>
+                <a:ext cx="133946" cy="169277"/>
+              </a:xfrm>
+              <a:prstGeom prst="rect">
+                <a:avLst/>
+              </a:prstGeom>
+              <a:noFill/>
+            </p:spPr>
+            <p:txBody>
+              <a:bodyPr wrap="none" lIns="0" tIns="0" rIns="0" bIns="0" rtlCol="0">
+                <a:spAutoFit/>
+              </a:bodyPr>
+              <a:lstStyle/>
+              <a:p>
+                <a:pPr/>
+                <a14:m>
+                  <m:oMathPara xmlns:m="http://schemas.openxmlformats.org/officeDocument/2006/math">
+                    <m:oMathParaPr>
+                      <m:jc m:val="centerGroup"/>
+                    </m:oMathParaPr>
+                    <m:oMath xmlns:m="http://schemas.openxmlformats.org/officeDocument/2006/math">
+                      <m:r>
+                        <a:rPr lang="fr-FR" sz="1100" b="0" i="1" smtClean="0">
+                          <a:latin typeface="Cambria Math" panose="02040503050406030204" pitchFamily="18" charset="0"/>
+                        </a:rPr>
+                        <m:t>𝐷</m:t>
+                      </m:r>
+                    </m:oMath>
+                  </m:oMathPara>
+                </a14:m>
+                <a:endParaRPr lang="fr-FR" dirty="0"/>
+              </a:p>
+            </p:txBody>
+          </p:sp>
+        </mc:Choice>
+        <mc:Fallback>
+          <p:sp>
+            <p:nvSpPr>
+              <p:cNvPr id="40" name="ZoneTexte 39">
+                <a:extLst>
+                  <a:ext uri="{FF2B5EF4-FFF2-40B4-BE49-F238E27FC236}">
+                    <a16:creationId xmlns:a16="http://schemas.microsoft.com/office/drawing/2014/main" id="{296C7F8F-E7D4-F0C9-5AC5-F98581706E4A}"/>
+                  </a:ext>
+                </a:extLst>
+              </p:cNvPr>
+              <p:cNvSpPr txBox="1">
+                <a:spLocks noRot="1" noChangeAspect="1" noMove="1" noResize="1" noEditPoints="1" noAdjustHandles="1" noChangeArrowheads="1" noChangeShapeType="1" noTextEdit="1"/>
+              </p:cNvSpPr>
+              <p:nvPr/>
+            </p:nvSpPr>
+            <p:spPr>
+              <a:xfrm>
+                <a:off x="7472981" y="1780979"/>
+                <a:ext cx="133946" cy="169277"/>
+              </a:xfrm>
+              <a:prstGeom prst="rect">
+                <a:avLst/>
+              </a:prstGeom>
+              <a:blipFill>
+                <a:blip r:embed="rId7"/>
+                <a:stretch>
+                  <a:fillRect l="-22727" r="-22727" b="-7143"/>
+                </a:stretch>
+              </a:blipFill>
+            </p:spPr>
+            <p:txBody>
+              <a:bodyPr/>
+              <a:lstStyle/>
+              <a:p>
+                <a:r>
+                  <a:rPr lang="fr-FR">
+                    <a:noFill/>
+                  </a:rPr>
+                  <a:t> </a:t>
+                </a:r>
+              </a:p>
+            </p:txBody>
+          </p:sp>
+        </mc:Fallback>
+      </mc:AlternateContent>
+      <p:cxnSp>
+        <p:nvCxnSpPr>
+          <p:cNvPr id="25" name="Connecteur droit 24">
+            <a:extLst>
+              <a:ext uri="{FF2B5EF4-FFF2-40B4-BE49-F238E27FC236}">
+                <a16:creationId xmlns:a16="http://schemas.microsoft.com/office/drawing/2014/main" id="{B9D48251-6524-9105-9165-A470C93D49EA}"/>
+              </a:ext>
+            </a:extLst>
+          </p:cNvPr>
+          <p:cNvCxnSpPr>
+            <a:cxnSpLocks/>
+          </p:cNvCxnSpPr>
+          <p:nvPr/>
+        </p:nvCxnSpPr>
+        <p:spPr>
+          <a:xfrm flipV="1">
+            <a:off x="6819954" y="1294417"/>
+            <a:ext cx="0" cy="681824"/>
+          </a:xfrm>
+          <a:prstGeom prst="line">
+            <a:avLst/>
+          </a:prstGeom>
+          <a:solidFill>
+            <a:schemeClr val="bg1"/>
+          </a:solidFill>
+          <a:ln w="28575">
+            <a:solidFill>
+              <a:srgbClr val="C00000"/>
+            </a:solidFill>
+            <a:tailEnd type="stealth" w="med" len="lg"/>
+          </a:ln>
+        </p:spPr>
+        <p:style>
+          <a:lnRef idx="2">
+            <a:schemeClr val="accent1">
+              <a:shade val="50000"/>
+            </a:schemeClr>
+          </a:lnRef>
+          <a:fillRef idx="1">
+            <a:schemeClr val="accent1"/>
+          </a:fillRef>
+          <a:effectRef idx="0">
+            <a:schemeClr val="accent1"/>
+          </a:effectRef>
+          <a:fontRef idx="minor">
+            <a:schemeClr val="lt1"/>
+          </a:fontRef>
+        </p:style>
+      </p:cxnSp>
+      <mc:AlternateContent xmlns:mc="http://schemas.openxmlformats.org/markup-compatibility/2006">
+        <mc:Choice xmlns:a14="http://schemas.microsoft.com/office/drawing/2010/main" Requires="a14">
+          <p:sp>
+            <p:nvSpPr>
+              <p:cNvPr id="26" name="ZoneTexte 25">
+                <a:extLst>
+                  <a:ext uri="{FF2B5EF4-FFF2-40B4-BE49-F238E27FC236}">
+                    <a16:creationId xmlns:a16="http://schemas.microsoft.com/office/drawing/2014/main" id="{457E0124-6EF8-D914-88BF-1B6E0962DA87}"/>
+                  </a:ext>
+                </a:extLst>
+              </p:cNvPr>
+              <p:cNvSpPr txBox="1"/>
+              <p:nvPr/>
+            </p:nvSpPr>
+            <p:spPr>
+              <a:xfrm>
+                <a:off x="6871148" y="1293377"/>
+                <a:ext cx="182806" cy="182614"/>
+              </a:xfrm>
+              <a:prstGeom prst="rect">
+                <a:avLst/>
+              </a:prstGeom>
+              <a:noFill/>
+            </p:spPr>
+            <p:txBody>
+              <a:bodyPr wrap="none" lIns="0" tIns="0" rIns="0" bIns="0" rtlCol="0">
+                <a:spAutoFit/>
+              </a:bodyPr>
+              <a:lstStyle/>
+              <a:p>
+                <a:pPr/>
+                <a14:m>
+                  <m:oMathPara xmlns:m="http://schemas.openxmlformats.org/officeDocument/2006/math">
+                    <m:oMathParaPr>
+                      <m:jc m:val="centerGroup"/>
+                    </m:oMathParaPr>
+                    <m:oMath xmlns:m="http://schemas.openxmlformats.org/officeDocument/2006/math">
+                      <m:sSub>
+                        <m:sSubPr>
+                          <m:ctrlPr>
+                            <a:rPr lang="fr-FR" sz="1100" b="0" i="1" smtClean="0">
+                              <a:latin typeface="Cambria Math" panose="02040503050406030204" pitchFamily="18" charset="0"/>
+                            </a:rPr>
+                          </m:ctrlPr>
+                        </m:sSubPr>
+                        <m:e>
+                          <m:r>
+                            <a:rPr lang="fr-FR" sz="1100" b="0" i="1" smtClean="0">
+                              <a:latin typeface="Cambria Math" panose="02040503050406030204" pitchFamily="18" charset="0"/>
+                            </a:rPr>
+                            <m:t>𝐶</m:t>
+                          </m:r>
+                        </m:e>
+                        <m:sub>
+                          <m:r>
+                            <a:rPr lang="fr-FR" sz="1100" b="0" i="1" smtClean="0">
+                              <a:latin typeface="Cambria Math" panose="02040503050406030204" pitchFamily="18" charset="0"/>
+                            </a:rPr>
+                            <m:t>𝑦</m:t>
+                          </m:r>
+                        </m:sub>
+                      </m:sSub>
+                    </m:oMath>
+                  </m:oMathPara>
+                </a14:m>
+                <a:endParaRPr lang="fr-FR" dirty="0"/>
+              </a:p>
+            </p:txBody>
+          </p:sp>
+        </mc:Choice>
+        <mc:Fallback>
+          <p:sp>
+            <p:nvSpPr>
+              <p:cNvPr id="26" name="ZoneTexte 25">
+                <a:extLst>
+                  <a:ext uri="{FF2B5EF4-FFF2-40B4-BE49-F238E27FC236}">
+                    <a16:creationId xmlns:a16="http://schemas.microsoft.com/office/drawing/2014/main" id="{457E0124-6EF8-D914-88BF-1B6E0962DA87}"/>
+                  </a:ext>
+                </a:extLst>
+              </p:cNvPr>
+              <p:cNvSpPr txBox="1">
+                <a:spLocks noRot="1" noChangeAspect="1" noMove="1" noResize="1" noEditPoints="1" noAdjustHandles="1" noChangeArrowheads="1" noChangeShapeType="1" noTextEdit="1"/>
+              </p:cNvSpPr>
+              <p:nvPr/>
+            </p:nvSpPr>
+            <p:spPr>
+              <a:xfrm>
+                <a:off x="6871148" y="1293377"/>
+                <a:ext cx="182806" cy="182614"/>
+              </a:xfrm>
+              <a:prstGeom prst="rect">
+                <a:avLst/>
+              </a:prstGeom>
+              <a:blipFill>
+                <a:blip r:embed="rId8"/>
+                <a:stretch>
+                  <a:fillRect l="-16667" r="-10000" b="-20000"/>
+                </a:stretch>
+              </a:blipFill>
+            </p:spPr>
+            <p:txBody>
+              <a:bodyPr/>
+              <a:lstStyle/>
+              <a:p>
+                <a:r>
+                  <a:rPr lang="fr-FR">
+                    <a:noFill/>
+                  </a:rPr>
+                  <a:t> </a:t>
+                </a:r>
+              </a:p>
+            </p:txBody>
+          </p:sp>
+        </mc:Fallback>
+      </mc:AlternateContent>
+      <p:cxnSp>
+        <p:nvCxnSpPr>
+          <p:cNvPr id="29" name="Connecteur droit 28">
+            <a:extLst>
+              <a:ext uri="{FF2B5EF4-FFF2-40B4-BE49-F238E27FC236}">
+                <a16:creationId xmlns:a16="http://schemas.microsoft.com/office/drawing/2014/main" id="{D62D5870-44AD-FB58-8EB5-B2AF97F9A470}"/>
+              </a:ext>
+            </a:extLst>
+          </p:cNvPr>
+          <p:cNvCxnSpPr>
+            <a:cxnSpLocks/>
+          </p:cNvCxnSpPr>
+          <p:nvPr/>
+        </p:nvCxnSpPr>
+        <p:spPr>
+          <a:xfrm flipV="1">
+            <a:off x="4652571" y="1307051"/>
+            <a:ext cx="0" cy="681824"/>
+          </a:xfrm>
+          <a:prstGeom prst="line">
+            <a:avLst/>
+          </a:prstGeom>
+          <a:solidFill>
+            <a:schemeClr val="bg1"/>
+          </a:solidFill>
+          <a:ln w="28575">
+            <a:solidFill>
+              <a:srgbClr val="C00000"/>
+            </a:solidFill>
+            <a:tailEnd type="stealth" w="med" len="lg"/>
+          </a:ln>
+        </p:spPr>
+        <p:style>
+          <a:lnRef idx="2">
+            <a:schemeClr val="accent1">
+              <a:shade val="50000"/>
+            </a:schemeClr>
+          </a:lnRef>
+          <a:fillRef idx="1">
+            <a:schemeClr val="accent1"/>
+          </a:fillRef>
+          <a:effectRef idx="0">
+            <a:schemeClr val="accent1"/>
+          </a:effectRef>
+          <a:fontRef idx="minor">
+            <a:schemeClr val="lt1"/>
+          </a:fontRef>
+        </p:style>
+      </p:cxnSp>
+      <mc:AlternateContent xmlns:mc="http://schemas.openxmlformats.org/markup-compatibility/2006">
+        <mc:Choice xmlns:a14="http://schemas.microsoft.com/office/drawing/2010/main" Requires="a14">
+          <p:sp>
+            <p:nvSpPr>
+              <p:cNvPr id="31" name="ZoneTexte 30">
+                <a:extLst>
+                  <a:ext uri="{FF2B5EF4-FFF2-40B4-BE49-F238E27FC236}">
+                    <a16:creationId xmlns:a16="http://schemas.microsoft.com/office/drawing/2014/main" id="{D3593CDB-D2C0-E391-158A-DD375AC3300E}"/>
+                  </a:ext>
+                </a:extLst>
+              </p:cNvPr>
+              <p:cNvSpPr txBox="1"/>
+              <p:nvPr/>
+            </p:nvSpPr>
+            <p:spPr>
+              <a:xfrm>
+                <a:off x="4707973" y="1294417"/>
+                <a:ext cx="186718" cy="182614"/>
+              </a:xfrm>
+              <a:prstGeom prst="rect">
+                <a:avLst/>
+              </a:prstGeom>
+              <a:noFill/>
+            </p:spPr>
+            <p:txBody>
+              <a:bodyPr wrap="none" lIns="0" tIns="0" rIns="0" bIns="0" rtlCol="0">
+                <a:spAutoFit/>
+              </a:bodyPr>
+              <a:lstStyle/>
+              <a:p>
+                <a:pPr/>
+                <a14:m>
+                  <m:oMathPara xmlns:m="http://schemas.openxmlformats.org/officeDocument/2006/math">
+                    <m:oMathParaPr>
+                      <m:jc m:val="centerGroup"/>
+                    </m:oMathParaPr>
+                    <m:oMath xmlns:m="http://schemas.openxmlformats.org/officeDocument/2006/math">
+                      <m:sSub>
+                        <m:sSubPr>
+                          <m:ctrlPr>
+                            <a:rPr lang="fr-FR" sz="1100" b="0" i="1" smtClean="0">
+                              <a:latin typeface="Cambria Math" panose="02040503050406030204" pitchFamily="18" charset="0"/>
+                            </a:rPr>
+                          </m:ctrlPr>
+                        </m:sSubPr>
+                        <m:e>
+                          <m:r>
+                            <a:rPr lang="fr-FR" sz="1100" b="0" i="1" smtClean="0">
+                              <a:latin typeface="Cambria Math" panose="02040503050406030204" pitchFamily="18" charset="0"/>
+                            </a:rPr>
+                            <m:t>𝐵</m:t>
+                          </m:r>
+                        </m:e>
+                        <m:sub>
+                          <m:r>
+                            <a:rPr lang="fr-FR" sz="1100" b="0" i="1" smtClean="0">
+                              <a:latin typeface="Cambria Math" panose="02040503050406030204" pitchFamily="18" charset="0"/>
+                            </a:rPr>
+                            <m:t>𝑦</m:t>
+                          </m:r>
+                        </m:sub>
+                      </m:sSub>
+                    </m:oMath>
+                  </m:oMathPara>
+                </a14:m>
+                <a:endParaRPr lang="fr-FR" dirty="0"/>
+              </a:p>
+            </p:txBody>
+          </p:sp>
+        </mc:Choice>
+        <mc:Fallback>
+          <p:sp>
+            <p:nvSpPr>
+              <p:cNvPr id="31" name="ZoneTexte 30">
+                <a:extLst>
+                  <a:ext uri="{FF2B5EF4-FFF2-40B4-BE49-F238E27FC236}">
+                    <a16:creationId xmlns:a16="http://schemas.microsoft.com/office/drawing/2014/main" id="{D3593CDB-D2C0-E391-158A-DD375AC3300E}"/>
+                  </a:ext>
+                </a:extLst>
+              </p:cNvPr>
+              <p:cNvSpPr txBox="1">
+                <a:spLocks noRot="1" noChangeAspect="1" noMove="1" noResize="1" noEditPoints="1" noAdjustHandles="1" noChangeArrowheads="1" noChangeShapeType="1" noTextEdit="1"/>
+              </p:cNvSpPr>
+              <p:nvPr/>
+            </p:nvSpPr>
+            <p:spPr>
+              <a:xfrm>
+                <a:off x="4707973" y="1294417"/>
+                <a:ext cx="186718" cy="182614"/>
+              </a:xfrm>
+              <a:prstGeom prst="rect">
+                <a:avLst/>
+              </a:prstGeom>
+              <a:blipFill>
+                <a:blip r:embed="rId9"/>
+                <a:stretch>
+                  <a:fillRect l="-16129" r="-6452" b="-20000"/>
+                </a:stretch>
+              </a:blipFill>
+            </p:spPr>
+            <p:txBody>
+              <a:bodyPr/>
+              <a:lstStyle/>
+              <a:p>
+                <a:r>
+                  <a:rPr lang="fr-FR">
+                    <a:noFill/>
+                  </a:rPr>
+                  <a:t> </a:t>
+                </a:r>
+              </a:p>
+            </p:txBody>
+          </p:sp>
+        </mc:Fallback>
+      </mc:AlternateContent>
+      <p:cxnSp>
+        <p:nvCxnSpPr>
+          <p:cNvPr id="32" name="Connecteur droit 31">
+            <a:extLst>
+              <a:ext uri="{FF2B5EF4-FFF2-40B4-BE49-F238E27FC236}">
+                <a16:creationId xmlns:a16="http://schemas.microsoft.com/office/drawing/2014/main" id="{FBDB9C64-9D40-AD67-D305-166925A4C1CC}"/>
+              </a:ext>
+            </a:extLst>
+          </p:cNvPr>
+          <p:cNvCxnSpPr>
+            <a:cxnSpLocks/>
+          </p:cNvCxnSpPr>
+          <p:nvPr/>
+        </p:nvCxnSpPr>
+        <p:spPr>
+          <a:xfrm>
+            <a:off x="4665741" y="1988875"/>
+            <a:ext cx="310830" cy="0"/>
+          </a:xfrm>
+          <a:prstGeom prst="line">
+            <a:avLst/>
+          </a:prstGeom>
+          <a:solidFill>
+            <a:schemeClr val="bg1"/>
+          </a:solidFill>
+          <a:ln w="28575">
+            <a:solidFill>
+              <a:srgbClr val="C00000"/>
+            </a:solidFill>
+            <a:tailEnd type="stealth" w="med" len="lg"/>
+          </a:ln>
+        </p:spPr>
+        <p:style>
+          <a:lnRef idx="2">
+            <a:schemeClr val="accent1">
+              <a:shade val="50000"/>
+            </a:schemeClr>
+          </a:lnRef>
+          <a:fillRef idx="1">
+            <a:schemeClr val="accent1"/>
+          </a:fillRef>
+          <a:effectRef idx="0">
+            <a:schemeClr val="accent1"/>
+          </a:effectRef>
+          <a:fontRef idx="minor">
+            <a:schemeClr val="lt1"/>
+          </a:fontRef>
+        </p:style>
+      </p:cxnSp>
+      <mc:AlternateContent xmlns:mc="http://schemas.openxmlformats.org/markup-compatibility/2006">
+        <mc:Choice xmlns:a14="http://schemas.microsoft.com/office/drawing/2010/main" Requires="a14">
+          <p:sp>
+            <p:nvSpPr>
+              <p:cNvPr id="33" name="ZoneTexte 32">
+                <a:extLst>
+                  <a:ext uri="{FF2B5EF4-FFF2-40B4-BE49-F238E27FC236}">
+                    <a16:creationId xmlns:a16="http://schemas.microsoft.com/office/drawing/2014/main" id="{0FF554FA-35BC-A669-6CF1-3D3444D6D926}"/>
+                  </a:ext>
+                </a:extLst>
+              </p:cNvPr>
+              <p:cNvSpPr txBox="1"/>
+              <p:nvPr/>
+            </p:nvSpPr>
+            <p:spPr>
+              <a:xfrm>
+                <a:off x="4841024" y="1732461"/>
+                <a:ext cx="182166" cy="169277"/>
+              </a:xfrm>
+              <a:prstGeom prst="rect">
+                <a:avLst/>
+              </a:prstGeom>
+              <a:noFill/>
+            </p:spPr>
+            <p:txBody>
+              <a:bodyPr wrap="none" lIns="0" tIns="0" rIns="0" bIns="0" rtlCol="0">
+                <a:spAutoFit/>
+              </a:bodyPr>
+              <a:lstStyle/>
+              <a:p>
+                <a:pPr/>
+                <a14:m>
+                  <m:oMathPara xmlns:m="http://schemas.openxmlformats.org/officeDocument/2006/math">
+                    <m:oMathParaPr>
+                      <m:jc m:val="centerGroup"/>
+                    </m:oMathParaPr>
+                    <m:oMath xmlns:m="http://schemas.openxmlformats.org/officeDocument/2006/math">
+                      <m:sSub>
+                        <m:sSubPr>
+                          <m:ctrlPr>
+                            <a:rPr lang="fr-FR" sz="1100" b="0" i="1" smtClean="0">
+                              <a:latin typeface="Cambria Math" panose="02040503050406030204" pitchFamily="18" charset="0"/>
+                            </a:rPr>
+                          </m:ctrlPr>
+                        </m:sSubPr>
+                        <m:e>
+                          <m:r>
+                            <a:rPr lang="fr-FR" sz="1100" b="0" i="1" smtClean="0">
+                              <a:latin typeface="Cambria Math" panose="02040503050406030204" pitchFamily="18" charset="0"/>
+                            </a:rPr>
+                            <m:t>𝐵</m:t>
+                          </m:r>
+                        </m:e>
+                        <m:sub>
+                          <m:r>
+                            <a:rPr lang="fr-FR" sz="1100" b="0" i="1" smtClean="0">
+                              <a:latin typeface="Cambria Math" panose="02040503050406030204" pitchFamily="18" charset="0"/>
+                            </a:rPr>
+                            <m:t>𝑥</m:t>
+                          </m:r>
+                        </m:sub>
+                      </m:sSub>
+                    </m:oMath>
+                  </m:oMathPara>
+                </a14:m>
+                <a:endParaRPr lang="fr-FR" dirty="0"/>
+              </a:p>
+            </p:txBody>
+          </p:sp>
+        </mc:Choice>
+        <mc:Fallback>
+          <p:sp>
+            <p:nvSpPr>
+              <p:cNvPr id="33" name="ZoneTexte 32">
+                <a:extLst>
+                  <a:ext uri="{FF2B5EF4-FFF2-40B4-BE49-F238E27FC236}">
+                    <a16:creationId xmlns:a16="http://schemas.microsoft.com/office/drawing/2014/main" id="{0FF554FA-35BC-A669-6CF1-3D3444D6D926}"/>
+                  </a:ext>
+                </a:extLst>
+              </p:cNvPr>
+              <p:cNvSpPr txBox="1">
+                <a:spLocks noRot="1" noChangeAspect="1" noMove="1" noResize="1" noEditPoints="1" noAdjustHandles="1" noChangeArrowheads="1" noChangeShapeType="1" noTextEdit="1"/>
+              </p:cNvSpPr>
+              <p:nvPr/>
+            </p:nvSpPr>
+            <p:spPr>
+              <a:xfrm>
+                <a:off x="4841024" y="1732461"/>
+                <a:ext cx="182166" cy="169277"/>
+              </a:xfrm>
+              <a:prstGeom prst="rect">
+                <a:avLst/>
+              </a:prstGeom>
+              <a:blipFill>
+                <a:blip r:embed="rId10"/>
+                <a:stretch>
+                  <a:fillRect l="-16667" r="-3333" b="-14286"/>
+                </a:stretch>
+              </a:blipFill>
+            </p:spPr>
+            <p:txBody>
+              <a:bodyPr/>
+              <a:lstStyle/>
+              <a:p>
+                <a:r>
+                  <a:rPr lang="fr-FR">
+                    <a:noFill/>
+                  </a:rPr>
+                  <a:t> </a:t>
+                </a:r>
+              </a:p>
+            </p:txBody>
+          </p:sp>
+        </mc:Fallback>
+      </mc:AlternateContent>
+      <p:sp>
+        <p:nvSpPr>
+          <p:cNvPr id="41" name="Forme libre : forme 40">
+            <a:extLst>
+              <a:ext uri="{FF2B5EF4-FFF2-40B4-BE49-F238E27FC236}">
+                <a16:creationId xmlns:a16="http://schemas.microsoft.com/office/drawing/2014/main" id="{881A3FB5-266A-0216-76E2-B76B89D3DC44}"/>
+              </a:ext>
+            </a:extLst>
+          </p:cNvPr>
+          <p:cNvSpPr/>
+          <p:nvPr/>
+        </p:nvSpPr>
+        <p:spPr>
+          <a:xfrm>
+            <a:off x="5803640" y="1815154"/>
+            <a:ext cx="52450" cy="318728"/>
+          </a:xfrm>
+          <a:custGeom>
+            <a:avLst/>
+            <a:gdLst>
+              <a:gd name="connsiteX0" fmla="*/ 0 w 75235"/>
+              <a:gd name="connsiteY0" fmla="*/ 0 h 457200"/>
+              <a:gd name="connsiteX1" fmla="*/ 57873 w 75235"/>
+              <a:gd name="connsiteY1" fmla="*/ 115746 h 457200"/>
+              <a:gd name="connsiteX2" fmla="*/ 17362 w 75235"/>
+              <a:gd name="connsiteY2" fmla="*/ 312516 h 457200"/>
+              <a:gd name="connsiteX3" fmla="*/ 75235 w 75235"/>
+              <a:gd name="connsiteY3" fmla="*/ 457200 h 457200"/>
+            </a:gdLst>
+            <a:ahLst/>
+            <a:cxnLst>
+              <a:cxn ang="0">
+                <a:pos x="connsiteX0" y="connsiteY0"/>
+              </a:cxn>
+              <a:cxn ang="0">
+                <a:pos x="connsiteX1" y="connsiteY1"/>
+              </a:cxn>
+              <a:cxn ang="0">
+                <a:pos x="connsiteX2" y="connsiteY2"/>
+              </a:cxn>
+              <a:cxn ang="0">
+                <a:pos x="connsiteX3" y="connsiteY3"/>
+              </a:cxn>
+            </a:cxnLst>
+            <a:rect l="l" t="t" r="r" b="b"/>
+            <a:pathLst>
+              <a:path w="75235" h="457200">
+                <a:moveTo>
+                  <a:pt x="0" y="0"/>
+                </a:moveTo>
+                <a:cubicBezTo>
+                  <a:pt x="27489" y="31830"/>
+                  <a:pt x="54979" y="63660"/>
+                  <a:pt x="57873" y="115746"/>
+                </a:cubicBezTo>
+                <a:cubicBezTo>
+                  <a:pt x="60767" y="167832"/>
+                  <a:pt x="14468" y="255607"/>
+                  <a:pt x="17362" y="312516"/>
+                </a:cubicBezTo>
+                <a:cubicBezTo>
+                  <a:pt x="20256" y="369425"/>
+                  <a:pt x="57873" y="448519"/>
+                  <a:pt x="75235" y="457200"/>
+                </a:cubicBezTo>
+              </a:path>
+            </a:pathLst>
+          </a:custGeom>
+          <a:noFill/>
+          <a:ln w="38100">
+            <a:solidFill>
+              <a:srgbClr val="00B050"/>
+            </a:solidFill>
+          </a:ln>
+        </p:spPr>
+        <p:style>
+          <a:lnRef idx="2">
+            <a:schemeClr val="accent1">
+              <a:shade val="50000"/>
+            </a:schemeClr>
+          </a:lnRef>
+          <a:fillRef idx="1">
+            <a:schemeClr val="accent1"/>
+          </a:fillRef>
+          <a:effectRef idx="0">
+            <a:schemeClr val="accent1"/>
+          </a:effectRef>
+          <a:fontRef idx="minor">
+            <a:schemeClr val="lt1"/>
+          </a:fontRef>
+        </p:style>
+        <p:txBody>
+          <a:bodyPr rtlCol="0" anchor="ctr"/>
+          <a:lstStyle/>
+          <a:p>
+            <a:pPr algn="ctr"/>
+            <a:endParaRPr lang="fr-FR"/>
+          </a:p>
+        </p:txBody>
+      </p:sp>
+      <mc:AlternateContent xmlns:mc="http://schemas.openxmlformats.org/markup-compatibility/2006">
+        <mc:Choice xmlns:a14="http://schemas.microsoft.com/office/drawing/2010/main" Requires="a14">
+          <p:sp>
+            <p:nvSpPr>
+              <p:cNvPr id="42" name="ZoneTexte 41">
+                <a:extLst>
+                  <a:ext uri="{FF2B5EF4-FFF2-40B4-BE49-F238E27FC236}">
+                    <a16:creationId xmlns:a16="http://schemas.microsoft.com/office/drawing/2014/main" id="{DC20DF48-8AAC-1DD1-EF18-10983F9D37B9}"/>
+                  </a:ext>
+                </a:extLst>
+              </p:cNvPr>
+              <p:cNvSpPr txBox="1"/>
+              <p:nvPr/>
+            </p:nvSpPr>
+            <p:spPr>
+              <a:xfrm>
+                <a:off x="5733112" y="1604386"/>
+                <a:ext cx="181267" cy="169277"/>
+              </a:xfrm>
+              <a:prstGeom prst="rect">
+                <a:avLst/>
+              </a:prstGeom>
+              <a:noFill/>
+            </p:spPr>
+            <p:txBody>
+              <a:bodyPr wrap="none" lIns="0" tIns="0" rIns="0" bIns="0" rtlCol="0">
+                <a:spAutoFit/>
+              </a:bodyPr>
+              <a:lstStyle/>
+              <a:p>
+                <a:pPr/>
+                <a14:m>
+                  <m:oMathPara xmlns:m="http://schemas.openxmlformats.org/officeDocument/2006/math">
+                    <m:oMathParaPr>
+                      <m:jc m:val="centerGroup"/>
+                    </m:oMathParaPr>
+                    <m:oMath xmlns:m="http://schemas.openxmlformats.org/officeDocument/2006/math">
+                      <m:sSub>
+                        <m:sSubPr>
+                          <m:ctrlPr>
+                            <a:rPr lang="fr-FR" sz="1100" b="0" i="1" smtClean="0">
+                              <a:latin typeface="Cambria Math" panose="02040503050406030204" pitchFamily="18" charset="0"/>
+                            </a:rPr>
+                          </m:ctrlPr>
+                        </m:sSubPr>
+                        <m:e>
+                          <m:r>
+                            <a:rPr lang="fr-FR" sz="1100" b="0" i="1" smtClean="0">
+                              <a:latin typeface="Cambria Math" panose="02040503050406030204" pitchFamily="18" charset="0"/>
+                            </a:rPr>
+                            <m:t>𝐺</m:t>
+                          </m:r>
+                        </m:e>
+                        <m:sub>
+                          <m:r>
+                            <a:rPr lang="fr-FR" sz="1100" b="0" i="1" smtClean="0">
+                              <a:latin typeface="Cambria Math" panose="02040503050406030204" pitchFamily="18" charset="0"/>
+                            </a:rPr>
+                            <m:t>2</m:t>
+                          </m:r>
+                        </m:sub>
+                      </m:sSub>
+                    </m:oMath>
+                  </m:oMathPara>
+                </a14:m>
+                <a:endParaRPr lang="fr-FR" dirty="0"/>
+              </a:p>
+            </p:txBody>
+          </p:sp>
+        </mc:Choice>
+        <mc:Fallback>
+          <p:sp>
+            <p:nvSpPr>
+              <p:cNvPr id="42" name="ZoneTexte 41">
+                <a:extLst>
+                  <a:ext uri="{FF2B5EF4-FFF2-40B4-BE49-F238E27FC236}">
+                    <a16:creationId xmlns:a16="http://schemas.microsoft.com/office/drawing/2014/main" id="{DC20DF48-8AAC-1DD1-EF18-10983F9D37B9}"/>
+                  </a:ext>
+                </a:extLst>
+              </p:cNvPr>
+              <p:cNvSpPr txBox="1">
+                <a:spLocks noRot="1" noChangeAspect="1" noMove="1" noResize="1" noEditPoints="1" noAdjustHandles="1" noChangeArrowheads="1" noChangeShapeType="1" noTextEdit="1"/>
+              </p:cNvSpPr>
+              <p:nvPr/>
+            </p:nvSpPr>
+            <p:spPr>
+              <a:xfrm>
+                <a:off x="5733112" y="1604386"/>
+                <a:ext cx="181267" cy="169277"/>
+              </a:xfrm>
+              <a:prstGeom prst="rect">
+                <a:avLst/>
+              </a:prstGeom>
+              <a:blipFill>
+                <a:blip r:embed="rId11"/>
+                <a:stretch>
+                  <a:fillRect l="-16667" r="-6667" b="-17857"/>
+                </a:stretch>
+              </a:blipFill>
+            </p:spPr>
+            <p:txBody>
+              <a:bodyPr/>
+              <a:lstStyle/>
+              <a:p>
+                <a:r>
+                  <a:rPr lang="fr-FR">
+                    <a:noFill/>
+                  </a:rPr>
+                  <a:t> </a:t>
+                </a:r>
+              </a:p>
+            </p:txBody>
+          </p:sp>
+        </mc:Fallback>
+      </mc:AlternateContent>
+      <mc:AlternateContent xmlns:mc="http://schemas.openxmlformats.org/markup-compatibility/2006">
+        <mc:Choice xmlns:a14="http://schemas.microsoft.com/office/drawing/2010/main" Requires="a14">
+          <p:sp>
+            <p:nvSpPr>
+              <p:cNvPr id="43" name="Ellipse 42">
+                <a:extLst>
+                  <a:ext uri="{FF2B5EF4-FFF2-40B4-BE49-F238E27FC236}">
+                    <a16:creationId xmlns:a16="http://schemas.microsoft.com/office/drawing/2014/main" id="{450EB561-DD3D-023F-3173-32157E3661F6}"/>
+                  </a:ext>
+                </a:extLst>
+              </p:cNvPr>
+              <p:cNvSpPr/>
+              <p:nvPr/>
+            </p:nvSpPr>
+            <p:spPr>
+              <a:xfrm>
+                <a:off x="5017773" y="1307719"/>
+                <a:ext cx="288000" cy="288000"/>
+              </a:xfrm>
+              <a:prstGeom prst="ellipse">
+                <a:avLst/>
+              </a:prstGeom>
+              <a:solidFill>
+                <a:schemeClr val="bg1"/>
+              </a:solidFill>
+              <a:ln w="19050">
+                <a:solidFill>
+                  <a:srgbClr val="00B050"/>
+                </a:solidFill>
+              </a:ln>
+            </p:spPr>
+            <p:style>
+              <a:lnRef idx="2">
+                <a:schemeClr val="accent1">
+                  <a:shade val="50000"/>
+                </a:schemeClr>
+              </a:lnRef>
+              <a:fillRef idx="1">
+                <a:schemeClr val="accent1"/>
+              </a:fillRef>
+              <a:effectRef idx="0">
+                <a:schemeClr val="accent1"/>
+              </a:effectRef>
+              <a:fontRef idx="minor">
+                <a:schemeClr val="lt1"/>
+              </a:fontRef>
+            </p:style>
+            <p:txBody>
+              <a:bodyPr lIns="0" tIns="0" rIns="0" bIns="0" rtlCol="0" anchor="ctr"/>
+              <a:lstStyle/>
+              <a:p>
+                <a:pPr algn="ctr"/>
+                <a:r>
+                  <a:rPr lang="fr-FR" sz="1200" b="0" dirty="0">
+                    <a:solidFill>
+                      <a:schemeClr val="tx1"/>
+                    </a:solidFill>
+                  </a:rPr>
+                  <a:t> </a:t>
+                </a:r>
+                <a14:m>
+                  <m:oMath xmlns:m="http://schemas.openxmlformats.org/officeDocument/2006/math">
+                    <m:r>
+                      <a:rPr lang="fr-FR" sz="1200" b="0" i="1" smtClean="0">
+                        <a:solidFill>
+                          <a:schemeClr val="tx1"/>
+                        </a:solidFill>
+                        <a:latin typeface="Cambria Math" panose="02040503050406030204" pitchFamily="18" charset="0"/>
+                      </a:rPr>
+                      <m:t>𝐼</m:t>
+                    </m:r>
+                  </m:oMath>
+                </a14:m>
+                <a:endParaRPr lang="fr-FR" sz="1200" dirty="0"/>
+              </a:p>
+            </p:txBody>
+          </p:sp>
+        </mc:Choice>
+        <mc:Fallback>
+          <p:sp>
+            <p:nvSpPr>
+              <p:cNvPr id="43" name="Ellipse 42">
+                <a:extLst>
+                  <a:ext uri="{FF2B5EF4-FFF2-40B4-BE49-F238E27FC236}">
+                    <a16:creationId xmlns:a16="http://schemas.microsoft.com/office/drawing/2014/main" id="{450EB561-DD3D-023F-3173-32157E3661F6}"/>
+                  </a:ext>
+                </a:extLst>
+              </p:cNvPr>
+              <p:cNvSpPr>
+                <a:spLocks noRot="1" noChangeAspect="1" noMove="1" noResize="1" noEditPoints="1" noAdjustHandles="1" noChangeArrowheads="1" noChangeShapeType="1" noTextEdit="1"/>
+              </p:cNvSpPr>
+              <p:nvPr/>
+            </p:nvSpPr>
+            <p:spPr>
+              <a:xfrm>
+                <a:off x="5017773" y="1307719"/>
+                <a:ext cx="288000" cy="288000"/>
+              </a:xfrm>
+              <a:prstGeom prst="ellipse">
+                <a:avLst/>
+              </a:prstGeom>
+              <a:blipFill>
+                <a:blip r:embed="rId12"/>
+                <a:stretch>
+                  <a:fillRect/>
+                </a:stretch>
+              </a:blipFill>
+              <a:ln w="19050">
+                <a:solidFill>
+                  <a:srgbClr val="00B050"/>
+                </a:solidFill>
+              </a:ln>
+            </p:spPr>
+            <p:txBody>
+              <a:bodyPr/>
+              <a:lstStyle/>
+              <a:p>
+                <a:r>
+                  <a:rPr lang="fr-FR">
+                    <a:noFill/>
+                  </a:rPr>
+                  <a:t> </a:t>
+                </a:r>
+              </a:p>
+            </p:txBody>
+          </p:sp>
+        </mc:Fallback>
+      </mc:AlternateContent>
+      <mc:AlternateContent xmlns:mc="http://schemas.openxmlformats.org/markup-compatibility/2006">
+        <mc:Choice xmlns:a14="http://schemas.microsoft.com/office/drawing/2010/main" Requires="a14">
+          <p:sp>
+            <p:nvSpPr>
+              <p:cNvPr id="44" name="Ellipse 43">
+                <a:extLst>
+                  <a:ext uri="{FF2B5EF4-FFF2-40B4-BE49-F238E27FC236}">
+                    <a16:creationId xmlns:a16="http://schemas.microsoft.com/office/drawing/2014/main" id="{57AC1567-6749-F385-44C2-4101A2A618B0}"/>
+                  </a:ext>
+                </a:extLst>
+              </p:cNvPr>
+              <p:cNvSpPr/>
+              <p:nvPr/>
+            </p:nvSpPr>
+            <p:spPr>
+              <a:xfrm>
+                <a:off x="6096000" y="1307719"/>
+                <a:ext cx="288000" cy="288000"/>
+              </a:xfrm>
+              <a:prstGeom prst="ellipse">
+                <a:avLst/>
+              </a:prstGeom>
+              <a:solidFill>
+                <a:schemeClr val="bg1"/>
+              </a:solidFill>
+              <a:ln w="19050">
+                <a:solidFill>
+                  <a:srgbClr val="00B050"/>
+                </a:solidFill>
+              </a:ln>
+            </p:spPr>
+            <p:style>
+              <a:lnRef idx="2">
+                <a:schemeClr val="accent1">
+                  <a:shade val="50000"/>
+                </a:schemeClr>
+              </a:lnRef>
+              <a:fillRef idx="1">
+                <a:schemeClr val="accent1"/>
+              </a:fillRef>
+              <a:effectRef idx="0">
+                <a:schemeClr val="accent1"/>
+              </a:effectRef>
+              <a:fontRef idx="minor">
+                <a:schemeClr val="lt1"/>
+              </a:fontRef>
+            </p:style>
+            <p:txBody>
+              <a:bodyPr lIns="0" tIns="0" rIns="0" bIns="0" rtlCol="0" anchor="ctr"/>
+              <a:lstStyle/>
+              <a:p>
+                <a:pPr algn="ctr"/>
+                <a:r>
+                  <a:rPr lang="fr-FR" sz="1200" b="0" dirty="0">
+                    <a:solidFill>
+                      <a:schemeClr val="tx1"/>
+                    </a:solidFill>
+                  </a:rPr>
+                  <a:t> </a:t>
+                </a:r>
+                <a14:m>
+                  <m:oMath xmlns:m="http://schemas.openxmlformats.org/officeDocument/2006/math">
+                    <m:r>
+                      <a:rPr lang="fr-FR" sz="1200" b="0" i="1" smtClean="0">
+                        <a:solidFill>
+                          <a:schemeClr val="tx1"/>
+                        </a:solidFill>
+                        <a:latin typeface="Cambria Math" panose="02040503050406030204" pitchFamily="18" charset="0"/>
+                      </a:rPr>
+                      <m:t>𝐼𝐼</m:t>
+                    </m:r>
+                  </m:oMath>
+                </a14:m>
+                <a:endParaRPr lang="fr-FR" sz="1200" dirty="0"/>
+              </a:p>
+            </p:txBody>
+          </p:sp>
+        </mc:Choice>
+        <mc:Fallback>
+          <p:sp>
+            <p:nvSpPr>
+              <p:cNvPr id="44" name="Ellipse 43">
+                <a:extLst>
+                  <a:ext uri="{FF2B5EF4-FFF2-40B4-BE49-F238E27FC236}">
+                    <a16:creationId xmlns:a16="http://schemas.microsoft.com/office/drawing/2014/main" id="{57AC1567-6749-F385-44C2-4101A2A618B0}"/>
+                  </a:ext>
+                </a:extLst>
+              </p:cNvPr>
+              <p:cNvSpPr>
+                <a:spLocks noRot="1" noChangeAspect="1" noMove="1" noResize="1" noEditPoints="1" noAdjustHandles="1" noChangeArrowheads="1" noChangeShapeType="1" noTextEdit="1"/>
+              </p:cNvSpPr>
+              <p:nvPr/>
+            </p:nvSpPr>
+            <p:spPr>
+              <a:xfrm>
+                <a:off x="6096000" y="1307719"/>
+                <a:ext cx="288000" cy="288000"/>
+              </a:xfrm>
+              <a:prstGeom prst="ellipse">
+                <a:avLst/>
+              </a:prstGeom>
+              <a:blipFill>
+                <a:blip r:embed="rId13"/>
+                <a:stretch>
+                  <a:fillRect/>
+                </a:stretch>
+              </a:blipFill>
+              <a:ln w="19050">
+                <a:solidFill>
+                  <a:srgbClr val="00B050"/>
+                </a:solidFill>
+              </a:ln>
+            </p:spPr>
+            <p:txBody>
+              <a:bodyPr/>
+              <a:lstStyle/>
+              <a:p>
+                <a:r>
+                  <a:rPr lang="fr-FR">
+                    <a:noFill/>
+                  </a:rPr>
+                  <a:t> </a:t>
+                </a:r>
+              </a:p>
+            </p:txBody>
+          </p:sp>
+        </mc:Fallback>
+      </mc:AlternateContent>
+      <p:cxnSp>
+        <p:nvCxnSpPr>
+          <p:cNvPr id="45" name="Connecteur droit 44">
+            <a:extLst>
+              <a:ext uri="{FF2B5EF4-FFF2-40B4-BE49-F238E27FC236}">
+                <a16:creationId xmlns:a16="http://schemas.microsoft.com/office/drawing/2014/main" id="{B2C1D600-D640-6834-446F-B8E6590DFFD5}"/>
+              </a:ext>
+            </a:extLst>
+          </p:cNvPr>
+          <p:cNvCxnSpPr>
+            <a:cxnSpLocks/>
+          </p:cNvCxnSpPr>
+          <p:nvPr/>
+        </p:nvCxnSpPr>
+        <p:spPr>
+          <a:xfrm>
+            <a:off x="3939953" y="3429000"/>
+            <a:ext cx="3780364" cy="3"/>
+          </a:xfrm>
+          <a:prstGeom prst="line">
+            <a:avLst/>
+          </a:prstGeom>
+          <a:solidFill>
+            <a:schemeClr val="bg1"/>
+          </a:solidFill>
+          <a:ln w="19050">
+            <a:solidFill>
+              <a:srgbClr val="002060"/>
+            </a:solidFill>
+            <a:tailEnd type="stealth" w="med" len="lg"/>
+          </a:ln>
+        </p:spPr>
+        <p:style>
+          <a:lnRef idx="2">
+            <a:schemeClr val="accent1">
+              <a:shade val="50000"/>
+            </a:schemeClr>
+          </a:lnRef>
+          <a:fillRef idx="1">
+            <a:schemeClr val="accent1"/>
+          </a:fillRef>
+          <a:effectRef idx="0">
+            <a:schemeClr val="accent1"/>
+          </a:effectRef>
+          <a:fontRef idx="minor">
+            <a:schemeClr val="lt1"/>
+          </a:fontRef>
+        </p:style>
+      </p:cxnSp>
+      <p:cxnSp>
+        <p:nvCxnSpPr>
+          <p:cNvPr id="46" name="Connecteur droit 45">
+            <a:extLst>
+              <a:ext uri="{FF2B5EF4-FFF2-40B4-BE49-F238E27FC236}">
+                <a16:creationId xmlns:a16="http://schemas.microsoft.com/office/drawing/2014/main" id="{939096D3-B344-64CC-4A91-802AF8498310}"/>
+              </a:ext>
+            </a:extLst>
+          </p:cNvPr>
+          <p:cNvCxnSpPr>
+            <a:cxnSpLocks/>
+            <a:stCxn id="6" idx="0"/>
+            <a:endCxn id="6" idx="4"/>
+          </p:cNvCxnSpPr>
+          <p:nvPr/>
+        </p:nvCxnSpPr>
+        <p:spPr>
+          <a:xfrm flipH="1">
+            <a:off x="3956191" y="2985011"/>
+            <a:ext cx="689457" cy="443985"/>
+          </a:xfrm>
+          <a:prstGeom prst="line">
+            <a:avLst/>
+          </a:prstGeom>
+          <a:solidFill>
+            <a:schemeClr val="bg1"/>
+          </a:solidFill>
+          <a:ln w="28575">
+            <a:solidFill>
+              <a:schemeClr val="accent2">
+                <a:lumMod val="50000"/>
+              </a:schemeClr>
+            </a:solidFill>
+          </a:ln>
+        </p:spPr>
+        <p:style>
+          <a:lnRef idx="2">
+            <a:schemeClr val="accent1">
+              <a:shade val="50000"/>
+            </a:schemeClr>
+          </a:lnRef>
+          <a:fillRef idx="1">
+            <a:schemeClr val="accent1"/>
+          </a:fillRef>
+          <a:effectRef idx="0">
+            <a:schemeClr val="accent1"/>
+          </a:effectRef>
+          <a:fontRef idx="minor">
+            <a:schemeClr val="lt1"/>
+          </a:fontRef>
+        </p:style>
+      </p:cxnSp>
+      <p:cxnSp>
+        <p:nvCxnSpPr>
+          <p:cNvPr id="47" name="Connecteur droit 46">
+            <a:extLst>
+              <a:ext uri="{FF2B5EF4-FFF2-40B4-BE49-F238E27FC236}">
+                <a16:creationId xmlns:a16="http://schemas.microsoft.com/office/drawing/2014/main" id="{48D878AA-0CD5-5977-1E01-11C0243E119F}"/>
+              </a:ext>
+            </a:extLst>
+          </p:cNvPr>
+          <p:cNvCxnSpPr>
+            <a:cxnSpLocks/>
+            <a:stCxn id="6" idx="0"/>
+          </p:cNvCxnSpPr>
+          <p:nvPr/>
+        </p:nvCxnSpPr>
+        <p:spPr>
+          <a:xfrm>
+            <a:off x="4645648" y="2985011"/>
+            <a:ext cx="2174306" cy="888825"/>
+          </a:xfrm>
+          <a:prstGeom prst="line">
+            <a:avLst/>
+          </a:prstGeom>
+          <a:solidFill>
+            <a:schemeClr val="bg1"/>
+          </a:solidFill>
+          <a:ln w="28575">
+            <a:solidFill>
+              <a:schemeClr val="accent2">
+                <a:lumMod val="50000"/>
+              </a:schemeClr>
+            </a:solidFill>
+          </a:ln>
+        </p:spPr>
+        <p:style>
+          <a:lnRef idx="2">
+            <a:schemeClr val="accent1">
+              <a:shade val="50000"/>
+            </a:schemeClr>
+          </a:lnRef>
+          <a:fillRef idx="1">
+            <a:schemeClr val="accent1"/>
+          </a:fillRef>
+          <a:effectRef idx="0">
+            <a:schemeClr val="accent1"/>
+          </a:effectRef>
+          <a:fontRef idx="minor">
+            <a:schemeClr val="lt1"/>
+          </a:fontRef>
+        </p:style>
+      </p:cxnSp>
+      <p:sp>
+        <p:nvSpPr>
+          <p:cNvPr id="55" name="Triangle rectangle 54">
+            <a:extLst>
+              <a:ext uri="{FF2B5EF4-FFF2-40B4-BE49-F238E27FC236}">
+                <a16:creationId xmlns:a16="http://schemas.microsoft.com/office/drawing/2014/main" id="{08C1733B-A313-656A-4381-40B214832D58}"/>
+              </a:ext>
+            </a:extLst>
+          </p:cNvPr>
+          <p:cNvSpPr/>
+          <p:nvPr/>
+        </p:nvSpPr>
+        <p:spPr>
+          <a:xfrm flipV="1">
+            <a:off x="6819953" y="3446345"/>
+            <a:ext cx="720001" cy="424782"/>
+          </a:xfrm>
+          <a:prstGeom prst="rtTriangle">
+            <a:avLst/>
+          </a:prstGeom>
+          <a:solidFill>
+            <a:schemeClr val="accent2">
+              <a:lumMod val="20000"/>
+              <a:lumOff val="80000"/>
+            </a:schemeClr>
+          </a:solidFill>
+          <a:ln>
+            <a:noFill/>
+          </a:ln>
+        </p:spPr>
+        <p:style>
+          <a:lnRef idx="2">
+            <a:schemeClr val="accent1">
+              <a:shade val="50000"/>
+            </a:schemeClr>
+          </a:lnRef>
+          <a:fillRef idx="1">
+            <a:schemeClr val="accent1"/>
+          </a:fillRef>
+          <a:effectRef idx="0">
+            <a:schemeClr val="accent1"/>
+          </a:effectRef>
+          <a:fontRef idx="minor">
+            <a:schemeClr val="lt1"/>
+          </a:fontRef>
+        </p:style>
+        <p:txBody>
+          <a:bodyPr rtlCol="0" anchor="ctr"/>
+          <a:lstStyle/>
+          <a:p>
+            <a:pPr algn="ctr"/>
+            <a:endParaRPr lang="fr-FR"/>
+          </a:p>
+        </p:txBody>
+      </p:sp>
+      <p:cxnSp>
+        <p:nvCxnSpPr>
+          <p:cNvPr id="56" name="Connecteur droit 55">
+            <a:extLst>
+              <a:ext uri="{FF2B5EF4-FFF2-40B4-BE49-F238E27FC236}">
+                <a16:creationId xmlns:a16="http://schemas.microsoft.com/office/drawing/2014/main" id="{0811F9A5-2ED7-735F-1A1C-2D87F8594621}"/>
+              </a:ext>
+            </a:extLst>
+          </p:cNvPr>
+          <p:cNvCxnSpPr>
+            <a:cxnSpLocks/>
+            <a:stCxn id="55" idx="4"/>
+          </p:cNvCxnSpPr>
+          <p:nvPr/>
+        </p:nvCxnSpPr>
+        <p:spPr>
+          <a:xfrm flipH="1">
+            <a:off x="6819954" y="3446345"/>
+            <a:ext cx="720000" cy="427492"/>
+          </a:xfrm>
+          <a:prstGeom prst="line">
+            <a:avLst/>
+          </a:prstGeom>
+          <a:solidFill>
+            <a:schemeClr val="bg1"/>
+          </a:solidFill>
+          <a:ln w="28575">
+            <a:solidFill>
+              <a:schemeClr val="accent2">
+                <a:lumMod val="50000"/>
+              </a:schemeClr>
+            </a:solidFill>
+          </a:ln>
+        </p:spPr>
+        <p:style>
+          <a:lnRef idx="2">
+            <a:schemeClr val="accent1">
+              <a:shade val="50000"/>
+            </a:schemeClr>
+          </a:lnRef>
+          <a:fillRef idx="1">
+            <a:schemeClr val="accent1"/>
+          </a:fillRef>
+          <a:effectRef idx="0">
+            <a:schemeClr val="accent1"/>
+          </a:effectRef>
+          <a:fontRef idx="minor">
+            <a:schemeClr val="lt1"/>
+          </a:fontRef>
+        </p:style>
+      </p:cxnSp>
+      <p:cxnSp>
+        <p:nvCxnSpPr>
+          <p:cNvPr id="59" name="Connecteur droit 58">
+            <a:extLst>
+              <a:ext uri="{FF2B5EF4-FFF2-40B4-BE49-F238E27FC236}">
+                <a16:creationId xmlns:a16="http://schemas.microsoft.com/office/drawing/2014/main" id="{B99A0558-E2B8-2C51-B1AA-2995B0A5FE40}"/>
+              </a:ext>
+            </a:extLst>
+          </p:cNvPr>
+          <p:cNvCxnSpPr>
+            <a:cxnSpLocks/>
+            <a:stCxn id="6" idx="0"/>
+          </p:cNvCxnSpPr>
+          <p:nvPr/>
+        </p:nvCxnSpPr>
+        <p:spPr>
+          <a:xfrm flipH="1">
+            <a:off x="3939952" y="2985011"/>
+            <a:ext cx="705696" cy="0"/>
+          </a:xfrm>
+          <a:prstGeom prst="line">
+            <a:avLst/>
+          </a:prstGeom>
+          <a:solidFill>
+            <a:schemeClr val="bg1"/>
+          </a:solidFill>
+          <a:ln w="12700">
+            <a:solidFill>
+              <a:schemeClr val="accent2">
+                <a:lumMod val="50000"/>
+              </a:schemeClr>
+            </a:solidFill>
+            <a:prstDash val="sysDash"/>
+          </a:ln>
+        </p:spPr>
+        <p:style>
+          <a:lnRef idx="2">
+            <a:schemeClr val="accent1">
+              <a:shade val="50000"/>
+            </a:schemeClr>
+          </a:lnRef>
+          <a:fillRef idx="1">
+            <a:schemeClr val="accent1"/>
+          </a:fillRef>
+          <a:effectRef idx="0">
+            <a:schemeClr val="accent1"/>
+          </a:effectRef>
+          <a:fontRef idx="minor">
+            <a:schemeClr val="lt1"/>
+          </a:fontRef>
+        </p:style>
+      </p:cxnSp>
+      <p:cxnSp>
+        <p:nvCxnSpPr>
+          <p:cNvPr id="63" name="Connecteur droit 62">
+            <a:extLst>
+              <a:ext uri="{FF2B5EF4-FFF2-40B4-BE49-F238E27FC236}">
+                <a16:creationId xmlns:a16="http://schemas.microsoft.com/office/drawing/2014/main" id="{4F565C5A-FC6B-2C16-9D77-2A954E5E7AE1}"/>
+              </a:ext>
+            </a:extLst>
+          </p:cNvPr>
+          <p:cNvCxnSpPr>
+            <a:cxnSpLocks/>
+          </p:cNvCxnSpPr>
+          <p:nvPr/>
+        </p:nvCxnSpPr>
+        <p:spPr>
+          <a:xfrm flipH="1">
+            <a:off x="3956191" y="3871127"/>
+            <a:ext cx="2884116" cy="0"/>
+          </a:xfrm>
+          <a:prstGeom prst="line">
+            <a:avLst/>
+          </a:prstGeom>
+          <a:solidFill>
+            <a:schemeClr val="bg1"/>
+          </a:solidFill>
+          <a:ln w="12700">
+            <a:solidFill>
+              <a:schemeClr val="accent2">
+                <a:lumMod val="50000"/>
+              </a:schemeClr>
+            </a:solidFill>
+            <a:prstDash val="sysDash"/>
+          </a:ln>
+        </p:spPr>
+        <p:style>
+          <a:lnRef idx="2">
+            <a:schemeClr val="accent1">
+              <a:shade val="50000"/>
+            </a:schemeClr>
+          </a:lnRef>
+          <a:fillRef idx="1">
+            <a:schemeClr val="accent1"/>
+          </a:fillRef>
+          <a:effectRef idx="0">
+            <a:schemeClr val="accent1"/>
+          </a:effectRef>
+          <a:fontRef idx="minor">
+            <a:schemeClr val="lt1"/>
+          </a:fontRef>
+        </p:style>
+      </p:cxnSp>
+      <mc:AlternateContent xmlns:mc="http://schemas.openxmlformats.org/markup-compatibility/2006">
+        <mc:Choice xmlns:a14="http://schemas.microsoft.com/office/drawing/2010/main" Requires="a14">
+          <p:sp>
+            <p:nvSpPr>
+              <p:cNvPr id="65" name="ZoneTexte 64">
+                <a:extLst>
+                  <a:ext uri="{FF2B5EF4-FFF2-40B4-BE49-F238E27FC236}">
+                    <a16:creationId xmlns:a16="http://schemas.microsoft.com/office/drawing/2014/main" id="{9C2E92CE-1C3E-9779-079C-7D3812D1049A}"/>
+                  </a:ext>
+                </a:extLst>
+              </p:cNvPr>
+              <p:cNvSpPr txBox="1"/>
+              <p:nvPr/>
+            </p:nvSpPr>
+            <p:spPr>
+              <a:xfrm>
+                <a:off x="3415030" y="3788352"/>
+                <a:ext cx="538609" cy="169277"/>
+              </a:xfrm>
+              <a:prstGeom prst="rect">
+                <a:avLst/>
+              </a:prstGeom>
+              <a:noFill/>
+            </p:spPr>
+            <p:txBody>
+              <a:bodyPr wrap="none" lIns="0" tIns="0" rIns="0" bIns="0" rtlCol="0">
+                <a:spAutoFit/>
+              </a:bodyPr>
+              <a:lstStyle/>
+              <a:p>
+                <a:pPr/>
+                <a14:m>
+                  <m:oMathPara xmlns:m="http://schemas.openxmlformats.org/officeDocument/2006/math">
+                    <m:oMathParaPr>
+                      <m:jc m:val="centerGroup"/>
+                    </m:oMathParaPr>
+                    <m:oMath xmlns:m="http://schemas.openxmlformats.org/officeDocument/2006/math">
+                      <m:r>
+                        <a:rPr lang="fr-FR" sz="1100" b="0" i="0" smtClean="0">
+                          <a:latin typeface="Cambria Math" panose="02040503050406030204" pitchFamily="18" charset="0"/>
+                        </a:rPr>
+                        <m:t>−30 </m:t>
+                      </m:r>
+                      <m:r>
+                        <m:rPr>
+                          <m:sty m:val="p"/>
+                        </m:rPr>
+                        <a:rPr lang="fr-FR" sz="1100" b="0" i="0" smtClean="0">
+                          <a:latin typeface="Cambria Math" panose="02040503050406030204" pitchFamily="18" charset="0"/>
+                        </a:rPr>
+                        <m:t>Nm</m:t>
+                      </m:r>
+                    </m:oMath>
+                  </m:oMathPara>
+                </a14:m>
+                <a:endParaRPr lang="fr-FR" dirty="0"/>
+              </a:p>
+            </p:txBody>
+          </p:sp>
+        </mc:Choice>
+        <mc:Fallback>
+          <p:sp>
+            <p:nvSpPr>
+              <p:cNvPr id="65" name="ZoneTexte 64">
+                <a:extLst>
+                  <a:ext uri="{FF2B5EF4-FFF2-40B4-BE49-F238E27FC236}">
+                    <a16:creationId xmlns:a16="http://schemas.microsoft.com/office/drawing/2014/main" id="{9C2E92CE-1C3E-9779-079C-7D3812D1049A}"/>
+                  </a:ext>
+                </a:extLst>
+              </p:cNvPr>
+              <p:cNvSpPr txBox="1">
+                <a:spLocks noRot="1" noChangeAspect="1" noMove="1" noResize="1" noEditPoints="1" noAdjustHandles="1" noChangeArrowheads="1" noChangeShapeType="1" noTextEdit="1"/>
+              </p:cNvSpPr>
+              <p:nvPr/>
+            </p:nvSpPr>
+            <p:spPr>
+              <a:xfrm>
+                <a:off x="3415030" y="3788352"/>
+                <a:ext cx="538609" cy="169277"/>
+              </a:xfrm>
+              <a:prstGeom prst="rect">
+                <a:avLst/>
+              </a:prstGeom>
+              <a:blipFill>
+                <a:blip r:embed="rId14"/>
+                <a:stretch>
+                  <a:fillRect l="-1124" r="-5618" b="-7143"/>
+                </a:stretch>
+              </a:blipFill>
+            </p:spPr>
+            <p:txBody>
+              <a:bodyPr/>
+              <a:lstStyle/>
+              <a:p>
+                <a:r>
+                  <a:rPr lang="fr-FR">
+                    <a:noFill/>
+                  </a:rPr>
+                  <a:t> </a:t>
+                </a:r>
+              </a:p>
+            </p:txBody>
+          </p:sp>
+        </mc:Fallback>
+      </mc:AlternateContent>
+      <mc:AlternateContent xmlns:mc="http://schemas.openxmlformats.org/markup-compatibility/2006">
+        <mc:Choice xmlns:a14="http://schemas.microsoft.com/office/drawing/2010/main" Requires="a14">
+          <p:sp>
+            <p:nvSpPr>
+              <p:cNvPr id="66" name="ZoneTexte 65">
+                <a:extLst>
+                  <a:ext uri="{FF2B5EF4-FFF2-40B4-BE49-F238E27FC236}">
+                    <a16:creationId xmlns:a16="http://schemas.microsoft.com/office/drawing/2014/main" id="{AC9FFD8C-ED4F-C161-61E5-6A4778C17A30}"/>
+                  </a:ext>
+                </a:extLst>
+              </p:cNvPr>
+              <p:cNvSpPr txBox="1"/>
+              <p:nvPr/>
+            </p:nvSpPr>
+            <p:spPr>
+              <a:xfrm>
+                <a:off x="7395356" y="3154788"/>
+                <a:ext cx="178510" cy="169277"/>
+              </a:xfrm>
+              <a:prstGeom prst="rect">
+                <a:avLst/>
+              </a:prstGeom>
+              <a:noFill/>
+            </p:spPr>
+            <p:txBody>
+              <a:bodyPr wrap="none" lIns="0" tIns="0" rIns="0" bIns="0" rtlCol="0">
+                <a:spAutoFit/>
+              </a:bodyPr>
+              <a:lstStyle/>
+              <a:p>
+                <a:pPr/>
+                <a14:m>
+                  <m:oMathPara xmlns:m="http://schemas.openxmlformats.org/officeDocument/2006/math">
+                    <m:oMathParaPr>
+                      <m:jc m:val="centerGroup"/>
+                    </m:oMathParaPr>
+                    <m:oMath xmlns:m="http://schemas.openxmlformats.org/officeDocument/2006/math">
+                      <m:sSub>
+                        <m:sSubPr>
+                          <m:ctrlPr>
+                            <a:rPr lang="fr-FR" sz="1100" b="0" i="1" smtClean="0">
+                              <a:latin typeface="Cambria Math" panose="02040503050406030204" pitchFamily="18" charset="0"/>
+                            </a:rPr>
+                          </m:ctrlPr>
+                        </m:sSubPr>
+                        <m:e>
+                          <m:r>
+                            <a:rPr lang="fr-FR" sz="1100" b="0" i="1" smtClean="0">
+                              <a:latin typeface="Cambria Math" panose="02040503050406030204" pitchFamily="18" charset="0"/>
+                            </a:rPr>
+                            <m:t>𝑥</m:t>
+                          </m:r>
+                        </m:e>
+                        <m:sub>
+                          <m:r>
+                            <a:rPr lang="fr-FR" sz="1100" b="0" i="1" smtClean="0">
+                              <a:latin typeface="Cambria Math" panose="02040503050406030204" pitchFamily="18" charset="0"/>
+                            </a:rPr>
+                            <m:t>𝑎</m:t>
+                          </m:r>
+                        </m:sub>
+                      </m:sSub>
+                    </m:oMath>
+                  </m:oMathPara>
+                </a14:m>
+                <a:endParaRPr lang="fr-FR" dirty="0"/>
+              </a:p>
+            </p:txBody>
+          </p:sp>
+        </mc:Choice>
+        <mc:Fallback>
+          <p:sp>
+            <p:nvSpPr>
+              <p:cNvPr id="66" name="ZoneTexte 65">
+                <a:extLst>
+                  <a:ext uri="{FF2B5EF4-FFF2-40B4-BE49-F238E27FC236}">
+                    <a16:creationId xmlns:a16="http://schemas.microsoft.com/office/drawing/2014/main" id="{AC9FFD8C-ED4F-C161-61E5-6A4778C17A30}"/>
+                  </a:ext>
+                </a:extLst>
+              </p:cNvPr>
+              <p:cNvSpPr txBox="1">
+                <a:spLocks noRot="1" noChangeAspect="1" noMove="1" noResize="1" noEditPoints="1" noAdjustHandles="1" noChangeArrowheads="1" noChangeShapeType="1" noTextEdit="1"/>
+              </p:cNvSpPr>
+              <p:nvPr/>
+            </p:nvSpPr>
+            <p:spPr>
+              <a:xfrm>
+                <a:off x="7395356" y="3154788"/>
+                <a:ext cx="178510" cy="169277"/>
+              </a:xfrm>
+              <a:prstGeom prst="rect">
+                <a:avLst/>
+              </a:prstGeom>
+              <a:blipFill>
+                <a:blip r:embed="rId15"/>
+                <a:stretch>
+                  <a:fillRect l="-10345" r="-6897" b="-14815"/>
+                </a:stretch>
+              </a:blipFill>
+            </p:spPr>
+            <p:txBody>
+              <a:bodyPr/>
+              <a:lstStyle/>
+              <a:p>
+                <a:r>
+                  <a:rPr lang="fr-FR">
+                    <a:noFill/>
+                  </a:rPr>
+                  <a:t> </a:t>
+                </a:r>
+              </a:p>
+            </p:txBody>
+          </p:sp>
+        </mc:Fallback>
+      </mc:AlternateContent>
+      <mc:AlternateContent xmlns:mc="http://schemas.openxmlformats.org/markup-compatibility/2006">
+        <mc:Choice xmlns:a14="http://schemas.microsoft.com/office/drawing/2010/main" Requires="a14">
+          <p:sp>
+            <p:nvSpPr>
+              <p:cNvPr id="67" name="ZoneTexte 66">
+                <a:extLst>
+                  <a:ext uri="{FF2B5EF4-FFF2-40B4-BE49-F238E27FC236}">
+                    <a16:creationId xmlns:a16="http://schemas.microsoft.com/office/drawing/2014/main" id="{08DB4775-DF89-30DE-D002-0FA12BD45480}"/>
+                  </a:ext>
+                </a:extLst>
+              </p:cNvPr>
+              <p:cNvSpPr txBox="1"/>
+              <p:nvPr/>
+            </p:nvSpPr>
+            <p:spPr>
+              <a:xfrm>
+                <a:off x="3677440" y="2631667"/>
+                <a:ext cx="260584" cy="182807"/>
+              </a:xfrm>
+              <a:prstGeom prst="rect">
+                <a:avLst/>
+              </a:prstGeom>
+              <a:noFill/>
+            </p:spPr>
+            <p:txBody>
+              <a:bodyPr wrap="none" lIns="0" tIns="0" rIns="0" bIns="0" rtlCol="0">
+                <a:spAutoFit/>
+              </a:bodyPr>
+              <a:lstStyle/>
+              <a:p>
+                <a:pPr/>
+                <a14:m>
+                  <m:oMathPara xmlns:m="http://schemas.openxmlformats.org/officeDocument/2006/math">
+                    <m:oMathParaPr>
+                      <m:jc m:val="centerGroup"/>
+                    </m:oMathParaPr>
+                    <m:oMath xmlns:m="http://schemas.openxmlformats.org/officeDocument/2006/math">
+                      <m:sSub>
+                        <m:sSubPr>
+                          <m:ctrlPr>
+                            <a:rPr lang="fr-FR" sz="1100" b="0" i="1" smtClean="0">
+                              <a:latin typeface="Cambria Math" panose="02040503050406030204" pitchFamily="18" charset="0"/>
+                            </a:rPr>
+                          </m:ctrlPr>
+                        </m:sSubPr>
+                        <m:e>
+                          <m:r>
+                            <a:rPr lang="fr-FR" sz="1100" b="0" i="1" smtClean="0">
+                              <a:latin typeface="Cambria Math" panose="02040503050406030204" pitchFamily="18" charset="0"/>
+                            </a:rPr>
+                            <m:t>𝑀</m:t>
+                          </m:r>
+                        </m:e>
+                        <m:sub>
+                          <m:r>
+                            <a:rPr lang="fr-FR" sz="1100" b="0" i="1" smtClean="0">
+                              <a:latin typeface="Cambria Math" panose="02040503050406030204" pitchFamily="18" charset="0"/>
+                            </a:rPr>
+                            <m:t>𝑓𝑧</m:t>
+                          </m:r>
+                        </m:sub>
+                      </m:sSub>
+                    </m:oMath>
+                  </m:oMathPara>
+                </a14:m>
+                <a:endParaRPr lang="fr-FR" dirty="0"/>
+              </a:p>
+            </p:txBody>
+          </p:sp>
+        </mc:Choice>
+        <mc:Fallback>
+          <p:sp>
+            <p:nvSpPr>
+              <p:cNvPr id="67" name="ZoneTexte 66">
+                <a:extLst>
+                  <a:ext uri="{FF2B5EF4-FFF2-40B4-BE49-F238E27FC236}">
+                    <a16:creationId xmlns:a16="http://schemas.microsoft.com/office/drawing/2014/main" id="{08DB4775-DF89-30DE-D002-0FA12BD45480}"/>
+                  </a:ext>
+                </a:extLst>
+              </p:cNvPr>
+              <p:cNvSpPr txBox="1">
+                <a:spLocks noRot="1" noChangeAspect="1" noMove="1" noResize="1" noEditPoints="1" noAdjustHandles="1" noChangeArrowheads="1" noChangeShapeType="1" noTextEdit="1"/>
+              </p:cNvSpPr>
+              <p:nvPr/>
+            </p:nvSpPr>
+            <p:spPr>
+              <a:xfrm>
+                <a:off x="3677440" y="2631667"/>
+                <a:ext cx="260584" cy="182807"/>
+              </a:xfrm>
+              <a:prstGeom prst="rect">
+                <a:avLst/>
+              </a:prstGeom>
+              <a:blipFill>
+                <a:blip r:embed="rId16"/>
+                <a:stretch>
+                  <a:fillRect l="-11628" r="-11628" b="-30000"/>
+                </a:stretch>
+              </a:blipFill>
+            </p:spPr>
+            <p:txBody>
+              <a:bodyPr/>
+              <a:lstStyle/>
+              <a:p>
+                <a:r>
+                  <a:rPr lang="fr-FR">
+                    <a:noFill/>
+                  </a:rPr>
+                  <a:t> </a:t>
+                </a:r>
+              </a:p>
+            </p:txBody>
+          </p:sp>
+        </mc:Fallback>
+      </mc:AlternateContent>
+    </p:spTree>
+    <p:extLst>
+      <p:ext uri="{BB962C8B-B14F-4D97-AF65-F5344CB8AC3E}">
+        <p14:creationId xmlns:p14="http://schemas.microsoft.com/office/powerpoint/2010/main" val="2141522550"/>
       </p:ext>
     </p:extLst>
   </p:cSld>

--- a/2022/Exemple/FichiersProf/Corrigé LaTeX/images/Figures.pptx
+++ b/2022/Exemple/FichiersProf/Corrigé LaTeX/images/Figures.pptx
@@ -275,7 +275,7 @@
           <a:p>
             <a:fld id="{8C52326C-F649-4E85-9AEA-DEE8D2390CE5}" type="datetimeFigureOut">
               <a:rPr lang="fr-FR" smtClean="0"/>
-              <a:t>08/05/2022</a:t>
+              <a:t>22/06/2022</a:t>
             </a:fld>
             <a:endParaRPr lang="fr-FR"/>
           </a:p>
@@ -473,7 +473,7 @@
           <a:p>
             <a:fld id="{8C52326C-F649-4E85-9AEA-DEE8D2390CE5}" type="datetimeFigureOut">
               <a:rPr lang="fr-FR" smtClean="0"/>
-              <a:t>08/05/2022</a:t>
+              <a:t>22/06/2022</a:t>
             </a:fld>
             <a:endParaRPr lang="fr-FR"/>
           </a:p>
@@ -681,7 +681,7 @@
           <a:p>
             <a:fld id="{8C52326C-F649-4E85-9AEA-DEE8D2390CE5}" type="datetimeFigureOut">
               <a:rPr lang="fr-FR" smtClean="0"/>
-              <a:t>08/05/2022</a:t>
+              <a:t>22/06/2022</a:t>
             </a:fld>
             <a:endParaRPr lang="fr-FR"/>
           </a:p>
@@ -879,7 +879,7 @@
           <a:p>
             <a:fld id="{8C52326C-F649-4E85-9AEA-DEE8D2390CE5}" type="datetimeFigureOut">
               <a:rPr lang="fr-FR" smtClean="0"/>
-              <a:t>08/05/2022</a:t>
+              <a:t>22/06/2022</a:t>
             </a:fld>
             <a:endParaRPr lang="fr-FR"/>
           </a:p>
@@ -1154,7 +1154,7 @@
           <a:p>
             <a:fld id="{8C52326C-F649-4E85-9AEA-DEE8D2390CE5}" type="datetimeFigureOut">
               <a:rPr lang="fr-FR" smtClean="0"/>
-              <a:t>08/05/2022</a:t>
+              <a:t>22/06/2022</a:t>
             </a:fld>
             <a:endParaRPr lang="fr-FR"/>
           </a:p>
@@ -1419,7 +1419,7 @@
           <a:p>
             <a:fld id="{8C52326C-F649-4E85-9AEA-DEE8D2390CE5}" type="datetimeFigureOut">
               <a:rPr lang="fr-FR" smtClean="0"/>
-              <a:t>08/05/2022</a:t>
+              <a:t>22/06/2022</a:t>
             </a:fld>
             <a:endParaRPr lang="fr-FR"/>
           </a:p>
@@ -1831,7 +1831,7 @@
           <a:p>
             <a:fld id="{8C52326C-F649-4E85-9AEA-DEE8D2390CE5}" type="datetimeFigureOut">
               <a:rPr lang="fr-FR" smtClean="0"/>
-              <a:t>08/05/2022</a:t>
+              <a:t>22/06/2022</a:t>
             </a:fld>
             <a:endParaRPr lang="fr-FR"/>
           </a:p>
@@ -1972,7 +1972,7 @@
           <a:p>
             <a:fld id="{8C52326C-F649-4E85-9AEA-DEE8D2390CE5}" type="datetimeFigureOut">
               <a:rPr lang="fr-FR" smtClean="0"/>
-              <a:t>08/05/2022</a:t>
+              <a:t>22/06/2022</a:t>
             </a:fld>
             <a:endParaRPr lang="fr-FR"/>
           </a:p>
@@ -2085,7 +2085,7 @@
           <a:p>
             <a:fld id="{8C52326C-F649-4E85-9AEA-DEE8D2390CE5}" type="datetimeFigureOut">
               <a:rPr lang="fr-FR" smtClean="0"/>
-              <a:t>08/05/2022</a:t>
+              <a:t>22/06/2022</a:t>
             </a:fld>
             <a:endParaRPr lang="fr-FR"/>
           </a:p>
@@ -2396,7 +2396,7 @@
           <a:p>
             <a:fld id="{8C52326C-F649-4E85-9AEA-DEE8D2390CE5}" type="datetimeFigureOut">
               <a:rPr lang="fr-FR" smtClean="0"/>
-              <a:t>08/05/2022</a:t>
+              <a:t>22/06/2022</a:t>
             </a:fld>
             <a:endParaRPr lang="fr-FR"/>
           </a:p>
@@ -2684,7 +2684,7 @@
           <a:p>
             <a:fld id="{8C52326C-F649-4E85-9AEA-DEE8D2390CE5}" type="datetimeFigureOut">
               <a:rPr lang="fr-FR" smtClean="0"/>
-              <a:t>08/05/2022</a:t>
+              <a:t>22/06/2022</a:t>
             </a:fld>
             <a:endParaRPr lang="fr-FR"/>
           </a:p>
@@ -2925,7 +2925,7 @@
           <a:p>
             <a:fld id="{8C52326C-F649-4E85-9AEA-DEE8D2390CE5}" type="datetimeFigureOut">
               <a:rPr lang="fr-FR" smtClean="0"/>
-              <a:t>08/05/2022</a:t>
+              <a:t>22/06/2022</a:t>
             </a:fld>
             <a:endParaRPr lang="fr-FR"/>
           </a:p>
@@ -3342,62 +3342,12 @@
           <a:chExt cx="0" cy="0"/>
         </a:xfrm>
       </p:grpSpPr>
-      <p:sp>
-        <p:nvSpPr>
-          <p:cNvPr id="2" name="Titre 1">
-            <a:extLst>
-              <a:ext uri="{FF2B5EF4-FFF2-40B4-BE49-F238E27FC236}">
-                <a16:creationId xmlns:a16="http://schemas.microsoft.com/office/drawing/2014/main" id="{231CDE07-AF5B-8C3B-A301-A6AD78CF7962}"/>
-              </a:ext>
-            </a:extLst>
-          </p:cNvPr>
-          <p:cNvSpPr>
-            <a:spLocks noGrp="1"/>
-          </p:cNvSpPr>
-          <p:nvPr>
-            <p:ph type="ctrTitle"/>
-          </p:nvPr>
-        </p:nvSpPr>
-        <p:spPr/>
-        <p:txBody>
-          <a:bodyPr/>
-          <a:lstStyle/>
-          <a:p>
-            <a:endParaRPr lang="fr-FR"/>
-          </a:p>
-        </p:txBody>
-      </p:sp>
-      <p:sp>
-        <p:nvSpPr>
-          <p:cNvPr id="3" name="Sous-titre 2">
-            <a:extLst>
-              <a:ext uri="{FF2B5EF4-FFF2-40B4-BE49-F238E27FC236}">
-                <a16:creationId xmlns:a16="http://schemas.microsoft.com/office/drawing/2014/main" id="{1489A6EE-EB61-D5A0-9F86-7D16399AAC44}"/>
-              </a:ext>
-            </a:extLst>
-          </p:cNvPr>
-          <p:cNvSpPr>
-            <a:spLocks noGrp="1"/>
-          </p:cNvSpPr>
-          <p:nvPr>
-            <p:ph type="subTitle" idx="1"/>
-          </p:nvPr>
-        </p:nvSpPr>
-        <p:spPr/>
-        <p:txBody>
-          <a:bodyPr/>
-          <a:lstStyle/>
-          <a:p>
-            <a:endParaRPr lang="fr-FR"/>
-          </a:p>
-        </p:txBody>
-      </p:sp>
       <p:pic>
         <p:nvPicPr>
-          <p:cNvPr id="5" name="Image 4">
-            <a:extLst>
-              <a:ext uri="{FF2B5EF4-FFF2-40B4-BE49-F238E27FC236}">
-                <a16:creationId xmlns:a16="http://schemas.microsoft.com/office/drawing/2014/main" id="{16CAC1C7-AC9F-9F9C-F98D-1B027E1284FC}"/>
+          <p:cNvPr id="6" name="Image 5">
+            <a:extLst>
+              <a:ext uri="{FF2B5EF4-FFF2-40B4-BE49-F238E27FC236}">
+                <a16:creationId xmlns:a16="http://schemas.microsoft.com/office/drawing/2014/main" id="{88DA3CC6-4116-F9E5-A0EB-A679EF5C49A6}"/>
               </a:ext>
             </a:extLst>
           </p:cNvPr>
@@ -3414,14 +3364,568 @@
         </p:blipFill>
         <p:spPr>
           <a:xfrm>
-            <a:off x="2848788" y="765624"/>
-            <a:ext cx="4553498" cy="6092376"/>
+            <a:off x="4178201" y="872993"/>
+            <a:ext cx="3835597" cy="5112013"/>
           </a:xfrm>
           <a:prstGeom prst="rect">
             <a:avLst/>
           </a:prstGeom>
         </p:spPr>
       </p:pic>
+      <p:cxnSp>
+        <p:nvCxnSpPr>
+          <p:cNvPr id="8" name="Connecteur droit 7">
+            <a:extLst>
+              <a:ext uri="{FF2B5EF4-FFF2-40B4-BE49-F238E27FC236}">
+                <a16:creationId xmlns:a16="http://schemas.microsoft.com/office/drawing/2014/main" id="{4781E660-A1C8-A830-0E56-236F6B7D0AC8}"/>
+              </a:ext>
+            </a:extLst>
+          </p:cNvPr>
+          <p:cNvCxnSpPr/>
+          <p:nvPr/>
+        </p:nvCxnSpPr>
+        <p:spPr>
+          <a:xfrm flipV="1">
+            <a:off x="5119255" y="2029691"/>
+            <a:ext cx="0" cy="360218"/>
+          </a:xfrm>
+          <a:prstGeom prst="line">
+            <a:avLst/>
+          </a:prstGeom>
+          <a:ln w="57150">
+            <a:solidFill>
+              <a:srgbClr val="00B0F0"/>
+            </a:solidFill>
+          </a:ln>
+        </p:spPr>
+        <p:style>
+          <a:lnRef idx="1">
+            <a:schemeClr val="accent1"/>
+          </a:lnRef>
+          <a:fillRef idx="0">
+            <a:schemeClr val="accent1"/>
+          </a:fillRef>
+          <a:effectRef idx="0">
+            <a:schemeClr val="accent1"/>
+          </a:effectRef>
+          <a:fontRef idx="minor">
+            <a:schemeClr val="tx1"/>
+          </a:fontRef>
+        </p:style>
+      </p:cxnSp>
+      <p:cxnSp>
+        <p:nvCxnSpPr>
+          <p:cNvPr id="9" name="Connecteur droit 8">
+            <a:extLst>
+              <a:ext uri="{FF2B5EF4-FFF2-40B4-BE49-F238E27FC236}">
+                <a16:creationId xmlns:a16="http://schemas.microsoft.com/office/drawing/2014/main" id="{1826A8F5-5A92-DB1E-9555-D5593D7141A9}"/>
+              </a:ext>
+            </a:extLst>
+          </p:cNvPr>
+          <p:cNvCxnSpPr>
+            <a:cxnSpLocks/>
+          </p:cNvCxnSpPr>
+          <p:nvPr/>
+        </p:nvCxnSpPr>
+        <p:spPr>
+          <a:xfrm flipV="1">
+            <a:off x="5119255" y="2673927"/>
+            <a:ext cx="0" cy="187037"/>
+          </a:xfrm>
+          <a:prstGeom prst="line">
+            <a:avLst/>
+          </a:prstGeom>
+          <a:ln w="57150">
+            <a:solidFill>
+              <a:srgbClr val="00B0F0"/>
+            </a:solidFill>
+          </a:ln>
+        </p:spPr>
+        <p:style>
+          <a:lnRef idx="1">
+            <a:schemeClr val="accent1"/>
+          </a:lnRef>
+          <a:fillRef idx="0">
+            <a:schemeClr val="accent1"/>
+          </a:fillRef>
+          <a:effectRef idx="0">
+            <a:schemeClr val="accent1"/>
+          </a:effectRef>
+          <a:fontRef idx="minor">
+            <a:schemeClr val="tx1"/>
+          </a:fontRef>
+        </p:style>
+      </p:cxnSp>
+      <p:cxnSp>
+        <p:nvCxnSpPr>
+          <p:cNvPr id="13" name="Connecteur droit 12">
+            <a:extLst>
+              <a:ext uri="{FF2B5EF4-FFF2-40B4-BE49-F238E27FC236}">
+                <a16:creationId xmlns:a16="http://schemas.microsoft.com/office/drawing/2014/main" id="{E28DA2E0-C6B3-47DD-9BA5-3A613ED26565}"/>
+              </a:ext>
+            </a:extLst>
+          </p:cNvPr>
+          <p:cNvCxnSpPr>
+            <a:cxnSpLocks/>
+          </p:cNvCxnSpPr>
+          <p:nvPr/>
+        </p:nvCxnSpPr>
+        <p:spPr>
+          <a:xfrm>
+            <a:off x="4094018" y="1676401"/>
+            <a:ext cx="1025237" cy="0"/>
+          </a:xfrm>
+          <a:prstGeom prst="line">
+            <a:avLst/>
+          </a:prstGeom>
+          <a:solidFill>
+            <a:schemeClr val="bg1"/>
+          </a:solidFill>
+          <a:ln w="28575">
+            <a:solidFill>
+              <a:srgbClr val="C00000"/>
+            </a:solidFill>
+            <a:tailEnd type="stealth" w="med" len="lg"/>
+          </a:ln>
+        </p:spPr>
+        <p:style>
+          <a:lnRef idx="2">
+            <a:schemeClr val="accent1">
+              <a:shade val="50000"/>
+            </a:schemeClr>
+          </a:lnRef>
+          <a:fillRef idx="1">
+            <a:schemeClr val="accent1"/>
+          </a:fillRef>
+          <a:effectRef idx="0">
+            <a:schemeClr val="accent1"/>
+          </a:effectRef>
+          <a:fontRef idx="minor">
+            <a:schemeClr val="lt1"/>
+          </a:fontRef>
+        </p:style>
+      </p:cxnSp>
+      <p:sp>
+        <p:nvSpPr>
+          <p:cNvPr id="14" name="ZoneTexte 13">
+            <a:extLst>
+              <a:ext uri="{FF2B5EF4-FFF2-40B4-BE49-F238E27FC236}">
+                <a16:creationId xmlns:a16="http://schemas.microsoft.com/office/drawing/2014/main" id="{21CEEAA1-CA54-5497-704C-D5B55D9893C4}"/>
+              </a:ext>
+            </a:extLst>
+          </p:cNvPr>
+          <p:cNvSpPr txBox="1"/>
+          <p:nvPr/>
+        </p:nvSpPr>
+        <p:spPr>
+          <a:xfrm>
+            <a:off x="3601276" y="1517743"/>
+            <a:ext cx="394339" cy="215444"/>
+          </a:xfrm>
+          <a:prstGeom prst="rect">
+            <a:avLst/>
+          </a:prstGeom>
+          <a:noFill/>
+        </p:spPr>
+        <p:txBody>
+          <a:bodyPr wrap="none" lIns="0" tIns="0" rIns="0" bIns="0" rtlCol="0">
+            <a:spAutoFit/>
+          </a:bodyPr>
+          <a:lstStyle/>
+          <a:p>
+            <a:r>
+              <a:rPr lang="fr-FR" sz="1400" dirty="0"/>
+              <a:t>Lame</a:t>
+            </a:r>
+          </a:p>
+        </p:txBody>
+      </p:sp>
+      <p:cxnSp>
+        <p:nvCxnSpPr>
+          <p:cNvPr id="18" name="Connecteur droit 17">
+            <a:extLst>
+              <a:ext uri="{FF2B5EF4-FFF2-40B4-BE49-F238E27FC236}">
+                <a16:creationId xmlns:a16="http://schemas.microsoft.com/office/drawing/2014/main" id="{F65AE9C3-0B6B-1BF3-ABC0-E73777E8A0CE}"/>
+              </a:ext>
+            </a:extLst>
+          </p:cNvPr>
+          <p:cNvCxnSpPr>
+            <a:cxnSpLocks/>
+          </p:cNvCxnSpPr>
+          <p:nvPr/>
+        </p:nvCxnSpPr>
+        <p:spPr>
+          <a:xfrm>
+            <a:off x="4037343" y="2493819"/>
+            <a:ext cx="1025237" cy="0"/>
+          </a:xfrm>
+          <a:prstGeom prst="line">
+            <a:avLst/>
+          </a:prstGeom>
+          <a:solidFill>
+            <a:schemeClr val="bg1"/>
+          </a:solidFill>
+          <a:ln w="28575">
+            <a:solidFill>
+              <a:srgbClr val="C00000"/>
+            </a:solidFill>
+            <a:tailEnd type="stealth" w="med" len="lg"/>
+          </a:ln>
+        </p:spPr>
+        <p:style>
+          <a:lnRef idx="2">
+            <a:schemeClr val="accent1">
+              <a:shade val="50000"/>
+            </a:schemeClr>
+          </a:lnRef>
+          <a:fillRef idx="1">
+            <a:schemeClr val="accent1"/>
+          </a:fillRef>
+          <a:effectRef idx="0">
+            <a:schemeClr val="accent1"/>
+          </a:effectRef>
+          <a:fontRef idx="minor">
+            <a:schemeClr val="lt1"/>
+          </a:fontRef>
+        </p:style>
+      </p:cxnSp>
+      <p:sp>
+        <p:nvSpPr>
+          <p:cNvPr id="19" name="ZoneTexte 18">
+            <a:extLst>
+              <a:ext uri="{FF2B5EF4-FFF2-40B4-BE49-F238E27FC236}">
+                <a16:creationId xmlns:a16="http://schemas.microsoft.com/office/drawing/2014/main" id="{DD9784D1-72A8-7A70-BC6E-9900819C256E}"/>
+              </a:ext>
+            </a:extLst>
+          </p:cNvPr>
+          <p:cNvSpPr txBox="1"/>
+          <p:nvPr/>
+        </p:nvSpPr>
+        <p:spPr>
+          <a:xfrm>
+            <a:off x="3460776" y="2243040"/>
+            <a:ext cx="680827" cy="430887"/>
+          </a:xfrm>
+          <a:prstGeom prst="rect">
+            <a:avLst/>
+          </a:prstGeom>
+          <a:noFill/>
+        </p:spPr>
+        <p:txBody>
+          <a:bodyPr wrap="none" lIns="0" tIns="0" rIns="0" bIns="0" rtlCol="0">
+            <a:spAutoFit/>
+          </a:bodyPr>
+          <a:lstStyle/>
+          <a:p>
+            <a:r>
+              <a:rPr lang="fr-FR" sz="1400" dirty="0"/>
+              <a:t>Rondelle </a:t>
+            </a:r>
+          </a:p>
+          <a:p>
+            <a:r>
+              <a:rPr lang="fr-FR" sz="1400" dirty="0"/>
+              <a:t>fusible</a:t>
+            </a:r>
+          </a:p>
+        </p:txBody>
+      </p:sp>
+      <p:cxnSp>
+        <p:nvCxnSpPr>
+          <p:cNvPr id="20" name="Connecteur droit 19">
+            <a:extLst>
+              <a:ext uri="{FF2B5EF4-FFF2-40B4-BE49-F238E27FC236}">
+                <a16:creationId xmlns:a16="http://schemas.microsoft.com/office/drawing/2014/main" id="{99674B69-74E2-9F0B-F388-227C7963FCC5}"/>
+              </a:ext>
+            </a:extLst>
+          </p:cNvPr>
+          <p:cNvCxnSpPr>
+            <a:cxnSpLocks/>
+          </p:cNvCxnSpPr>
+          <p:nvPr/>
+        </p:nvCxnSpPr>
+        <p:spPr>
+          <a:xfrm flipH="1">
+            <a:off x="5155853" y="1931589"/>
+            <a:ext cx="940147" cy="255189"/>
+          </a:xfrm>
+          <a:prstGeom prst="line">
+            <a:avLst/>
+          </a:prstGeom>
+          <a:solidFill>
+            <a:schemeClr val="bg1"/>
+          </a:solidFill>
+          <a:ln w="28575">
+            <a:solidFill>
+              <a:srgbClr val="C00000"/>
+            </a:solidFill>
+            <a:tailEnd type="stealth" w="med" len="lg"/>
+          </a:ln>
+        </p:spPr>
+        <p:style>
+          <a:lnRef idx="2">
+            <a:schemeClr val="accent1">
+              <a:shade val="50000"/>
+            </a:schemeClr>
+          </a:lnRef>
+          <a:fillRef idx="1">
+            <a:schemeClr val="accent1"/>
+          </a:fillRef>
+          <a:effectRef idx="0">
+            <a:schemeClr val="accent1"/>
+          </a:effectRef>
+          <a:fontRef idx="minor">
+            <a:schemeClr val="lt1"/>
+          </a:fontRef>
+        </p:style>
+      </p:cxnSp>
+      <p:cxnSp>
+        <p:nvCxnSpPr>
+          <p:cNvPr id="23" name="Connecteur droit 22">
+            <a:extLst>
+              <a:ext uri="{FF2B5EF4-FFF2-40B4-BE49-F238E27FC236}">
+                <a16:creationId xmlns:a16="http://schemas.microsoft.com/office/drawing/2014/main" id="{2559C680-A8FF-956D-8B91-4FC8796FBC5D}"/>
+              </a:ext>
+            </a:extLst>
+          </p:cNvPr>
+          <p:cNvCxnSpPr>
+            <a:cxnSpLocks/>
+          </p:cNvCxnSpPr>
+          <p:nvPr/>
+        </p:nvCxnSpPr>
+        <p:spPr>
+          <a:xfrm flipH="1">
+            <a:off x="5181505" y="1931589"/>
+            <a:ext cx="932794" cy="835856"/>
+          </a:xfrm>
+          <a:prstGeom prst="line">
+            <a:avLst/>
+          </a:prstGeom>
+          <a:solidFill>
+            <a:schemeClr val="bg1"/>
+          </a:solidFill>
+          <a:ln w="28575">
+            <a:solidFill>
+              <a:srgbClr val="C00000"/>
+            </a:solidFill>
+            <a:tailEnd type="stealth" w="med" len="lg"/>
+          </a:ln>
+        </p:spPr>
+        <p:style>
+          <a:lnRef idx="2">
+            <a:schemeClr val="accent1">
+              <a:shade val="50000"/>
+            </a:schemeClr>
+          </a:lnRef>
+          <a:fillRef idx="1">
+            <a:schemeClr val="accent1"/>
+          </a:fillRef>
+          <a:effectRef idx="0">
+            <a:schemeClr val="accent1"/>
+          </a:effectRef>
+          <a:fontRef idx="minor">
+            <a:schemeClr val="lt1"/>
+          </a:fontRef>
+        </p:style>
+      </p:cxnSp>
+      <p:sp>
+        <p:nvSpPr>
+          <p:cNvPr id="26" name="ZoneTexte 25">
+            <a:extLst>
+              <a:ext uri="{FF2B5EF4-FFF2-40B4-BE49-F238E27FC236}">
+                <a16:creationId xmlns:a16="http://schemas.microsoft.com/office/drawing/2014/main" id="{917CF7A9-6999-AB95-CC71-9E384968552D}"/>
+              </a:ext>
+            </a:extLst>
+          </p:cNvPr>
+          <p:cNvSpPr txBox="1"/>
+          <p:nvPr/>
+        </p:nvSpPr>
+        <p:spPr>
+          <a:xfrm>
+            <a:off x="6176548" y="1813127"/>
+            <a:ext cx="1167114" cy="215444"/>
+          </a:xfrm>
+          <a:prstGeom prst="rect">
+            <a:avLst/>
+          </a:prstGeom>
+          <a:noFill/>
+        </p:spPr>
+        <p:txBody>
+          <a:bodyPr wrap="none" lIns="0" tIns="0" rIns="0" bIns="0" rtlCol="0">
+            <a:spAutoFit/>
+          </a:bodyPr>
+          <a:lstStyle/>
+          <a:p>
+            <a:r>
+              <a:rPr lang="fr-FR" sz="1400" dirty="0"/>
+              <a:t>Zone de contact</a:t>
+            </a:r>
+          </a:p>
+        </p:txBody>
+      </p:sp>
+      <p:pic>
+        <p:nvPicPr>
+          <p:cNvPr id="3" name="Image 2">
+            <a:extLst>
+              <a:ext uri="{FF2B5EF4-FFF2-40B4-BE49-F238E27FC236}">
+                <a16:creationId xmlns:a16="http://schemas.microsoft.com/office/drawing/2014/main" id="{BE709C13-2A21-89BB-D61E-D9B32439FAEB}"/>
+              </a:ext>
+            </a:extLst>
+          </p:cNvPr>
+          <p:cNvPicPr>
+            <a:picLocks noChangeAspect="1"/>
+          </p:cNvPicPr>
+          <p:nvPr/>
+        </p:nvPicPr>
+        <p:blipFill>
+          <a:blip r:embed="rId3"/>
+          <a:stretch>
+            <a:fillRect/>
+          </a:stretch>
+        </p:blipFill>
+        <p:spPr>
+          <a:xfrm>
+            <a:off x="8196384" y="872993"/>
+            <a:ext cx="2512407" cy="2556006"/>
+          </a:xfrm>
+          <a:prstGeom prst="rect">
+            <a:avLst/>
+          </a:prstGeom>
+        </p:spPr>
+      </p:pic>
+      <p:cxnSp>
+        <p:nvCxnSpPr>
+          <p:cNvPr id="15" name="Connecteur droit 14">
+            <a:extLst>
+              <a:ext uri="{FF2B5EF4-FFF2-40B4-BE49-F238E27FC236}">
+                <a16:creationId xmlns:a16="http://schemas.microsoft.com/office/drawing/2014/main" id="{4AB09209-A0C5-9132-2BFE-359AD46F7BD7}"/>
+              </a:ext>
+            </a:extLst>
+          </p:cNvPr>
+          <p:cNvCxnSpPr>
+            <a:cxnSpLocks/>
+          </p:cNvCxnSpPr>
+          <p:nvPr/>
+        </p:nvCxnSpPr>
+        <p:spPr>
+          <a:xfrm flipV="1">
+            <a:off x="5062580" y="4982901"/>
+            <a:ext cx="118925" cy="75236"/>
+          </a:xfrm>
+          <a:prstGeom prst="line">
+            <a:avLst/>
+          </a:prstGeom>
+          <a:ln w="76200">
+            <a:solidFill>
+              <a:srgbClr val="FF0000"/>
+            </a:solidFill>
+          </a:ln>
+        </p:spPr>
+        <p:style>
+          <a:lnRef idx="1">
+            <a:schemeClr val="accent1"/>
+          </a:lnRef>
+          <a:fillRef idx="0">
+            <a:schemeClr val="accent1"/>
+          </a:fillRef>
+          <a:effectRef idx="0">
+            <a:schemeClr val="accent1"/>
+          </a:effectRef>
+          <a:fontRef idx="minor">
+            <a:schemeClr val="tx1"/>
+          </a:fontRef>
+        </p:style>
+      </p:cxnSp>
+      <p:cxnSp>
+        <p:nvCxnSpPr>
+          <p:cNvPr id="17" name="Connecteur droit 16">
+            <a:extLst>
+              <a:ext uri="{FF2B5EF4-FFF2-40B4-BE49-F238E27FC236}">
+                <a16:creationId xmlns:a16="http://schemas.microsoft.com/office/drawing/2014/main" id="{451DECA1-D03F-CE47-DA7F-69BD2D6C3BAE}"/>
+              </a:ext>
+            </a:extLst>
+          </p:cNvPr>
+          <p:cNvCxnSpPr>
+            <a:cxnSpLocks/>
+          </p:cNvCxnSpPr>
+          <p:nvPr/>
+        </p:nvCxnSpPr>
+        <p:spPr>
+          <a:xfrm>
+            <a:off x="3989758" y="4984304"/>
+            <a:ext cx="1025237" cy="0"/>
+          </a:xfrm>
+          <a:prstGeom prst="line">
+            <a:avLst/>
+          </a:prstGeom>
+          <a:solidFill>
+            <a:schemeClr val="bg1"/>
+          </a:solidFill>
+          <a:ln w="28575">
+            <a:solidFill>
+              <a:srgbClr val="C00000"/>
+            </a:solidFill>
+            <a:tailEnd type="stealth" w="med" len="lg"/>
+          </a:ln>
+        </p:spPr>
+        <p:style>
+          <a:lnRef idx="2">
+            <a:schemeClr val="accent1">
+              <a:shade val="50000"/>
+            </a:schemeClr>
+          </a:lnRef>
+          <a:fillRef idx="1">
+            <a:schemeClr val="accent1"/>
+          </a:fillRef>
+          <a:effectRef idx="0">
+            <a:schemeClr val="accent1"/>
+          </a:effectRef>
+          <a:fontRef idx="minor">
+            <a:schemeClr val="lt1"/>
+          </a:fontRef>
+        </p:style>
+      </p:cxnSp>
+      <p:sp>
+        <p:nvSpPr>
+          <p:cNvPr id="21" name="ZoneTexte 20">
+            <a:extLst>
+              <a:ext uri="{FF2B5EF4-FFF2-40B4-BE49-F238E27FC236}">
+                <a16:creationId xmlns:a16="http://schemas.microsoft.com/office/drawing/2014/main" id="{4F4CD270-5D3E-988D-ECB7-9D3B3EC51670}"/>
+              </a:ext>
+            </a:extLst>
+          </p:cNvPr>
+          <p:cNvSpPr txBox="1"/>
+          <p:nvPr/>
+        </p:nvSpPr>
+        <p:spPr>
+          <a:xfrm>
+            <a:off x="3413191" y="4733525"/>
+            <a:ext cx="578685" cy="430887"/>
+          </a:xfrm>
+          <a:prstGeom prst="rect">
+            <a:avLst/>
+          </a:prstGeom>
+          <a:noFill/>
+        </p:spPr>
+        <p:txBody>
+          <a:bodyPr wrap="none" lIns="0" tIns="0" rIns="0" bIns="0" rtlCol="0">
+            <a:spAutoFit/>
+          </a:bodyPr>
+          <a:lstStyle/>
+          <a:p>
+            <a:r>
+              <a:rPr lang="fr-FR" sz="1400" dirty="0"/>
+              <a:t>Section </a:t>
+            </a:r>
+          </a:p>
+          <a:p>
+            <a:r>
+              <a:rPr lang="fr-FR" sz="1400" dirty="0"/>
+              <a:t>cisaillée</a:t>
+            </a:r>
+          </a:p>
+        </p:txBody>
+      </p:sp>
     </p:spTree>
     <p:extLst>
       <p:ext uri="{BB962C8B-B14F-4D97-AF65-F5344CB8AC3E}">
@@ -3923,8 +4427,8 @@
           </a:fontRef>
         </p:style>
       </p:cxnSp>
-      <mc:AlternateContent xmlns:mc="http://schemas.openxmlformats.org/markup-compatibility/2006">
-        <mc:Choice xmlns:a14="http://schemas.microsoft.com/office/drawing/2010/main" Requires="a14">
+      <mc:AlternateContent xmlns:mc="http://schemas.openxmlformats.org/markup-compatibility/2006" xmlns:a14="http://schemas.microsoft.com/office/drawing/2010/main">
+        <mc:Choice Requires="a14">
           <p:sp>
             <p:nvSpPr>
               <p:cNvPr id="17" name="ZoneTexte 16">
@@ -4020,7 +4524,7 @@
             </p:txBody>
           </p:sp>
         </mc:Choice>
-        <mc:Fallback>
+        <mc:Fallback xmlns="">
           <p:sp>
             <p:nvSpPr>
               <p:cNvPr id="17" name="ZoneTexte 16">
@@ -4065,8 +4569,8 @@
           </p:sp>
         </mc:Fallback>
       </mc:AlternateContent>
-      <mc:AlternateContent xmlns:mc="http://schemas.openxmlformats.org/markup-compatibility/2006">
-        <mc:Choice xmlns:a14="http://schemas.microsoft.com/office/drawing/2010/main" Requires="a14">
+      <mc:AlternateContent xmlns:mc="http://schemas.openxmlformats.org/markup-compatibility/2006" xmlns:a14="http://schemas.microsoft.com/office/drawing/2010/main">
+        <mc:Choice Requires="a14">
           <p:sp>
             <p:nvSpPr>
               <p:cNvPr id="19" name="ZoneTexte 18">
@@ -4162,7 +4666,7 @@
             </p:txBody>
           </p:sp>
         </mc:Choice>
-        <mc:Fallback>
+        <mc:Fallback xmlns="">
           <p:sp>
             <p:nvSpPr>
               <p:cNvPr id="19" name="ZoneTexte 18">
@@ -4575,8 +5079,8 @@
           </a:fontRef>
         </p:style>
       </p:cxnSp>
-      <mc:AlternateContent xmlns:mc="http://schemas.openxmlformats.org/markup-compatibility/2006">
-        <mc:Choice xmlns:a14="http://schemas.microsoft.com/office/drawing/2010/main" Requires="a14">
+      <mc:AlternateContent xmlns:mc="http://schemas.openxmlformats.org/markup-compatibility/2006" xmlns:a14="http://schemas.microsoft.com/office/drawing/2010/main">
+        <mc:Choice Requires="a14">
           <p:sp>
             <p:nvSpPr>
               <p:cNvPr id="37" name="ZoneTexte 36">
@@ -4626,7 +5130,7 @@
             </p:txBody>
           </p:sp>
         </mc:Choice>
-        <mc:Fallback>
+        <mc:Fallback xmlns="">
           <p:sp>
             <p:nvSpPr>
               <p:cNvPr id="37" name="ZoneTexte 36">
@@ -4671,8 +5175,8 @@
           </p:sp>
         </mc:Fallback>
       </mc:AlternateContent>
-      <mc:AlternateContent xmlns:mc="http://schemas.openxmlformats.org/markup-compatibility/2006">
-        <mc:Choice xmlns:a14="http://schemas.microsoft.com/office/drawing/2010/main" Requires="a14">
+      <mc:AlternateContent xmlns:mc="http://schemas.openxmlformats.org/markup-compatibility/2006" xmlns:a14="http://schemas.microsoft.com/office/drawing/2010/main">
+        <mc:Choice Requires="a14">
           <p:sp>
             <p:nvSpPr>
               <p:cNvPr id="38" name="ZoneTexte 37">
@@ -4722,7 +5226,7 @@
             </p:txBody>
           </p:sp>
         </mc:Choice>
-        <mc:Fallback>
+        <mc:Fallback xmlns="">
           <p:sp>
             <p:nvSpPr>
               <p:cNvPr id="38" name="ZoneTexte 37">
@@ -4767,8 +5271,8 @@
           </p:sp>
         </mc:Fallback>
       </mc:AlternateContent>
-      <mc:AlternateContent xmlns:mc="http://schemas.openxmlformats.org/markup-compatibility/2006">
-        <mc:Choice xmlns:a14="http://schemas.microsoft.com/office/drawing/2010/main" Requires="a14">
+      <mc:AlternateContent xmlns:mc="http://schemas.openxmlformats.org/markup-compatibility/2006" xmlns:a14="http://schemas.microsoft.com/office/drawing/2010/main">
+        <mc:Choice Requires="a14">
           <p:sp>
             <p:nvSpPr>
               <p:cNvPr id="39" name="ZoneTexte 38">
@@ -4818,7 +5322,7 @@
             </p:txBody>
           </p:sp>
         </mc:Choice>
-        <mc:Fallback>
+        <mc:Fallback xmlns="">
           <p:sp>
             <p:nvSpPr>
               <p:cNvPr id="39" name="ZoneTexte 38">
@@ -4863,8 +5367,8 @@
           </p:sp>
         </mc:Fallback>
       </mc:AlternateContent>
-      <mc:AlternateContent xmlns:mc="http://schemas.openxmlformats.org/markup-compatibility/2006">
-        <mc:Choice xmlns:a14="http://schemas.microsoft.com/office/drawing/2010/main" Requires="a14">
+      <mc:AlternateContent xmlns:mc="http://schemas.openxmlformats.org/markup-compatibility/2006" xmlns:a14="http://schemas.microsoft.com/office/drawing/2010/main">
+        <mc:Choice Requires="a14">
           <p:sp>
             <p:nvSpPr>
               <p:cNvPr id="40" name="ZoneTexte 39">
@@ -4914,7 +5418,7 @@
             </p:txBody>
           </p:sp>
         </mc:Choice>
-        <mc:Fallback>
+        <mc:Fallback xmlns="">
           <p:sp>
             <p:nvSpPr>
               <p:cNvPr id="40" name="ZoneTexte 39">
@@ -5460,8 +5964,8 @@
           </a:fontRef>
         </p:style>
       </p:cxnSp>
-      <mc:AlternateContent xmlns:mc="http://schemas.openxmlformats.org/markup-compatibility/2006">
-        <mc:Choice xmlns:a14="http://schemas.microsoft.com/office/drawing/2010/main" Requires="a14">
+      <mc:AlternateContent xmlns:mc="http://schemas.openxmlformats.org/markup-compatibility/2006" xmlns:a14="http://schemas.microsoft.com/office/drawing/2010/main">
+        <mc:Choice Requires="a14">
           <p:sp>
             <p:nvSpPr>
               <p:cNvPr id="17" name="ZoneTexte 16">
@@ -5557,7 +6061,7 @@
             </p:txBody>
           </p:sp>
         </mc:Choice>
-        <mc:Fallback>
+        <mc:Fallback xmlns="">
           <p:sp>
             <p:nvSpPr>
               <p:cNvPr id="17" name="ZoneTexte 16">
@@ -5602,8 +6106,8 @@
           </p:sp>
         </mc:Fallback>
       </mc:AlternateContent>
-      <mc:AlternateContent xmlns:mc="http://schemas.openxmlformats.org/markup-compatibility/2006">
-        <mc:Choice xmlns:a14="http://schemas.microsoft.com/office/drawing/2010/main" Requires="a14">
+      <mc:AlternateContent xmlns:mc="http://schemas.openxmlformats.org/markup-compatibility/2006" xmlns:a14="http://schemas.microsoft.com/office/drawing/2010/main">
+        <mc:Choice Requires="a14">
           <p:sp>
             <p:nvSpPr>
               <p:cNvPr id="19" name="ZoneTexte 18">
@@ -5699,7 +6203,7 @@
             </p:txBody>
           </p:sp>
         </mc:Choice>
-        <mc:Fallback>
+        <mc:Fallback xmlns="">
           <p:sp>
             <p:nvSpPr>
               <p:cNvPr id="19" name="ZoneTexte 18">
@@ -6112,8 +6616,8 @@
           </a:fontRef>
         </p:style>
       </p:cxnSp>
-      <mc:AlternateContent xmlns:mc="http://schemas.openxmlformats.org/markup-compatibility/2006">
-        <mc:Choice xmlns:a14="http://schemas.microsoft.com/office/drawing/2010/main" Requires="a14">
+      <mc:AlternateContent xmlns:mc="http://schemas.openxmlformats.org/markup-compatibility/2006" xmlns:a14="http://schemas.microsoft.com/office/drawing/2010/main">
+        <mc:Choice Requires="a14">
           <p:sp>
             <p:nvSpPr>
               <p:cNvPr id="37" name="ZoneTexte 36">
@@ -6163,7 +6667,7 @@
             </p:txBody>
           </p:sp>
         </mc:Choice>
-        <mc:Fallback>
+        <mc:Fallback xmlns="">
           <p:sp>
             <p:nvSpPr>
               <p:cNvPr id="37" name="ZoneTexte 36">
@@ -6208,8 +6712,8 @@
           </p:sp>
         </mc:Fallback>
       </mc:AlternateContent>
-      <mc:AlternateContent xmlns:mc="http://schemas.openxmlformats.org/markup-compatibility/2006">
-        <mc:Choice xmlns:a14="http://schemas.microsoft.com/office/drawing/2010/main" Requires="a14">
+      <mc:AlternateContent xmlns:mc="http://schemas.openxmlformats.org/markup-compatibility/2006" xmlns:a14="http://schemas.microsoft.com/office/drawing/2010/main">
+        <mc:Choice Requires="a14">
           <p:sp>
             <p:nvSpPr>
               <p:cNvPr id="38" name="ZoneTexte 37">
@@ -6259,7 +6763,7 @@
             </p:txBody>
           </p:sp>
         </mc:Choice>
-        <mc:Fallback>
+        <mc:Fallback xmlns="">
           <p:sp>
             <p:nvSpPr>
               <p:cNvPr id="38" name="ZoneTexte 37">
@@ -6304,8 +6808,8 @@
           </p:sp>
         </mc:Fallback>
       </mc:AlternateContent>
-      <mc:AlternateContent xmlns:mc="http://schemas.openxmlformats.org/markup-compatibility/2006">
-        <mc:Choice xmlns:a14="http://schemas.microsoft.com/office/drawing/2010/main" Requires="a14">
+      <mc:AlternateContent xmlns:mc="http://schemas.openxmlformats.org/markup-compatibility/2006" xmlns:a14="http://schemas.microsoft.com/office/drawing/2010/main">
+        <mc:Choice Requires="a14">
           <p:sp>
             <p:nvSpPr>
               <p:cNvPr id="39" name="ZoneTexte 38">
@@ -6355,7 +6859,7 @@
             </p:txBody>
           </p:sp>
         </mc:Choice>
-        <mc:Fallback>
+        <mc:Fallback xmlns="">
           <p:sp>
             <p:nvSpPr>
               <p:cNvPr id="39" name="ZoneTexte 38">
@@ -6400,8 +6904,8 @@
           </p:sp>
         </mc:Fallback>
       </mc:AlternateContent>
-      <mc:AlternateContent xmlns:mc="http://schemas.openxmlformats.org/markup-compatibility/2006">
-        <mc:Choice xmlns:a14="http://schemas.microsoft.com/office/drawing/2010/main" Requires="a14">
+      <mc:AlternateContent xmlns:mc="http://schemas.openxmlformats.org/markup-compatibility/2006" xmlns:a14="http://schemas.microsoft.com/office/drawing/2010/main">
+        <mc:Choice Requires="a14">
           <p:sp>
             <p:nvSpPr>
               <p:cNvPr id="40" name="ZoneTexte 39">
@@ -6451,7 +6955,7 @@
             </p:txBody>
           </p:sp>
         </mc:Choice>
-        <mc:Fallback>
+        <mc:Fallback xmlns="">
           <p:sp>
             <p:nvSpPr>
               <p:cNvPr id="40" name="ZoneTexte 39">
@@ -6545,8 +7049,8 @@
           </a:fontRef>
         </p:style>
       </p:cxnSp>
-      <mc:AlternateContent xmlns:mc="http://schemas.openxmlformats.org/markup-compatibility/2006">
-        <mc:Choice xmlns:a14="http://schemas.microsoft.com/office/drawing/2010/main" Requires="a14">
+      <mc:AlternateContent xmlns:mc="http://schemas.openxmlformats.org/markup-compatibility/2006" xmlns:a14="http://schemas.microsoft.com/office/drawing/2010/main">
+        <mc:Choice Requires="a14">
           <p:sp>
             <p:nvSpPr>
               <p:cNvPr id="26" name="ZoneTexte 25">
@@ -6615,7 +7119,7 @@
             </p:txBody>
           </p:sp>
         </mc:Choice>
-        <mc:Fallback>
+        <mc:Fallback xmlns="">
           <p:sp>
             <p:nvSpPr>
               <p:cNvPr id="26" name="ZoneTexte 25">
@@ -6709,8 +7213,8 @@
           </a:fontRef>
         </p:style>
       </p:cxnSp>
-      <mc:AlternateContent xmlns:mc="http://schemas.openxmlformats.org/markup-compatibility/2006">
-        <mc:Choice xmlns:a14="http://schemas.microsoft.com/office/drawing/2010/main" Requires="a14">
+      <mc:AlternateContent xmlns:mc="http://schemas.openxmlformats.org/markup-compatibility/2006" xmlns:a14="http://schemas.microsoft.com/office/drawing/2010/main">
+        <mc:Choice Requires="a14">
           <p:sp>
             <p:nvSpPr>
               <p:cNvPr id="31" name="ZoneTexte 30">
@@ -6779,7 +7283,7 @@
             </p:txBody>
           </p:sp>
         </mc:Choice>
-        <mc:Fallback>
+        <mc:Fallback xmlns="">
           <p:sp>
             <p:nvSpPr>
               <p:cNvPr id="31" name="ZoneTexte 30">
@@ -6873,8 +7377,8 @@
           </a:fontRef>
         </p:style>
       </p:cxnSp>
-      <mc:AlternateContent xmlns:mc="http://schemas.openxmlformats.org/markup-compatibility/2006">
-        <mc:Choice xmlns:a14="http://schemas.microsoft.com/office/drawing/2010/main" Requires="a14">
+      <mc:AlternateContent xmlns:mc="http://schemas.openxmlformats.org/markup-compatibility/2006" xmlns:a14="http://schemas.microsoft.com/office/drawing/2010/main">
+        <mc:Choice Requires="a14">
           <p:sp>
             <p:nvSpPr>
               <p:cNvPr id="33" name="ZoneTexte 32">
@@ -6943,7 +7447,7 @@
             </p:txBody>
           </p:sp>
         </mc:Choice>
-        <mc:Fallback>
+        <mc:Fallback xmlns="">
           <p:sp>
             <p:nvSpPr>
               <p:cNvPr id="33" name="ZoneTexte 32">
@@ -7489,8 +7993,8 @@
           </a:fontRef>
         </p:style>
       </p:cxnSp>
-      <mc:AlternateContent xmlns:mc="http://schemas.openxmlformats.org/markup-compatibility/2006">
-        <mc:Choice xmlns:a14="http://schemas.microsoft.com/office/drawing/2010/main" Requires="a14">
+      <mc:AlternateContent xmlns:mc="http://schemas.openxmlformats.org/markup-compatibility/2006" xmlns:a14="http://schemas.microsoft.com/office/drawing/2010/main">
+        <mc:Choice Requires="a14">
           <p:sp>
             <p:nvSpPr>
               <p:cNvPr id="17" name="ZoneTexte 16">
@@ -7586,7 +8090,7 @@
             </p:txBody>
           </p:sp>
         </mc:Choice>
-        <mc:Fallback>
+        <mc:Fallback xmlns="">
           <p:sp>
             <p:nvSpPr>
               <p:cNvPr id="17" name="ZoneTexte 16">
@@ -7631,8 +8135,8 @@
           </p:sp>
         </mc:Fallback>
       </mc:AlternateContent>
-      <mc:AlternateContent xmlns:mc="http://schemas.openxmlformats.org/markup-compatibility/2006">
-        <mc:Choice xmlns:a14="http://schemas.microsoft.com/office/drawing/2010/main" Requires="a14">
+      <mc:AlternateContent xmlns:mc="http://schemas.openxmlformats.org/markup-compatibility/2006" xmlns:a14="http://schemas.microsoft.com/office/drawing/2010/main">
+        <mc:Choice Requires="a14">
           <p:sp>
             <p:nvSpPr>
               <p:cNvPr id="19" name="ZoneTexte 18">
@@ -7728,7 +8232,7 @@
             </p:txBody>
           </p:sp>
         </mc:Choice>
-        <mc:Fallback>
+        <mc:Fallback xmlns="">
           <p:sp>
             <p:nvSpPr>
               <p:cNvPr id="19" name="ZoneTexte 18">
@@ -8141,8 +8645,8 @@
           </a:fontRef>
         </p:style>
       </p:cxnSp>
-      <mc:AlternateContent xmlns:mc="http://schemas.openxmlformats.org/markup-compatibility/2006">
-        <mc:Choice xmlns:a14="http://schemas.microsoft.com/office/drawing/2010/main" Requires="a14">
+      <mc:AlternateContent xmlns:mc="http://schemas.openxmlformats.org/markup-compatibility/2006" xmlns:a14="http://schemas.microsoft.com/office/drawing/2010/main">
+        <mc:Choice Requires="a14">
           <p:sp>
             <p:nvSpPr>
               <p:cNvPr id="37" name="ZoneTexte 36">
@@ -8192,7 +8696,7 @@
             </p:txBody>
           </p:sp>
         </mc:Choice>
-        <mc:Fallback>
+        <mc:Fallback xmlns="">
           <p:sp>
             <p:nvSpPr>
               <p:cNvPr id="37" name="ZoneTexte 36">
@@ -8237,8 +8741,8 @@
           </p:sp>
         </mc:Fallback>
       </mc:AlternateContent>
-      <mc:AlternateContent xmlns:mc="http://schemas.openxmlformats.org/markup-compatibility/2006">
-        <mc:Choice xmlns:a14="http://schemas.microsoft.com/office/drawing/2010/main" Requires="a14">
+      <mc:AlternateContent xmlns:mc="http://schemas.openxmlformats.org/markup-compatibility/2006" xmlns:a14="http://schemas.microsoft.com/office/drawing/2010/main">
+        <mc:Choice Requires="a14">
           <p:sp>
             <p:nvSpPr>
               <p:cNvPr id="38" name="ZoneTexte 37">
@@ -8288,7 +8792,7 @@
             </p:txBody>
           </p:sp>
         </mc:Choice>
-        <mc:Fallback>
+        <mc:Fallback xmlns="">
           <p:sp>
             <p:nvSpPr>
               <p:cNvPr id="38" name="ZoneTexte 37">
@@ -8333,8 +8837,8 @@
           </p:sp>
         </mc:Fallback>
       </mc:AlternateContent>
-      <mc:AlternateContent xmlns:mc="http://schemas.openxmlformats.org/markup-compatibility/2006">
-        <mc:Choice xmlns:a14="http://schemas.microsoft.com/office/drawing/2010/main" Requires="a14">
+      <mc:AlternateContent xmlns:mc="http://schemas.openxmlformats.org/markup-compatibility/2006" xmlns:a14="http://schemas.microsoft.com/office/drawing/2010/main">
+        <mc:Choice Requires="a14">
           <p:sp>
             <p:nvSpPr>
               <p:cNvPr id="39" name="ZoneTexte 38">
@@ -8384,7 +8888,7 @@
             </p:txBody>
           </p:sp>
         </mc:Choice>
-        <mc:Fallback>
+        <mc:Fallback xmlns="">
           <p:sp>
             <p:nvSpPr>
               <p:cNvPr id="39" name="ZoneTexte 38">
@@ -8429,8 +8933,8 @@
           </p:sp>
         </mc:Fallback>
       </mc:AlternateContent>
-      <mc:AlternateContent xmlns:mc="http://schemas.openxmlformats.org/markup-compatibility/2006">
-        <mc:Choice xmlns:a14="http://schemas.microsoft.com/office/drawing/2010/main" Requires="a14">
+      <mc:AlternateContent xmlns:mc="http://schemas.openxmlformats.org/markup-compatibility/2006" xmlns:a14="http://schemas.microsoft.com/office/drawing/2010/main">
+        <mc:Choice Requires="a14">
           <p:sp>
             <p:nvSpPr>
               <p:cNvPr id="40" name="ZoneTexte 39">
@@ -8480,7 +8984,7 @@
             </p:txBody>
           </p:sp>
         </mc:Choice>
-        <mc:Fallback>
+        <mc:Fallback xmlns="">
           <p:sp>
             <p:nvSpPr>
               <p:cNvPr id="40" name="ZoneTexte 39">
@@ -8574,8 +9078,8 @@
           </a:fontRef>
         </p:style>
       </p:cxnSp>
-      <mc:AlternateContent xmlns:mc="http://schemas.openxmlformats.org/markup-compatibility/2006">
-        <mc:Choice xmlns:a14="http://schemas.microsoft.com/office/drawing/2010/main" Requires="a14">
+      <mc:AlternateContent xmlns:mc="http://schemas.openxmlformats.org/markup-compatibility/2006" xmlns:a14="http://schemas.microsoft.com/office/drawing/2010/main">
+        <mc:Choice Requires="a14">
           <p:sp>
             <p:nvSpPr>
               <p:cNvPr id="26" name="ZoneTexte 25">
@@ -8644,7 +9148,7 @@
             </p:txBody>
           </p:sp>
         </mc:Choice>
-        <mc:Fallback>
+        <mc:Fallback xmlns="">
           <p:sp>
             <p:nvSpPr>
               <p:cNvPr id="26" name="ZoneTexte 25">
@@ -8738,8 +9242,8 @@
           </a:fontRef>
         </p:style>
       </p:cxnSp>
-      <mc:AlternateContent xmlns:mc="http://schemas.openxmlformats.org/markup-compatibility/2006">
-        <mc:Choice xmlns:a14="http://schemas.microsoft.com/office/drawing/2010/main" Requires="a14">
+      <mc:AlternateContent xmlns:mc="http://schemas.openxmlformats.org/markup-compatibility/2006" xmlns:a14="http://schemas.microsoft.com/office/drawing/2010/main">
+        <mc:Choice Requires="a14">
           <p:sp>
             <p:nvSpPr>
               <p:cNvPr id="31" name="ZoneTexte 30">
@@ -8808,7 +9312,7 @@
             </p:txBody>
           </p:sp>
         </mc:Choice>
-        <mc:Fallback>
+        <mc:Fallback xmlns="">
           <p:sp>
             <p:nvSpPr>
               <p:cNvPr id="31" name="ZoneTexte 30">
@@ -8902,8 +9406,8 @@
           </a:fontRef>
         </p:style>
       </p:cxnSp>
-      <mc:AlternateContent xmlns:mc="http://schemas.openxmlformats.org/markup-compatibility/2006">
-        <mc:Choice xmlns:a14="http://schemas.microsoft.com/office/drawing/2010/main" Requires="a14">
+      <mc:AlternateContent xmlns:mc="http://schemas.openxmlformats.org/markup-compatibility/2006" xmlns:a14="http://schemas.microsoft.com/office/drawing/2010/main">
+        <mc:Choice Requires="a14">
           <p:sp>
             <p:nvSpPr>
               <p:cNvPr id="33" name="ZoneTexte 32">
@@ -8972,7 +9476,7 @@
             </p:txBody>
           </p:sp>
         </mc:Choice>
-        <mc:Fallback>
+        <mc:Fallback xmlns="">
           <p:sp>
             <p:nvSpPr>
               <p:cNvPr id="33" name="ZoneTexte 32">
@@ -9117,8 +9621,8 @@
           </a:p>
         </p:txBody>
       </p:sp>
-      <mc:AlternateContent xmlns:mc="http://schemas.openxmlformats.org/markup-compatibility/2006">
-        <mc:Choice xmlns:a14="http://schemas.microsoft.com/office/drawing/2010/main" Requires="a14">
+      <mc:AlternateContent xmlns:mc="http://schemas.openxmlformats.org/markup-compatibility/2006" xmlns:a14="http://schemas.microsoft.com/office/drawing/2010/main">
+        <mc:Choice Requires="a14">
           <p:sp>
             <p:nvSpPr>
               <p:cNvPr id="42" name="ZoneTexte 41">
@@ -9187,7 +9691,7 @@
             </p:txBody>
           </p:sp>
         </mc:Choice>
-        <mc:Fallback>
+        <mc:Fallback xmlns="">
           <p:sp>
             <p:nvSpPr>
               <p:cNvPr id="42" name="ZoneTexte 41">
@@ -9232,8 +9736,8 @@
           </p:sp>
         </mc:Fallback>
       </mc:AlternateContent>
-      <mc:AlternateContent xmlns:mc="http://schemas.openxmlformats.org/markup-compatibility/2006">
-        <mc:Choice xmlns:a14="http://schemas.microsoft.com/office/drawing/2010/main" Requires="a14">
+      <mc:AlternateContent xmlns:mc="http://schemas.openxmlformats.org/markup-compatibility/2006" xmlns:a14="http://schemas.microsoft.com/office/drawing/2010/main">
+        <mc:Choice Requires="a14">
           <p:sp>
             <p:nvSpPr>
               <p:cNvPr id="43" name="Ellipse 42">
@@ -9310,7 +9814,7 @@
             </p:txBody>
           </p:sp>
         </mc:Choice>
-        <mc:Fallback>
+        <mc:Fallback xmlns="">
           <p:sp>
             <p:nvSpPr>
               <p:cNvPr id="43" name="Ellipse 42">
@@ -9360,8 +9864,8 @@
           </p:sp>
         </mc:Fallback>
       </mc:AlternateContent>
-      <mc:AlternateContent xmlns:mc="http://schemas.openxmlformats.org/markup-compatibility/2006">
-        <mc:Choice xmlns:a14="http://schemas.microsoft.com/office/drawing/2010/main" Requires="a14">
+      <mc:AlternateContent xmlns:mc="http://schemas.openxmlformats.org/markup-compatibility/2006" xmlns:a14="http://schemas.microsoft.com/office/drawing/2010/main">
+        <mc:Choice Requires="a14">
           <p:sp>
             <p:nvSpPr>
               <p:cNvPr id="44" name="Ellipse 43">
@@ -9438,7 +9942,7 @@
             </p:txBody>
           </p:sp>
         </mc:Choice>
-        <mc:Fallback>
+        <mc:Fallback xmlns="">
           <p:sp>
             <p:nvSpPr>
               <p:cNvPr id="44" name="Ellipse 43">
@@ -9989,8 +10493,8 @@
           </a:fontRef>
         </p:style>
       </p:cxnSp>
-      <mc:AlternateContent xmlns:mc="http://schemas.openxmlformats.org/markup-compatibility/2006">
-        <mc:Choice xmlns:a14="http://schemas.microsoft.com/office/drawing/2010/main" Requires="a14">
+      <mc:AlternateContent xmlns:mc="http://schemas.openxmlformats.org/markup-compatibility/2006" xmlns:a14="http://schemas.microsoft.com/office/drawing/2010/main">
+        <mc:Choice Requires="a14">
           <p:sp>
             <p:nvSpPr>
               <p:cNvPr id="17" name="ZoneTexte 16">
@@ -10086,7 +10590,7 @@
             </p:txBody>
           </p:sp>
         </mc:Choice>
-        <mc:Fallback>
+        <mc:Fallback xmlns="">
           <p:sp>
             <p:nvSpPr>
               <p:cNvPr id="17" name="ZoneTexte 16">
@@ -10131,8 +10635,8 @@
           </p:sp>
         </mc:Fallback>
       </mc:AlternateContent>
-      <mc:AlternateContent xmlns:mc="http://schemas.openxmlformats.org/markup-compatibility/2006">
-        <mc:Choice xmlns:a14="http://schemas.microsoft.com/office/drawing/2010/main" Requires="a14">
+      <mc:AlternateContent xmlns:mc="http://schemas.openxmlformats.org/markup-compatibility/2006" xmlns:a14="http://schemas.microsoft.com/office/drawing/2010/main">
+        <mc:Choice Requires="a14">
           <p:sp>
             <p:nvSpPr>
               <p:cNvPr id="19" name="ZoneTexte 18">
@@ -10228,7 +10732,7 @@
             </p:txBody>
           </p:sp>
         </mc:Choice>
-        <mc:Fallback>
+        <mc:Fallback xmlns="">
           <p:sp>
             <p:nvSpPr>
               <p:cNvPr id="19" name="ZoneTexte 18">
@@ -10641,8 +11145,8 @@
           </a:fontRef>
         </p:style>
       </p:cxnSp>
-      <mc:AlternateContent xmlns:mc="http://schemas.openxmlformats.org/markup-compatibility/2006">
-        <mc:Choice xmlns:a14="http://schemas.microsoft.com/office/drawing/2010/main" Requires="a14">
+      <mc:AlternateContent xmlns:mc="http://schemas.openxmlformats.org/markup-compatibility/2006" xmlns:a14="http://schemas.microsoft.com/office/drawing/2010/main">
+        <mc:Choice Requires="a14">
           <p:sp>
             <p:nvSpPr>
               <p:cNvPr id="37" name="ZoneTexte 36">
@@ -10692,7 +11196,7 @@
             </p:txBody>
           </p:sp>
         </mc:Choice>
-        <mc:Fallback>
+        <mc:Fallback xmlns="">
           <p:sp>
             <p:nvSpPr>
               <p:cNvPr id="37" name="ZoneTexte 36">
@@ -10737,8 +11241,8 @@
           </p:sp>
         </mc:Fallback>
       </mc:AlternateContent>
-      <mc:AlternateContent xmlns:mc="http://schemas.openxmlformats.org/markup-compatibility/2006">
-        <mc:Choice xmlns:a14="http://schemas.microsoft.com/office/drawing/2010/main" Requires="a14">
+      <mc:AlternateContent xmlns:mc="http://schemas.openxmlformats.org/markup-compatibility/2006" xmlns:a14="http://schemas.microsoft.com/office/drawing/2010/main">
+        <mc:Choice Requires="a14">
           <p:sp>
             <p:nvSpPr>
               <p:cNvPr id="38" name="ZoneTexte 37">
@@ -10788,7 +11292,7 @@
             </p:txBody>
           </p:sp>
         </mc:Choice>
-        <mc:Fallback>
+        <mc:Fallback xmlns="">
           <p:sp>
             <p:nvSpPr>
               <p:cNvPr id="38" name="ZoneTexte 37">
@@ -10833,8 +11337,8 @@
           </p:sp>
         </mc:Fallback>
       </mc:AlternateContent>
-      <mc:AlternateContent xmlns:mc="http://schemas.openxmlformats.org/markup-compatibility/2006">
-        <mc:Choice xmlns:a14="http://schemas.microsoft.com/office/drawing/2010/main" Requires="a14">
+      <mc:AlternateContent xmlns:mc="http://schemas.openxmlformats.org/markup-compatibility/2006" xmlns:a14="http://schemas.microsoft.com/office/drawing/2010/main">
+        <mc:Choice Requires="a14">
           <p:sp>
             <p:nvSpPr>
               <p:cNvPr id="39" name="ZoneTexte 38">
@@ -10884,7 +11388,7 @@
             </p:txBody>
           </p:sp>
         </mc:Choice>
-        <mc:Fallback>
+        <mc:Fallback xmlns="">
           <p:sp>
             <p:nvSpPr>
               <p:cNvPr id="39" name="ZoneTexte 38">
@@ -10929,8 +11433,8 @@
           </p:sp>
         </mc:Fallback>
       </mc:AlternateContent>
-      <mc:AlternateContent xmlns:mc="http://schemas.openxmlformats.org/markup-compatibility/2006">
-        <mc:Choice xmlns:a14="http://schemas.microsoft.com/office/drawing/2010/main" Requires="a14">
+      <mc:AlternateContent xmlns:mc="http://schemas.openxmlformats.org/markup-compatibility/2006" xmlns:a14="http://schemas.microsoft.com/office/drawing/2010/main">
+        <mc:Choice Requires="a14">
           <p:sp>
             <p:nvSpPr>
               <p:cNvPr id="40" name="ZoneTexte 39">
@@ -10980,7 +11484,7 @@
             </p:txBody>
           </p:sp>
         </mc:Choice>
-        <mc:Fallback>
+        <mc:Fallback xmlns="">
           <p:sp>
             <p:nvSpPr>
               <p:cNvPr id="40" name="ZoneTexte 39">
@@ -11074,8 +11578,8 @@
           </a:fontRef>
         </p:style>
       </p:cxnSp>
-      <mc:AlternateContent xmlns:mc="http://schemas.openxmlformats.org/markup-compatibility/2006">
-        <mc:Choice xmlns:a14="http://schemas.microsoft.com/office/drawing/2010/main" Requires="a14">
+      <mc:AlternateContent xmlns:mc="http://schemas.openxmlformats.org/markup-compatibility/2006" xmlns:a14="http://schemas.microsoft.com/office/drawing/2010/main">
+        <mc:Choice Requires="a14">
           <p:sp>
             <p:nvSpPr>
               <p:cNvPr id="26" name="ZoneTexte 25">
@@ -11144,7 +11648,7 @@
             </p:txBody>
           </p:sp>
         </mc:Choice>
-        <mc:Fallback>
+        <mc:Fallback xmlns="">
           <p:sp>
             <p:nvSpPr>
               <p:cNvPr id="26" name="ZoneTexte 25">
@@ -11238,8 +11742,8 @@
           </a:fontRef>
         </p:style>
       </p:cxnSp>
-      <mc:AlternateContent xmlns:mc="http://schemas.openxmlformats.org/markup-compatibility/2006">
-        <mc:Choice xmlns:a14="http://schemas.microsoft.com/office/drawing/2010/main" Requires="a14">
+      <mc:AlternateContent xmlns:mc="http://schemas.openxmlformats.org/markup-compatibility/2006" xmlns:a14="http://schemas.microsoft.com/office/drawing/2010/main">
+        <mc:Choice Requires="a14">
           <p:sp>
             <p:nvSpPr>
               <p:cNvPr id="31" name="ZoneTexte 30">
@@ -11308,7 +11812,7 @@
             </p:txBody>
           </p:sp>
         </mc:Choice>
-        <mc:Fallback>
+        <mc:Fallback xmlns="">
           <p:sp>
             <p:nvSpPr>
               <p:cNvPr id="31" name="ZoneTexte 30">
@@ -11402,8 +11906,8 @@
           </a:fontRef>
         </p:style>
       </p:cxnSp>
-      <mc:AlternateContent xmlns:mc="http://schemas.openxmlformats.org/markup-compatibility/2006">
-        <mc:Choice xmlns:a14="http://schemas.microsoft.com/office/drawing/2010/main" Requires="a14">
+      <mc:AlternateContent xmlns:mc="http://schemas.openxmlformats.org/markup-compatibility/2006" xmlns:a14="http://schemas.microsoft.com/office/drawing/2010/main">
+        <mc:Choice Requires="a14">
           <p:sp>
             <p:nvSpPr>
               <p:cNvPr id="33" name="ZoneTexte 32">
@@ -11472,7 +11976,7 @@
             </p:txBody>
           </p:sp>
         </mc:Choice>
-        <mc:Fallback>
+        <mc:Fallback xmlns="">
           <p:sp>
             <p:nvSpPr>
               <p:cNvPr id="33" name="ZoneTexte 32">
@@ -11617,8 +12121,8 @@
           </a:p>
         </p:txBody>
       </p:sp>
-      <mc:AlternateContent xmlns:mc="http://schemas.openxmlformats.org/markup-compatibility/2006">
-        <mc:Choice xmlns:a14="http://schemas.microsoft.com/office/drawing/2010/main" Requires="a14">
+      <mc:AlternateContent xmlns:mc="http://schemas.openxmlformats.org/markup-compatibility/2006" xmlns:a14="http://schemas.microsoft.com/office/drawing/2010/main">
+        <mc:Choice Requires="a14">
           <p:sp>
             <p:nvSpPr>
               <p:cNvPr id="42" name="ZoneTexte 41">
@@ -11687,7 +12191,7 @@
             </p:txBody>
           </p:sp>
         </mc:Choice>
-        <mc:Fallback>
+        <mc:Fallback xmlns="">
           <p:sp>
             <p:nvSpPr>
               <p:cNvPr id="42" name="ZoneTexte 41">
@@ -11732,8 +12236,8 @@
           </p:sp>
         </mc:Fallback>
       </mc:AlternateContent>
-      <mc:AlternateContent xmlns:mc="http://schemas.openxmlformats.org/markup-compatibility/2006">
-        <mc:Choice xmlns:a14="http://schemas.microsoft.com/office/drawing/2010/main" Requires="a14">
+      <mc:AlternateContent xmlns:mc="http://schemas.openxmlformats.org/markup-compatibility/2006" xmlns:a14="http://schemas.microsoft.com/office/drawing/2010/main">
+        <mc:Choice Requires="a14">
           <p:sp>
             <p:nvSpPr>
               <p:cNvPr id="43" name="Ellipse 42">
@@ -11810,7 +12314,7 @@
             </p:txBody>
           </p:sp>
         </mc:Choice>
-        <mc:Fallback>
+        <mc:Fallback xmlns="">
           <p:sp>
             <p:nvSpPr>
               <p:cNvPr id="43" name="Ellipse 42">
@@ -11860,8 +12364,8 @@
           </p:sp>
         </mc:Fallback>
       </mc:AlternateContent>
-      <mc:AlternateContent xmlns:mc="http://schemas.openxmlformats.org/markup-compatibility/2006">
-        <mc:Choice xmlns:a14="http://schemas.microsoft.com/office/drawing/2010/main" Requires="a14">
+      <mc:AlternateContent xmlns:mc="http://schemas.openxmlformats.org/markup-compatibility/2006" xmlns:a14="http://schemas.microsoft.com/office/drawing/2010/main">
+        <mc:Choice Requires="a14">
           <p:sp>
             <p:nvSpPr>
               <p:cNvPr id="44" name="Ellipse 43">
@@ -11938,7 +12442,7 @@
             </p:txBody>
           </p:sp>
         </mc:Choice>
-        <mc:Fallback>
+        <mc:Fallback xmlns="">
           <p:sp>
             <p:nvSpPr>
               <p:cNvPr id="44" name="Ellipse 43">
@@ -12654,8 +13158,8 @@
           </a:fontRef>
         </p:style>
       </p:cxnSp>
-      <mc:AlternateContent xmlns:mc="http://schemas.openxmlformats.org/markup-compatibility/2006">
-        <mc:Choice xmlns:a14="http://schemas.microsoft.com/office/drawing/2010/main" Requires="a14">
+      <mc:AlternateContent xmlns:mc="http://schemas.openxmlformats.org/markup-compatibility/2006" xmlns:a14="http://schemas.microsoft.com/office/drawing/2010/main">
+        <mc:Choice Requires="a14">
           <p:sp>
             <p:nvSpPr>
               <p:cNvPr id="17" name="ZoneTexte 16">
@@ -12751,7 +13255,7 @@
             </p:txBody>
           </p:sp>
         </mc:Choice>
-        <mc:Fallback>
+        <mc:Fallback xmlns="">
           <p:sp>
             <p:nvSpPr>
               <p:cNvPr id="17" name="ZoneTexte 16">
@@ -12796,8 +13300,8 @@
           </p:sp>
         </mc:Fallback>
       </mc:AlternateContent>
-      <mc:AlternateContent xmlns:mc="http://schemas.openxmlformats.org/markup-compatibility/2006">
-        <mc:Choice xmlns:a14="http://schemas.microsoft.com/office/drawing/2010/main" Requires="a14">
+      <mc:AlternateContent xmlns:mc="http://schemas.openxmlformats.org/markup-compatibility/2006" xmlns:a14="http://schemas.microsoft.com/office/drawing/2010/main">
+        <mc:Choice Requires="a14">
           <p:sp>
             <p:nvSpPr>
               <p:cNvPr id="19" name="ZoneTexte 18">
@@ -12893,7 +13397,7 @@
             </p:txBody>
           </p:sp>
         </mc:Choice>
-        <mc:Fallback>
+        <mc:Fallback xmlns="">
           <p:sp>
             <p:nvSpPr>
               <p:cNvPr id="19" name="ZoneTexte 18">
@@ -13306,8 +13810,8 @@
           </a:fontRef>
         </p:style>
       </p:cxnSp>
-      <mc:AlternateContent xmlns:mc="http://schemas.openxmlformats.org/markup-compatibility/2006">
-        <mc:Choice xmlns:a14="http://schemas.microsoft.com/office/drawing/2010/main" Requires="a14">
+      <mc:AlternateContent xmlns:mc="http://schemas.openxmlformats.org/markup-compatibility/2006" xmlns:a14="http://schemas.microsoft.com/office/drawing/2010/main">
+        <mc:Choice Requires="a14">
           <p:sp>
             <p:nvSpPr>
               <p:cNvPr id="37" name="ZoneTexte 36">
@@ -13357,7 +13861,7 @@
             </p:txBody>
           </p:sp>
         </mc:Choice>
-        <mc:Fallback>
+        <mc:Fallback xmlns="">
           <p:sp>
             <p:nvSpPr>
               <p:cNvPr id="37" name="ZoneTexte 36">
@@ -13402,8 +13906,8 @@
           </p:sp>
         </mc:Fallback>
       </mc:AlternateContent>
-      <mc:AlternateContent xmlns:mc="http://schemas.openxmlformats.org/markup-compatibility/2006">
-        <mc:Choice xmlns:a14="http://schemas.microsoft.com/office/drawing/2010/main" Requires="a14">
+      <mc:AlternateContent xmlns:mc="http://schemas.openxmlformats.org/markup-compatibility/2006" xmlns:a14="http://schemas.microsoft.com/office/drawing/2010/main">
+        <mc:Choice Requires="a14">
           <p:sp>
             <p:nvSpPr>
               <p:cNvPr id="38" name="ZoneTexte 37">
@@ -13453,7 +13957,7 @@
             </p:txBody>
           </p:sp>
         </mc:Choice>
-        <mc:Fallback>
+        <mc:Fallback xmlns="">
           <p:sp>
             <p:nvSpPr>
               <p:cNvPr id="38" name="ZoneTexte 37">
@@ -13498,8 +14002,8 @@
           </p:sp>
         </mc:Fallback>
       </mc:AlternateContent>
-      <mc:AlternateContent xmlns:mc="http://schemas.openxmlformats.org/markup-compatibility/2006">
-        <mc:Choice xmlns:a14="http://schemas.microsoft.com/office/drawing/2010/main" Requires="a14">
+      <mc:AlternateContent xmlns:mc="http://schemas.openxmlformats.org/markup-compatibility/2006" xmlns:a14="http://schemas.microsoft.com/office/drawing/2010/main">
+        <mc:Choice Requires="a14">
           <p:sp>
             <p:nvSpPr>
               <p:cNvPr id="39" name="ZoneTexte 38">
@@ -13549,7 +14053,7 @@
             </p:txBody>
           </p:sp>
         </mc:Choice>
-        <mc:Fallback>
+        <mc:Fallback xmlns="">
           <p:sp>
             <p:nvSpPr>
               <p:cNvPr id="39" name="ZoneTexte 38">
@@ -13594,8 +14098,8 @@
           </p:sp>
         </mc:Fallback>
       </mc:AlternateContent>
-      <mc:AlternateContent xmlns:mc="http://schemas.openxmlformats.org/markup-compatibility/2006">
-        <mc:Choice xmlns:a14="http://schemas.microsoft.com/office/drawing/2010/main" Requires="a14">
+      <mc:AlternateContent xmlns:mc="http://schemas.openxmlformats.org/markup-compatibility/2006" xmlns:a14="http://schemas.microsoft.com/office/drawing/2010/main">
+        <mc:Choice Requires="a14">
           <p:sp>
             <p:nvSpPr>
               <p:cNvPr id="40" name="ZoneTexte 39">
@@ -13645,7 +14149,7 @@
             </p:txBody>
           </p:sp>
         </mc:Choice>
-        <mc:Fallback>
+        <mc:Fallback xmlns="">
           <p:sp>
             <p:nvSpPr>
               <p:cNvPr id="40" name="ZoneTexte 39">
@@ -13739,8 +14243,8 @@
           </a:fontRef>
         </p:style>
       </p:cxnSp>
-      <mc:AlternateContent xmlns:mc="http://schemas.openxmlformats.org/markup-compatibility/2006">
-        <mc:Choice xmlns:a14="http://schemas.microsoft.com/office/drawing/2010/main" Requires="a14">
+      <mc:AlternateContent xmlns:mc="http://schemas.openxmlformats.org/markup-compatibility/2006" xmlns:a14="http://schemas.microsoft.com/office/drawing/2010/main">
+        <mc:Choice Requires="a14">
           <p:sp>
             <p:nvSpPr>
               <p:cNvPr id="26" name="ZoneTexte 25">
@@ -13809,7 +14313,7 @@
             </p:txBody>
           </p:sp>
         </mc:Choice>
-        <mc:Fallback>
+        <mc:Fallback xmlns="">
           <p:sp>
             <p:nvSpPr>
               <p:cNvPr id="26" name="ZoneTexte 25">
@@ -13903,8 +14407,8 @@
           </a:fontRef>
         </p:style>
       </p:cxnSp>
-      <mc:AlternateContent xmlns:mc="http://schemas.openxmlformats.org/markup-compatibility/2006">
-        <mc:Choice xmlns:a14="http://schemas.microsoft.com/office/drawing/2010/main" Requires="a14">
+      <mc:AlternateContent xmlns:mc="http://schemas.openxmlformats.org/markup-compatibility/2006" xmlns:a14="http://schemas.microsoft.com/office/drawing/2010/main">
+        <mc:Choice Requires="a14">
           <p:sp>
             <p:nvSpPr>
               <p:cNvPr id="31" name="ZoneTexte 30">
@@ -13973,7 +14477,7 @@
             </p:txBody>
           </p:sp>
         </mc:Choice>
-        <mc:Fallback>
+        <mc:Fallback xmlns="">
           <p:sp>
             <p:nvSpPr>
               <p:cNvPr id="31" name="ZoneTexte 30">
@@ -14067,8 +14571,8 @@
           </a:fontRef>
         </p:style>
       </p:cxnSp>
-      <mc:AlternateContent xmlns:mc="http://schemas.openxmlformats.org/markup-compatibility/2006">
-        <mc:Choice xmlns:a14="http://schemas.microsoft.com/office/drawing/2010/main" Requires="a14">
+      <mc:AlternateContent xmlns:mc="http://schemas.openxmlformats.org/markup-compatibility/2006" xmlns:a14="http://schemas.microsoft.com/office/drawing/2010/main">
+        <mc:Choice Requires="a14">
           <p:sp>
             <p:nvSpPr>
               <p:cNvPr id="33" name="ZoneTexte 32">
@@ -14137,7 +14641,7 @@
             </p:txBody>
           </p:sp>
         </mc:Choice>
-        <mc:Fallback>
+        <mc:Fallback xmlns="">
           <p:sp>
             <p:nvSpPr>
               <p:cNvPr id="33" name="ZoneTexte 32">
@@ -14282,8 +14786,8 @@
           </a:p>
         </p:txBody>
       </p:sp>
-      <mc:AlternateContent xmlns:mc="http://schemas.openxmlformats.org/markup-compatibility/2006">
-        <mc:Choice xmlns:a14="http://schemas.microsoft.com/office/drawing/2010/main" Requires="a14">
+      <mc:AlternateContent xmlns:mc="http://schemas.openxmlformats.org/markup-compatibility/2006" xmlns:a14="http://schemas.microsoft.com/office/drawing/2010/main">
+        <mc:Choice Requires="a14">
           <p:sp>
             <p:nvSpPr>
               <p:cNvPr id="42" name="ZoneTexte 41">
@@ -14352,7 +14856,7 @@
             </p:txBody>
           </p:sp>
         </mc:Choice>
-        <mc:Fallback>
+        <mc:Fallback xmlns="">
           <p:sp>
             <p:nvSpPr>
               <p:cNvPr id="42" name="ZoneTexte 41">
@@ -14397,8 +14901,8 @@
           </p:sp>
         </mc:Fallback>
       </mc:AlternateContent>
-      <mc:AlternateContent xmlns:mc="http://schemas.openxmlformats.org/markup-compatibility/2006">
-        <mc:Choice xmlns:a14="http://schemas.microsoft.com/office/drawing/2010/main" Requires="a14">
+      <mc:AlternateContent xmlns:mc="http://schemas.openxmlformats.org/markup-compatibility/2006" xmlns:a14="http://schemas.microsoft.com/office/drawing/2010/main">
+        <mc:Choice Requires="a14">
           <p:sp>
             <p:nvSpPr>
               <p:cNvPr id="43" name="Ellipse 42">
@@ -14475,7 +14979,7 @@
             </p:txBody>
           </p:sp>
         </mc:Choice>
-        <mc:Fallback>
+        <mc:Fallback xmlns="">
           <p:sp>
             <p:nvSpPr>
               <p:cNvPr id="43" name="Ellipse 42">
@@ -14525,8 +15029,8 @@
           </p:sp>
         </mc:Fallback>
       </mc:AlternateContent>
-      <mc:AlternateContent xmlns:mc="http://schemas.openxmlformats.org/markup-compatibility/2006">
-        <mc:Choice xmlns:a14="http://schemas.microsoft.com/office/drawing/2010/main" Requires="a14">
+      <mc:AlternateContent xmlns:mc="http://schemas.openxmlformats.org/markup-compatibility/2006" xmlns:a14="http://schemas.microsoft.com/office/drawing/2010/main">
+        <mc:Choice Requires="a14">
           <p:sp>
             <p:nvSpPr>
               <p:cNvPr id="44" name="Ellipse 43">
@@ -14603,7 +15107,7 @@
             </p:txBody>
           </p:sp>
         </mc:Choice>
-        <mc:Fallback>
+        <mc:Fallback xmlns="">
           <p:sp>
             <p:nvSpPr>
               <p:cNvPr id="44" name="Ellipse 43">
@@ -15014,8 +15518,8 @@
           </a:fontRef>
         </p:style>
       </p:cxnSp>
-      <mc:AlternateContent xmlns:mc="http://schemas.openxmlformats.org/markup-compatibility/2006">
-        <mc:Choice xmlns:a14="http://schemas.microsoft.com/office/drawing/2010/main" Requires="a14">
+      <mc:AlternateContent xmlns:mc="http://schemas.openxmlformats.org/markup-compatibility/2006" xmlns:a14="http://schemas.microsoft.com/office/drawing/2010/main">
+        <mc:Choice Requires="a14">
           <p:sp>
             <p:nvSpPr>
               <p:cNvPr id="65" name="ZoneTexte 64">
@@ -15074,7 +15578,7 @@
             </p:txBody>
           </p:sp>
         </mc:Choice>
-        <mc:Fallback>
+        <mc:Fallback xmlns="">
           <p:sp>
             <p:nvSpPr>
               <p:cNvPr id="65" name="ZoneTexte 64">
@@ -15119,8 +15623,8 @@
           </p:sp>
         </mc:Fallback>
       </mc:AlternateContent>
-      <mc:AlternateContent xmlns:mc="http://schemas.openxmlformats.org/markup-compatibility/2006">
-        <mc:Choice xmlns:a14="http://schemas.microsoft.com/office/drawing/2010/main" Requires="a14">
+      <mc:AlternateContent xmlns:mc="http://schemas.openxmlformats.org/markup-compatibility/2006" xmlns:a14="http://schemas.microsoft.com/office/drawing/2010/main">
+        <mc:Choice Requires="a14">
           <p:sp>
             <p:nvSpPr>
               <p:cNvPr id="66" name="ZoneTexte 65">
@@ -15189,7 +15693,7 @@
             </p:txBody>
           </p:sp>
         </mc:Choice>
-        <mc:Fallback>
+        <mc:Fallback xmlns="">
           <p:sp>
             <p:nvSpPr>
               <p:cNvPr id="66" name="ZoneTexte 65">
@@ -15234,8 +15738,8 @@
           </p:sp>
         </mc:Fallback>
       </mc:AlternateContent>
-      <mc:AlternateContent xmlns:mc="http://schemas.openxmlformats.org/markup-compatibility/2006">
-        <mc:Choice xmlns:a14="http://schemas.microsoft.com/office/drawing/2010/main" Requires="a14">
+      <mc:AlternateContent xmlns:mc="http://schemas.openxmlformats.org/markup-compatibility/2006" xmlns:a14="http://schemas.microsoft.com/office/drawing/2010/main">
+        <mc:Choice Requires="a14">
           <p:sp>
             <p:nvSpPr>
               <p:cNvPr id="67" name="ZoneTexte 66">
@@ -15304,7 +15808,7 @@
             </p:txBody>
           </p:sp>
         </mc:Choice>
-        <mc:Fallback>
+        <mc:Fallback xmlns="">
           <p:sp>
             <p:nvSpPr>
               <p:cNvPr id="67" name="ZoneTexte 66">

--- a/2022/Exemple/FichiersProf/Corrigé LaTeX/images/Figures.pptx
+++ b/2022/Exemple/FichiersProf/Corrigé LaTeX/images/Figures.pptx
@@ -6,11 +6,15 @@
   </p:sldMasterIdLst>
   <p:sldIdLst>
     <p:sldId id="256" r:id="rId2"/>
-    <p:sldId id="257" r:id="rId3"/>
-    <p:sldId id="261" r:id="rId4"/>
-    <p:sldId id="262" r:id="rId5"/>
-    <p:sldId id="263" r:id="rId6"/>
-    <p:sldId id="264" r:id="rId7"/>
+    <p:sldId id="265" r:id="rId3"/>
+    <p:sldId id="257" r:id="rId4"/>
+    <p:sldId id="266" r:id="rId5"/>
+    <p:sldId id="267" r:id="rId6"/>
+    <p:sldId id="268" r:id="rId7"/>
+    <p:sldId id="261" r:id="rId8"/>
+    <p:sldId id="262" r:id="rId9"/>
+    <p:sldId id="263" r:id="rId10"/>
+    <p:sldId id="264" r:id="rId11"/>
   </p:sldIdLst>
   <p:sldSz cx="12192000" cy="6858000"/>
   <p:notesSz cx="6858000" cy="9144000"/>
@@ -3899,7 +3903,7 @@
         </p:nvSpPr>
         <p:spPr>
           <a:xfrm>
-            <a:off x="3413191" y="4733525"/>
+            <a:off x="3368981" y="4767457"/>
             <a:ext cx="578685" cy="430887"/>
           </a:xfrm>
           <a:prstGeom prst="rect">
@@ -3939,7 +3943,3668 @@
 </p:sld>
 </file>
 
+<file path=ppt/slides/slide10.xml><?xml version="1.0" encoding="utf-8"?>
+<p:sld xmlns:a="http://schemas.openxmlformats.org/drawingml/2006/main" xmlns:r="http://schemas.openxmlformats.org/officeDocument/2006/relationships" xmlns:p="http://schemas.openxmlformats.org/presentationml/2006/main">
+  <p:cSld>
+    <p:spTree>
+      <p:nvGrpSpPr>
+        <p:cNvPr id="1" name=""/>
+        <p:cNvGrpSpPr/>
+        <p:nvPr/>
+      </p:nvGrpSpPr>
+      <p:grpSpPr>
+        <a:xfrm>
+          <a:off x="0" y="0"/>
+          <a:ext cx="0" cy="0"/>
+          <a:chOff x="0" y="0"/>
+          <a:chExt cx="0" cy="0"/>
+        </a:xfrm>
+      </p:grpSpPr>
+      <p:sp>
+        <p:nvSpPr>
+          <p:cNvPr id="49" name="Triangle rectangle 48">
+            <a:extLst>
+              <a:ext uri="{FF2B5EF4-FFF2-40B4-BE49-F238E27FC236}">
+                <a16:creationId xmlns:a16="http://schemas.microsoft.com/office/drawing/2014/main" id="{38F57A9F-EBAF-C146-DE7C-54E788130FB1}"/>
+              </a:ext>
+            </a:extLst>
+          </p:cNvPr>
+          <p:cNvSpPr/>
+          <p:nvPr/>
+        </p:nvSpPr>
+        <p:spPr>
+          <a:xfrm flipH="1" flipV="1">
+            <a:off x="5751269" y="3430849"/>
+            <a:ext cx="1068684" cy="424782"/>
+          </a:xfrm>
+          <a:prstGeom prst="rtTriangle">
+            <a:avLst/>
+          </a:prstGeom>
+          <a:solidFill>
+            <a:schemeClr val="accent2">
+              <a:lumMod val="20000"/>
+              <a:lumOff val="80000"/>
+            </a:schemeClr>
+          </a:solidFill>
+          <a:ln>
+            <a:noFill/>
+          </a:ln>
+        </p:spPr>
+        <p:style>
+          <a:lnRef idx="2">
+            <a:schemeClr val="accent1">
+              <a:shade val="50000"/>
+            </a:schemeClr>
+          </a:lnRef>
+          <a:fillRef idx="1">
+            <a:schemeClr val="accent1"/>
+          </a:fillRef>
+          <a:effectRef idx="0">
+            <a:schemeClr val="accent1"/>
+          </a:effectRef>
+          <a:fontRef idx="minor">
+            <a:schemeClr val="lt1"/>
+          </a:fontRef>
+        </p:style>
+        <p:txBody>
+          <a:bodyPr rtlCol="0" anchor="ctr"/>
+          <a:lstStyle/>
+          <a:p>
+            <a:pPr algn="ctr"/>
+            <a:endParaRPr lang="fr-FR"/>
+          </a:p>
+        </p:txBody>
+      </p:sp>
+      <p:sp>
+        <p:nvSpPr>
+          <p:cNvPr id="50" name="Triangle rectangle 49">
+            <a:extLst>
+              <a:ext uri="{FF2B5EF4-FFF2-40B4-BE49-F238E27FC236}">
+                <a16:creationId xmlns:a16="http://schemas.microsoft.com/office/drawing/2014/main" id="{C7C42802-C836-6B0A-CB33-38ACECC066D7}"/>
+              </a:ext>
+            </a:extLst>
+          </p:cNvPr>
+          <p:cNvSpPr/>
+          <p:nvPr/>
+        </p:nvSpPr>
+        <p:spPr>
+          <a:xfrm>
+            <a:off x="4645647" y="2995733"/>
+            <a:ext cx="1058042" cy="443985"/>
+          </a:xfrm>
+          <a:prstGeom prst="rtTriangle">
+            <a:avLst/>
+          </a:prstGeom>
+          <a:solidFill>
+            <a:schemeClr val="accent2">
+              <a:lumMod val="20000"/>
+              <a:lumOff val="80000"/>
+            </a:schemeClr>
+          </a:solidFill>
+          <a:ln>
+            <a:noFill/>
+          </a:ln>
+        </p:spPr>
+        <p:style>
+          <a:lnRef idx="2">
+            <a:schemeClr val="accent1">
+              <a:shade val="50000"/>
+            </a:schemeClr>
+          </a:lnRef>
+          <a:fillRef idx="1">
+            <a:schemeClr val="accent1"/>
+          </a:fillRef>
+          <a:effectRef idx="0">
+            <a:schemeClr val="accent1"/>
+          </a:effectRef>
+          <a:fontRef idx="minor">
+            <a:schemeClr val="lt1"/>
+          </a:fontRef>
+        </p:style>
+        <p:txBody>
+          <a:bodyPr rtlCol="0" anchor="ctr"/>
+          <a:lstStyle/>
+          <a:p>
+            <a:pPr algn="ctr"/>
+            <a:endParaRPr lang="fr-FR"/>
+          </a:p>
+        </p:txBody>
+      </p:sp>
+      <p:sp>
+        <p:nvSpPr>
+          <p:cNvPr id="6" name="Triangle rectangle 5">
+            <a:extLst>
+              <a:ext uri="{FF2B5EF4-FFF2-40B4-BE49-F238E27FC236}">
+                <a16:creationId xmlns:a16="http://schemas.microsoft.com/office/drawing/2014/main" id="{5EC8948A-AB0B-21ED-02E1-04979AFDCCC7}"/>
+              </a:ext>
+            </a:extLst>
+          </p:cNvPr>
+          <p:cNvSpPr/>
+          <p:nvPr/>
+        </p:nvSpPr>
+        <p:spPr>
+          <a:xfrm flipH="1">
+            <a:off x="3956191" y="2985011"/>
+            <a:ext cx="689457" cy="443985"/>
+          </a:xfrm>
+          <a:prstGeom prst="rtTriangle">
+            <a:avLst/>
+          </a:prstGeom>
+          <a:solidFill>
+            <a:schemeClr val="accent2">
+              <a:lumMod val="20000"/>
+              <a:lumOff val="80000"/>
+            </a:schemeClr>
+          </a:solidFill>
+          <a:ln>
+            <a:noFill/>
+          </a:ln>
+        </p:spPr>
+        <p:style>
+          <a:lnRef idx="2">
+            <a:schemeClr val="accent1">
+              <a:shade val="50000"/>
+            </a:schemeClr>
+          </a:lnRef>
+          <a:fillRef idx="1">
+            <a:schemeClr val="accent1"/>
+          </a:fillRef>
+          <a:effectRef idx="0">
+            <a:schemeClr val="accent1"/>
+          </a:effectRef>
+          <a:fontRef idx="minor">
+            <a:schemeClr val="lt1"/>
+          </a:fontRef>
+        </p:style>
+        <p:txBody>
+          <a:bodyPr rtlCol="0" anchor="ctr"/>
+          <a:lstStyle/>
+          <a:p>
+            <a:pPr algn="ctr"/>
+            <a:endParaRPr lang="fr-FR"/>
+          </a:p>
+        </p:txBody>
+      </p:sp>
+      <p:cxnSp>
+        <p:nvCxnSpPr>
+          <p:cNvPr id="28" name="Connecteur droit 27">
+            <a:extLst>
+              <a:ext uri="{FF2B5EF4-FFF2-40B4-BE49-F238E27FC236}">
+                <a16:creationId xmlns:a16="http://schemas.microsoft.com/office/drawing/2014/main" id="{C74975E6-0C86-2C0D-1C03-38CA4DF43AE8}"/>
+              </a:ext>
+            </a:extLst>
+          </p:cNvPr>
+          <p:cNvCxnSpPr>
+            <a:cxnSpLocks/>
+          </p:cNvCxnSpPr>
+          <p:nvPr/>
+        </p:nvCxnSpPr>
+        <p:spPr>
+          <a:xfrm>
+            <a:off x="6819954" y="1989882"/>
+            <a:ext cx="720000" cy="0"/>
+          </a:xfrm>
+          <a:prstGeom prst="line">
+            <a:avLst/>
+          </a:prstGeom>
+          <a:solidFill>
+            <a:schemeClr val="bg1"/>
+          </a:solidFill>
+          <a:ln w="28575">
+            <a:solidFill>
+              <a:srgbClr val="7030A0"/>
+            </a:solidFill>
+          </a:ln>
+        </p:spPr>
+        <p:style>
+          <a:lnRef idx="2">
+            <a:schemeClr val="accent1">
+              <a:shade val="50000"/>
+            </a:schemeClr>
+          </a:lnRef>
+          <a:fillRef idx="1">
+            <a:schemeClr val="accent1"/>
+          </a:fillRef>
+          <a:effectRef idx="0">
+            <a:schemeClr val="accent1"/>
+          </a:effectRef>
+          <a:fontRef idx="minor">
+            <a:schemeClr val="lt1"/>
+          </a:fontRef>
+        </p:style>
+      </p:cxnSp>
+      <p:cxnSp>
+        <p:nvCxnSpPr>
+          <p:cNvPr id="24" name="Connecteur droit 23">
+            <a:extLst>
+              <a:ext uri="{FF2B5EF4-FFF2-40B4-BE49-F238E27FC236}">
+                <a16:creationId xmlns:a16="http://schemas.microsoft.com/office/drawing/2014/main" id="{419E6C69-F7DC-0316-44A5-385751940AED}"/>
+              </a:ext>
+            </a:extLst>
+          </p:cNvPr>
+          <p:cNvCxnSpPr>
+            <a:cxnSpLocks/>
+          </p:cNvCxnSpPr>
+          <p:nvPr/>
+        </p:nvCxnSpPr>
+        <p:spPr>
+          <a:xfrm>
+            <a:off x="3939954" y="1989882"/>
+            <a:ext cx="720000" cy="0"/>
+          </a:xfrm>
+          <a:prstGeom prst="line">
+            <a:avLst/>
+          </a:prstGeom>
+          <a:solidFill>
+            <a:schemeClr val="bg1"/>
+          </a:solidFill>
+          <a:ln w="28575">
+            <a:solidFill>
+              <a:srgbClr val="7030A0"/>
+            </a:solidFill>
+          </a:ln>
+        </p:spPr>
+        <p:style>
+          <a:lnRef idx="2">
+            <a:schemeClr val="accent1">
+              <a:shade val="50000"/>
+            </a:schemeClr>
+          </a:lnRef>
+          <a:fillRef idx="1">
+            <a:schemeClr val="accent1"/>
+          </a:fillRef>
+          <a:effectRef idx="0">
+            <a:schemeClr val="accent1"/>
+          </a:effectRef>
+          <a:fontRef idx="minor">
+            <a:schemeClr val="lt1"/>
+          </a:fontRef>
+        </p:style>
+      </p:cxnSp>
+      <p:sp>
+        <p:nvSpPr>
+          <p:cNvPr id="22" name="Rectangle 21">
+            <a:extLst>
+              <a:ext uri="{FF2B5EF4-FFF2-40B4-BE49-F238E27FC236}">
+                <a16:creationId xmlns:a16="http://schemas.microsoft.com/office/drawing/2014/main" id="{C1B9B700-CF80-4993-1363-19B22CF5328D}"/>
+              </a:ext>
+            </a:extLst>
+          </p:cNvPr>
+          <p:cNvSpPr/>
+          <p:nvPr/>
+        </p:nvSpPr>
+        <p:spPr>
+          <a:xfrm>
+            <a:off x="6585954" y="2043227"/>
+            <a:ext cx="468000" cy="144000"/>
+          </a:xfrm>
+          <a:prstGeom prst="rect">
+            <a:avLst/>
+          </a:prstGeom>
+          <a:solidFill>
+            <a:schemeClr val="bg1"/>
+          </a:solidFill>
+          <a:ln w="28575">
+            <a:solidFill>
+              <a:schemeClr val="accent1">
+                <a:lumMod val="50000"/>
+              </a:schemeClr>
+            </a:solidFill>
+          </a:ln>
+        </p:spPr>
+        <p:style>
+          <a:lnRef idx="2">
+            <a:schemeClr val="accent1">
+              <a:shade val="50000"/>
+            </a:schemeClr>
+          </a:lnRef>
+          <a:fillRef idx="1">
+            <a:schemeClr val="accent1"/>
+          </a:fillRef>
+          <a:effectRef idx="0">
+            <a:schemeClr val="accent1"/>
+          </a:effectRef>
+          <a:fontRef idx="minor">
+            <a:schemeClr val="lt1"/>
+          </a:fontRef>
+        </p:style>
+        <p:txBody>
+          <a:bodyPr rtlCol="0" anchor="ctr"/>
+          <a:lstStyle/>
+          <a:p>
+            <a:pPr algn="ctr"/>
+            <a:endParaRPr lang="fr-FR"/>
+          </a:p>
+        </p:txBody>
+      </p:sp>
+      <p:sp>
+        <p:nvSpPr>
+          <p:cNvPr id="20" name="Arc 19">
+            <a:extLst>
+              <a:ext uri="{FF2B5EF4-FFF2-40B4-BE49-F238E27FC236}">
+                <a16:creationId xmlns:a16="http://schemas.microsoft.com/office/drawing/2014/main" id="{9A9E1B3D-DDC9-D643-D638-F1A4F560EE1D}"/>
+              </a:ext>
+            </a:extLst>
+          </p:cNvPr>
+          <p:cNvSpPr/>
+          <p:nvPr/>
+        </p:nvSpPr>
+        <p:spPr>
+          <a:xfrm>
+            <a:off x="4479954" y="1809882"/>
+            <a:ext cx="360000" cy="360000"/>
+          </a:xfrm>
+          <a:prstGeom prst="arc">
+            <a:avLst>
+              <a:gd name="adj1" fmla="val 857438"/>
+              <a:gd name="adj2" fmla="val 10008154"/>
+            </a:avLst>
+          </a:prstGeom>
+          <a:solidFill>
+            <a:schemeClr val="bg1"/>
+          </a:solidFill>
+          <a:ln w="28575">
+            <a:solidFill>
+              <a:schemeClr val="accent1">
+                <a:lumMod val="50000"/>
+              </a:schemeClr>
+            </a:solidFill>
+          </a:ln>
+        </p:spPr>
+        <p:style>
+          <a:lnRef idx="2">
+            <a:schemeClr val="accent1">
+              <a:shade val="50000"/>
+            </a:schemeClr>
+          </a:lnRef>
+          <a:fillRef idx="1">
+            <a:schemeClr val="accent1"/>
+          </a:fillRef>
+          <a:effectRef idx="0">
+            <a:schemeClr val="accent1"/>
+          </a:effectRef>
+          <a:fontRef idx="minor">
+            <a:schemeClr val="lt1"/>
+          </a:fontRef>
+        </p:style>
+        <p:txBody>
+          <a:bodyPr rtlCol="0" anchor="ctr"/>
+          <a:lstStyle/>
+          <a:p>
+            <a:pPr algn="ctr"/>
+            <a:endParaRPr lang="fr-FR">
+              <a:solidFill>
+                <a:schemeClr val="lt1"/>
+              </a:solidFill>
+            </a:endParaRPr>
+          </a:p>
+        </p:txBody>
+      </p:sp>
+      <p:sp>
+        <p:nvSpPr>
+          <p:cNvPr id="4" name="Ellipse 3">
+            <a:extLst>
+              <a:ext uri="{FF2B5EF4-FFF2-40B4-BE49-F238E27FC236}">
+                <a16:creationId xmlns:a16="http://schemas.microsoft.com/office/drawing/2014/main" id="{2B73D1EA-FA48-A88E-2C82-7210DF13B222}"/>
+              </a:ext>
+            </a:extLst>
+          </p:cNvPr>
+          <p:cNvSpPr/>
+          <p:nvPr/>
+        </p:nvSpPr>
+        <p:spPr>
+          <a:xfrm>
+            <a:off x="4515954" y="1845882"/>
+            <a:ext cx="288000" cy="288000"/>
+          </a:xfrm>
+          <a:prstGeom prst="ellipse">
+            <a:avLst/>
+          </a:prstGeom>
+          <a:solidFill>
+            <a:schemeClr val="bg1"/>
+          </a:solidFill>
+          <a:ln w="28575">
+            <a:solidFill>
+              <a:srgbClr val="7030A0"/>
+            </a:solidFill>
+          </a:ln>
+        </p:spPr>
+        <p:style>
+          <a:lnRef idx="2">
+            <a:schemeClr val="accent1">
+              <a:shade val="50000"/>
+            </a:schemeClr>
+          </a:lnRef>
+          <a:fillRef idx="1">
+            <a:schemeClr val="accent1"/>
+          </a:fillRef>
+          <a:effectRef idx="0">
+            <a:schemeClr val="accent1"/>
+          </a:effectRef>
+          <a:fontRef idx="minor">
+            <a:schemeClr val="lt1"/>
+          </a:fontRef>
+        </p:style>
+        <p:txBody>
+          <a:bodyPr rtlCol="0" anchor="ctr"/>
+          <a:lstStyle/>
+          <a:p>
+            <a:pPr algn="ctr"/>
+            <a:endParaRPr lang="fr-FR"/>
+          </a:p>
+        </p:txBody>
+      </p:sp>
+      <p:sp>
+        <p:nvSpPr>
+          <p:cNvPr id="5" name="Ellipse 4">
+            <a:extLst>
+              <a:ext uri="{FF2B5EF4-FFF2-40B4-BE49-F238E27FC236}">
+                <a16:creationId xmlns:a16="http://schemas.microsoft.com/office/drawing/2014/main" id="{FF4125D3-B40D-1102-AF1F-AC49C21130B0}"/>
+              </a:ext>
+            </a:extLst>
+          </p:cNvPr>
+          <p:cNvSpPr/>
+          <p:nvPr/>
+        </p:nvSpPr>
+        <p:spPr>
+          <a:xfrm>
+            <a:off x="6675954" y="1845882"/>
+            <a:ext cx="288000" cy="288000"/>
+          </a:xfrm>
+          <a:prstGeom prst="ellipse">
+            <a:avLst/>
+          </a:prstGeom>
+          <a:solidFill>
+            <a:schemeClr val="bg1"/>
+          </a:solidFill>
+          <a:ln w="28575">
+            <a:solidFill>
+              <a:srgbClr val="7030A0"/>
+            </a:solidFill>
+          </a:ln>
+        </p:spPr>
+        <p:style>
+          <a:lnRef idx="2">
+            <a:schemeClr val="accent1">
+              <a:shade val="50000"/>
+            </a:schemeClr>
+          </a:lnRef>
+          <a:fillRef idx="1">
+            <a:schemeClr val="accent1"/>
+          </a:fillRef>
+          <a:effectRef idx="0">
+            <a:schemeClr val="accent1"/>
+          </a:effectRef>
+          <a:fontRef idx="minor">
+            <a:schemeClr val="lt1"/>
+          </a:fontRef>
+        </p:style>
+        <p:txBody>
+          <a:bodyPr rtlCol="0" anchor="ctr"/>
+          <a:lstStyle/>
+          <a:p>
+            <a:pPr algn="ctr"/>
+            <a:endParaRPr lang="fr-FR"/>
+          </a:p>
+        </p:txBody>
+      </p:sp>
+      <p:cxnSp>
+        <p:nvCxnSpPr>
+          <p:cNvPr id="7" name="Connecteur droit 6">
+            <a:extLst>
+              <a:ext uri="{FF2B5EF4-FFF2-40B4-BE49-F238E27FC236}">
+                <a16:creationId xmlns:a16="http://schemas.microsoft.com/office/drawing/2014/main" id="{34FA399A-B722-EE0F-C3F8-1135C57F47CB}"/>
+              </a:ext>
+            </a:extLst>
+          </p:cNvPr>
+          <p:cNvCxnSpPr>
+            <a:cxnSpLocks/>
+            <a:stCxn id="4" idx="6"/>
+            <a:endCxn id="5" idx="2"/>
+          </p:cNvCxnSpPr>
+          <p:nvPr/>
+        </p:nvCxnSpPr>
+        <p:spPr>
+          <a:xfrm>
+            <a:off x="4803954" y="1989882"/>
+            <a:ext cx="1872000" cy="0"/>
+          </a:xfrm>
+          <a:prstGeom prst="line">
+            <a:avLst/>
+          </a:prstGeom>
+          <a:solidFill>
+            <a:schemeClr val="bg1"/>
+          </a:solidFill>
+          <a:ln w="28575">
+            <a:solidFill>
+              <a:srgbClr val="7030A0"/>
+            </a:solidFill>
+          </a:ln>
+        </p:spPr>
+        <p:style>
+          <a:lnRef idx="2">
+            <a:schemeClr val="accent1">
+              <a:shade val="50000"/>
+            </a:schemeClr>
+          </a:lnRef>
+          <a:fillRef idx="1">
+            <a:schemeClr val="accent1"/>
+          </a:fillRef>
+          <a:effectRef idx="0">
+            <a:schemeClr val="accent1"/>
+          </a:effectRef>
+          <a:fontRef idx="minor">
+            <a:schemeClr val="lt1"/>
+          </a:fontRef>
+        </p:style>
+      </p:cxnSp>
+      <p:cxnSp>
+        <p:nvCxnSpPr>
+          <p:cNvPr id="12" name="Connecteur droit 11">
+            <a:extLst>
+              <a:ext uri="{FF2B5EF4-FFF2-40B4-BE49-F238E27FC236}">
+                <a16:creationId xmlns:a16="http://schemas.microsoft.com/office/drawing/2014/main" id="{C3A9B7BA-686D-0D0C-76AE-2AFFF1BD59A2}"/>
+              </a:ext>
+            </a:extLst>
+          </p:cNvPr>
+          <p:cNvCxnSpPr>
+            <a:cxnSpLocks/>
+          </p:cNvCxnSpPr>
+          <p:nvPr/>
+        </p:nvCxnSpPr>
+        <p:spPr>
+          <a:xfrm flipV="1">
+            <a:off x="3939953" y="2716306"/>
+            <a:ext cx="0" cy="1404281"/>
+          </a:xfrm>
+          <a:prstGeom prst="line">
+            <a:avLst/>
+          </a:prstGeom>
+          <a:solidFill>
+            <a:schemeClr val="bg1"/>
+          </a:solidFill>
+          <a:ln w="19050">
+            <a:solidFill>
+              <a:srgbClr val="002060"/>
+            </a:solidFill>
+            <a:tailEnd type="stealth" w="med" len="lg"/>
+          </a:ln>
+        </p:spPr>
+        <p:style>
+          <a:lnRef idx="2">
+            <a:schemeClr val="accent1">
+              <a:shade val="50000"/>
+            </a:schemeClr>
+          </a:lnRef>
+          <a:fillRef idx="1">
+            <a:schemeClr val="accent1"/>
+          </a:fillRef>
+          <a:effectRef idx="0">
+            <a:schemeClr val="accent1"/>
+          </a:effectRef>
+          <a:fontRef idx="minor">
+            <a:schemeClr val="lt1"/>
+          </a:fontRef>
+        </p:style>
+      </p:cxnSp>
+      <p:cxnSp>
+        <p:nvCxnSpPr>
+          <p:cNvPr id="15" name="Connecteur droit 14">
+            <a:extLst>
+              <a:ext uri="{FF2B5EF4-FFF2-40B4-BE49-F238E27FC236}">
+                <a16:creationId xmlns:a16="http://schemas.microsoft.com/office/drawing/2014/main" id="{53C3C478-37F2-BA19-8C53-FC72D2FBC844}"/>
+              </a:ext>
+            </a:extLst>
+          </p:cNvPr>
+          <p:cNvCxnSpPr>
+            <a:cxnSpLocks/>
+          </p:cNvCxnSpPr>
+          <p:nvPr/>
+        </p:nvCxnSpPr>
+        <p:spPr>
+          <a:xfrm>
+            <a:off x="7539954" y="1989882"/>
+            <a:ext cx="0" cy="531770"/>
+          </a:xfrm>
+          <a:prstGeom prst="line">
+            <a:avLst/>
+          </a:prstGeom>
+          <a:solidFill>
+            <a:schemeClr val="bg1"/>
+          </a:solidFill>
+          <a:ln w="28575">
+            <a:solidFill>
+              <a:srgbClr val="C00000"/>
+            </a:solidFill>
+            <a:tailEnd type="stealth" w="med" len="lg"/>
+          </a:ln>
+        </p:spPr>
+        <p:style>
+          <a:lnRef idx="2">
+            <a:schemeClr val="accent1">
+              <a:shade val="50000"/>
+            </a:schemeClr>
+          </a:lnRef>
+          <a:fillRef idx="1">
+            <a:schemeClr val="accent1"/>
+          </a:fillRef>
+          <a:effectRef idx="0">
+            <a:schemeClr val="accent1"/>
+          </a:effectRef>
+          <a:fontRef idx="minor">
+            <a:schemeClr val="lt1"/>
+          </a:fontRef>
+        </p:style>
+      </p:cxnSp>
+      <mc:AlternateContent xmlns:mc="http://schemas.openxmlformats.org/markup-compatibility/2006" xmlns:a14="http://schemas.microsoft.com/office/drawing/2010/main">
+        <mc:Choice Requires="a14">
+          <p:sp>
+            <p:nvSpPr>
+              <p:cNvPr id="17" name="ZoneTexte 16">
+                <a:extLst>
+                  <a:ext uri="{FF2B5EF4-FFF2-40B4-BE49-F238E27FC236}">
+                    <a16:creationId xmlns:a16="http://schemas.microsoft.com/office/drawing/2014/main" id="{5853C66E-F7C5-9D45-4609-DAC8FD58D6DE}"/>
+                  </a:ext>
+                </a:extLst>
+              </p:cNvPr>
+              <p:cNvSpPr txBox="1"/>
+              <p:nvPr/>
+            </p:nvSpPr>
+            <p:spPr>
+              <a:xfrm>
+                <a:off x="2181562" y="2241777"/>
+                <a:ext cx="708271" cy="208903"/>
+              </a:xfrm>
+              <a:prstGeom prst="rect">
+                <a:avLst/>
+              </a:prstGeom>
+              <a:noFill/>
+            </p:spPr>
+            <p:txBody>
+              <a:bodyPr wrap="none" lIns="0" tIns="0" rIns="0" bIns="0" rtlCol="0">
+                <a:spAutoFit/>
+              </a:bodyPr>
+              <a:lstStyle/>
+              <a:p>
+                <a:pPr/>
+                <a14:m>
+                  <m:oMathPara xmlns:m="http://schemas.openxmlformats.org/officeDocument/2006/math">
+                    <m:oMathParaPr>
+                      <m:jc m:val="centerGroup"/>
+                    </m:oMathParaPr>
+                    <m:oMath xmlns:m="http://schemas.openxmlformats.org/officeDocument/2006/math">
+                      <m:acc>
+                        <m:accPr>
+                          <m:chr m:val="⃗"/>
+                          <m:ctrlPr>
+                            <a:rPr lang="fr-FR" sz="1100" b="0" i="1" smtClean="0">
+                              <a:latin typeface="Cambria Math" panose="02040503050406030204" pitchFamily="18" charset="0"/>
+                            </a:rPr>
+                          </m:ctrlPr>
+                        </m:accPr>
+                        <m:e>
+                          <m:sSub>
+                            <m:sSubPr>
+                              <m:ctrlPr>
+                                <a:rPr lang="fr-FR" sz="1100" i="1">
+                                  <a:latin typeface="Cambria Math" panose="02040503050406030204" pitchFamily="18" charset="0"/>
+                                </a:rPr>
+                              </m:ctrlPr>
+                            </m:sSubPr>
+                            <m:e>
+                              <m:r>
+                                <a:rPr lang="fr-FR" sz="1100" i="1">
+                                  <a:latin typeface="Cambria Math" panose="02040503050406030204" pitchFamily="18" charset="0"/>
+                                </a:rPr>
+                                <m:t>𝐹</m:t>
+                              </m:r>
+                            </m:e>
+                            <m:sub>
+                              <m:r>
+                                <a:rPr lang="fr-FR" sz="1100" i="1">
+                                  <a:latin typeface="Cambria Math" panose="02040503050406030204" pitchFamily="18" charset="0"/>
+                                </a:rPr>
+                                <m:t>𝑙𝑎𝑚𝑒</m:t>
+                              </m:r>
+                              <m:r>
+                                <m:rPr>
+                                  <m:lit/>
+                                </m:rPr>
+                                <a:rPr lang="fr-FR" sz="1100" i="1">
+                                  <a:latin typeface="Cambria Math" panose="02040503050406030204" pitchFamily="18" charset="0"/>
+                                </a:rPr>
+                                <m:t>/</m:t>
+                              </m:r>
+                              <m:r>
+                                <a:rPr lang="fr-FR" sz="1100" i="1">
+                                  <a:latin typeface="Cambria Math" panose="02040503050406030204" pitchFamily="18" charset="0"/>
+                                </a:rPr>
+                                <m:t>𝑎𝑟𝑏𝑟𝑒</m:t>
+                              </m:r>
+                            </m:sub>
+                          </m:sSub>
+                        </m:e>
+                      </m:acc>
+                    </m:oMath>
+                  </m:oMathPara>
+                </a14:m>
+                <a:endParaRPr lang="fr-FR" dirty="0"/>
+              </a:p>
+            </p:txBody>
+          </p:sp>
+        </mc:Choice>
+        <mc:Fallback xmlns="">
+          <p:sp>
+            <p:nvSpPr>
+              <p:cNvPr id="17" name="ZoneTexte 16">
+                <a:extLst>
+                  <a:ext uri="{FF2B5EF4-FFF2-40B4-BE49-F238E27FC236}">
+                    <a16:creationId xmlns:a16="http://schemas.microsoft.com/office/drawing/2014/main" id="{5853C66E-F7C5-9D45-4609-DAC8FD58D6DE}"/>
+                  </a:ext>
+                </a:extLst>
+              </p:cNvPr>
+              <p:cNvSpPr txBox="1">
+                <a:spLocks noRot="1" noChangeAspect="1" noMove="1" noResize="1" noEditPoints="1" noAdjustHandles="1" noChangeArrowheads="1" noChangeShapeType="1" noTextEdit="1"/>
+              </p:cNvSpPr>
+              <p:nvPr/>
+            </p:nvSpPr>
+            <p:spPr>
+              <a:xfrm>
+                <a:off x="2181562" y="2241777"/>
+                <a:ext cx="708271" cy="208903"/>
+              </a:xfrm>
+              <a:prstGeom prst="rect">
+                <a:avLst/>
+              </a:prstGeom>
+              <a:blipFill>
+                <a:blip r:embed="rId2"/>
+                <a:stretch>
+                  <a:fillRect l="-4310" r="-1724" b="-26471"/>
+                </a:stretch>
+              </a:blipFill>
+            </p:spPr>
+            <p:txBody>
+              <a:bodyPr/>
+              <a:lstStyle/>
+              <a:p>
+                <a:r>
+                  <a:rPr lang="fr-FR">
+                    <a:noFill/>
+                  </a:rPr>
+                  <a:t> </a:t>
+                </a:r>
+              </a:p>
+            </p:txBody>
+          </p:sp>
+        </mc:Fallback>
+      </mc:AlternateContent>
+      <mc:AlternateContent xmlns:mc="http://schemas.openxmlformats.org/markup-compatibility/2006" xmlns:a14="http://schemas.microsoft.com/office/drawing/2010/main">
+        <mc:Choice Requires="a14">
+          <p:sp>
+            <p:nvSpPr>
+              <p:cNvPr id="19" name="ZoneTexte 18">
+                <a:extLst>
+                  <a:ext uri="{FF2B5EF4-FFF2-40B4-BE49-F238E27FC236}">
+                    <a16:creationId xmlns:a16="http://schemas.microsoft.com/office/drawing/2014/main" id="{8006ADE4-EE8F-25FA-7E75-529D7061EE5E}"/>
+                  </a:ext>
+                </a:extLst>
+              </p:cNvPr>
+              <p:cNvSpPr txBox="1"/>
+              <p:nvPr/>
+            </p:nvSpPr>
+            <p:spPr>
+              <a:xfrm>
+                <a:off x="7629954" y="2106838"/>
+                <a:ext cx="897425" cy="208903"/>
+              </a:xfrm>
+              <a:prstGeom prst="rect">
+                <a:avLst/>
+              </a:prstGeom>
+              <a:noFill/>
+            </p:spPr>
+            <p:txBody>
+              <a:bodyPr wrap="none" lIns="0" tIns="0" rIns="0" bIns="0" rtlCol="0">
+                <a:spAutoFit/>
+              </a:bodyPr>
+              <a:lstStyle/>
+              <a:p>
+                <a:pPr/>
+                <a14:m>
+                  <m:oMathPara xmlns:m="http://schemas.openxmlformats.org/officeDocument/2006/math">
+                    <m:oMathParaPr>
+                      <m:jc m:val="centerGroup"/>
+                    </m:oMathParaPr>
+                    <m:oMath xmlns:m="http://schemas.openxmlformats.org/officeDocument/2006/math">
+                      <m:acc>
+                        <m:accPr>
+                          <m:chr m:val="⃗"/>
+                          <m:ctrlPr>
+                            <a:rPr lang="fr-FR" sz="1100" b="0" i="1" smtClean="0">
+                              <a:latin typeface="Cambria Math" panose="02040503050406030204" pitchFamily="18" charset="0"/>
+                            </a:rPr>
+                          </m:ctrlPr>
+                        </m:accPr>
+                        <m:e>
+                          <m:sSub>
+                            <m:sSubPr>
+                              <m:ctrlPr>
+                                <a:rPr lang="fr-FR" sz="1100" i="1">
+                                  <a:latin typeface="Cambria Math" panose="02040503050406030204" pitchFamily="18" charset="0"/>
+                                </a:rPr>
+                              </m:ctrlPr>
+                            </m:sSubPr>
+                            <m:e>
+                              <m:r>
+                                <a:rPr lang="fr-FR" sz="1100" i="1">
+                                  <a:latin typeface="Cambria Math" panose="02040503050406030204" pitchFamily="18" charset="0"/>
+                                </a:rPr>
+                                <m:t>𝐹</m:t>
+                              </m:r>
+                            </m:e>
+                            <m:sub>
+                              <m:r>
+                                <a:rPr lang="fr-FR" sz="1100" b="0" i="1" smtClean="0">
+                                  <a:latin typeface="Cambria Math" panose="02040503050406030204" pitchFamily="18" charset="0"/>
+                                </a:rPr>
+                                <m:t>𝑐𝑜𝑢𝑟𝑟𝑜𝑖𝑒</m:t>
+                              </m:r>
+                              <m:r>
+                                <m:rPr>
+                                  <m:lit/>
+                                </m:rPr>
+                                <a:rPr lang="fr-FR" sz="1100" i="1">
+                                  <a:latin typeface="Cambria Math" panose="02040503050406030204" pitchFamily="18" charset="0"/>
+                                </a:rPr>
+                                <m:t>/</m:t>
+                              </m:r>
+                              <m:r>
+                                <a:rPr lang="fr-FR" sz="1100" i="1">
+                                  <a:latin typeface="Cambria Math" panose="02040503050406030204" pitchFamily="18" charset="0"/>
+                                </a:rPr>
+                                <m:t>𝑎𝑟𝑏𝑟𝑒</m:t>
+                              </m:r>
+                            </m:sub>
+                          </m:sSub>
+                        </m:e>
+                      </m:acc>
+                    </m:oMath>
+                  </m:oMathPara>
+                </a14:m>
+                <a:endParaRPr lang="fr-FR" dirty="0"/>
+              </a:p>
+            </p:txBody>
+          </p:sp>
+        </mc:Choice>
+        <mc:Fallback xmlns="">
+          <p:sp>
+            <p:nvSpPr>
+              <p:cNvPr id="19" name="ZoneTexte 18">
+                <a:extLst>
+                  <a:ext uri="{FF2B5EF4-FFF2-40B4-BE49-F238E27FC236}">
+                    <a16:creationId xmlns:a16="http://schemas.microsoft.com/office/drawing/2014/main" id="{8006ADE4-EE8F-25FA-7E75-529D7061EE5E}"/>
+                  </a:ext>
+                </a:extLst>
+              </p:cNvPr>
+              <p:cNvSpPr txBox="1">
+                <a:spLocks noRot="1" noChangeAspect="1" noMove="1" noResize="1" noEditPoints="1" noAdjustHandles="1" noChangeArrowheads="1" noChangeShapeType="1" noTextEdit="1"/>
+              </p:cNvSpPr>
+              <p:nvPr/>
+            </p:nvSpPr>
+            <p:spPr>
+              <a:xfrm>
+                <a:off x="7629954" y="2106838"/>
+                <a:ext cx="897425" cy="208903"/>
+              </a:xfrm>
+              <a:prstGeom prst="rect">
+                <a:avLst/>
+              </a:prstGeom>
+              <a:blipFill>
+                <a:blip r:embed="rId3"/>
+                <a:stretch>
+                  <a:fillRect l="-3401" r="-1361" b="-26471"/>
+                </a:stretch>
+              </a:blipFill>
+            </p:spPr>
+            <p:txBody>
+              <a:bodyPr/>
+              <a:lstStyle/>
+              <a:p>
+                <a:r>
+                  <a:rPr lang="fr-FR">
+                    <a:noFill/>
+                  </a:rPr>
+                  <a:t> </a:t>
+                </a:r>
+              </a:p>
+            </p:txBody>
+          </p:sp>
+        </mc:Fallback>
+      </mc:AlternateContent>
+      <p:cxnSp>
+        <p:nvCxnSpPr>
+          <p:cNvPr id="23" name="Connecteur droit 22">
+            <a:extLst>
+              <a:ext uri="{FF2B5EF4-FFF2-40B4-BE49-F238E27FC236}">
+                <a16:creationId xmlns:a16="http://schemas.microsoft.com/office/drawing/2014/main" id="{BA6878E0-BA88-A381-C274-546397C3A09A}"/>
+              </a:ext>
+            </a:extLst>
+          </p:cNvPr>
+          <p:cNvCxnSpPr>
+            <a:cxnSpLocks/>
+          </p:cNvCxnSpPr>
+          <p:nvPr/>
+        </p:nvCxnSpPr>
+        <p:spPr>
+          <a:xfrm>
+            <a:off x="4659954" y="2169882"/>
+            <a:ext cx="0" cy="216699"/>
+          </a:xfrm>
+          <a:prstGeom prst="line">
+            <a:avLst/>
+          </a:prstGeom>
+          <a:solidFill>
+            <a:schemeClr val="bg1"/>
+          </a:solidFill>
+          <a:ln w="28575">
+            <a:solidFill>
+              <a:schemeClr val="accent1">
+                <a:lumMod val="50000"/>
+              </a:schemeClr>
+            </a:solidFill>
+          </a:ln>
+        </p:spPr>
+        <p:style>
+          <a:lnRef idx="2">
+            <a:schemeClr val="accent1">
+              <a:shade val="50000"/>
+            </a:schemeClr>
+          </a:lnRef>
+          <a:fillRef idx="1">
+            <a:schemeClr val="accent1"/>
+          </a:fillRef>
+          <a:effectRef idx="0">
+            <a:schemeClr val="accent1"/>
+          </a:effectRef>
+          <a:fontRef idx="minor">
+            <a:schemeClr val="lt1"/>
+          </a:fontRef>
+        </p:style>
+      </p:cxnSp>
+      <p:cxnSp>
+        <p:nvCxnSpPr>
+          <p:cNvPr id="27" name="Connecteur droit 26">
+            <a:extLst>
+              <a:ext uri="{FF2B5EF4-FFF2-40B4-BE49-F238E27FC236}">
+                <a16:creationId xmlns:a16="http://schemas.microsoft.com/office/drawing/2014/main" id="{59441FA6-98EC-AC94-F34B-2595115CFB6B}"/>
+              </a:ext>
+            </a:extLst>
+          </p:cNvPr>
+          <p:cNvCxnSpPr>
+            <a:cxnSpLocks/>
+            <a:endCxn id="22" idx="2"/>
+          </p:cNvCxnSpPr>
+          <p:nvPr/>
+        </p:nvCxnSpPr>
+        <p:spPr>
+          <a:xfrm flipV="1">
+            <a:off x="6819954" y="2187227"/>
+            <a:ext cx="0" cy="208903"/>
+          </a:xfrm>
+          <a:prstGeom prst="line">
+            <a:avLst/>
+          </a:prstGeom>
+          <a:solidFill>
+            <a:schemeClr val="bg1"/>
+          </a:solidFill>
+          <a:ln w="28575">
+            <a:solidFill>
+              <a:schemeClr val="accent1">
+                <a:lumMod val="50000"/>
+              </a:schemeClr>
+            </a:solidFill>
+          </a:ln>
+        </p:spPr>
+        <p:style>
+          <a:lnRef idx="2">
+            <a:schemeClr val="accent1">
+              <a:shade val="50000"/>
+            </a:schemeClr>
+          </a:lnRef>
+          <a:fillRef idx="1">
+            <a:schemeClr val="accent1"/>
+          </a:fillRef>
+          <a:effectRef idx="0">
+            <a:schemeClr val="accent1"/>
+          </a:effectRef>
+          <a:fontRef idx="minor">
+            <a:schemeClr val="lt1"/>
+          </a:fontRef>
+        </p:style>
+      </p:cxnSp>
+      <p:cxnSp>
+        <p:nvCxnSpPr>
+          <p:cNvPr id="30" name="Connecteur droit 29">
+            <a:extLst>
+              <a:ext uri="{FF2B5EF4-FFF2-40B4-BE49-F238E27FC236}">
+                <a16:creationId xmlns:a16="http://schemas.microsoft.com/office/drawing/2014/main" id="{8ED62A41-204D-F5CA-65A4-85C063973BD9}"/>
+              </a:ext>
+            </a:extLst>
+          </p:cNvPr>
+          <p:cNvCxnSpPr>
+            <a:cxnSpLocks/>
+          </p:cNvCxnSpPr>
+          <p:nvPr/>
+        </p:nvCxnSpPr>
+        <p:spPr>
+          <a:xfrm flipH="1">
+            <a:off x="4645659" y="2396130"/>
+            <a:ext cx="2174295" cy="0"/>
+          </a:xfrm>
+          <a:prstGeom prst="line">
+            <a:avLst/>
+          </a:prstGeom>
+          <a:solidFill>
+            <a:schemeClr val="bg1"/>
+          </a:solidFill>
+          <a:ln w="28575">
+            <a:solidFill>
+              <a:schemeClr val="accent1">
+                <a:lumMod val="50000"/>
+              </a:schemeClr>
+            </a:solidFill>
+          </a:ln>
+        </p:spPr>
+        <p:style>
+          <a:lnRef idx="2">
+            <a:schemeClr val="accent1">
+              <a:shade val="50000"/>
+            </a:schemeClr>
+          </a:lnRef>
+          <a:fillRef idx="1">
+            <a:schemeClr val="accent1"/>
+          </a:fillRef>
+          <a:effectRef idx="0">
+            <a:schemeClr val="accent1"/>
+          </a:effectRef>
+          <a:fontRef idx="minor">
+            <a:schemeClr val="lt1"/>
+          </a:fontRef>
+        </p:style>
+      </p:cxnSp>
+      <p:cxnSp>
+        <p:nvCxnSpPr>
+          <p:cNvPr id="34" name="Connecteur droit 33">
+            <a:extLst>
+              <a:ext uri="{FF2B5EF4-FFF2-40B4-BE49-F238E27FC236}">
+                <a16:creationId xmlns:a16="http://schemas.microsoft.com/office/drawing/2014/main" id="{1BADC16F-3A93-FCAE-B5EE-03138BE21FB3}"/>
+              </a:ext>
+            </a:extLst>
+          </p:cNvPr>
+          <p:cNvCxnSpPr>
+            <a:cxnSpLocks/>
+          </p:cNvCxnSpPr>
+          <p:nvPr/>
+        </p:nvCxnSpPr>
+        <p:spPr>
+          <a:xfrm>
+            <a:off x="5771147" y="2397171"/>
+            <a:ext cx="0" cy="216699"/>
+          </a:xfrm>
+          <a:prstGeom prst="line">
+            <a:avLst/>
+          </a:prstGeom>
+          <a:solidFill>
+            <a:schemeClr val="bg1"/>
+          </a:solidFill>
+          <a:ln w="28575">
+            <a:solidFill>
+              <a:schemeClr val="accent1">
+                <a:lumMod val="50000"/>
+              </a:schemeClr>
+            </a:solidFill>
+          </a:ln>
+        </p:spPr>
+        <p:style>
+          <a:lnRef idx="2">
+            <a:schemeClr val="accent1">
+              <a:shade val="50000"/>
+            </a:schemeClr>
+          </a:lnRef>
+          <a:fillRef idx="1">
+            <a:schemeClr val="accent1"/>
+          </a:fillRef>
+          <a:effectRef idx="0">
+            <a:schemeClr val="accent1"/>
+          </a:effectRef>
+          <a:fontRef idx="minor">
+            <a:schemeClr val="lt1"/>
+          </a:fontRef>
+        </p:style>
+      </p:cxnSp>
+      <p:sp>
+        <p:nvSpPr>
+          <p:cNvPr id="36" name="Forme libre : forme 35">
+            <a:extLst>
+              <a:ext uri="{FF2B5EF4-FFF2-40B4-BE49-F238E27FC236}">
+                <a16:creationId xmlns:a16="http://schemas.microsoft.com/office/drawing/2014/main" id="{C8885A49-7B79-5CAF-98DC-D234F195286B}"/>
+              </a:ext>
+            </a:extLst>
+          </p:cNvPr>
+          <p:cNvSpPr/>
+          <p:nvPr/>
+        </p:nvSpPr>
+        <p:spPr>
+          <a:xfrm>
+            <a:off x="5567193" y="2605034"/>
+            <a:ext cx="418531" cy="153602"/>
+          </a:xfrm>
+          <a:custGeom>
+            <a:avLst/>
+            <a:gdLst>
+              <a:gd name="connsiteX0" fmla="*/ 0 w 418531"/>
+              <a:gd name="connsiteY0" fmla="*/ 9098 h 153602"/>
+              <a:gd name="connsiteX1" fmla="*/ 77337 w 418531"/>
+              <a:gd name="connsiteY1" fmla="*/ 150125 h 153602"/>
+              <a:gd name="connsiteX2" fmla="*/ 181970 w 418531"/>
+              <a:gd name="connsiteY2" fmla="*/ 109182 h 153602"/>
+              <a:gd name="connsiteX3" fmla="*/ 332095 w 418531"/>
+              <a:gd name="connsiteY3" fmla="*/ 150125 h 153602"/>
+              <a:gd name="connsiteX4" fmla="*/ 418531 w 418531"/>
+              <a:gd name="connsiteY4" fmla="*/ 0 h 153602"/>
+            </a:gdLst>
+            <a:ahLst/>
+            <a:cxnLst>
+              <a:cxn ang="0">
+                <a:pos x="connsiteX0" y="connsiteY0"/>
+              </a:cxn>
+              <a:cxn ang="0">
+                <a:pos x="connsiteX1" y="connsiteY1"/>
+              </a:cxn>
+              <a:cxn ang="0">
+                <a:pos x="connsiteX2" y="connsiteY2"/>
+              </a:cxn>
+              <a:cxn ang="0">
+                <a:pos x="connsiteX3" y="connsiteY3"/>
+              </a:cxn>
+              <a:cxn ang="0">
+                <a:pos x="connsiteX4" y="connsiteY4"/>
+              </a:cxn>
+            </a:cxnLst>
+            <a:rect l="l" t="t" r="r" b="b"/>
+            <a:pathLst>
+              <a:path w="418531" h="153602">
+                <a:moveTo>
+                  <a:pt x="0" y="9098"/>
+                </a:moveTo>
+                <a:cubicBezTo>
+                  <a:pt x="23504" y="71271"/>
+                  <a:pt x="47009" y="133444"/>
+                  <a:pt x="77337" y="150125"/>
+                </a:cubicBezTo>
+                <a:cubicBezTo>
+                  <a:pt x="107665" y="166806"/>
+                  <a:pt x="139510" y="109182"/>
+                  <a:pt x="181970" y="109182"/>
+                </a:cubicBezTo>
+                <a:cubicBezTo>
+                  <a:pt x="224430" y="109182"/>
+                  <a:pt x="292668" y="168322"/>
+                  <a:pt x="332095" y="150125"/>
+                </a:cubicBezTo>
+                <a:cubicBezTo>
+                  <a:pt x="371522" y="131928"/>
+                  <a:pt x="395026" y="65964"/>
+                  <a:pt x="418531" y="0"/>
+                </a:cubicBezTo>
+              </a:path>
+            </a:pathLst>
+          </a:custGeom>
+          <a:solidFill>
+            <a:schemeClr val="accent1">
+              <a:lumMod val="20000"/>
+              <a:lumOff val="80000"/>
+            </a:schemeClr>
+          </a:solidFill>
+          <a:ln w="12700">
+            <a:solidFill>
+              <a:schemeClr val="accent1">
+                <a:lumMod val="50000"/>
+              </a:schemeClr>
+            </a:solidFill>
+          </a:ln>
+        </p:spPr>
+        <p:style>
+          <a:lnRef idx="2">
+            <a:schemeClr val="accent1">
+              <a:shade val="50000"/>
+            </a:schemeClr>
+          </a:lnRef>
+          <a:fillRef idx="1">
+            <a:schemeClr val="accent1"/>
+          </a:fillRef>
+          <a:effectRef idx="0">
+            <a:schemeClr val="accent1"/>
+          </a:effectRef>
+          <a:fontRef idx="minor">
+            <a:schemeClr val="lt1"/>
+          </a:fontRef>
+        </p:style>
+        <p:txBody>
+          <a:bodyPr rtlCol="0" anchor="ctr"/>
+          <a:lstStyle/>
+          <a:p>
+            <a:pPr algn="ctr"/>
+            <a:endParaRPr lang="fr-FR"/>
+          </a:p>
+        </p:txBody>
+      </p:sp>
+      <p:cxnSp>
+        <p:nvCxnSpPr>
+          <p:cNvPr id="35" name="Connecteur droit 34">
+            <a:extLst>
+              <a:ext uri="{FF2B5EF4-FFF2-40B4-BE49-F238E27FC236}">
+                <a16:creationId xmlns:a16="http://schemas.microsoft.com/office/drawing/2014/main" id="{584EAEEE-4AA8-6ED7-A1D1-B37CD4DB8559}"/>
+              </a:ext>
+            </a:extLst>
+          </p:cNvPr>
+          <p:cNvCxnSpPr>
+            <a:cxnSpLocks/>
+          </p:cNvCxnSpPr>
+          <p:nvPr/>
+        </p:nvCxnSpPr>
+        <p:spPr>
+          <a:xfrm rot="5400000">
+            <a:off x="5771909" y="2397870"/>
+            <a:ext cx="0" cy="432000"/>
+          </a:xfrm>
+          <a:prstGeom prst="line">
+            <a:avLst/>
+          </a:prstGeom>
+          <a:solidFill>
+            <a:schemeClr val="bg1"/>
+          </a:solidFill>
+          <a:ln w="28575">
+            <a:solidFill>
+              <a:schemeClr val="accent1">
+                <a:lumMod val="50000"/>
+              </a:schemeClr>
+            </a:solidFill>
+          </a:ln>
+        </p:spPr>
+        <p:style>
+          <a:lnRef idx="2">
+            <a:schemeClr val="accent1">
+              <a:shade val="50000"/>
+            </a:schemeClr>
+          </a:lnRef>
+          <a:fillRef idx="1">
+            <a:schemeClr val="accent1"/>
+          </a:fillRef>
+          <a:effectRef idx="0">
+            <a:schemeClr val="accent1"/>
+          </a:effectRef>
+          <a:fontRef idx="minor">
+            <a:schemeClr val="lt1"/>
+          </a:fontRef>
+        </p:style>
+      </p:cxnSp>
+      <mc:AlternateContent xmlns:mc="http://schemas.openxmlformats.org/markup-compatibility/2006" xmlns:a14="http://schemas.microsoft.com/office/drawing/2010/main">
+        <mc:Choice Requires="a14">
+          <p:sp>
+            <p:nvSpPr>
+              <p:cNvPr id="37" name="ZoneTexte 36">
+                <a:extLst>
+                  <a:ext uri="{FF2B5EF4-FFF2-40B4-BE49-F238E27FC236}">
+                    <a16:creationId xmlns:a16="http://schemas.microsoft.com/office/drawing/2014/main" id="{9ED1DE3B-9EA9-4E3D-9578-45824CF3B2BD}"/>
+                  </a:ext>
+                </a:extLst>
+              </p:cNvPr>
+              <p:cNvSpPr txBox="1"/>
+              <p:nvPr/>
+            </p:nvSpPr>
+            <p:spPr>
+              <a:xfrm>
+                <a:off x="3741869" y="3259719"/>
+                <a:ext cx="123175" cy="169277"/>
+              </a:xfrm>
+              <a:prstGeom prst="rect">
+                <a:avLst/>
+              </a:prstGeom>
+              <a:noFill/>
+            </p:spPr>
+            <p:txBody>
+              <a:bodyPr wrap="none" lIns="0" tIns="0" rIns="0" bIns="0" rtlCol="0">
+                <a:spAutoFit/>
+              </a:bodyPr>
+              <a:lstStyle/>
+              <a:p>
+                <a:pPr/>
+                <a14:m>
+                  <m:oMathPara xmlns:m="http://schemas.openxmlformats.org/officeDocument/2006/math">
+                    <m:oMathParaPr>
+                      <m:jc m:val="centerGroup"/>
+                    </m:oMathParaPr>
+                    <m:oMath xmlns:m="http://schemas.openxmlformats.org/officeDocument/2006/math">
+                      <m:r>
+                        <a:rPr lang="fr-FR" sz="1100" b="0" i="1" smtClean="0">
+                          <a:latin typeface="Cambria Math" panose="02040503050406030204" pitchFamily="18" charset="0"/>
+                        </a:rPr>
+                        <m:t>𝐴</m:t>
+                      </m:r>
+                    </m:oMath>
+                  </m:oMathPara>
+                </a14:m>
+                <a:endParaRPr lang="fr-FR" dirty="0"/>
+              </a:p>
+            </p:txBody>
+          </p:sp>
+        </mc:Choice>
+        <mc:Fallback xmlns="">
+          <p:sp>
+            <p:nvSpPr>
+              <p:cNvPr id="37" name="ZoneTexte 36">
+                <a:extLst>
+                  <a:ext uri="{FF2B5EF4-FFF2-40B4-BE49-F238E27FC236}">
+                    <a16:creationId xmlns:a16="http://schemas.microsoft.com/office/drawing/2014/main" id="{9ED1DE3B-9EA9-4E3D-9578-45824CF3B2BD}"/>
+                  </a:ext>
+                </a:extLst>
+              </p:cNvPr>
+              <p:cNvSpPr txBox="1">
+                <a:spLocks noRot="1" noChangeAspect="1" noMove="1" noResize="1" noEditPoints="1" noAdjustHandles="1" noChangeArrowheads="1" noChangeShapeType="1" noTextEdit="1"/>
+              </p:cNvSpPr>
+              <p:nvPr/>
+            </p:nvSpPr>
+            <p:spPr>
+              <a:xfrm>
+                <a:off x="3741869" y="3259719"/>
+                <a:ext cx="123175" cy="169277"/>
+              </a:xfrm>
+              <a:prstGeom prst="rect">
+                <a:avLst/>
+              </a:prstGeom>
+              <a:blipFill>
+                <a:blip r:embed="rId4"/>
+                <a:stretch>
+                  <a:fillRect l="-25000" r="-30000" b="-11111"/>
+                </a:stretch>
+              </a:blipFill>
+            </p:spPr>
+            <p:txBody>
+              <a:bodyPr/>
+              <a:lstStyle/>
+              <a:p>
+                <a:r>
+                  <a:rPr lang="fr-FR">
+                    <a:noFill/>
+                  </a:rPr>
+                  <a:t> </a:t>
+                </a:r>
+              </a:p>
+            </p:txBody>
+          </p:sp>
+        </mc:Fallback>
+      </mc:AlternateContent>
+      <mc:AlternateContent xmlns:mc="http://schemas.openxmlformats.org/markup-compatibility/2006" xmlns:a14="http://schemas.microsoft.com/office/drawing/2010/main">
+        <mc:Choice Requires="a14">
+          <p:sp>
+            <p:nvSpPr>
+              <p:cNvPr id="38" name="ZoneTexte 37">
+                <a:extLst>
+                  <a:ext uri="{FF2B5EF4-FFF2-40B4-BE49-F238E27FC236}">
+                    <a16:creationId xmlns:a16="http://schemas.microsoft.com/office/drawing/2014/main" id="{77473007-63BC-B4A4-3B49-AE53B6F779F7}"/>
+                  </a:ext>
+                </a:extLst>
+              </p:cNvPr>
+              <p:cNvSpPr txBox="1"/>
+              <p:nvPr/>
+            </p:nvSpPr>
+            <p:spPr>
+              <a:xfrm>
+                <a:off x="4689164" y="3242378"/>
+                <a:ext cx="128818" cy="169277"/>
+              </a:xfrm>
+              <a:prstGeom prst="rect">
+                <a:avLst/>
+              </a:prstGeom>
+              <a:noFill/>
+            </p:spPr>
+            <p:txBody>
+              <a:bodyPr wrap="none" lIns="0" tIns="0" rIns="0" bIns="0" rtlCol="0">
+                <a:spAutoFit/>
+              </a:bodyPr>
+              <a:lstStyle/>
+              <a:p>
+                <a:pPr/>
+                <a14:m>
+                  <m:oMathPara xmlns:m="http://schemas.openxmlformats.org/officeDocument/2006/math">
+                    <m:oMathParaPr>
+                      <m:jc m:val="centerGroup"/>
+                    </m:oMathParaPr>
+                    <m:oMath xmlns:m="http://schemas.openxmlformats.org/officeDocument/2006/math">
+                      <m:r>
+                        <a:rPr lang="fr-FR" sz="1100" b="0" i="1" smtClean="0">
+                          <a:latin typeface="Cambria Math" panose="02040503050406030204" pitchFamily="18" charset="0"/>
+                        </a:rPr>
+                        <m:t>𝐵</m:t>
+                      </m:r>
+                    </m:oMath>
+                  </m:oMathPara>
+                </a14:m>
+                <a:endParaRPr lang="fr-FR" dirty="0"/>
+              </a:p>
+            </p:txBody>
+          </p:sp>
+        </mc:Choice>
+        <mc:Fallback xmlns="">
+          <p:sp>
+            <p:nvSpPr>
+              <p:cNvPr id="38" name="ZoneTexte 37">
+                <a:extLst>
+                  <a:ext uri="{FF2B5EF4-FFF2-40B4-BE49-F238E27FC236}">
+                    <a16:creationId xmlns:a16="http://schemas.microsoft.com/office/drawing/2014/main" id="{77473007-63BC-B4A4-3B49-AE53B6F779F7}"/>
+                  </a:ext>
+                </a:extLst>
+              </p:cNvPr>
+              <p:cNvSpPr txBox="1">
+                <a:spLocks noRot="1" noChangeAspect="1" noMove="1" noResize="1" noEditPoints="1" noAdjustHandles="1" noChangeArrowheads="1" noChangeShapeType="1" noTextEdit="1"/>
+              </p:cNvSpPr>
+              <p:nvPr/>
+            </p:nvSpPr>
+            <p:spPr>
+              <a:xfrm>
+                <a:off x="4689164" y="3242378"/>
+                <a:ext cx="128818" cy="169277"/>
+              </a:xfrm>
+              <a:prstGeom prst="rect">
+                <a:avLst/>
+              </a:prstGeom>
+              <a:blipFill>
+                <a:blip r:embed="rId5"/>
+                <a:stretch>
+                  <a:fillRect l="-23810" r="-23810" b="-7143"/>
+                </a:stretch>
+              </a:blipFill>
+            </p:spPr>
+            <p:txBody>
+              <a:bodyPr/>
+              <a:lstStyle/>
+              <a:p>
+                <a:r>
+                  <a:rPr lang="fr-FR">
+                    <a:noFill/>
+                  </a:rPr>
+                  <a:t> </a:t>
+                </a:r>
+              </a:p>
+            </p:txBody>
+          </p:sp>
+        </mc:Fallback>
+      </mc:AlternateContent>
+      <mc:AlternateContent xmlns:mc="http://schemas.openxmlformats.org/markup-compatibility/2006" xmlns:a14="http://schemas.microsoft.com/office/drawing/2010/main">
+        <mc:Choice Requires="a14">
+          <p:sp>
+            <p:nvSpPr>
+              <p:cNvPr id="39" name="ZoneTexte 38">
+                <a:extLst>
+                  <a:ext uri="{FF2B5EF4-FFF2-40B4-BE49-F238E27FC236}">
+                    <a16:creationId xmlns:a16="http://schemas.microsoft.com/office/drawing/2014/main" id="{F44610B7-42B0-08B2-1595-F33EC3AA8062}"/>
+                  </a:ext>
+                </a:extLst>
+              </p:cNvPr>
+              <p:cNvSpPr txBox="1"/>
+              <p:nvPr/>
+            </p:nvSpPr>
+            <p:spPr>
+              <a:xfrm>
+                <a:off x="6840307" y="3259723"/>
+                <a:ext cx="123239" cy="169277"/>
+              </a:xfrm>
+              <a:prstGeom prst="rect">
+                <a:avLst/>
+              </a:prstGeom>
+              <a:noFill/>
+            </p:spPr>
+            <p:txBody>
+              <a:bodyPr wrap="none" lIns="0" tIns="0" rIns="0" bIns="0" rtlCol="0">
+                <a:spAutoFit/>
+              </a:bodyPr>
+              <a:lstStyle/>
+              <a:p>
+                <a:pPr/>
+                <a14:m>
+                  <m:oMathPara xmlns:m="http://schemas.openxmlformats.org/officeDocument/2006/math">
+                    <m:oMathParaPr>
+                      <m:jc m:val="centerGroup"/>
+                    </m:oMathParaPr>
+                    <m:oMath xmlns:m="http://schemas.openxmlformats.org/officeDocument/2006/math">
+                      <m:r>
+                        <a:rPr lang="fr-FR" sz="1100" b="0" i="1" smtClean="0">
+                          <a:latin typeface="Cambria Math" panose="02040503050406030204" pitchFamily="18" charset="0"/>
+                        </a:rPr>
+                        <m:t>𝐶</m:t>
+                      </m:r>
+                    </m:oMath>
+                  </m:oMathPara>
+                </a14:m>
+                <a:endParaRPr lang="fr-FR" dirty="0"/>
+              </a:p>
+            </p:txBody>
+          </p:sp>
+        </mc:Choice>
+        <mc:Fallback xmlns="">
+          <p:sp>
+            <p:nvSpPr>
+              <p:cNvPr id="39" name="ZoneTexte 38">
+                <a:extLst>
+                  <a:ext uri="{FF2B5EF4-FFF2-40B4-BE49-F238E27FC236}">
+                    <a16:creationId xmlns:a16="http://schemas.microsoft.com/office/drawing/2014/main" id="{F44610B7-42B0-08B2-1595-F33EC3AA8062}"/>
+                  </a:ext>
+                </a:extLst>
+              </p:cNvPr>
+              <p:cNvSpPr txBox="1">
+                <a:spLocks noRot="1" noChangeAspect="1" noMove="1" noResize="1" noEditPoints="1" noAdjustHandles="1" noChangeArrowheads="1" noChangeShapeType="1" noTextEdit="1"/>
+              </p:cNvSpPr>
+              <p:nvPr/>
+            </p:nvSpPr>
+            <p:spPr>
+              <a:xfrm>
+                <a:off x="6840307" y="3259723"/>
+                <a:ext cx="123239" cy="169277"/>
+              </a:xfrm>
+              <a:prstGeom prst="rect">
+                <a:avLst/>
+              </a:prstGeom>
+              <a:blipFill>
+                <a:blip r:embed="rId6"/>
+                <a:stretch>
+                  <a:fillRect l="-25000" r="-25000" b="-7143"/>
+                </a:stretch>
+              </a:blipFill>
+            </p:spPr>
+            <p:txBody>
+              <a:bodyPr/>
+              <a:lstStyle/>
+              <a:p>
+                <a:r>
+                  <a:rPr lang="fr-FR">
+                    <a:noFill/>
+                  </a:rPr>
+                  <a:t> </a:t>
+                </a:r>
+              </a:p>
+            </p:txBody>
+          </p:sp>
+        </mc:Fallback>
+      </mc:AlternateContent>
+      <mc:AlternateContent xmlns:mc="http://schemas.openxmlformats.org/markup-compatibility/2006" xmlns:a14="http://schemas.microsoft.com/office/drawing/2010/main">
+        <mc:Choice Requires="a14">
+          <p:sp>
+            <p:nvSpPr>
+              <p:cNvPr id="40" name="ZoneTexte 39">
+                <a:extLst>
+                  <a:ext uri="{FF2B5EF4-FFF2-40B4-BE49-F238E27FC236}">
+                    <a16:creationId xmlns:a16="http://schemas.microsoft.com/office/drawing/2014/main" id="{296C7F8F-E7D4-F0C9-5AC5-F98581706E4A}"/>
+                  </a:ext>
+                </a:extLst>
+              </p:cNvPr>
+              <p:cNvSpPr txBox="1"/>
+              <p:nvPr/>
+            </p:nvSpPr>
+            <p:spPr>
+              <a:xfrm>
+                <a:off x="7472981" y="1780979"/>
+                <a:ext cx="133946" cy="169277"/>
+              </a:xfrm>
+              <a:prstGeom prst="rect">
+                <a:avLst/>
+              </a:prstGeom>
+              <a:noFill/>
+            </p:spPr>
+            <p:txBody>
+              <a:bodyPr wrap="none" lIns="0" tIns="0" rIns="0" bIns="0" rtlCol="0">
+                <a:spAutoFit/>
+              </a:bodyPr>
+              <a:lstStyle/>
+              <a:p>
+                <a:pPr/>
+                <a14:m>
+                  <m:oMathPara xmlns:m="http://schemas.openxmlformats.org/officeDocument/2006/math">
+                    <m:oMathParaPr>
+                      <m:jc m:val="centerGroup"/>
+                    </m:oMathParaPr>
+                    <m:oMath xmlns:m="http://schemas.openxmlformats.org/officeDocument/2006/math">
+                      <m:r>
+                        <a:rPr lang="fr-FR" sz="1100" b="0" i="1" smtClean="0">
+                          <a:latin typeface="Cambria Math" panose="02040503050406030204" pitchFamily="18" charset="0"/>
+                        </a:rPr>
+                        <m:t>𝐷</m:t>
+                      </m:r>
+                    </m:oMath>
+                  </m:oMathPara>
+                </a14:m>
+                <a:endParaRPr lang="fr-FR" dirty="0"/>
+              </a:p>
+            </p:txBody>
+          </p:sp>
+        </mc:Choice>
+        <mc:Fallback xmlns="">
+          <p:sp>
+            <p:nvSpPr>
+              <p:cNvPr id="40" name="ZoneTexte 39">
+                <a:extLst>
+                  <a:ext uri="{FF2B5EF4-FFF2-40B4-BE49-F238E27FC236}">
+                    <a16:creationId xmlns:a16="http://schemas.microsoft.com/office/drawing/2014/main" id="{296C7F8F-E7D4-F0C9-5AC5-F98581706E4A}"/>
+                  </a:ext>
+                </a:extLst>
+              </p:cNvPr>
+              <p:cNvSpPr txBox="1">
+                <a:spLocks noRot="1" noChangeAspect="1" noMove="1" noResize="1" noEditPoints="1" noAdjustHandles="1" noChangeArrowheads="1" noChangeShapeType="1" noTextEdit="1"/>
+              </p:cNvSpPr>
+              <p:nvPr/>
+            </p:nvSpPr>
+            <p:spPr>
+              <a:xfrm>
+                <a:off x="7472981" y="1780979"/>
+                <a:ext cx="133946" cy="169277"/>
+              </a:xfrm>
+              <a:prstGeom prst="rect">
+                <a:avLst/>
+              </a:prstGeom>
+              <a:blipFill>
+                <a:blip r:embed="rId7"/>
+                <a:stretch>
+                  <a:fillRect l="-22727" r="-22727" b="-7143"/>
+                </a:stretch>
+              </a:blipFill>
+            </p:spPr>
+            <p:txBody>
+              <a:bodyPr/>
+              <a:lstStyle/>
+              <a:p>
+                <a:r>
+                  <a:rPr lang="fr-FR">
+                    <a:noFill/>
+                  </a:rPr>
+                  <a:t> </a:t>
+                </a:r>
+              </a:p>
+            </p:txBody>
+          </p:sp>
+        </mc:Fallback>
+      </mc:AlternateContent>
+      <p:cxnSp>
+        <p:nvCxnSpPr>
+          <p:cNvPr id="25" name="Connecteur droit 24">
+            <a:extLst>
+              <a:ext uri="{FF2B5EF4-FFF2-40B4-BE49-F238E27FC236}">
+                <a16:creationId xmlns:a16="http://schemas.microsoft.com/office/drawing/2014/main" id="{B9D48251-6524-9105-9165-A470C93D49EA}"/>
+              </a:ext>
+            </a:extLst>
+          </p:cNvPr>
+          <p:cNvCxnSpPr>
+            <a:cxnSpLocks/>
+          </p:cNvCxnSpPr>
+          <p:nvPr/>
+        </p:nvCxnSpPr>
+        <p:spPr>
+          <a:xfrm flipV="1">
+            <a:off x="6819954" y="1294417"/>
+            <a:ext cx="0" cy="681824"/>
+          </a:xfrm>
+          <a:prstGeom prst="line">
+            <a:avLst/>
+          </a:prstGeom>
+          <a:solidFill>
+            <a:schemeClr val="bg1"/>
+          </a:solidFill>
+          <a:ln w="28575">
+            <a:solidFill>
+              <a:srgbClr val="C00000"/>
+            </a:solidFill>
+            <a:tailEnd type="stealth" w="med" len="lg"/>
+          </a:ln>
+        </p:spPr>
+        <p:style>
+          <a:lnRef idx="2">
+            <a:schemeClr val="accent1">
+              <a:shade val="50000"/>
+            </a:schemeClr>
+          </a:lnRef>
+          <a:fillRef idx="1">
+            <a:schemeClr val="accent1"/>
+          </a:fillRef>
+          <a:effectRef idx="0">
+            <a:schemeClr val="accent1"/>
+          </a:effectRef>
+          <a:fontRef idx="minor">
+            <a:schemeClr val="lt1"/>
+          </a:fontRef>
+        </p:style>
+      </p:cxnSp>
+      <mc:AlternateContent xmlns:mc="http://schemas.openxmlformats.org/markup-compatibility/2006" xmlns:a14="http://schemas.microsoft.com/office/drawing/2010/main">
+        <mc:Choice Requires="a14">
+          <p:sp>
+            <p:nvSpPr>
+              <p:cNvPr id="26" name="ZoneTexte 25">
+                <a:extLst>
+                  <a:ext uri="{FF2B5EF4-FFF2-40B4-BE49-F238E27FC236}">
+                    <a16:creationId xmlns:a16="http://schemas.microsoft.com/office/drawing/2014/main" id="{457E0124-6EF8-D914-88BF-1B6E0962DA87}"/>
+                  </a:ext>
+                </a:extLst>
+              </p:cNvPr>
+              <p:cNvSpPr txBox="1"/>
+              <p:nvPr/>
+            </p:nvSpPr>
+            <p:spPr>
+              <a:xfrm>
+                <a:off x="6871148" y="1293377"/>
+                <a:ext cx="182806" cy="182614"/>
+              </a:xfrm>
+              <a:prstGeom prst="rect">
+                <a:avLst/>
+              </a:prstGeom>
+              <a:noFill/>
+            </p:spPr>
+            <p:txBody>
+              <a:bodyPr wrap="none" lIns="0" tIns="0" rIns="0" bIns="0" rtlCol="0">
+                <a:spAutoFit/>
+              </a:bodyPr>
+              <a:lstStyle/>
+              <a:p>
+                <a:pPr/>
+                <a14:m>
+                  <m:oMathPara xmlns:m="http://schemas.openxmlformats.org/officeDocument/2006/math">
+                    <m:oMathParaPr>
+                      <m:jc m:val="centerGroup"/>
+                    </m:oMathParaPr>
+                    <m:oMath xmlns:m="http://schemas.openxmlformats.org/officeDocument/2006/math">
+                      <m:sSub>
+                        <m:sSubPr>
+                          <m:ctrlPr>
+                            <a:rPr lang="fr-FR" sz="1100" b="0" i="1" smtClean="0">
+                              <a:latin typeface="Cambria Math" panose="02040503050406030204" pitchFamily="18" charset="0"/>
+                            </a:rPr>
+                          </m:ctrlPr>
+                        </m:sSubPr>
+                        <m:e>
+                          <m:r>
+                            <a:rPr lang="fr-FR" sz="1100" b="0" i="1" smtClean="0">
+                              <a:latin typeface="Cambria Math" panose="02040503050406030204" pitchFamily="18" charset="0"/>
+                            </a:rPr>
+                            <m:t>𝐶</m:t>
+                          </m:r>
+                        </m:e>
+                        <m:sub>
+                          <m:r>
+                            <a:rPr lang="fr-FR" sz="1100" b="0" i="1" smtClean="0">
+                              <a:latin typeface="Cambria Math" panose="02040503050406030204" pitchFamily="18" charset="0"/>
+                            </a:rPr>
+                            <m:t>𝑦</m:t>
+                          </m:r>
+                        </m:sub>
+                      </m:sSub>
+                    </m:oMath>
+                  </m:oMathPara>
+                </a14:m>
+                <a:endParaRPr lang="fr-FR" dirty="0"/>
+              </a:p>
+            </p:txBody>
+          </p:sp>
+        </mc:Choice>
+        <mc:Fallback xmlns="">
+          <p:sp>
+            <p:nvSpPr>
+              <p:cNvPr id="26" name="ZoneTexte 25">
+                <a:extLst>
+                  <a:ext uri="{FF2B5EF4-FFF2-40B4-BE49-F238E27FC236}">
+                    <a16:creationId xmlns:a16="http://schemas.microsoft.com/office/drawing/2014/main" id="{457E0124-6EF8-D914-88BF-1B6E0962DA87}"/>
+                  </a:ext>
+                </a:extLst>
+              </p:cNvPr>
+              <p:cNvSpPr txBox="1">
+                <a:spLocks noRot="1" noChangeAspect="1" noMove="1" noResize="1" noEditPoints="1" noAdjustHandles="1" noChangeArrowheads="1" noChangeShapeType="1" noTextEdit="1"/>
+              </p:cNvSpPr>
+              <p:nvPr/>
+            </p:nvSpPr>
+            <p:spPr>
+              <a:xfrm>
+                <a:off x="6871148" y="1293377"/>
+                <a:ext cx="182806" cy="182614"/>
+              </a:xfrm>
+              <a:prstGeom prst="rect">
+                <a:avLst/>
+              </a:prstGeom>
+              <a:blipFill>
+                <a:blip r:embed="rId8"/>
+                <a:stretch>
+                  <a:fillRect l="-16667" r="-10000" b="-20000"/>
+                </a:stretch>
+              </a:blipFill>
+            </p:spPr>
+            <p:txBody>
+              <a:bodyPr/>
+              <a:lstStyle/>
+              <a:p>
+                <a:r>
+                  <a:rPr lang="fr-FR">
+                    <a:noFill/>
+                  </a:rPr>
+                  <a:t> </a:t>
+                </a:r>
+              </a:p>
+            </p:txBody>
+          </p:sp>
+        </mc:Fallback>
+      </mc:AlternateContent>
+      <p:cxnSp>
+        <p:nvCxnSpPr>
+          <p:cNvPr id="29" name="Connecteur droit 28">
+            <a:extLst>
+              <a:ext uri="{FF2B5EF4-FFF2-40B4-BE49-F238E27FC236}">
+                <a16:creationId xmlns:a16="http://schemas.microsoft.com/office/drawing/2014/main" id="{D62D5870-44AD-FB58-8EB5-B2AF97F9A470}"/>
+              </a:ext>
+            </a:extLst>
+          </p:cNvPr>
+          <p:cNvCxnSpPr>
+            <a:cxnSpLocks/>
+          </p:cNvCxnSpPr>
+          <p:nvPr/>
+        </p:nvCxnSpPr>
+        <p:spPr>
+          <a:xfrm flipV="1">
+            <a:off x="4652571" y="1307051"/>
+            <a:ext cx="0" cy="681824"/>
+          </a:xfrm>
+          <a:prstGeom prst="line">
+            <a:avLst/>
+          </a:prstGeom>
+          <a:solidFill>
+            <a:schemeClr val="bg1"/>
+          </a:solidFill>
+          <a:ln w="28575">
+            <a:solidFill>
+              <a:srgbClr val="C00000"/>
+            </a:solidFill>
+            <a:tailEnd type="stealth" w="med" len="lg"/>
+          </a:ln>
+        </p:spPr>
+        <p:style>
+          <a:lnRef idx="2">
+            <a:schemeClr val="accent1">
+              <a:shade val="50000"/>
+            </a:schemeClr>
+          </a:lnRef>
+          <a:fillRef idx="1">
+            <a:schemeClr val="accent1"/>
+          </a:fillRef>
+          <a:effectRef idx="0">
+            <a:schemeClr val="accent1"/>
+          </a:effectRef>
+          <a:fontRef idx="minor">
+            <a:schemeClr val="lt1"/>
+          </a:fontRef>
+        </p:style>
+      </p:cxnSp>
+      <mc:AlternateContent xmlns:mc="http://schemas.openxmlformats.org/markup-compatibility/2006" xmlns:a14="http://schemas.microsoft.com/office/drawing/2010/main">
+        <mc:Choice Requires="a14">
+          <p:sp>
+            <p:nvSpPr>
+              <p:cNvPr id="31" name="ZoneTexte 30">
+                <a:extLst>
+                  <a:ext uri="{FF2B5EF4-FFF2-40B4-BE49-F238E27FC236}">
+                    <a16:creationId xmlns:a16="http://schemas.microsoft.com/office/drawing/2014/main" id="{D3593CDB-D2C0-E391-158A-DD375AC3300E}"/>
+                  </a:ext>
+                </a:extLst>
+              </p:cNvPr>
+              <p:cNvSpPr txBox="1"/>
+              <p:nvPr/>
+            </p:nvSpPr>
+            <p:spPr>
+              <a:xfrm>
+                <a:off x="4707973" y="1294417"/>
+                <a:ext cx="186718" cy="182614"/>
+              </a:xfrm>
+              <a:prstGeom prst="rect">
+                <a:avLst/>
+              </a:prstGeom>
+              <a:noFill/>
+            </p:spPr>
+            <p:txBody>
+              <a:bodyPr wrap="none" lIns="0" tIns="0" rIns="0" bIns="0" rtlCol="0">
+                <a:spAutoFit/>
+              </a:bodyPr>
+              <a:lstStyle/>
+              <a:p>
+                <a:pPr/>
+                <a14:m>
+                  <m:oMathPara xmlns:m="http://schemas.openxmlformats.org/officeDocument/2006/math">
+                    <m:oMathParaPr>
+                      <m:jc m:val="centerGroup"/>
+                    </m:oMathParaPr>
+                    <m:oMath xmlns:m="http://schemas.openxmlformats.org/officeDocument/2006/math">
+                      <m:sSub>
+                        <m:sSubPr>
+                          <m:ctrlPr>
+                            <a:rPr lang="fr-FR" sz="1100" b="0" i="1" smtClean="0">
+                              <a:latin typeface="Cambria Math" panose="02040503050406030204" pitchFamily="18" charset="0"/>
+                            </a:rPr>
+                          </m:ctrlPr>
+                        </m:sSubPr>
+                        <m:e>
+                          <m:r>
+                            <a:rPr lang="fr-FR" sz="1100" b="0" i="1" smtClean="0">
+                              <a:latin typeface="Cambria Math" panose="02040503050406030204" pitchFamily="18" charset="0"/>
+                            </a:rPr>
+                            <m:t>𝐵</m:t>
+                          </m:r>
+                        </m:e>
+                        <m:sub>
+                          <m:r>
+                            <a:rPr lang="fr-FR" sz="1100" b="0" i="1" smtClean="0">
+                              <a:latin typeface="Cambria Math" panose="02040503050406030204" pitchFamily="18" charset="0"/>
+                            </a:rPr>
+                            <m:t>𝑦</m:t>
+                          </m:r>
+                        </m:sub>
+                      </m:sSub>
+                    </m:oMath>
+                  </m:oMathPara>
+                </a14:m>
+                <a:endParaRPr lang="fr-FR" dirty="0"/>
+              </a:p>
+            </p:txBody>
+          </p:sp>
+        </mc:Choice>
+        <mc:Fallback xmlns="">
+          <p:sp>
+            <p:nvSpPr>
+              <p:cNvPr id="31" name="ZoneTexte 30">
+                <a:extLst>
+                  <a:ext uri="{FF2B5EF4-FFF2-40B4-BE49-F238E27FC236}">
+                    <a16:creationId xmlns:a16="http://schemas.microsoft.com/office/drawing/2014/main" id="{D3593CDB-D2C0-E391-158A-DD375AC3300E}"/>
+                  </a:ext>
+                </a:extLst>
+              </p:cNvPr>
+              <p:cNvSpPr txBox="1">
+                <a:spLocks noRot="1" noChangeAspect="1" noMove="1" noResize="1" noEditPoints="1" noAdjustHandles="1" noChangeArrowheads="1" noChangeShapeType="1" noTextEdit="1"/>
+              </p:cNvSpPr>
+              <p:nvPr/>
+            </p:nvSpPr>
+            <p:spPr>
+              <a:xfrm>
+                <a:off x="4707973" y="1294417"/>
+                <a:ext cx="186718" cy="182614"/>
+              </a:xfrm>
+              <a:prstGeom prst="rect">
+                <a:avLst/>
+              </a:prstGeom>
+              <a:blipFill>
+                <a:blip r:embed="rId9"/>
+                <a:stretch>
+                  <a:fillRect l="-16129" r="-6452" b="-20000"/>
+                </a:stretch>
+              </a:blipFill>
+            </p:spPr>
+            <p:txBody>
+              <a:bodyPr/>
+              <a:lstStyle/>
+              <a:p>
+                <a:r>
+                  <a:rPr lang="fr-FR">
+                    <a:noFill/>
+                  </a:rPr>
+                  <a:t> </a:t>
+                </a:r>
+              </a:p>
+            </p:txBody>
+          </p:sp>
+        </mc:Fallback>
+      </mc:AlternateContent>
+      <p:cxnSp>
+        <p:nvCxnSpPr>
+          <p:cNvPr id="32" name="Connecteur droit 31">
+            <a:extLst>
+              <a:ext uri="{FF2B5EF4-FFF2-40B4-BE49-F238E27FC236}">
+                <a16:creationId xmlns:a16="http://schemas.microsoft.com/office/drawing/2014/main" id="{FBDB9C64-9D40-AD67-D305-166925A4C1CC}"/>
+              </a:ext>
+            </a:extLst>
+          </p:cNvPr>
+          <p:cNvCxnSpPr>
+            <a:cxnSpLocks/>
+          </p:cNvCxnSpPr>
+          <p:nvPr/>
+        </p:nvCxnSpPr>
+        <p:spPr>
+          <a:xfrm>
+            <a:off x="4665741" y="1988875"/>
+            <a:ext cx="310830" cy="0"/>
+          </a:xfrm>
+          <a:prstGeom prst="line">
+            <a:avLst/>
+          </a:prstGeom>
+          <a:solidFill>
+            <a:schemeClr val="bg1"/>
+          </a:solidFill>
+          <a:ln w="28575">
+            <a:solidFill>
+              <a:srgbClr val="C00000"/>
+            </a:solidFill>
+            <a:tailEnd type="stealth" w="med" len="lg"/>
+          </a:ln>
+        </p:spPr>
+        <p:style>
+          <a:lnRef idx="2">
+            <a:schemeClr val="accent1">
+              <a:shade val="50000"/>
+            </a:schemeClr>
+          </a:lnRef>
+          <a:fillRef idx="1">
+            <a:schemeClr val="accent1"/>
+          </a:fillRef>
+          <a:effectRef idx="0">
+            <a:schemeClr val="accent1"/>
+          </a:effectRef>
+          <a:fontRef idx="minor">
+            <a:schemeClr val="lt1"/>
+          </a:fontRef>
+        </p:style>
+      </p:cxnSp>
+      <mc:AlternateContent xmlns:mc="http://schemas.openxmlformats.org/markup-compatibility/2006" xmlns:a14="http://schemas.microsoft.com/office/drawing/2010/main">
+        <mc:Choice Requires="a14">
+          <p:sp>
+            <p:nvSpPr>
+              <p:cNvPr id="33" name="ZoneTexte 32">
+                <a:extLst>
+                  <a:ext uri="{FF2B5EF4-FFF2-40B4-BE49-F238E27FC236}">
+                    <a16:creationId xmlns:a16="http://schemas.microsoft.com/office/drawing/2014/main" id="{0FF554FA-35BC-A669-6CF1-3D3444D6D926}"/>
+                  </a:ext>
+                </a:extLst>
+              </p:cNvPr>
+              <p:cNvSpPr txBox="1"/>
+              <p:nvPr/>
+            </p:nvSpPr>
+            <p:spPr>
+              <a:xfrm>
+                <a:off x="4841024" y="1732461"/>
+                <a:ext cx="182166" cy="169277"/>
+              </a:xfrm>
+              <a:prstGeom prst="rect">
+                <a:avLst/>
+              </a:prstGeom>
+              <a:noFill/>
+            </p:spPr>
+            <p:txBody>
+              <a:bodyPr wrap="none" lIns="0" tIns="0" rIns="0" bIns="0" rtlCol="0">
+                <a:spAutoFit/>
+              </a:bodyPr>
+              <a:lstStyle/>
+              <a:p>
+                <a:pPr/>
+                <a14:m>
+                  <m:oMathPara xmlns:m="http://schemas.openxmlformats.org/officeDocument/2006/math">
+                    <m:oMathParaPr>
+                      <m:jc m:val="centerGroup"/>
+                    </m:oMathParaPr>
+                    <m:oMath xmlns:m="http://schemas.openxmlformats.org/officeDocument/2006/math">
+                      <m:sSub>
+                        <m:sSubPr>
+                          <m:ctrlPr>
+                            <a:rPr lang="fr-FR" sz="1100" b="0" i="1" smtClean="0">
+                              <a:latin typeface="Cambria Math" panose="02040503050406030204" pitchFamily="18" charset="0"/>
+                            </a:rPr>
+                          </m:ctrlPr>
+                        </m:sSubPr>
+                        <m:e>
+                          <m:r>
+                            <a:rPr lang="fr-FR" sz="1100" b="0" i="1" smtClean="0">
+                              <a:latin typeface="Cambria Math" panose="02040503050406030204" pitchFamily="18" charset="0"/>
+                            </a:rPr>
+                            <m:t>𝐵</m:t>
+                          </m:r>
+                        </m:e>
+                        <m:sub>
+                          <m:r>
+                            <a:rPr lang="fr-FR" sz="1100" b="0" i="1" smtClean="0">
+                              <a:latin typeface="Cambria Math" panose="02040503050406030204" pitchFamily="18" charset="0"/>
+                            </a:rPr>
+                            <m:t>𝑥</m:t>
+                          </m:r>
+                        </m:sub>
+                      </m:sSub>
+                    </m:oMath>
+                  </m:oMathPara>
+                </a14:m>
+                <a:endParaRPr lang="fr-FR" dirty="0"/>
+              </a:p>
+            </p:txBody>
+          </p:sp>
+        </mc:Choice>
+        <mc:Fallback xmlns="">
+          <p:sp>
+            <p:nvSpPr>
+              <p:cNvPr id="33" name="ZoneTexte 32">
+                <a:extLst>
+                  <a:ext uri="{FF2B5EF4-FFF2-40B4-BE49-F238E27FC236}">
+                    <a16:creationId xmlns:a16="http://schemas.microsoft.com/office/drawing/2014/main" id="{0FF554FA-35BC-A669-6CF1-3D3444D6D926}"/>
+                  </a:ext>
+                </a:extLst>
+              </p:cNvPr>
+              <p:cNvSpPr txBox="1">
+                <a:spLocks noRot="1" noChangeAspect="1" noMove="1" noResize="1" noEditPoints="1" noAdjustHandles="1" noChangeArrowheads="1" noChangeShapeType="1" noTextEdit="1"/>
+              </p:cNvSpPr>
+              <p:nvPr/>
+            </p:nvSpPr>
+            <p:spPr>
+              <a:xfrm>
+                <a:off x="4841024" y="1732461"/>
+                <a:ext cx="182166" cy="169277"/>
+              </a:xfrm>
+              <a:prstGeom prst="rect">
+                <a:avLst/>
+              </a:prstGeom>
+              <a:blipFill>
+                <a:blip r:embed="rId10"/>
+                <a:stretch>
+                  <a:fillRect l="-16667" r="-3333" b="-14286"/>
+                </a:stretch>
+              </a:blipFill>
+            </p:spPr>
+            <p:txBody>
+              <a:bodyPr/>
+              <a:lstStyle/>
+              <a:p>
+                <a:r>
+                  <a:rPr lang="fr-FR">
+                    <a:noFill/>
+                  </a:rPr>
+                  <a:t> </a:t>
+                </a:r>
+              </a:p>
+            </p:txBody>
+          </p:sp>
+        </mc:Fallback>
+      </mc:AlternateContent>
+      <p:sp>
+        <p:nvSpPr>
+          <p:cNvPr id="41" name="Forme libre : forme 40">
+            <a:extLst>
+              <a:ext uri="{FF2B5EF4-FFF2-40B4-BE49-F238E27FC236}">
+                <a16:creationId xmlns:a16="http://schemas.microsoft.com/office/drawing/2014/main" id="{881A3FB5-266A-0216-76E2-B76B89D3DC44}"/>
+              </a:ext>
+            </a:extLst>
+          </p:cNvPr>
+          <p:cNvSpPr/>
+          <p:nvPr/>
+        </p:nvSpPr>
+        <p:spPr>
+          <a:xfrm>
+            <a:off x="5803640" y="1815154"/>
+            <a:ext cx="52450" cy="318728"/>
+          </a:xfrm>
+          <a:custGeom>
+            <a:avLst/>
+            <a:gdLst>
+              <a:gd name="connsiteX0" fmla="*/ 0 w 75235"/>
+              <a:gd name="connsiteY0" fmla="*/ 0 h 457200"/>
+              <a:gd name="connsiteX1" fmla="*/ 57873 w 75235"/>
+              <a:gd name="connsiteY1" fmla="*/ 115746 h 457200"/>
+              <a:gd name="connsiteX2" fmla="*/ 17362 w 75235"/>
+              <a:gd name="connsiteY2" fmla="*/ 312516 h 457200"/>
+              <a:gd name="connsiteX3" fmla="*/ 75235 w 75235"/>
+              <a:gd name="connsiteY3" fmla="*/ 457200 h 457200"/>
+            </a:gdLst>
+            <a:ahLst/>
+            <a:cxnLst>
+              <a:cxn ang="0">
+                <a:pos x="connsiteX0" y="connsiteY0"/>
+              </a:cxn>
+              <a:cxn ang="0">
+                <a:pos x="connsiteX1" y="connsiteY1"/>
+              </a:cxn>
+              <a:cxn ang="0">
+                <a:pos x="connsiteX2" y="connsiteY2"/>
+              </a:cxn>
+              <a:cxn ang="0">
+                <a:pos x="connsiteX3" y="connsiteY3"/>
+              </a:cxn>
+            </a:cxnLst>
+            <a:rect l="l" t="t" r="r" b="b"/>
+            <a:pathLst>
+              <a:path w="75235" h="457200">
+                <a:moveTo>
+                  <a:pt x="0" y="0"/>
+                </a:moveTo>
+                <a:cubicBezTo>
+                  <a:pt x="27489" y="31830"/>
+                  <a:pt x="54979" y="63660"/>
+                  <a:pt x="57873" y="115746"/>
+                </a:cubicBezTo>
+                <a:cubicBezTo>
+                  <a:pt x="60767" y="167832"/>
+                  <a:pt x="14468" y="255607"/>
+                  <a:pt x="17362" y="312516"/>
+                </a:cubicBezTo>
+                <a:cubicBezTo>
+                  <a:pt x="20256" y="369425"/>
+                  <a:pt x="57873" y="448519"/>
+                  <a:pt x="75235" y="457200"/>
+                </a:cubicBezTo>
+              </a:path>
+            </a:pathLst>
+          </a:custGeom>
+          <a:noFill/>
+          <a:ln w="38100">
+            <a:solidFill>
+              <a:srgbClr val="00B050"/>
+            </a:solidFill>
+          </a:ln>
+        </p:spPr>
+        <p:style>
+          <a:lnRef idx="2">
+            <a:schemeClr val="accent1">
+              <a:shade val="50000"/>
+            </a:schemeClr>
+          </a:lnRef>
+          <a:fillRef idx="1">
+            <a:schemeClr val="accent1"/>
+          </a:fillRef>
+          <a:effectRef idx="0">
+            <a:schemeClr val="accent1"/>
+          </a:effectRef>
+          <a:fontRef idx="minor">
+            <a:schemeClr val="lt1"/>
+          </a:fontRef>
+        </p:style>
+        <p:txBody>
+          <a:bodyPr rtlCol="0" anchor="ctr"/>
+          <a:lstStyle/>
+          <a:p>
+            <a:pPr algn="ctr"/>
+            <a:endParaRPr lang="fr-FR"/>
+          </a:p>
+        </p:txBody>
+      </p:sp>
+      <mc:AlternateContent xmlns:mc="http://schemas.openxmlformats.org/markup-compatibility/2006" xmlns:a14="http://schemas.microsoft.com/office/drawing/2010/main">
+        <mc:Choice Requires="a14">
+          <p:sp>
+            <p:nvSpPr>
+              <p:cNvPr id="42" name="ZoneTexte 41">
+                <a:extLst>
+                  <a:ext uri="{FF2B5EF4-FFF2-40B4-BE49-F238E27FC236}">
+                    <a16:creationId xmlns:a16="http://schemas.microsoft.com/office/drawing/2014/main" id="{DC20DF48-8AAC-1DD1-EF18-10983F9D37B9}"/>
+                  </a:ext>
+                </a:extLst>
+              </p:cNvPr>
+              <p:cNvSpPr txBox="1"/>
+              <p:nvPr/>
+            </p:nvSpPr>
+            <p:spPr>
+              <a:xfrm>
+                <a:off x="5733112" y="1604386"/>
+                <a:ext cx="181267" cy="169277"/>
+              </a:xfrm>
+              <a:prstGeom prst="rect">
+                <a:avLst/>
+              </a:prstGeom>
+              <a:noFill/>
+            </p:spPr>
+            <p:txBody>
+              <a:bodyPr wrap="none" lIns="0" tIns="0" rIns="0" bIns="0" rtlCol="0">
+                <a:spAutoFit/>
+              </a:bodyPr>
+              <a:lstStyle/>
+              <a:p>
+                <a:pPr/>
+                <a14:m>
+                  <m:oMathPara xmlns:m="http://schemas.openxmlformats.org/officeDocument/2006/math">
+                    <m:oMathParaPr>
+                      <m:jc m:val="centerGroup"/>
+                    </m:oMathParaPr>
+                    <m:oMath xmlns:m="http://schemas.openxmlformats.org/officeDocument/2006/math">
+                      <m:sSub>
+                        <m:sSubPr>
+                          <m:ctrlPr>
+                            <a:rPr lang="fr-FR" sz="1100" b="0" i="1" smtClean="0">
+                              <a:latin typeface="Cambria Math" panose="02040503050406030204" pitchFamily="18" charset="0"/>
+                            </a:rPr>
+                          </m:ctrlPr>
+                        </m:sSubPr>
+                        <m:e>
+                          <m:r>
+                            <a:rPr lang="fr-FR" sz="1100" b="0" i="1" smtClean="0">
+                              <a:latin typeface="Cambria Math" panose="02040503050406030204" pitchFamily="18" charset="0"/>
+                            </a:rPr>
+                            <m:t>𝐺</m:t>
+                          </m:r>
+                        </m:e>
+                        <m:sub>
+                          <m:r>
+                            <a:rPr lang="fr-FR" sz="1100" b="0" i="1" smtClean="0">
+                              <a:latin typeface="Cambria Math" panose="02040503050406030204" pitchFamily="18" charset="0"/>
+                            </a:rPr>
+                            <m:t>2</m:t>
+                          </m:r>
+                        </m:sub>
+                      </m:sSub>
+                    </m:oMath>
+                  </m:oMathPara>
+                </a14:m>
+                <a:endParaRPr lang="fr-FR" dirty="0"/>
+              </a:p>
+            </p:txBody>
+          </p:sp>
+        </mc:Choice>
+        <mc:Fallback xmlns="">
+          <p:sp>
+            <p:nvSpPr>
+              <p:cNvPr id="42" name="ZoneTexte 41">
+                <a:extLst>
+                  <a:ext uri="{FF2B5EF4-FFF2-40B4-BE49-F238E27FC236}">
+                    <a16:creationId xmlns:a16="http://schemas.microsoft.com/office/drawing/2014/main" id="{DC20DF48-8AAC-1DD1-EF18-10983F9D37B9}"/>
+                  </a:ext>
+                </a:extLst>
+              </p:cNvPr>
+              <p:cNvSpPr txBox="1">
+                <a:spLocks noRot="1" noChangeAspect="1" noMove="1" noResize="1" noEditPoints="1" noAdjustHandles="1" noChangeArrowheads="1" noChangeShapeType="1" noTextEdit="1"/>
+              </p:cNvSpPr>
+              <p:nvPr/>
+            </p:nvSpPr>
+            <p:spPr>
+              <a:xfrm>
+                <a:off x="5733112" y="1604386"/>
+                <a:ext cx="181267" cy="169277"/>
+              </a:xfrm>
+              <a:prstGeom prst="rect">
+                <a:avLst/>
+              </a:prstGeom>
+              <a:blipFill>
+                <a:blip r:embed="rId11"/>
+                <a:stretch>
+                  <a:fillRect l="-16667" r="-6667" b="-17857"/>
+                </a:stretch>
+              </a:blipFill>
+            </p:spPr>
+            <p:txBody>
+              <a:bodyPr/>
+              <a:lstStyle/>
+              <a:p>
+                <a:r>
+                  <a:rPr lang="fr-FR">
+                    <a:noFill/>
+                  </a:rPr>
+                  <a:t> </a:t>
+                </a:r>
+              </a:p>
+            </p:txBody>
+          </p:sp>
+        </mc:Fallback>
+      </mc:AlternateContent>
+      <mc:AlternateContent xmlns:mc="http://schemas.openxmlformats.org/markup-compatibility/2006" xmlns:a14="http://schemas.microsoft.com/office/drawing/2010/main">
+        <mc:Choice Requires="a14">
+          <p:sp>
+            <p:nvSpPr>
+              <p:cNvPr id="43" name="Ellipse 42">
+                <a:extLst>
+                  <a:ext uri="{FF2B5EF4-FFF2-40B4-BE49-F238E27FC236}">
+                    <a16:creationId xmlns:a16="http://schemas.microsoft.com/office/drawing/2014/main" id="{450EB561-DD3D-023F-3173-32157E3661F6}"/>
+                  </a:ext>
+                </a:extLst>
+              </p:cNvPr>
+              <p:cNvSpPr/>
+              <p:nvPr/>
+            </p:nvSpPr>
+            <p:spPr>
+              <a:xfrm>
+                <a:off x="5017773" y="1307719"/>
+                <a:ext cx="288000" cy="288000"/>
+              </a:xfrm>
+              <a:prstGeom prst="ellipse">
+                <a:avLst/>
+              </a:prstGeom>
+              <a:solidFill>
+                <a:schemeClr val="bg1"/>
+              </a:solidFill>
+              <a:ln w="19050">
+                <a:solidFill>
+                  <a:srgbClr val="00B050"/>
+                </a:solidFill>
+              </a:ln>
+            </p:spPr>
+            <p:style>
+              <a:lnRef idx="2">
+                <a:schemeClr val="accent1">
+                  <a:shade val="50000"/>
+                </a:schemeClr>
+              </a:lnRef>
+              <a:fillRef idx="1">
+                <a:schemeClr val="accent1"/>
+              </a:fillRef>
+              <a:effectRef idx="0">
+                <a:schemeClr val="accent1"/>
+              </a:effectRef>
+              <a:fontRef idx="minor">
+                <a:schemeClr val="lt1"/>
+              </a:fontRef>
+            </p:style>
+            <p:txBody>
+              <a:bodyPr lIns="0" tIns="0" rIns="0" bIns="0" rtlCol="0" anchor="ctr"/>
+              <a:lstStyle/>
+              <a:p>
+                <a:pPr algn="ctr"/>
+                <a:r>
+                  <a:rPr lang="fr-FR" sz="1200" b="0" dirty="0">
+                    <a:solidFill>
+                      <a:schemeClr val="tx1"/>
+                    </a:solidFill>
+                  </a:rPr>
+                  <a:t> </a:t>
+                </a:r>
+                <a14:m>
+                  <m:oMath xmlns:m="http://schemas.openxmlformats.org/officeDocument/2006/math">
+                    <m:r>
+                      <a:rPr lang="fr-FR" sz="1200" b="0" i="1" smtClean="0">
+                        <a:solidFill>
+                          <a:schemeClr val="tx1"/>
+                        </a:solidFill>
+                        <a:latin typeface="Cambria Math" panose="02040503050406030204" pitchFamily="18" charset="0"/>
+                      </a:rPr>
+                      <m:t>𝐼</m:t>
+                    </m:r>
+                  </m:oMath>
+                </a14:m>
+                <a:endParaRPr lang="fr-FR" sz="1200" dirty="0"/>
+              </a:p>
+            </p:txBody>
+          </p:sp>
+        </mc:Choice>
+        <mc:Fallback xmlns="">
+          <p:sp>
+            <p:nvSpPr>
+              <p:cNvPr id="43" name="Ellipse 42">
+                <a:extLst>
+                  <a:ext uri="{FF2B5EF4-FFF2-40B4-BE49-F238E27FC236}">
+                    <a16:creationId xmlns:a16="http://schemas.microsoft.com/office/drawing/2014/main" id="{450EB561-DD3D-023F-3173-32157E3661F6}"/>
+                  </a:ext>
+                </a:extLst>
+              </p:cNvPr>
+              <p:cNvSpPr>
+                <a:spLocks noRot="1" noChangeAspect="1" noMove="1" noResize="1" noEditPoints="1" noAdjustHandles="1" noChangeArrowheads="1" noChangeShapeType="1" noTextEdit="1"/>
+              </p:cNvSpPr>
+              <p:nvPr/>
+            </p:nvSpPr>
+            <p:spPr>
+              <a:xfrm>
+                <a:off x="5017773" y="1307719"/>
+                <a:ext cx="288000" cy="288000"/>
+              </a:xfrm>
+              <a:prstGeom prst="ellipse">
+                <a:avLst/>
+              </a:prstGeom>
+              <a:blipFill>
+                <a:blip r:embed="rId12"/>
+                <a:stretch>
+                  <a:fillRect/>
+                </a:stretch>
+              </a:blipFill>
+              <a:ln w="19050">
+                <a:solidFill>
+                  <a:srgbClr val="00B050"/>
+                </a:solidFill>
+              </a:ln>
+            </p:spPr>
+            <p:txBody>
+              <a:bodyPr/>
+              <a:lstStyle/>
+              <a:p>
+                <a:r>
+                  <a:rPr lang="fr-FR">
+                    <a:noFill/>
+                  </a:rPr>
+                  <a:t> </a:t>
+                </a:r>
+              </a:p>
+            </p:txBody>
+          </p:sp>
+        </mc:Fallback>
+      </mc:AlternateContent>
+      <mc:AlternateContent xmlns:mc="http://schemas.openxmlformats.org/markup-compatibility/2006" xmlns:a14="http://schemas.microsoft.com/office/drawing/2010/main">
+        <mc:Choice Requires="a14">
+          <p:sp>
+            <p:nvSpPr>
+              <p:cNvPr id="44" name="Ellipse 43">
+                <a:extLst>
+                  <a:ext uri="{FF2B5EF4-FFF2-40B4-BE49-F238E27FC236}">
+                    <a16:creationId xmlns:a16="http://schemas.microsoft.com/office/drawing/2014/main" id="{57AC1567-6749-F385-44C2-4101A2A618B0}"/>
+                  </a:ext>
+                </a:extLst>
+              </p:cNvPr>
+              <p:cNvSpPr/>
+              <p:nvPr/>
+            </p:nvSpPr>
+            <p:spPr>
+              <a:xfrm>
+                <a:off x="6096000" y="1307719"/>
+                <a:ext cx="288000" cy="288000"/>
+              </a:xfrm>
+              <a:prstGeom prst="ellipse">
+                <a:avLst/>
+              </a:prstGeom>
+              <a:solidFill>
+                <a:schemeClr val="bg1"/>
+              </a:solidFill>
+              <a:ln w="19050">
+                <a:solidFill>
+                  <a:srgbClr val="00B050"/>
+                </a:solidFill>
+              </a:ln>
+            </p:spPr>
+            <p:style>
+              <a:lnRef idx="2">
+                <a:schemeClr val="accent1">
+                  <a:shade val="50000"/>
+                </a:schemeClr>
+              </a:lnRef>
+              <a:fillRef idx="1">
+                <a:schemeClr val="accent1"/>
+              </a:fillRef>
+              <a:effectRef idx="0">
+                <a:schemeClr val="accent1"/>
+              </a:effectRef>
+              <a:fontRef idx="minor">
+                <a:schemeClr val="lt1"/>
+              </a:fontRef>
+            </p:style>
+            <p:txBody>
+              <a:bodyPr lIns="0" tIns="0" rIns="0" bIns="0" rtlCol="0" anchor="ctr"/>
+              <a:lstStyle/>
+              <a:p>
+                <a:pPr algn="ctr"/>
+                <a:r>
+                  <a:rPr lang="fr-FR" sz="1200" b="0" dirty="0">
+                    <a:solidFill>
+                      <a:schemeClr val="tx1"/>
+                    </a:solidFill>
+                  </a:rPr>
+                  <a:t> </a:t>
+                </a:r>
+                <a14:m>
+                  <m:oMath xmlns:m="http://schemas.openxmlformats.org/officeDocument/2006/math">
+                    <m:r>
+                      <a:rPr lang="fr-FR" sz="1200" b="0" i="1" smtClean="0">
+                        <a:solidFill>
+                          <a:schemeClr val="tx1"/>
+                        </a:solidFill>
+                        <a:latin typeface="Cambria Math" panose="02040503050406030204" pitchFamily="18" charset="0"/>
+                      </a:rPr>
+                      <m:t>𝐼𝐼</m:t>
+                    </m:r>
+                  </m:oMath>
+                </a14:m>
+                <a:endParaRPr lang="fr-FR" sz="1200" dirty="0"/>
+              </a:p>
+            </p:txBody>
+          </p:sp>
+        </mc:Choice>
+        <mc:Fallback xmlns="">
+          <p:sp>
+            <p:nvSpPr>
+              <p:cNvPr id="44" name="Ellipse 43">
+                <a:extLst>
+                  <a:ext uri="{FF2B5EF4-FFF2-40B4-BE49-F238E27FC236}">
+                    <a16:creationId xmlns:a16="http://schemas.microsoft.com/office/drawing/2014/main" id="{57AC1567-6749-F385-44C2-4101A2A618B0}"/>
+                  </a:ext>
+                </a:extLst>
+              </p:cNvPr>
+              <p:cNvSpPr>
+                <a:spLocks noRot="1" noChangeAspect="1" noMove="1" noResize="1" noEditPoints="1" noAdjustHandles="1" noChangeArrowheads="1" noChangeShapeType="1" noTextEdit="1"/>
+              </p:cNvSpPr>
+              <p:nvPr/>
+            </p:nvSpPr>
+            <p:spPr>
+              <a:xfrm>
+                <a:off x="6096000" y="1307719"/>
+                <a:ext cx="288000" cy="288000"/>
+              </a:xfrm>
+              <a:prstGeom prst="ellipse">
+                <a:avLst/>
+              </a:prstGeom>
+              <a:blipFill>
+                <a:blip r:embed="rId13"/>
+                <a:stretch>
+                  <a:fillRect/>
+                </a:stretch>
+              </a:blipFill>
+              <a:ln w="19050">
+                <a:solidFill>
+                  <a:srgbClr val="00B050"/>
+                </a:solidFill>
+              </a:ln>
+            </p:spPr>
+            <p:txBody>
+              <a:bodyPr/>
+              <a:lstStyle/>
+              <a:p>
+                <a:r>
+                  <a:rPr lang="fr-FR">
+                    <a:noFill/>
+                  </a:rPr>
+                  <a:t> </a:t>
+                </a:r>
+              </a:p>
+            </p:txBody>
+          </p:sp>
+        </mc:Fallback>
+      </mc:AlternateContent>
+      <p:cxnSp>
+        <p:nvCxnSpPr>
+          <p:cNvPr id="45" name="Connecteur droit 44">
+            <a:extLst>
+              <a:ext uri="{FF2B5EF4-FFF2-40B4-BE49-F238E27FC236}">
+                <a16:creationId xmlns:a16="http://schemas.microsoft.com/office/drawing/2014/main" id="{B2C1D600-D640-6834-446F-B8E6590DFFD5}"/>
+              </a:ext>
+            </a:extLst>
+          </p:cNvPr>
+          <p:cNvCxnSpPr>
+            <a:cxnSpLocks/>
+          </p:cNvCxnSpPr>
+          <p:nvPr/>
+        </p:nvCxnSpPr>
+        <p:spPr>
+          <a:xfrm>
+            <a:off x="3939953" y="3429000"/>
+            <a:ext cx="3780364" cy="3"/>
+          </a:xfrm>
+          <a:prstGeom prst="line">
+            <a:avLst/>
+          </a:prstGeom>
+          <a:solidFill>
+            <a:schemeClr val="bg1"/>
+          </a:solidFill>
+          <a:ln w="19050">
+            <a:solidFill>
+              <a:srgbClr val="002060"/>
+            </a:solidFill>
+            <a:tailEnd type="stealth" w="med" len="lg"/>
+          </a:ln>
+        </p:spPr>
+        <p:style>
+          <a:lnRef idx="2">
+            <a:schemeClr val="accent1">
+              <a:shade val="50000"/>
+            </a:schemeClr>
+          </a:lnRef>
+          <a:fillRef idx="1">
+            <a:schemeClr val="accent1"/>
+          </a:fillRef>
+          <a:effectRef idx="0">
+            <a:schemeClr val="accent1"/>
+          </a:effectRef>
+          <a:fontRef idx="minor">
+            <a:schemeClr val="lt1"/>
+          </a:fontRef>
+        </p:style>
+      </p:cxnSp>
+      <p:cxnSp>
+        <p:nvCxnSpPr>
+          <p:cNvPr id="46" name="Connecteur droit 45">
+            <a:extLst>
+              <a:ext uri="{FF2B5EF4-FFF2-40B4-BE49-F238E27FC236}">
+                <a16:creationId xmlns:a16="http://schemas.microsoft.com/office/drawing/2014/main" id="{939096D3-B344-64CC-4A91-802AF8498310}"/>
+              </a:ext>
+            </a:extLst>
+          </p:cNvPr>
+          <p:cNvCxnSpPr>
+            <a:cxnSpLocks/>
+            <a:stCxn id="6" idx="0"/>
+            <a:endCxn id="6" idx="4"/>
+          </p:cNvCxnSpPr>
+          <p:nvPr/>
+        </p:nvCxnSpPr>
+        <p:spPr>
+          <a:xfrm flipH="1">
+            <a:off x="3956191" y="2985011"/>
+            <a:ext cx="689457" cy="443985"/>
+          </a:xfrm>
+          <a:prstGeom prst="line">
+            <a:avLst/>
+          </a:prstGeom>
+          <a:solidFill>
+            <a:schemeClr val="bg1"/>
+          </a:solidFill>
+          <a:ln w="28575">
+            <a:solidFill>
+              <a:schemeClr val="accent2">
+                <a:lumMod val="50000"/>
+              </a:schemeClr>
+            </a:solidFill>
+          </a:ln>
+        </p:spPr>
+        <p:style>
+          <a:lnRef idx="2">
+            <a:schemeClr val="accent1">
+              <a:shade val="50000"/>
+            </a:schemeClr>
+          </a:lnRef>
+          <a:fillRef idx="1">
+            <a:schemeClr val="accent1"/>
+          </a:fillRef>
+          <a:effectRef idx="0">
+            <a:schemeClr val="accent1"/>
+          </a:effectRef>
+          <a:fontRef idx="minor">
+            <a:schemeClr val="lt1"/>
+          </a:fontRef>
+        </p:style>
+      </p:cxnSp>
+      <p:cxnSp>
+        <p:nvCxnSpPr>
+          <p:cNvPr id="47" name="Connecteur droit 46">
+            <a:extLst>
+              <a:ext uri="{FF2B5EF4-FFF2-40B4-BE49-F238E27FC236}">
+                <a16:creationId xmlns:a16="http://schemas.microsoft.com/office/drawing/2014/main" id="{48D878AA-0CD5-5977-1E01-11C0243E119F}"/>
+              </a:ext>
+            </a:extLst>
+          </p:cNvPr>
+          <p:cNvCxnSpPr>
+            <a:cxnSpLocks/>
+            <a:stCxn id="6" idx="0"/>
+          </p:cNvCxnSpPr>
+          <p:nvPr/>
+        </p:nvCxnSpPr>
+        <p:spPr>
+          <a:xfrm>
+            <a:off x="4645648" y="2985011"/>
+            <a:ext cx="2174306" cy="888825"/>
+          </a:xfrm>
+          <a:prstGeom prst="line">
+            <a:avLst/>
+          </a:prstGeom>
+          <a:solidFill>
+            <a:schemeClr val="bg1"/>
+          </a:solidFill>
+          <a:ln w="28575">
+            <a:solidFill>
+              <a:schemeClr val="accent2">
+                <a:lumMod val="50000"/>
+              </a:schemeClr>
+            </a:solidFill>
+          </a:ln>
+        </p:spPr>
+        <p:style>
+          <a:lnRef idx="2">
+            <a:schemeClr val="accent1">
+              <a:shade val="50000"/>
+            </a:schemeClr>
+          </a:lnRef>
+          <a:fillRef idx="1">
+            <a:schemeClr val="accent1"/>
+          </a:fillRef>
+          <a:effectRef idx="0">
+            <a:schemeClr val="accent1"/>
+          </a:effectRef>
+          <a:fontRef idx="minor">
+            <a:schemeClr val="lt1"/>
+          </a:fontRef>
+        </p:style>
+      </p:cxnSp>
+      <p:sp>
+        <p:nvSpPr>
+          <p:cNvPr id="55" name="Triangle rectangle 54">
+            <a:extLst>
+              <a:ext uri="{FF2B5EF4-FFF2-40B4-BE49-F238E27FC236}">
+                <a16:creationId xmlns:a16="http://schemas.microsoft.com/office/drawing/2014/main" id="{08C1733B-A313-656A-4381-40B214832D58}"/>
+              </a:ext>
+            </a:extLst>
+          </p:cNvPr>
+          <p:cNvSpPr/>
+          <p:nvPr/>
+        </p:nvSpPr>
+        <p:spPr>
+          <a:xfrm flipV="1">
+            <a:off x="6819953" y="3446345"/>
+            <a:ext cx="720001" cy="424782"/>
+          </a:xfrm>
+          <a:prstGeom prst="rtTriangle">
+            <a:avLst/>
+          </a:prstGeom>
+          <a:solidFill>
+            <a:schemeClr val="accent2">
+              <a:lumMod val="20000"/>
+              <a:lumOff val="80000"/>
+            </a:schemeClr>
+          </a:solidFill>
+          <a:ln>
+            <a:noFill/>
+          </a:ln>
+        </p:spPr>
+        <p:style>
+          <a:lnRef idx="2">
+            <a:schemeClr val="accent1">
+              <a:shade val="50000"/>
+            </a:schemeClr>
+          </a:lnRef>
+          <a:fillRef idx="1">
+            <a:schemeClr val="accent1"/>
+          </a:fillRef>
+          <a:effectRef idx="0">
+            <a:schemeClr val="accent1"/>
+          </a:effectRef>
+          <a:fontRef idx="minor">
+            <a:schemeClr val="lt1"/>
+          </a:fontRef>
+        </p:style>
+        <p:txBody>
+          <a:bodyPr rtlCol="0" anchor="ctr"/>
+          <a:lstStyle/>
+          <a:p>
+            <a:pPr algn="ctr"/>
+            <a:endParaRPr lang="fr-FR"/>
+          </a:p>
+        </p:txBody>
+      </p:sp>
+      <p:cxnSp>
+        <p:nvCxnSpPr>
+          <p:cNvPr id="56" name="Connecteur droit 55">
+            <a:extLst>
+              <a:ext uri="{FF2B5EF4-FFF2-40B4-BE49-F238E27FC236}">
+                <a16:creationId xmlns:a16="http://schemas.microsoft.com/office/drawing/2014/main" id="{0811F9A5-2ED7-735F-1A1C-2D87F8594621}"/>
+              </a:ext>
+            </a:extLst>
+          </p:cNvPr>
+          <p:cNvCxnSpPr>
+            <a:cxnSpLocks/>
+            <a:stCxn id="55" idx="4"/>
+          </p:cNvCxnSpPr>
+          <p:nvPr/>
+        </p:nvCxnSpPr>
+        <p:spPr>
+          <a:xfrm flipH="1">
+            <a:off x="6819954" y="3446345"/>
+            <a:ext cx="720000" cy="427492"/>
+          </a:xfrm>
+          <a:prstGeom prst="line">
+            <a:avLst/>
+          </a:prstGeom>
+          <a:solidFill>
+            <a:schemeClr val="bg1"/>
+          </a:solidFill>
+          <a:ln w="28575">
+            <a:solidFill>
+              <a:schemeClr val="accent2">
+                <a:lumMod val="50000"/>
+              </a:schemeClr>
+            </a:solidFill>
+          </a:ln>
+        </p:spPr>
+        <p:style>
+          <a:lnRef idx="2">
+            <a:schemeClr val="accent1">
+              <a:shade val="50000"/>
+            </a:schemeClr>
+          </a:lnRef>
+          <a:fillRef idx="1">
+            <a:schemeClr val="accent1"/>
+          </a:fillRef>
+          <a:effectRef idx="0">
+            <a:schemeClr val="accent1"/>
+          </a:effectRef>
+          <a:fontRef idx="minor">
+            <a:schemeClr val="lt1"/>
+          </a:fontRef>
+        </p:style>
+      </p:cxnSp>
+      <p:cxnSp>
+        <p:nvCxnSpPr>
+          <p:cNvPr id="59" name="Connecteur droit 58">
+            <a:extLst>
+              <a:ext uri="{FF2B5EF4-FFF2-40B4-BE49-F238E27FC236}">
+                <a16:creationId xmlns:a16="http://schemas.microsoft.com/office/drawing/2014/main" id="{B99A0558-E2B8-2C51-B1AA-2995B0A5FE40}"/>
+              </a:ext>
+            </a:extLst>
+          </p:cNvPr>
+          <p:cNvCxnSpPr>
+            <a:cxnSpLocks/>
+            <a:stCxn id="6" idx="0"/>
+          </p:cNvCxnSpPr>
+          <p:nvPr/>
+        </p:nvCxnSpPr>
+        <p:spPr>
+          <a:xfrm flipH="1">
+            <a:off x="3939952" y="2985011"/>
+            <a:ext cx="705696" cy="0"/>
+          </a:xfrm>
+          <a:prstGeom prst="line">
+            <a:avLst/>
+          </a:prstGeom>
+          <a:solidFill>
+            <a:schemeClr val="bg1"/>
+          </a:solidFill>
+          <a:ln w="12700">
+            <a:solidFill>
+              <a:schemeClr val="accent2">
+                <a:lumMod val="50000"/>
+              </a:schemeClr>
+            </a:solidFill>
+            <a:prstDash val="sysDash"/>
+          </a:ln>
+        </p:spPr>
+        <p:style>
+          <a:lnRef idx="2">
+            <a:schemeClr val="accent1">
+              <a:shade val="50000"/>
+            </a:schemeClr>
+          </a:lnRef>
+          <a:fillRef idx="1">
+            <a:schemeClr val="accent1"/>
+          </a:fillRef>
+          <a:effectRef idx="0">
+            <a:schemeClr val="accent1"/>
+          </a:effectRef>
+          <a:fontRef idx="minor">
+            <a:schemeClr val="lt1"/>
+          </a:fontRef>
+        </p:style>
+      </p:cxnSp>
+      <p:cxnSp>
+        <p:nvCxnSpPr>
+          <p:cNvPr id="63" name="Connecteur droit 62">
+            <a:extLst>
+              <a:ext uri="{FF2B5EF4-FFF2-40B4-BE49-F238E27FC236}">
+                <a16:creationId xmlns:a16="http://schemas.microsoft.com/office/drawing/2014/main" id="{4F565C5A-FC6B-2C16-9D77-2A954E5E7AE1}"/>
+              </a:ext>
+            </a:extLst>
+          </p:cNvPr>
+          <p:cNvCxnSpPr>
+            <a:cxnSpLocks/>
+          </p:cNvCxnSpPr>
+          <p:nvPr/>
+        </p:nvCxnSpPr>
+        <p:spPr>
+          <a:xfrm flipH="1">
+            <a:off x="3956191" y="3871127"/>
+            <a:ext cx="2884116" cy="0"/>
+          </a:xfrm>
+          <a:prstGeom prst="line">
+            <a:avLst/>
+          </a:prstGeom>
+          <a:solidFill>
+            <a:schemeClr val="bg1"/>
+          </a:solidFill>
+          <a:ln w="12700">
+            <a:solidFill>
+              <a:schemeClr val="accent2">
+                <a:lumMod val="50000"/>
+              </a:schemeClr>
+            </a:solidFill>
+            <a:prstDash val="sysDash"/>
+          </a:ln>
+        </p:spPr>
+        <p:style>
+          <a:lnRef idx="2">
+            <a:schemeClr val="accent1">
+              <a:shade val="50000"/>
+            </a:schemeClr>
+          </a:lnRef>
+          <a:fillRef idx="1">
+            <a:schemeClr val="accent1"/>
+          </a:fillRef>
+          <a:effectRef idx="0">
+            <a:schemeClr val="accent1"/>
+          </a:effectRef>
+          <a:fontRef idx="minor">
+            <a:schemeClr val="lt1"/>
+          </a:fontRef>
+        </p:style>
+      </p:cxnSp>
+      <mc:AlternateContent xmlns:mc="http://schemas.openxmlformats.org/markup-compatibility/2006" xmlns:a14="http://schemas.microsoft.com/office/drawing/2010/main">
+        <mc:Choice Requires="a14">
+          <p:sp>
+            <p:nvSpPr>
+              <p:cNvPr id="65" name="ZoneTexte 64">
+                <a:extLst>
+                  <a:ext uri="{FF2B5EF4-FFF2-40B4-BE49-F238E27FC236}">
+                    <a16:creationId xmlns:a16="http://schemas.microsoft.com/office/drawing/2014/main" id="{9C2E92CE-1C3E-9779-079C-7D3812D1049A}"/>
+                  </a:ext>
+                </a:extLst>
+              </p:cNvPr>
+              <p:cNvSpPr txBox="1"/>
+              <p:nvPr/>
+            </p:nvSpPr>
+            <p:spPr>
+              <a:xfrm>
+                <a:off x="3415030" y="3788352"/>
+                <a:ext cx="538609" cy="169277"/>
+              </a:xfrm>
+              <a:prstGeom prst="rect">
+                <a:avLst/>
+              </a:prstGeom>
+              <a:noFill/>
+            </p:spPr>
+            <p:txBody>
+              <a:bodyPr wrap="none" lIns="0" tIns="0" rIns="0" bIns="0" rtlCol="0">
+                <a:spAutoFit/>
+              </a:bodyPr>
+              <a:lstStyle/>
+              <a:p>
+                <a:pPr/>
+                <a14:m>
+                  <m:oMathPara xmlns:m="http://schemas.openxmlformats.org/officeDocument/2006/math">
+                    <m:oMathParaPr>
+                      <m:jc m:val="centerGroup"/>
+                    </m:oMathParaPr>
+                    <m:oMath xmlns:m="http://schemas.openxmlformats.org/officeDocument/2006/math">
+                      <m:r>
+                        <a:rPr lang="fr-FR" sz="1100" b="0" i="0" smtClean="0">
+                          <a:latin typeface="Cambria Math" panose="02040503050406030204" pitchFamily="18" charset="0"/>
+                        </a:rPr>
+                        <m:t>−30 </m:t>
+                      </m:r>
+                      <m:r>
+                        <m:rPr>
+                          <m:sty m:val="p"/>
+                        </m:rPr>
+                        <a:rPr lang="fr-FR" sz="1100" b="0" i="0" smtClean="0">
+                          <a:latin typeface="Cambria Math" panose="02040503050406030204" pitchFamily="18" charset="0"/>
+                        </a:rPr>
+                        <m:t>Nm</m:t>
+                      </m:r>
+                    </m:oMath>
+                  </m:oMathPara>
+                </a14:m>
+                <a:endParaRPr lang="fr-FR" dirty="0"/>
+              </a:p>
+            </p:txBody>
+          </p:sp>
+        </mc:Choice>
+        <mc:Fallback xmlns="">
+          <p:sp>
+            <p:nvSpPr>
+              <p:cNvPr id="65" name="ZoneTexte 64">
+                <a:extLst>
+                  <a:ext uri="{FF2B5EF4-FFF2-40B4-BE49-F238E27FC236}">
+                    <a16:creationId xmlns:a16="http://schemas.microsoft.com/office/drawing/2014/main" id="{9C2E92CE-1C3E-9779-079C-7D3812D1049A}"/>
+                  </a:ext>
+                </a:extLst>
+              </p:cNvPr>
+              <p:cNvSpPr txBox="1">
+                <a:spLocks noRot="1" noChangeAspect="1" noMove="1" noResize="1" noEditPoints="1" noAdjustHandles="1" noChangeArrowheads="1" noChangeShapeType="1" noTextEdit="1"/>
+              </p:cNvSpPr>
+              <p:nvPr/>
+            </p:nvSpPr>
+            <p:spPr>
+              <a:xfrm>
+                <a:off x="3415030" y="3788352"/>
+                <a:ext cx="538609" cy="169277"/>
+              </a:xfrm>
+              <a:prstGeom prst="rect">
+                <a:avLst/>
+              </a:prstGeom>
+              <a:blipFill>
+                <a:blip r:embed="rId14"/>
+                <a:stretch>
+                  <a:fillRect l="-1124" r="-5618" b="-7143"/>
+                </a:stretch>
+              </a:blipFill>
+            </p:spPr>
+            <p:txBody>
+              <a:bodyPr/>
+              <a:lstStyle/>
+              <a:p>
+                <a:r>
+                  <a:rPr lang="fr-FR">
+                    <a:noFill/>
+                  </a:rPr>
+                  <a:t> </a:t>
+                </a:r>
+              </a:p>
+            </p:txBody>
+          </p:sp>
+        </mc:Fallback>
+      </mc:AlternateContent>
+      <mc:AlternateContent xmlns:mc="http://schemas.openxmlformats.org/markup-compatibility/2006" xmlns:a14="http://schemas.microsoft.com/office/drawing/2010/main">
+        <mc:Choice Requires="a14">
+          <p:sp>
+            <p:nvSpPr>
+              <p:cNvPr id="66" name="ZoneTexte 65">
+                <a:extLst>
+                  <a:ext uri="{FF2B5EF4-FFF2-40B4-BE49-F238E27FC236}">
+                    <a16:creationId xmlns:a16="http://schemas.microsoft.com/office/drawing/2014/main" id="{AC9FFD8C-ED4F-C161-61E5-6A4778C17A30}"/>
+                  </a:ext>
+                </a:extLst>
+              </p:cNvPr>
+              <p:cNvSpPr txBox="1"/>
+              <p:nvPr/>
+            </p:nvSpPr>
+            <p:spPr>
+              <a:xfrm>
+                <a:off x="7395356" y="3154788"/>
+                <a:ext cx="178510" cy="169277"/>
+              </a:xfrm>
+              <a:prstGeom prst="rect">
+                <a:avLst/>
+              </a:prstGeom>
+              <a:noFill/>
+            </p:spPr>
+            <p:txBody>
+              <a:bodyPr wrap="none" lIns="0" tIns="0" rIns="0" bIns="0" rtlCol="0">
+                <a:spAutoFit/>
+              </a:bodyPr>
+              <a:lstStyle/>
+              <a:p>
+                <a:pPr/>
+                <a14:m>
+                  <m:oMathPara xmlns:m="http://schemas.openxmlformats.org/officeDocument/2006/math">
+                    <m:oMathParaPr>
+                      <m:jc m:val="centerGroup"/>
+                    </m:oMathParaPr>
+                    <m:oMath xmlns:m="http://schemas.openxmlformats.org/officeDocument/2006/math">
+                      <m:sSub>
+                        <m:sSubPr>
+                          <m:ctrlPr>
+                            <a:rPr lang="fr-FR" sz="1100" b="0" i="1" smtClean="0">
+                              <a:latin typeface="Cambria Math" panose="02040503050406030204" pitchFamily="18" charset="0"/>
+                            </a:rPr>
+                          </m:ctrlPr>
+                        </m:sSubPr>
+                        <m:e>
+                          <m:r>
+                            <a:rPr lang="fr-FR" sz="1100" b="0" i="1" smtClean="0">
+                              <a:latin typeface="Cambria Math" panose="02040503050406030204" pitchFamily="18" charset="0"/>
+                            </a:rPr>
+                            <m:t>𝑥</m:t>
+                          </m:r>
+                        </m:e>
+                        <m:sub>
+                          <m:r>
+                            <a:rPr lang="fr-FR" sz="1100" b="0" i="1" smtClean="0">
+                              <a:latin typeface="Cambria Math" panose="02040503050406030204" pitchFamily="18" charset="0"/>
+                            </a:rPr>
+                            <m:t>𝑎</m:t>
+                          </m:r>
+                        </m:sub>
+                      </m:sSub>
+                    </m:oMath>
+                  </m:oMathPara>
+                </a14:m>
+                <a:endParaRPr lang="fr-FR" dirty="0"/>
+              </a:p>
+            </p:txBody>
+          </p:sp>
+        </mc:Choice>
+        <mc:Fallback xmlns="">
+          <p:sp>
+            <p:nvSpPr>
+              <p:cNvPr id="66" name="ZoneTexte 65">
+                <a:extLst>
+                  <a:ext uri="{FF2B5EF4-FFF2-40B4-BE49-F238E27FC236}">
+                    <a16:creationId xmlns:a16="http://schemas.microsoft.com/office/drawing/2014/main" id="{AC9FFD8C-ED4F-C161-61E5-6A4778C17A30}"/>
+                  </a:ext>
+                </a:extLst>
+              </p:cNvPr>
+              <p:cNvSpPr txBox="1">
+                <a:spLocks noRot="1" noChangeAspect="1" noMove="1" noResize="1" noEditPoints="1" noAdjustHandles="1" noChangeArrowheads="1" noChangeShapeType="1" noTextEdit="1"/>
+              </p:cNvSpPr>
+              <p:nvPr/>
+            </p:nvSpPr>
+            <p:spPr>
+              <a:xfrm>
+                <a:off x="7395356" y="3154788"/>
+                <a:ext cx="178510" cy="169277"/>
+              </a:xfrm>
+              <a:prstGeom prst="rect">
+                <a:avLst/>
+              </a:prstGeom>
+              <a:blipFill>
+                <a:blip r:embed="rId15"/>
+                <a:stretch>
+                  <a:fillRect l="-10345" r="-6897" b="-14815"/>
+                </a:stretch>
+              </a:blipFill>
+            </p:spPr>
+            <p:txBody>
+              <a:bodyPr/>
+              <a:lstStyle/>
+              <a:p>
+                <a:r>
+                  <a:rPr lang="fr-FR">
+                    <a:noFill/>
+                  </a:rPr>
+                  <a:t> </a:t>
+                </a:r>
+              </a:p>
+            </p:txBody>
+          </p:sp>
+        </mc:Fallback>
+      </mc:AlternateContent>
+      <mc:AlternateContent xmlns:mc="http://schemas.openxmlformats.org/markup-compatibility/2006" xmlns:a14="http://schemas.microsoft.com/office/drawing/2010/main">
+        <mc:Choice Requires="a14">
+          <p:sp>
+            <p:nvSpPr>
+              <p:cNvPr id="67" name="ZoneTexte 66">
+                <a:extLst>
+                  <a:ext uri="{FF2B5EF4-FFF2-40B4-BE49-F238E27FC236}">
+                    <a16:creationId xmlns:a16="http://schemas.microsoft.com/office/drawing/2014/main" id="{08DB4775-DF89-30DE-D002-0FA12BD45480}"/>
+                  </a:ext>
+                </a:extLst>
+              </p:cNvPr>
+              <p:cNvSpPr txBox="1"/>
+              <p:nvPr/>
+            </p:nvSpPr>
+            <p:spPr>
+              <a:xfrm>
+                <a:off x="3677440" y="2631667"/>
+                <a:ext cx="260584" cy="182807"/>
+              </a:xfrm>
+              <a:prstGeom prst="rect">
+                <a:avLst/>
+              </a:prstGeom>
+              <a:noFill/>
+            </p:spPr>
+            <p:txBody>
+              <a:bodyPr wrap="none" lIns="0" tIns="0" rIns="0" bIns="0" rtlCol="0">
+                <a:spAutoFit/>
+              </a:bodyPr>
+              <a:lstStyle/>
+              <a:p>
+                <a:pPr/>
+                <a14:m>
+                  <m:oMathPara xmlns:m="http://schemas.openxmlformats.org/officeDocument/2006/math">
+                    <m:oMathParaPr>
+                      <m:jc m:val="centerGroup"/>
+                    </m:oMathParaPr>
+                    <m:oMath xmlns:m="http://schemas.openxmlformats.org/officeDocument/2006/math">
+                      <m:sSub>
+                        <m:sSubPr>
+                          <m:ctrlPr>
+                            <a:rPr lang="fr-FR" sz="1100" b="0" i="1" smtClean="0">
+                              <a:latin typeface="Cambria Math" panose="02040503050406030204" pitchFamily="18" charset="0"/>
+                            </a:rPr>
+                          </m:ctrlPr>
+                        </m:sSubPr>
+                        <m:e>
+                          <m:r>
+                            <a:rPr lang="fr-FR" sz="1100" b="0" i="1" smtClean="0">
+                              <a:latin typeface="Cambria Math" panose="02040503050406030204" pitchFamily="18" charset="0"/>
+                            </a:rPr>
+                            <m:t>𝑀</m:t>
+                          </m:r>
+                        </m:e>
+                        <m:sub>
+                          <m:r>
+                            <a:rPr lang="fr-FR" sz="1100" b="0" i="1" smtClean="0">
+                              <a:latin typeface="Cambria Math" panose="02040503050406030204" pitchFamily="18" charset="0"/>
+                            </a:rPr>
+                            <m:t>𝑓𝑧</m:t>
+                          </m:r>
+                        </m:sub>
+                      </m:sSub>
+                    </m:oMath>
+                  </m:oMathPara>
+                </a14:m>
+                <a:endParaRPr lang="fr-FR" dirty="0"/>
+              </a:p>
+            </p:txBody>
+          </p:sp>
+        </mc:Choice>
+        <mc:Fallback xmlns="">
+          <p:sp>
+            <p:nvSpPr>
+              <p:cNvPr id="67" name="ZoneTexte 66">
+                <a:extLst>
+                  <a:ext uri="{FF2B5EF4-FFF2-40B4-BE49-F238E27FC236}">
+                    <a16:creationId xmlns:a16="http://schemas.microsoft.com/office/drawing/2014/main" id="{08DB4775-DF89-30DE-D002-0FA12BD45480}"/>
+                  </a:ext>
+                </a:extLst>
+              </p:cNvPr>
+              <p:cNvSpPr txBox="1">
+                <a:spLocks noRot="1" noChangeAspect="1" noMove="1" noResize="1" noEditPoints="1" noAdjustHandles="1" noChangeArrowheads="1" noChangeShapeType="1" noTextEdit="1"/>
+              </p:cNvSpPr>
+              <p:nvPr/>
+            </p:nvSpPr>
+            <p:spPr>
+              <a:xfrm>
+                <a:off x="3677440" y="2631667"/>
+                <a:ext cx="260584" cy="182807"/>
+              </a:xfrm>
+              <a:prstGeom prst="rect">
+                <a:avLst/>
+              </a:prstGeom>
+              <a:blipFill>
+                <a:blip r:embed="rId16"/>
+                <a:stretch>
+                  <a:fillRect l="-11628" r="-11628" b="-30000"/>
+                </a:stretch>
+              </a:blipFill>
+            </p:spPr>
+            <p:txBody>
+              <a:bodyPr/>
+              <a:lstStyle/>
+              <a:p>
+                <a:r>
+                  <a:rPr lang="fr-FR">
+                    <a:noFill/>
+                  </a:rPr>
+                  <a:t> </a:t>
+                </a:r>
+              </a:p>
+            </p:txBody>
+          </p:sp>
+        </mc:Fallback>
+      </mc:AlternateContent>
+    </p:spTree>
+    <p:extLst>
+      <p:ext uri="{BB962C8B-B14F-4D97-AF65-F5344CB8AC3E}">
+        <p14:creationId xmlns:p14="http://schemas.microsoft.com/office/powerpoint/2010/main" val="2141522550"/>
+      </p:ext>
+    </p:extLst>
+  </p:cSld>
+  <p:clrMapOvr>
+    <a:masterClrMapping/>
+  </p:clrMapOvr>
+</p:sld>
+</file>
+
 <file path=ppt/slides/slide2.xml><?xml version="1.0" encoding="utf-8"?>
+<p:sld xmlns:a="http://schemas.openxmlformats.org/drawingml/2006/main" xmlns:r="http://schemas.openxmlformats.org/officeDocument/2006/relationships" xmlns:p="http://schemas.openxmlformats.org/presentationml/2006/main">
+  <p:cSld>
+    <p:spTree>
+      <p:nvGrpSpPr>
+        <p:cNvPr id="1" name=""/>
+        <p:cNvGrpSpPr/>
+        <p:nvPr/>
+      </p:nvGrpSpPr>
+      <p:grpSpPr>
+        <a:xfrm>
+          <a:off x="0" y="0"/>
+          <a:ext cx="0" cy="0"/>
+          <a:chOff x="0" y="0"/>
+          <a:chExt cx="0" cy="0"/>
+        </a:xfrm>
+      </p:grpSpPr>
+      <p:pic>
+        <p:nvPicPr>
+          <p:cNvPr id="5" name="Image 4">
+            <a:extLst>
+              <a:ext uri="{FF2B5EF4-FFF2-40B4-BE49-F238E27FC236}">
+                <a16:creationId xmlns:a16="http://schemas.microsoft.com/office/drawing/2014/main" id="{C97EA927-0055-CABE-159C-61402505BEA3}"/>
+              </a:ext>
+            </a:extLst>
+          </p:cNvPr>
+          <p:cNvPicPr>
+            <a:picLocks noChangeAspect="1"/>
+          </p:cNvPicPr>
+          <p:nvPr/>
+        </p:nvPicPr>
+        <p:blipFill>
+          <a:blip r:embed="rId2"/>
+          <a:stretch>
+            <a:fillRect/>
+          </a:stretch>
+        </p:blipFill>
+        <p:spPr>
+          <a:xfrm>
+            <a:off x="2961632" y="579120"/>
+            <a:ext cx="6268736" cy="5699760"/>
+          </a:xfrm>
+          <a:prstGeom prst="rect">
+            <a:avLst/>
+          </a:prstGeom>
+        </p:spPr>
+      </p:pic>
+      <p:cxnSp>
+        <p:nvCxnSpPr>
+          <p:cNvPr id="7" name="Connecteur droit 6">
+            <a:extLst>
+              <a:ext uri="{FF2B5EF4-FFF2-40B4-BE49-F238E27FC236}">
+                <a16:creationId xmlns:a16="http://schemas.microsoft.com/office/drawing/2014/main" id="{CE4296F2-3DD1-CA2C-0424-E1DC7AD8F46A}"/>
+              </a:ext>
+            </a:extLst>
+          </p:cNvPr>
+          <p:cNvCxnSpPr/>
+          <p:nvPr/>
+        </p:nvCxnSpPr>
+        <p:spPr>
+          <a:xfrm flipV="1">
+            <a:off x="3545840" y="944880"/>
+            <a:ext cx="3342640" cy="2204720"/>
+          </a:xfrm>
+          <a:prstGeom prst="line">
+            <a:avLst/>
+          </a:prstGeom>
+          <a:ln w="57150">
+            <a:solidFill>
+              <a:srgbClr val="FF0000"/>
+            </a:solidFill>
+          </a:ln>
+        </p:spPr>
+        <p:style>
+          <a:lnRef idx="1">
+            <a:schemeClr val="accent1"/>
+          </a:lnRef>
+          <a:fillRef idx="0">
+            <a:schemeClr val="accent1"/>
+          </a:fillRef>
+          <a:effectRef idx="0">
+            <a:schemeClr val="accent1"/>
+          </a:effectRef>
+          <a:fontRef idx="minor">
+            <a:schemeClr val="tx1"/>
+          </a:fontRef>
+        </p:style>
+      </p:cxnSp>
+      <p:sp>
+        <p:nvSpPr>
+          <p:cNvPr id="8" name="ZoneTexte 7">
+            <a:extLst>
+              <a:ext uri="{FF2B5EF4-FFF2-40B4-BE49-F238E27FC236}">
+                <a16:creationId xmlns:a16="http://schemas.microsoft.com/office/drawing/2014/main" id="{42C6A439-61F5-B84F-35B1-1DA014037183}"/>
+              </a:ext>
+            </a:extLst>
+          </p:cNvPr>
+          <p:cNvSpPr txBox="1"/>
+          <p:nvPr/>
+        </p:nvSpPr>
+        <p:spPr>
+          <a:xfrm>
+            <a:off x="6949440" y="3249116"/>
+            <a:ext cx="812800" cy="246221"/>
+          </a:xfrm>
+          <a:prstGeom prst="rect">
+            <a:avLst/>
+          </a:prstGeom>
+          <a:noFill/>
+        </p:spPr>
+        <p:txBody>
+          <a:bodyPr wrap="square" lIns="0" tIns="0" rIns="0" bIns="0" rtlCol="0">
+            <a:spAutoFit/>
+          </a:bodyPr>
+          <a:lstStyle/>
+          <a:p>
+            <a:r>
+              <a:rPr lang="fr-FR" sz="1600" b="1" dirty="0">
+                <a:solidFill>
+                  <a:srgbClr val="FF0000"/>
+                </a:solidFill>
+              </a:rPr>
+              <a:t>100 mm</a:t>
+            </a:r>
+          </a:p>
+        </p:txBody>
+      </p:sp>
+      <p:sp>
+        <p:nvSpPr>
+          <p:cNvPr id="9" name="ZoneTexte 8">
+            <a:extLst>
+              <a:ext uri="{FF2B5EF4-FFF2-40B4-BE49-F238E27FC236}">
+                <a16:creationId xmlns:a16="http://schemas.microsoft.com/office/drawing/2014/main" id="{C10F3044-49F5-49B7-4F3E-D5623398842F}"/>
+              </a:ext>
+            </a:extLst>
+          </p:cNvPr>
+          <p:cNvSpPr txBox="1"/>
+          <p:nvPr/>
+        </p:nvSpPr>
+        <p:spPr>
+          <a:xfrm>
+            <a:off x="7472688" y="821769"/>
+            <a:ext cx="1097280" cy="215444"/>
+          </a:xfrm>
+          <a:prstGeom prst="rect">
+            <a:avLst/>
+          </a:prstGeom>
+          <a:noFill/>
+        </p:spPr>
+        <p:txBody>
+          <a:bodyPr wrap="square" lIns="0" tIns="0" rIns="0" bIns="0" rtlCol="0">
+            <a:spAutoFit/>
+          </a:bodyPr>
+          <a:lstStyle/>
+          <a:p>
+            <a:r>
+              <a:rPr lang="fr-FR" sz="1400" b="1" dirty="0">
+                <a:solidFill>
+                  <a:srgbClr val="FF0000"/>
+                </a:solidFill>
+              </a:rPr>
+              <a:t>240 N (Maxi)</a:t>
+            </a:r>
+          </a:p>
+        </p:txBody>
+      </p:sp>
+      <p:cxnSp>
+        <p:nvCxnSpPr>
+          <p:cNvPr id="10" name="Connecteur droit 9">
+            <a:extLst>
+              <a:ext uri="{FF2B5EF4-FFF2-40B4-BE49-F238E27FC236}">
+                <a16:creationId xmlns:a16="http://schemas.microsoft.com/office/drawing/2014/main" id="{418B0EE6-B2A5-255A-6A69-AE4D7331726E}"/>
+              </a:ext>
+            </a:extLst>
+          </p:cNvPr>
+          <p:cNvCxnSpPr>
+            <a:cxnSpLocks/>
+          </p:cNvCxnSpPr>
+          <p:nvPr/>
+        </p:nvCxnSpPr>
+        <p:spPr>
+          <a:xfrm flipV="1">
+            <a:off x="5791200" y="944879"/>
+            <a:ext cx="1097280" cy="2204721"/>
+          </a:xfrm>
+          <a:prstGeom prst="line">
+            <a:avLst/>
+          </a:prstGeom>
+          <a:ln w="57150">
+            <a:solidFill>
+              <a:srgbClr val="00B050"/>
+            </a:solidFill>
+          </a:ln>
+        </p:spPr>
+        <p:style>
+          <a:lnRef idx="1">
+            <a:schemeClr val="accent1"/>
+          </a:lnRef>
+          <a:fillRef idx="0">
+            <a:schemeClr val="accent1"/>
+          </a:fillRef>
+          <a:effectRef idx="0">
+            <a:schemeClr val="accent1"/>
+          </a:effectRef>
+          <a:fontRef idx="minor">
+            <a:schemeClr val="tx1"/>
+          </a:fontRef>
+        </p:style>
+      </p:cxnSp>
+      <p:sp>
+        <p:nvSpPr>
+          <p:cNvPr id="13" name="ZoneTexte 12">
+            <a:extLst>
+              <a:ext uri="{FF2B5EF4-FFF2-40B4-BE49-F238E27FC236}">
+                <a16:creationId xmlns:a16="http://schemas.microsoft.com/office/drawing/2014/main" id="{5852F5AB-2254-649B-95A1-948D2F24FA0F}"/>
+              </a:ext>
+            </a:extLst>
+          </p:cNvPr>
+          <p:cNvSpPr txBox="1"/>
+          <p:nvPr/>
+        </p:nvSpPr>
+        <p:spPr>
+          <a:xfrm>
+            <a:off x="3722372" y="1422399"/>
+            <a:ext cx="1892296" cy="738664"/>
+          </a:xfrm>
+          <a:prstGeom prst="rect">
+            <a:avLst/>
+          </a:prstGeom>
+          <a:noFill/>
+        </p:spPr>
+        <p:txBody>
+          <a:bodyPr wrap="square" lIns="0" tIns="0" rIns="0" bIns="0" rtlCol="0">
+            <a:spAutoFit/>
+          </a:bodyPr>
+          <a:lstStyle/>
+          <a:p>
+            <a:r>
+              <a:rPr lang="fr-FR" sz="1600" b="1" dirty="0">
+                <a:solidFill>
+                  <a:srgbClr val="FF0000"/>
+                </a:solidFill>
+              </a:rPr>
+              <a:t>Evolution de la force développée par le ressort</a:t>
+            </a:r>
+          </a:p>
+        </p:txBody>
+      </p:sp>
+      <p:sp>
+        <p:nvSpPr>
+          <p:cNvPr id="14" name="ZoneTexte 13">
+            <a:extLst>
+              <a:ext uri="{FF2B5EF4-FFF2-40B4-BE49-F238E27FC236}">
+                <a16:creationId xmlns:a16="http://schemas.microsoft.com/office/drawing/2014/main" id="{11EA41D3-D3F7-4811-D7D0-6AA5C6F7F375}"/>
+              </a:ext>
+            </a:extLst>
+          </p:cNvPr>
+          <p:cNvSpPr txBox="1"/>
+          <p:nvPr/>
+        </p:nvSpPr>
+        <p:spPr>
+          <a:xfrm>
+            <a:off x="4744720" y="2447605"/>
+            <a:ext cx="1395740" cy="646331"/>
+          </a:xfrm>
+          <a:prstGeom prst="rect">
+            <a:avLst/>
+          </a:prstGeom>
+          <a:noFill/>
+        </p:spPr>
+        <p:txBody>
+          <a:bodyPr wrap="square" lIns="0" tIns="0" rIns="0" bIns="0" rtlCol="0">
+            <a:spAutoFit/>
+          </a:bodyPr>
+          <a:lstStyle/>
+          <a:p>
+            <a:r>
+              <a:rPr lang="fr-FR" sz="1400" b="1" dirty="0">
+                <a:solidFill>
+                  <a:srgbClr val="00B050"/>
+                </a:solidFill>
+              </a:rPr>
+              <a:t>Travail du ressort pendant la poussée</a:t>
+            </a:r>
+          </a:p>
+        </p:txBody>
+      </p:sp>
+    </p:spTree>
+    <p:extLst>
+      <p:ext uri="{BB962C8B-B14F-4D97-AF65-F5344CB8AC3E}">
+        <p14:creationId xmlns:p14="http://schemas.microsoft.com/office/powerpoint/2010/main" val="2421988757"/>
+      </p:ext>
+    </p:extLst>
+  </p:cSld>
+  <p:clrMapOvr>
+    <a:masterClrMapping/>
+  </p:clrMapOvr>
+</p:sld>
+</file>
+
+<file path=ppt/slides/slide3.xml><?xml version="1.0" encoding="utf-8"?>
 <p:sld xmlns:a="http://schemas.openxmlformats.org/drawingml/2006/main" xmlns:r="http://schemas.openxmlformats.org/officeDocument/2006/relationships" xmlns:p="http://schemas.openxmlformats.org/presentationml/2006/main">
   <p:cSld>
     <p:spTree>
@@ -5476,7 +9141,2760 @@
 </p:sld>
 </file>
 
-<file path=ppt/slides/slide3.xml><?xml version="1.0" encoding="utf-8"?>
+<file path=ppt/slides/slide4.xml><?xml version="1.0" encoding="utf-8"?>
+<p:sld xmlns:a="http://schemas.openxmlformats.org/drawingml/2006/main" xmlns:r="http://schemas.openxmlformats.org/officeDocument/2006/relationships" xmlns:p="http://schemas.openxmlformats.org/presentationml/2006/main">
+  <p:cSld>
+    <p:spTree>
+      <p:nvGrpSpPr>
+        <p:cNvPr id="1" name=""/>
+        <p:cNvGrpSpPr/>
+        <p:nvPr/>
+      </p:nvGrpSpPr>
+      <p:grpSpPr>
+        <a:xfrm>
+          <a:off x="0" y="0"/>
+          <a:ext cx="0" cy="0"/>
+          <a:chOff x="0" y="0"/>
+          <a:chExt cx="0" cy="0"/>
+        </a:xfrm>
+      </p:grpSpPr>
+      <p:pic>
+        <p:nvPicPr>
+          <p:cNvPr id="5" name="Image 4">
+            <a:extLst>
+              <a:ext uri="{FF2B5EF4-FFF2-40B4-BE49-F238E27FC236}">
+                <a16:creationId xmlns:a16="http://schemas.microsoft.com/office/drawing/2014/main" id="{15AC8720-D12C-C554-76F3-0F126AC37EBB}"/>
+              </a:ext>
+            </a:extLst>
+          </p:cNvPr>
+          <p:cNvPicPr>
+            <a:picLocks noChangeAspect="1"/>
+          </p:cNvPicPr>
+          <p:nvPr/>
+        </p:nvPicPr>
+        <p:blipFill>
+          <a:blip r:embed="rId2"/>
+          <a:stretch>
+            <a:fillRect/>
+          </a:stretch>
+        </p:blipFill>
+        <p:spPr>
+          <a:xfrm>
+            <a:off x="1917700" y="1141730"/>
+            <a:ext cx="8458200" cy="4838700"/>
+          </a:xfrm>
+          <a:prstGeom prst="rect">
+            <a:avLst/>
+          </a:prstGeom>
+        </p:spPr>
+      </p:pic>
+      <p:sp>
+        <p:nvSpPr>
+          <p:cNvPr id="6" name="ZoneTexte 5">
+            <a:extLst>
+              <a:ext uri="{FF2B5EF4-FFF2-40B4-BE49-F238E27FC236}">
+                <a16:creationId xmlns:a16="http://schemas.microsoft.com/office/drawing/2014/main" id="{5EC504B8-29B5-C54B-A74F-2AF2795B60CD}"/>
+              </a:ext>
+            </a:extLst>
+          </p:cNvPr>
+          <p:cNvSpPr txBox="1"/>
+          <p:nvPr/>
+        </p:nvSpPr>
+        <p:spPr>
+          <a:xfrm>
+            <a:off x="7630160" y="2092960"/>
+            <a:ext cx="1219200" cy="769441"/>
+          </a:xfrm>
+          <a:prstGeom prst="rect">
+            <a:avLst/>
+          </a:prstGeom>
+          <a:noFill/>
+        </p:spPr>
+        <p:txBody>
+          <a:bodyPr wrap="square" rtlCol="0">
+            <a:spAutoFit/>
+          </a:bodyPr>
+          <a:lstStyle/>
+          <a:p>
+            <a:r>
+              <a:rPr lang="fr-FR" sz="4400" dirty="0">
+                <a:solidFill>
+                  <a:srgbClr val="FF0000"/>
+                </a:solidFill>
+              </a:rPr>
+              <a:t>H</a:t>
+            </a:r>
+          </a:p>
+        </p:txBody>
+      </p:sp>
+      <p:sp>
+        <p:nvSpPr>
+          <p:cNvPr id="9" name="ZoneTexte 8">
+            <a:extLst>
+              <a:ext uri="{FF2B5EF4-FFF2-40B4-BE49-F238E27FC236}">
+                <a16:creationId xmlns:a16="http://schemas.microsoft.com/office/drawing/2014/main" id="{F0009D02-BA41-2968-A2E4-19AB242AED95}"/>
+              </a:ext>
+            </a:extLst>
+          </p:cNvPr>
+          <p:cNvSpPr txBox="1"/>
+          <p:nvPr/>
+        </p:nvSpPr>
+        <p:spPr>
+          <a:xfrm>
+            <a:off x="7752080" y="5194480"/>
+            <a:ext cx="1219200" cy="769441"/>
+          </a:xfrm>
+          <a:prstGeom prst="rect">
+            <a:avLst/>
+          </a:prstGeom>
+          <a:noFill/>
+        </p:spPr>
+        <p:txBody>
+          <a:bodyPr wrap="square" rtlCol="0">
+            <a:spAutoFit/>
+          </a:bodyPr>
+          <a:lstStyle/>
+          <a:p>
+            <a:r>
+              <a:rPr lang="fr-FR" sz="4400" dirty="0">
+                <a:solidFill>
+                  <a:srgbClr val="FF0000"/>
+                </a:solidFill>
+              </a:rPr>
+              <a:t>f</a:t>
+            </a:r>
+          </a:p>
+        </p:txBody>
+      </p:sp>
+    </p:spTree>
+    <p:extLst>
+      <p:ext uri="{BB962C8B-B14F-4D97-AF65-F5344CB8AC3E}">
+        <p14:creationId xmlns:p14="http://schemas.microsoft.com/office/powerpoint/2010/main" val="1348781573"/>
+      </p:ext>
+    </p:extLst>
+  </p:cSld>
+  <p:clrMapOvr>
+    <a:masterClrMapping/>
+  </p:clrMapOvr>
+</p:sld>
+</file>
+
+<file path=ppt/slides/slide5.xml><?xml version="1.0" encoding="utf-8"?>
+<p:sld xmlns:a="http://schemas.openxmlformats.org/drawingml/2006/main" xmlns:r="http://schemas.openxmlformats.org/officeDocument/2006/relationships" xmlns:p="http://schemas.openxmlformats.org/presentationml/2006/main">
+  <p:cSld>
+    <p:spTree>
+      <p:nvGrpSpPr>
+        <p:cNvPr id="1" name=""/>
+        <p:cNvGrpSpPr/>
+        <p:nvPr/>
+      </p:nvGrpSpPr>
+      <p:grpSpPr>
+        <a:xfrm>
+          <a:off x="0" y="0"/>
+          <a:ext cx="0" cy="0"/>
+          <a:chOff x="0" y="0"/>
+          <a:chExt cx="0" cy="0"/>
+        </a:xfrm>
+      </p:grpSpPr>
+      <p:sp>
+        <p:nvSpPr>
+          <p:cNvPr id="4" name="Rectangle 3">
+            <a:extLst>
+              <a:ext uri="{FF2B5EF4-FFF2-40B4-BE49-F238E27FC236}">
+                <a16:creationId xmlns:a16="http://schemas.microsoft.com/office/drawing/2014/main" id="{D83EC98C-D43F-C084-FEC9-1CB3193B8179}"/>
+              </a:ext>
+            </a:extLst>
+          </p:cNvPr>
+          <p:cNvSpPr/>
+          <p:nvPr/>
+        </p:nvSpPr>
+        <p:spPr>
+          <a:xfrm>
+            <a:off x="5069839" y="1981200"/>
+            <a:ext cx="254000" cy="1447800"/>
+          </a:xfrm>
+          <a:prstGeom prst="rect">
+            <a:avLst/>
+          </a:prstGeom>
+          <a:pattFill prst="ltUpDiag">
+            <a:fgClr>
+              <a:srgbClr val="002060"/>
+            </a:fgClr>
+            <a:bgClr>
+              <a:schemeClr val="bg1"/>
+            </a:bgClr>
+          </a:pattFill>
+          <a:ln w="28575">
+            <a:solidFill>
+              <a:schemeClr val="accent1">
+                <a:lumMod val="50000"/>
+              </a:schemeClr>
+            </a:solidFill>
+          </a:ln>
+        </p:spPr>
+        <p:style>
+          <a:lnRef idx="2">
+            <a:schemeClr val="accent1">
+              <a:shade val="50000"/>
+            </a:schemeClr>
+          </a:lnRef>
+          <a:fillRef idx="1">
+            <a:schemeClr val="accent1"/>
+          </a:fillRef>
+          <a:effectRef idx="0">
+            <a:schemeClr val="accent1"/>
+          </a:effectRef>
+          <a:fontRef idx="minor">
+            <a:schemeClr val="lt1"/>
+          </a:fontRef>
+        </p:style>
+        <p:txBody>
+          <a:bodyPr rtlCol="0" anchor="ctr"/>
+          <a:lstStyle/>
+          <a:p>
+            <a:pPr algn="ctr"/>
+            <a:endParaRPr lang="fr-FR"/>
+          </a:p>
+        </p:txBody>
+      </p:sp>
+      <p:sp>
+        <p:nvSpPr>
+          <p:cNvPr id="5" name="Rectangle 4">
+            <a:extLst>
+              <a:ext uri="{FF2B5EF4-FFF2-40B4-BE49-F238E27FC236}">
+                <a16:creationId xmlns:a16="http://schemas.microsoft.com/office/drawing/2014/main" id="{FA7FB409-64B1-A498-B8F9-3298602D78B5}"/>
+              </a:ext>
+            </a:extLst>
+          </p:cNvPr>
+          <p:cNvSpPr/>
+          <p:nvPr/>
+        </p:nvSpPr>
+        <p:spPr>
+          <a:xfrm>
+            <a:off x="6878322" y="1981200"/>
+            <a:ext cx="254000" cy="1447800"/>
+          </a:xfrm>
+          <a:prstGeom prst="rect">
+            <a:avLst/>
+          </a:prstGeom>
+          <a:pattFill prst="ltUpDiag">
+            <a:fgClr>
+              <a:srgbClr val="002060"/>
+            </a:fgClr>
+            <a:bgClr>
+              <a:schemeClr val="bg1"/>
+            </a:bgClr>
+          </a:pattFill>
+          <a:ln w="28575">
+            <a:solidFill>
+              <a:schemeClr val="accent1">
+                <a:lumMod val="50000"/>
+              </a:schemeClr>
+            </a:solidFill>
+          </a:ln>
+        </p:spPr>
+        <p:style>
+          <a:lnRef idx="2">
+            <a:schemeClr val="accent1">
+              <a:shade val="50000"/>
+            </a:schemeClr>
+          </a:lnRef>
+          <a:fillRef idx="1">
+            <a:schemeClr val="accent1"/>
+          </a:fillRef>
+          <a:effectRef idx="0">
+            <a:schemeClr val="accent1"/>
+          </a:effectRef>
+          <a:fontRef idx="minor">
+            <a:schemeClr val="lt1"/>
+          </a:fontRef>
+        </p:style>
+        <p:txBody>
+          <a:bodyPr rtlCol="0" anchor="ctr"/>
+          <a:lstStyle/>
+          <a:p>
+            <a:pPr algn="ctr"/>
+            <a:endParaRPr lang="fr-FR"/>
+          </a:p>
+        </p:txBody>
+      </p:sp>
+      <p:grpSp>
+        <p:nvGrpSpPr>
+          <p:cNvPr id="11" name="Groupe 10">
+            <a:extLst>
+              <a:ext uri="{FF2B5EF4-FFF2-40B4-BE49-F238E27FC236}">
+                <a16:creationId xmlns:a16="http://schemas.microsoft.com/office/drawing/2014/main" id="{B35E652B-7CD4-472F-3D3B-13D9848D84E1}"/>
+              </a:ext>
+            </a:extLst>
+          </p:cNvPr>
+          <p:cNvGrpSpPr/>
+          <p:nvPr/>
+        </p:nvGrpSpPr>
+        <p:grpSpPr>
+          <a:xfrm rot="1049783">
+            <a:off x="5595351" y="837560"/>
+            <a:ext cx="965200" cy="3849701"/>
+            <a:chOff x="5638800" y="845244"/>
+            <a:chExt cx="965200" cy="3849701"/>
+          </a:xfrm>
+        </p:grpSpPr>
+        <p:sp>
+          <p:nvSpPr>
+            <p:cNvPr id="6" name="Rectangle 5">
+              <a:extLst>
+                <a:ext uri="{FF2B5EF4-FFF2-40B4-BE49-F238E27FC236}">
+                  <a16:creationId xmlns:a16="http://schemas.microsoft.com/office/drawing/2014/main" id="{5395330A-B4FB-5BC7-358B-B3335920E7EE}"/>
+                </a:ext>
+              </a:extLst>
+            </p:cNvPr>
+            <p:cNvSpPr/>
+            <p:nvPr/>
+          </p:nvSpPr>
+          <p:spPr>
+            <a:xfrm>
+              <a:off x="5638800" y="1242060"/>
+              <a:ext cx="965200" cy="2926080"/>
+            </a:xfrm>
+            <a:prstGeom prst="rect">
+              <a:avLst/>
+            </a:prstGeom>
+            <a:noFill/>
+            <a:ln w="28575">
+              <a:solidFill>
+                <a:srgbClr val="C00000"/>
+              </a:solidFill>
+            </a:ln>
+          </p:spPr>
+          <p:style>
+            <a:lnRef idx="2">
+              <a:schemeClr val="accent1">
+                <a:shade val="50000"/>
+              </a:schemeClr>
+            </a:lnRef>
+            <a:fillRef idx="1">
+              <a:schemeClr val="accent1"/>
+            </a:fillRef>
+            <a:effectRef idx="0">
+              <a:schemeClr val="accent1"/>
+            </a:effectRef>
+            <a:fontRef idx="minor">
+              <a:schemeClr val="lt1"/>
+            </a:fontRef>
+          </p:style>
+          <p:txBody>
+            <a:bodyPr rtlCol="0" anchor="ctr"/>
+            <a:lstStyle/>
+            <a:p>
+              <a:pPr algn="ctr"/>
+              <a:endParaRPr lang="fr-FR"/>
+            </a:p>
+          </p:txBody>
+        </p:sp>
+        <p:cxnSp>
+          <p:nvCxnSpPr>
+            <p:cNvPr id="8" name="Connecteur droit 7">
+              <a:extLst>
+                <a:ext uri="{FF2B5EF4-FFF2-40B4-BE49-F238E27FC236}">
+                  <a16:creationId xmlns:a16="http://schemas.microsoft.com/office/drawing/2014/main" id="{8091A933-E482-4106-0E2F-6C383C987B36}"/>
+                </a:ext>
+              </a:extLst>
+            </p:cNvPr>
+            <p:cNvCxnSpPr>
+              <a:cxnSpLocks/>
+            </p:cNvCxnSpPr>
+            <p:nvPr/>
+          </p:nvCxnSpPr>
+          <p:spPr>
+            <a:xfrm>
+              <a:off x="6096000" y="845244"/>
+              <a:ext cx="0" cy="3849701"/>
+            </a:xfrm>
+            <a:prstGeom prst="line">
+              <a:avLst/>
+            </a:prstGeom>
+            <a:ln w="12700">
+              <a:solidFill>
+                <a:srgbClr val="C00000"/>
+              </a:solidFill>
+              <a:prstDash val="lgDashDot"/>
+            </a:ln>
+          </p:spPr>
+          <p:style>
+            <a:lnRef idx="1">
+              <a:schemeClr val="accent1"/>
+            </a:lnRef>
+            <a:fillRef idx="0">
+              <a:schemeClr val="accent1"/>
+            </a:fillRef>
+            <a:effectRef idx="0">
+              <a:schemeClr val="accent1"/>
+            </a:effectRef>
+            <a:fontRef idx="minor">
+              <a:schemeClr val="tx1"/>
+            </a:fontRef>
+          </p:style>
+        </p:cxnSp>
+      </p:grpSp>
+      <p:cxnSp>
+        <p:nvCxnSpPr>
+          <p:cNvPr id="12" name="Connecteur droit 11">
+            <a:extLst>
+              <a:ext uri="{FF2B5EF4-FFF2-40B4-BE49-F238E27FC236}">
+                <a16:creationId xmlns:a16="http://schemas.microsoft.com/office/drawing/2014/main" id="{15D7CE6D-6906-39AC-CE80-68D7435D007B}"/>
+              </a:ext>
+            </a:extLst>
+          </p:cNvPr>
+          <p:cNvCxnSpPr>
+            <a:cxnSpLocks/>
+          </p:cNvCxnSpPr>
+          <p:nvPr/>
+        </p:nvCxnSpPr>
+        <p:spPr>
+          <a:xfrm>
+            <a:off x="6878322" y="1921008"/>
+            <a:ext cx="0" cy="2669566"/>
+          </a:xfrm>
+          <a:prstGeom prst="line">
+            <a:avLst/>
+          </a:prstGeom>
+          <a:ln w="12700">
+            <a:solidFill>
+              <a:schemeClr val="tx2">
+                <a:lumMod val="50000"/>
+              </a:schemeClr>
+            </a:solidFill>
+            <a:prstDash val="solid"/>
+          </a:ln>
+        </p:spPr>
+        <p:style>
+          <a:lnRef idx="1">
+            <a:schemeClr val="accent1"/>
+          </a:lnRef>
+          <a:fillRef idx="0">
+            <a:schemeClr val="accent1"/>
+          </a:fillRef>
+          <a:effectRef idx="0">
+            <a:schemeClr val="accent1"/>
+          </a:effectRef>
+          <a:fontRef idx="minor">
+            <a:schemeClr val="tx1"/>
+          </a:fontRef>
+        </p:style>
+      </p:cxnSp>
+      <p:cxnSp>
+        <p:nvCxnSpPr>
+          <p:cNvPr id="16" name="Connecteur droit 15">
+            <a:extLst>
+              <a:ext uri="{FF2B5EF4-FFF2-40B4-BE49-F238E27FC236}">
+                <a16:creationId xmlns:a16="http://schemas.microsoft.com/office/drawing/2014/main" id="{472857B5-73D4-ADF7-09BA-CB2CE722BF1B}"/>
+              </a:ext>
+            </a:extLst>
+          </p:cNvPr>
+          <p:cNvCxnSpPr>
+            <a:cxnSpLocks/>
+          </p:cNvCxnSpPr>
+          <p:nvPr/>
+        </p:nvCxnSpPr>
+        <p:spPr>
+          <a:xfrm>
+            <a:off x="6403125" y="3429000"/>
+            <a:ext cx="458597" cy="0"/>
+          </a:xfrm>
+          <a:prstGeom prst="line">
+            <a:avLst/>
+          </a:prstGeom>
+          <a:ln w="12700">
+            <a:solidFill>
+              <a:schemeClr val="tx2">
+                <a:lumMod val="50000"/>
+              </a:schemeClr>
+            </a:solidFill>
+            <a:prstDash val="solid"/>
+            <a:headEnd type="stealth" w="med" len="lg"/>
+            <a:tailEnd type="stealth" w="med" len="lg"/>
+          </a:ln>
+        </p:spPr>
+        <p:style>
+          <a:lnRef idx="1">
+            <a:schemeClr val="accent1"/>
+          </a:lnRef>
+          <a:fillRef idx="0">
+            <a:schemeClr val="accent1"/>
+          </a:fillRef>
+          <a:effectRef idx="0">
+            <a:schemeClr val="accent1"/>
+          </a:effectRef>
+          <a:fontRef idx="minor">
+            <a:schemeClr val="tx1"/>
+          </a:fontRef>
+        </p:style>
+      </p:cxnSp>
+      <mc:AlternateContent xmlns:mc="http://schemas.openxmlformats.org/markup-compatibility/2006">
+        <mc:Choice xmlns:a14="http://schemas.microsoft.com/office/drawing/2010/main" Requires="a14">
+          <p:sp>
+            <p:nvSpPr>
+              <p:cNvPr id="20" name="ZoneTexte 19">
+                <a:extLst>
+                  <a:ext uri="{FF2B5EF4-FFF2-40B4-BE49-F238E27FC236}">
+                    <a16:creationId xmlns:a16="http://schemas.microsoft.com/office/drawing/2014/main" id="{3F7A6B0A-420B-1EC1-93CD-443BCFFBCB08}"/>
+                  </a:ext>
+                </a:extLst>
+              </p:cNvPr>
+              <p:cNvSpPr txBox="1"/>
+              <p:nvPr/>
+            </p:nvSpPr>
+            <p:spPr>
+              <a:xfrm>
+                <a:off x="6555583" y="2915575"/>
+                <a:ext cx="300274" cy="153888"/>
+              </a:xfrm>
+              <a:prstGeom prst="rect">
+                <a:avLst/>
+              </a:prstGeom>
+              <a:noFill/>
+            </p:spPr>
+            <p:txBody>
+              <a:bodyPr wrap="none" lIns="0" tIns="0" rIns="0" bIns="0" rtlCol="0">
+                <a:spAutoFit/>
+              </a:bodyPr>
+              <a:lstStyle/>
+              <a:p>
+                <a:pPr/>
+                <a14:m>
+                  <m:oMathPara xmlns:m="http://schemas.openxmlformats.org/officeDocument/2006/math">
+                    <m:oMathParaPr>
+                      <m:jc m:val="centerGroup"/>
+                    </m:oMathParaPr>
+                    <m:oMath xmlns:m="http://schemas.openxmlformats.org/officeDocument/2006/math">
+                      <m:sSub>
+                        <m:sSubPr>
+                          <m:ctrlPr>
+                            <a:rPr lang="fr-FR" sz="1000" b="0" i="0" smtClean="0">
+                              <a:latin typeface="Cambria Math" panose="02040503050406030204" pitchFamily="18" charset="0"/>
+                            </a:rPr>
+                          </m:ctrlPr>
+                        </m:sSubPr>
+                        <m:e>
+                          <m:r>
+                            <a:rPr lang="fr-FR" sz="1000" b="0" i="1" smtClean="0">
+                              <a:latin typeface="Cambria Math" panose="02040503050406030204" pitchFamily="18" charset="0"/>
+                            </a:rPr>
+                            <m:t>𝛼</m:t>
+                          </m:r>
+                        </m:e>
+                        <m:sub>
+                          <m:r>
+                            <m:rPr>
+                              <m:sty m:val="p"/>
+                            </m:rPr>
+                            <a:rPr lang="fr-FR" sz="1000" b="0" i="0" smtClean="0">
+                              <a:latin typeface="Cambria Math" panose="02040503050406030204" pitchFamily="18" charset="0"/>
+                            </a:rPr>
+                            <m:t>max</m:t>
+                          </m:r>
+                        </m:sub>
+                      </m:sSub>
+                    </m:oMath>
+                  </m:oMathPara>
+                </a14:m>
+                <a:endParaRPr lang="fr-FR" sz="1400" dirty="0"/>
+              </a:p>
+            </p:txBody>
+          </p:sp>
+        </mc:Choice>
+        <mc:Fallback>
+          <p:sp>
+            <p:nvSpPr>
+              <p:cNvPr id="20" name="ZoneTexte 19">
+                <a:extLst>
+                  <a:ext uri="{FF2B5EF4-FFF2-40B4-BE49-F238E27FC236}">
+                    <a16:creationId xmlns:a16="http://schemas.microsoft.com/office/drawing/2014/main" id="{3F7A6B0A-420B-1EC1-93CD-443BCFFBCB08}"/>
+                  </a:ext>
+                </a:extLst>
+              </p:cNvPr>
+              <p:cNvSpPr txBox="1">
+                <a:spLocks noRot="1" noChangeAspect="1" noMove="1" noResize="1" noEditPoints="1" noAdjustHandles="1" noChangeArrowheads="1" noChangeShapeType="1" noTextEdit="1"/>
+              </p:cNvSpPr>
+              <p:nvPr/>
+            </p:nvSpPr>
+            <p:spPr>
+              <a:xfrm>
+                <a:off x="6555583" y="2915575"/>
+                <a:ext cx="300274" cy="153888"/>
+              </a:xfrm>
+              <a:prstGeom prst="rect">
+                <a:avLst/>
+              </a:prstGeom>
+              <a:blipFill>
+                <a:blip r:embed="rId2"/>
+                <a:stretch>
+                  <a:fillRect l="-4000" b="-7692"/>
+                </a:stretch>
+              </a:blipFill>
+            </p:spPr>
+            <p:txBody>
+              <a:bodyPr/>
+              <a:lstStyle/>
+              <a:p>
+                <a:r>
+                  <a:rPr lang="fr-FR">
+                    <a:noFill/>
+                  </a:rPr>
+                  <a:t> </a:t>
+                </a:r>
+              </a:p>
+            </p:txBody>
+          </p:sp>
+        </mc:Fallback>
+      </mc:AlternateContent>
+      <p:sp>
+        <p:nvSpPr>
+          <p:cNvPr id="24" name="Arc 23">
+            <a:extLst>
+              <a:ext uri="{FF2B5EF4-FFF2-40B4-BE49-F238E27FC236}">
+                <a16:creationId xmlns:a16="http://schemas.microsoft.com/office/drawing/2014/main" id="{67F7EB12-F76D-839C-E4C3-DA87DE719DAB}"/>
+              </a:ext>
+            </a:extLst>
+          </p:cNvPr>
+          <p:cNvSpPr/>
+          <p:nvPr/>
+        </p:nvSpPr>
+        <p:spPr>
+          <a:xfrm rot="19675968" flipH="1" flipV="1">
+            <a:off x="6566781" y="2387775"/>
+            <a:ext cx="458714" cy="458714"/>
+          </a:xfrm>
+          <a:prstGeom prst="arc">
+            <a:avLst/>
+          </a:prstGeom>
+          <a:ln w="12700">
+            <a:solidFill>
+              <a:schemeClr val="tx2">
+                <a:lumMod val="50000"/>
+              </a:schemeClr>
+            </a:solidFill>
+            <a:prstDash val="solid"/>
+            <a:headEnd type="stealth" w="med" len="lg"/>
+            <a:tailEnd type="stealth" w="med" len="lg"/>
+          </a:ln>
+        </p:spPr>
+        <p:style>
+          <a:lnRef idx="1">
+            <a:schemeClr val="accent1"/>
+          </a:lnRef>
+          <a:fillRef idx="0">
+            <a:schemeClr val="accent1"/>
+          </a:fillRef>
+          <a:effectRef idx="0">
+            <a:schemeClr val="accent1"/>
+          </a:effectRef>
+          <a:fontRef idx="minor">
+            <a:schemeClr val="tx1"/>
+          </a:fontRef>
+        </p:style>
+        <p:txBody>
+          <a:bodyPr rtlCol="0" anchor="ctr"/>
+          <a:lstStyle/>
+          <a:p>
+            <a:pPr algn="ctr"/>
+            <a:endParaRPr lang="fr-FR"/>
+          </a:p>
+        </p:txBody>
+      </p:sp>
+      <mc:AlternateContent xmlns:mc="http://schemas.openxmlformats.org/markup-compatibility/2006">
+        <mc:Choice xmlns:a14="http://schemas.microsoft.com/office/drawing/2010/main" Requires="a14">
+          <p:sp>
+            <p:nvSpPr>
+              <p:cNvPr id="25" name="ZoneTexte 24">
+                <a:extLst>
+                  <a:ext uri="{FF2B5EF4-FFF2-40B4-BE49-F238E27FC236}">
+                    <a16:creationId xmlns:a16="http://schemas.microsoft.com/office/drawing/2014/main" id="{8BB8477A-3DC3-76FE-3BCE-61C6A447B229}"/>
+                  </a:ext>
+                </a:extLst>
+              </p:cNvPr>
+              <p:cNvSpPr txBox="1"/>
+              <p:nvPr/>
+            </p:nvSpPr>
+            <p:spPr>
+              <a:xfrm>
+                <a:off x="6465881" y="3163458"/>
+                <a:ext cx="372025" cy="215444"/>
+              </a:xfrm>
+              <a:prstGeom prst="rect">
+                <a:avLst/>
+              </a:prstGeom>
+              <a:noFill/>
+            </p:spPr>
+            <p:txBody>
+              <a:bodyPr wrap="none" lIns="0" tIns="0" rIns="0" bIns="0" rtlCol="0">
+                <a:spAutoFit/>
+              </a:bodyPr>
+              <a:lstStyle/>
+              <a:p>
+                <a:pPr/>
+                <a14:m>
+                  <m:oMathPara xmlns:m="http://schemas.openxmlformats.org/officeDocument/2006/math">
+                    <m:oMathParaPr>
+                      <m:jc m:val="centerGroup"/>
+                    </m:oMathParaPr>
+                    <m:oMath xmlns:m="http://schemas.openxmlformats.org/officeDocument/2006/math">
+                      <m:sSub>
+                        <m:sSubPr>
+                          <m:ctrlPr>
+                            <a:rPr lang="fr-FR" sz="1400" b="0" i="1" smtClean="0">
+                              <a:latin typeface="Cambria Math" panose="02040503050406030204" pitchFamily="18" charset="0"/>
+                            </a:rPr>
+                          </m:ctrlPr>
+                        </m:sSubPr>
+                        <m:e>
+                          <m:r>
+                            <a:rPr lang="fr-FR" sz="1400" b="0" i="1" smtClean="0">
+                              <a:latin typeface="Cambria Math" panose="02040503050406030204" pitchFamily="18" charset="0"/>
+                            </a:rPr>
+                            <m:t>𝐽</m:t>
+                          </m:r>
+                        </m:e>
+                        <m:sub>
+                          <m:r>
+                            <m:rPr>
+                              <m:sty m:val="p"/>
+                            </m:rPr>
+                            <a:rPr lang="fr-FR" sz="1400" b="0" i="0" smtClean="0">
+                              <a:latin typeface="Cambria Math" panose="02040503050406030204" pitchFamily="18" charset="0"/>
+                            </a:rPr>
+                            <m:t>max</m:t>
+                          </m:r>
+                        </m:sub>
+                      </m:sSub>
+                    </m:oMath>
+                  </m:oMathPara>
+                </a14:m>
+                <a:endParaRPr lang="fr-FR" sz="2000" dirty="0"/>
+              </a:p>
+            </p:txBody>
+          </p:sp>
+        </mc:Choice>
+        <mc:Fallback>
+          <p:sp>
+            <p:nvSpPr>
+              <p:cNvPr id="25" name="ZoneTexte 24">
+                <a:extLst>
+                  <a:ext uri="{FF2B5EF4-FFF2-40B4-BE49-F238E27FC236}">
+                    <a16:creationId xmlns:a16="http://schemas.microsoft.com/office/drawing/2014/main" id="{8BB8477A-3DC3-76FE-3BCE-61C6A447B229}"/>
+                  </a:ext>
+                </a:extLst>
+              </p:cNvPr>
+              <p:cNvSpPr txBox="1">
+                <a:spLocks noRot="1" noChangeAspect="1" noMove="1" noResize="1" noEditPoints="1" noAdjustHandles="1" noChangeArrowheads="1" noChangeShapeType="1" noTextEdit="1"/>
+              </p:cNvSpPr>
+              <p:nvPr/>
+            </p:nvSpPr>
+            <p:spPr>
+              <a:xfrm>
+                <a:off x="6465881" y="3163458"/>
+                <a:ext cx="372025" cy="215444"/>
+              </a:xfrm>
+              <a:prstGeom prst="rect">
+                <a:avLst/>
+              </a:prstGeom>
+              <a:blipFill>
+                <a:blip r:embed="rId3"/>
+                <a:stretch>
+                  <a:fillRect l="-14754" b="-25714"/>
+                </a:stretch>
+              </a:blipFill>
+            </p:spPr>
+            <p:txBody>
+              <a:bodyPr/>
+              <a:lstStyle/>
+              <a:p>
+                <a:r>
+                  <a:rPr lang="fr-FR">
+                    <a:noFill/>
+                  </a:rPr>
+                  <a:t> </a:t>
+                </a:r>
+              </a:p>
+            </p:txBody>
+          </p:sp>
+        </mc:Fallback>
+      </mc:AlternateContent>
+      <p:cxnSp>
+        <p:nvCxnSpPr>
+          <p:cNvPr id="26" name="Connecteur droit 25">
+            <a:extLst>
+              <a:ext uri="{FF2B5EF4-FFF2-40B4-BE49-F238E27FC236}">
+                <a16:creationId xmlns:a16="http://schemas.microsoft.com/office/drawing/2014/main" id="{F6076F58-9ED2-A00C-4211-CF95C5934F01}"/>
+              </a:ext>
+            </a:extLst>
+          </p:cNvPr>
+          <p:cNvCxnSpPr>
+            <a:cxnSpLocks/>
+          </p:cNvCxnSpPr>
+          <p:nvPr/>
+        </p:nvCxnSpPr>
+        <p:spPr>
+          <a:xfrm>
+            <a:off x="7370033" y="1997208"/>
+            <a:ext cx="0" cy="1431792"/>
+          </a:xfrm>
+          <a:prstGeom prst="line">
+            <a:avLst/>
+          </a:prstGeom>
+          <a:ln w="12700">
+            <a:solidFill>
+              <a:schemeClr val="tx2">
+                <a:lumMod val="50000"/>
+              </a:schemeClr>
+            </a:solidFill>
+            <a:prstDash val="solid"/>
+            <a:headEnd type="stealth" w="med" len="lg"/>
+            <a:tailEnd type="stealth" w="med" len="lg"/>
+          </a:ln>
+        </p:spPr>
+        <p:style>
+          <a:lnRef idx="1">
+            <a:schemeClr val="accent1"/>
+          </a:lnRef>
+          <a:fillRef idx="0">
+            <a:schemeClr val="accent1"/>
+          </a:fillRef>
+          <a:effectRef idx="0">
+            <a:schemeClr val="accent1"/>
+          </a:effectRef>
+          <a:fontRef idx="minor">
+            <a:schemeClr val="tx1"/>
+          </a:fontRef>
+        </p:style>
+      </p:cxnSp>
+      <mc:AlternateContent xmlns:mc="http://schemas.openxmlformats.org/markup-compatibility/2006">
+        <mc:Choice xmlns:a14="http://schemas.microsoft.com/office/drawing/2010/main" Requires="a14">
+          <p:sp>
+            <p:nvSpPr>
+              <p:cNvPr id="27" name="ZoneTexte 26">
+                <a:extLst>
+                  <a:ext uri="{FF2B5EF4-FFF2-40B4-BE49-F238E27FC236}">
+                    <a16:creationId xmlns:a16="http://schemas.microsoft.com/office/drawing/2014/main" id="{FBD8F37C-B86A-6829-F714-96D8F298F64D}"/>
+                  </a:ext>
+                </a:extLst>
+              </p:cNvPr>
+              <p:cNvSpPr txBox="1"/>
+              <p:nvPr/>
+            </p:nvSpPr>
+            <p:spPr>
+              <a:xfrm>
+                <a:off x="7378220" y="2567309"/>
+                <a:ext cx="630236" cy="266227"/>
+              </a:xfrm>
+              <a:prstGeom prst="rect">
+                <a:avLst/>
+              </a:prstGeom>
+              <a:noFill/>
+            </p:spPr>
+            <p:txBody>
+              <a:bodyPr wrap="none" lIns="0" tIns="0" rIns="0" bIns="0" rtlCol="0">
+                <a:spAutoFit/>
+              </a:bodyPr>
+              <a:lstStyle/>
+              <a:p>
+                <a:pPr/>
+                <a14:m>
+                  <m:oMathPara xmlns:m="http://schemas.openxmlformats.org/officeDocument/2006/math">
+                    <m:oMathParaPr>
+                      <m:jc m:val="centerGroup"/>
+                    </m:oMathParaPr>
+                    <m:oMath xmlns:m="http://schemas.openxmlformats.org/officeDocument/2006/math">
+                      <m:sSub>
+                        <m:sSubPr>
+                          <m:ctrlPr>
+                            <a:rPr lang="fr-FR" sz="1600" b="0" i="1" smtClean="0">
+                              <a:latin typeface="Cambria Math" panose="02040503050406030204" pitchFamily="18" charset="0"/>
+                            </a:rPr>
+                          </m:ctrlPr>
+                        </m:sSubPr>
+                        <m:e>
+                          <m:r>
+                            <a:rPr lang="fr-FR" sz="1600" b="0" i="1" smtClean="0">
+                              <a:latin typeface="Cambria Math" panose="02040503050406030204" pitchFamily="18" charset="0"/>
+                            </a:rPr>
+                            <m:t>𝐿</m:t>
+                          </m:r>
+                        </m:e>
+                        <m:sub>
+                          <m:r>
+                            <a:rPr lang="fr-FR" sz="1600" b="0" i="1" smtClean="0">
+                              <a:latin typeface="Cambria Math" panose="02040503050406030204" pitchFamily="18" charset="0"/>
+                            </a:rPr>
+                            <m:t>𝑏𝑎𝑔𝑢𝑒</m:t>
+                          </m:r>
+                        </m:sub>
+                      </m:sSub>
+                    </m:oMath>
+                  </m:oMathPara>
+                </a14:m>
+                <a:endParaRPr lang="fr-FR" sz="2000" dirty="0"/>
+              </a:p>
+            </p:txBody>
+          </p:sp>
+        </mc:Choice>
+        <mc:Fallback>
+          <p:sp>
+            <p:nvSpPr>
+              <p:cNvPr id="27" name="ZoneTexte 26">
+                <a:extLst>
+                  <a:ext uri="{FF2B5EF4-FFF2-40B4-BE49-F238E27FC236}">
+                    <a16:creationId xmlns:a16="http://schemas.microsoft.com/office/drawing/2014/main" id="{FBD8F37C-B86A-6829-F714-96D8F298F64D}"/>
+                  </a:ext>
+                </a:extLst>
+              </p:cNvPr>
+              <p:cNvSpPr txBox="1">
+                <a:spLocks noRot="1" noChangeAspect="1" noMove="1" noResize="1" noEditPoints="1" noAdjustHandles="1" noChangeArrowheads="1" noChangeShapeType="1" noTextEdit="1"/>
+              </p:cNvSpPr>
+              <p:nvPr/>
+            </p:nvSpPr>
+            <p:spPr>
+              <a:xfrm>
+                <a:off x="7378220" y="2567309"/>
+                <a:ext cx="630236" cy="266227"/>
+              </a:xfrm>
+              <a:prstGeom prst="rect">
+                <a:avLst/>
+              </a:prstGeom>
+              <a:blipFill>
+                <a:blip r:embed="rId4"/>
+                <a:stretch>
+                  <a:fillRect l="-6731" r="-2885" b="-25000"/>
+                </a:stretch>
+              </a:blipFill>
+            </p:spPr>
+            <p:txBody>
+              <a:bodyPr/>
+              <a:lstStyle/>
+              <a:p>
+                <a:r>
+                  <a:rPr lang="fr-FR">
+                    <a:noFill/>
+                  </a:rPr>
+                  <a:t> </a:t>
+                </a:r>
+              </a:p>
+            </p:txBody>
+          </p:sp>
+        </mc:Fallback>
+      </mc:AlternateContent>
+    </p:spTree>
+    <p:extLst>
+      <p:ext uri="{BB962C8B-B14F-4D97-AF65-F5344CB8AC3E}">
+        <p14:creationId xmlns:p14="http://schemas.microsoft.com/office/powerpoint/2010/main" val="78499582"/>
+      </p:ext>
+    </p:extLst>
+  </p:cSld>
+  <p:clrMapOvr>
+    <a:masterClrMapping/>
+  </p:clrMapOvr>
+</p:sld>
+</file>
+
+<file path=ppt/slides/slide6.xml><?xml version="1.0" encoding="utf-8"?>
+<p:sld xmlns:a="http://schemas.openxmlformats.org/drawingml/2006/main" xmlns:r="http://schemas.openxmlformats.org/officeDocument/2006/relationships" xmlns:p="http://schemas.openxmlformats.org/presentationml/2006/main">
+  <p:cSld>
+    <p:spTree>
+      <p:nvGrpSpPr>
+        <p:cNvPr id="1" name=""/>
+        <p:cNvGrpSpPr/>
+        <p:nvPr/>
+      </p:nvGrpSpPr>
+      <p:grpSpPr>
+        <a:xfrm>
+          <a:off x="0" y="0"/>
+          <a:ext cx="0" cy="0"/>
+          <a:chOff x="0" y="0"/>
+          <a:chExt cx="0" cy="0"/>
+        </a:xfrm>
+      </p:grpSpPr>
+      <p:sp>
+        <p:nvSpPr>
+          <p:cNvPr id="2" name="Titre 1">
+            <a:extLst>
+              <a:ext uri="{FF2B5EF4-FFF2-40B4-BE49-F238E27FC236}">
+                <a16:creationId xmlns:a16="http://schemas.microsoft.com/office/drawing/2014/main" id="{F986B012-A15C-DD7B-8E83-656889B2492E}"/>
+              </a:ext>
+            </a:extLst>
+          </p:cNvPr>
+          <p:cNvSpPr>
+            <a:spLocks noGrp="1"/>
+          </p:cNvSpPr>
+          <p:nvPr>
+            <p:ph type="title"/>
+          </p:nvPr>
+        </p:nvSpPr>
+        <p:spPr/>
+        <p:txBody>
+          <a:bodyPr/>
+          <a:lstStyle/>
+          <a:p>
+            <a:endParaRPr lang="fr-FR"/>
+          </a:p>
+        </p:txBody>
+      </p:sp>
+      <p:pic>
+        <p:nvPicPr>
+          <p:cNvPr id="5" name="Espace réservé du contenu 4">
+            <a:extLst>
+              <a:ext uri="{FF2B5EF4-FFF2-40B4-BE49-F238E27FC236}">
+                <a16:creationId xmlns:a16="http://schemas.microsoft.com/office/drawing/2014/main" id="{742895FF-3608-5166-3AE3-3B634C63ABCB}"/>
+              </a:ext>
+            </a:extLst>
+          </p:cNvPr>
+          <p:cNvPicPr>
+            <a:picLocks noGrp="1" noChangeAspect="1"/>
+          </p:cNvPicPr>
+          <p:nvPr>
+            <p:ph idx="1"/>
+          </p:nvPr>
+        </p:nvPicPr>
+        <p:blipFill>
+          <a:blip r:embed="rId2"/>
+          <a:stretch>
+            <a:fillRect/>
+          </a:stretch>
+        </p:blipFill>
+        <p:spPr>
+          <a:xfrm>
+            <a:off x="3988015" y="2394908"/>
+            <a:ext cx="4215970" cy="3212772"/>
+          </a:xfrm>
+        </p:spPr>
+      </p:pic>
+      <p:cxnSp>
+        <p:nvCxnSpPr>
+          <p:cNvPr id="6" name="Connecteur droit 5">
+            <a:extLst>
+              <a:ext uri="{FF2B5EF4-FFF2-40B4-BE49-F238E27FC236}">
+                <a16:creationId xmlns:a16="http://schemas.microsoft.com/office/drawing/2014/main" id="{5A9AF434-E6E9-022E-8C38-6D0E682F62B8}"/>
+              </a:ext>
+            </a:extLst>
+          </p:cNvPr>
+          <p:cNvCxnSpPr>
+            <a:cxnSpLocks/>
+          </p:cNvCxnSpPr>
+          <p:nvPr/>
+        </p:nvCxnSpPr>
+        <p:spPr>
+          <a:xfrm flipV="1">
+            <a:off x="6148684" y="1826780"/>
+            <a:ext cx="0" cy="712694"/>
+          </a:xfrm>
+          <a:prstGeom prst="line">
+            <a:avLst/>
+          </a:prstGeom>
+          <a:solidFill>
+            <a:schemeClr val="bg1"/>
+          </a:solidFill>
+          <a:ln w="28575">
+            <a:solidFill>
+              <a:srgbClr val="0070C0"/>
+            </a:solidFill>
+            <a:tailEnd type="stealth" w="med" len="lg"/>
+          </a:ln>
+        </p:spPr>
+        <p:style>
+          <a:lnRef idx="2">
+            <a:schemeClr val="accent1">
+              <a:shade val="50000"/>
+            </a:schemeClr>
+          </a:lnRef>
+          <a:fillRef idx="1">
+            <a:schemeClr val="accent1"/>
+          </a:fillRef>
+          <a:effectRef idx="0">
+            <a:schemeClr val="accent1"/>
+          </a:effectRef>
+          <a:fontRef idx="minor">
+            <a:schemeClr val="lt1"/>
+          </a:fontRef>
+        </p:style>
+      </p:cxnSp>
+      <mc:AlternateContent xmlns:mc="http://schemas.openxmlformats.org/markup-compatibility/2006">
+        <mc:Choice xmlns:a14="http://schemas.microsoft.com/office/drawing/2010/main" Requires="a14">
+          <p:sp>
+            <p:nvSpPr>
+              <p:cNvPr id="7" name="ZoneTexte 6">
+                <a:extLst>
+                  <a:ext uri="{FF2B5EF4-FFF2-40B4-BE49-F238E27FC236}">
+                    <a16:creationId xmlns:a16="http://schemas.microsoft.com/office/drawing/2014/main" id="{F61A5DE4-6924-7DAF-D6D0-1BCC7E5EEEA7}"/>
+                  </a:ext>
+                </a:extLst>
+              </p:cNvPr>
+              <p:cNvSpPr txBox="1"/>
+              <p:nvPr/>
+            </p:nvSpPr>
+            <p:spPr>
+              <a:xfrm>
+                <a:off x="5122818" y="2078700"/>
+                <a:ext cx="1143455" cy="378245"/>
+              </a:xfrm>
+              <a:prstGeom prst="rect">
+                <a:avLst/>
+              </a:prstGeom>
+              <a:noFill/>
+            </p:spPr>
+            <p:txBody>
+              <a:bodyPr wrap="none" lIns="0" tIns="0" rIns="0" bIns="0" rtlCol="0">
+                <a:spAutoFit/>
+              </a:bodyPr>
+              <a:lstStyle/>
+              <a:p>
+                <a:pPr/>
+                <a:r>
+                  <a:rPr lang="fr-FR" sz="1100" b="1" dirty="0">
+                    <a:solidFill>
+                      <a:schemeClr val="accent1"/>
+                    </a:solidFill>
+                  </a:rPr>
+                  <a:t>Direction de </a:t>
+                </a:r>
+              </a:p>
+              <a:p>
+                <a:pPr/>
+                <a14:m>
+                  <m:oMathPara xmlns:m="http://schemas.openxmlformats.org/officeDocument/2006/math">
+                    <m:oMathParaPr>
+                      <m:jc m:val="centerGroup"/>
+                    </m:oMathParaPr>
+                    <m:oMath xmlns:m="http://schemas.openxmlformats.org/officeDocument/2006/math">
+                      <m:acc>
+                        <m:accPr>
+                          <m:chr m:val="⃗"/>
+                          <m:ctrlPr>
+                            <a:rPr lang="fr-FR" sz="1100" b="1" i="1" smtClean="0">
+                              <a:solidFill>
+                                <a:schemeClr val="accent1"/>
+                              </a:solidFill>
+                              <a:latin typeface="Cambria Math" panose="02040503050406030204" pitchFamily="18" charset="0"/>
+                            </a:rPr>
+                          </m:ctrlPr>
+                        </m:accPr>
+                        <m:e>
+                          <m:sSub>
+                            <m:sSubPr>
+                              <m:ctrlPr>
+                                <a:rPr lang="fr-FR" sz="1100" b="1" i="1">
+                                  <a:solidFill>
+                                    <a:schemeClr val="accent1"/>
+                                  </a:solidFill>
+                                  <a:latin typeface="Cambria Math" panose="02040503050406030204" pitchFamily="18" charset="0"/>
+                                </a:rPr>
+                              </m:ctrlPr>
+                            </m:sSubPr>
+                            <m:e>
+                              <m:r>
+                                <a:rPr lang="fr-FR" sz="1100" b="1" i="1" smtClean="0">
+                                  <a:solidFill>
+                                    <a:schemeClr val="accent1"/>
+                                  </a:solidFill>
+                                  <a:latin typeface="Cambria Math" panose="02040503050406030204" pitchFamily="18" charset="0"/>
+                                </a:rPr>
+                                <m:t>𝑽</m:t>
+                              </m:r>
+                            </m:e>
+                            <m:sub>
+                              <m:r>
+                                <a:rPr lang="fr-FR" sz="1100" b="1" i="1" smtClean="0">
+                                  <a:solidFill>
+                                    <a:schemeClr val="accent1"/>
+                                  </a:solidFill>
+                                  <a:latin typeface="Cambria Math" panose="02040503050406030204" pitchFamily="18" charset="0"/>
+                                </a:rPr>
+                                <m:t>𝑺</m:t>
+                              </m:r>
+                              <m:r>
+                                <a:rPr lang="fr-FR" sz="1100" b="1" i="1" smtClean="0">
+                                  <a:solidFill>
+                                    <a:schemeClr val="accent1"/>
+                                  </a:solidFill>
+                                  <a:latin typeface="Cambria Math" panose="02040503050406030204" pitchFamily="18" charset="0"/>
+                                </a:rPr>
+                                <m:t>,</m:t>
+                              </m:r>
+                              <m:r>
+                                <a:rPr lang="fr-FR" sz="1100" b="1" i="1" smtClean="0">
+                                  <a:solidFill>
+                                    <a:schemeClr val="accent1"/>
+                                  </a:solidFill>
+                                  <a:latin typeface="Cambria Math" panose="02040503050406030204" pitchFamily="18" charset="0"/>
+                                </a:rPr>
+                                <m:t>𝒑𝒆𝒏𝒏𝒆</m:t>
+                              </m:r>
+                              <m:r>
+                                <m:rPr>
+                                  <m:lit/>
+                                </m:rPr>
+                                <a:rPr lang="fr-FR" sz="1100" b="1" i="1">
+                                  <a:solidFill>
+                                    <a:schemeClr val="accent1"/>
+                                  </a:solidFill>
+                                  <a:latin typeface="Cambria Math" panose="02040503050406030204" pitchFamily="18" charset="0"/>
+                                </a:rPr>
+                                <m:t>/</m:t>
+                              </m:r>
+                              <m:r>
+                                <a:rPr lang="fr-FR" sz="1100" b="1" i="1" smtClean="0">
+                                  <a:solidFill>
+                                    <a:schemeClr val="accent1"/>
+                                  </a:solidFill>
+                                  <a:latin typeface="Cambria Math" panose="02040503050406030204" pitchFamily="18" charset="0"/>
+                                </a:rPr>
+                                <m:t>𝒃</m:t>
+                              </m:r>
+                              <m:r>
+                                <a:rPr lang="fr-FR" sz="1100" b="1" i="1" smtClean="0">
+                                  <a:solidFill>
+                                    <a:schemeClr val="accent1"/>
+                                  </a:solidFill>
+                                  <a:latin typeface="Cambria Math" panose="02040503050406030204" pitchFamily="18" charset="0"/>
+                                </a:rPr>
+                                <m:t>â</m:t>
+                              </m:r>
+                              <m:r>
+                                <a:rPr lang="fr-FR" sz="1100" b="1" i="1" smtClean="0">
+                                  <a:solidFill>
+                                    <a:schemeClr val="accent1"/>
+                                  </a:solidFill>
+                                  <a:latin typeface="Cambria Math" panose="02040503050406030204" pitchFamily="18" charset="0"/>
+                                </a:rPr>
+                                <m:t>𝒕𝒊</m:t>
+                              </m:r>
+                            </m:sub>
+                          </m:sSub>
+                        </m:e>
+                      </m:acc>
+                    </m:oMath>
+                  </m:oMathPara>
+                </a14:m>
+                <a:endParaRPr lang="fr-FR" b="1" dirty="0">
+                  <a:solidFill>
+                    <a:schemeClr val="accent1"/>
+                  </a:solidFill>
+                </a:endParaRPr>
+              </a:p>
+            </p:txBody>
+          </p:sp>
+        </mc:Choice>
+        <mc:Fallback>
+          <p:sp>
+            <p:nvSpPr>
+              <p:cNvPr id="7" name="ZoneTexte 6">
+                <a:extLst>
+                  <a:ext uri="{FF2B5EF4-FFF2-40B4-BE49-F238E27FC236}">
+                    <a16:creationId xmlns:a16="http://schemas.microsoft.com/office/drawing/2014/main" id="{F61A5DE4-6924-7DAF-D6D0-1BCC7E5EEEA7}"/>
+                  </a:ext>
+                </a:extLst>
+              </p:cNvPr>
+              <p:cNvSpPr txBox="1">
+                <a:spLocks noRot="1" noChangeAspect="1" noMove="1" noResize="1" noEditPoints="1" noAdjustHandles="1" noChangeArrowheads="1" noChangeShapeType="1" noTextEdit="1"/>
+              </p:cNvSpPr>
+              <p:nvPr/>
+            </p:nvSpPr>
+            <p:spPr>
+              <a:xfrm>
+                <a:off x="5122818" y="2078700"/>
+                <a:ext cx="1143455" cy="378245"/>
+              </a:xfrm>
+              <a:prstGeom prst="rect">
+                <a:avLst/>
+              </a:prstGeom>
+              <a:blipFill>
+                <a:blip r:embed="rId3"/>
+                <a:stretch>
+                  <a:fillRect l="-7447" t="-14516" b="-12903"/>
+                </a:stretch>
+              </a:blipFill>
+            </p:spPr>
+            <p:txBody>
+              <a:bodyPr/>
+              <a:lstStyle/>
+              <a:p>
+                <a:r>
+                  <a:rPr lang="fr-FR">
+                    <a:noFill/>
+                  </a:rPr>
+                  <a:t> </a:t>
+                </a:r>
+              </a:p>
+            </p:txBody>
+          </p:sp>
+        </mc:Fallback>
+      </mc:AlternateContent>
+      <p:cxnSp>
+        <p:nvCxnSpPr>
+          <p:cNvPr id="11" name="Connecteur droit 10">
+            <a:extLst>
+              <a:ext uri="{FF2B5EF4-FFF2-40B4-BE49-F238E27FC236}">
+                <a16:creationId xmlns:a16="http://schemas.microsoft.com/office/drawing/2014/main" id="{D73C1C56-C5A0-EEDB-4854-3E2BED9ACF01}"/>
+              </a:ext>
+            </a:extLst>
+          </p:cNvPr>
+          <p:cNvCxnSpPr>
+            <a:cxnSpLocks/>
+          </p:cNvCxnSpPr>
+          <p:nvPr/>
+        </p:nvCxnSpPr>
+        <p:spPr>
+          <a:xfrm flipH="1" flipV="1">
+            <a:off x="5021864" y="4355284"/>
+            <a:ext cx="1440000" cy="0"/>
+          </a:xfrm>
+          <a:prstGeom prst="line">
+            <a:avLst/>
+          </a:prstGeom>
+          <a:solidFill>
+            <a:schemeClr val="bg1"/>
+          </a:solidFill>
+          <a:ln w="28575">
+            <a:solidFill>
+              <a:srgbClr val="C00000"/>
+            </a:solidFill>
+            <a:tailEnd type="stealth" w="med" len="lg"/>
+          </a:ln>
+        </p:spPr>
+        <p:style>
+          <a:lnRef idx="2">
+            <a:schemeClr val="accent1">
+              <a:shade val="50000"/>
+            </a:schemeClr>
+          </a:lnRef>
+          <a:fillRef idx="1">
+            <a:schemeClr val="accent1"/>
+          </a:fillRef>
+          <a:effectRef idx="0">
+            <a:schemeClr val="accent1"/>
+          </a:effectRef>
+          <a:fontRef idx="minor">
+            <a:schemeClr val="lt1"/>
+          </a:fontRef>
+        </p:style>
+      </p:cxnSp>
+      <mc:AlternateContent xmlns:mc="http://schemas.openxmlformats.org/markup-compatibility/2006">
+        <mc:Choice xmlns:a14="http://schemas.microsoft.com/office/drawing/2010/main" Requires="a14">
+          <p:sp>
+            <p:nvSpPr>
+              <p:cNvPr id="12" name="ZoneTexte 11">
+                <a:extLst>
+                  <a:ext uri="{FF2B5EF4-FFF2-40B4-BE49-F238E27FC236}">
+                    <a16:creationId xmlns:a16="http://schemas.microsoft.com/office/drawing/2014/main" id="{72EEC1C9-37BC-6BE9-3614-BD17B0DF24F3}"/>
+                  </a:ext>
+                </a:extLst>
+              </p:cNvPr>
+              <p:cNvSpPr txBox="1"/>
+              <p:nvPr/>
+            </p:nvSpPr>
+            <p:spPr>
+              <a:xfrm>
+                <a:off x="7622502" y="2672735"/>
+                <a:ext cx="708271" cy="208903"/>
+              </a:xfrm>
+              <a:prstGeom prst="rect">
+                <a:avLst/>
+              </a:prstGeom>
+              <a:noFill/>
+            </p:spPr>
+            <p:txBody>
+              <a:bodyPr wrap="none" lIns="0" tIns="0" rIns="0" bIns="0" rtlCol="0">
+                <a:spAutoFit/>
+              </a:bodyPr>
+              <a:lstStyle/>
+              <a:p>
+                <a:pPr/>
+                <a14:m>
+                  <m:oMathPara xmlns:m="http://schemas.openxmlformats.org/officeDocument/2006/math">
+                    <m:oMathParaPr>
+                      <m:jc m:val="centerGroup"/>
+                    </m:oMathParaPr>
+                    <m:oMath xmlns:m="http://schemas.openxmlformats.org/officeDocument/2006/math">
+                      <m:acc>
+                        <m:accPr>
+                          <m:chr m:val="⃗"/>
+                          <m:ctrlPr>
+                            <a:rPr lang="fr-FR" sz="1100" b="0" i="1" smtClean="0">
+                              <a:latin typeface="Cambria Math" panose="02040503050406030204" pitchFamily="18" charset="0"/>
+                            </a:rPr>
+                          </m:ctrlPr>
+                        </m:accPr>
+                        <m:e>
+                          <m:sSub>
+                            <m:sSubPr>
+                              <m:ctrlPr>
+                                <a:rPr lang="fr-FR" sz="1100" i="1">
+                                  <a:latin typeface="Cambria Math" panose="02040503050406030204" pitchFamily="18" charset="0"/>
+                                </a:rPr>
+                              </m:ctrlPr>
+                            </m:sSubPr>
+                            <m:e>
+                              <m:r>
+                                <a:rPr lang="fr-FR" sz="1100" i="1">
+                                  <a:latin typeface="Cambria Math" panose="02040503050406030204" pitchFamily="18" charset="0"/>
+                                </a:rPr>
+                                <m:t>𝐹</m:t>
+                              </m:r>
+                            </m:e>
+                            <m:sub>
+                              <m:r>
+                                <a:rPr lang="fr-FR" sz="1100" i="1">
+                                  <a:latin typeface="Cambria Math" panose="02040503050406030204" pitchFamily="18" charset="0"/>
+                                </a:rPr>
+                                <m:t>𝑙𝑎𝑚𝑒</m:t>
+                              </m:r>
+                              <m:r>
+                                <m:rPr>
+                                  <m:lit/>
+                                </m:rPr>
+                                <a:rPr lang="fr-FR" sz="1100" i="1">
+                                  <a:latin typeface="Cambria Math" panose="02040503050406030204" pitchFamily="18" charset="0"/>
+                                </a:rPr>
+                                <m:t>/</m:t>
+                              </m:r>
+                              <m:r>
+                                <a:rPr lang="fr-FR" sz="1100" i="1">
+                                  <a:latin typeface="Cambria Math" panose="02040503050406030204" pitchFamily="18" charset="0"/>
+                                </a:rPr>
+                                <m:t>𝑎𝑟𝑏𝑟𝑒</m:t>
+                              </m:r>
+                            </m:sub>
+                          </m:sSub>
+                        </m:e>
+                      </m:acc>
+                    </m:oMath>
+                  </m:oMathPara>
+                </a14:m>
+                <a:endParaRPr lang="fr-FR" dirty="0"/>
+              </a:p>
+            </p:txBody>
+          </p:sp>
+        </mc:Choice>
+        <mc:Fallback>
+          <p:sp>
+            <p:nvSpPr>
+              <p:cNvPr id="12" name="ZoneTexte 11">
+                <a:extLst>
+                  <a:ext uri="{FF2B5EF4-FFF2-40B4-BE49-F238E27FC236}">
+                    <a16:creationId xmlns:a16="http://schemas.microsoft.com/office/drawing/2014/main" id="{72EEC1C9-37BC-6BE9-3614-BD17B0DF24F3}"/>
+                  </a:ext>
+                </a:extLst>
+              </p:cNvPr>
+              <p:cNvSpPr txBox="1">
+                <a:spLocks noRot="1" noChangeAspect="1" noMove="1" noResize="1" noEditPoints="1" noAdjustHandles="1" noChangeArrowheads="1" noChangeShapeType="1" noTextEdit="1"/>
+              </p:cNvSpPr>
+              <p:nvPr/>
+            </p:nvSpPr>
+            <p:spPr>
+              <a:xfrm>
+                <a:off x="7622502" y="2672735"/>
+                <a:ext cx="708271" cy="208903"/>
+              </a:xfrm>
+              <a:prstGeom prst="rect">
+                <a:avLst/>
+              </a:prstGeom>
+              <a:blipFill>
+                <a:blip r:embed="rId4"/>
+                <a:stretch>
+                  <a:fillRect l="-4274" r="-855" b="-25714"/>
+                </a:stretch>
+              </a:blipFill>
+            </p:spPr>
+            <p:txBody>
+              <a:bodyPr/>
+              <a:lstStyle/>
+              <a:p>
+                <a:r>
+                  <a:rPr lang="fr-FR">
+                    <a:noFill/>
+                  </a:rPr>
+                  <a:t> </a:t>
+                </a:r>
+              </a:p>
+            </p:txBody>
+          </p:sp>
+        </mc:Fallback>
+      </mc:AlternateContent>
+      <mc:AlternateContent xmlns:mc="http://schemas.openxmlformats.org/markup-compatibility/2006">
+        <mc:Choice xmlns:a14="http://schemas.microsoft.com/office/drawing/2010/main" Requires="a14">
+          <p:sp>
+            <p:nvSpPr>
+              <p:cNvPr id="13" name="ZoneTexte 12">
+                <a:extLst>
+                  <a:ext uri="{FF2B5EF4-FFF2-40B4-BE49-F238E27FC236}">
+                    <a16:creationId xmlns:a16="http://schemas.microsoft.com/office/drawing/2014/main" id="{F545F5C7-9A17-A40E-3D93-A8E39FCF204B}"/>
+                  </a:ext>
+                </a:extLst>
+              </p:cNvPr>
+              <p:cNvSpPr txBox="1"/>
+              <p:nvPr/>
+            </p:nvSpPr>
+            <p:spPr>
+              <a:xfrm>
+                <a:off x="4751534" y="4021033"/>
+                <a:ext cx="270330" cy="241605"/>
+              </a:xfrm>
+              <a:prstGeom prst="rect">
+                <a:avLst/>
+              </a:prstGeom>
+              <a:noFill/>
+            </p:spPr>
+            <p:txBody>
+              <a:bodyPr wrap="none" lIns="0" tIns="0" rIns="0" bIns="0" rtlCol="0">
+                <a:spAutoFit/>
+              </a:bodyPr>
+              <a:lstStyle/>
+              <a:p>
+                <a:pPr/>
+                <a14:m>
+                  <m:oMathPara xmlns:m="http://schemas.openxmlformats.org/officeDocument/2006/math">
+                    <m:oMathParaPr>
+                      <m:jc m:val="centerGroup"/>
+                    </m:oMathParaPr>
+                    <m:oMath xmlns:m="http://schemas.openxmlformats.org/officeDocument/2006/math">
+                      <m:acc>
+                        <m:accPr>
+                          <m:chr m:val="⃗"/>
+                          <m:ctrlPr>
+                            <a:rPr lang="fr-FR" sz="1400" b="1" i="1" smtClean="0">
+                              <a:solidFill>
+                                <a:srgbClr val="FF0000"/>
+                              </a:solidFill>
+                              <a:latin typeface="Cambria Math" panose="02040503050406030204" pitchFamily="18" charset="0"/>
+                            </a:rPr>
+                          </m:ctrlPr>
+                        </m:accPr>
+                        <m:e>
+                          <m:sSub>
+                            <m:sSubPr>
+                              <m:ctrlPr>
+                                <a:rPr lang="fr-FR" sz="1400" b="1" i="1" smtClean="0">
+                                  <a:solidFill>
+                                    <a:srgbClr val="FF0000"/>
+                                  </a:solidFill>
+                                  <a:latin typeface="Cambria Math" panose="02040503050406030204" pitchFamily="18" charset="0"/>
+                                </a:rPr>
+                              </m:ctrlPr>
+                            </m:sSubPr>
+                            <m:e>
+                              <m:r>
+                                <a:rPr lang="fr-FR" sz="1400" b="1" i="1" smtClean="0">
+                                  <a:solidFill>
+                                    <a:srgbClr val="FF0000"/>
+                                  </a:solidFill>
+                                  <a:latin typeface="Cambria Math" panose="02040503050406030204" pitchFamily="18" charset="0"/>
+                                </a:rPr>
+                                <m:t>𝑷</m:t>
+                              </m:r>
+                            </m:e>
+                            <m:sub>
+                              <m:r>
+                                <a:rPr lang="fr-FR" sz="1400" b="1" i="1" smtClean="0">
+                                  <a:solidFill>
+                                    <a:srgbClr val="FF0000"/>
+                                  </a:solidFill>
+                                  <a:latin typeface="Cambria Math" panose="02040503050406030204" pitchFamily="18" charset="0"/>
+                                </a:rPr>
+                                <m:t>𝑵</m:t>
+                              </m:r>
+                            </m:sub>
+                          </m:sSub>
+                        </m:e>
+                      </m:acc>
+                    </m:oMath>
+                  </m:oMathPara>
+                </a14:m>
+                <a:endParaRPr lang="fr-FR" b="1" dirty="0">
+                  <a:solidFill>
+                    <a:srgbClr val="FF0000"/>
+                  </a:solidFill>
+                </a:endParaRPr>
+              </a:p>
+            </p:txBody>
+          </p:sp>
+        </mc:Choice>
+        <mc:Fallback>
+          <p:sp>
+            <p:nvSpPr>
+              <p:cNvPr id="13" name="ZoneTexte 12">
+                <a:extLst>
+                  <a:ext uri="{FF2B5EF4-FFF2-40B4-BE49-F238E27FC236}">
+                    <a16:creationId xmlns:a16="http://schemas.microsoft.com/office/drawing/2014/main" id="{F545F5C7-9A17-A40E-3D93-A8E39FCF204B}"/>
+                  </a:ext>
+                </a:extLst>
+              </p:cNvPr>
+              <p:cNvSpPr txBox="1">
+                <a:spLocks noRot="1" noChangeAspect="1" noMove="1" noResize="1" noEditPoints="1" noAdjustHandles="1" noChangeArrowheads="1" noChangeShapeType="1" noTextEdit="1"/>
+              </p:cNvSpPr>
+              <p:nvPr/>
+            </p:nvSpPr>
+            <p:spPr>
+              <a:xfrm>
+                <a:off x="4751534" y="4021033"/>
+                <a:ext cx="270330" cy="241605"/>
+              </a:xfrm>
+              <a:prstGeom prst="rect">
+                <a:avLst/>
+              </a:prstGeom>
+              <a:blipFill>
+                <a:blip r:embed="rId5"/>
+                <a:stretch>
+                  <a:fillRect l="-15556" r="-4444" b="-15385"/>
+                </a:stretch>
+              </a:blipFill>
+            </p:spPr>
+            <p:txBody>
+              <a:bodyPr/>
+              <a:lstStyle/>
+              <a:p>
+                <a:r>
+                  <a:rPr lang="fr-FR">
+                    <a:noFill/>
+                  </a:rPr>
+                  <a:t> </a:t>
+                </a:r>
+              </a:p>
+            </p:txBody>
+          </p:sp>
+        </mc:Fallback>
+      </mc:AlternateContent>
+      <p:cxnSp>
+        <p:nvCxnSpPr>
+          <p:cNvPr id="14" name="Connecteur droit 13">
+            <a:extLst>
+              <a:ext uri="{FF2B5EF4-FFF2-40B4-BE49-F238E27FC236}">
+                <a16:creationId xmlns:a16="http://schemas.microsoft.com/office/drawing/2014/main" id="{006C7F06-5740-3BA5-D387-8E18FA237A13}"/>
+              </a:ext>
+            </a:extLst>
+          </p:cNvPr>
+          <p:cNvCxnSpPr>
+            <a:cxnSpLocks/>
+          </p:cNvCxnSpPr>
+          <p:nvPr/>
+        </p:nvCxnSpPr>
+        <p:spPr>
+          <a:xfrm flipV="1">
+            <a:off x="5782549" y="4123623"/>
+            <a:ext cx="1800000" cy="0"/>
+          </a:xfrm>
+          <a:prstGeom prst="line">
+            <a:avLst/>
+          </a:prstGeom>
+          <a:solidFill>
+            <a:schemeClr val="bg1"/>
+          </a:solidFill>
+          <a:ln w="28575">
+            <a:solidFill>
+              <a:srgbClr val="C00000"/>
+            </a:solidFill>
+            <a:tailEnd type="stealth" w="med" len="lg"/>
+          </a:ln>
+        </p:spPr>
+        <p:style>
+          <a:lnRef idx="2">
+            <a:schemeClr val="accent1">
+              <a:shade val="50000"/>
+            </a:schemeClr>
+          </a:lnRef>
+          <a:fillRef idx="1">
+            <a:schemeClr val="accent1"/>
+          </a:fillRef>
+          <a:effectRef idx="0">
+            <a:schemeClr val="accent1"/>
+          </a:effectRef>
+          <a:fontRef idx="minor">
+            <a:schemeClr val="lt1"/>
+          </a:fontRef>
+        </p:style>
+      </p:cxnSp>
+      <mc:AlternateContent xmlns:mc="http://schemas.openxmlformats.org/markup-compatibility/2006">
+        <mc:Choice xmlns:a14="http://schemas.microsoft.com/office/drawing/2010/main" Requires="a14">
+          <p:sp>
+            <p:nvSpPr>
+              <p:cNvPr id="17" name="ZoneTexte 16">
+                <a:extLst>
+                  <a:ext uri="{FF2B5EF4-FFF2-40B4-BE49-F238E27FC236}">
+                    <a16:creationId xmlns:a16="http://schemas.microsoft.com/office/drawing/2014/main" id="{FC1D038A-7D38-EF56-D070-33C21266C978}"/>
+                  </a:ext>
+                </a:extLst>
+              </p:cNvPr>
+              <p:cNvSpPr txBox="1"/>
+              <p:nvPr/>
+            </p:nvSpPr>
+            <p:spPr>
+              <a:xfrm>
+                <a:off x="7347397" y="3734758"/>
+                <a:ext cx="278346" cy="243015"/>
+              </a:xfrm>
+              <a:prstGeom prst="rect">
+                <a:avLst/>
+              </a:prstGeom>
+              <a:noFill/>
+            </p:spPr>
+            <p:txBody>
+              <a:bodyPr wrap="none" lIns="0" tIns="0" rIns="0" bIns="0" rtlCol="0">
+                <a:spAutoFit/>
+              </a:bodyPr>
+              <a:lstStyle/>
+              <a:p>
+                <a:pPr/>
+                <a14:m>
+                  <m:oMathPara xmlns:m="http://schemas.openxmlformats.org/officeDocument/2006/math">
+                    <m:oMathParaPr>
+                      <m:jc m:val="centerGroup"/>
+                    </m:oMathParaPr>
+                    <m:oMath xmlns:m="http://schemas.openxmlformats.org/officeDocument/2006/math">
+                      <m:acc>
+                        <m:accPr>
+                          <m:chr m:val="⃗"/>
+                          <m:ctrlPr>
+                            <a:rPr lang="fr-FR" sz="1400" b="1" i="1" smtClean="0">
+                              <a:solidFill>
+                                <a:srgbClr val="FF0000"/>
+                              </a:solidFill>
+                              <a:latin typeface="Cambria Math" panose="02040503050406030204" pitchFamily="18" charset="0"/>
+                            </a:rPr>
+                          </m:ctrlPr>
+                        </m:accPr>
+                        <m:e>
+                          <m:sSub>
+                            <m:sSubPr>
+                              <m:ctrlPr>
+                                <a:rPr lang="fr-FR" sz="1400" b="1" i="1" smtClean="0">
+                                  <a:solidFill>
+                                    <a:srgbClr val="FF0000"/>
+                                  </a:solidFill>
+                                  <a:latin typeface="Cambria Math" panose="02040503050406030204" pitchFamily="18" charset="0"/>
+                                </a:rPr>
+                              </m:ctrlPr>
+                            </m:sSubPr>
+                            <m:e>
+                              <m:r>
+                                <a:rPr lang="fr-FR" sz="1400" b="1" i="1" smtClean="0">
+                                  <a:solidFill>
+                                    <a:srgbClr val="FF0000"/>
+                                  </a:solidFill>
+                                  <a:latin typeface="Cambria Math" panose="02040503050406030204" pitchFamily="18" charset="0"/>
+                                </a:rPr>
+                                <m:t>𝑸</m:t>
+                              </m:r>
+                            </m:e>
+                            <m:sub>
+                              <m:r>
+                                <a:rPr lang="fr-FR" sz="1400" b="1" i="1" smtClean="0">
+                                  <a:solidFill>
+                                    <a:srgbClr val="FF0000"/>
+                                  </a:solidFill>
+                                  <a:latin typeface="Cambria Math" panose="02040503050406030204" pitchFamily="18" charset="0"/>
+                                </a:rPr>
+                                <m:t>𝑵</m:t>
+                              </m:r>
+                            </m:sub>
+                          </m:sSub>
+                        </m:e>
+                      </m:acc>
+                    </m:oMath>
+                  </m:oMathPara>
+                </a14:m>
+                <a:endParaRPr lang="fr-FR" b="1" dirty="0">
+                  <a:solidFill>
+                    <a:srgbClr val="FF0000"/>
+                  </a:solidFill>
+                </a:endParaRPr>
+              </a:p>
+            </p:txBody>
+          </p:sp>
+        </mc:Choice>
+        <mc:Fallback>
+          <p:sp>
+            <p:nvSpPr>
+              <p:cNvPr id="17" name="ZoneTexte 16">
+                <a:extLst>
+                  <a:ext uri="{FF2B5EF4-FFF2-40B4-BE49-F238E27FC236}">
+                    <a16:creationId xmlns:a16="http://schemas.microsoft.com/office/drawing/2014/main" id="{FC1D038A-7D38-EF56-D070-33C21266C978}"/>
+                  </a:ext>
+                </a:extLst>
+              </p:cNvPr>
+              <p:cNvSpPr txBox="1">
+                <a:spLocks noRot="1" noChangeAspect="1" noMove="1" noResize="1" noEditPoints="1" noAdjustHandles="1" noChangeArrowheads="1" noChangeShapeType="1" noTextEdit="1"/>
+              </p:cNvSpPr>
+              <p:nvPr/>
+            </p:nvSpPr>
+            <p:spPr>
+              <a:xfrm>
+                <a:off x="7347397" y="3734758"/>
+                <a:ext cx="278346" cy="243015"/>
+              </a:xfrm>
+              <a:prstGeom prst="rect">
+                <a:avLst/>
+              </a:prstGeom>
+              <a:blipFill>
+                <a:blip r:embed="rId6"/>
+                <a:stretch>
+                  <a:fillRect l="-21739" r="-4348" b="-27500"/>
+                </a:stretch>
+              </a:blipFill>
+            </p:spPr>
+            <p:txBody>
+              <a:bodyPr/>
+              <a:lstStyle/>
+              <a:p>
+                <a:r>
+                  <a:rPr lang="fr-FR">
+                    <a:noFill/>
+                  </a:rPr>
+                  <a:t> </a:t>
+                </a:r>
+              </a:p>
+            </p:txBody>
+          </p:sp>
+        </mc:Fallback>
+      </mc:AlternateContent>
+      <p:cxnSp>
+        <p:nvCxnSpPr>
+          <p:cNvPr id="18" name="Connecteur droit 17">
+            <a:extLst>
+              <a:ext uri="{FF2B5EF4-FFF2-40B4-BE49-F238E27FC236}">
+                <a16:creationId xmlns:a16="http://schemas.microsoft.com/office/drawing/2014/main" id="{E1C0B697-4605-E417-1228-8B183C5FDC07}"/>
+              </a:ext>
+            </a:extLst>
+          </p:cNvPr>
+          <p:cNvCxnSpPr>
+            <a:cxnSpLocks/>
+          </p:cNvCxnSpPr>
+          <p:nvPr/>
+        </p:nvCxnSpPr>
+        <p:spPr>
+          <a:xfrm flipH="1" flipV="1">
+            <a:off x="6138950" y="3193714"/>
+            <a:ext cx="360000" cy="0"/>
+          </a:xfrm>
+          <a:prstGeom prst="line">
+            <a:avLst/>
+          </a:prstGeom>
+          <a:solidFill>
+            <a:schemeClr val="bg1"/>
+          </a:solidFill>
+          <a:ln w="28575">
+            <a:solidFill>
+              <a:srgbClr val="C00000"/>
+            </a:solidFill>
+            <a:tailEnd type="stealth" w="med" len="lg"/>
+          </a:ln>
+        </p:spPr>
+        <p:style>
+          <a:lnRef idx="2">
+            <a:schemeClr val="accent1">
+              <a:shade val="50000"/>
+            </a:schemeClr>
+          </a:lnRef>
+          <a:fillRef idx="1">
+            <a:schemeClr val="accent1"/>
+          </a:fillRef>
+          <a:effectRef idx="0">
+            <a:schemeClr val="accent1"/>
+          </a:effectRef>
+          <a:fontRef idx="minor">
+            <a:schemeClr val="lt1"/>
+          </a:fontRef>
+        </p:style>
+      </p:cxnSp>
+      <mc:AlternateContent xmlns:mc="http://schemas.openxmlformats.org/markup-compatibility/2006">
+        <mc:Choice xmlns:a14="http://schemas.microsoft.com/office/drawing/2010/main" Requires="a14">
+          <p:sp>
+            <p:nvSpPr>
+              <p:cNvPr id="19" name="ZoneTexte 18">
+                <a:extLst>
+                  <a:ext uri="{FF2B5EF4-FFF2-40B4-BE49-F238E27FC236}">
+                    <a16:creationId xmlns:a16="http://schemas.microsoft.com/office/drawing/2014/main" id="{A959C261-2400-CFD5-D995-62FBC300AAF4}"/>
+                  </a:ext>
+                </a:extLst>
+              </p:cNvPr>
+              <p:cNvSpPr txBox="1"/>
+              <p:nvPr/>
+            </p:nvSpPr>
+            <p:spPr>
+              <a:xfrm>
+                <a:off x="5920840" y="2930131"/>
+                <a:ext cx="271934" cy="241605"/>
+              </a:xfrm>
+              <a:prstGeom prst="rect">
+                <a:avLst/>
+              </a:prstGeom>
+              <a:noFill/>
+            </p:spPr>
+            <p:txBody>
+              <a:bodyPr wrap="none" lIns="0" tIns="0" rIns="0" bIns="0" rtlCol="0">
+                <a:spAutoFit/>
+              </a:bodyPr>
+              <a:lstStyle/>
+              <a:p>
+                <a:pPr/>
+                <a14:m>
+                  <m:oMathPara xmlns:m="http://schemas.openxmlformats.org/officeDocument/2006/math">
+                    <m:oMathParaPr>
+                      <m:jc m:val="centerGroup"/>
+                    </m:oMathParaPr>
+                    <m:oMath xmlns:m="http://schemas.openxmlformats.org/officeDocument/2006/math">
+                      <m:acc>
+                        <m:accPr>
+                          <m:chr m:val="⃗"/>
+                          <m:ctrlPr>
+                            <a:rPr lang="fr-FR" sz="1400" b="1" i="1" smtClean="0">
+                              <a:solidFill>
+                                <a:srgbClr val="FF0000"/>
+                              </a:solidFill>
+                              <a:latin typeface="Cambria Math" panose="02040503050406030204" pitchFamily="18" charset="0"/>
+                            </a:rPr>
+                          </m:ctrlPr>
+                        </m:accPr>
+                        <m:e>
+                          <m:sSub>
+                            <m:sSubPr>
+                              <m:ctrlPr>
+                                <a:rPr lang="fr-FR" sz="1400" b="1" i="1" smtClean="0">
+                                  <a:solidFill>
+                                    <a:srgbClr val="FF0000"/>
+                                  </a:solidFill>
+                                  <a:latin typeface="Cambria Math" panose="02040503050406030204" pitchFamily="18" charset="0"/>
+                                </a:rPr>
+                              </m:ctrlPr>
+                            </m:sSubPr>
+                            <m:e>
+                              <m:r>
+                                <a:rPr lang="fr-FR" sz="1400" b="1" i="1" smtClean="0">
+                                  <a:solidFill>
+                                    <a:srgbClr val="FF0000"/>
+                                  </a:solidFill>
+                                  <a:latin typeface="Cambria Math" panose="02040503050406030204" pitchFamily="18" charset="0"/>
+                                </a:rPr>
+                                <m:t>𝑹</m:t>
+                              </m:r>
+                            </m:e>
+                            <m:sub>
+                              <m:r>
+                                <a:rPr lang="fr-FR" sz="1400" b="1" i="1" smtClean="0">
+                                  <a:solidFill>
+                                    <a:srgbClr val="FF0000"/>
+                                  </a:solidFill>
+                                  <a:latin typeface="Cambria Math" panose="02040503050406030204" pitchFamily="18" charset="0"/>
+                                </a:rPr>
+                                <m:t>𝑵</m:t>
+                              </m:r>
+                            </m:sub>
+                          </m:sSub>
+                        </m:e>
+                      </m:acc>
+                    </m:oMath>
+                  </m:oMathPara>
+                </a14:m>
+                <a:endParaRPr lang="fr-FR" b="1" dirty="0">
+                  <a:solidFill>
+                    <a:srgbClr val="FF0000"/>
+                  </a:solidFill>
+                </a:endParaRPr>
+              </a:p>
+            </p:txBody>
+          </p:sp>
+        </mc:Choice>
+        <mc:Fallback>
+          <p:sp>
+            <p:nvSpPr>
+              <p:cNvPr id="19" name="ZoneTexte 18">
+                <a:extLst>
+                  <a:ext uri="{FF2B5EF4-FFF2-40B4-BE49-F238E27FC236}">
+                    <a16:creationId xmlns:a16="http://schemas.microsoft.com/office/drawing/2014/main" id="{A959C261-2400-CFD5-D995-62FBC300AAF4}"/>
+                  </a:ext>
+                </a:extLst>
+              </p:cNvPr>
+              <p:cNvSpPr txBox="1">
+                <a:spLocks noRot="1" noChangeAspect="1" noMove="1" noResize="1" noEditPoints="1" noAdjustHandles="1" noChangeArrowheads="1" noChangeShapeType="1" noTextEdit="1"/>
+              </p:cNvSpPr>
+              <p:nvPr/>
+            </p:nvSpPr>
+            <p:spPr>
+              <a:xfrm>
+                <a:off x="5920840" y="2930131"/>
+                <a:ext cx="271934" cy="241605"/>
+              </a:xfrm>
+              <a:prstGeom prst="rect">
+                <a:avLst/>
+              </a:prstGeom>
+              <a:blipFill>
+                <a:blip r:embed="rId7"/>
+                <a:stretch>
+                  <a:fillRect l="-15556" r="-4444" b="-15385"/>
+                </a:stretch>
+              </a:blipFill>
+            </p:spPr>
+            <p:txBody>
+              <a:bodyPr/>
+              <a:lstStyle/>
+              <a:p>
+                <a:r>
+                  <a:rPr lang="fr-FR">
+                    <a:noFill/>
+                  </a:rPr>
+                  <a:t> </a:t>
+                </a:r>
+              </a:p>
+            </p:txBody>
+          </p:sp>
+        </mc:Fallback>
+      </mc:AlternateContent>
+      <p:cxnSp>
+        <p:nvCxnSpPr>
+          <p:cNvPr id="20" name="Connecteur droit 19">
+            <a:extLst>
+              <a:ext uri="{FF2B5EF4-FFF2-40B4-BE49-F238E27FC236}">
+                <a16:creationId xmlns:a16="http://schemas.microsoft.com/office/drawing/2014/main" id="{4F68B3F1-3A30-53A3-1452-996780A7A185}"/>
+              </a:ext>
+            </a:extLst>
+          </p:cNvPr>
+          <p:cNvCxnSpPr>
+            <a:cxnSpLocks/>
+          </p:cNvCxnSpPr>
+          <p:nvPr/>
+        </p:nvCxnSpPr>
+        <p:spPr>
+          <a:xfrm rot="16200000" flipH="1" flipV="1">
+            <a:off x="6402141" y="4427284"/>
+            <a:ext cx="144000" cy="0"/>
+          </a:xfrm>
+          <a:prstGeom prst="line">
+            <a:avLst/>
+          </a:prstGeom>
+          <a:solidFill>
+            <a:schemeClr val="bg1"/>
+          </a:solidFill>
+          <a:ln w="28575">
+            <a:solidFill>
+              <a:srgbClr val="0070C0"/>
+            </a:solidFill>
+            <a:tailEnd type="stealth" w="med" len="lg"/>
+          </a:ln>
+        </p:spPr>
+        <p:style>
+          <a:lnRef idx="2">
+            <a:schemeClr val="accent1">
+              <a:shade val="50000"/>
+            </a:schemeClr>
+          </a:lnRef>
+          <a:fillRef idx="1">
+            <a:schemeClr val="accent1"/>
+          </a:fillRef>
+          <a:effectRef idx="0">
+            <a:schemeClr val="accent1"/>
+          </a:effectRef>
+          <a:fontRef idx="minor">
+            <a:schemeClr val="lt1"/>
+          </a:fontRef>
+        </p:style>
+      </p:cxnSp>
+      <p:cxnSp>
+        <p:nvCxnSpPr>
+          <p:cNvPr id="21" name="Connecteur droit 20">
+            <a:extLst>
+              <a:ext uri="{FF2B5EF4-FFF2-40B4-BE49-F238E27FC236}">
+                <a16:creationId xmlns:a16="http://schemas.microsoft.com/office/drawing/2014/main" id="{DC0E0909-7DC8-755C-4CB6-10C7E2D67DBC}"/>
+              </a:ext>
+            </a:extLst>
+          </p:cNvPr>
+          <p:cNvCxnSpPr>
+            <a:cxnSpLocks/>
+          </p:cNvCxnSpPr>
+          <p:nvPr/>
+        </p:nvCxnSpPr>
+        <p:spPr>
+          <a:xfrm rot="16200000" flipH="1" flipV="1">
+            <a:off x="6461805" y="3233694"/>
+            <a:ext cx="36000" cy="0"/>
+          </a:xfrm>
+          <a:prstGeom prst="line">
+            <a:avLst/>
+          </a:prstGeom>
+          <a:solidFill>
+            <a:schemeClr val="bg1"/>
+          </a:solidFill>
+          <a:ln w="28575">
+            <a:solidFill>
+              <a:srgbClr val="0070C0"/>
+            </a:solidFill>
+            <a:tailEnd type="stealth" w="med" len="lg"/>
+          </a:ln>
+        </p:spPr>
+        <p:style>
+          <a:lnRef idx="2">
+            <a:schemeClr val="accent1">
+              <a:shade val="50000"/>
+            </a:schemeClr>
+          </a:lnRef>
+          <a:fillRef idx="1">
+            <a:schemeClr val="accent1"/>
+          </a:fillRef>
+          <a:effectRef idx="0">
+            <a:schemeClr val="accent1"/>
+          </a:effectRef>
+          <a:fontRef idx="minor">
+            <a:schemeClr val="lt1"/>
+          </a:fontRef>
+        </p:style>
+      </p:cxnSp>
+      <p:cxnSp>
+        <p:nvCxnSpPr>
+          <p:cNvPr id="22" name="Connecteur droit 21">
+            <a:extLst>
+              <a:ext uri="{FF2B5EF4-FFF2-40B4-BE49-F238E27FC236}">
+                <a16:creationId xmlns:a16="http://schemas.microsoft.com/office/drawing/2014/main" id="{70AF2539-0970-FAC5-C3D5-0DB2CBEE2C40}"/>
+              </a:ext>
+            </a:extLst>
+          </p:cNvPr>
+          <p:cNvCxnSpPr>
+            <a:cxnSpLocks/>
+          </p:cNvCxnSpPr>
+          <p:nvPr/>
+        </p:nvCxnSpPr>
+        <p:spPr>
+          <a:xfrm rot="16200000" flipH="1" flipV="1">
+            <a:off x="5708476" y="4225229"/>
+            <a:ext cx="180000" cy="0"/>
+          </a:xfrm>
+          <a:prstGeom prst="line">
+            <a:avLst/>
+          </a:prstGeom>
+          <a:solidFill>
+            <a:schemeClr val="bg1"/>
+          </a:solidFill>
+          <a:ln w="28575">
+            <a:solidFill>
+              <a:srgbClr val="0070C0"/>
+            </a:solidFill>
+            <a:tailEnd type="stealth" w="med" len="lg"/>
+          </a:ln>
+        </p:spPr>
+        <p:style>
+          <a:lnRef idx="2">
+            <a:schemeClr val="accent1">
+              <a:shade val="50000"/>
+            </a:schemeClr>
+          </a:lnRef>
+          <a:fillRef idx="1">
+            <a:schemeClr val="accent1"/>
+          </a:fillRef>
+          <a:effectRef idx="0">
+            <a:schemeClr val="accent1"/>
+          </a:effectRef>
+          <a:fontRef idx="minor">
+            <a:schemeClr val="lt1"/>
+          </a:fontRef>
+        </p:style>
+      </p:cxnSp>
+      <mc:AlternateContent xmlns:mc="http://schemas.openxmlformats.org/markup-compatibility/2006">
+        <mc:Choice xmlns:a14="http://schemas.microsoft.com/office/drawing/2010/main" Requires="a14">
+          <p:sp>
+            <p:nvSpPr>
+              <p:cNvPr id="23" name="ZoneTexte 22">
+                <a:extLst>
+                  <a:ext uri="{FF2B5EF4-FFF2-40B4-BE49-F238E27FC236}">
+                    <a16:creationId xmlns:a16="http://schemas.microsoft.com/office/drawing/2014/main" id="{A44F0CA4-3EF9-15B8-1956-9233039CDB29}"/>
+                  </a:ext>
+                </a:extLst>
+              </p:cNvPr>
+              <p:cNvSpPr txBox="1"/>
+              <p:nvPr/>
+            </p:nvSpPr>
+            <p:spPr>
+              <a:xfrm>
+                <a:off x="6546582" y="3298600"/>
+                <a:ext cx="254300" cy="241605"/>
+              </a:xfrm>
+              <a:prstGeom prst="rect">
+                <a:avLst/>
+              </a:prstGeom>
+              <a:noFill/>
+            </p:spPr>
+            <p:txBody>
+              <a:bodyPr wrap="none" lIns="0" tIns="0" rIns="0" bIns="0" rtlCol="0">
+                <a:spAutoFit/>
+              </a:bodyPr>
+              <a:lstStyle/>
+              <a:p>
+                <a:pPr/>
+                <a14:m>
+                  <m:oMathPara xmlns:m="http://schemas.openxmlformats.org/officeDocument/2006/math">
+                    <m:oMathParaPr>
+                      <m:jc m:val="centerGroup"/>
+                    </m:oMathParaPr>
+                    <m:oMath xmlns:m="http://schemas.openxmlformats.org/officeDocument/2006/math">
+                      <m:acc>
+                        <m:accPr>
+                          <m:chr m:val="⃗"/>
+                          <m:ctrlPr>
+                            <a:rPr lang="fr-FR" sz="1400" b="1" i="1" smtClean="0">
+                              <a:solidFill>
+                                <a:schemeClr val="accent1"/>
+                              </a:solidFill>
+                              <a:latin typeface="Cambria Math" panose="02040503050406030204" pitchFamily="18" charset="0"/>
+                            </a:rPr>
+                          </m:ctrlPr>
+                        </m:accPr>
+                        <m:e>
+                          <m:sSub>
+                            <m:sSubPr>
+                              <m:ctrlPr>
+                                <a:rPr lang="fr-FR" sz="1400" b="1" i="1" smtClean="0">
+                                  <a:solidFill>
+                                    <a:schemeClr val="accent1"/>
+                                  </a:solidFill>
+                                  <a:latin typeface="Cambria Math" panose="02040503050406030204" pitchFamily="18" charset="0"/>
+                                </a:rPr>
+                              </m:ctrlPr>
+                            </m:sSubPr>
+                            <m:e>
+                              <m:r>
+                                <a:rPr lang="fr-FR" sz="1400" b="1" i="1" smtClean="0">
+                                  <a:solidFill>
+                                    <a:schemeClr val="accent1"/>
+                                  </a:solidFill>
+                                  <a:latin typeface="Cambria Math" panose="02040503050406030204" pitchFamily="18" charset="0"/>
+                                </a:rPr>
+                                <m:t>𝑹</m:t>
+                              </m:r>
+                            </m:e>
+                            <m:sub>
+                              <m:r>
+                                <a:rPr lang="fr-FR" sz="1400" b="1" i="1" smtClean="0">
+                                  <a:solidFill>
+                                    <a:schemeClr val="accent1"/>
+                                  </a:solidFill>
+                                  <a:latin typeface="Cambria Math" panose="02040503050406030204" pitchFamily="18" charset="0"/>
+                                </a:rPr>
+                                <m:t>𝑻</m:t>
+                              </m:r>
+                            </m:sub>
+                          </m:sSub>
+                        </m:e>
+                      </m:acc>
+                    </m:oMath>
+                  </m:oMathPara>
+                </a14:m>
+                <a:endParaRPr lang="fr-FR" b="1" dirty="0">
+                  <a:solidFill>
+                    <a:schemeClr val="accent1"/>
+                  </a:solidFill>
+                </a:endParaRPr>
+              </a:p>
+            </p:txBody>
+          </p:sp>
+        </mc:Choice>
+        <mc:Fallback>
+          <p:sp>
+            <p:nvSpPr>
+              <p:cNvPr id="23" name="ZoneTexte 22">
+                <a:extLst>
+                  <a:ext uri="{FF2B5EF4-FFF2-40B4-BE49-F238E27FC236}">
+                    <a16:creationId xmlns:a16="http://schemas.microsoft.com/office/drawing/2014/main" id="{A44F0CA4-3EF9-15B8-1956-9233039CDB29}"/>
+                  </a:ext>
+                </a:extLst>
+              </p:cNvPr>
+              <p:cNvSpPr txBox="1">
+                <a:spLocks noRot="1" noChangeAspect="1" noMove="1" noResize="1" noEditPoints="1" noAdjustHandles="1" noChangeArrowheads="1" noChangeShapeType="1" noTextEdit="1"/>
+              </p:cNvSpPr>
+              <p:nvPr/>
+            </p:nvSpPr>
+            <p:spPr>
+              <a:xfrm>
+                <a:off x="6546582" y="3298600"/>
+                <a:ext cx="254300" cy="241605"/>
+              </a:xfrm>
+              <a:prstGeom prst="rect">
+                <a:avLst/>
+              </a:prstGeom>
+              <a:blipFill>
+                <a:blip r:embed="rId8"/>
+                <a:stretch>
+                  <a:fillRect l="-16667" r="-2381" b="-15000"/>
+                </a:stretch>
+              </a:blipFill>
+            </p:spPr>
+            <p:txBody>
+              <a:bodyPr/>
+              <a:lstStyle/>
+              <a:p>
+                <a:r>
+                  <a:rPr lang="fr-FR">
+                    <a:noFill/>
+                  </a:rPr>
+                  <a:t> </a:t>
+                </a:r>
+              </a:p>
+            </p:txBody>
+          </p:sp>
+        </mc:Fallback>
+      </mc:AlternateContent>
+      <mc:AlternateContent xmlns:mc="http://schemas.openxmlformats.org/markup-compatibility/2006">
+        <mc:Choice xmlns:a14="http://schemas.microsoft.com/office/drawing/2010/main" Requires="a14">
+          <p:sp>
+            <p:nvSpPr>
+              <p:cNvPr id="24" name="ZoneTexte 23">
+                <a:extLst>
+                  <a:ext uri="{FF2B5EF4-FFF2-40B4-BE49-F238E27FC236}">
+                    <a16:creationId xmlns:a16="http://schemas.microsoft.com/office/drawing/2014/main" id="{BA3A0F05-4B61-CDDE-FEAF-0EFA1711CA76}"/>
+                  </a:ext>
+                </a:extLst>
+              </p:cNvPr>
+              <p:cNvSpPr txBox="1"/>
+              <p:nvPr/>
+            </p:nvSpPr>
+            <p:spPr>
+              <a:xfrm>
+                <a:off x="6682549" y="4306480"/>
+                <a:ext cx="252698" cy="241605"/>
+              </a:xfrm>
+              <a:prstGeom prst="rect">
+                <a:avLst/>
+              </a:prstGeom>
+              <a:noFill/>
+            </p:spPr>
+            <p:txBody>
+              <a:bodyPr wrap="none" lIns="0" tIns="0" rIns="0" bIns="0" rtlCol="0">
+                <a:spAutoFit/>
+              </a:bodyPr>
+              <a:lstStyle/>
+              <a:p>
+                <a:pPr/>
+                <a14:m>
+                  <m:oMathPara xmlns:m="http://schemas.openxmlformats.org/officeDocument/2006/math">
+                    <m:oMathParaPr>
+                      <m:jc m:val="centerGroup"/>
+                    </m:oMathParaPr>
+                    <m:oMath xmlns:m="http://schemas.openxmlformats.org/officeDocument/2006/math">
+                      <m:acc>
+                        <m:accPr>
+                          <m:chr m:val="⃗"/>
+                          <m:ctrlPr>
+                            <a:rPr lang="fr-FR" sz="1400" b="1" i="1" smtClean="0">
+                              <a:solidFill>
+                                <a:schemeClr val="accent1"/>
+                              </a:solidFill>
+                              <a:latin typeface="Cambria Math" panose="02040503050406030204" pitchFamily="18" charset="0"/>
+                            </a:rPr>
+                          </m:ctrlPr>
+                        </m:accPr>
+                        <m:e>
+                          <m:sSub>
+                            <m:sSubPr>
+                              <m:ctrlPr>
+                                <a:rPr lang="fr-FR" sz="1400" b="1" i="1" smtClean="0">
+                                  <a:solidFill>
+                                    <a:schemeClr val="accent1"/>
+                                  </a:solidFill>
+                                  <a:latin typeface="Cambria Math" panose="02040503050406030204" pitchFamily="18" charset="0"/>
+                                </a:rPr>
+                              </m:ctrlPr>
+                            </m:sSubPr>
+                            <m:e>
+                              <m:r>
+                                <a:rPr lang="fr-FR" sz="1400" b="1" i="1" smtClean="0">
+                                  <a:solidFill>
+                                    <a:schemeClr val="accent1"/>
+                                  </a:solidFill>
+                                  <a:latin typeface="Cambria Math" panose="02040503050406030204" pitchFamily="18" charset="0"/>
+                                </a:rPr>
+                                <m:t>𝑷</m:t>
+                              </m:r>
+                            </m:e>
+                            <m:sub>
+                              <m:r>
+                                <a:rPr lang="fr-FR" sz="1400" b="1" i="1" smtClean="0">
+                                  <a:solidFill>
+                                    <a:schemeClr val="accent1"/>
+                                  </a:solidFill>
+                                  <a:latin typeface="Cambria Math" panose="02040503050406030204" pitchFamily="18" charset="0"/>
+                                </a:rPr>
+                                <m:t>𝑻</m:t>
+                              </m:r>
+                            </m:sub>
+                          </m:sSub>
+                        </m:e>
+                      </m:acc>
+                    </m:oMath>
+                  </m:oMathPara>
+                </a14:m>
+                <a:endParaRPr lang="fr-FR" b="1" dirty="0">
+                  <a:solidFill>
+                    <a:schemeClr val="accent1"/>
+                  </a:solidFill>
+                </a:endParaRPr>
+              </a:p>
+            </p:txBody>
+          </p:sp>
+        </mc:Choice>
+        <mc:Fallback>
+          <p:sp>
+            <p:nvSpPr>
+              <p:cNvPr id="24" name="ZoneTexte 23">
+                <a:extLst>
+                  <a:ext uri="{FF2B5EF4-FFF2-40B4-BE49-F238E27FC236}">
+                    <a16:creationId xmlns:a16="http://schemas.microsoft.com/office/drawing/2014/main" id="{BA3A0F05-4B61-CDDE-FEAF-0EFA1711CA76}"/>
+                  </a:ext>
+                </a:extLst>
+              </p:cNvPr>
+              <p:cNvSpPr txBox="1">
+                <a:spLocks noRot="1" noChangeAspect="1" noMove="1" noResize="1" noEditPoints="1" noAdjustHandles="1" noChangeArrowheads="1" noChangeShapeType="1" noTextEdit="1"/>
+              </p:cNvSpPr>
+              <p:nvPr/>
+            </p:nvSpPr>
+            <p:spPr>
+              <a:xfrm>
+                <a:off x="6682549" y="4306480"/>
+                <a:ext cx="252698" cy="241605"/>
+              </a:xfrm>
+              <a:prstGeom prst="rect">
+                <a:avLst/>
+              </a:prstGeom>
+              <a:blipFill>
+                <a:blip r:embed="rId9"/>
+                <a:stretch>
+                  <a:fillRect l="-16667" r="-4762" b="-15000"/>
+                </a:stretch>
+              </a:blipFill>
+            </p:spPr>
+            <p:txBody>
+              <a:bodyPr/>
+              <a:lstStyle/>
+              <a:p>
+                <a:r>
+                  <a:rPr lang="fr-FR">
+                    <a:noFill/>
+                  </a:rPr>
+                  <a:t> </a:t>
+                </a:r>
+              </a:p>
+            </p:txBody>
+          </p:sp>
+        </mc:Fallback>
+      </mc:AlternateContent>
+      <mc:AlternateContent xmlns:mc="http://schemas.openxmlformats.org/markup-compatibility/2006">
+        <mc:Choice xmlns:a14="http://schemas.microsoft.com/office/drawing/2010/main" Requires="a14">
+          <p:sp>
+            <p:nvSpPr>
+              <p:cNvPr id="25" name="ZoneTexte 24">
+                <a:extLst>
+                  <a:ext uri="{FF2B5EF4-FFF2-40B4-BE49-F238E27FC236}">
+                    <a16:creationId xmlns:a16="http://schemas.microsoft.com/office/drawing/2014/main" id="{B3401E92-A595-227A-BA75-9C18D6B8B872}"/>
+                  </a:ext>
+                </a:extLst>
+              </p:cNvPr>
+              <p:cNvSpPr txBox="1"/>
+              <p:nvPr/>
+            </p:nvSpPr>
+            <p:spPr>
+              <a:xfrm>
+                <a:off x="5433834" y="4087836"/>
+                <a:ext cx="260712" cy="243015"/>
+              </a:xfrm>
+              <a:prstGeom prst="rect">
+                <a:avLst/>
+              </a:prstGeom>
+              <a:noFill/>
+            </p:spPr>
+            <p:txBody>
+              <a:bodyPr wrap="none" lIns="0" tIns="0" rIns="0" bIns="0" rtlCol="0">
+                <a:spAutoFit/>
+              </a:bodyPr>
+              <a:lstStyle/>
+              <a:p>
+                <a:pPr/>
+                <a14:m>
+                  <m:oMathPara xmlns:m="http://schemas.openxmlformats.org/officeDocument/2006/math">
+                    <m:oMathParaPr>
+                      <m:jc m:val="centerGroup"/>
+                    </m:oMathParaPr>
+                    <m:oMath xmlns:m="http://schemas.openxmlformats.org/officeDocument/2006/math">
+                      <m:acc>
+                        <m:accPr>
+                          <m:chr m:val="⃗"/>
+                          <m:ctrlPr>
+                            <a:rPr lang="fr-FR" sz="1400" b="1" i="1" smtClean="0">
+                              <a:solidFill>
+                                <a:schemeClr val="accent1"/>
+                              </a:solidFill>
+                              <a:latin typeface="Cambria Math" panose="02040503050406030204" pitchFamily="18" charset="0"/>
+                            </a:rPr>
+                          </m:ctrlPr>
+                        </m:accPr>
+                        <m:e>
+                          <m:sSub>
+                            <m:sSubPr>
+                              <m:ctrlPr>
+                                <a:rPr lang="fr-FR" sz="1400" b="1" i="1" smtClean="0">
+                                  <a:solidFill>
+                                    <a:schemeClr val="accent1"/>
+                                  </a:solidFill>
+                                  <a:latin typeface="Cambria Math" panose="02040503050406030204" pitchFamily="18" charset="0"/>
+                                </a:rPr>
+                              </m:ctrlPr>
+                            </m:sSubPr>
+                            <m:e>
+                              <m:r>
+                                <a:rPr lang="fr-FR" sz="1400" b="1" i="1" smtClean="0">
+                                  <a:solidFill>
+                                    <a:schemeClr val="accent1"/>
+                                  </a:solidFill>
+                                  <a:latin typeface="Cambria Math" panose="02040503050406030204" pitchFamily="18" charset="0"/>
+                                </a:rPr>
+                                <m:t>𝑸</m:t>
+                              </m:r>
+                            </m:e>
+                            <m:sub>
+                              <m:r>
+                                <a:rPr lang="fr-FR" sz="1400" b="1" i="1" smtClean="0">
+                                  <a:solidFill>
+                                    <a:schemeClr val="accent1"/>
+                                  </a:solidFill>
+                                  <a:latin typeface="Cambria Math" panose="02040503050406030204" pitchFamily="18" charset="0"/>
+                                </a:rPr>
+                                <m:t>𝑻</m:t>
+                              </m:r>
+                            </m:sub>
+                          </m:sSub>
+                        </m:e>
+                      </m:acc>
+                    </m:oMath>
+                  </m:oMathPara>
+                </a14:m>
+                <a:endParaRPr lang="fr-FR" b="1" dirty="0">
+                  <a:solidFill>
+                    <a:schemeClr val="accent1"/>
+                  </a:solidFill>
+                </a:endParaRPr>
+              </a:p>
+            </p:txBody>
+          </p:sp>
+        </mc:Choice>
+        <mc:Fallback>
+          <p:sp>
+            <p:nvSpPr>
+              <p:cNvPr id="25" name="ZoneTexte 24">
+                <a:extLst>
+                  <a:ext uri="{FF2B5EF4-FFF2-40B4-BE49-F238E27FC236}">
+                    <a16:creationId xmlns:a16="http://schemas.microsoft.com/office/drawing/2014/main" id="{B3401E92-A595-227A-BA75-9C18D6B8B872}"/>
+                  </a:ext>
+                </a:extLst>
+              </p:cNvPr>
+              <p:cNvSpPr txBox="1">
+                <a:spLocks noRot="1" noChangeAspect="1" noMove="1" noResize="1" noEditPoints="1" noAdjustHandles="1" noChangeArrowheads="1" noChangeShapeType="1" noTextEdit="1"/>
+              </p:cNvSpPr>
+              <p:nvPr/>
+            </p:nvSpPr>
+            <p:spPr>
+              <a:xfrm>
+                <a:off x="5433834" y="4087836"/>
+                <a:ext cx="260712" cy="243015"/>
+              </a:xfrm>
+              <a:prstGeom prst="rect">
+                <a:avLst/>
+              </a:prstGeom>
+              <a:blipFill>
+                <a:blip r:embed="rId10"/>
+                <a:stretch>
+                  <a:fillRect l="-23256" r="-4651" b="-30769"/>
+                </a:stretch>
+              </a:blipFill>
+            </p:spPr>
+            <p:txBody>
+              <a:bodyPr/>
+              <a:lstStyle/>
+              <a:p>
+                <a:r>
+                  <a:rPr lang="fr-FR">
+                    <a:noFill/>
+                  </a:rPr>
+                  <a:t> </a:t>
+                </a:r>
+              </a:p>
+            </p:txBody>
+          </p:sp>
+        </mc:Fallback>
+      </mc:AlternateContent>
+      <mc:AlternateContent xmlns:mc="http://schemas.openxmlformats.org/markup-compatibility/2006">
+        <mc:Choice xmlns:a14="http://schemas.microsoft.com/office/drawing/2010/main" Requires="a14">
+          <p:sp>
+            <p:nvSpPr>
+              <p:cNvPr id="26" name="ZoneTexte 25">
+                <a:extLst>
+                  <a:ext uri="{FF2B5EF4-FFF2-40B4-BE49-F238E27FC236}">
+                    <a16:creationId xmlns:a16="http://schemas.microsoft.com/office/drawing/2014/main" id="{5F1FF03A-84CC-29FC-71DB-86C9660B6244}"/>
+                  </a:ext>
+                </a:extLst>
+              </p:cNvPr>
+              <p:cNvSpPr txBox="1"/>
+              <p:nvPr/>
+            </p:nvSpPr>
+            <p:spPr>
+              <a:xfrm>
+                <a:off x="6292505" y="2130920"/>
+                <a:ext cx="435440" cy="189860"/>
+              </a:xfrm>
+              <a:prstGeom prst="rect">
+                <a:avLst/>
+              </a:prstGeom>
+              <a:noFill/>
+            </p:spPr>
+            <p:txBody>
+              <a:bodyPr wrap="none" lIns="0" tIns="0" rIns="0" bIns="0" rtlCol="0">
+                <a:spAutoFit/>
+              </a:bodyPr>
+              <a:lstStyle/>
+              <a:p>
+                <a:pPr/>
+                <a14:m>
+                  <m:oMathPara xmlns:m="http://schemas.openxmlformats.org/officeDocument/2006/math">
+                    <m:oMathParaPr>
+                      <m:jc m:val="centerGroup"/>
+                    </m:oMathParaPr>
+                    <m:oMath xmlns:m="http://schemas.openxmlformats.org/officeDocument/2006/math">
+                      <m:acc>
+                        <m:accPr>
+                          <m:chr m:val="⃗"/>
+                          <m:ctrlPr>
+                            <a:rPr lang="fr-FR" sz="1100" b="1" i="1" smtClean="0">
+                              <a:solidFill>
+                                <a:schemeClr val="accent1"/>
+                              </a:solidFill>
+                              <a:latin typeface="Cambria Math" panose="02040503050406030204" pitchFamily="18" charset="0"/>
+                            </a:rPr>
+                          </m:ctrlPr>
+                        </m:accPr>
+                        <m:e>
+                          <m:sSub>
+                            <m:sSubPr>
+                              <m:ctrlPr>
+                                <a:rPr lang="fr-FR" sz="1100" b="1" i="1" smtClean="0">
+                                  <a:solidFill>
+                                    <a:schemeClr val="accent1"/>
+                                  </a:solidFill>
+                                  <a:latin typeface="Cambria Math" panose="02040503050406030204" pitchFamily="18" charset="0"/>
+                                </a:rPr>
+                              </m:ctrlPr>
+                            </m:sSubPr>
+                            <m:e>
+                              <m:r>
+                                <a:rPr lang="fr-FR" sz="1100" b="1" i="1" smtClean="0">
+                                  <a:solidFill>
+                                    <a:schemeClr val="accent1"/>
+                                  </a:solidFill>
+                                  <a:latin typeface="Cambria Math" panose="02040503050406030204" pitchFamily="18" charset="0"/>
+                                </a:rPr>
+                                <m:t>𝑭</m:t>
+                              </m:r>
+                            </m:e>
+                            <m:sub>
+                              <m:r>
+                                <a:rPr lang="fr-FR" sz="1100" b="1" i="1" smtClean="0">
+                                  <a:solidFill>
+                                    <a:schemeClr val="accent1"/>
+                                  </a:solidFill>
+                                  <a:latin typeface="Cambria Math" panose="02040503050406030204" pitchFamily="18" charset="0"/>
+                                </a:rPr>
+                                <m:t>𝒔𝒐𝒍</m:t>
+                              </m:r>
+                              <m:r>
+                                <a:rPr lang="fr-FR" sz="1100" b="1" i="1" smtClean="0">
+                                  <a:solidFill>
+                                    <a:schemeClr val="accent1"/>
+                                  </a:solidFill>
+                                  <a:latin typeface="Cambria Math" panose="02040503050406030204" pitchFamily="18" charset="0"/>
+                                </a:rPr>
+                                <m:t> </m:t>
+                              </m:r>
+                              <m:r>
+                                <a:rPr lang="fr-FR" sz="1100" b="1" i="1" smtClean="0">
+                                  <a:solidFill>
+                                    <a:schemeClr val="accent1"/>
+                                  </a:solidFill>
+                                  <a:latin typeface="Cambria Math" panose="02040503050406030204" pitchFamily="18" charset="0"/>
+                                </a:rPr>
+                                <m:t>𝒕𝒊𝒓</m:t>
+                              </m:r>
+                            </m:sub>
+                          </m:sSub>
+                        </m:e>
+                      </m:acc>
+                    </m:oMath>
+                  </m:oMathPara>
+                </a14:m>
+                <a:endParaRPr lang="fr-FR" b="1" dirty="0">
+                  <a:solidFill>
+                    <a:schemeClr val="accent1"/>
+                  </a:solidFill>
+                </a:endParaRPr>
+              </a:p>
+            </p:txBody>
+          </p:sp>
+        </mc:Choice>
+        <mc:Fallback>
+          <p:sp>
+            <p:nvSpPr>
+              <p:cNvPr id="26" name="ZoneTexte 25">
+                <a:extLst>
+                  <a:ext uri="{FF2B5EF4-FFF2-40B4-BE49-F238E27FC236}">
+                    <a16:creationId xmlns:a16="http://schemas.microsoft.com/office/drawing/2014/main" id="{5F1FF03A-84CC-29FC-71DB-86C9660B6244}"/>
+                  </a:ext>
+                </a:extLst>
+              </p:cNvPr>
+              <p:cNvSpPr txBox="1">
+                <a:spLocks noRot="1" noChangeAspect="1" noMove="1" noResize="1" noEditPoints="1" noAdjustHandles="1" noChangeArrowheads="1" noChangeShapeType="1" noTextEdit="1"/>
+              </p:cNvSpPr>
+              <p:nvPr/>
+            </p:nvSpPr>
+            <p:spPr>
+              <a:xfrm>
+                <a:off x="6292505" y="2130920"/>
+                <a:ext cx="435440" cy="189860"/>
+              </a:xfrm>
+              <a:prstGeom prst="rect">
+                <a:avLst/>
+              </a:prstGeom>
+              <a:blipFill>
+                <a:blip r:embed="rId11"/>
+                <a:stretch>
+                  <a:fillRect l="-6944" r="-4167" b="-19355"/>
+                </a:stretch>
+              </a:blipFill>
+            </p:spPr>
+            <p:txBody>
+              <a:bodyPr/>
+              <a:lstStyle/>
+              <a:p>
+                <a:r>
+                  <a:rPr lang="fr-FR">
+                    <a:noFill/>
+                  </a:rPr>
+                  <a:t> </a:t>
+                </a:r>
+              </a:p>
+            </p:txBody>
+          </p:sp>
+        </mc:Fallback>
+      </mc:AlternateContent>
+    </p:spTree>
+    <p:extLst>
+      <p:ext uri="{BB962C8B-B14F-4D97-AF65-F5344CB8AC3E}">
+        <p14:creationId xmlns:p14="http://schemas.microsoft.com/office/powerpoint/2010/main" val="771523025"/>
+      </p:ext>
+    </p:extLst>
+  </p:cSld>
+  <p:clrMapOvr>
+    <a:masterClrMapping/>
+  </p:clrMapOvr>
+</p:sld>
+</file>
+
+<file path=ppt/slides/slide7.xml><?xml version="1.0" encoding="utf-8"?>
 <p:sld xmlns:a="http://schemas.openxmlformats.org/drawingml/2006/main" xmlns:r="http://schemas.openxmlformats.org/officeDocument/2006/relationships" xmlns:p="http://schemas.openxmlformats.org/presentationml/2006/main">
   <p:cSld>
     <p:spTree>
@@ -7505,7 +13923,7 @@
 </p:sld>
 </file>
 
-<file path=ppt/slides/slide4.xml><?xml version="1.0" encoding="utf-8"?>
+<file path=ppt/slides/slide8.xml><?xml version="1.0" encoding="utf-8"?>
 <p:sld xmlns:a="http://schemas.openxmlformats.org/drawingml/2006/main" xmlns:r="http://schemas.openxmlformats.org/officeDocument/2006/relationships" xmlns:p="http://schemas.openxmlformats.org/presentationml/2006/main">
   <p:cSld>
     <p:spTree>
@@ -10005,7 +16423,7 @@
 </p:sld>
 </file>
 
-<file path=ppt/slides/slide5.xml><?xml version="1.0" encoding="utf-8"?>
+<file path=ppt/slides/slide9.xml><?xml version="1.0" encoding="utf-8"?>
 <p:sld xmlns:a="http://schemas.openxmlformats.org/drawingml/2006/main" xmlns:r="http://schemas.openxmlformats.org/officeDocument/2006/relationships" xmlns:p="http://schemas.openxmlformats.org/presentationml/2006/main">
   <p:cSld>
     <p:spTree>
@@ -12505,3367 +18923,6 @@
 </p:sld>
 </file>
 
-<file path=ppt/slides/slide6.xml><?xml version="1.0" encoding="utf-8"?>
-<p:sld xmlns:a="http://schemas.openxmlformats.org/drawingml/2006/main" xmlns:r="http://schemas.openxmlformats.org/officeDocument/2006/relationships" xmlns:p="http://schemas.openxmlformats.org/presentationml/2006/main">
-  <p:cSld>
-    <p:spTree>
-      <p:nvGrpSpPr>
-        <p:cNvPr id="1" name=""/>
-        <p:cNvGrpSpPr/>
-        <p:nvPr/>
-      </p:nvGrpSpPr>
-      <p:grpSpPr>
-        <a:xfrm>
-          <a:off x="0" y="0"/>
-          <a:ext cx="0" cy="0"/>
-          <a:chOff x="0" y="0"/>
-          <a:chExt cx="0" cy="0"/>
-        </a:xfrm>
-      </p:grpSpPr>
-      <p:sp>
-        <p:nvSpPr>
-          <p:cNvPr id="49" name="Triangle rectangle 48">
-            <a:extLst>
-              <a:ext uri="{FF2B5EF4-FFF2-40B4-BE49-F238E27FC236}">
-                <a16:creationId xmlns:a16="http://schemas.microsoft.com/office/drawing/2014/main" id="{38F57A9F-EBAF-C146-DE7C-54E788130FB1}"/>
-              </a:ext>
-            </a:extLst>
-          </p:cNvPr>
-          <p:cNvSpPr/>
-          <p:nvPr/>
-        </p:nvSpPr>
-        <p:spPr>
-          <a:xfrm flipH="1" flipV="1">
-            <a:off x="5751269" y="3430849"/>
-            <a:ext cx="1068684" cy="424782"/>
-          </a:xfrm>
-          <a:prstGeom prst="rtTriangle">
-            <a:avLst/>
-          </a:prstGeom>
-          <a:solidFill>
-            <a:schemeClr val="accent2">
-              <a:lumMod val="20000"/>
-              <a:lumOff val="80000"/>
-            </a:schemeClr>
-          </a:solidFill>
-          <a:ln>
-            <a:noFill/>
-          </a:ln>
-        </p:spPr>
-        <p:style>
-          <a:lnRef idx="2">
-            <a:schemeClr val="accent1">
-              <a:shade val="50000"/>
-            </a:schemeClr>
-          </a:lnRef>
-          <a:fillRef idx="1">
-            <a:schemeClr val="accent1"/>
-          </a:fillRef>
-          <a:effectRef idx="0">
-            <a:schemeClr val="accent1"/>
-          </a:effectRef>
-          <a:fontRef idx="minor">
-            <a:schemeClr val="lt1"/>
-          </a:fontRef>
-        </p:style>
-        <p:txBody>
-          <a:bodyPr rtlCol="0" anchor="ctr"/>
-          <a:lstStyle/>
-          <a:p>
-            <a:pPr algn="ctr"/>
-            <a:endParaRPr lang="fr-FR"/>
-          </a:p>
-        </p:txBody>
-      </p:sp>
-      <p:sp>
-        <p:nvSpPr>
-          <p:cNvPr id="50" name="Triangle rectangle 49">
-            <a:extLst>
-              <a:ext uri="{FF2B5EF4-FFF2-40B4-BE49-F238E27FC236}">
-                <a16:creationId xmlns:a16="http://schemas.microsoft.com/office/drawing/2014/main" id="{C7C42802-C836-6B0A-CB33-38ACECC066D7}"/>
-              </a:ext>
-            </a:extLst>
-          </p:cNvPr>
-          <p:cNvSpPr/>
-          <p:nvPr/>
-        </p:nvSpPr>
-        <p:spPr>
-          <a:xfrm>
-            <a:off x="4645647" y="2995733"/>
-            <a:ext cx="1058042" cy="443985"/>
-          </a:xfrm>
-          <a:prstGeom prst="rtTriangle">
-            <a:avLst/>
-          </a:prstGeom>
-          <a:solidFill>
-            <a:schemeClr val="accent2">
-              <a:lumMod val="20000"/>
-              <a:lumOff val="80000"/>
-            </a:schemeClr>
-          </a:solidFill>
-          <a:ln>
-            <a:noFill/>
-          </a:ln>
-        </p:spPr>
-        <p:style>
-          <a:lnRef idx="2">
-            <a:schemeClr val="accent1">
-              <a:shade val="50000"/>
-            </a:schemeClr>
-          </a:lnRef>
-          <a:fillRef idx="1">
-            <a:schemeClr val="accent1"/>
-          </a:fillRef>
-          <a:effectRef idx="0">
-            <a:schemeClr val="accent1"/>
-          </a:effectRef>
-          <a:fontRef idx="minor">
-            <a:schemeClr val="lt1"/>
-          </a:fontRef>
-        </p:style>
-        <p:txBody>
-          <a:bodyPr rtlCol="0" anchor="ctr"/>
-          <a:lstStyle/>
-          <a:p>
-            <a:pPr algn="ctr"/>
-            <a:endParaRPr lang="fr-FR"/>
-          </a:p>
-        </p:txBody>
-      </p:sp>
-      <p:sp>
-        <p:nvSpPr>
-          <p:cNvPr id="6" name="Triangle rectangle 5">
-            <a:extLst>
-              <a:ext uri="{FF2B5EF4-FFF2-40B4-BE49-F238E27FC236}">
-                <a16:creationId xmlns:a16="http://schemas.microsoft.com/office/drawing/2014/main" id="{5EC8948A-AB0B-21ED-02E1-04979AFDCCC7}"/>
-              </a:ext>
-            </a:extLst>
-          </p:cNvPr>
-          <p:cNvSpPr/>
-          <p:nvPr/>
-        </p:nvSpPr>
-        <p:spPr>
-          <a:xfrm flipH="1">
-            <a:off x="3956191" y="2985011"/>
-            <a:ext cx="689457" cy="443985"/>
-          </a:xfrm>
-          <a:prstGeom prst="rtTriangle">
-            <a:avLst/>
-          </a:prstGeom>
-          <a:solidFill>
-            <a:schemeClr val="accent2">
-              <a:lumMod val="20000"/>
-              <a:lumOff val="80000"/>
-            </a:schemeClr>
-          </a:solidFill>
-          <a:ln>
-            <a:noFill/>
-          </a:ln>
-        </p:spPr>
-        <p:style>
-          <a:lnRef idx="2">
-            <a:schemeClr val="accent1">
-              <a:shade val="50000"/>
-            </a:schemeClr>
-          </a:lnRef>
-          <a:fillRef idx="1">
-            <a:schemeClr val="accent1"/>
-          </a:fillRef>
-          <a:effectRef idx="0">
-            <a:schemeClr val="accent1"/>
-          </a:effectRef>
-          <a:fontRef idx="minor">
-            <a:schemeClr val="lt1"/>
-          </a:fontRef>
-        </p:style>
-        <p:txBody>
-          <a:bodyPr rtlCol="0" anchor="ctr"/>
-          <a:lstStyle/>
-          <a:p>
-            <a:pPr algn="ctr"/>
-            <a:endParaRPr lang="fr-FR"/>
-          </a:p>
-        </p:txBody>
-      </p:sp>
-      <p:cxnSp>
-        <p:nvCxnSpPr>
-          <p:cNvPr id="28" name="Connecteur droit 27">
-            <a:extLst>
-              <a:ext uri="{FF2B5EF4-FFF2-40B4-BE49-F238E27FC236}">
-                <a16:creationId xmlns:a16="http://schemas.microsoft.com/office/drawing/2014/main" id="{C74975E6-0C86-2C0D-1C03-38CA4DF43AE8}"/>
-              </a:ext>
-            </a:extLst>
-          </p:cNvPr>
-          <p:cNvCxnSpPr>
-            <a:cxnSpLocks/>
-          </p:cNvCxnSpPr>
-          <p:nvPr/>
-        </p:nvCxnSpPr>
-        <p:spPr>
-          <a:xfrm>
-            <a:off x="6819954" y="1989882"/>
-            <a:ext cx="720000" cy="0"/>
-          </a:xfrm>
-          <a:prstGeom prst="line">
-            <a:avLst/>
-          </a:prstGeom>
-          <a:solidFill>
-            <a:schemeClr val="bg1"/>
-          </a:solidFill>
-          <a:ln w="28575">
-            <a:solidFill>
-              <a:srgbClr val="7030A0"/>
-            </a:solidFill>
-          </a:ln>
-        </p:spPr>
-        <p:style>
-          <a:lnRef idx="2">
-            <a:schemeClr val="accent1">
-              <a:shade val="50000"/>
-            </a:schemeClr>
-          </a:lnRef>
-          <a:fillRef idx="1">
-            <a:schemeClr val="accent1"/>
-          </a:fillRef>
-          <a:effectRef idx="0">
-            <a:schemeClr val="accent1"/>
-          </a:effectRef>
-          <a:fontRef idx="minor">
-            <a:schemeClr val="lt1"/>
-          </a:fontRef>
-        </p:style>
-      </p:cxnSp>
-      <p:cxnSp>
-        <p:nvCxnSpPr>
-          <p:cNvPr id="24" name="Connecteur droit 23">
-            <a:extLst>
-              <a:ext uri="{FF2B5EF4-FFF2-40B4-BE49-F238E27FC236}">
-                <a16:creationId xmlns:a16="http://schemas.microsoft.com/office/drawing/2014/main" id="{419E6C69-F7DC-0316-44A5-385751940AED}"/>
-              </a:ext>
-            </a:extLst>
-          </p:cNvPr>
-          <p:cNvCxnSpPr>
-            <a:cxnSpLocks/>
-          </p:cNvCxnSpPr>
-          <p:nvPr/>
-        </p:nvCxnSpPr>
-        <p:spPr>
-          <a:xfrm>
-            <a:off x="3939954" y="1989882"/>
-            <a:ext cx="720000" cy="0"/>
-          </a:xfrm>
-          <a:prstGeom prst="line">
-            <a:avLst/>
-          </a:prstGeom>
-          <a:solidFill>
-            <a:schemeClr val="bg1"/>
-          </a:solidFill>
-          <a:ln w="28575">
-            <a:solidFill>
-              <a:srgbClr val="7030A0"/>
-            </a:solidFill>
-          </a:ln>
-        </p:spPr>
-        <p:style>
-          <a:lnRef idx="2">
-            <a:schemeClr val="accent1">
-              <a:shade val="50000"/>
-            </a:schemeClr>
-          </a:lnRef>
-          <a:fillRef idx="1">
-            <a:schemeClr val="accent1"/>
-          </a:fillRef>
-          <a:effectRef idx="0">
-            <a:schemeClr val="accent1"/>
-          </a:effectRef>
-          <a:fontRef idx="minor">
-            <a:schemeClr val="lt1"/>
-          </a:fontRef>
-        </p:style>
-      </p:cxnSp>
-      <p:sp>
-        <p:nvSpPr>
-          <p:cNvPr id="22" name="Rectangle 21">
-            <a:extLst>
-              <a:ext uri="{FF2B5EF4-FFF2-40B4-BE49-F238E27FC236}">
-                <a16:creationId xmlns:a16="http://schemas.microsoft.com/office/drawing/2014/main" id="{C1B9B700-CF80-4993-1363-19B22CF5328D}"/>
-              </a:ext>
-            </a:extLst>
-          </p:cNvPr>
-          <p:cNvSpPr/>
-          <p:nvPr/>
-        </p:nvSpPr>
-        <p:spPr>
-          <a:xfrm>
-            <a:off x="6585954" y="2043227"/>
-            <a:ext cx="468000" cy="144000"/>
-          </a:xfrm>
-          <a:prstGeom prst="rect">
-            <a:avLst/>
-          </a:prstGeom>
-          <a:solidFill>
-            <a:schemeClr val="bg1"/>
-          </a:solidFill>
-          <a:ln w="28575">
-            <a:solidFill>
-              <a:schemeClr val="accent1">
-                <a:lumMod val="50000"/>
-              </a:schemeClr>
-            </a:solidFill>
-          </a:ln>
-        </p:spPr>
-        <p:style>
-          <a:lnRef idx="2">
-            <a:schemeClr val="accent1">
-              <a:shade val="50000"/>
-            </a:schemeClr>
-          </a:lnRef>
-          <a:fillRef idx="1">
-            <a:schemeClr val="accent1"/>
-          </a:fillRef>
-          <a:effectRef idx="0">
-            <a:schemeClr val="accent1"/>
-          </a:effectRef>
-          <a:fontRef idx="minor">
-            <a:schemeClr val="lt1"/>
-          </a:fontRef>
-        </p:style>
-        <p:txBody>
-          <a:bodyPr rtlCol="0" anchor="ctr"/>
-          <a:lstStyle/>
-          <a:p>
-            <a:pPr algn="ctr"/>
-            <a:endParaRPr lang="fr-FR"/>
-          </a:p>
-        </p:txBody>
-      </p:sp>
-      <p:sp>
-        <p:nvSpPr>
-          <p:cNvPr id="20" name="Arc 19">
-            <a:extLst>
-              <a:ext uri="{FF2B5EF4-FFF2-40B4-BE49-F238E27FC236}">
-                <a16:creationId xmlns:a16="http://schemas.microsoft.com/office/drawing/2014/main" id="{9A9E1B3D-DDC9-D643-D638-F1A4F560EE1D}"/>
-              </a:ext>
-            </a:extLst>
-          </p:cNvPr>
-          <p:cNvSpPr/>
-          <p:nvPr/>
-        </p:nvSpPr>
-        <p:spPr>
-          <a:xfrm>
-            <a:off x="4479954" y="1809882"/>
-            <a:ext cx="360000" cy="360000"/>
-          </a:xfrm>
-          <a:prstGeom prst="arc">
-            <a:avLst>
-              <a:gd name="adj1" fmla="val 857438"/>
-              <a:gd name="adj2" fmla="val 10008154"/>
-            </a:avLst>
-          </a:prstGeom>
-          <a:solidFill>
-            <a:schemeClr val="bg1"/>
-          </a:solidFill>
-          <a:ln w="28575">
-            <a:solidFill>
-              <a:schemeClr val="accent1">
-                <a:lumMod val="50000"/>
-              </a:schemeClr>
-            </a:solidFill>
-          </a:ln>
-        </p:spPr>
-        <p:style>
-          <a:lnRef idx="2">
-            <a:schemeClr val="accent1">
-              <a:shade val="50000"/>
-            </a:schemeClr>
-          </a:lnRef>
-          <a:fillRef idx="1">
-            <a:schemeClr val="accent1"/>
-          </a:fillRef>
-          <a:effectRef idx="0">
-            <a:schemeClr val="accent1"/>
-          </a:effectRef>
-          <a:fontRef idx="minor">
-            <a:schemeClr val="lt1"/>
-          </a:fontRef>
-        </p:style>
-        <p:txBody>
-          <a:bodyPr rtlCol="0" anchor="ctr"/>
-          <a:lstStyle/>
-          <a:p>
-            <a:pPr algn="ctr"/>
-            <a:endParaRPr lang="fr-FR">
-              <a:solidFill>
-                <a:schemeClr val="lt1"/>
-              </a:solidFill>
-            </a:endParaRPr>
-          </a:p>
-        </p:txBody>
-      </p:sp>
-      <p:sp>
-        <p:nvSpPr>
-          <p:cNvPr id="4" name="Ellipse 3">
-            <a:extLst>
-              <a:ext uri="{FF2B5EF4-FFF2-40B4-BE49-F238E27FC236}">
-                <a16:creationId xmlns:a16="http://schemas.microsoft.com/office/drawing/2014/main" id="{2B73D1EA-FA48-A88E-2C82-7210DF13B222}"/>
-              </a:ext>
-            </a:extLst>
-          </p:cNvPr>
-          <p:cNvSpPr/>
-          <p:nvPr/>
-        </p:nvSpPr>
-        <p:spPr>
-          <a:xfrm>
-            <a:off x="4515954" y="1845882"/>
-            <a:ext cx="288000" cy="288000"/>
-          </a:xfrm>
-          <a:prstGeom prst="ellipse">
-            <a:avLst/>
-          </a:prstGeom>
-          <a:solidFill>
-            <a:schemeClr val="bg1"/>
-          </a:solidFill>
-          <a:ln w="28575">
-            <a:solidFill>
-              <a:srgbClr val="7030A0"/>
-            </a:solidFill>
-          </a:ln>
-        </p:spPr>
-        <p:style>
-          <a:lnRef idx="2">
-            <a:schemeClr val="accent1">
-              <a:shade val="50000"/>
-            </a:schemeClr>
-          </a:lnRef>
-          <a:fillRef idx="1">
-            <a:schemeClr val="accent1"/>
-          </a:fillRef>
-          <a:effectRef idx="0">
-            <a:schemeClr val="accent1"/>
-          </a:effectRef>
-          <a:fontRef idx="minor">
-            <a:schemeClr val="lt1"/>
-          </a:fontRef>
-        </p:style>
-        <p:txBody>
-          <a:bodyPr rtlCol="0" anchor="ctr"/>
-          <a:lstStyle/>
-          <a:p>
-            <a:pPr algn="ctr"/>
-            <a:endParaRPr lang="fr-FR"/>
-          </a:p>
-        </p:txBody>
-      </p:sp>
-      <p:sp>
-        <p:nvSpPr>
-          <p:cNvPr id="5" name="Ellipse 4">
-            <a:extLst>
-              <a:ext uri="{FF2B5EF4-FFF2-40B4-BE49-F238E27FC236}">
-                <a16:creationId xmlns:a16="http://schemas.microsoft.com/office/drawing/2014/main" id="{FF4125D3-B40D-1102-AF1F-AC49C21130B0}"/>
-              </a:ext>
-            </a:extLst>
-          </p:cNvPr>
-          <p:cNvSpPr/>
-          <p:nvPr/>
-        </p:nvSpPr>
-        <p:spPr>
-          <a:xfrm>
-            <a:off x="6675954" y="1845882"/>
-            <a:ext cx="288000" cy="288000"/>
-          </a:xfrm>
-          <a:prstGeom prst="ellipse">
-            <a:avLst/>
-          </a:prstGeom>
-          <a:solidFill>
-            <a:schemeClr val="bg1"/>
-          </a:solidFill>
-          <a:ln w="28575">
-            <a:solidFill>
-              <a:srgbClr val="7030A0"/>
-            </a:solidFill>
-          </a:ln>
-        </p:spPr>
-        <p:style>
-          <a:lnRef idx="2">
-            <a:schemeClr val="accent1">
-              <a:shade val="50000"/>
-            </a:schemeClr>
-          </a:lnRef>
-          <a:fillRef idx="1">
-            <a:schemeClr val="accent1"/>
-          </a:fillRef>
-          <a:effectRef idx="0">
-            <a:schemeClr val="accent1"/>
-          </a:effectRef>
-          <a:fontRef idx="minor">
-            <a:schemeClr val="lt1"/>
-          </a:fontRef>
-        </p:style>
-        <p:txBody>
-          <a:bodyPr rtlCol="0" anchor="ctr"/>
-          <a:lstStyle/>
-          <a:p>
-            <a:pPr algn="ctr"/>
-            <a:endParaRPr lang="fr-FR"/>
-          </a:p>
-        </p:txBody>
-      </p:sp>
-      <p:cxnSp>
-        <p:nvCxnSpPr>
-          <p:cNvPr id="7" name="Connecteur droit 6">
-            <a:extLst>
-              <a:ext uri="{FF2B5EF4-FFF2-40B4-BE49-F238E27FC236}">
-                <a16:creationId xmlns:a16="http://schemas.microsoft.com/office/drawing/2014/main" id="{34FA399A-B722-EE0F-C3F8-1135C57F47CB}"/>
-              </a:ext>
-            </a:extLst>
-          </p:cNvPr>
-          <p:cNvCxnSpPr>
-            <a:cxnSpLocks/>
-            <a:stCxn id="4" idx="6"/>
-            <a:endCxn id="5" idx="2"/>
-          </p:cNvCxnSpPr>
-          <p:nvPr/>
-        </p:nvCxnSpPr>
-        <p:spPr>
-          <a:xfrm>
-            <a:off x="4803954" y="1989882"/>
-            <a:ext cx="1872000" cy="0"/>
-          </a:xfrm>
-          <a:prstGeom prst="line">
-            <a:avLst/>
-          </a:prstGeom>
-          <a:solidFill>
-            <a:schemeClr val="bg1"/>
-          </a:solidFill>
-          <a:ln w="28575">
-            <a:solidFill>
-              <a:srgbClr val="7030A0"/>
-            </a:solidFill>
-          </a:ln>
-        </p:spPr>
-        <p:style>
-          <a:lnRef idx="2">
-            <a:schemeClr val="accent1">
-              <a:shade val="50000"/>
-            </a:schemeClr>
-          </a:lnRef>
-          <a:fillRef idx="1">
-            <a:schemeClr val="accent1"/>
-          </a:fillRef>
-          <a:effectRef idx="0">
-            <a:schemeClr val="accent1"/>
-          </a:effectRef>
-          <a:fontRef idx="minor">
-            <a:schemeClr val="lt1"/>
-          </a:fontRef>
-        </p:style>
-      </p:cxnSp>
-      <p:cxnSp>
-        <p:nvCxnSpPr>
-          <p:cNvPr id="12" name="Connecteur droit 11">
-            <a:extLst>
-              <a:ext uri="{FF2B5EF4-FFF2-40B4-BE49-F238E27FC236}">
-                <a16:creationId xmlns:a16="http://schemas.microsoft.com/office/drawing/2014/main" id="{C3A9B7BA-686D-0D0C-76AE-2AFFF1BD59A2}"/>
-              </a:ext>
-            </a:extLst>
-          </p:cNvPr>
-          <p:cNvCxnSpPr>
-            <a:cxnSpLocks/>
-          </p:cNvCxnSpPr>
-          <p:nvPr/>
-        </p:nvCxnSpPr>
-        <p:spPr>
-          <a:xfrm flipV="1">
-            <a:off x="3939953" y="2716306"/>
-            <a:ext cx="0" cy="1404281"/>
-          </a:xfrm>
-          <a:prstGeom prst="line">
-            <a:avLst/>
-          </a:prstGeom>
-          <a:solidFill>
-            <a:schemeClr val="bg1"/>
-          </a:solidFill>
-          <a:ln w="19050">
-            <a:solidFill>
-              <a:srgbClr val="002060"/>
-            </a:solidFill>
-            <a:tailEnd type="stealth" w="med" len="lg"/>
-          </a:ln>
-        </p:spPr>
-        <p:style>
-          <a:lnRef idx="2">
-            <a:schemeClr val="accent1">
-              <a:shade val="50000"/>
-            </a:schemeClr>
-          </a:lnRef>
-          <a:fillRef idx="1">
-            <a:schemeClr val="accent1"/>
-          </a:fillRef>
-          <a:effectRef idx="0">
-            <a:schemeClr val="accent1"/>
-          </a:effectRef>
-          <a:fontRef idx="minor">
-            <a:schemeClr val="lt1"/>
-          </a:fontRef>
-        </p:style>
-      </p:cxnSp>
-      <p:cxnSp>
-        <p:nvCxnSpPr>
-          <p:cNvPr id="15" name="Connecteur droit 14">
-            <a:extLst>
-              <a:ext uri="{FF2B5EF4-FFF2-40B4-BE49-F238E27FC236}">
-                <a16:creationId xmlns:a16="http://schemas.microsoft.com/office/drawing/2014/main" id="{53C3C478-37F2-BA19-8C53-FC72D2FBC844}"/>
-              </a:ext>
-            </a:extLst>
-          </p:cNvPr>
-          <p:cNvCxnSpPr>
-            <a:cxnSpLocks/>
-          </p:cNvCxnSpPr>
-          <p:nvPr/>
-        </p:nvCxnSpPr>
-        <p:spPr>
-          <a:xfrm>
-            <a:off x="7539954" y="1989882"/>
-            <a:ext cx="0" cy="531770"/>
-          </a:xfrm>
-          <a:prstGeom prst="line">
-            <a:avLst/>
-          </a:prstGeom>
-          <a:solidFill>
-            <a:schemeClr val="bg1"/>
-          </a:solidFill>
-          <a:ln w="28575">
-            <a:solidFill>
-              <a:srgbClr val="C00000"/>
-            </a:solidFill>
-            <a:tailEnd type="stealth" w="med" len="lg"/>
-          </a:ln>
-        </p:spPr>
-        <p:style>
-          <a:lnRef idx="2">
-            <a:schemeClr val="accent1">
-              <a:shade val="50000"/>
-            </a:schemeClr>
-          </a:lnRef>
-          <a:fillRef idx="1">
-            <a:schemeClr val="accent1"/>
-          </a:fillRef>
-          <a:effectRef idx="0">
-            <a:schemeClr val="accent1"/>
-          </a:effectRef>
-          <a:fontRef idx="minor">
-            <a:schemeClr val="lt1"/>
-          </a:fontRef>
-        </p:style>
-      </p:cxnSp>
-      <mc:AlternateContent xmlns:mc="http://schemas.openxmlformats.org/markup-compatibility/2006" xmlns:a14="http://schemas.microsoft.com/office/drawing/2010/main">
-        <mc:Choice Requires="a14">
-          <p:sp>
-            <p:nvSpPr>
-              <p:cNvPr id="17" name="ZoneTexte 16">
-                <a:extLst>
-                  <a:ext uri="{FF2B5EF4-FFF2-40B4-BE49-F238E27FC236}">
-                    <a16:creationId xmlns:a16="http://schemas.microsoft.com/office/drawing/2014/main" id="{5853C66E-F7C5-9D45-4609-DAC8FD58D6DE}"/>
-                  </a:ext>
-                </a:extLst>
-              </p:cNvPr>
-              <p:cNvSpPr txBox="1"/>
-              <p:nvPr/>
-            </p:nvSpPr>
-            <p:spPr>
-              <a:xfrm>
-                <a:off x="2181562" y="2241777"/>
-                <a:ext cx="708271" cy="208903"/>
-              </a:xfrm>
-              <a:prstGeom prst="rect">
-                <a:avLst/>
-              </a:prstGeom>
-              <a:noFill/>
-            </p:spPr>
-            <p:txBody>
-              <a:bodyPr wrap="none" lIns="0" tIns="0" rIns="0" bIns="0" rtlCol="0">
-                <a:spAutoFit/>
-              </a:bodyPr>
-              <a:lstStyle/>
-              <a:p>
-                <a:pPr/>
-                <a14:m>
-                  <m:oMathPara xmlns:m="http://schemas.openxmlformats.org/officeDocument/2006/math">
-                    <m:oMathParaPr>
-                      <m:jc m:val="centerGroup"/>
-                    </m:oMathParaPr>
-                    <m:oMath xmlns:m="http://schemas.openxmlformats.org/officeDocument/2006/math">
-                      <m:acc>
-                        <m:accPr>
-                          <m:chr m:val="⃗"/>
-                          <m:ctrlPr>
-                            <a:rPr lang="fr-FR" sz="1100" b="0" i="1" smtClean="0">
-                              <a:latin typeface="Cambria Math" panose="02040503050406030204" pitchFamily="18" charset="0"/>
-                            </a:rPr>
-                          </m:ctrlPr>
-                        </m:accPr>
-                        <m:e>
-                          <m:sSub>
-                            <m:sSubPr>
-                              <m:ctrlPr>
-                                <a:rPr lang="fr-FR" sz="1100" i="1">
-                                  <a:latin typeface="Cambria Math" panose="02040503050406030204" pitchFamily="18" charset="0"/>
-                                </a:rPr>
-                              </m:ctrlPr>
-                            </m:sSubPr>
-                            <m:e>
-                              <m:r>
-                                <a:rPr lang="fr-FR" sz="1100" i="1">
-                                  <a:latin typeface="Cambria Math" panose="02040503050406030204" pitchFamily="18" charset="0"/>
-                                </a:rPr>
-                                <m:t>𝐹</m:t>
-                              </m:r>
-                            </m:e>
-                            <m:sub>
-                              <m:r>
-                                <a:rPr lang="fr-FR" sz="1100" i="1">
-                                  <a:latin typeface="Cambria Math" panose="02040503050406030204" pitchFamily="18" charset="0"/>
-                                </a:rPr>
-                                <m:t>𝑙𝑎𝑚𝑒</m:t>
-                              </m:r>
-                              <m:r>
-                                <m:rPr>
-                                  <m:lit/>
-                                </m:rPr>
-                                <a:rPr lang="fr-FR" sz="1100" i="1">
-                                  <a:latin typeface="Cambria Math" panose="02040503050406030204" pitchFamily="18" charset="0"/>
-                                </a:rPr>
-                                <m:t>/</m:t>
-                              </m:r>
-                              <m:r>
-                                <a:rPr lang="fr-FR" sz="1100" i="1">
-                                  <a:latin typeface="Cambria Math" panose="02040503050406030204" pitchFamily="18" charset="0"/>
-                                </a:rPr>
-                                <m:t>𝑎𝑟𝑏𝑟𝑒</m:t>
-                              </m:r>
-                            </m:sub>
-                          </m:sSub>
-                        </m:e>
-                      </m:acc>
-                    </m:oMath>
-                  </m:oMathPara>
-                </a14:m>
-                <a:endParaRPr lang="fr-FR" dirty="0"/>
-              </a:p>
-            </p:txBody>
-          </p:sp>
-        </mc:Choice>
-        <mc:Fallback xmlns="">
-          <p:sp>
-            <p:nvSpPr>
-              <p:cNvPr id="17" name="ZoneTexte 16">
-                <a:extLst>
-                  <a:ext uri="{FF2B5EF4-FFF2-40B4-BE49-F238E27FC236}">
-                    <a16:creationId xmlns:a16="http://schemas.microsoft.com/office/drawing/2014/main" id="{5853C66E-F7C5-9D45-4609-DAC8FD58D6DE}"/>
-                  </a:ext>
-                </a:extLst>
-              </p:cNvPr>
-              <p:cNvSpPr txBox="1">
-                <a:spLocks noRot="1" noChangeAspect="1" noMove="1" noResize="1" noEditPoints="1" noAdjustHandles="1" noChangeArrowheads="1" noChangeShapeType="1" noTextEdit="1"/>
-              </p:cNvSpPr>
-              <p:nvPr/>
-            </p:nvSpPr>
-            <p:spPr>
-              <a:xfrm>
-                <a:off x="2181562" y="2241777"/>
-                <a:ext cx="708271" cy="208903"/>
-              </a:xfrm>
-              <a:prstGeom prst="rect">
-                <a:avLst/>
-              </a:prstGeom>
-              <a:blipFill>
-                <a:blip r:embed="rId2"/>
-                <a:stretch>
-                  <a:fillRect l="-4310" r="-1724" b="-26471"/>
-                </a:stretch>
-              </a:blipFill>
-            </p:spPr>
-            <p:txBody>
-              <a:bodyPr/>
-              <a:lstStyle/>
-              <a:p>
-                <a:r>
-                  <a:rPr lang="fr-FR">
-                    <a:noFill/>
-                  </a:rPr>
-                  <a:t> </a:t>
-                </a:r>
-              </a:p>
-            </p:txBody>
-          </p:sp>
-        </mc:Fallback>
-      </mc:AlternateContent>
-      <mc:AlternateContent xmlns:mc="http://schemas.openxmlformats.org/markup-compatibility/2006" xmlns:a14="http://schemas.microsoft.com/office/drawing/2010/main">
-        <mc:Choice Requires="a14">
-          <p:sp>
-            <p:nvSpPr>
-              <p:cNvPr id="19" name="ZoneTexte 18">
-                <a:extLst>
-                  <a:ext uri="{FF2B5EF4-FFF2-40B4-BE49-F238E27FC236}">
-                    <a16:creationId xmlns:a16="http://schemas.microsoft.com/office/drawing/2014/main" id="{8006ADE4-EE8F-25FA-7E75-529D7061EE5E}"/>
-                  </a:ext>
-                </a:extLst>
-              </p:cNvPr>
-              <p:cNvSpPr txBox="1"/>
-              <p:nvPr/>
-            </p:nvSpPr>
-            <p:spPr>
-              <a:xfrm>
-                <a:off x="7629954" y="2106838"/>
-                <a:ext cx="897425" cy="208903"/>
-              </a:xfrm>
-              <a:prstGeom prst="rect">
-                <a:avLst/>
-              </a:prstGeom>
-              <a:noFill/>
-            </p:spPr>
-            <p:txBody>
-              <a:bodyPr wrap="none" lIns="0" tIns="0" rIns="0" bIns="0" rtlCol="0">
-                <a:spAutoFit/>
-              </a:bodyPr>
-              <a:lstStyle/>
-              <a:p>
-                <a:pPr/>
-                <a14:m>
-                  <m:oMathPara xmlns:m="http://schemas.openxmlformats.org/officeDocument/2006/math">
-                    <m:oMathParaPr>
-                      <m:jc m:val="centerGroup"/>
-                    </m:oMathParaPr>
-                    <m:oMath xmlns:m="http://schemas.openxmlformats.org/officeDocument/2006/math">
-                      <m:acc>
-                        <m:accPr>
-                          <m:chr m:val="⃗"/>
-                          <m:ctrlPr>
-                            <a:rPr lang="fr-FR" sz="1100" b="0" i="1" smtClean="0">
-                              <a:latin typeface="Cambria Math" panose="02040503050406030204" pitchFamily="18" charset="0"/>
-                            </a:rPr>
-                          </m:ctrlPr>
-                        </m:accPr>
-                        <m:e>
-                          <m:sSub>
-                            <m:sSubPr>
-                              <m:ctrlPr>
-                                <a:rPr lang="fr-FR" sz="1100" i="1">
-                                  <a:latin typeface="Cambria Math" panose="02040503050406030204" pitchFamily="18" charset="0"/>
-                                </a:rPr>
-                              </m:ctrlPr>
-                            </m:sSubPr>
-                            <m:e>
-                              <m:r>
-                                <a:rPr lang="fr-FR" sz="1100" i="1">
-                                  <a:latin typeface="Cambria Math" panose="02040503050406030204" pitchFamily="18" charset="0"/>
-                                </a:rPr>
-                                <m:t>𝐹</m:t>
-                              </m:r>
-                            </m:e>
-                            <m:sub>
-                              <m:r>
-                                <a:rPr lang="fr-FR" sz="1100" b="0" i="1" smtClean="0">
-                                  <a:latin typeface="Cambria Math" panose="02040503050406030204" pitchFamily="18" charset="0"/>
-                                </a:rPr>
-                                <m:t>𝑐𝑜𝑢𝑟𝑟𝑜𝑖𝑒</m:t>
-                              </m:r>
-                              <m:r>
-                                <m:rPr>
-                                  <m:lit/>
-                                </m:rPr>
-                                <a:rPr lang="fr-FR" sz="1100" i="1">
-                                  <a:latin typeface="Cambria Math" panose="02040503050406030204" pitchFamily="18" charset="0"/>
-                                </a:rPr>
-                                <m:t>/</m:t>
-                              </m:r>
-                              <m:r>
-                                <a:rPr lang="fr-FR" sz="1100" i="1">
-                                  <a:latin typeface="Cambria Math" panose="02040503050406030204" pitchFamily="18" charset="0"/>
-                                </a:rPr>
-                                <m:t>𝑎𝑟𝑏𝑟𝑒</m:t>
-                              </m:r>
-                            </m:sub>
-                          </m:sSub>
-                        </m:e>
-                      </m:acc>
-                    </m:oMath>
-                  </m:oMathPara>
-                </a14:m>
-                <a:endParaRPr lang="fr-FR" dirty="0"/>
-              </a:p>
-            </p:txBody>
-          </p:sp>
-        </mc:Choice>
-        <mc:Fallback xmlns="">
-          <p:sp>
-            <p:nvSpPr>
-              <p:cNvPr id="19" name="ZoneTexte 18">
-                <a:extLst>
-                  <a:ext uri="{FF2B5EF4-FFF2-40B4-BE49-F238E27FC236}">
-                    <a16:creationId xmlns:a16="http://schemas.microsoft.com/office/drawing/2014/main" id="{8006ADE4-EE8F-25FA-7E75-529D7061EE5E}"/>
-                  </a:ext>
-                </a:extLst>
-              </p:cNvPr>
-              <p:cNvSpPr txBox="1">
-                <a:spLocks noRot="1" noChangeAspect="1" noMove="1" noResize="1" noEditPoints="1" noAdjustHandles="1" noChangeArrowheads="1" noChangeShapeType="1" noTextEdit="1"/>
-              </p:cNvSpPr>
-              <p:nvPr/>
-            </p:nvSpPr>
-            <p:spPr>
-              <a:xfrm>
-                <a:off x="7629954" y="2106838"/>
-                <a:ext cx="897425" cy="208903"/>
-              </a:xfrm>
-              <a:prstGeom prst="rect">
-                <a:avLst/>
-              </a:prstGeom>
-              <a:blipFill>
-                <a:blip r:embed="rId3"/>
-                <a:stretch>
-                  <a:fillRect l="-3401" r="-1361" b="-26471"/>
-                </a:stretch>
-              </a:blipFill>
-            </p:spPr>
-            <p:txBody>
-              <a:bodyPr/>
-              <a:lstStyle/>
-              <a:p>
-                <a:r>
-                  <a:rPr lang="fr-FR">
-                    <a:noFill/>
-                  </a:rPr>
-                  <a:t> </a:t>
-                </a:r>
-              </a:p>
-            </p:txBody>
-          </p:sp>
-        </mc:Fallback>
-      </mc:AlternateContent>
-      <p:cxnSp>
-        <p:nvCxnSpPr>
-          <p:cNvPr id="23" name="Connecteur droit 22">
-            <a:extLst>
-              <a:ext uri="{FF2B5EF4-FFF2-40B4-BE49-F238E27FC236}">
-                <a16:creationId xmlns:a16="http://schemas.microsoft.com/office/drawing/2014/main" id="{BA6878E0-BA88-A381-C274-546397C3A09A}"/>
-              </a:ext>
-            </a:extLst>
-          </p:cNvPr>
-          <p:cNvCxnSpPr>
-            <a:cxnSpLocks/>
-          </p:cNvCxnSpPr>
-          <p:nvPr/>
-        </p:nvCxnSpPr>
-        <p:spPr>
-          <a:xfrm>
-            <a:off x="4659954" y="2169882"/>
-            <a:ext cx="0" cy="216699"/>
-          </a:xfrm>
-          <a:prstGeom prst="line">
-            <a:avLst/>
-          </a:prstGeom>
-          <a:solidFill>
-            <a:schemeClr val="bg1"/>
-          </a:solidFill>
-          <a:ln w="28575">
-            <a:solidFill>
-              <a:schemeClr val="accent1">
-                <a:lumMod val="50000"/>
-              </a:schemeClr>
-            </a:solidFill>
-          </a:ln>
-        </p:spPr>
-        <p:style>
-          <a:lnRef idx="2">
-            <a:schemeClr val="accent1">
-              <a:shade val="50000"/>
-            </a:schemeClr>
-          </a:lnRef>
-          <a:fillRef idx="1">
-            <a:schemeClr val="accent1"/>
-          </a:fillRef>
-          <a:effectRef idx="0">
-            <a:schemeClr val="accent1"/>
-          </a:effectRef>
-          <a:fontRef idx="minor">
-            <a:schemeClr val="lt1"/>
-          </a:fontRef>
-        </p:style>
-      </p:cxnSp>
-      <p:cxnSp>
-        <p:nvCxnSpPr>
-          <p:cNvPr id="27" name="Connecteur droit 26">
-            <a:extLst>
-              <a:ext uri="{FF2B5EF4-FFF2-40B4-BE49-F238E27FC236}">
-                <a16:creationId xmlns:a16="http://schemas.microsoft.com/office/drawing/2014/main" id="{59441FA6-98EC-AC94-F34B-2595115CFB6B}"/>
-              </a:ext>
-            </a:extLst>
-          </p:cNvPr>
-          <p:cNvCxnSpPr>
-            <a:cxnSpLocks/>
-            <a:endCxn id="22" idx="2"/>
-          </p:cNvCxnSpPr>
-          <p:nvPr/>
-        </p:nvCxnSpPr>
-        <p:spPr>
-          <a:xfrm flipV="1">
-            <a:off x="6819954" y="2187227"/>
-            <a:ext cx="0" cy="208903"/>
-          </a:xfrm>
-          <a:prstGeom prst="line">
-            <a:avLst/>
-          </a:prstGeom>
-          <a:solidFill>
-            <a:schemeClr val="bg1"/>
-          </a:solidFill>
-          <a:ln w="28575">
-            <a:solidFill>
-              <a:schemeClr val="accent1">
-                <a:lumMod val="50000"/>
-              </a:schemeClr>
-            </a:solidFill>
-          </a:ln>
-        </p:spPr>
-        <p:style>
-          <a:lnRef idx="2">
-            <a:schemeClr val="accent1">
-              <a:shade val="50000"/>
-            </a:schemeClr>
-          </a:lnRef>
-          <a:fillRef idx="1">
-            <a:schemeClr val="accent1"/>
-          </a:fillRef>
-          <a:effectRef idx="0">
-            <a:schemeClr val="accent1"/>
-          </a:effectRef>
-          <a:fontRef idx="minor">
-            <a:schemeClr val="lt1"/>
-          </a:fontRef>
-        </p:style>
-      </p:cxnSp>
-      <p:cxnSp>
-        <p:nvCxnSpPr>
-          <p:cNvPr id="30" name="Connecteur droit 29">
-            <a:extLst>
-              <a:ext uri="{FF2B5EF4-FFF2-40B4-BE49-F238E27FC236}">
-                <a16:creationId xmlns:a16="http://schemas.microsoft.com/office/drawing/2014/main" id="{8ED62A41-204D-F5CA-65A4-85C063973BD9}"/>
-              </a:ext>
-            </a:extLst>
-          </p:cNvPr>
-          <p:cNvCxnSpPr>
-            <a:cxnSpLocks/>
-          </p:cNvCxnSpPr>
-          <p:nvPr/>
-        </p:nvCxnSpPr>
-        <p:spPr>
-          <a:xfrm flipH="1">
-            <a:off x="4645659" y="2396130"/>
-            <a:ext cx="2174295" cy="0"/>
-          </a:xfrm>
-          <a:prstGeom prst="line">
-            <a:avLst/>
-          </a:prstGeom>
-          <a:solidFill>
-            <a:schemeClr val="bg1"/>
-          </a:solidFill>
-          <a:ln w="28575">
-            <a:solidFill>
-              <a:schemeClr val="accent1">
-                <a:lumMod val="50000"/>
-              </a:schemeClr>
-            </a:solidFill>
-          </a:ln>
-        </p:spPr>
-        <p:style>
-          <a:lnRef idx="2">
-            <a:schemeClr val="accent1">
-              <a:shade val="50000"/>
-            </a:schemeClr>
-          </a:lnRef>
-          <a:fillRef idx="1">
-            <a:schemeClr val="accent1"/>
-          </a:fillRef>
-          <a:effectRef idx="0">
-            <a:schemeClr val="accent1"/>
-          </a:effectRef>
-          <a:fontRef idx="minor">
-            <a:schemeClr val="lt1"/>
-          </a:fontRef>
-        </p:style>
-      </p:cxnSp>
-      <p:cxnSp>
-        <p:nvCxnSpPr>
-          <p:cNvPr id="34" name="Connecteur droit 33">
-            <a:extLst>
-              <a:ext uri="{FF2B5EF4-FFF2-40B4-BE49-F238E27FC236}">
-                <a16:creationId xmlns:a16="http://schemas.microsoft.com/office/drawing/2014/main" id="{1BADC16F-3A93-FCAE-B5EE-03138BE21FB3}"/>
-              </a:ext>
-            </a:extLst>
-          </p:cNvPr>
-          <p:cNvCxnSpPr>
-            <a:cxnSpLocks/>
-          </p:cNvCxnSpPr>
-          <p:nvPr/>
-        </p:nvCxnSpPr>
-        <p:spPr>
-          <a:xfrm>
-            <a:off x="5771147" y="2397171"/>
-            <a:ext cx="0" cy="216699"/>
-          </a:xfrm>
-          <a:prstGeom prst="line">
-            <a:avLst/>
-          </a:prstGeom>
-          <a:solidFill>
-            <a:schemeClr val="bg1"/>
-          </a:solidFill>
-          <a:ln w="28575">
-            <a:solidFill>
-              <a:schemeClr val="accent1">
-                <a:lumMod val="50000"/>
-              </a:schemeClr>
-            </a:solidFill>
-          </a:ln>
-        </p:spPr>
-        <p:style>
-          <a:lnRef idx="2">
-            <a:schemeClr val="accent1">
-              <a:shade val="50000"/>
-            </a:schemeClr>
-          </a:lnRef>
-          <a:fillRef idx="1">
-            <a:schemeClr val="accent1"/>
-          </a:fillRef>
-          <a:effectRef idx="0">
-            <a:schemeClr val="accent1"/>
-          </a:effectRef>
-          <a:fontRef idx="minor">
-            <a:schemeClr val="lt1"/>
-          </a:fontRef>
-        </p:style>
-      </p:cxnSp>
-      <p:sp>
-        <p:nvSpPr>
-          <p:cNvPr id="36" name="Forme libre : forme 35">
-            <a:extLst>
-              <a:ext uri="{FF2B5EF4-FFF2-40B4-BE49-F238E27FC236}">
-                <a16:creationId xmlns:a16="http://schemas.microsoft.com/office/drawing/2014/main" id="{C8885A49-7B79-5CAF-98DC-D234F195286B}"/>
-              </a:ext>
-            </a:extLst>
-          </p:cNvPr>
-          <p:cNvSpPr/>
-          <p:nvPr/>
-        </p:nvSpPr>
-        <p:spPr>
-          <a:xfrm>
-            <a:off x="5567193" y="2605034"/>
-            <a:ext cx="418531" cy="153602"/>
-          </a:xfrm>
-          <a:custGeom>
-            <a:avLst/>
-            <a:gdLst>
-              <a:gd name="connsiteX0" fmla="*/ 0 w 418531"/>
-              <a:gd name="connsiteY0" fmla="*/ 9098 h 153602"/>
-              <a:gd name="connsiteX1" fmla="*/ 77337 w 418531"/>
-              <a:gd name="connsiteY1" fmla="*/ 150125 h 153602"/>
-              <a:gd name="connsiteX2" fmla="*/ 181970 w 418531"/>
-              <a:gd name="connsiteY2" fmla="*/ 109182 h 153602"/>
-              <a:gd name="connsiteX3" fmla="*/ 332095 w 418531"/>
-              <a:gd name="connsiteY3" fmla="*/ 150125 h 153602"/>
-              <a:gd name="connsiteX4" fmla="*/ 418531 w 418531"/>
-              <a:gd name="connsiteY4" fmla="*/ 0 h 153602"/>
-            </a:gdLst>
-            <a:ahLst/>
-            <a:cxnLst>
-              <a:cxn ang="0">
-                <a:pos x="connsiteX0" y="connsiteY0"/>
-              </a:cxn>
-              <a:cxn ang="0">
-                <a:pos x="connsiteX1" y="connsiteY1"/>
-              </a:cxn>
-              <a:cxn ang="0">
-                <a:pos x="connsiteX2" y="connsiteY2"/>
-              </a:cxn>
-              <a:cxn ang="0">
-                <a:pos x="connsiteX3" y="connsiteY3"/>
-              </a:cxn>
-              <a:cxn ang="0">
-                <a:pos x="connsiteX4" y="connsiteY4"/>
-              </a:cxn>
-            </a:cxnLst>
-            <a:rect l="l" t="t" r="r" b="b"/>
-            <a:pathLst>
-              <a:path w="418531" h="153602">
-                <a:moveTo>
-                  <a:pt x="0" y="9098"/>
-                </a:moveTo>
-                <a:cubicBezTo>
-                  <a:pt x="23504" y="71271"/>
-                  <a:pt x="47009" y="133444"/>
-                  <a:pt x="77337" y="150125"/>
-                </a:cubicBezTo>
-                <a:cubicBezTo>
-                  <a:pt x="107665" y="166806"/>
-                  <a:pt x="139510" y="109182"/>
-                  <a:pt x="181970" y="109182"/>
-                </a:cubicBezTo>
-                <a:cubicBezTo>
-                  <a:pt x="224430" y="109182"/>
-                  <a:pt x="292668" y="168322"/>
-                  <a:pt x="332095" y="150125"/>
-                </a:cubicBezTo>
-                <a:cubicBezTo>
-                  <a:pt x="371522" y="131928"/>
-                  <a:pt x="395026" y="65964"/>
-                  <a:pt x="418531" y="0"/>
-                </a:cubicBezTo>
-              </a:path>
-            </a:pathLst>
-          </a:custGeom>
-          <a:solidFill>
-            <a:schemeClr val="accent1">
-              <a:lumMod val="20000"/>
-              <a:lumOff val="80000"/>
-            </a:schemeClr>
-          </a:solidFill>
-          <a:ln w="12700">
-            <a:solidFill>
-              <a:schemeClr val="accent1">
-                <a:lumMod val="50000"/>
-              </a:schemeClr>
-            </a:solidFill>
-          </a:ln>
-        </p:spPr>
-        <p:style>
-          <a:lnRef idx="2">
-            <a:schemeClr val="accent1">
-              <a:shade val="50000"/>
-            </a:schemeClr>
-          </a:lnRef>
-          <a:fillRef idx="1">
-            <a:schemeClr val="accent1"/>
-          </a:fillRef>
-          <a:effectRef idx="0">
-            <a:schemeClr val="accent1"/>
-          </a:effectRef>
-          <a:fontRef idx="minor">
-            <a:schemeClr val="lt1"/>
-          </a:fontRef>
-        </p:style>
-        <p:txBody>
-          <a:bodyPr rtlCol="0" anchor="ctr"/>
-          <a:lstStyle/>
-          <a:p>
-            <a:pPr algn="ctr"/>
-            <a:endParaRPr lang="fr-FR"/>
-          </a:p>
-        </p:txBody>
-      </p:sp>
-      <p:cxnSp>
-        <p:nvCxnSpPr>
-          <p:cNvPr id="35" name="Connecteur droit 34">
-            <a:extLst>
-              <a:ext uri="{FF2B5EF4-FFF2-40B4-BE49-F238E27FC236}">
-                <a16:creationId xmlns:a16="http://schemas.microsoft.com/office/drawing/2014/main" id="{584EAEEE-4AA8-6ED7-A1D1-B37CD4DB8559}"/>
-              </a:ext>
-            </a:extLst>
-          </p:cNvPr>
-          <p:cNvCxnSpPr>
-            <a:cxnSpLocks/>
-          </p:cNvCxnSpPr>
-          <p:nvPr/>
-        </p:nvCxnSpPr>
-        <p:spPr>
-          <a:xfrm rot="5400000">
-            <a:off x="5771909" y="2397870"/>
-            <a:ext cx="0" cy="432000"/>
-          </a:xfrm>
-          <a:prstGeom prst="line">
-            <a:avLst/>
-          </a:prstGeom>
-          <a:solidFill>
-            <a:schemeClr val="bg1"/>
-          </a:solidFill>
-          <a:ln w="28575">
-            <a:solidFill>
-              <a:schemeClr val="accent1">
-                <a:lumMod val="50000"/>
-              </a:schemeClr>
-            </a:solidFill>
-          </a:ln>
-        </p:spPr>
-        <p:style>
-          <a:lnRef idx="2">
-            <a:schemeClr val="accent1">
-              <a:shade val="50000"/>
-            </a:schemeClr>
-          </a:lnRef>
-          <a:fillRef idx="1">
-            <a:schemeClr val="accent1"/>
-          </a:fillRef>
-          <a:effectRef idx="0">
-            <a:schemeClr val="accent1"/>
-          </a:effectRef>
-          <a:fontRef idx="minor">
-            <a:schemeClr val="lt1"/>
-          </a:fontRef>
-        </p:style>
-      </p:cxnSp>
-      <mc:AlternateContent xmlns:mc="http://schemas.openxmlformats.org/markup-compatibility/2006" xmlns:a14="http://schemas.microsoft.com/office/drawing/2010/main">
-        <mc:Choice Requires="a14">
-          <p:sp>
-            <p:nvSpPr>
-              <p:cNvPr id="37" name="ZoneTexte 36">
-                <a:extLst>
-                  <a:ext uri="{FF2B5EF4-FFF2-40B4-BE49-F238E27FC236}">
-                    <a16:creationId xmlns:a16="http://schemas.microsoft.com/office/drawing/2014/main" id="{9ED1DE3B-9EA9-4E3D-9578-45824CF3B2BD}"/>
-                  </a:ext>
-                </a:extLst>
-              </p:cNvPr>
-              <p:cNvSpPr txBox="1"/>
-              <p:nvPr/>
-            </p:nvSpPr>
-            <p:spPr>
-              <a:xfrm>
-                <a:off x="3741869" y="3259719"/>
-                <a:ext cx="123175" cy="169277"/>
-              </a:xfrm>
-              <a:prstGeom prst="rect">
-                <a:avLst/>
-              </a:prstGeom>
-              <a:noFill/>
-            </p:spPr>
-            <p:txBody>
-              <a:bodyPr wrap="none" lIns="0" tIns="0" rIns="0" bIns="0" rtlCol="0">
-                <a:spAutoFit/>
-              </a:bodyPr>
-              <a:lstStyle/>
-              <a:p>
-                <a:pPr/>
-                <a14:m>
-                  <m:oMathPara xmlns:m="http://schemas.openxmlformats.org/officeDocument/2006/math">
-                    <m:oMathParaPr>
-                      <m:jc m:val="centerGroup"/>
-                    </m:oMathParaPr>
-                    <m:oMath xmlns:m="http://schemas.openxmlformats.org/officeDocument/2006/math">
-                      <m:r>
-                        <a:rPr lang="fr-FR" sz="1100" b="0" i="1" smtClean="0">
-                          <a:latin typeface="Cambria Math" panose="02040503050406030204" pitchFamily="18" charset="0"/>
-                        </a:rPr>
-                        <m:t>𝐴</m:t>
-                      </m:r>
-                    </m:oMath>
-                  </m:oMathPara>
-                </a14:m>
-                <a:endParaRPr lang="fr-FR" dirty="0"/>
-              </a:p>
-            </p:txBody>
-          </p:sp>
-        </mc:Choice>
-        <mc:Fallback xmlns="">
-          <p:sp>
-            <p:nvSpPr>
-              <p:cNvPr id="37" name="ZoneTexte 36">
-                <a:extLst>
-                  <a:ext uri="{FF2B5EF4-FFF2-40B4-BE49-F238E27FC236}">
-                    <a16:creationId xmlns:a16="http://schemas.microsoft.com/office/drawing/2014/main" id="{9ED1DE3B-9EA9-4E3D-9578-45824CF3B2BD}"/>
-                  </a:ext>
-                </a:extLst>
-              </p:cNvPr>
-              <p:cNvSpPr txBox="1">
-                <a:spLocks noRot="1" noChangeAspect="1" noMove="1" noResize="1" noEditPoints="1" noAdjustHandles="1" noChangeArrowheads="1" noChangeShapeType="1" noTextEdit="1"/>
-              </p:cNvSpPr>
-              <p:nvPr/>
-            </p:nvSpPr>
-            <p:spPr>
-              <a:xfrm>
-                <a:off x="3741869" y="3259719"/>
-                <a:ext cx="123175" cy="169277"/>
-              </a:xfrm>
-              <a:prstGeom prst="rect">
-                <a:avLst/>
-              </a:prstGeom>
-              <a:blipFill>
-                <a:blip r:embed="rId4"/>
-                <a:stretch>
-                  <a:fillRect l="-25000" r="-30000" b="-11111"/>
-                </a:stretch>
-              </a:blipFill>
-            </p:spPr>
-            <p:txBody>
-              <a:bodyPr/>
-              <a:lstStyle/>
-              <a:p>
-                <a:r>
-                  <a:rPr lang="fr-FR">
-                    <a:noFill/>
-                  </a:rPr>
-                  <a:t> </a:t>
-                </a:r>
-              </a:p>
-            </p:txBody>
-          </p:sp>
-        </mc:Fallback>
-      </mc:AlternateContent>
-      <mc:AlternateContent xmlns:mc="http://schemas.openxmlformats.org/markup-compatibility/2006" xmlns:a14="http://schemas.microsoft.com/office/drawing/2010/main">
-        <mc:Choice Requires="a14">
-          <p:sp>
-            <p:nvSpPr>
-              <p:cNvPr id="38" name="ZoneTexte 37">
-                <a:extLst>
-                  <a:ext uri="{FF2B5EF4-FFF2-40B4-BE49-F238E27FC236}">
-                    <a16:creationId xmlns:a16="http://schemas.microsoft.com/office/drawing/2014/main" id="{77473007-63BC-B4A4-3B49-AE53B6F779F7}"/>
-                  </a:ext>
-                </a:extLst>
-              </p:cNvPr>
-              <p:cNvSpPr txBox="1"/>
-              <p:nvPr/>
-            </p:nvSpPr>
-            <p:spPr>
-              <a:xfrm>
-                <a:off x="4689164" y="3242378"/>
-                <a:ext cx="128818" cy="169277"/>
-              </a:xfrm>
-              <a:prstGeom prst="rect">
-                <a:avLst/>
-              </a:prstGeom>
-              <a:noFill/>
-            </p:spPr>
-            <p:txBody>
-              <a:bodyPr wrap="none" lIns="0" tIns="0" rIns="0" bIns="0" rtlCol="0">
-                <a:spAutoFit/>
-              </a:bodyPr>
-              <a:lstStyle/>
-              <a:p>
-                <a:pPr/>
-                <a14:m>
-                  <m:oMathPara xmlns:m="http://schemas.openxmlformats.org/officeDocument/2006/math">
-                    <m:oMathParaPr>
-                      <m:jc m:val="centerGroup"/>
-                    </m:oMathParaPr>
-                    <m:oMath xmlns:m="http://schemas.openxmlformats.org/officeDocument/2006/math">
-                      <m:r>
-                        <a:rPr lang="fr-FR" sz="1100" b="0" i="1" smtClean="0">
-                          <a:latin typeface="Cambria Math" panose="02040503050406030204" pitchFamily="18" charset="0"/>
-                        </a:rPr>
-                        <m:t>𝐵</m:t>
-                      </m:r>
-                    </m:oMath>
-                  </m:oMathPara>
-                </a14:m>
-                <a:endParaRPr lang="fr-FR" dirty="0"/>
-              </a:p>
-            </p:txBody>
-          </p:sp>
-        </mc:Choice>
-        <mc:Fallback xmlns="">
-          <p:sp>
-            <p:nvSpPr>
-              <p:cNvPr id="38" name="ZoneTexte 37">
-                <a:extLst>
-                  <a:ext uri="{FF2B5EF4-FFF2-40B4-BE49-F238E27FC236}">
-                    <a16:creationId xmlns:a16="http://schemas.microsoft.com/office/drawing/2014/main" id="{77473007-63BC-B4A4-3B49-AE53B6F779F7}"/>
-                  </a:ext>
-                </a:extLst>
-              </p:cNvPr>
-              <p:cNvSpPr txBox="1">
-                <a:spLocks noRot="1" noChangeAspect="1" noMove="1" noResize="1" noEditPoints="1" noAdjustHandles="1" noChangeArrowheads="1" noChangeShapeType="1" noTextEdit="1"/>
-              </p:cNvSpPr>
-              <p:nvPr/>
-            </p:nvSpPr>
-            <p:spPr>
-              <a:xfrm>
-                <a:off x="4689164" y="3242378"/>
-                <a:ext cx="128818" cy="169277"/>
-              </a:xfrm>
-              <a:prstGeom prst="rect">
-                <a:avLst/>
-              </a:prstGeom>
-              <a:blipFill>
-                <a:blip r:embed="rId5"/>
-                <a:stretch>
-                  <a:fillRect l="-23810" r="-23810" b="-7143"/>
-                </a:stretch>
-              </a:blipFill>
-            </p:spPr>
-            <p:txBody>
-              <a:bodyPr/>
-              <a:lstStyle/>
-              <a:p>
-                <a:r>
-                  <a:rPr lang="fr-FR">
-                    <a:noFill/>
-                  </a:rPr>
-                  <a:t> </a:t>
-                </a:r>
-              </a:p>
-            </p:txBody>
-          </p:sp>
-        </mc:Fallback>
-      </mc:AlternateContent>
-      <mc:AlternateContent xmlns:mc="http://schemas.openxmlformats.org/markup-compatibility/2006" xmlns:a14="http://schemas.microsoft.com/office/drawing/2010/main">
-        <mc:Choice Requires="a14">
-          <p:sp>
-            <p:nvSpPr>
-              <p:cNvPr id="39" name="ZoneTexte 38">
-                <a:extLst>
-                  <a:ext uri="{FF2B5EF4-FFF2-40B4-BE49-F238E27FC236}">
-                    <a16:creationId xmlns:a16="http://schemas.microsoft.com/office/drawing/2014/main" id="{F44610B7-42B0-08B2-1595-F33EC3AA8062}"/>
-                  </a:ext>
-                </a:extLst>
-              </p:cNvPr>
-              <p:cNvSpPr txBox="1"/>
-              <p:nvPr/>
-            </p:nvSpPr>
-            <p:spPr>
-              <a:xfrm>
-                <a:off x="6840307" y="3259723"/>
-                <a:ext cx="123239" cy="169277"/>
-              </a:xfrm>
-              <a:prstGeom prst="rect">
-                <a:avLst/>
-              </a:prstGeom>
-              <a:noFill/>
-            </p:spPr>
-            <p:txBody>
-              <a:bodyPr wrap="none" lIns="0" tIns="0" rIns="0" bIns="0" rtlCol="0">
-                <a:spAutoFit/>
-              </a:bodyPr>
-              <a:lstStyle/>
-              <a:p>
-                <a:pPr/>
-                <a14:m>
-                  <m:oMathPara xmlns:m="http://schemas.openxmlformats.org/officeDocument/2006/math">
-                    <m:oMathParaPr>
-                      <m:jc m:val="centerGroup"/>
-                    </m:oMathParaPr>
-                    <m:oMath xmlns:m="http://schemas.openxmlformats.org/officeDocument/2006/math">
-                      <m:r>
-                        <a:rPr lang="fr-FR" sz="1100" b="0" i="1" smtClean="0">
-                          <a:latin typeface="Cambria Math" panose="02040503050406030204" pitchFamily="18" charset="0"/>
-                        </a:rPr>
-                        <m:t>𝐶</m:t>
-                      </m:r>
-                    </m:oMath>
-                  </m:oMathPara>
-                </a14:m>
-                <a:endParaRPr lang="fr-FR" dirty="0"/>
-              </a:p>
-            </p:txBody>
-          </p:sp>
-        </mc:Choice>
-        <mc:Fallback xmlns="">
-          <p:sp>
-            <p:nvSpPr>
-              <p:cNvPr id="39" name="ZoneTexte 38">
-                <a:extLst>
-                  <a:ext uri="{FF2B5EF4-FFF2-40B4-BE49-F238E27FC236}">
-                    <a16:creationId xmlns:a16="http://schemas.microsoft.com/office/drawing/2014/main" id="{F44610B7-42B0-08B2-1595-F33EC3AA8062}"/>
-                  </a:ext>
-                </a:extLst>
-              </p:cNvPr>
-              <p:cNvSpPr txBox="1">
-                <a:spLocks noRot="1" noChangeAspect="1" noMove="1" noResize="1" noEditPoints="1" noAdjustHandles="1" noChangeArrowheads="1" noChangeShapeType="1" noTextEdit="1"/>
-              </p:cNvSpPr>
-              <p:nvPr/>
-            </p:nvSpPr>
-            <p:spPr>
-              <a:xfrm>
-                <a:off x="6840307" y="3259723"/>
-                <a:ext cx="123239" cy="169277"/>
-              </a:xfrm>
-              <a:prstGeom prst="rect">
-                <a:avLst/>
-              </a:prstGeom>
-              <a:blipFill>
-                <a:blip r:embed="rId6"/>
-                <a:stretch>
-                  <a:fillRect l="-25000" r="-25000" b="-7143"/>
-                </a:stretch>
-              </a:blipFill>
-            </p:spPr>
-            <p:txBody>
-              <a:bodyPr/>
-              <a:lstStyle/>
-              <a:p>
-                <a:r>
-                  <a:rPr lang="fr-FR">
-                    <a:noFill/>
-                  </a:rPr>
-                  <a:t> </a:t>
-                </a:r>
-              </a:p>
-            </p:txBody>
-          </p:sp>
-        </mc:Fallback>
-      </mc:AlternateContent>
-      <mc:AlternateContent xmlns:mc="http://schemas.openxmlformats.org/markup-compatibility/2006" xmlns:a14="http://schemas.microsoft.com/office/drawing/2010/main">
-        <mc:Choice Requires="a14">
-          <p:sp>
-            <p:nvSpPr>
-              <p:cNvPr id="40" name="ZoneTexte 39">
-                <a:extLst>
-                  <a:ext uri="{FF2B5EF4-FFF2-40B4-BE49-F238E27FC236}">
-                    <a16:creationId xmlns:a16="http://schemas.microsoft.com/office/drawing/2014/main" id="{296C7F8F-E7D4-F0C9-5AC5-F98581706E4A}"/>
-                  </a:ext>
-                </a:extLst>
-              </p:cNvPr>
-              <p:cNvSpPr txBox="1"/>
-              <p:nvPr/>
-            </p:nvSpPr>
-            <p:spPr>
-              <a:xfrm>
-                <a:off x="7472981" y="1780979"/>
-                <a:ext cx="133946" cy="169277"/>
-              </a:xfrm>
-              <a:prstGeom prst="rect">
-                <a:avLst/>
-              </a:prstGeom>
-              <a:noFill/>
-            </p:spPr>
-            <p:txBody>
-              <a:bodyPr wrap="none" lIns="0" tIns="0" rIns="0" bIns="0" rtlCol="0">
-                <a:spAutoFit/>
-              </a:bodyPr>
-              <a:lstStyle/>
-              <a:p>
-                <a:pPr/>
-                <a14:m>
-                  <m:oMathPara xmlns:m="http://schemas.openxmlformats.org/officeDocument/2006/math">
-                    <m:oMathParaPr>
-                      <m:jc m:val="centerGroup"/>
-                    </m:oMathParaPr>
-                    <m:oMath xmlns:m="http://schemas.openxmlformats.org/officeDocument/2006/math">
-                      <m:r>
-                        <a:rPr lang="fr-FR" sz="1100" b="0" i="1" smtClean="0">
-                          <a:latin typeface="Cambria Math" panose="02040503050406030204" pitchFamily="18" charset="0"/>
-                        </a:rPr>
-                        <m:t>𝐷</m:t>
-                      </m:r>
-                    </m:oMath>
-                  </m:oMathPara>
-                </a14:m>
-                <a:endParaRPr lang="fr-FR" dirty="0"/>
-              </a:p>
-            </p:txBody>
-          </p:sp>
-        </mc:Choice>
-        <mc:Fallback xmlns="">
-          <p:sp>
-            <p:nvSpPr>
-              <p:cNvPr id="40" name="ZoneTexte 39">
-                <a:extLst>
-                  <a:ext uri="{FF2B5EF4-FFF2-40B4-BE49-F238E27FC236}">
-                    <a16:creationId xmlns:a16="http://schemas.microsoft.com/office/drawing/2014/main" id="{296C7F8F-E7D4-F0C9-5AC5-F98581706E4A}"/>
-                  </a:ext>
-                </a:extLst>
-              </p:cNvPr>
-              <p:cNvSpPr txBox="1">
-                <a:spLocks noRot="1" noChangeAspect="1" noMove="1" noResize="1" noEditPoints="1" noAdjustHandles="1" noChangeArrowheads="1" noChangeShapeType="1" noTextEdit="1"/>
-              </p:cNvSpPr>
-              <p:nvPr/>
-            </p:nvSpPr>
-            <p:spPr>
-              <a:xfrm>
-                <a:off x="7472981" y="1780979"/>
-                <a:ext cx="133946" cy="169277"/>
-              </a:xfrm>
-              <a:prstGeom prst="rect">
-                <a:avLst/>
-              </a:prstGeom>
-              <a:blipFill>
-                <a:blip r:embed="rId7"/>
-                <a:stretch>
-                  <a:fillRect l="-22727" r="-22727" b="-7143"/>
-                </a:stretch>
-              </a:blipFill>
-            </p:spPr>
-            <p:txBody>
-              <a:bodyPr/>
-              <a:lstStyle/>
-              <a:p>
-                <a:r>
-                  <a:rPr lang="fr-FR">
-                    <a:noFill/>
-                  </a:rPr>
-                  <a:t> </a:t>
-                </a:r>
-              </a:p>
-            </p:txBody>
-          </p:sp>
-        </mc:Fallback>
-      </mc:AlternateContent>
-      <p:cxnSp>
-        <p:nvCxnSpPr>
-          <p:cNvPr id="25" name="Connecteur droit 24">
-            <a:extLst>
-              <a:ext uri="{FF2B5EF4-FFF2-40B4-BE49-F238E27FC236}">
-                <a16:creationId xmlns:a16="http://schemas.microsoft.com/office/drawing/2014/main" id="{B9D48251-6524-9105-9165-A470C93D49EA}"/>
-              </a:ext>
-            </a:extLst>
-          </p:cNvPr>
-          <p:cNvCxnSpPr>
-            <a:cxnSpLocks/>
-          </p:cNvCxnSpPr>
-          <p:nvPr/>
-        </p:nvCxnSpPr>
-        <p:spPr>
-          <a:xfrm flipV="1">
-            <a:off x="6819954" y="1294417"/>
-            <a:ext cx="0" cy="681824"/>
-          </a:xfrm>
-          <a:prstGeom prst="line">
-            <a:avLst/>
-          </a:prstGeom>
-          <a:solidFill>
-            <a:schemeClr val="bg1"/>
-          </a:solidFill>
-          <a:ln w="28575">
-            <a:solidFill>
-              <a:srgbClr val="C00000"/>
-            </a:solidFill>
-            <a:tailEnd type="stealth" w="med" len="lg"/>
-          </a:ln>
-        </p:spPr>
-        <p:style>
-          <a:lnRef idx="2">
-            <a:schemeClr val="accent1">
-              <a:shade val="50000"/>
-            </a:schemeClr>
-          </a:lnRef>
-          <a:fillRef idx="1">
-            <a:schemeClr val="accent1"/>
-          </a:fillRef>
-          <a:effectRef idx="0">
-            <a:schemeClr val="accent1"/>
-          </a:effectRef>
-          <a:fontRef idx="minor">
-            <a:schemeClr val="lt1"/>
-          </a:fontRef>
-        </p:style>
-      </p:cxnSp>
-      <mc:AlternateContent xmlns:mc="http://schemas.openxmlformats.org/markup-compatibility/2006" xmlns:a14="http://schemas.microsoft.com/office/drawing/2010/main">
-        <mc:Choice Requires="a14">
-          <p:sp>
-            <p:nvSpPr>
-              <p:cNvPr id="26" name="ZoneTexte 25">
-                <a:extLst>
-                  <a:ext uri="{FF2B5EF4-FFF2-40B4-BE49-F238E27FC236}">
-                    <a16:creationId xmlns:a16="http://schemas.microsoft.com/office/drawing/2014/main" id="{457E0124-6EF8-D914-88BF-1B6E0962DA87}"/>
-                  </a:ext>
-                </a:extLst>
-              </p:cNvPr>
-              <p:cNvSpPr txBox="1"/>
-              <p:nvPr/>
-            </p:nvSpPr>
-            <p:spPr>
-              <a:xfrm>
-                <a:off x="6871148" y="1293377"/>
-                <a:ext cx="182806" cy="182614"/>
-              </a:xfrm>
-              <a:prstGeom prst="rect">
-                <a:avLst/>
-              </a:prstGeom>
-              <a:noFill/>
-            </p:spPr>
-            <p:txBody>
-              <a:bodyPr wrap="none" lIns="0" tIns="0" rIns="0" bIns="0" rtlCol="0">
-                <a:spAutoFit/>
-              </a:bodyPr>
-              <a:lstStyle/>
-              <a:p>
-                <a:pPr/>
-                <a14:m>
-                  <m:oMathPara xmlns:m="http://schemas.openxmlformats.org/officeDocument/2006/math">
-                    <m:oMathParaPr>
-                      <m:jc m:val="centerGroup"/>
-                    </m:oMathParaPr>
-                    <m:oMath xmlns:m="http://schemas.openxmlformats.org/officeDocument/2006/math">
-                      <m:sSub>
-                        <m:sSubPr>
-                          <m:ctrlPr>
-                            <a:rPr lang="fr-FR" sz="1100" b="0" i="1" smtClean="0">
-                              <a:latin typeface="Cambria Math" panose="02040503050406030204" pitchFamily="18" charset="0"/>
-                            </a:rPr>
-                          </m:ctrlPr>
-                        </m:sSubPr>
-                        <m:e>
-                          <m:r>
-                            <a:rPr lang="fr-FR" sz="1100" b="0" i="1" smtClean="0">
-                              <a:latin typeface="Cambria Math" panose="02040503050406030204" pitchFamily="18" charset="0"/>
-                            </a:rPr>
-                            <m:t>𝐶</m:t>
-                          </m:r>
-                        </m:e>
-                        <m:sub>
-                          <m:r>
-                            <a:rPr lang="fr-FR" sz="1100" b="0" i="1" smtClean="0">
-                              <a:latin typeface="Cambria Math" panose="02040503050406030204" pitchFamily="18" charset="0"/>
-                            </a:rPr>
-                            <m:t>𝑦</m:t>
-                          </m:r>
-                        </m:sub>
-                      </m:sSub>
-                    </m:oMath>
-                  </m:oMathPara>
-                </a14:m>
-                <a:endParaRPr lang="fr-FR" dirty="0"/>
-              </a:p>
-            </p:txBody>
-          </p:sp>
-        </mc:Choice>
-        <mc:Fallback xmlns="">
-          <p:sp>
-            <p:nvSpPr>
-              <p:cNvPr id="26" name="ZoneTexte 25">
-                <a:extLst>
-                  <a:ext uri="{FF2B5EF4-FFF2-40B4-BE49-F238E27FC236}">
-                    <a16:creationId xmlns:a16="http://schemas.microsoft.com/office/drawing/2014/main" id="{457E0124-6EF8-D914-88BF-1B6E0962DA87}"/>
-                  </a:ext>
-                </a:extLst>
-              </p:cNvPr>
-              <p:cNvSpPr txBox="1">
-                <a:spLocks noRot="1" noChangeAspect="1" noMove="1" noResize="1" noEditPoints="1" noAdjustHandles="1" noChangeArrowheads="1" noChangeShapeType="1" noTextEdit="1"/>
-              </p:cNvSpPr>
-              <p:nvPr/>
-            </p:nvSpPr>
-            <p:spPr>
-              <a:xfrm>
-                <a:off x="6871148" y="1293377"/>
-                <a:ext cx="182806" cy="182614"/>
-              </a:xfrm>
-              <a:prstGeom prst="rect">
-                <a:avLst/>
-              </a:prstGeom>
-              <a:blipFill>
-                <a:blip r:embed="rId8"/>
-                <a:stretch>
-                  <a:fillRect l="-16667" r="-10000" b="-20000"/>
-                </a:stretch>
-              </a:blipFill>
-            </p:spPr>
-            <p:txBody>
-              <a:bodyPr/>
-              <a:lstStyle/>
-              <a:p>
-                <a:r>
-                  <a:rPr lang="fr-FR">
-                    <a:noFill/>
-                  </a:rPr>
-                  <a:t> </a:t>
-                </a:r>
-              </a:p>
-            </p:txBody>
-          </p:sp>
-        </mc:Fallback>
-      </mc:AlternateContent>
-      <p:cxnSp>
-        <p:nvCxnSpPr>
-          <p:cNvPr id="29" name="Connecteur droit 28">
-            <a:extLst>
-              <a:ext uri="{FF2B5EF4-FFF2-40B4-BE49-F238E27FC236}">
-                <a16:creationId xmlns:a16="http://schemas.microsoft.com/office/drawing/2014/main" id="{D62D5870-44AD-FB58-8EB5-B2AF97F9A470}"/>
-              </a:ext>
-            </a:extLst>
-          </p:cNvPr>
-          <p:cNvCxnSpPr>
-            <a:cxnSpLocks/>
-          </p:cNvCxnSpPr>
-          <p:nvPr/>
-        </p:nvCxnSpPr>
-        <p:spPr>
-          <a:xfrm flipV="1">
-            <a:off x="4652571" y="1307051"/>
-            <a:ext cx="0" cy="681824"/>
-          </a:xfrm>
-          <a:prstGeom prst="line">
-            <a:avLst/>
-          </a:prstGeom>
-          <a:solidFill>
-            <a:schemeClr val="bg1"/>
-          </a:solidFill>
-          <a:ln w="28575">
-            <a:solidFill>
-              <a:srgbClr val="C00000"/>
-            </a:solidFill>
-            <a:tailEnd type="stealth" w="med" len="lg"/>
-          </a:ln>
-        </p:spPr>
-        <p:style>
-          <a:lnRef idx="2">
-            <a:schemeClr val="accent1">
-              <a:shade val="50000"/>
-            </a:schemeClr>
-          </a:lnRef>
-          <a:fillRef idx="1">
-            <a:schemeClr val="accent1"/>
-          </a:fillRef>
-          <a:effectRef idx="0">
-            <a:schemeClr val="accent1"/>
-          </a:effectRef>
-          <a:fontRef idx="minor">
-            <a:schemeClr val="lt1"/>
-          </a:fontRef>
-        </p:style>
-      </p:cxnSp>
-      <mc:AlternateContent xmlns:mc="http://schemas.openxmlformats.org/markup-compatibility/2006" xmlns:a14="http://schemas.microsoft.com/office/drawing/2010/main">
-        <mc:Choice Requires="a14">
-          <p:sp>
-            <p:nvSpPr>
-              <p:cNvPr id="31" name="ZoneTexte 30">
-                <a:extLst>
-                  <a:ext uri="{FF2B5EF4-FFF2-40B4-BE49-F238E27FC236}">
-                    <a16:creationId xmlns:a16="http://schemas.microsoft.com/office/drawing/2014/main" id="{D3593CDB-D2C0-E391-158A-DD375AC3300E}"/>
-                  </a:ext>
-                </a:extLst>
-              </p:cNvPr>
-              <p:cNvSpPr txBox="1"/>
-              <p:nvPr/>
-            </p:nvSpPr>
-            <p:spPr>
-              <a:xfrm>
-                <a:off x="4707973" y="1294417"/>
-                <a:ext cx="186718" cy="182614"/>
-              </a:xfrm>
-              <a:prstGeom prst="rect">
-                <a:avLst/>
-              </a:prstGeom>
-              <a:noFill/>
-            </p:spPr>
-            <p:txBody>
-              <a:bodyPr wrap="none" lIns="0" tIns="0" rIns="0" bIns="0" rtlCol="0">
-                <a:spAutoFit/>
-              </a:bodyPr>
-              <a:lstStyle/>
-              <a:p>
-                <a:pPr/>
-                <a14:m>
-                  <m:oMathPara xmlns:m="http://schemas.openxmlformats.org/officeDocument/2006/math">
-                    <m:oMathParaPr>
-                      <m:jc m:val="centerGroup"/>
-                    </m:oMathParaPr>
-                    <m:oMath xmlns:m="http://schemas.openxmlformats.org/officeDocument/2006/math">
-                      <m:sSub>
-                        <m:sSubPr>
-                          <m:ctrlPr>
-                            <a:rPr lang="fr-FR" sz="1100" b="0" i="1" smtClean="0">
-                              <a:latin typeface="Cambria Math" panose="02040503050406030204" pitchFamily="18" charset="0"/>
-                            </a:rPr>
-                          </m:ctrlPr>
-                        </m:sSubPr>
-                        <m:e>
-                          <m:r>
-                            <a:rPr lang="fr-FR" sz="1100" b="0" i="1" smtClean="0">
-                              <a:latin typeface="Cambria Math" panose="02040503050406030204" pitchFamily="18" charset="0"/>
-                            </a:rPr>
-                            <m:t>𝐵</m:t>
-                          </m:r>
-                        </m:e>
-                        <m:sub>
-                          <m:r>
-                            <a:rPr lang="fr-FR" sz="1100" b="0" i="1" smtClean="0">
-                              <a:latin typeface="Cambria Math" panose="02040503050406030204" pitchFamily="18" charset="0"/>
-                            </a:rPr>
-                            <m:t>𝑦</m:t>
-                          </m:r>
-                        </m:sub>
-                      </m:sSub>
-                    </m:oMath>
-                  </m:oMathPara>
-                </a14:m>
-                <a:endParaRPr lang="fr-FR" dirty="0"/>
-              </a:p>
-            </p:txBody>
-          </p:sp>
-        </mc:Choice>
-        <mc:Fallback xmlns="">
-          <p:sp>
-            <p:nvSpPr>
-              <p:cNvPr id="31" name="ZoneTexte 30">
-                <a:extLst>
-                  <a:ext uri="{FF2B5EF4-FFF2-40B4-BE49-F238E27FC236}">
-                    <a16:creationId xmlns:a16="http://schemas.microsoft.com/office/drawing/2014/main" id="{D3593CDB-D2C0-E391-158A-DD375AC3300E}"/>
-                  </a:ext>
-                </a:extLst>
-              </p:cNvPr>
-              <p:cNvSpPr txBox="1">
-                <a:spLocks noRot="1" noChangeAspect="1" noMove="1" noResize="1" noEditPoints="1" noAdjustHandles="1" noChangeArrowheads="1" noChangeShapeType="1" noTextEdit="1"/>
-              </p:cNvSpPr>
-              <p:nvPr/>
-            </p:nvSpPr>
-            <p:spPr>
-              <a:xfrm>
-                <a:off x="4707973" y="1294417"/>
-                <a:ext cx="186718" cy="182614"/>
-              </a:xfrm>
-              <a:prstGeom prst="rect">
-                <a:avLst/>
-              </a:prstGeom>
-              <a:blipFill>
-                <a:blip r:embed="rId9"/>
-                <a:stretch>
-                  <a:fillRect l="-16129" r="-6452" b="-20000"/>
-                </a:stretch>
-              </a:blipFill>
-            </p:spPr>
-            <p:txBody>
-              <a:bodyPr/>
-              <a:lstStyle/>
-              <a:p>
-                <a:r>
-                  <a:rPr lang="fr-FR">
-                    <a:noFill/>
-                  </a:rPr>
-                  <a:t> </a:t>
-                </a:r>
-              </a:p>
-            </p:txBody>
-          </p:sp>
-        </mc:Fallback>
-      </mc:AlternateContent>
-      <p:cxnSp>
-        <p:nvCxnSpPr>
-          <p:cNvPr id="32" name="Connecteur droit 31">
-            <a:extLst>
-              <a:ext uri="{FF2B5EF4-FFF2-40B4-BE49-F238E27FC236}">
-                <a16:creationId xmlns:a16="http://schemas.microsoft.com/office/drawing/2014/main" id="{FBDB9C64-9D40-AD67-D305-166925A4C1CC}"/>
-              </a:ext>
-            </a:extLst>
-          </p:cNvPr>
-          <p:cNvCxnSpPr>
-            <a:cxnSpLocks/>
-          </p:cNvCxnSpPr>
-          <p:nvPr/>
-        </p:nvCxnSpPr>
-        <p:spPr>
-          <a:xfrm>
-            <a:off x="4665741" y="1988875"/>
-            <a:ext cx="310830" cy="0"/>
-          </a:xfrm>
-          <a:prstGeom prst="line">
-            <a:avLst/>
-          </a:prstGeom>
-          <a:solidFill>
-            <a:schemeClr val="bg1"/>
-          </a:solidFill>
-          <a:ln w="28575">
-            <a:solidFill>
-              <a:srgbClr val="C00000"/>
-            </a:solidFill>
-            <a:tailEnd type="stealth" w="med" len="lg"/>
-          </a:ln>
-        </p:spPr>
-        <p:style>
-          <a:lnRef idx="2">
-            <a:schemeClr val="accent1">
-              <a:shade val="50000"/>
-            </a:schemeClr>
-          </a:lnRef>
-          <a:fillRef idx="1">
-            <a:schemeClr val="accent1"/>
-          </a:fillRef>
-          <a:effectRef idx="0">
-            <a:schemeClr val="accent1"/>
-          </a:effectRef>
-          <a:fontRef idx="minor">
-            <a:schemeClr val="lt1"/>
-          </a:fontRef>
-        </p:style>
-      </p:cxnSp>
-      <mc:AlternateContent xmlns:mc="http://schemas.openxmlformats.org/markup-compatibility/2006" xmlns:a14="http://schemas.microsoft.com/office/drawing/2010/main">
-        <mc:Choice Requires="a14">
-          <p:sp>
-            <p:nvSpPr>
-              <p:cNvPr id="33" name="ZoneTexte 32">
-                <a:extLst>
-                  <a:ext uri="{FF2B5EF4-FFF2-40B4-BE49-F238E27FC236}">
-                    <a16:creationId xmlns:a16="http://schemas.microsoft.com/office/drawing/2014/main" id="{0FF554FA-35BC-A669-6CF1-3D3444D6D926}"/>
-                  </a:ext>
-                </a:extLst>
-              </p:cNvPr>
-              <p:cNvSpPr txBox="1"/>
-              <p:nvPr/>
-            </p:nvSpPr>
-            <p:spPr>
-              <a:xfrm>
-                <a:off x="4841024" y="1732461"/>
-                <a:ext cx="182166" cy="169277"/>
-              </a:xfrm>
-              <a:prstGeom prst="rect">
-                <a:avLst/>
-              </a:prstGeom>
-              <a:noFill/>
-            </p:spPr>
-            <p:txBody>
-              <a:bodyPr wrap="none" lIns="0" tIns="0" rIns="0" bIns="0" rtlCol="0">
-                <a:spAutoFit/>
-              </a:bodyPr>
-              <a:lstStyle/>
-              <a:p>
-                <a:pPr/>
-                <a14:m>
-                  <m:oMathPara xmlns:m="http://schemas.openxmlformats.org/officeDocument/2006/math">
-                    <m:oMathParaPr>
-                      <m:jc m:val="centerGroup"/>
-                    </m:oMathParaPr>
-                    <m:oMath xmlns:m="http://schemas.openxmlformats.org/officeDocument/2006/math">
-                      <m:sSub>
-                        <m:sSubPr>
-                          <m:ctrlPr>
-                            <a:rPr lang="fr-FR" sz="1100" b="0" i="1" smtClean="0">
-                              <a:latin typeface="Cambria Math" panose="02040503050406030204" pitchFamily="18" charset="0"/>
-                            </a:rPr>
-                          </m:ctrlPr>
-                        </m:sSubPr>
-                        <m:e>
-                          <m:r>
-                            <a:rPr lang="fr-FR" sz="1100" b="0" i="1" smtClean="0">
-                              <a:latin typeface="Cambria Math" panose="02040503050406030204" pitchFamily="18" charset="0"/>
-                            </a:rPr>
-                            <m:t>𝐵</m:t>
-                          </m:r>
-                        </m:e>
-                        <m:sub>
-                          <m:r>
-                            <a:rPr lang="fr-FR" sz="1100" b="0" i="1" smtClean="0">
-                              <a:latin typeface="Cambria Math" panose="02040503050406030204" pitchFamily="18" charset="0"/>
-                            </a:rPr>
-                            <m:t>𝑥</m:t>
-                          </m:r>
-                        </m:sub>
-                      </m:sSub>
-                    </m:oMath>
-                  </m:oMathPara>
-                </a14:m>
-                <a:endParaRPr lang="fr-FR" dirty="0"/>
-              </a:p>
-            </p:txBody>
-          </p:sp>
-        </mc:Choice>
-        <mc:Fallback xmlns="">
-          <p:sp>
-            <p:nvSpPr>
-              <p:cNvPr id="33" name="ZoneTexte 32">
-                <a:extLst>
-                  <a:ext uri="{FF2B5EF4-FFF2-40B4-BE49-F238E27FC236}">
-                    <a16:creationId xmlns:a16="http://schemas.microsoft.com/office/drawing/2014/main" id="{0FF554FA-35BC-A669-6CF1-3D3444D6D926}"/>
-                  </a:ext>
-                </a:extLst>
-              </p:cNvPr>
-              <p:cNvSpPr txBox="1">
-                <a:spLocks noRot="1" noChangeAspect="1" noMove="1" noResize="1" noEditPoints="1" noAdjustHandles="1" noChangeArrowheads="1" noChangeShapeType="1" noTextEdit="1"/>
-              </p:cNvSpPr>
-              <p:nvPr/>
-            </p:nvSpPr>
-            <p:spPr>
-              <a:xfrm>
-                <a:off x="4841024" y="1732461"/>
-                <a:ext cx="182166" cy="169277"/>
-              </a:xfrm>
-              <a:prstGeom prst="rect">
-                <a:avLst/>
-              </a:prstGeom>
-              <a:blipFill>
-                <a:blip r:embed="rId10"/>
-                <a:stretch>
-                  <a:fillRect l="-16667" r="-3333" b="-14286"/>
-                </a:stretch>
-              </a:blipFill>
-            </p:spPr>
-            <p:txBody>
-              <a:bodyPr/>
-              <a:lstStyle/>
-              <a:p>
-                <a:r>
-                  <a:rPr lang="fr-FR">
-                    <a:noFill/>
-                  </a:rPr>
-                  <a:t> </a:t>
-                </a:r>
-              </a:p>
-            </p:txBody>
-          </p:sp>
-        </mc:Fallback>
-      </mc:AlternateContent>
-      <p:sp>
-        <p:nvSpPr>
-          <p:cNvPr id="41" name="Forme libre : forme 40">
-            <a:extLst>
-              <a:ext uri="{FF2B5EF4-FFF2-40B4-BE49-F238E27FC236}">
-                <a16:creationId xmlns:a16="http://schemas.microsoft.com/office/drawing/2014/main" id="{881A3FB5-266A-0216-76E2-B76B89D3DC44}"/>
-              </a:ext>
-            </a:extLst>
-          </p:cNvPr>
-          <p:cNvSpPr/>
-          <p:nvPr/>
-        </p:nvSpPr>
-        <p:spPr>
-          <a:xfrm>
-            <a:off x="5803640" y="1815154"/>
-            <a:ext cx="52450" cy="318728"/>
-          </a:xfrm>
-          <a:custGeom>
-            <a:avLst/>
-            <a:gdLst>
-              <a:gd name="connsiteX0" fmla="*/ 0 w 75235"/>
-              <a:gd name="connsiteY0" fmla="*/ 0 h 457200"/>
-              <a:gd name="connsiteX1" fmla="*/ 57873 w 75235"/>
-              <a:gd name="connsiteY1" fmla="*/ 115746 h 457200"/>
-              <a:gd name="connsiteX2" fmla="*/ 17362 w 75235"/>
-              <a:gd name="connsiteY2" fmla="*/ 312516 h 457200"/>
-              <a:gd name="connsiteX3" fmla="*/ 75235 w 75235"/>
-              <a:gd name="connsiteY3" fmla="*/ 457200 h 457200"/>
-            </a:gdLst>
-            <a:ahLst/>
-            <a:cxnLst>
-              <a:cxn ang="0">
-                <a:pos x="connsiteX0" y="connsiteY0"/>
-              </a:cxn>
-              <a:cxn ang="0">
-                <a:pos x="connsiteX1" y="connsiteY1"/>
-              </a:cxn>
-              <a:cxn ang="0">
-                <a:pos x="connsiteX2" y="connsiteY2"/>
-              </a:cxn>
-              <a:cxn ang="0">
-                <a:pos x="connsiteX3" y="connsiteY3"/>
-              </a:cxn>
-            </a:cxnLst>
-            <a:rect l="l" t="t" r="r" b="b"/>
-            <a:pathLst>
-              <a:path w="75235" h="457200">
-                <a:moveTo>
-                  <a:pt x="0" y="0"/>
-                </a:moveTo>
-                <a:cubicBezTo>
-                  <a:pt x="27489" y="31830"/>
-                  <a:pt x="54979" y="63660"/>
-                  <a:pt x="57873" y="115746"/>
-                </a:cubicBezTo>
-                <a:cubicBezTo>
-                  <a:pt x="60767" y="167832"/>
-                  <a:pt x="14468" y="255607"/>
-                  <a:pt x="17362" y="312516"/>
-                </a:cubicBezTo>
-                <a:cubicBezTo>
-                  <a:pt x="20256" y="369425"/>
-                  <a:pt x="57873" y="448519"/>
-                  <a:pt x="75235" y="457200"/>
-                </a:cubicBezTo>
-              </a:path>
-            </a:pathLst>
-          </a:custGeom>
-          <a:noFill/>
-          <a:ln w="38100">
-            <a:solidFill>
-              <a:srgbClr val="00B050"/>
-            </a:solidFill>
-          </a:ln>
-        </p:spPr>
-        <p:style>
-          <a:lnRef idx="2">
-            <a:schemeClr val="accent1">
-              <a:shade val="50000"/>
-            </a:schemeClr>
-          </a:lnRef>
-          <a:fillRef idx="1">
-            <a:schemeClr val="accent1"/>
-          </a:fillRef>
-          <a:effectRef idx="0">
-            <a:schemeClr val="accent1"/>
-          </a:effectRef>
-          <a:fontRef idx="minor">
-            <a:schemeClr val="lt1"/>
-          </a:fontRef>
-        </p:style>
-        <p:txBody>
-          <a:bodyPr rtlCol="0" anchor="ctr"/>
-          <a:lstStyle/>
-          <a:p>
-            <a:pPr algn="ctr"/>
-            <a:endParaRPr lang="fr-FR"/>
-          </a:p>
-        </p:txBody>
-      </p:sp>
-      <mc:AlternateContent xmlns:mc="http://schemas.openxmlformats.org/markup-compatibility/2006" xmlns:a14="http://schemas.microsoft.com/office/drawing/2010/main">
-        <mc:Choice Requires="a14">
-          <p:sp>
-            <p:nvSpPr>
-              <p:cNvPr id="42" name="ZoneTexte 41">
-                <a:extLst>
-                  <a:ext uri="{FF2B5EF4-FFF2-40B4-BE49-F238E27FC236}">
-                    <a16:creationId xmlns:a16="http://schemas.microsoft.com/office/drawing/2014/main" id="{DC20DF48-8AAC-1DD1-EF18-10983F9D37B9}"/>
-                  </a:ext>
-                </a:extLst>
-              </p:cNvPr>
-              <p:cNvSpPr txBox="1"/>
-              <p:nvPr/>
-            </p:nvSpPr>
-            <p:spPr>
-              <a:xfrm>
-                <a:off x="5733112" y="1604386"/>
-                <a:ext cx="181267" cy="169277"/>
-              </a:xfrm>
-              <a:prstGeom prst="rect">
-                <a:avLst/>
-              </a:prstGeom>
-              <a:noFill/>
-            </p:spPr>
-            <p:txBody>
-              <a:bodyPr wrap="none" lIns="0" tIns="0" rIns="0" bIns="0" rtlCol="0">
-                <a:spAutoFit/>
-              </a:bodyPr>
-              <a:lstStyle/>
-              <a:p>
-                <a:pPr/>
-                <a14:m>
-                  <m:oMathPara xmlns:m="http://schemas.openxmlformats.org/officeDocument/2006/math">
-                    <m:oMathParaPr>
-                      <m:jc m:val="centerGroup"/>
-                    </m:oMathParaPr>
-                    <m:oMath xmlns:m="http://schemas.openxmlformats.org/officeDocument/2006/math">
-                      <m:sSub>
-                        <m:sSubPr>
-                          <m:ctrlPr>
-                            <a:rPr lang="fr-FR" sz="1100" b="0" i="1" smtClean="0">
-                              <a:latin typeface="Cambria Math" panose="02040503050406030204" pitchFamily="18" charset="0"/>
-                            </a:rPr>
-                          </m:ctrlPr>
-                        </m:sSubPr>
-                        <m:e>
-                          <m:r>
-                            <a:rPr lang="fr-FR" sz="1100" b="0" i="1" smtClean="0">
-                              <a:latin typeface="Cambria Math" panose="02040503050406030204" pitchFamily="18" charset="0"/>
-                            </a:rPr>
-                            <m:t>𝐺</m:t>
-                          </m:r>
-                        </m:e>
-                        <m:sub>
-                          <m:r>
-                            <a:rPr lang="fr-FR" sz="1100" b="0" i="1" smtClean="0">
-                              <a:latin typeface="Cambria Math" panose="02040503050406030204" pitchFamily="18" charset="0"/>
-                            </a:rPr>
-                            <m:t>2</m:t>
-                          </m:r>
-                        </m:sub>
-                      </m:sSub>
-                    </m:oMath>
-                  </m:oMathPara>
-                </a14:m>
-                <a:endParaRPr lang="fr-FR" dirty="0"/>
-              </a:p>
-            </p:txBody>
-          </p:sp>
-        </mc:Choice>
-        <mc:Fallback xmlns="">
-          <p:sp>
-            <p:nvSpPr>
-              <p:cNvPr id="42" name="ZoneTexte 41">
-                <a:extLst>
-                  <a:ext uri="{FF2B5EF4-FFF2-40B4-BE49-F238E27FC236}">
-                    <a16:creationId xmlns:a16="http://schemas.microsoft.com/office/drawing/2014/main" id="{DC20DF48-8AAC-1DD1-EF18-10983F9D37B9}"/>
-                  </a:ext>
-                </a:extLst>
-              </p:cNvPr>
-              <p:cNvSpPr txBox="1">
-                <a:spLocks noRot="1" noChangeAspect="1" noMove="1" noResize="1" noEditPoints="1" noAdjustHandles="1" noChangeArrowheads="1" noChangeShapeType="1" noTextEdit="1"/>
-              </p:cNvSpPr>
-              <p:nvPr/>
-            </p:nvSpPr>
-            <p:spPr>
-              <a:xfrm>
-                <a:off x="5733112" y="1604386"/>
-                <a:ext cx="181267" cy="169277"/>
-              </a:xfrm>
-              <a:prstGeom prst="rect">
-                <a:avLst/>
-              </a:prstGeom>
-              <a:blipFill>
-                <a:blip r:embed="rId11"/>
-                <a:stretch>
-                  <a:fillRect l="-16667" r="-6667" b="-17857"/>
-                </a:stretch>
-              </a:blipFill>
-            </p:spPr>
-            <p:txBody>
-              <a:bodyPr/>
-              <a:lstStyle/>
-              <a:p>
-                <a:r>
-                  <a:rPr lang="fr-FR">
-                    <a:noFill/>
-                  </a:rPr>
-                  <a:t> </a:t>
-                </a:r>
-              </a:p>
-            </p:txBody>
-          </p:sp>
-        </mc:Fallback>
-      </mc:AlternateContent>
-      <mc:AlternateContent xmlns:mc="http://schemas.openxmlformats.org/markup-compatibility/2006" xmlns:a14="http://schemas.microsoft.com/office/drawing/2010/main">
-        <mc:Choice Requires="a14">
-          <p:sp>
-            <p:nvSpPr>
-              <p:cNvPr id="43" name="Ellipse 42">
-                <a:extLst>
-                  <a:ext uri="{FF2B5EF4-FFF2-40B4-BE49-F238E27FC236}">
-                    <a16:creationId xmlns:a16="http://schemas.microsoft.com/office/drawing/2014/main" id="{450EB561-DD3D-023F-3173-32157E3661F6}"/>
-                  </a:ext>
-                </a:extLst>
-              </p:cNvPr>
-              <p:cNvSpPr/>
-              <p:nvPr/>
-            </p:nvSpPr>
-            <p:spPr>
-              <a:xfrm>
-                <a:off x="5017773" y="1307719"/>
-                <a:ext cx="288000" cy="288000"/>
-              </a:xfrm>
-              <a:prstGeom prst="ellipse">
-                <a:avLst/>
-              </a:prstGeom>
-              <a:solidFill>
-                <a:schemeClr val="bg1"/>
-              </a:solidFill>
-              <a:ln w="19050">
-                <a:solidFill>
-                  <a:srgbClr val="00B050"/>
-                </a:solidFill>
-              </a:ln>
-            </p:spPr>
-            <p:style>
-              <a:lnRef idx="2">
-                <a:schemeClr val="accent1">
-                  <a:shade val="50000"/>
-                </a:schemeClr>
-              </a:lnRef>
-              <a:fillRef idx="1">
-                <a:schemeClr val="accent1"/>
-              </a:fillRef>
-              <a:effectRef idx="0">
-                <a:schemeClr val="accent1"/>
-              </a:effectRef>
-              <a:fontRef idx="minor">
-                <a:schemeClr val="lt1"/>
-              </a:fontRef>
-            </p:style>
-            <p:txBody>
-              <a:bodyPr lIns="0" tIns="0" rIns="0" bIns="0" rtlCol="0" anchor="ctr"/>
-              <a:lstStyle/>
-              <a:p>
-                <a:pPr algn="ctr"/>
-                <a:r>
-                  <a:rPr lang="fr-FR" sz="1200" b="0" dirty="0">
-                    <a:solidFill>
-                      <a:schemeClr val="tx1"/>
-                    </a:solidFill>
-                  </a:rPr>
-                  <a:t> </a:t>
-                </a:r>
-                <a14:m>
-                  <m:oMath xmlns:m="http://schemas.openxmlformats.org/officeDocument/2006/math">
-                    <m:r>
-                      <a:rPr lang="fr-FR" sz="1200" b="0" i="1" smtClean="0">
-                        <a:solidFill>
-                          <a:schemeClr val="tx1"/>
-                        </a:solidFill>
-                        <a:latin typeface="Cambria Math" panose="02040503050406030204" pitchFamily="18" charset="0"/>
-                      </a:rPr>
-                      <m:t>𝐼</m:t>
-                    </m:r>
-                  </m:oMath>
-                </a14:m>
-                <a:endParaRPr lang="fr-FR" sz="1200" dirty="0"/>
-              </a:p>
-            </p:txBody>
-          </p:sp>
-        </mc:Choice>
-        <mc:Fallback xmlns="">
-          <p:sp>
-            <p:nvSpPr>
-              <p:cNvPr id="43" name="Ellipse 42">
-                <a:extLst>
-                  <a:ext uri="{FF2B5EF4-FFF2-40B4-BE49-F238E27FC236}">
-                    <a16:creationId xmlns:a16="http://schemas.microsoft.com/office/drawing/2014/main" id="{450EB561-DD3D-023F-3173-32157E3661F6}"/>
-                  </a:ext>
-                </a:extLst>
-              </p:cNvPr>
-              <p:cNvSpPr>
-                <a:spLocks noRot="1" noChangeAspect="1" noMove="1" noResize="1" noEditPoints="1" noAdjustHandles="1" noChangeArrowheads="1" noChangeShapeType="1" noTextEdit="1"/>
-              </p:cNvSpPr>
-              <p:nvPr/>
-            </p:nvSpPr>
-            <p:spPr>
-              <a:xfrm>
-                <a:off x="5017773" y="1307719"/>
-                <a:ext cx="288000" cy="288000"/>
-              </a:xfrm>
-              <a:prstGeom prst="ellipse">
-                <a:avLst/>
-              </a:prstGeom>
-              <a:blipFill>
-                <a:blip r:embed="rId12"/>
-                <a:stretch>
-                  <a:fillRect/>
-                </a:stretch>
-              </a:blipFill>
-              <a:ln w="19050">
-                <a:solidFill>
-                  <a:srgbClr val="00B050"/>
-                </a:solidFill>
-              </a:ln>
-            </p:spPr>
-            <p:txBody>
-              <a:bodyPr/>
-              <a:lstStyle/>
-              <a:p>
-                <a:r>
-                  <a:rPr lang="fr-FR">
-                    <a:noFill/>
-                  </a:rPr>
-                  <a:t> </a:t>
-                </a:r>
-              </a:p>
-            </p:txBody>
-          </p:sp>
-        </mc:Fallback>
-      </mc:AlternateContent>
-      <mc:AlternateContent xmlns:mc="http://schemas.openxmlformats.org/markup-compatibility/2006" xmlns:a14="http://schemas.microsoft.com/office/drawing/2010/main">
-        <mc:Choice Requires="a14">
-          <p:sp>
-            <p:nvSpPr>
-              <p:cNvPr id="44" name="Ellipse 43">
-                <a:extLst>
-                  <a:ext uri="{FF2B5EF4-FFF2-40B4-BE49-F238E27FC236}">
-                    <a16:creationId xmlns:a16="http://schemas.microsoft.com/office/drawing/2014/main" id="{57AC1567-6749-F385-44C2-4101A2A618B0}"/>
-                  </a:ext>
-                </a:extLst>
-              </p:cNvPr>
-              <p:cNvSpPr/>
-              <p:nvPr/>
-            </p:nvSpPr>
-            <p:spPr>
-              <a:xfrm>
-                <a:off x="6096000" y="1307719"/>
-                <a:ext cx="288000" cy="288000"/>
-              </a:xfrm>
-              <a:prstGeom prst="ellipse">
-                <a:avLst/>
-              </a:prstGeom>
-              <a:solidFill>
-                <a:schemeClr val="bg1"/>
-              </a:solidFill>
-              <a:ln w="19050">
-                <a:solidFill>
-                  <a:srgbClr val="00B050"/>
-                </a:solidFill>
-              </a:ln>
-            </p:spPr>
-            <p:style>
-              <a:lnRef idx="2">
-                <a:schemeClr val="accent1">
-                  <a:shade val="50000"/>
-                </a:schemeClr>
-              </a:lnRef>
-              <a:fillRef idx="1">
-                <a:schemeClr val="accent1"/>
-              </a:fillRef>
-              <a:effectRef idx="0">
-                <a:schemeClr val="accent1"/>
-              </a:effectRef>
-              <a:fontRef idx="minor">
-                <a:schemeClr val="lt1"/>
-              </a:fontRef>
-            </p:style>
-            <p:txBody>
-              <a:bodyPr lIns="0" tIns="0" rIns="0" bIns="0" rtlCol="0" anchor="ctr"/>
-              <a:lstStyle/>
-              <a:p>
-                <a:pPr algn="ctr"/>
-                <a:r>
-                  <a:rPr lang="fr-FR" sz="1200" b="0" dirty="0">
-                    <a:solidFill>
-                      <a:schemeClr val="tx1"/>
-                    </a:solidFill>
-                  </a:rPr>
-                  <a:t> </a:t>
-                </a:r>
-                <a14:m>
-                  <m:oMath xmlns:m="http://schemas.openxmlformats.org/officeDocument/2006/math">
-                    <m:r>
-                      <a:rPr lang="fr-FR" sz="1200" b="0" i="1" smtClean="0">
-                        <a:solidFill>
-                          <a:schemeClr val="tx1"/>
-                        </a:solidFill>
-                        <a:latin typeface="Cambria Math" panose="02040503050406030204" pitchFamily="18" charset="0"/>
-                      </a:rPr>
-                      <m:t>𝐼𝐼</m:t>
-                    </m:r>
-                  </m:oMath>
-                </a14:m>
-                <a:endParaRPr lang="fr-FR" sz="1200" dirty="0"/>
-              </a:p>
-            </p:txBody>
-          </p:sp>
-        </mc:Choice>
-        <mc:Fallback xmlns="">
-          <p:sp>
-            <p:nvSpPr>
-              <p:cNvPr id="44" name="Ellipse 43">
-                <a:extLst>
-                  <a:ext uri="{FF2B5EF4-FFF2-40B4-BE49-F238E27FC236}">
-                    <a16:creationId xmlns:a16="http://schemas.microsoft.com/office/drawing/2014/main" id="{57AC1567-6749-F385-44C2-4101A2A618B0}"/>
-                  </a:ext>
-                </a:extLst>
-              </p:cNvPr>
-              <p:cNvSpPr>
-                <a:spLocks noRot="1" noChangeAspect="1" noMove="1" noResize="1" noEditPoints="1" noAdjustHandles="1" noChangeArrowheads="1" noChangeShapeType="1" noTextEdit="1"/>
-              </p:cNvSpPr>
-              <p:nvPr/>
-            </p:nvSpPr>
-            <p:spPr>
-              <a:xfrm>
-                <a:off x="6096000" y="1307719"/>
-                <a:ext cx="288000" cy="288000"/>
-              </a:xfrm>
-              <a:prstGeom prst="ellipse">
-                <a:avLst/>
-              </a:prstGeom>
-              <a:blipFill>
-                <a:blip r:embed="rId13"/>
-                <a:stretch>
-                  <a:fillRect/>
-                </a:stretch>
-              </a:blipFill>
-              <a:ln w="19050">
-                <a:solidFill>
-                  <a:srgbClr val="00B050"/>
-                </a:solidFill>
-              </a:ln>
-            </p:spPr>
-            <p:txBody>
-              <a:bodyPr/>
-              <a:lstStyle/>
-              <a:p>
-                <a:r>
-                  <a:rPr lang="fr-FR">
-                    <a:noFill/>
-                  </a:rPr>
-                  <a:t> </a:t>
-                </a:r>
-              </a:p>
-            </p:txBody>
-          </p:sp>
-        </mc:Fallback>
-      </mc:AlternateContent>
-      <p:cxnSp>
-        <p:nvCxnSpPr>
-          <p:cNvPr id="45" name="Connecteur droit 44">
-            <a:extLst>
-              <a:ext uri="{FF2B5EF4-FFF2-40B4-BE49-F238E27FC236}">
-                <a16:creationId xmlns:a16="http://schemas.microsoft.com/office/drawing/2014/main" id="{B2C1D600-D640-6834-446F-B8E6590DFFD5}"/>
-              </a:ext>
-            </a:extLst>
-          </p:cNvPr>
-          <p:cNvCxnSpPr>
-            <a:cxnSpLocks/>
-          </p:cNvCxnSpPr>
-          <p:nvPr/>
-        </p:nvCxnSpPr>
-        <p:spPr>
-          <a:xfrm>
-            <a:off x="3939953" y="3429000"/>
-            <a:ext cx="3780364" cy="3"/>
-          </a:xfrm>
-          <a:prstGeom prst="line">
-            <a:avLst/>
-          </a:prstGeom>
-          <a:solidFill>
-            <a:schemeClr val="bg1"/>
-          </a:solidFill>
-          <a:ln w="19050">
-            <a:solidFill>
-              <a:srgbClr val="002060"/>
-            </a:solidFill>
-            <a:tailEnd type="stealth" w="med" len="lg"/>
-          </a:ln>
-        </p:spPr>
-        <p:style>
-          <a:lnRef idx="2">
-            <a:schemeClr val="accent1">
-              <a:shade val="50000"/>
-            </a:schemeClr>
-          </a:lnRef>
-          <a:fillRef idx="1">
-            <a:schemeClr val="accent1"/>
-          </a:fillRef>
-          <a:effectRef idx="0">
-            <a:schemeClr val="accent1"/>
-          </a:effectRef>
-          <a:fontRef idx="minor">
-            <a:schemeClr val="lt1"/>
-          </a:fontRef>
-        </p:style>
-      </p:cxnSp>
-      <p:cxnSp>
-        <p:nvCxnSpPr>
-          <p:cNvPr id="46" name="Connecteur droit 45">
-            <a:extLst>
-              <a:ext uri="{FF2B5EF4-FFF2-40B4-BE49-F238E27FC236}">
-                <a16:creationId xmlns:a16="http://schemas.microsoft.com/office/drawing/2014/main" id="{939096D3-B344-64CC-4A91-802AF8498310}"/>
-              </a:ext>
-            </a:extLst>
-          </p:cNvPr>
-          <p:cNvCxnSpPr>
-            <a:cxnSpLocks/>
-            <a:stCxn id="6" idx="0"/>
-            <a:endCxn id="6" idx="4"/>
-          </p:cNvCxnSpPr>
-          <p:nvPr/>
-        </p:nvCxnSpPr>
-        <p:spPr>
-          <a:xfrm flipH="1">
-            <a:off x="3956191" y="2985011"/>
-            <a:ext cx="689457" cy="443985"/>
-          </a:xfrm>
-          <a:prstGeom prst="line">
-            <a:avLst/>
-          </a:prstGeom>
-          <a:solidFill>
-            <a:schemeClr val="bg1"/>
-          </a:solidFill>
-          <a:ln w="28575">
-            <a:solidFill>
-              <a:schemeClr val="accent2">
-                <a:lumMod val="50000"/>
-              </a:schemeClr>
-            </a:solidFill>
-          </a:ln>
-        </p:spPr>
-        <p:style>
-          <a:lnRef idx="2">
-            <a:schemeClr val="accent1">
-              <a:shade val="50000"/>
-            </a:schemeClr>
-          </a:lnRef>
-          <a:fillRef idx="1">
-            <a:schemeClr val="accent1"/>
-          </a:fillRef>
-          <a:effectRef idx="0">
-            <a:schemeClr val="accent1"/>
-          </a:effectRef>
-          <a:fontRef idx="minor">
-            <a:schemeClr val="lt1"/>
-          </a:fontRef>
-        </p:style>
-      </p:cxnSp>
-      <p:cxnSp>
-        <p:nvCxnSpPr>
-          <p:cNvPr id="47" name="Connecteur droit 46">
-            <a:extLst>
-              <a:ext uri="{FF2B5EF4-FFF2-40B4-BE49-F238E27FC236}">
-                <a16:creationId xmlns:a16="http://schemas.microsoft.com/office/drawing/2014/main" id="{48D878AA-0CD5-5977-1E01-11C0243E119F}"/>
-              </a:ext>
-            </a:extLst>
-          </p:cNvPr>
-          <p:cNvCxnSpPr>
-            <a:cxnSpLocks/>
-            <a:stCxn id="6" idx="0"/>
-          </p:cNvCxnSpPr>
-          <p:nvPr/>
-        </p:nvCxnSpPr>
-        <p:spPr>
-          <a:xfrm>
-            <a:off x="4645648" y="2985011"/>
-            <a:ext cx="2174306" cy="888825"/>
-          </a:xfrm>
-          <a:prstGeom prst="line">
-            <a:avLst/>
-          </a:prstGeom>
-          <a:solidFill>
-            <a:schemeClr val="bg1"/>
-          </a:solidFill>
-          <a:ln w="28575">
-            <a:solidFill>
-              <a:schemeClr val="accent2">
-                <a:lumMod val="50000"/>
-              </a:schemeClr>
-            </a:solidFill>
-          </a:ln>
-        </p:spPr>
-        <p:style>
-          <a:lnRef idx="2">
-            <a:schemeClr val="accent1">
-              <a:shade val="50000"/>
-            </a:schemeClr>
-          </a:lnRef>
-          <a:fillRef idx="1">
-            <a:schemeClr val="accent1"/>
-          </a:fillRef>
-          <a:effectRef idx="0">
-            <a:schemeClr val="accent1"/>
-          </a:effectRef>
-          <a:fontRef idx="minor">
-            <a:schemeClr val="lt1"/>
-          </a:fontRef>
-        </p:style>
-      </p:cxnSp>
-      <p:sp>
-        <p:nvSpPr>
-          <p:cNvPr id="55" name="Triangle rectangle 54">
-            <a:extLst>
-              <a:ext uri="{FF2B5EF4-FFF2-40B4-BE49-F238E27FC236}">
-                <a16:creationId xmlns:a16="http://schemas.microsoft.com/office/drawing/2014/main" id="{08C1733B-A313-656A-4381-40B214832D58}"/>
-              </a:ext>
-            </a:extLst>
-          </p:cNvPr>
-          <p:cNvSpPr/>
-          <p:nvPr/>
-        </p:nvSpPr>
-        <p:spPr>
-          <a:xfrm flipV="1">
-            <a:off x="6819953" y="3446345"/>
-            <a:ext cx="720001" cy="424782"/>
-          </a:xfrm>
-          <a:prstGeom prst="rtTriangle">
-            <a:avLst/>
-          </a:prstGeom>
-          <a:solidFill>
-            <a:schemeClr val="accent2">
-              <a:lumMod val="20000"/>
-              <a:lumOff val="80000"/>
-            </a:schemeClr>
-          </a:solidFill>
-          <a:ln>
-            <a:noFill/>
-          </a:ln>
-        </p:spPr>
-        <p:style>
-          <a:lnRef idx="2">
-            <a:schemeClr val="accent1">
-              <a:shade val="50000"/>
-            </a:schemeClr>
-          </a:lnRef>
-          <a:fillRef idx="1">
-            <a:schemeClr val="accent1"/>
-          </a:fillRef>
-          <a:effectRef idx="0">
-            <a:schemeClr val="accent1"/>
-          </a:effectRef>
-          <a:fontRef idx="minor">
-            <a:schemeClr val="lt1"/>
-          </a:fontRef>
-        </p:style>
-        <p:txBody>
-          <a:bodyPr rtlCol="0" anchor="ctr"/>
-          <a:lstStyle/>
-          <a:p>
-            <a:pPr algn="ctr"/>
-            <a:endParaRPr lang="fr-FR"/>
-          </a:p>
-        </p:txBody>
-      </p:sp>
-      <p:cxnSp>
-        <p:nvCxnSpPr>
-          <p:cNvPr id="56" name="Connecteur droit 55">
-            <a:extLst>
-              <a:ext uri="{FF2B5EF4-FFF2-40B4-BE49-F238E27FC236}">
-                <a16:creationId xmlns:a16="http://schemas.microsoft.com/office/drawing/2014/main" id="{0811F9A5-2ED7-735F-1A1C-2D87F8594621}"/>
-              </a:ext>
-            </a:extLst>
-          </p:cNvPr>
-          <p:cNvCxnSpPr>
-            <a:cxnSpLocks/>
-            <a:stCxn id="55" idx="4"/>
-          </p:cNvCxnSpPr>
-          <p:nvPr/>
-        </p:nvCxnSpPr>
-        <p:spPr>
-          <a:xfrm flipH="1">
-            <a:off x="6819954" y="3446345"/>
-            <a:ext cx="720000" cy="427492"/>
-          </a:xfrm>
-          <a:prstGeom prst="line">
-            <a:avLst/>
-          </a:prstGeom>
-          <a:solidFill>
-            <a:schemeClr val="bg1"/>
-          </a:solidFill>
-          <a:ln w="28575">
-            <a:solidFill>
-              <a:schemeClr val="accent2">
-                <a:lumMod val="50000"/>
-              </a:schemeClr>
-            </a:solidFill>
-          </a:ln>
-        </p:spPr>
-        <p:style>
-          <a:lnRef idx="2">
-            <a:schemeClr val="accent1">
-              <a:shade val="50000"/>
-            </a:schemeClr>
-          </a:lnRef>
-          <a:fillRef idx="1">
-            <a:schemeClr val="accent1"/>
-          </a:fillRef>
-          <a:effectRef idx="0">
-            <a:schemeClr val="accent1"/>
-          </a:effectRef>
-          <a:fontRef idx="minor">
-            <a:schemeClr val="lt1"/>
-          </a:fontRef>
-        </p:style>
-      </p:cxnSp>
-      <p:cxnSp>
-        <p:nvCxnSpPr>
-          <p:cNvPr id="59" name="Connecteur droit 58">
-            <a:extLst>
-              <a:ext uri="{FF2B5EF4-FFF2-40B4-BE49-F238E27FC236}">
-                <a16:creationId xmlns:a16="http://schemas.microsoft.com/office/drawing/2014/main" id="{B99A0558-E2B8-2C51-B1AA-2995B0A5FE40}"/>
-              </a:ext>
-            </a:extLst>
-          </p:cNvPr>
-          <p:cNvCxnSpPr>
-            <a:cxnSpLocks/>
-            <a:stCxn id="6" idx="0"/>
-          </p:cNvCxnSpPr>
-          <p:nvPr/>
-        </p:nvCxnSpPr>
-        <p:spPr>
-          <a:xfrm flipH="1">
-            <a:off x="3939952" y="2985011"/>
-            <a:ext cx="705696" cy="0"/>
-          </a:xfrm>
-          <a:prstGeom prst="line">
-            <a:avLst/>
-          </a:prstGeom>
-          <a:solidFill>
-            <a:schemeClr val="bg1"/>
-          </a:solidFill>
-          <a:ln w="12700">
-            <a:solidFill>
-              <a:schemeClr val="accent2">
-                <a:lumMod val="50000"/>
-              </a:schemeClr>
-            </a:solidFill>
-            <a:prstDash val="sysDash"/>
-          </a:ln>
-        </p:spPr>
-        <p:style>
-          <a:lnRef idx="2">
-            <a:schemeClr val="accent1">
-              <a:shade val="50000"/>
-            </a:schemeClr>
-          </a:lnRef>
-          <a:fillRef idx="1">
-            <a:schemeClr val="accent1"/>
-          </a:fillRef>
-          <a:effectRef idx="0">
-            <a:schemeClr val="accent1"/>
-          </a:effectRef>
-          <a:fontRef idx="minor">
-            <a:schemeClr val="lt1"/>
-          </a:fontRef>
-        </p:style>
-      </p:cxnSp>
-      <p:cxnSp>
-        <p:nvCxnSpPr>
-          <p:cNvPr id="63" name="Connecteur droit 62">
-            <a:extLst>
-              <a:ext uri="{FF2B5EF4-FFF2-40B4-BE49-F238E27FC236}">
-                <a16:creationId xmlns:a16="http://schemas.microsoft.com/office/drawing/2014/main" id="{4F565C5A-FC6B-2C16-9D77-2A954E5E7AE1}"/>
-              </a:ext>
-            </a:extLst>
-          </p:cNvPr>
-          <p:cNvCxnSpPr>
-            <a:cxnSpLocks/>
-          </p:cNvCxnSpPr>
-          <p:nvPr/>
-        </p:nvCxnSpPr>
-        <p:spPr>
-          <a:xfrm flipH="1">
-            <a:off x="3956191" y="3871127"/>
-            <a:ext cx="2884116" cy="0"/>
-          </a:xfrm>
-          <a:prstGeom prst="line">
-            <a:avLst/>
-          </a:prstGeom>
-          <a:solidFill>
-            <a:schemeClr val="bg1"/>
-          </a:solidFill>
-          <a:ln w="12700">
-            <a:solidFill>
-              <a:schemeClr val="accent2">
-                <a:lumMod val="50000"/>
-              </a:schemeClr>
-            </a:solidFill>
-            <a:prstDash val="sysDash"/>
-          </a:ln>
-        </p:spPr>
-        <p:style>
-          <a:lnRef idx="2">
-            <a:schemeClr val="accent1">
-              <a:shade val="50000"/>
-            </a:schemeClr>
-          </a:lnRef>
-          <a:fillRef idx="1">
-            <a:schemeClr val="accent1"/>
-          </a:fillRef>
-          <a:effectRef idx="0">
-            <a:schemeClr val="accent1"/>
-          </a:effectRef>
-          <a:fontRef idx="minor">
-            <a:schemeClr val="lt1"/>
-          </a:fontRef>
-        </p:style>
-      </p:cxnSp>
-      <mc:AlternateContent xmlns:mc="http://schemas.openxmlformats.org/markup-compatibility/2006" xmlns:a14="http://schemas.microsoft.com/office/drawing/2010/main">
-        <mc:Choice Requires="a14">
-          <p:sp>
-            <p:nvSpPr>
-              <p:cNvPr id="65" name="ZoneTexte 64">
-                <a:extLst>
-                  <a:ext uri="{FF2B5EF4-FFF2-40B4-BE49-F238E27FC236}">
-                    <a16:creationId xmlns:a16="http://schemas.microsoft.com/office/drawing/2014/main" id="{9C2E92CE-1C3E-9779-079C-7D3812D1049A}"/>
-                  </a:ext>
-                </a:extLst>
-              </p:cNvPr>
-              <p:cNvSpPr txBox="1"/>
-              <p:nvPr/>
-            </p:nvSpPr>
-            <p:spPr>
-              <a:xfrm>
-                <a:off x="3415030" y="3788352"/>
-                <a:ext cx="538609" cy="169277"/>
-              </a:xfrm>
-              <a:prstGeom prst="rect">
-                <a:avLst/>
-              </a:prstGeom>
-              <a:noFill/>
-            </p:spPr>
-            <p:txBody>
-              <a:bodyPr wrap="none" lIns="0" tIns="0" rIns="0" bIns="0" rtlCol="0">
-                <a:spAutoFit/>
-              </a:bodyPr>
-              <a:lstStyle/>
-              <a:p>
-                <a:pPr/>
-                <a14:m>
-                  <m:oMathPara xmlns:m="http://schemas.openxmlformats.org/officeDocument/2006/math">
-                    <m:oMathParaPr>
-                      <m:jc m:val="centerGroup"/>
-                    </m:oMathParaPr>
-                    <m:oMath xmlns:m="http://schemas.openxmlformats.org/officeDocument/2006/math">
-                      <m:r>
-                        <a:rPr lang="fr-FR" sz="1100" b="0" i="0" smtClean="0">
-                          <a:latin typeface="Cambria Math" panose="02040503050406030204" pitchFamily="18" charset="0"/>
-                        </a:rPr>
-                        <m:t>−30 </m:t>
-                      </m:r>
-                      <m:r>
-                        <m:rPr>
-                          <m:sty m:val="p"/>
-                        </m:rPr>
-                        <a:rPr lang="fr-FR" sz="1100" b="0" i="0" smtClean="0">
-                          <a:latin typeface="Cambria Math" panose="02040503050406030204" pitchFamily="18" charset="0"/>
-                        </a:rPr>
-                        <m:t>Nm</m:t>
-                      </m:r>
-                    </m:oMath>
-                  </m:oMathPara>
-                </a14:m>
-                <a:endParaRPr lang="fr-FR" dirty="0"/>
-              </a:p>
-            </p:txBody>
-          </p:sp>
-        </mc:Choice>
-        <mc:Fallback xmlns="">
-          <p:sp>
-            <p:nvSpPr>
-              <p:cNvPr id="65" name="ZoneTexte 64">
-                <a:extLst>
-                  <a:ext uri="{FF2B5EF4-FFF2-40B4-BE49-F238E27FC236}">
-                    <a16:creationId xmlns:a16="http://schemas.microsoft.com/office/drawing/2014/main" id="{9C2E92CE-1C3E-9779-079C-7D3812D1049A}"/>
-                  </a:ext>
-                </a:extLst>
-              </p:cNvPr>
-              <p:cNvSpPr txBox="1">
-                <a:spLocks noRot="1" noChangeAspect="1" noMove="1" noResize="1" noEditPoints="1" noAdjustHandles="1" noChangeArrowheads="1" noChangeShapeType="1" noTextEdit="1"/>
-              </p:cNvSpPr>
-              <p:nvPr/>
-            </p:nvSpPr>
-            <p:spPr>
-              <a:xfrm>
-                <a:off x="3415030" y="3788352"/>
-                <a:ext cx="538609" cy="169277"/>
-              </a:xfrm>
-              <a:prstGeom prst="rect">
-                <a:avLst/>
-              </a:prstGeom>
-              <a:blipFill>
-                <a:blip r:embed="rId14"/>
-                <a:stretch>
-                  <a:fillRect l="-1124" r="-5618" b="-7143"/>
-                </a:stretch>
-              </a:blipFill>
-            </p:spPr>
-            <p:txBody>
-              <a:bodyPr/>
-              <a:lstStyle/>
-              <a:p>
-                <a:r>
-                  <a:rPr lang="fr-FR">
-                    <a:noFill/>
-                  </a:rPr>
-                  <a:t> </a:t>
-                </a:r>
-              </a:p>
-            </p:txBody>
-          </p:sp>
-        </mc:Fallback>
-      </mc:AlternateContent>
-      <mc:AlternateContent xmlns:mc="http://schemas.openxmlformats.org/markup-compatibility/2006" xmlns:a14="http://schemas.microsoft.com/office/drawing/2010/main">
-        <mc:Choice Requires="a14">
-          <p:sp>
-            <p:nvSpPr>
-              <p:cNvPr id="66" name="ZoneTexte 65">
-                <a:extLst>
-                  <a:ext uri="{FF2B5EF4-FFF2-40B4-BE49-F238E27FC236}">
-                    <a16:creationId xmlns:a16="http://schemas.microsoft.com/office/drawing/2014/main" id="{AC9FFD8C-ED4F-C161-61E5-6A4778C17A30}"/>
-                  </a:ext>
-                </a:extLst>
-              </p:cNvPr>
-              <p:cNvSpPr txBox="1"/>
-              <p:nvPr/>
-            </p:nvSpPr>
-            <p:spPr>
-              <a:xfrm>
-                <a:off x="7395356" y="3154788"/>
-                <a:ext cx="178510" cy="169277"/>
-              </a:xfrm>
-              <a:prstGeom prst="rect">
-                <a:avLst/>
-              </a:prstGeom>
-              <a:noFill/>
-            </p:spPr>
-            <p:txBody>
-              <a:bodyPr wrap="none" lIns="0" tIns="0" rIns="0" bIns="0" rtlCol="0">
-                <a:spAutoFit/>
-              </a:bodyPr>
-              <a:lstStyle/>
-              <a:p>
-                <a:pPr/>
-                <a14:m>
-                  <m:oMathPara xmlns:m="http://schemas.openxmlformats.org/officeDocument/2006/math">
-                    <m:oMathParaPr>
-                      <m:jc m:val="centerGroup"/>
-                    </m:oMathParaPr>
-                    <m:oMath xmlns:m="http://schemas.openxmlformats.org/officeDocument/2006/math">
-                      <m:sSub>
-                        <m:sSubPr>
-                          <m:ctrlPr>
-                            <a:rPr lang="fr-FR" sz="1100" b="0" i="1" smtClean="0">
-                              <a:latin typeface="Cambria Math" panose="02040503050406030204" pitchFamily="18" charset="0"/>
-                            </a:rPr>
-                          </m:ctrlPr>
-                        </m:sSubPr>
-                        <m:e>
-                          <m:r>
-                            <a:rPr lang="fr-FR" sz="1100" b="0" i="1" smtClean="0">
-                              <a:latin typeface="Cambria Math" panose="02040503050406030204" pitchFamily="18" charset="0"/>
-                            </a:rPr>
-                            <m:t>𝑥</m:t>
-                          </m:r>
-                        </m:e>
-                        <m:sub>
-                          <m:r>
-                            <a:rPr lang="fr-FR" sz="1100" b="0" i="1" smtClean="0">
-                              <a:latin typeface="Cambria Math" panose="02040503050406030204" pitchFamily="18" charset="0"/>
-                            </a:rPr>
-                            <m:t>𝑎</m:t>
-                          </m:r>
-                        </m:sub>
-                      </m:sSub>
-                    </m:oMath>
-                  </m:oMathPara>
-                </a14:m>
-                <a:endParaRPr lang="fr-FR" dirty="0"/>
-              </a:p>
-            </p:txBody>
-          </p:sp>
-        </mc:Choice>
-        <mc:Fallback xmlns="">
-          <p:sp>
-            <p:nvSpPr>
-              <p:cNvPr id="66" name="ZoneTexte 65">
-                <a:extLst>
-                  <a:ext uri="{FF2B5EF4-FFF2-40B4-BE49-F238E27FC236}">
-                    <a16:creationId xmlns:a16="http://schemas.microsoft.com/office/drawing/2014/main" id="{AC9FFD8C-ED4F-C161-61E5-6A4778C17A30}"/>
-                  </a:ext>
-                </a:extLst>
-              </p:cNvPr>
-              <p:cNvSpPr txBox="1">
-                <a:spLocks noRot="1" noChangeAspect="1" noMove="1" noResize="1" noEditPoints="1" noAdjustHandles="1" noChangeArrowheads="1" noChangeShapeType="1" noTextEdit="1"/>
-              </p:cNvSpPr>
-              <p:nvPr/>
-            </p:nvSpPr>
-            <p:spPr>
-              <a:xfrm>
-                <a:off x="7395356" y="3154788"/>
-                <a:ext cx="178510" cy="169277"/>
-              </a:xfrm>
-              <a:prstGeom prst="rect">
-                <a:avLst/>
-              </a:prstGeom>
-              <a:blipFill>
-                <a:blip r:embed="rId15"/>
-                <a:stretch>
-                  <a:fillRect l="-10345" r="-6897" b="-14815"/>
-                </a:stretch>
-              </a:blipFill>
-            </p:spPr>
-            <p:txBody>
-              <a:bodyPr/>
-              <a:lstStyle/>
-              <a:p>
-                <a:r>
-                  <a:rPr lang="fr-FR">
-                    <a:noFill/>
-                  </a:rPr>
-                  <a:t> </a:t>
-                </a:r>
-              </a:p>
-            </p:txBody>
-          </p:sp>
-        </mc:Fallback>
-      </mc:AlternateContent>
-      <mc:AlternateContent xmlns:mc="http://schemas.openxmlformats.org/markup-compatibility/2006" xmlns:a14="http://schemas.microsoft.com/office/drawing/2010/main">
-        <mc:Choice Requires="a14">
-          <p:sp>
-            <p:nvSpPr>
-              <p:cNvPr id="67" name="ZoneTexte 66">
-                <a:extLst>
-                  <a:ext uri="{FF2B5EF4-FFF2-40B4-BE49-F238E27FC236}">
-                    <a16:creationId xmlns:a16="http://schemas.microsoft.com/office/drawing/2014/main" id="{08DB4775-DF89-30DE-D002-0FA12BD45480}"/>
-                  </a:ext>
-                </a:extLst>
-              </p:cNvPr>
-              <p:cNvSpPr txBox="1"/>
-              <p:nvPr/>
-            </p:nvSpPr>
-            <p:spPr>
-              <a:xfrm>
-                <a:off x="3677440" y="2631667"/>
-                <a:ext cx="260584" cy="182807"/>
-              </a:xfrm>
-              <a:prstGeom prst="rect">
-                <a:avLst/>
-              </a:prstGeom>
-              <a:noFill/>
-            </p:spPr>
-            <p:txBody>
-              <a:bodyPr wrap="none" lIns="0" tIns="0" rIns="0" bIns="0" rtlCol="0">
-                <a:spAutoFit/>
-              </a:bodyPr>
-              <a:lstStyle/>
-              <a:p>
-                <a:pPr/>
-                <a14:m>
-                  <m:oMathPara xmlns:m="http://schemas.openxmlformats.org/officeDocument/2006/math">
-                    <m:oMathParaPr>
-                      <m:jc m:val="centerGroup"/>
-                    </m:oMathParaPr>
-                    <m:oMath xmlns:m="http://schemas.openxmlformats.org/officeDocument/2006/math">
-                      <m:sSub>
-                        <m:sSubPr>
-                          <m:ctrlPr>
-                            <a:rPr lang="fr-FR" sz="1100" b="0" i="1" smtClean="0">
-                              <a:latin typeface="Cambria Math" panose="02040503050406030204" pitchFamily="18" charset="0"/>
-                            </a:rPr>
-                          </m:ctrlPr>
-                        </m:sSubPr>
-                        <m:e>
-                          <m:r>
-                            <a:rPr lang="fr-FR" sz="1100" b="0" i="1" smtClean="0">
-                              <a:latin typeface="Cambria Math" panose="02040503050406030204" pitchFamily="18" charset="0"/>
-                            </a:rPr>
-                            <m:t>𝑀</m:t>
-                          </m:r>
-                        </m:e>
-                        <m:sub>
-                          <m:r>
-                            <a:rPr lang="fr-FR" sz="1100" b="0" i="1" smtClean="0">
-                              <a:latin typeface="Cambria Math" panose="02040503050406030204" pitchFamily="18" charset="0"/>
-                            </a:rPr>
-                            <m:t>𝑓𝑧</m:t>
-                          </m:r>
-                        </m:sub>
-                      </m:sSub>
-                    </m:oMath>
-                  </m:oMathPara>
-                </a14:m>
-                <a:endParaRPr lang="fr-FR" dirty="0"/>
-              </a:p>
-            </p:txBody>
-          </p:sp>
-        </mc:Choice>
-        <mc:Fallback xmlns="">
-          <p:sp>
-            <p:nvSpPr>
-              <p:cNvPr id="67" name="ZoneTexte 66">
-                <a:extLst>
-                  <a:ext uri="{FF2B5EF4-FFF2-40B4-BE49-F238E27FC236}">
-                    <a16:creationId xmlns:a16="http://schemas.microsoft.com/office/drawing/2014/main" id="{08DB4775-DF89-30DE-D002-0FA12BD45480}"/>
-                  </a:ext>
-                </a:extLst>
-              </p:cNvPr>
-              <p:cNvSpPr txBox="1">
-                <a:spLocks noRot="1" noChangeAspect="1" noMove="1" noResize="1" noEditPoints="1" noAdjustHandles="1" noChangeArrowheads="1" noChangeShapeType="1" noTextEdit="1"/>
-              </p:cNvSpPr>
-              <p:nvPr/>
-            </p:nvSpPr>
-            <p:spPr>
-              <a:xfrm>
-                <a:off x="3677440" y="2631667"/>
-                <a:ext cx="260584" cy="182807"/>
-              </a:xfrm>
-              <a:prstGeom prst="rect">
-                <a:avLst/>
-              </a:prstGeom>
-              <a:blipFill>
-                <a:blip r:embed="rId16"/>
-                <a:stretch>
-                  <a:fillRect l="-11628" r="-11628" b="-30000"/>
-                </a:stretch>
-              </a:blipFill>
-            </p:spPr>
-            <p:txBody>
-              <a:bodyPr/>
-              <a:lstStyle/>
-              <a:p>
-                <a:r>
-                  <a:rPr lang="fr-FR">
-                    <a:noFill/>
-                  </a:rPr>
-                  <a:t> </a:t>
-                </a:r>
-              </a:p>
-            </p:txBody>
-          </p:sp>
-        </mc:Fallback>
-      </mc:AlternateContent>
-    </p:spTree>
-    <p:extLst>
-      <p:ext uri="{BB962C8B-B14F-4D97-AF65-F5344CB8AC3E}">
-        <p14:creationId xmlns:p14="http://schemas.microsoft.com/office/powerpoint/2010/main" val="2141522550"/>
-      </p:ext>
-    </p:extLst>
-  </p:cSld>
-  <p:clrMapOvr>
-    <a:masterClrMapping/>
-  </p:clrMapOvr>
-</p:sld>
-</file>
-
 <file path=ppt/theme/theme1.xml><?xml version="1.0" encoding="utf-8"?>
 <a:theme xmlns:a="http://schemas.openxmlformats.org/drawingml/2006/main" name="Thème Office">
   <a:themeElements>

--- a/2022/Exemple/FichiersProf/Corrigé LaTeX/images/Figures.pptx
+++ b/2022/Exemple/FichiersProf/Corrigé LaTeX/images/Figures.pptx
@@ -11,10 +11,11 @@
     <p:sldId id="266" r:id="rId5"/>
     <p:sldId id="267" r:id="rId6"/>
     <p:sldId id="268" r:id="rId7"/>
-    <p:sldId id="261" r:id="rId8"/>
-    <p:sldId id="262" r:id="rId9"/>
-    <p:sldId id="263" r:id="rId10"/>
-    <p:sldId id="264" r:id="rId11"/>
+    <p:sldId id="269" r:id="rId8"/>
+    <p:sldId id="261" r:id="rId9"/>
+    <p:sldId id="262" r:id="rId10"/>
+    <p:sldId id="263" r:id="rId11"/>
+    <p:sldId id="264" r:id="rId12"/>
   </p:sldIdLst>
   <p:sldSz cx="12192000" cy="6858000"/>
   <p:notesSz cx="6858000" cy="9144000"/>
@@ -116,7 +117,7 @@
   <p:extLst>
     <p:ext uri="{EFAFB233-063F-42B5-8137-9DF3F51BA10A}">
       <p15:sldGuideLst xmlns:p15="http://schemas.microsoft.com/office/powerpoint/2012/main">
-        <p15:guide id="1" orient="horz" pos="2160" userDrawn="1">
+        <p15:guide id="1" orient="horz" pos="2137" userDrawn="1">
           <p15:clr>
             <a:srgbClr val="A4A3A4"/>
           </p15:clr>
@@ -3944,6 +3945,2506 @@
 </file>
 
 <file path=ppt/slides/slide10.xml><?xml version="1.0" encoding="utf-8"?>
+<p:sld xmlns:a="http://schemas.openxmlformats.org/drawingml/2006/main" xmlns:r="http://schemas.openxmlformats.org/officeDocument/2006/relationships" xmlns:p="http://schemas.openxmlformats.org/presentationml/2006/main">
+  <p:cSld>
+    <p:spTree>
+      <p:nvGrpSpPr>
+        <p:cNvPr id="1" name=""/>
+        <p:cNvGrpSpPr/>
+        <p:nvPr/>
+      </p:nvGrpSpPr>
+      <p:grpSpPr>
+        <a:xfrm>
+          <a:off x="0" y="0"/>
+          <a:ext cx="0" cy="0"/>
+          <a:chOff x="0" y="0"/>
+          <a:chExt cx="0" cy="0"/>
+        </a:xfrm>
+      </p:grpSpPr>
+      <p:cxnSp>
+        <p:nvCxnSpPr>
+          <p:cNvPr id="28" name="Connecteur droit 27">
+            <a:extLst>
+              <a:ext uri="{FF2B5EF4-FFF2-40B4-BE49-F238E27FC236}">
+                <a16:creationId xmlns:a16="http://schemas.microsoft.com/office/drawing/2014/main" id="{C74975E6-0C86-2C0D-1C03-38CA4DF43AE8}"/>
+              </a:ext>
+            </a:extLst>
+          </p:cNvPr>
+          <p:cNvCxnSpPr>
+            <a:cxnSpLocks/>
+          </p:cNvCxnSpPr>
+          <p:nvPr/>
+        </p:nvCxnSpPr>
+        <p:spPr>
+          <a:xfrm>
+            <a:off x="6819954" y="1989882"/>
+            <a:ext cx="720000" cy="0"/>
+          </a:xfrm>
+          <a:prstGeom prst="line">
+            <a:avLst/>
+          </a:prstGeom>
+          <a:solidFill>
+            <a:schemeClr val="bg1"/>
+          </a:solidFill>
+          <a:ln w="28575">
+            <a:solidFill>
+              <a:srgbClr val="7030A0"/>
+            </a:solidFill>
+          </a:ln>
+        </p:spPr>
+        <p:style>
+          <a:lnRef idx="2">
+            <a:schemeClr val="accent1">
+              <a:shade val="50000"/>
+            </a:schemeClr>
+          </a:lnRef>
+          <a:fillRef idx="1">
+            <a:schemeClr val="accent1"/>
+          </a:fillRef>
+          <a:effectRef idx="0">
+            <a:schemeClr val="accent1"/>
+          </a:effectRef>
+          <a:fontRef idx="minor">
+            <a:schemeClr val="lt1"/>
+          </a:fontRef>
+        </p:style>
+      </p:cxnSp>
+      <p:cxnSp>
+        <p:nvCxnSpPr>
+          <p:cNvPr id="24" name="Connecteur droit 23">
+            <a:extLst>
+              <a:ext uri="{FF2B5EF4-FFF2-40B4-BE49-F238E27FC236}">
+                <a16:creationId xmlns:a16="http://schemas.microsoft.com/office/drawing/2014/main" id="{419E6C69-F7DC-0316-44A5-385751940AED}"/>
+              </a:ext>
+            </a:extLst>
+          </p:cNvPr>
+          <p:cNvCxnSpPr>
+            <a:cxnSpLocks/>
+          </p:cNvCxnSpPr>
+          <p:nvPr/>
+        </p:nvCxnSpPr>
+        <p:spPr>
+          <a:xfrm>
+            <a:off x="3939954" y="1989882"/>
+            <a:ext cx="720000" cy="0"/>
+          </a:xfrm>
+          <a:prstGeom prst="line">
+            <a:avLst/>
+          </a:prstGeom>
+          <a:solidFill>
+            <a:schemeClr val="bg1"/>
+          </a:solidFill>
+          <a:ln w="28575">
+            <a:solidFill>
+              <a:srgbClr val="7030A0"/>
+            </a:solidFill>
+          </a:ln>
+        </p:spPr>
+        <p:style>
+          <a:lnRef idx="2">
+            <a:schemeClr val="accent1">
+              <a:shade val="50000"/>
+            </a:schemeClr>
+          </a:lnRef>
+          <a:fillRef idx="1">
+            <a:schemeClr val="accent1"/>
+          </a:fillRef>
+          <a:effectRef idx="0">
+            <a:schemeClr val="accent1"/>
+          </a:effectRef>
+          <a:fontRef idx="minor">
+            <a:schemeClr val="lt1"/>
+          </a:fontRef>
+        </p:style>
+      </p:cxnSp>
+      <p:sp>
+        <p:nvSpPr>
+          <p:cNvPr id="22" name="Rectangle 21">
+            <a:extLst>
+              <a:ext uri="{FF2B5EF4-FFF2-40B4-BE49-F238E27FC236}">
+                <a16:creationId xmlns:a16="http://schemas.microsoft.com/office/drawing/2014/main" id="{C1B9B700-CF80-4993-1363-19B22CF5328D}"/>
+              </a:ext>
+            </a:extLst>
+          </p:cNvPr>
+          <p:cNvSpPr/>
+          <p:nvPr/>
+        </p:nvSpPr>
+        <p:spPr>
+          <a:xfrm>
+            <a:off x="6585954" y="2043227"/>
+            <a:ext cx="468000" cy="144000"/>
+          </a:xfrm>
+          <a:prstGeom prst="rect">
+            <a:avLst/>
+          </a:prstGeom>
+          <a:solidFill>
+            <a:schemeClr val="bg1"/>
+          </a:solidFill>
+          <a:ln w="28575">
+            <a:solidFill>
+              <a:schemeClr val="accent1">
+                <a:lumMod val="50000"/>
+              </a:schemeClr>
+            </a:solidFill>
+          </a:ln>
+        </p:spPr>
+        <p:style>
+          <a:lnRef idx="2">
+            <a:schemeClr val="accent1">
+              <a:shade val="50000"/>
+            </a:schemeClr>
+          </a:lnRef>
+          <a:fillRef idx="1">
+            <a:schemeClr val="accent1"/>
+          </a:fillRef>
+          <a:effectRef idx="0">
+            <a:schemeClr val="accent1"/>
+          </a:effectRef>
+          <a:fontRef idx="minor">
+            <a:schemeClr val="lt1"/>
+          </a:fontRef>
+        </p:style>
+        <p:txBody>
+          <a:bodyPr rtlCol="0" anchor="ctr"/>
+          <a:lstStyle/>
+          <a:p>
+            <a:pPr algn="ctr"/>
+            <a:endParaRPr lang="fr-FR"/>
+          </a:p>
+        </p:txBody>
+      </p:sp>
+      <p:sp>
+        <p:nvSpPr>
+          <p:cNvPr id="20" name="Arc 19">
+            <a:extLst>
+              <a:ext uri="{FF2B5EF4-FFF2-40B4-BE49-F238E27FC236}">
+                <a16:creationId xmlns:a16="http://schemas.microsoft.com/office/drawing/2014/main" id="{9A9E1B3D-DDC9-D643-D638-F1A4F560EE1D}"/>
+              </a:ext>
+            </a:extLst>
+          </p:cNvPr>
+          <p:cNvSpPr/>
+          <p:nvPr/>
+        </p:nvSpPr>
+        <p:spPr>
+          <a:xfrm>
+            <a:off x="4479954" y="1809882"/>
+            <a:ext cx="360000" cy="360000"/>
+          </a:xfrm>
+          <a:prstGeom prst="arc">
+            <a:avLst>
+              <a:gd name="adj1" fmla="val 857438"/>
+              <a:gd name="adj2" fmla="val 10008154"/>
+            </a:avLst>
+          </a:prstGeom>
+          <a:solidFill>
+            <a:schemeClr val="bg1"/>
+          </a:solidFill>
+          <a:ln w="28575">
+            <a:solidFill>
+              <a:schemeClr val="accent1">
+                <a:lumMod val="50000"/>
+              </a:schemeClr>
+            </a:solidFill>
+          </a:ln>
+        </p:spPr>
+        <p:style>
+          <a:lnRef idx="2">
+            <a:schemeClr val="accent1">
+              <a:shade val="50000"/>
+            </a:schemeClr>
+          </a:lnRef>
+          <a:fillRef idx="1">
+            <a:schemeClr val="accent1"/>
+          </a:fillRef>
+          <a:effectRef idx="0">
+            <a:schemeClr val="accent1"/>
+          </a:effectRef>
+          <a:fontRef idx="minor">
+            <a:schemeClr val="lt1"/>
+          </a:fontRef>
+        </p:style>
+        <p:txBody>
+          <a:bodyPr rtlCol="0" anchor="ctr"/>
+          <a:lstStyle/>
+          <a:p>
+            <a:pPr algn="ctr"/>
+            <a:endParaRPr lang="fr-FR">
+              <a:solidFill>
+                <a:schemeClr val="lt1"/>
+              </a:solidFill>
+            </a:endParaRPr>
+          </a:p>
+        </p:txBody>
+      </p:sp>
+      <p:sp>
+        <p:nvSpPr>
+          <p:cNvPr id="4" name="Ellipse 3">
+            <a:extLst>
+              <a:ext uri="{FF2B5EF4-FFF2-40B4-BE49-F238E27FC236}">
+                <a16:creationId xmlns:a16="http://schemas.microsoft.com/office/drawing/2014/main" id="{2B73D1EA-FA48-A88E-2C82-7210DF13B222}"/>
+              </a:ext>
+            </a:extLst>
+          </p:cNvPr>
+          <p:cNvSpPr/>
+          <p:nvPr/>
+        </p:nvSpPr>
+        <p:spPr>
+          <a:xfrm>
+            <a:off x="4515954" y="1845882"/>
+            <a:ext cx="288000" cy="288000"/>
+          </a:xfrm>
+          <a:prstGeom prst="ellipse">
+            <a:avLst/>
+          </a:prstGeom>
+          <a:solidFill>
+            <a:schemeClr val="bg1"/>
+          </a:solidFill>
+          <a:ln w="28575">
+            <a:solidFill>
+              <a:srgbClr val="7030A0"/>
+            </a:solidFill>
+          </a:ln>
+        </p:spPr>
+        <p:style>
+          <a:lnRef idx="2">
+            <a:schemeClr val="accent1">
+              <a:shade val="50000"/>
+            </a:schemeClr>
+          </a:lnRef>
+          <a:fillRef idx="1">
+            <a:schemeClr val="accent1"/>
+          </a:fillRef>
+          <a:effectRef idx="0">
+            <a:schemeClr val="accent1"/>
+          </a:effectRef>
+          <a:fontRef idx="minor">
+            <a:schemeClr val="lt1"/>
+          </a:fontRef>
+        </p:style>
+        <p:txBody>
+          <a:bodyPr rtlCol="0" anchor="ctr"/>
+          <a:lstStyle/>
+          <a:p>
+            <a:pPr algn="ctr"/>
+            <a:endParaRPr lang="fr-FR"/>
+          </a:p>
+        </p:txBody>
+      </p:sp>
+      <p:sp>
+        <p:nvSpPr>
+          <p:cNvPr id="5" name="Ellipse 4">
+            <a:extLst>
+              <a:ext uri="{FF2B5EF4-FFF2-40B4-BE49-F238E27FC236}">
+                <a16:creationId xmlns:a16="http://schemas.microsoft.com/office/drawing/2014/main" id="{FF4125D3-B40D-1102-AF1F-AC49C21130B0}"/>
+              </a:ext>
+            </a:extLst>
+          </p:cNvPr>
+          <p:cNvSpPr/>
+          <p:nvPr/>
+        </p:nvSpPr>
+        <p:spPr>
+          <a:xfrm>
+            <a:off x="6675954" y="1845882"/>
+            <a:ext cx="288000" cy="288000"/>
+          </a:xfrm>
+          <a:prstGeom prst="ellipse">
+            <a:avLst/>
+          </a:prstGeom>
+          <a:solidFill>
+            <a:schemeClr val="bg1"/>
+          </a:solidFill>
+          <a:ln w="28575">
+            <a:solidFill>
+              <a:srgbClr val="7030A0"/>
+            </a:solidFill>
+          </a:ln>
+        </p:spPr>
+        <p:style>
+          <a:lnRef idx="2">
+            <a:schemeClr val="accent1">
+              <a:shade val="50000"/>
+            </a:schemeClr>
+          </a:lnRef>
+          <a:fillRef idx="1">
+            <a:schemeClr val="accent1"/>
+          </a:fillRef>
+          <a:effectRef idx="0">
+            <a:schemeClr val="accent1"/>
+          </a:effectRef>
+          <a:fontRef idx="minor">
+            <a:schemeClr val="lt1"/>
+          </a:fontRef>
+        </p:style>
+        <p:txBody>
+          <a:bodyPr rtlCol="0" anchor="ctr"/>
+          <a:lstStyle/>
+          <a:p>
+            <a:pPr algn="ctr"/>
+            <a:endParaRPr lang="fr-FR"/>
+          </a:p>
+        </p:txBody>
+      </p:sp>
+      <p:cxnSp>
+        <p:nvCxnSpPr>
+          <p:cNvPr id="7" name="Connecteur droit 6">
+            <a:extLst>
+              <a:ext uri="{FF2B5EF4-FFF2-40B4-BE49-F238E27FC236}">
+                <a16:creationId xmlns:a16="http://schemas.microsoft.com/office/drawing/2014/main" id="{34FA399A-B722-EE0F-C3F8-1135C57F47CB}"/>
+              </a:ext>
+            </a:extLst>
+          </p:cNvPr>
+          <p:cNvCxnSpPr>
+            <a:cxnSpLocks/>
+            <a:stCxn id="4" idx="6"/>
+            <a:endCxn id="5" idx="2"/>
+          </p:cNvCxnSpPr>
+          <p:nvPr/>
+        </p:nvCxnSpPr>
+        <p:spPr>
+          <a:xfrm>
+            <a:off x="4803954" y="1989882"/>
+            <a:ext cx="1872000" cy="0"/>
+          </a:xfrm>
+          <a:prstGeom prst="line">
+            <a:avLst/>
+          </a:prstGeom>
+          <a:solidFill>
+            <a:schemeClr val="bg1"/>
+          </a:solidFill>
+          <a:ln w="28575">
+            <a:solidFill>
+              <a:srgbClr val="7030A0"/>
+            </a:solidFill>
+          </a:ln>
+        </p:spPr>
+        <p:style>
+          <a:lnRef idx="2">
+            <a:schemeClr val="accent1">
+              <a:shade val="50000"/>
+            </a:schemeClr>
+          </a:lnRef>
+          <a:fillRef idx="1">
+            <a:schemeClr val="accent1"/>
+          </a:fillRef>
+          <a:effectRef idx="0">
+            <a:schemeClr val="accent1"/>
+          </a:effectRef>
+          <a:fontRef idx="minor">
+            <a:schemeClr val="lt1"/>
+          </a:fontRef>
+        </p:style>
+      </p:cxnSp>
+      <p:cxnSp>
+        <p:nvCxnSpPr>
+          <p:cNvPr id="12" name="Connecteur droit 11">
+            <a:extLst>
+              <a:ext uri="{FF2B5EF4-FFF2-40B4-BE49-F238E27FC236}">
+                <a16:creationId xmlns:a16="http://schemas.microsoft.com/office/drawing/2014/main" id="{C3A9B7BA-686D-0D0C-76AE-2AFFF1BD59A2}"/>
+              </a:ext>
+            </a:extLst>
+          </p:cNvPr>
+          <p:cNvCxnSpPr>
+            <a:cxnSpLocks/>
+          </p:cNvCxnSpPr>
+          <p:nvPr/>
+        </p:nvCxnSpPr>
+        <p:spPr>
+          <a:xfrm flipV="1">
+            <a:off x="3938639" y="1989882"/>
+            <a:ext cx="0" cy="712694"/>
+          </a:xfrm>
+          <a:prstGeom prst="line">
+            <a:avLst/>
+          </a:prstGeom>
+          <a:solidFill>
+            <a:schemeClr val="bg1"/>
+          </a:solidFill>
+          <a:ln w="28575">
+            <a:solidFill>
+              <a:srgbClr val="C00000"/>
+            </a:solidFill>
+            <a:tailEnd type="stealth" w="med" len="lg"/>
+          </a:ln>
+        </p:spPr>
+        <p:style>
+          <a:lnRef idx="2">
+            <a:schemeClr val="accent1">
+              <a:shade val="50000"/>
+            </a:schemeClr>
+          </a:lnRef>
+          <a:fillRef idx="1">
+            <a:schemeClr val="accent1"/>
+          </a:fillRef>
+          <a:effectRef idx="0">
+            <a:schemeClr val="accent1"/>
+          </a:effectRef>
+          <a:fontRef idx="minor">
+            <a:schemeClr val="lt1"/>
+          </a:fontRef>
+        </p:style>
+      </p:cxnSp>
+      <p:cxnSp>
+        <p:nvCxnSpPr>
+          <p:cNvPr id="15" name="Connecteur droit 14">
+            <a:extLst>
+              <a:ext uri="{FF2B5EF4-FFF2-40B4-BE49-F238E27FC236}">
+                <a16:creationId xmlns:a16="http://schemas.microsoft.com/office/drawing/2014/main" id="{53C3C478-37F2-BA19-8C53-FC72D2FBC844}"/>
+              </a:ext>
+            </a:extLst>
+          </p:cNvPr>
+          <p:cNvCxnSpPr>
+            <a:cxnSpLocks/>
+          </p:cNvCxnSpPr>
+          <p:nvPr/>
+        </p:nvCxnSpPr>
+        <p:spPr>
+          <a:xfrm>
+            <a:off x="7539954" y="1989882"/>
+            <a:ext cx="0" cy="531770"/>
+          </a:xfrm>
+          <a:prstGeom prst="line">
+            <a:avLst/>
+          </a:prstGeom>
+          <a:solidFill>
+            <a:schemeClr val="bg1"/>
+          </a:solidFill>
+          <a:ln w="28575">
+            <a:solidFill>
+              <a:srgbClr val="C00000"/>
+            </a:solidFill>
+            <a:tailEnd type="stealth" w="med" len="lg"/>
+          </a:ln>
+        </p:spPr>
+        <p:style>
+          <a:lnRef idx="2">
+            <a:schemeClr val="accent1">
+              <a:shade val="50000"/>
+            </a:schemeClr>
+          </a:lnRef>
+          <a:fillRef idx="1">
+            <a:schemeClr val="accent1"/>
+          </a:fillRef>
+          <a:effectRef idx="0">
+            <a:schemeClr val="accent1"/>
+          </a:effectRef>
+          <a:fontRef idx="minor">
+            <a:schemeClr val="lt1"/>
+          </a:fontRef>
+        </p:style>
+      </p:cxnSp>
+      <mc:AlternateContent xmlns:mc="http://schemas.openxmlformats.org/markup-compatibility/2006" xmlns:a14="http://schemas.microsoft.com/office/drawing/2010/main">
+        <mc:Choice Requires="a14">
+          <p:sp>
+            <p:nvSpPr>
+              <p:cNvPr id="17" name="ZoneTexte 16">
+                <a:extLst>
+                  <a:ext uri="{FF2B5EF4-FFF2-40B4-BE49-F238E27FC236}">
+                    <a16:creationId xmlns:a16="http://schemas.microsoft.com/office/drawing/2014/main" id="{5853C66E-F7C5-9D45-4609-DAC8FD58D6DE}"/>
+                  </a:ext>
+                </a:extLst>
+              </p:cNvPr>
+              <p:cNvSpPr txBox="1"/>
+              <p:nvPr/>
+            </p:nvSpPr>
+            <p:spPr>
+              <a:xfrm>
+                <a:off x="3185368" y="2282129"/>
+                <a:ext cx="708271" cy="208903"/>
+              </a:xfrm>
+              <a:prstGeom prst="rect">
+                <a:avLst/>
+              </a:prstGeom>
+              <a:noFill/>
+            </p:spPr>
+            <p:txBody>
+              <a:bodyPr wrap="none" lIns="0" tIns="0" rIns="0" bIns="0" rtlCol="0">
+                <a:spAutoFit/>
+              </a:bodyPr>
+              <a:lstStyle/>
+              <a:p>
+                <a:pPr/>
+                <a14:m>
+                  <m:oMathPara xmlns:m="http://schemas.openxmlformats.org/officeDocument/2006/math">
+                    <m:oMathParaPr>
+                      <m:jc m:val="centerGroup"/>
+                    </m:oMathParaPr>
+                    <m:oMath xmlns:m="http://schemas.openxmlformats.org/officeDocument/2006/math">
+                      <m:acc>
+                        <m:accPr>
+                          <m:chr m:val="⃗"/>
+                          <m:ctrlPr>
+                            <a:rPr lang="fr-FR" sz="1100" b="0" i="1" smtClean="0">
+                              <a:latin typeface="Cambria Math" panose="02040503050406030204" pitchFamily="18" charset="0"/>
+                            </a:rPr>
+                          </m:ctrlPr>
+                        </m:accPr>
+                        <m:e>
+                          <m:sSub>
+                            <m:sSubPr>
+                              <m:ctrlPr>
+                                <a:rPr lang="fr-FR" sz="1100" i="1">
+                                  <a:latin typeface="Cambria Math" panose="02040503050406030204" pitchFamily="18" charset="0"/>
+                                </a:rPr>
+                              </m:ctrlPr>
+                            </m:sSubPr>
+                            <m:e>
+                              <m:r>
+                                <a:rPr lang="fr-FR" sz="1100" i="1">
+                                  <a:latin typeface="Cambria Math" panose="02040503050406030204" pitchFamily="18" charset="0"/>
+                                </a:rPr>
+                                <m:t>𝐹</m:t>
+                              </m:r>
+                            </m:e>
+                            <m:sub>
+                              <m:r>
+                                <a:rPr lang="fr-FR" sz="1100" i="1">
+                                  <a:latin typeface="Cambria Math" panose="02040503050406030204" pitchFamily="18" charset="0"/>
+                                </a:rPr>
+                                <m:t>𝑙𝑎𝑚𝑒</m:t>
+                              </m:r>
+                              <m:r>
+                                <m:rPr>
+                                  <m:lit/>
+                                </m:rPr>
+                                <a:rPr lang="fr-FR" sz="1100" i="1">
+                                  <a:latin typeface="Cambria Math" panose="02040503050406030204" pitchFamily="18" charset="0"/>
+                                </a:rPr>
+                                <m:t>/</m:t>
+                              </m:r>
+                              <m:r>
+                                <a:rPr lang="fr-FR" sz="1100" i="1">
+                                  <a:latin typeface="Cambria Math" panose="02040503050406030204" pitchFamily="18" charset="0"/>
+                                </a:rPr>
+                                <m:t>𝑎𝑟𝑏𝑟𝑒</m:t>
+                              </m:r>
+                            </m:sub>
+                          </m:sSub>
+                        </m:e>
+                      </m:acc>
+                    </m:oMath>
+                  </m:oMathPara>
+                </a14:m>
+                <a:endParaRPr lang="fr-FR" dirty="0"/>
+              </a:p>
+            </p:txBody>
+          </p:sp>
+        </mc:Choice>
+        <mc:Fallback xmlns="">
+          <p:sp>
+            <p:nvSpPr>
+              <p:cNvPr id="17" name="ZoneTexte 16">
+                <a:extLst>
+                  <a:ext uri="{FF2B5EF4-FFF2-40B4-BE49-F238E27FC236}">
+                    <a16:creationId xmlns:a16="http://schemas.microsoft.com/office/drawing/2014/main" id="{5853C66E-F7C5-9D45-4609-DAC8FD58D6DE}"/>
+                  </a:ext>
+                </a:extLst>
+              </p:cNvPr>
+              <p:cNvSpPr txBox="1">
+                <a:spLocks noRot="1" noChangeAspect="1" noMove="1" noResize="1" noEditPoints="1" noAdjustHandles="1" noChangeArrowheads="1" noChangeShapeType="1" noTextEdit="1"/>
+              </p:cNvSpPr>
+              <p:nvPr/>
+            </p:nvSpPr>
+            <p:spPr>
+              <a:xfrm>
+                <a:off x="3185368" y="2282129"/>
+                <a:ext cx="708271" cy="208903"/>
+              </a:xfrm>
+              <a:prstGeom prst="rect">
+                <a:avLst/>
+              </a:prstGeom>
+              <a:blipFill>
+                <a:blip r:embed="rId2"/>
+                <a:stretch>
+                  <a:fillRect l="-4310" r="-1724" b="-25714"/>
+                </a:stretch>
+              </a:blipFill>
+            </p:spPr>
+            <p:txBody>
+              <a:bodyPr/>
+              <a:lstStyle/>
+              <a:p>
+                <a:r>
+                  <a:rPr lang="fr-FR">
+                    <a:noFill/>
+                  </a:rPr>
+                  <a:t> </a:t>
+                </a:r>
+              </a:p>
+            </p:txBody>
+          </p:sp>
+        </mc:Fallback>
+      </mc:AlternateContent>
+      <mc:AlternateContent xmlns:mc="http://schemas.openxmlformats.org/markup-compatibility/2006" xmlns:a14="http://schemas.microsoft.com/office/drawing/2010/main">
+        <mc:Choice Requires="a14">
+          <p:sp>
+            <p:nvSpPr>
+              <p:cNvPr id="19" name="ZoneTexte 18">
+                <a:extLst>
+                  <a:ext uri="{FF2B5EF4-FFF2-40B4-BE49-F238E27FC236}">
+                    <a16:creationId xmlns:a16="http://schemas.microsoft.com/office/drawing/2014/main" id="{8006ADE4-EE8F-25FA-7E75-529D7061EE5E}"/>
+                  </a:ext>
+                </a:extLst>
+              </p:cNvPr>
+              <p:cNvSpPr txBox="1"/>
+              <p:nvPr/>
+            </p:nvSpPr>
+            <p:spPr>
+              <a:xfrm>
+                <a:off x="7629954" y="2106838"/>
+                <a:ext cx="897425" cy="208903"/>
+              </a:xfrm>
+              <a:prstGeom prst="rect">
+                <a:avLst/>
+              </a:prstGeom>
+              <a:noFill/>
+            </p:spPr>
+            <p:txBody>
+              <a:bodyPr wrap="none" lIns="0" tIns="0" rIns="0" bIns="0" rtlCol="0">
+                <a:spAutoFit/>
+              </a:bodyPr>
+              <a:lstStyle/>
+              <a:p>
+                <a:pPr/>
+                <a14:m>
+                  <m:oMathPara xmlns:m="http://schemas.openxmlformats.org/officeDocument/2006/math">
+                    <m:oMathParaPr>
+                      <m:jc m:val="centerGroup"/>
+                    </m:oMathParaPr>
+                    <m:oMath xmlns:m="http://schemas.openxmlformats.org/officeDocument/2006/math">
+                      <m:acc>
+                        <m:accPr>
+                          <m:chr m:val="⃗"/>
+                          <m:ctrlPr>
+                            <a:rPr lang="fr-FR" sz="1100" b="0" i="1" smtClean="0">
+                              <a:latin typeface="Cambria Math" panose="02040503050406030204" pitchFamily="18" charset="0"/>
+                            </a:rPr>
+                          </m:ctrlPr>
+                        </m:accPr>
+                        <m:e>
+                          <m:sSub>
+                            <m:sSubPr>
+                              <m:ctrlPr>
+                                <a:rPr lang="fr-FR" sz="1100" i="1">
+                                  <a:latin typeface="Cambria Math" panose="02040503050406030204" pitchFamily="18" charset="0"/>
+                                </a:rPr>
+                              </m:ctrlPr>
+                            </m:sSubPr>
+                            <m:e>
+                              <m:r>
+                                <a:rPr lang="fr-FR" sz="1100" i="1">
+                                  <a:latin typeface="Cambria Math" panose="02040503050406030204" pitchFamily="18" charset="0"/>
+                                </a:rPr>
+                                <m:t>𝐹</m:t>
+                              </m:r>
+                            </m:e>
+                            <m:sub>
+                              <m:r>
+                                <a:rPr lang="fr-FR" sz="1100" b="0" i="1" smtClean="0">
+                                  <a:latin typeface="Cambria Math" panose="02040503050406030204" pitchFamily="18" charset="0"/>
+                                </a:rPr>
+                                <m:t>𝑐𝑜𝑢𝑟𝑟𝑜𝑖𝑒</m:t>
+                              </m:r>
+                              <m:r>
+                                <m:rPr>
+                                  <m:lit/>
+                                </m:rPr>
+                                <a:rPr lang="fr-FR" sz="1100" i="1">
+                                  <a:latin typeface="Cambria Math" panose="02040503050406030204" pitchFamily="18" charset="0"/>
+                                </a:rPr>
+                                <m:t>/</m:t>
+                              </m:r>
+                              <m:r>
+                                <a:rPr lang="fr-FR" sz="1100" i="1">
+                                  <a:latin typeface="Cambria Math" panose="02040503050406030204" pitchFamily="18" charset="0"/>
+                                </a:rPr>
+                                <m:t>𝑎𝑟𝑏𝑟𝑒</m:t>
+                              </m:r>
+                            </m:sub>
+                          </m:sSub>
+                        </m:e>
+                      </m:acc>
+                    </m:oMath>
+                  </m:oMathPara>
+                </a14:m>
+                <a:endParaRPr lang="fr-FR" dirty="0"/>
+              </a:p>
+            </p:txBody>
+          </p:sp>
+        </mc:Choice>
+        <mc:Fallback xmlns="">
+          <p:sp>
+            <p:nvSpPr>
+              <p:cNvPr id="19" name="ZoneTexte 18">
+                <a:extLst>
+                  <a:ext uri="{FF2B5EF4-FFF2-40B4-BE49-F238E27FC236}">
+                    <a16:creationId xmlns:a16="http://schemas.microsoft.com/office/drawing/2014/main" id="{8006ADE4-EE8F-25FA-7E75-529D7061EE5E}"/>
+                  </a:ext>
+                </a:extLst>
+              </p:cNvPr>
+              <p:cNvSpPr txBox="1">
+                <a:spLocks noRot="1" noChangeAspect="1" noMove="1" noResize="1" noEditPoints="1" noAdjustHandles="1" noChangeArrowheads="1" noChangeShapeType="1" noTextEdit="1"/>
+              </p:cNvSpPr>
+              <p:nvPr/>
+            </p:nvSpPr>
+            <p:spPr>
+              <a:xfrm>
+                <a:off x="7629954" y="2106838"/>
+                <a:ext cx="897425" cy="208903"/>
+              </a:xfrm>
+              <a:prstGeom prst="rect">
+                <a:avLst/>
+              </a:prstGeom>
+              <a:blipFill>
+                <a:blip r:embed="rId3"/>
+                <a:stretch>
+                  <a:fillRect l="-3401" r="-1361" b="-26471"/>
+                </a:stretch>
+              </a:blipFill>
+            </p:spPr>
+            <p:txBody>
+              <a:bodyPr/>
+              <a:lstStyle/>
+              <a:p>
+                <a:r>
+                  <a:rPr lang="fr-FR">
+                    <a:noFill/>
+                  </a:rPr>
+                  <a:t> </a:t>
+                </a:r>
+              </a:p>
+            </p:txBody>
+          </p:sp>
+        </mc:Fallback>
+      </mc:AlternateContent>
+      <p:cxnSp>
+        <p:nvCxnSpPr>
+          <p:cNvPr id="23" name="Connecteur droit 22">
+            <a:extLst>
+              <a:ext uri="{FF2B5EF4-FFF2-40B4-BE49-F238E27FC236}">
+                <a16:creationId xmlns:a16="http://schemas.microsoft.com/office/drawing/2014/main" id="{BA6878E0-BA88-A381-C274-546397C3A09A}"/>
+              </a:ext>
+            </a:extLst>
+          </p:cNvPr>
+          <p:cNvCxnSpPr>
+            <a:cxnSpLocks/>
+          </p:cNvCxnSpPr>
+          <p:nvPr/>
+        </p:nvCxnSpPr>
+        <p:spPr>
+          <a:xfrm>
+            <a:off x="4659954" y="2169882"/>
+            <a:ext cx="0" cy="216699"/>
+          </a:xfrm>
+          <a:prstGeom prst="line">
+            <a:avLst/>
+          </a:prstGeom>
+          <a:solidFill>
+            <a:schemeClr val="bg1"/>
+          </a:solidFill>
+          <a:ln w="28575">
+            <a:solidFill>
+              <a:schemeClr val="accent1">
+                <a:lumMod val="50000"/>
+              </a:schemeClr>
+            </a:solidFill>
+          </a:ln>
+        </p:spPr>
+        <p:style>
+          <a:lnRef idx="2">
+            <a:schemeClr val="accent1">
+              <a:shade val="50000"/>
+            </a:schemeClr>
+          </a:lnRef>
+          <a:fillRef idx="1">
+            <a:schemeClr val="accent1"/>
+          </a:fillRef>
+          <a:effectRef idx="0">
+            <a:schemeClr val="accent1"/>
+          </a:effectRef>
+          <a:fontRef idx="minor">
+            <a:schemeClr val="lt1"/>
+          </a:fontRef>
+        </p:style>
+      </p:cxnSp>
+      <p:cxnSp>
+        <p:nvCxnSpPr>
+          <p:cNvPr id="27" name="Connecteur droit 26">
+            <a:extLst>
+              <a:ext uri="{FF2B5EF4-FFF2-40B4-BE49-F238E27FC236}">
+                <a16:creationId xmlns:a16="http://schemas.microsoft.com/office/drawing/2014/main" id="{59441FA6-98EC-AC94-F34B-2595115CFB6B}"/>
+              </a:ext>
+            </a:extLst>
+          </p:cNvPr>
+          <p:cNvCxnSpPr>
+            <a:cxnSpLocks/>
+            <a:endCxn id="22" idx="2"/>
+          </p:cNvCxnSpPr>
+          <p:nvPr/>
+        </p:nvCxnSpPr>
+        <p:spPr>
+          <a:xfrm flipV="1">
+            <a:off x="6819954" y="2187227"/>
+            <a:ext cx="0" cy="208903"/>
+          </a:xfrm>
+          <a:prstGeom prst="line">
+            <a:avLst/>
+          </a:prstGeom>
+          <a:solidFill>
+            <a:schemeClr val="bg1"/>
+          </a:solidFill>
+          <a:ln w="28575">
+            <a:solidFill>
+              <a:schemeClr val="accent1">
+                <a:lumMod val="50000"/>
+              </a:schemeClr>
+            </a:solidFill>
+          </a:ln>
+        </p:spPr>
+        <p:style>
+          <a:lnRef idx="2">
+            <a:schemeClr val="accent1">
+              <a:shade val="50000"/>
+            </a:schemeClr>
+          </a:lnRef>
+          <a:fillRef idx="1">
+            <a:schemeClr val="accent1"/>
+          </a:fillRef>
+          <a:effectRef idx="0">
+            <a:schemeClr val="accent1"/>
+          </a:effectRef>
+          <a:fontRef idx="minor">
+            <a:schemeClr val="lt1"/>
+          </a:fontRef>
+        </p:style>
+      </p:cxnSp>
+      <p:cxnSp>
+        <p:nvCxnSpPr>
+          <p:cNvPr id="30" name="Connecteur droit 29">
+            <a:extLst>
+              <a:ext uri="{FF2B5EF4-FFF2-40B4-BE49-F238E27FC236}">
+                <a16:creationId xmlns:a16="http://schemas.microsoft.com/office/drawing/2014/main" id="{8ED62A41-204D-F5CA-65A4-85C063973BD9}"/>
+              </a:ext>
+            </a:extLst>
+          </p:cNvPr>
+          <p:cNvCxnSpPr>
+            <a:cxnSpLocks/>
+          </p:cNvCxnSpPr>
+          <p:nvPr/>
+        </p:nvCxnSpPr>
+        <p:spPr>
+          <a:xfrm flipH="1">
+            <a:off x="4645659" y="2396130"/>
+            <a:ext cx="2174295" cy="0"/>
+          </a:xfrm>
+          <a:prstGeom prst="line">
+            <a:avLst/>
+          </a:prstGeom>
+          <a:solidFill>
+            <a:schemeClr val="bg1"/>
+          </a:solidFill>
+          <a:ln w="28575">
+            <a:solidFill>
+              <a:schemeClr val="accent1">
+                <a:lumMod val="50000"/>
+              </a:schemeClr>
+            </a:solidFill>
+          </a:ln>
+        </p:spPr>
+        <p:style>
+          <a:lnRef idx="2">
+            <a:schemeClr val="accent1">
+              <a:shade val="50000"/>
+            </a:schemeClr>
+          </a:lnRef>
+          <a:fillRef idx="1">
+            <a:schemeClr val="accent1"/>
+          </a:fillRef>
+          <a:effectRef idx="0">
+            <a:schemeClr val="accent1"/>
+          </a:effectRef>
+          <a:fontRef idx="minor">
+            <a:schemeClr val="lt1"/>
+          </a:fontRef>
+        </p:style>
+      </p:cxnSp>
+      <p:cxnSp>
+        <p:nvCxnSpPr>
+          <p:cNvPr id="34" name="Connecteur droit 33">
+            <a:extLst>
+              <a:ext uri="{FF2B5EF4-FFF2-40B4-BE49-F238E27FC236}">
+                <a16:creationId xmlns:a16="http://schemas.microsoft.com/office/drawing/2014/main" id="{1BADC16F-3A93-FCAE-B5EE-03138BE21FB3}"/>
+              </a:ext>
+            </a:extLst>
+          </p:cNvPr>
+          <p:cNvCxnSpPr>
+            <a:cxnSpLocks/>
+          </p:cNvCxnSpPr>
+          <p:nvPr/>
+        </p:nvCxnSpPr>
+        <p:spPr>
+          <a:xfrm>
+            <a:off x="5771147" y="2397171"/>
+            <a:ext cx="0" cy="216699"/>
+          </a:xfrm>
+          <a:prstGeom prst="line">
+            <a:avLst/>
+          </a:prstGeom>
+          <a:solidFill>
+            <a:schemeClr val="bg1"/>
+          </a:solidFill>
+          <a:ln w="28575">
+            <a:solidFill>
+              <a:schemeClr val="accent1">
+                <a:lumMod val="50000"/>
+              </a:schemeClr>
+            </a:solidFill>
+          </a:ln>
+        </p:spPr>
+        <p:style>
+          <a:lnRef idx="2">
+            <a:schemeClr val="accent1">
+              <a:shade val="50000"/>
+            </a:schemeClr>
+          </a:lnRef>
+          <a:fillRef idx="1">
+            <a:schemeClr val="accent1"/>
+          </a:fillRef>
+          <a:effectRef idx="0">
+            <a:schemeClr val="accent1"/>
+          </a:effectRef>
+          <a:fontRef idx="minor">
+            <a:schemeClr val="lt1"/>
+          </a:fontRef>
+        </p:style>
+      </p:cxnSp>
+      <p:sp>
+        <p:nvSpPr>
+          <p:cNvPr id="36" name="Forme libre : forme 35">
+            <a:extLst>
+              <a:ext uri="{FF2B5EF4-FFF2-40B4-BE49-F238E27FC236}">
+                <a16:creationId xmlns:a16="http://schemas.microsoft.com/office/drawing/2014/main" id="{C8885A49-7B79-5CAF-98DC-D234F195286B}"/>
+              </a:ext>
+            </a:extLst>
+          </p:cNvPr>
+          <p:cNvSpPr/>
+          <p:nvPr/>
+        </p:nvSpPr>
+        <p:spPr>
+          <a:xfrm>
+            <a:off x="5567193" y="2605034"/>
+            <a:ext cx="418531" cy="153602"/>
+          </a:xfrm>
+          <a:custGeom>
+            <a:avLst/>
+            <a:gdLst>
+              <a:gd name="connsiteX0" fmla="*/ 0 w 418531"/>
+              <a:gd name="connsiteY0" fmla="*/ 9098 h 153602"/>
+              <a:gd name="connsiteX1" fmla="*/ 77337 w 418531"/>
+              <a:gd name="connsiteY1" fmla="*/ 150125 h 153602"/>
+              <a:gd name="connsiteX2" fmla="*/ 181970 w 418531"/>
+              <a:gd name="connsiteY2" fmla="*/ 109182 h 153602"/>
+              <a:gd name="connsiteX3" fmla="*/ 332095 w 418531"/>
+              <a:gd name="connsiteY3" fmla="*/ 150125 h 153602"/>
+              <a:gd name="connsiteX4" fmla="*/ 418531 w 418531"/>
+              <a:gd name="connsiteY4" fmla="*/ 0 h 153602"/>
+            </a:gdLst>
+            <a:ahLst/>
+            <a:cxnLst>
+              <a:cxn ang="0">
+                <a:pos x="connsiteX0" y="connsiteY0"/>
+              </a:cxn>
+              <a:cxn ang="0">
+                <a:pos x="connsiteX1" y="connsiteY1"/>
+              </a:cxn>
+              <a:cxn ang="0">
+                <a:pos x="connsiteX2" y="connsiteY2"/>
+              </a:cxn>
+              <a:cxn ang="0">
+                <a:pos x="connsiteX3" y="connsiteY3"/>
+              </a:cxn>
+              <a:cxn ang="0">
+                <a:pos x="connsiteX4" y="connsiteY4"/>
+              </a:cxn>
+            </a:cxnLst>
+            <a:rect l="l" t="t" r="r" b="b"/>
+            <a:pathLst>
+              <a:path w="418531" h="153602">
+                <a:moveTo>
+                  <a:pt x="0" y="9098"/>
+                </a:moveTo>
+                <a:cubicBezTo>
+                  <a:pt x="23504" y="71271"/>
+                  <a:pt x="47009" y="133444"/>
+                  <a:pt x="77337" y="150125"/>
+                </a:cubicBezTo>
+                <a:cubicBezTo>
+                  <a:pt x="107665" y="166806"/>
+                  <a:pt x="139510" y="109182"/>
+                  <a:pt x="181970" y="109182"/>
+                </a:cubicBezTo>
+                <a:cubicBezTo>
+                  <a:pt x="224430" y="109182"/>
+                  <a:pt x="292668" y="168322"/>
+                  <a:pt x="332095" y="150125"/>
+                </a:cubicBezTo>
+                <a:cubicBezTo>
+                  <a:pt x="371522" y="131928"/>
+                  <a:pt x="395026" y="65964"/>
+                  <a:pt x="418531" y="0"/>
+                </a:cubicBezTo>
+              </a:path>
+            </a:pathLst>
+          </a:custGeom>
+          <a:solidFill>
+            <a:schemeClr val="accent1">
+              <a:lumMod val="20000"/>
+              <a:lumOff val="80000"/>
+            </a:schemeClr>
+          </a:solidFill>
+          <a:ln w="12700">
+            <a:solidFill>
+              <a:schemeClr val="accent1">
+                <a:lumMod val="50000"/>
+              </a:schemeClr>
+            </a:solidFill>
+          </a:ln>
+        </p:spPr>
+        <p:style>
+          <a:lnRef idx="2">
+            <a:schemeClr val="accent1">
+              <a:shade val="50000"/>
+            </a:schemeClr>
+          </a:lnRef>
+          <a:fillRef idx="1">
+            <a:schemeClr val="accent1"/>
+          </a:fillRef>
+          <a:effectRef idx="0">
+            <a:schemeClr val="accent1"/>
+          </a:effectRef>
+          <a:fontRef idx="minor">
+            <a:schemeClr val="lt1"/>
+          </a:fontRef>
+        </p:style>
+        <p:txBody>
+          <a:bodyPr rtlCol="0" anchor="ctr"/>
+          <a:lstStyle/>
+          <a:p>
+            <a:pPr algn="ctr"/>
+            <a:endParaRPr lang="fr-FR"/>
+          </a:p>
+        </p:txBody>
+      </p:sp>
+      <p:cxnSp>
+        <p:nvCxnSpPr>
+          <p:cNvPr id="35" name="Connecteur droit 34">
+            <a:extLst>
+              <a:ext uri="{FF2B5EF4-FFF2-40B4-BE49-F238E27FC236}">
+                <a16:creationId xmlns:a16="http://schemas.microsoft.com/office/drawing/2014/main" id="{584EAEEE-4AA8-6ED7-A1D1-B37CD4DB8559}"/>
+              </a:ext>
+            </a:extLst>
+          </p:cNvPr>
+          <p:cNvCxnSpPr>
+            <a:cxnSpLocks/>
+          </p:cNvCxnSpPr>
+          <p:nvPr/>
+        </p:nvCxnSpPr>
+        <p:spPr>
+          <a:xfrm rot="5400000">
+            <a:off x="5771909" y="2397870"/>
+            <a:ext cx="0" cy="432000"/>
+          </a:xfrm>
+          <a:prstGeom prst="line">
+            <a:avLst/>
+          </a:prstGeom>
+          <a:solidFill>
+            <a:schemeClr val="bg1"/>
+          </a:solidFill>
+          <a:ln w="28575">
+            <a:solidFill>
+              <a:schemeClr val="accent1">
+                <a:lumMod val="50000"/>
+              </a:schemeClr>
+            </a:solidFill>
+          </a:ln>
+        </p:spPr>
+        <p:style>
+          <a:lnRef idx="2">
+            <a:schemeClr val="accent1">
+              <a:shade val="50000"/>
+            </a:schemeClr>
+          </a:lnRef>
+          <a:fillRef idx="1">
+            <a:schemeClr val="accent1"/>
+          </a:fillRef>
+          <a:effectRef idx="0">
+            <a:schemeClr val="accent1"/>
+          </a:effectRef>
+          <a:fontRef idx="minor">
+            <a:schemeClr val="lt1"/>
+          </a:fontRef>
+        </p:style>
+      </p:cxnSp>
+      <mc:AlternateContent xmlns:mc="http://schemas.openxmlformats.org/markup-compatibility/2006" xmlns:a14="http://schemas.microsoft.com/office/drawing/2010/main">
+        <mc:Choice Requires="a14">
+          <p:sp>
+            <p:nvSpPr>
+              <p:cNvPr id="37" name="ZoneTexte 36">
+                <a:extLst>
+                  <a:ext uri="{FF2B5EF4-FFF2-40B4-BE49-F238E27FC236}">
+                    <a16:creationId xmlns:a16="http://schemas.microsoft.com/office/drawing/2014/main" id="{9ED1DE3B-9EA9-4E3D-9578-45824CF3B2BD}"/>
+                  </a:ext>
+                </a:extLst>
+              </p:cNvPr>
+              <p:cNvSpPr txBox="1"/>
+              <p:nvPr/>
+            </p:nvSpPr>
+            <p:spPr>
+              <a:xfrm>
+                <a:off x="3878366" y="1780979"/>
+                <a:ext cx="123175" cy="169277"/>
+              </a:xfrm>
+              <a:prstGeom prst="rect">
+                <a:avLst/>
+              </a:prstGeom>
+              <a:noFill/>
+            </p:spPr>
+            <p:txBody>
+              <a:bodyPr wrap="none" lIns="0" tIns="0" rIns="0" bIns="0" rtlCol="0">
+                <a:spAutoFit/>
+              </a:bodyPr>
+              <a:lstStyle/>
+              <a:p>
+                <a:pPr/>
+                <a14:m>
+                  <m:oMathPara xmlns:m="http://schemas.openxmlformats.org/officeDocument/2006/math">
+                    <m:oMathParaPr>
+                      <m:jc m:val="centerGroup"/>
+                    </m:oMathParaPr>
+                    <m:oMath xmlns:m="http://schemas.openxmlformats.org/officeDocument/2006/math">
+                      <m:r>
+                        <a:rPr lang="fr-FR" sz="1100" b="0" i="1" smtClean="0">
+                          <a:latin typeface="Cambria Math" panose="02040503050406030204" pitchFamily="18" charset="0"/>
+                        </a:rPr>
+                        <m:t>𝐴</m:t>
+                      </m:r>
+                    </m:oMath>
+                  </m:oMathPara>
+                </a14:m>
+                <a:endParaRPr lang="fr-FR" dirty="0"/>
+              </a:p>
+            </p:txBody>
+          </p:sp>
+        </mc:Choice>
+        <mc:Fallback xmlns="">
+          <p:sp>
+            <p:nvSpPr>
+              <p:cNvPr id="37" name="ZoneTexte 36">
+                <a:extLst>
+                  <a:ext uri="{FF2B5EF4-FFF2-40B4-BE49-F238E27FC236}">
+                    <a16:creationId xmlns:a16="http://schemas.microsoft.com/office/drawing/2014/main" id="{9ED1DE3B-9EA9-4E3D-9578-45824CF3B2BD}"/>
+                  </a:ext>
+                </a:extLst>
+              </p:cNvPr>
+              <p:cNvSpPr txBox="1">
+                <a:spLocks noRot="1" noChangeAspect="1" noMove="1" noResize="1" noEditPoints="1" noAdjustHandles="1" noChangeArrowheads="1" noChangeShapeType="1" noTextEdit="1"/>
+              </p:cNvSpPr>
+              <p:nvPr/>
+            </p:nvSpPr>
+            <p:spPr>
+              <a:xfrm>
+                <a:off x="3878366" y="1780979"/>
+                <a:ext cx="123175" cy="169277"/>
+              </a:xfrm>
+              <a:prstGeom prst="rect">
+                <a:avLst/>
+              </a:prstGeom>
+              <a:blipFill>
+                <a:blip r:embed="rId4"/>
+                <a:stretch>
+                  <a:fillRect l="-25000" r="-30000" b="-7143"/>
+                </a:stretch>
+              </a:blipFill>
+            </p:spPr>
+            <p:txBody>
+              <a:bodyPr/>
+              <a:lstStyle/>
+              <a:p>
+                <a:r>
+                  <a:rPr lang="fr-FR">
+                    <a:noFill/>
+                  </a:rPr>
+                  <a:t> </a:t>
+                </a:r>
+              </a:p>
+            </p:txBody>
+          </p:sp>
+        </mc:Fallback>
+      </mc:AlternateContent>
+      <mc:AlternateContent xmlns:mc="http://schemas.openxmlformats.org/markup-compatibility/2006" xmlns:a14="http://schemas.microsoft.com/office/drawing/2010/main">
+        <mc:Choice Requires="a14">
+          <p:sp>
+            <p:nvSpPr>
+              <p:cNvPr id="38" name="ZoneTexte 37">
+                <a:extLst>
+                  <a:ext uri="{FF2B5EF4-FFF2-40B4-BE49-F238E27FC236}">
+                    <a16:creationId xmlns:a16="http://schemas.microsoft.com/office/drawing/2014/main" id="{77473007-63BC-B4A4-3B49-AE53B6F779F7}"/>
+                  </a:ext>
+                </a:extLst>
+              </p:cNvPr>
+              <p:cNvSpPr txBox="1"/>
+              <p:nvPr/>
+            </p:nvSpPr>
+            <p:spPr>
+              <a:xfrm>
+                <a:off x="4356884" y="1780979"/>
+                <a:ext cx="128818" cy="169277"/>
+              </a:xfrm>
+              <a:prstGeom prst="rect">
+                <a:avLst/>
+              </a:prstGeom>
+              <a:noFill/>
+            </p:spPr>
+            <p:txBody>
+              <a:bodyPr wrap="none" lIns="0" tIns="0" rIns="0" bIns="0" rtlCol="0">
+                <a:spAutoFit/>
+              </a:bodyPr>
+              <a:lstStyle/>
+              <a:p>
+                <a:pPr/>
+                <a14:m>
+                  <m:oMathPara xmlns:m="http://schemas.openxmlformats.org/officeDocument/2006/math">
+                    <m:oMathParaPr>
+                      <m:jc m:val="centerGroup"/>
+                    </m:oMathParaPr>
+                    <m:oMath xmlns:m="http://schemas.openxmlformats.org/officeDocument/2006/math">
+                      <m:r>
+                        <a:rPr lang="fr-FR" sz="1100" b="0" i="1" smtClean="0">
+                          <a:latin typeface="Cambria Math" panose="02040503050406030204" pitchFamily="18" charset="0"/>
+                        </a:rPr>
+                        <m:t>𝐵</m:t>
+                      </m:r>
+                    </m:oMath>
+                  </m:oMathPara>
+                </a14:m>
+                <a:endParaRPr lang="fr-FR" dirty="0"/>
+              </a:p>
+            </p:txBody>
+          </p:sp>
+        </mc:Choice>
+        <mc:Fallback xmlns="">
+          <p:sp>
+            <p:nvSpPr>
+              <p:cNvPr id="38" name="ZoneTexte 37">
+                <a:extLst>
+                  <a:ext uri="{FF2B5EF4-FFF2-40B4-BE49-F238E27FC236}">
+                    <a16:creationId xmlns:a16="http://schemas.microsoft.com/office/drawing/2014/main" id="{77473007-63BC-B4A4-3B49-AE53B6F779F7}"/>
+                  </a:ext>
+                </a:extLst>
+              </p:cNvPr>
+              <p:cNvSpPr txBox="1">
+                <a:spLocks noRot="1" noChangeAspect="1" noMove="1" noResize="1" noEditPoints="1" noAdjustHandles="1" noChangeArrowheads="1" noChangeShapeType="1" noTextEdit="1"/>
+              </p:cNvSpPr>
+              <p:nvPr/>
+            </p:nvSpPr>
+            <p:spPr>
+              <a:xfrm>
+                <a:off x="4356884" y="1780979"/>
+                <a:ext cx="128818" cy="169277"/>
+              </a:xfrm>
+              <a:prstGeom prst="rect">
+                <a:avLst/>
+              </a:prstGeom>
+              <a:blipFill>
+                <a:blip r:embed="rId5"/>
+                <a:stretch>
+                  <a:fillRect l="-23810" r="-23810" b="-7143"/>
+                </a:stretch>
+              </a:blipFill>
+            </p:spPr>
+            <p:txBody>
+              <a:bodyPr/>
+              <a:lstStyle/>
+              <a:p>
+                <a:r>
+                  <a:rPr lang="fr-FR">
+                    <a:noFill/>
+                  </a:rPr>
+                  <a:t> </a:t>
+                </a:r>
+              </a:p>
+            </p:txBody>
+          </p:sp>
+        </mc:Fallback>
+      </mc:AlternateContent>
+      <mc:AlternateContent xmlns:mc="http://schemas.openxmlformats.org/markup-compatibility/2006" xmlns:a14="http://schemas.microsoft.com/office/drawing/2010/main">
+        <mc:Choice Requires="a14">
+          <p:sp>
+            <p:nvSpPr>
+              <p:cNvPr id="39" name="ZoneTexte 38">
+                <a:extLst>
+                  <a:ext uri="{FF2B5EF4-FFF2-40B4-BE49-F238E27FC236}">
+                    <a16:creationId xmlns:a16="http://schemas.microsoft.com/office/drawing/2014/main" id="{F44610B7-42B0-08B2-1595-F33EC3AA8062}"/>
+                  </a:ext>
+                </a:extLst>
+              </p:cNvPr>
+              <p:cNvSpPr txBox="1"/>
+              <p:nvPr/>
+            </p:nvSpPr>
+            <p:spPr>
+              <a:xfrm>
+                <a:off x="6540982" y="1780979"/>
+                <a:ext cx="123239" cy="169277"/>
+              </a:xfrm>
+              <a:prstGeom prst="rect">
+                <a:avLst/>
+              </a:prstGeom>
+              <a:noFill/>
+            </p:spPr>
+            <p:txBody>
+              <a:bodyPr wrap="none" lIns="0" tIns="0" rIns="0" bIns="0" rtlCol="0">
+                <a:spAutoFit/>
+              </a:bodyPr>
+              <a:lstStyle/>
+              <a:p>
+                <a:pPr/>
+                <a14:m>
+                  <m:oMathPara xmlns:m="http://schemas.openxmlformats.org/officeDocument/2006/math">
+                    <m:oMathParaPr>
+                      <m:jc m:val="centerGroup"/>
+                    </m:oMathParaPr>
+                    <m:oMath xmlns:m="http://schemas.openxmlformats.org/officeDocument/2006/math">
+                      <m:r>
+                        <a:rPr lang="fr-FR" sz="1100" b="0" i="1" smtClean="0">
+                          <a:latin typeface="Cambria Math" panose="02040503050406030204" pitchFamily="18" charset="0"/>
+                        </a:rPr>
+                        <m:t>𝐶</m:t>
+                      </m:r>
+                    </m:oMath>
+                  </m:oMathPara>
+                </a14:m>
+                <a:endParaRPr lang="fr-FR" dirty="0"/>
+              </a:p>
+            </p:txBody>
+          </p:sp>
+        </mc:Choice>
+        <mc:Fallback xmlns="">
+          <p:sp>
+            <p:nvSpPr>
+              <p:cNvPr id="39" name="ZoneTexte 38">
+                <a:extLst>
+                  <a:ext uri="{FF2B5EF4-FFF2-40B4-BE49-F238E27FC236}">
+                    <a16:creationId xmlns:a16="http://schemas.microsoft.com/office/drawing/2014/main" id="{F44610B7-42B0-08B2-1595-F33EC3AA8062}"/>
+                  </a:ext>
+                </a:extLst>
+              </p:cNvPr>
+              <p:cNvSpPr txBox="1">
+                <a:spLocks noRot="1" noChangeAspect="1" noMove="1" noResize="1" noEditPoints="1" noAdjustHandles="1" noChangeArrowheads="1" noChangeShapeType="1" noTextEdit="1"/>
+              </p:cNvSpPr>
+              <p:nvPr/>
+            </p:nvSpPr>
+            <p:spPr>
+              <a:xfrm>
+                <a:off x="6540982" y="1780979"/>
+                <a:ext cx="123239" cy="169277"/>
+              </a:xfrm>
+              <a:prstGeom prst="rect">
+                <a:avLst/>
+              </a:prstGeom>
+              <a:blipFill>
+                <a:blip r:embed="rId6"/>
+                <a:stretch>
+                  <a:fillRect l="-25000" r="-25000" b="-7143"/>
+                </a:stretch>
+              </a:blipFill>
+            </p:spPr>
+            <p:txBody>
+              <a:bodyPr/>
+              <a:lstStyle/>
+              <a:p>
+                <a:r>
+                  <a:rPr lang="fr-FR">
+                    <a:noFill/>
+                  </a:rPr>
+                  <a:t> </a:t>
+                </a:r>
+              </a:p>
+            </p:txBody>
+          </p:sp>
+        </mc:Fallback>
+      </mc:AlternateContent>
+      <mc:AlternateContent xmlns:mc="http://schemas.openxmlformats.org/markup-compatibility/2006" xmlns:a14="http://schemas.microsoft.com/office/drawing/2010/main">
+        <mc:Choice Requires="a14">
+          <p:sp>
+            <p:nvSpPr>
+              <p:cNvPr id="40" name="ZoneTexte 39">
+                <a:extLst>
+                  <a:ext uri="{FF2B5EF4-FFF2-40B4-BE49-F238E27FC236}">
+                    <a16:creationId xmlns:a16="http://schemas.microsoft.com/office/drawing/2014/main" id="{296C7F8F-E7D4-F0C9-5AC5-F98581706E4A}"/>
+                  </a:ext>
+                </a:extLst>
+              </p:cNvPr>
+              <p:cNvSpPr txBox="1"/>
+              <p:nvPr/>
+            </p:nvSpPr>
+            <p:spPr>
+              <a:xfrm>
+                <a:off x="7472981" y="1780979"/>
+                <a:ext cx="133946" cy="169277"/>
+              </a:xfrm>
+              <a:prstGeom prst="rect">
+                <a:avLst/>
+              </a:prstGeom>
+              <a:noFill/>
+            </p:spPr>
+            <p:txBody>
+              <a:bodyPr wrap="none" lIns="0" tIns="0" rIns="0" bIns="0" rtlCol="0">
+                <a:spAutoFit/>
+              </a:bodyPr>
+              <a:lstStyle/>
+              <a:p>
+                <a:pPr/>
+                <a14:m>
+                  <m:oMathPara xmlns:m="http://schemas.openxmlformats.org/officeDocument/2006/math">
+                    <m:oMathParaPr>
+                      <m:jc m:val="centerGroup"/>
+                    </m:oMathParaPr>
+                    <m:oMath xmlns:m="http://schemas.openxmlformats.org/officeDocument/2006/math">
+                      <m:r>
+                        <a:rPr lang="fr-FR" sz="1100" b="0" i="1" smtClean="0">
+                          <a:latin typeface="Cambria Math" panose="02040503050406030204" pitchFamily="18" charset="0"/>
+                        </a:rPr>
+                        <m:t>𝐷</m:t>
+                      </m:r>
+                    </m:oMath>
+                  </m:oMathPara>
+                </a14:m>
+                <a:endParaRPr lang="fr-FR" dirty="0"/>
+              </a:p>
+            </p:txBody>
+          </p:sp>
+        </mc:Choice>
+        <mc:Fallback xmlns="">
+          <p:sp>
+            <p:nvSpPr>
+              <p:cNvPr id="40" name="ZoneTexte 39">
+                <a:extLst>
+                  <a:ext uri="{FF2B5EF4-FFF2-40B4-BE49-F238E27FC236}">
+                    <a16:creationId xmlns:a16="http://schemas.microsoft.com/office/drawing/2014/main" id="{296C7F8F-E7D4-F0C9-5AC5-F98581706E4A}"/>
+                  </a:ext>
+                </a:extLst>
+              </p:cNvPr>
+              <p:cNvSpPr txBox="1">
+                <a:spLocks noRot="1" noChangeAspect="1" noMove="1" noResize="1" noEditPoints="1" noAdjustHandles="1" noChangeArrowheads="1" noChangeShapeType="1" noTextEdit="1"/>
+              </p:cNvSpPr>
+              <p:nvPr/>
+            </p:nvSpPr>
+            <p:spPr>
+              <a:xfrm>
+                <a:off x="7472981" y="1780979"/>
+                <a:ext cx="133946" cy="169277"/>
+              </a:xfrm>
+              <a:prstGeom prst="rect">
+                <a:avLst/>
+              </a:prstGeom>
+              <a:blipFill>
+                <a:blip r:embed="rId7"/>
+                <a:stretch>
+                  <a:fillRect l="-22727" r="-22727" b="-7143"/>
+                </a:stretch>
+              </a:blipFill>
+            </p:spPr>
+            <p:txBody>
+              <a:bodyPr/>
+              <a:lstStyle/>
+              <a:p>
+                <a:r>
+                  <a:rPr lang="fr-FR">
+                    <a:noFill/>
+                  </a:rPr>
+                  <a:t> </a:t>
+                </a:r>
+              </a:p>
+            </p:txBody>
+          </p:sp>
+        </mc:Fallback>
+      </mc:AlternateContent>
+      <p:cxnSp>
+        <p:nvCxnSpPr>
+          <p:cNvPr id="25" name="Connecteur droit 24">
+            <a:extLst>
+              <a:ext uri="{FF2B5EF4-FFF2-40B4-BE49-F238E27FC236}">
+                <a16:creationId xmlns:a16="http://schemas.microsoft.com/office/drawing/2014/main" id="{B9D48251-6524-9105-9165-A470C93D49EA}"/>
+              </a:ext>
+            </a:extLst>
+          </p:cNvPr>
+          <p:cNvCxnSpPr>
+            <a:cxnSpLocks/>
+          </p:cNvCxnSpPr>
+          <p:nvPr/>
+        </p:nvCxnSpPr>
+        <p:spPr>
+          <a:xfrm flipV="1">
+            <a:off x="6819954" y="1294417"/>
+            <a:ext cx="0" cy="681824"/>
+          </a:xfrm>
+          <a:prstGeom prst="line">
+            <a:avLst/>
+          </a:prstGeom>
+          <a:solidFill>
+            <a:schemeClr val="bg1"/>
+          </a:solidFill>
+          <a:ln w="28575">
+            <a:solidFill>
+              <a:srgbClr val="C00000"/>
+            </a:solidFill>
+            <a:tailEnd type="stealth" w="med" len="lg"/>
+          </a:ln>
+        </p:spPr>
+        <p:style>
+          <a:lnRef idx="2">
+            <a:schemeClr val="accent1">
+              <a:shade val="50000"/>
+            </a:schemeClr>
+          </a:lnRef>
+          <a:fillRef idx="1">
+            <a:schemeClr val="accent1"/>
+          </a:fillRef>
+          <a:effectRef idx="0">
+            <a:schemeClr val="accent1"/>
+          </a:effectRef>
+          <a:fontRef idx="minor">
+            <a:schemeClr val="lt1"/>
+          </a:fontRef>
+        </p:style>
+      </p:cxnSp>
+      <mc:AlternateContent xmlns:mc="http://schemas.openxmlformats.org/markup-compatibility/2006" xmlns:a14="http://schemas.microsoft.com/office/drawing/2010/main">
+        <mc:Choice Requires="a14">
+          <p:sp>
+            <p:nvSpPr>
+              <p:cNvPr id="26" name="ZoneTexte 25">
+                <a:extLst>
+                  <a:ext uri="{FF2B5EF4-FFF2-40B4-BE49-F238E27FC236}">
+                    <a16:creationId xmlns:a16="http://schemas.microsoft.com/office/drawing/2014/main" id="{457E0124-6EF8-D914-88BF-1B6E0962DA87}"/>
+                  </a:ext>
+                </a:extLst>
+              </p:cNvPr>
+              <p:cNvSpPr txBox="1"/>
+              <p:nvPr/>
+            </p:nvSpPr>
+            <p:spPr>
+              <a:xfrm>
+                <a:off x="6871148" y="1293377"/>
+                <a:ext cx="182806" cy="182614"/>
+              </a:xfrm>
+              <a:prstGeom prst="rect">
+                <a:avLst/>
+              </a:prstGeom>
+              <a:noFill/>
+            </p:spPr>
+            <p:txBody>
+              <a:bodyPr wrap="none" lIns="0" tIns="0" rIns="0" bIns="0" rtlCol="0">
+                <a:spAutoFit/>
+              </a:bodyPr>
+              <a:lstStyle/>
+              <a:p>
+                <a:pPr/>
+                <a14:m>
+                  <m:oMathPara xmlns:m="http://schemas.openxmlformats.org/officeDocument/2006/math">
+                    <m:oMathParaPr>
+                      <m:jc m:val="centerGroup"/>
+                    </m:oMathParaPr>
+                    <m:oMath xmlns:m="http://schemas.openxmlformats.org/officeDocument/2006/math">
+                      <m:sSub>
+                        <m:sSubPr>
+                          <m:ctrlPr>
+                            <a:rPr lang="fr-FR" sz="1100" b="0" i="1" smtClean="0">
+                              <a:latin typeface="Cambria Math" panose="02040503050406030204" pitchFamily="18" charset="0"/>
+                            </a:rPr>
+                          </m:ctrlPr>
+                        </m:sSubPr>
+                        <m:e>
+                          <m:r>
+                            <a:rPr lang="fr-FR" sz="1100" b="0" i="1" smtClean="0">
+                              <a:latin typeface="Cambria Math" panose="02040503050406030204" pitchFamily="18" charset="0"/>
+                            </a:rPr>
+                            <m:t>𝐶</m:t>
+                          </m:r>
+                        </m:e>
+                        <m:sub>
+                          <m:r>
+                            <a:rPr lang="fr-FR" sz="1100" b="0" i="1" smtClean="0">
+                              <a:latin typeface="Cambria Math" panose="02040503050406030204" pitchFamily="18" charset="0"/>
+                            </a:rPr>
+                            <m:t>𝑦</m:t>
+                          </m:r>
+                        </m:sub>
+                      </m:sSub>
+                    </m:oMath>
+                  </m:oMathPara>
+                </a14:m>
+                <a:endParaRPr lang="fr-FR" dirty="0"/>
+              </a:p>
+            </p:txBody>
+          </p:sp>
+        </mc:Choice>
+        <mc:Fallback xmlns="">
+          <p:sp>
+            <p:nvSpPr>
+              <p:cNvPr id="26" name="ZoneTexte 25">
+                <a:extLst>
+                  <a:ext uri="{FF2B5EF4-FFF2-40B4-BE49-F238E27FC236}">
+                    <a16:creationId xmlns:a16="http://schemas.microsoft.com/office/drawing/2014/main" id="{457E0124-6EF8-D914-88BF-1B6E0962DA87}"/>
+                  </a:ext>
+                </a:extLst>
+              </p:cNvPr>
+              <p:cNvSpPr txBox="1">
+                <a:spLocks noRot="1" noChangeAspect="1" noMove="1" noResize="1" noEditPoints="1" noAdjustHandles="1" noChangeArrowheads="1" noChangeShapeType="1" noTextEdit="1"/>
+              </p:cNvSpPr>
+              <p:nvPr/>
+            </p:nvSpPr>
+            <p:spPr>
+              <a:xfrm>
+                <a:off x="6871148" y="1293377"/>
+                <a:ext cx="182806" cy="182614"/>
+              </a:xfrm>
+              <a:prstGeom prst="rect">
+                <a:avLst/>
+              </a:prstGeom>
+              <a:blipFill>
+                <a:blip r:embed="rId8"/>
+                <a:stretch>
+                  <a:fillRect l="-16667" r="-10000" b="-20000"/>
+                </a:stretch>
+              </a:blipFill>
+            </p:spPr>
+            <p:txBody>
+              <a:bodyPr/>
+              <a:lstStyle/>
+              <a:p>
+                <a:r>
+                  <a:rPr lang="fr-FR">
+                    <a:noFill/>
+                  </a:rPr>
+                  <a:t> </a:t>
+                </a:r>
+              </a:p>
+            </p:txBody>
+          </p:sp>
+        </mc:Fallback>
+      </mc:AlternateContent>
+      <p:cxnSp>
+        <p:nvCxnSpPr>
+          <p:cNvPr id="29" name="Connecteur droit 28">
+            <a:extLst>
+              <a:ext uri="{FF2B5EF4-FFF2-40B4-BE49-F238E27FC236}">
+                <a16:creationId xmlns:a16="http://schemas.microsoft.com/office/drawing/2014/main" id="{D62D5870-44AD-FB58-8EB5-B2AF97F9A470}"/>
+              </a:ext>
+            </a:extLst>
+          </p:cNvPr>
+          <p:cNvCxnSpPr>
+            <a:cxnSpLocks/>
+          </p:cNvCxnSpPr>
+          <p:nvPr/>
+        </p:nvCxnSpPr>
+        <p:spPr>
+          <a:xfrm flipV="1">
+            <a:off x="4652571" y="1307051"/>
+            <a:ext cx="0" cy="681824"/>
+          </a:xfrm>
+          <a:prstGeom prst="line">
+            <a:avLst/>
+          </a:prstGeom>
+          <a:solidFill>
+            <a:schemeClr val="bg1"/>
+          </a:solidFill>
+          <a:ln w="28575">
+            <a:solidFill>
+              <a:srgbClr val="C00000"/>
+            </a:solidFill>
+            <a:tailEnd type="stealth" w="med" len="lg"/>
+          </a:ln>
+        </p:spPr>
+        <p:style>
+          <a:lnRef idx="2">
+            <a:schemeClr val="accent1">
+              <a:shade val="50000"/>
+            </a:schemeClr>
+          </a:lnRef>
+          <a:fillRef idx="1">
+            <a:schemeClr val="accent1"/>
+          </a:fillRef>
+          <a:effectRef idx="0">
+            <a:schemeClr val="accent1"/>
+          </a:effectRef>
+          <a:fontRef idx="minor">
+            <a:schemeClr val="lt1"/>
+          </a:fontRef>
+        </p:style>
+      </p:cxnSp>
+      <mc:AlternateContent xmlns:mc="http://schemas.openxmlformats.org/markup-compatibility/2006" xmlns:a14="http://schemas.microsoft.com/office/drawing/2010/main">
+        <mc:Choice Requires="a14">
+          <p:sp>
+            <p:nvSpPr>
+              <p:cNvPr id="31" name="ZoneTexte 30">
+                <a:extLst>
+                  <a:ext uri="{FF2B5EF4-FFF2-40B4-BE49-F238E27FC236}">
+                    <a16:creationId xmlns:a16="http://schemas.microsoft.com/office/drawing/2014/main" id="{D3593CDB-D2C0-E391-158A-DD375AC3300E}"/>
+                  </a:ext>
+                </a:extLst>
+              </p:cNvPr>
+              <p:cNvSpPr txBox="1"/>
+              <p:nvPr/>
+            </p:nvSpPr>
+            <p:spPr>
+              <a:xfrm>
+                <a:off x="4707973" y="1294417"/>
+                <a:ext cx="186718" cy="182614"/>
+              </a:xfrm>
+              <a:prstGeom prst="rect">
+                <a:avLst/>
+              </a:prstGeom>
+              <a:noFill/>
+            </p:spPr>
+            <p:txBody>
+              <a:bodyPr wrap="none" lIns="0" tIns="0" rIns="0" bIns="0" rtlCol="0">
+                <a:spAutoFit/>
+              </a:bodyPr>
+              <a:lstStyle/>
+              <a:p>
+                <a:pPr/>
+                <a14:m>
+                  <m:oMathPara xmlns:m="http://schemas.openxmlformats.org/officeDocument/2006/math">
+                    <m:oMathParaPr>
+                      <m:jc m:val="centerGroup"/>
+                    </m:oMathParaPr>
+                    <m:oMath xmlns:m="http://schemas.openxmlformats.org/officeDocument/2006/math">
+                      <m:sSub>
+                        <m:sSubPr>
+                          <m:ctrlPr>
+                            <a:rPr lang="fr-FR" sz="1100" b="0" i="1" smtClean="0">
+                              <a:latin typeface="Cambria Math" panose="02040503050406030204" pitchFamily="18" charset="0"/>
+                            </a:rPr>
+                          </m:ctrlPr>
+                        </m:sSubPr>
+                        <m:e>
+                          <m:r>
+                            <a:rPr lang="fr-FR" sz="1100" b="0" i="1" smtClean="0">
+                              <a:latin typeface="Cambria Math" panose="02040503050406030204" pitchFamily="18" charset="0"/>
+                            </a:rPr>
+                            <m:t>𝐵</m:t>
+                          </m:r>
+                        </m:e>
+                        <m:sub>
+                          <m:r>
+                            <a:rPr lang="fr-FR" sz="1100" b="0" i="1" smtClean="0">
+                              <a:latin typeface="Cambria Math" panose="02040503050406030204" pitchFamily="18" charset="0"/>
+                            </a:rPr>
+                            <m:t>𝑦</m:t>
+                          </m:r>
+                        </m:sub>
+                      </m:sSub>
+                    </m:oMath>
+                  </m:oMathPara>
+                </a14:m>
+                <a:endParaRPr lang="fr-FR" dirty="0"/>
+              </a:p>
+            </p:txBody>
+          </p:sp>
+        </mc:Choice>
+        <mc:Fallback xmlns="">
+          <p:sp>
+            <p:nvSpPr>
+              <p:cNvPr id="31" name="ZoneTexte 30">
+                <a:extLst>
+                  <a:ext uri="{FF2B5EF4-FFF2-40B4-BE49-F238E27FC236}">
+                    <a16:creationId xmlns:a16="http://schemas.microsoft.com/office/drawing/2014/main" id="{D3593CDB-D2C0-E391-158A-DD375AC3300E}"/>
+                  </a:ext>
+                </a:extLst>
+              </p:cNvPr>
+              <p:cNvSpPr txBox="1">
+                <a:spLocks noRot="1" noChangeAspect="1" noMove="1" noResize="1" noEditPoints="1" noAdjustHandles="1" noChangeArrowheads="1" noChangeShapeType="1" noTextEdit="1"/>
+              </p:cNvSpPr>
+              <p:nvPr/>
+            </p:nvSpPr>
+            <p:spPr>
+              <a:xfrm>
+                <a:off x="4707973" y="1294417"/>
+                <a:ext cx="186718" cy="182614"/>
+              </a:xfrm>
+              <a:prstGeom prst="rect">
+                <a:avLst/>
+              </a:prstGeom>
+              <a:blipFill>
+                <a:blip r:embed="rId9"/>
+                <a:stretch>
+                  <a:fillRect l="-16129" r="-6452" b="-20000"/>
+                </a:stretch>
+              </a:blipFill>
+            </p:spPr>
+            <p:txBody>
+              <a:bodyPr/>
+              <a:lstStyle/>
+              <a:p>
+                <a:r>
+                  <a:rPr lang="fr-FR">
+                    <a:noFill/>
+                  </a:rPr>
+                  <a:t> </a:t>
+                </a:r>
+              </a:p>
+            </p:txBody>
+          </p:sp>
+        </mc:Fallback>
+      </mc:AlternateContent>
+      <p:cxnSp>
+        <p:nvCxnSpPr>
+          <p:cNvPr id="32" name="Connecteur droit 31">
+            <a:extLst>
+              <a:ext uri="{FF2B5EF4-FFF2-40B4-BE49-F238E27FC236}">
+                <a16:creationId xmlns:a16="http://schemas.microsoft.com/office/drawing/2014/main" id="{FBDB9C64-9D40-AD67-D305-166925A4C1CC}"/>
+              </a:ext>
+            </a:extLst>
+          </p:cNvPr>
+          <p:cNvCxnSpPr>
+            <a:cxnSpLocks/>
+          </p:cNvCxnSpPr>
+          <p:nvPr/>
+        </p:nvCxnSpPr>
+        <p:spPr>
+          <a:xfrm>
+            <a:off x="4665741" y="1988875"/>
+            <a:ext cx="310830" cy="0"/>
+          </a:xfrm>
+          <a:prstGeom prst="line">
+            <a:avLst/>
+          </a:prstGeom>
+          <a:solidFill>
+            <a:schemeClr val="bg1"/>
+          </a:solidFill>
+          <a:ln w="28575">
+            <a:solidFill>
+              <a:srgbClr val="C00000"/>
+            </a:solidFill>
+            <a:tailEnd type="stealth" w="med" len="lg"/>
+          </a:ln>
+        </p:spPr>
+        <p:style>
+          <a:lnRef idx="2">
+            <a:schemeClr val="accent1">
+              <a:shade val="50000"/>
+            </a:schemeClr>
+          </a:lnRef>
+          <a:fillRef idx="1">
+            <a:schemeClr val="accent1"/>
+          </a:fillRef>
+          <a:effectRef idx="0">
+            <a:schemeClr val="accent1"/>
+          </a:effectRef>
+          <a:fontRef idx="minor">
+            <a:schemeClr val="lt1"/>
+          </a:fontRef>
+        </p:style>
+      </p:cxnSp>
+      <mc:AlternateContent xmlns:mc="http://schemas.openxmlformats.org/markup-compatibility/2006" xmlns:a14="http://schemas.microsoft.com/office/drawing/2010/main">
+        <mc:Choice Requires="a14">
+          <p:sp>
+            <p:nvSpPr>
+              <p:cNvPr id="33" name="ZoneTexte 32">
+                <a:extLst>
+                  <a:ext uri="{FF2B5EF4-FFF2-40B4-BE49-F238E27FC236}">
+                    <a16:creationId xmlns:a16="http://schemas.microsoft.com/office/drawing/2014/main" id="{0FF554FA-35BC-A669-6CF1-3D3444D6D926}"/>
+                  </a:ext>
+                </a:extLst>
+              </p:cNvPr>
+              <p:cNvSpPr txBox="1"/>
+              <p:nvPr/>
+            </p:nvSpPr>
+            <p:spPr>
+              <a:xfrm>
+                <a:off x="4841024" y="1732461"/>
+                <a:ext cx="182166" cy="169277"/>
+              </a:xfrm>
+              <a:prstGeom prst="rect">
+                <a:avLst/>
+              </a:prstGeom>
+              <a:noFill/>
+            </p:spPr>
+            <p:txBody>
+              <a:bodyPr wrap="none" lIns="0" tIns="0" rIns="0" bIns="0" rtlCol="0">
+                <a:spAutoFit/>
+              </a:bodyPr>
+              <a:lstStyle/>
+              <a:p>
+                <a:pPr/>
+                <a14:m>
+                  <m:oMathPara xmlns:m="http://schemas.openxmlformats.org/officeDocument/2006/math">
+                    <m:oMathParaPr>
+                      <m:jc m:val="centerGroup"/>
+                    </m:oMathParaPr>
+                    <m:oMath xmlns:m="http://schemas.openxmlformats.org/officeDocument/2006/math">
+                      <m:sSub>
+                        <m:sSubPr>
+                          <m:ctrlPr>
+                            <a:rPr lang="fr-FR" sz="1100" b="0" i="1" smtClean="0">
+                              <a:latin typeface="Cambria Math" panose="02040503050406030204" pitchFamily="18" charset="0"/>
+                            </a:rPr>
+                          </m:ctrlPr>
+                        </m:sSubPr>
+                        <m:e>
+                          <m:r>
+                            <a:rPr lang="fr-FR" sz="1100" b="0" i="1" smtClean="0">
+                              <a:latin typeface="Cambria Math" panose="02040503050406030204" pitchFamily="18" charset="0"/>
+                            </a:rPr>
+                            <m:t>𝐵</m:t>
+                          </m:r>
+                        </m:e>
+                        <m:sub>
+                          <m:r>
+                            <a:rPr lang="fr-FR" sz="1100" b="0" i="1" smtClean="0">
+                              <a:latin typeface="Cambria Math" panose="02040503050406030204" pitchFamily="18" charset="0"/>
+                            </a:rPr>
+                            <m:t>𝑥</m:t>
+                          </m:r>
+                        </m:sub>
+                      </m:sSub>
+                    </m:oMath>
+                  </m:oMathPara>
+                </a14:m>
+                <a:endParaRPr lang="fr-FR" dirty="0"/>
+              </a:p>
+            </p:txBody>
+          </p:sp>
+        </mc:Choice>
+        <mc:Fallback xmlns="">
+          <p:sp>
+            <p:nvSpPr>
+              <p:cNvPr id="33" name="ZoneTexte 32">
+                <a:extLst>
+                  <a:ext uri="{FF2B5EF4-FFF2-40B4-BE49-F238E27FC236}">
+                    <a16:creationId xmlns:a16="http://schemas.microsoft.com/office/drawing/2014/main" id="{0FF554FA-35BC-A669-6CF1-3D3444D6D926}"/>
+                  </a:ext>
+                </a:extLst>
+              </p:cNvPr>
+              <p:cNvSpPr txBox="1">
+                <a:spLocks noRot="1" noChangeAspect="1" noMove="1" noResize="1" noEditPoints="1" noAdjustHandles="1" noChangeArrowheads="1" noChangeShapeType="1" noTextEdit="1"/>
+              </p:cNvSpPr>
+              <p:nvPr/>
+            </p:nvSpPr>
+            <p:spPr>
+              <a:xfrm>
+                <a:off x="4841024" y="1732461"/>
+                <a:ext cx="182166" cy="169277"/>
+              </a:xfrm>
+              <a:prstGeom prst="rect">
+                <a:avLst/>
+              </a:prstGeom>
+              <a:blipFill>
+                <a:blip r:embed="rId10"/>
+                <a:stretch>
+                  <a:fillRect l="-16667" r="-3333" b="-14286"/>
+                </a:stretch>
+              </a:blipFill>
+            </p:spPr>
+            <p:txBody>
+              <a:bodyPr/>
+              <a:lstStyle/>
+              <a:p>
+                <a:r>
+                  <a:rPr lang="fr-FR">
+                    <a:noFill/>
+                  </a:rPr>
+                  <a:t> </a:t>
+                </a:r>
+              </a:p>
+            </p:txBody>
+          </p:sp>
+        </mc:Fallback>
+      </mc:AlternateContent>
+      <p:sp>
+        <p:nvSpPr>
+          <p:cNvPr id="41" name="Forme libre : forme 40">
+            <a:extLst>
+              <a:ext uri="{FF2B5EF4-FFF2-40B4-BE49-F238E27FC236}">
+                <a16:creationId xmlns:a16="http://schemas.microsoft.com/office/drawing/2014/main" id="{881A3FB5-266A-0216-76E2-B76B89D3DC44}"/>
+              </a:ext>
+            </a:extLst>
+          </p:cNvPr>
+          <p:cNvSpPr/>
+          <p:nvPr/>
+        </p:nvSpPr>
+        <p:spPr>
+          <a:xfrm>
+            <a:off x="5803640" y="1815154"/>
+            <a:ext cx="52450" cy="318728"/>
+          </a:xfrm>
+          <a:custGeom>
+            <a:avLst/>
+            <a:gdLst>
+              <a:gd name="connsiteX0" fmla="*/ 0 w 75235"/>
+              <a:gd name="connsiteY0" fmla="*/ 0 h 457200"/>
+              <a:gd name="connsiteX1" fmla="*/ 57873 w 75235"/>
+              <a:gd name="connsiteY1" fmla="*/ 115746 h 457200"/>
+              <a:gd name="connsiteX2" fmla="*/ 17362 w 75235"/>
+              <a:gd name="connsiteY2" fmla="*/ 312516 h 457200"/>
+              <a:gd name="connsiteX3" fmla="*/ 75235 w 75235"/>
+              <a:gd name="connsiteY3" fmla="*/ 457200 h 457200"/>
+            </a:gdLst>
+            <a:ahLst/>
+            <a:cxnLst>
+              <a:cxn ang="0">
+                <a:pos x="connsiteX0" y="connsiteY0"/>
+              </a:cxn>
+              <a:cxn ang="0">
+                <a:pos x="connsiteX1" y="connsiteY1"/>
+              </a:cxn>
+              <a:cxn ang="0">
+                <a:pos x="connsiteX2" y="connsiteY2"/>
+              </a:cxn>
+              <a:cxn ang="0">
+                <a:pos x="connsiteX3" y="connsiteY3"/>
+              </a:cxn>
+            </a:cxnLst>
+            <a:rect l="l" t="t" r="r" b="b"/>
+            <a:pathLst>
+              <a:path w="75235" h="457200">
+                <a:moveTo>
+                  <a:pt x="0" y="0"/>
+                </a:moveTo>
+                <a:cubicBezTo>
+                  <a:pt x="27489" y="31830"/>
+                  <a:pt x="54979" y="63660"/>
+                  <a:pt x="57873" y="115746"/>
+                </a:cubicBezTo>
+                <a:cubicBezTo>
+                  <a:pt x="60767" y="167832"/>
+                  <a:pt x="14468" y="255607"/>
+                  <a:pt x="17362" y="312516"/>
+                </a:cubicBezTo>
+                <a:cubicBezTo>
+                  <a:pt x="20256" y="369425"/>
+                  <a:pt x="57873" y="448519"/>
+                  <a:pt x="75235" y="457200"/>
+                </a:cubicBezTo>
+              </a:path>
+            </a:pathLst>
+          </a:custGeom>
+          <a:noFill/>
+          <a:ln w="38100">
+            <a:solidFill>
+              <a:srgbClr val="00B050"/>
+            </a:solidFill>
+          </a:ln>
+        </p:spPr>
+        <p:style>
+          <a:lnRef idx="2">
+            <a:schemeClr val="accent1">
+              <a:shade val="50000"/>
+            </a:schemeClr>
+          </a:lnRef>
+          <a:fillRef idx="1">
+            <a:schemeClr val="accent1"/>
+          </a:fillRef>
+          <a:effectRef idx="0">
+            <a:schemeClr val="accent1"/>
+          </a:effectRef>
+          <a:fontRef idx="minor">
+            <a:schemeClr val="lt1"/>
+          </a:fontRef>
+        </p:style>
+        <p:txBody>
+          <a:bodyPr rtlCol="0" anchor="ctr"/>
+          <a:lstStyle/>
+          <a:p>
+            <a:pPr algn="ctr"/>
+            <a:endParaRPr lang="fr-FR"/>
+          </a:p>
+        </p:txBody>
+      </p:sp>
+      <mc:AlternateContent xmlns:mc="http://schemas.openxmlformats.org/markup-compatibility/2006" xmlns:a14="http://schemas.microsoft.com/office/drawing/2010/main">
+        <mc:Choice Requires="a14">
+          <p:sp>
+            <p:nvSpPr>
+              <p:cNvPr id="42" name="ZoneTexte 41">
+                <a:extLst>
+                  <a:ext uri="{FF2B5EF4-FFF2-40B4-BE49-F238E27FC236}">
+                    <a16:creationId xmlns:a16="http://schemas.microsoft.com/office/drawing/2014/main" id="{DC20DF48-8AAC-1DD1-EF18-10983F9D37B9}"/>
+                  </a:ext>
+                </a:extLst>
+              </p:cNvPr>
+              <p:cNvSpPr txBox="1"/>
+              <p:nvPr/>
+            </p:nvSpPr>
+            <p:spPr>
+              <a:xfrm>
+                <a:off x="5733112" y="1604386"/>
+                <a:ext cx="181267" cy="169277"/>
+              </a:xfrm>
+              <a:prstGeom prst="rect">
+                <a:avLst/>
+              </a:prstGeom>
+              <a:noFill/>
+            </p:spPr>
+            <p:txBody>
+              <a:bodyPr wrap="none" lIns="0" tIns="0" rIns="0" bIns="0" rtlCol="0">
+                <a:spAutoFit/>
+              </a:bodyPr>
+              <a:lstStyle/>
+              <a:p>
+                <a:pPr/>
+                <a14:m>
+                  <m:oMathPara xmlns:m="http://schemas.openxmlformats.org/officeDocument/2006/math">
+                    <m:oMathParaPr>
+                      <m:jc m:val="centerGroup"/>
+                    </m:oMathParaPr>
+                    <m:oMath xmlns:m="http://schemas.openxmlformats.org/officeDocument/2006/math">
+                      <m:sSub>
+                        <m:sSubPr>
+                          <m:ctrlPr>
+                            <a:rPr lang="fr-FR" sz="1100" b="0" i="1" smtClean="0">
+                              <a:latin typeface="Cambria Math" panose="02040503050406030204" pitchFamily="18" charset="0"/>
+                            </a:rPr>
+                          </m:ctrlPr>
+                        </m:sSubPr>
+                        <m:e>
+                          <m:r>
+                            <a:rPr lang="fr-FR" sz="1100" b="0" i="1" smtClean="0">
+                              <a:latin typeface="Cambria Math" panose="02040503050406030204" pitchFamily="18" charset="0"/>
+                            </a:rPr>
+                            <m:t>𝐺</m:t>
+                          </m:r>
+                        </m:e>
+                        <m:sub>
+                          <m:r>
+                            <a:rPr lang="fr-FR" sz="1100" b="0" i="1" smtClean="0">
+                              <a:latin typeface="Cambria Math" panose="02040503050406030204" pitchFamily="18" charset="0"/>
+                            </a:rPr>
+                            <m:t>2</m:t>
+                          </m:r>
+                        </m:sub>
+                      </m:sSub>
+                    </m:oMath>
+                  </m:oMathPara>
+                </a14:m>
+                <a:endParaRPr lang="fr-FR" dirty="0"/>
+              </a:p>
+            </p:txBody>
+          </p:sp>
+        </mc:Choice>
+        <mc:Fallback xmlns="">
+          <p:sp>
+            <p:nvSpPr>
+              <p:cNvPr id="42" name="ZoneTexte 41">
+                <a:extLst>
+                  <a:ext uri="{FF2B5EF4-FFF2-40B4-BE49-F238E27FC236}">
+                    <a16:creationId xmlns:a16="http://schemas.microsoft.com/office/drawing/2014/main" id="{DC20DF48-8AAC-1DD1-EF18-10983F9D37B9}"/>
+                  </a:ext>
+                </a:extLst>
+              </p:cNvPr>
+              <p:cNvSpPr txBox="1">
+                <a:spLocks noRot="1" noChangeAspect="1" noMove="1" noResize="1" noEditPoints="1" noAdjustHandles="1" noChangeArrowheads="1" noChangeShapeType="1" noTextEdit="1"/>
+              </p:cNvSpPr>
+              <p:nvPr/>
+            </p:nvSpPr>
+            <p:spPr>
+              <a:xfrm>
+                <a:off x="5733112" y="1604386"/>
+                <a:ext cx="181267" cy="169277"/>
+              </a:xfrm>
+              <a:prstGeom prst="rect">
+                <a:avLst/>
+              </a:prstGeom>
+              <a:blipFill>
+                <a:blip r:embed="rId11"/>
+                <a:stretch>
+                  <a:fillRect l="-16667" r="-6667" b="-17857"/>
+                </a:stretch>
+              </a:blipFill>
+            </p:spPr>
+            <p:txBody>
+              <a:bodyPr/>
+              <a:lstStyle/>
+              <a:p>
+                <a:r>
+                  <a:rPr lang="fr-FR">
+                    <a:noFill/>
+                  </a:rPr>
+                  <a:t> </a:t>
+                </a:r>
+              </a:p>
+            </p:txBody>
+          </p:sp>
+        </mc:Fallback>
+      </mc:AlternateContent>
+      <mc:AlternateContent xmlns:mc="http://schemas.openxmlformats.org/markup-compatibility/2006" xmlns:a14="http://schemas.microsoft.com/office/drawing/2010/main">
+        <mc:Choice Requires="a14">
+          <p:sp>
+            <p:nvSpPr>
+              <p:cNvPr id="43" name="Ellipse 42">
+                <a:extLst>
+                  <a:ext uri="{FF2B5EF4-FFF2-40B4-BE49-F238E27FC236}">
+                    <a16:creationId xmlns:a16="http://schemas.microsoft.com/office/drawing/2014/main" id="{450EB561-DD3D-023F-3173-32157E3661F6}"/>
+                  </a:ext>
+                </a:extLst>
+              </p:cNvPr>
+              <p:cNvSpPr/>
+              <p:nvPr/>
+            </p:nvSpPr>
+            <p:spPr>
+              <a:xfrm>
+                <a:off x="5017773" y="1307719"/>
+                <a:ext cx="288000" cy="288000"/>
+              </a:xfrm>
+              <a:prstGeom prst="ellipse">
+                <a:avLst/>
+              </a:prstGeom>
+              <a:solidFill>
+                <a:schemeClr val="bg1"/>
+              </a:solidFill>
+              <a:ln w="19050">
+                <a:solidFill>
+                  <a:srgbClr val="00B050"/>
+                </a:solidFill>
+              </a:ln>
+            </p:spPr>
+            <p:style>
+              <a:lnRef idx="2">
+                <a:schemeClr val="accent1">
+                  <a:shade val="50000"/>
+                </a:schemeClr>
+              </a:lnRef>
+              <a:fillRef idx="1">
+                <a:schemeClr val="accent1"/>
+              </a:fillRef>
+              <a:effectRef idx="0">
+                <a:schemeClr val="accent1"/>
+              </a:effectRef>
+              <a:fontRef idx="minor">
+                <a:schemeClr val="lt1"/>
+              </a:fontRef>
+            </p:style>
+            <p:txBody>
+              <a:bodyPr lIns="0" tIns="0" rIns="0" bIns="0" rtlCol="0" anchor="ctr"/>
+              <a:lstStyle/>
+              <a:p>
+                <a:pPr algn="ctr"/>
+                <a:r>
+                  <a:rPr lang="fr-FR" sz="1200" b="0" dirty="0">
+                    <a:solidFill>
+                      <a:schemeClr val="tx1"/>
+                    </a:solidFill>
+                  </a:rPr>
+                  <a:t> </a:t>
+                </a:r>
+                <a14:m>
+                  <m:oMath xmlns:m="http://schemas.openxmlformats.org/officeDocument/2006/math">
+                    <m:r>
+                      <a:rPr lang="fr-FR" sz="1200" b="0" i="1" smtClean="0">
+                        <a:solidFill>
+                          <a:schemeClr val="tx1"/>
+                        </a:solidFill>
+                        <a:latin typeface="Cambria Math" panose="02040503050406030204" pitchFamily="18" charset="0"/>
+                      </a:rPr>
+                      <m:t>𝐼</m:t>
+                    </m:r>
+                  </m:oMath>
+                </a14:m>
+                <a:endParaRPr lang="fr-FR" sz="1200" dirty="0"/>
+              </a:p>
+            </p:txBody>
+          </p:sp>
+        </mc:Choice>
+        <mc:Fallback xmlns="">
+          <p:sp>
+            <p:nvSpPr>
+              <p:cNvPr id="43" name="Ellipse 42">
+                <a:extLst>
+                  <a:ext uri="{FF2B5EF4-FFF2-40B4-BE49-F238E27FC236}">
+                    <a16:creationId xmlns:a16="http://schemas.microsoft.com/office/drawing/2014/main" id="{450EB561-DD3D-023F-3173-32157E3661F6}"/>
+                  </a:ext>
+                </a:extLst>
+              </p:cNvPr>
+              <p:cNvSpPr>
+                <a:spLocks noRot="1" noChangeAspect="1" noMove="1" noResize="1" noEditPoints="1" noAdjustHandles="1" noChangeArrowheads="1" noChangeShapeType="1" noTextEdit="1"/>
+              </p:cNvSpPr>
+              <p:nvPr/>
+            </p:nvSpPr>
+            <p:spPr>
+              <a:xfrm>
+                <a:off x="5017773" y="1307719"/>
+                <a:ext cx="288000" cy="288000"/>
+              </a:xfrm>
+              <a:prstGeom prst="ellipse">
+                <a:avLst/>
+              </a:prstGeom>
+              <a:blipFill>
+                <a:blip r:embed="rId12"/>
+                <a:stretch>
+                  <a:fillRect/>
+                </a:stretch>
+              </a:blipFill>
+              <a:ln w="19050">
+                <a:solidFill>
+                  <a:srgbClr val="00B050"/>
+                </a:solidFill>
+              </a:ln>
+            </p:spPr>
+            <p:txBody>
+              <a:bodyPr/>
+              <a:lstStyle/>
+              <a:p>
+                <a:r>
+                  <a:rPr lang="fr-FR">
+                    <a:noFill/>
+                  </a:rPr>
+                  <a:t> </a:t>
+                </a:r>
+              </a:p>
+            </p:txBody>
+          </p:sp>
+        </mc:Fallback>
+      </mc:AlternateContent>
+      <mc:AlternateContent xmlns:mc="http://schemas.openxmlformats.org/markup-compatibility/2006" xmlns:a14="http://schemas.microsoft.com/office/drawing/2010/main">
+        <mc:Choice Requires="a14">
+          <p:sp>
+            <p:nvSpPr>
+              <p:cNvPr id="44" name="Ellipse 43">
+                <a:extLst>
+                  <a:ext uri="{FF2B5EF4-FFF2-40B4-BE49-F238E27FC236}">
+                    <a16:creationId xmlns:a16="http://schemas.microsoft.com/office/drawing/2014/main" id="{57AC1567-6749-F385-44C2-4101A2A618B0}"/>
+                  </a:ext>
+                </a:extLst>
+              </p:cNvPr>
+              <p:cNvSpPr/>
+              <p:nvPr/>
+            </p:nvSpPr>
+            <p:spPr>
+              <a:xfrm>
+                <a:off x="6096000" y="1307719"/>
+                <a:ext cx="288000" cy="288000"/>
+              </a:xfrm>
+              <a:prstGeom prst="ellipse">
+                <a:avLst/>
+              </a:prstGeom>
+              <a:solidFill>
+                <a:schemeClr val="bg1"/>
+              </a:solidFill>
+              <a:ln w="19050">
+                <a:solidFill>
+                  <a:srgbClr val="00B050"/>
+                </a:solidFill>
+              </a:ln>
+            </p:spPr>
+            <p:style>
+              <a:lnRef idx="2">
+                <a:schemeClr val="accent1">
+                  <a:shade val="50000"/>
+                </a:schemeClr>
+              </a:lnRef>
+              <a:fillRef idx="1">
+                <a:schemeClr val="accent1"/>
+              </a:fillRef>
+              <a:effectRef idx="0">
+                <a:schemeClr val="accent1"/>
+              </a:effectRef>
+              <a:fontRef idx="minor">
+                <a:schemeClr val="lt1"/>
+              </a:fontRef>
+            </p:style>
+            <p:txBody>
+              <a:bodyPr lIns="0" tIns="0" rIns="0" bIns="0" rtlCol="0" anchor="ctr"/>
+              <a:lstStyle/>
+              <a:p>
+                <a:pPr algn="ctr"/>
+                <a:r>
+                  <a:rPr lang="fr-FR" sz="1200" b="0" dirty="0">
+                    <a:solidFill>
+                      <a:schemeClr val="tx1"/>
+                    </a:solidFill>
+                  </a:rPr>
+                  <a:t> </a:t>
+                </a:r>
+                <a14:m>
+                  <m:oMath xmlns:m="http://schemas.openxmlformats.org/officeDocument/2006/math">
+                    <m:r>
+                      <a:rPr lang="fr-FR" sz="1200" b="0" i="1" smtClean="0">
+                        <a:solidFill>
+                          <a:schemeClr val="tx1"/>
+                        </a:solidFill>
+                        <a:latin typeface="Cambria Math" panose="02040503050406030204" pitchFamily="18" charset="0"/>
+                      </a:rPr>
+                      <m:t>𝐼𝐼</m:t>
+                    </m:r>
+                  </m:oMath>
+                </a14:m>
+                <a:endParaRPr lang="fr-FR" sz="1200" dirty="0"/>
+              </a:p>
+            </p:txBody>
+          </p:sp>
+        </mc:Choice>
+        <mc:Fallback xmlns="">
+          <p:sp>
+            <p:nvSpPr>
+              <p:cNvPr id="44" name="Ellipse 43">
+                <a:extLst>
+                  <a:ext uri="{FF2B5EF4-FFF2-40B4-BE49-F238E27FC236}">
+                    <a16:creationId xmlns:a16="http://schemas.microsoft.com/office/drawing/2014/main" id="{57AC1567-6749-F385-44C2-4101A2A618B0}"/>
+                  </a:ext>
+                </a:extLst>
+              </p:cNvPr>
+              <p:cNvSpPr>
+                <a:spLocks noRot="1" noChangeAspect="1" noMove="1" noResize="1" noEditPoints="1" noAdjustHandles="1" noChangeArrowheads="1" noChangeShapeType="1" noTextEdit="1"/>
+              </p:cNvSpPr>
+              <p:nvPr/>
+            </p:nvSpPr>
+            <p:spPr>
+              <a:xfrm>
+                <a:off x="6096000" y="1307719"/>
+                <a:ext cx="288000" cy="288000"/>
+              </a:xfrm>
+              <a:prstGeom prst="ellipse">
+                <a:avLst/>
+              </a:prstGeom>
+              <a:blipFill>
+                <a:blip r:embed="rId13"/>
+                <a:stretch>
+                  <a:fillRect/>
+                </a:stretch>
+              </a:blipFill>
+              <a:ln w="19050">
+                <a:solidFill>
+                  <a:srgbClr val="00B050"/>
+                </a:solidFill>
+              </a:ln>
+            </p:spPr>
+            <p:txBody>
+              <a:bodyPr/>
+              <a:lstStyle/>
+              <a:p>
+                <a:r>
+                  <a:rPr lang="fr-FR">
+                    <a:noFill/>
+                  </a:rPr>
+                  <a:t> </a:t>
+                </a:r>
+              </a:p>
+            </p:txBody>
+          </p:sp>
+        </mc:Fallback>
+      </mc:AlternateContent>
+    </p:spTree>
+    <p:extLst>
+      <p:ext uri="{BB962C8B-B14F-4D97-AF65-F5344CB8AC3E}">
+        <p14:creationId xmlns:p14="http://schemas.microsoft.com/office/powerpoint/2010/main" val="2200824490"/>
+      </p:ext>
+    </p:extLst>
+  </p:cSld>
+  <p:clrMapOvr>
+    <a:masterClrMapping/>
+  </p:clrMapOvr>
+</p:sld>
+</file>
+
+<file path=ppt/slides/slide11.xml><?xml version="1.0" encoding="utf-8"?>
 <p:sld xmlns:a="http://schemas.openxmlformats.org/drawingml/2006/main" xmlns:r="http://schemas.openxmlformats.org/officeDocument/2006/relationships" xmlns:p="http://schemas.openxmlformats.org/presentationml/2006/main">
   <p:cSld>
     <p:spTree>
@@ -10112,31 +12613,6 @@
           <a:chExt cx="0" cy="0"/>
         </a:xfrm>
       </p:grpSpPr>
-      <p:sp>
-        <p:nvSpPr>
-          <p:cNvPr id="2" name="Titre 1">
-            <a:extLst>
-              <a:ext uri="{FF2B5EF4-FFF2-40B4-BE49-F238E27FC236}">
-                <a16:creationId xmlns:a16="http://schemas.microsoft.com/office/drawing/2014/main" id="{F986B012-A15C-DD7B-8E83-656889B2492E}"/>
-              </a:ext>
-            </a:extLst>
-          </p:cNvPr>
-          <p:cNvSpPr>
-            <a:spLocks noGrp="1"/>
-          </p:cNvSpPr>
-          <p:nvPr>
-            <p:ph type="title"/>
-          </p:nvPr>
-        </p:nvSpPr>
-        <p:spPr/>
-        <p:txBody>
-          <a:bodyPr/>
-          <a:lstStyle/>
-          <a:p>
-            <a:endParaRPr lang="fr-FR"/>
-          </a:p>
-        </p:txBody>
-      </p:sp>
       <p:pic>
         <p:nvPicPr>
           <p:cNvPr id="5" name="Espace réservé du contenu 4">
@@ -10479,148 +12955,6 @@
         <mc:Choice xmlns:a14="http://schemas.microsoft.com/office/drawing/2010/main" Requires="a14">
           <p:sp>
             <p:nvSpPr>
-              <p:cNvPr id="12" name="ZoneTexte 11">
-                <a:extLst>
-                  <a:ext uri="{FF2B5EF4-FFF2-40B4-BE49-F238E27FC236}">
-                    <a16:creationId xmlns:a16="http://schemas.microsoft.com/office/drawing/2014/main" id="{72EEC1C9-37BC-6BE9-3614-BD17B0DF24F3}"/>
-                  </a:ext>
-                </a:extLst>
-              </p:cNvPr>
-              <p:cNvSpPr txBox="1"/>
-              <p:nvPr/>
-            </p:nvSpPr>
-            <p:spPr>
-              <a:xfrm>
-                <a:off x="7622502" y="2672735"/>
-                <a:ext cx="708271" cy="208903"/>
-              </a:xfrm>
-              <a:prstGeom prst="rect">
-                <a:avLst/>
-              </a:prstGeom>
-              <a:noFill/>
-            </p:spPr>
-            <p:txBody>
-              <a:bodyPr wrap="none" lIns="0" tIns="0" rIns="0" bIns="0" rtlCol="0">
-                <a:spAutoFit/>
-              </a:bodyPr>
-              <a:lstStyle/>
-              <a:p>
-                <a:pPr/>
-                <a14:m>
-                  <m:oMathPara xmlns:m="http://schemas.openxmlformats.org/officeDocument/2006/math">
-                    <m:oMathParaPr>
-                      <m:jc m:val="centerGroup"/>
-                    </m:oMathParaPr>
-                    <m:oMath xmlns:m="http://schemas.openxmlformats.org/officeDocument/2006/math">
-                      <m:acc>
-                        <m:accPr>
-                          <m:chr m:val="⃗"/>
-                          <m:ctrlPr>
-                            <a:rPr lang="fr-FR" sz="1100" b="0" i="1" smtClean="0">
-                              <a:latin typeface="Cambria Math" panose="02040503050406030204" pitchFamily="18" charset="0"/>
-                            </a:rPr>
-                          </m:ctrlPr>
-                        </m:accPr>
-                        <m:e>
-                          <m:sSub>
-                            <m:sSubPr>
-                              <m:ctrlPr>
-                                <a:rPr lang="fr-FR" sz="1100" i="1">
-                                  <a:latin typeface="Cambria Math" panose="02040503050406030204" pitchFamily="18" charset="0"/>
-                                </a:rPr>
-                              </m:ctrlPr>
-                            </m:sSubPr>
-                            <m:e>
-                              <m:r>
-                                <a:rPr lang="fr-FR" sz="1100" i="1">
-                                  <a:latin typeface="Cambria Math" panose="02040503050406030204" pitchFamily="18" charset="0"/>
-                                </a:rPr>
-                                <m:t>𝐹</m:t>
-                              </m:r>
-                            </m:e>
-                            <m:sub>
-                              <m:r>
-                                <a:rPr lang="fr-FR" sz="1100" i="1">
-                                  <a:latin typeface="Cambria Math" panose="02040503050406030204" pitchFamily="18" charset="0"/>
-                                </a:rPr>
-                                <m:t>𝑙𝑎𝑚𝑒</m:t>
-                              </m:r>
-                              <m:r>
-                                <m:rPr>
-                                  <m:lit/>
-                                </m:rPr>
-                                <a:rPr lang="fr-FR" sz="1100" i="1">
-                                  <a:latin typeface="Cambria Math" panose="02040503050406030204" pitchFamily="18" charset="0"/>
-                                </a:rPr>
-                                <m:t>/</m:t>
-                              </m:r>
-                              <m:r>
-                                <a:rPr lang="fr-FR" sz="1100" i="1">
-                                  <a:latin typeface="Cambria Math" panose="02040503050406030204" pitchFamily="18" charset="0"/>
-                                </a:rPr>
-                                <m:t>𝑎𝑟𝑏𝑟𝑒</m:t>
-                              </m:r>
-                            </m:sub>
-                          </m:sSub>
-                        </m:e>
-                      </m:acc>
-                    </m:oMath>
-                  </m:oMathPara>
-                </a14:m>
-                <a:endParaRPr lang="fr-FR" dirty="0"/>
-              </a:p>
-            </p:txBody>
-          </p:sp>
-        </mc:Choice>
-        <mc:Fallback>
-          <p:sp>
-            <p:nvSpPr>
-              <p:cNvPr id="12" name="ZoneTexte 11">
-                <a:extLst>
-                  <a:ext uri="{FF2B5EF4-FFF2-40B4-BE49-F238E27FC236}">
-                    <a16:creationId xmlns:a16="http://schemas.microsoft.com/office/drawing/2014/main" id="{72EEC1C9-37BC-6BE9-3614-BD17B0DF24F3}"/>
-                  </a:ext>
-                </a:extLst>
-              </p:cNvPr>
-              <p:cNvSpPr txBox="1">
-                <a:spLocks noRot="1" noChangeAspect="1" noMove="1" noResize="1" noEditPoints="1" noAdjustHandles="1" noChangeArrowheads="1" noChangeShapeType="1" noTextEdit="1"/>
-              </p:cNvSpPr>
-              <p:nvPr/>
-            </p:nvSpPr>
-            <p:spPr>
-              <a:xfrm>
-                <a:off x="7622502" y="2672735"/>
-                <a:ext cx="708271" cy="208903"/>
-              </a:xfrm>
-              <a:prstGeom prst="rect">
-                <a:avLst/>
-              </a:prstGeom>
-              <a:blipFill>
-                <a:blip r:embed="rId4"/>
-                <a:stretch>
-                  <a:fillRect l="-4274" r="-855" b="-25714"/>
-                </a:stretch>
-              </a:blipFill>
-            </p:spPr>
-            <p:txBody>
-              <a:bodyPr/>
-              <a:lstStyle/>
-              <a:p>
-                <a:r>
-                  <a:rPr lang="fr-FR">
-                    <a:noFill/>
-                  </a:rPr>
-                  <a:t> </a:t>
-                </a:r>
-              </a:p>
-            </p:txBody>
-          </p:sp>
-        </mc:Fallback>
-      </mc:AlternateContent>
-      <mc:AlternateContent xmlns:mc="http://schemas.openxmlformats.org/markup-compatibility/2006">
-        <mc:Choice xmlns:a14="http://schemas.microsoft.com/office/drawing/2010/main" Requires="a14">
-          <p:sp>
-            <p:nvSpPr>
               <p:cNvPr id="13" name="ZoneTexte 12">
                 <a:extLst>
                   <a:ext uri="{FF2B5EF4-FFF2-40B4-BE49-F238E27FC236}">
@@ -10739,7 +13073,7 @@
                 <a:avLst/>
               </a:prstGeom>
               <a:blipFill>
-                <a:blip r:embed="rId5"/>
+                <a:blip r:embed="rId4"/>
                 <a:stretch>
                   <a:fillRect l="-15556" r="-4444" b="-15385"/>
                 </a:stretch>
@@ -10931,7 +13265,7 @@
                 <a:avLst/>
               </a:prstGeom>
               <a:blipFill>
-                <a:blip r:embed="rId6"/>
+                <a:blip r:embed="rId5"/>
                 <a:stretch>
                   <a:fillRect l="-21739" r="-4348" b="-27500"/>
                 </a:stretch>
@@ -11123,7 +13457,7 @@
                 <a:avLst/>
               </a:prstGeom>
               <a:blipFill>
-                <a:blip r:embed="rId7"/>
+                <a:blip r:embed="rId6"/>
                 <a:stretch>
                   <a:fillRect l="-15556" r="-4444" b="-15385"/>
                 </a:stretch>
@@ -11413,7 +13747,7 @@
                 <a:avLst/>
               </a:prstGeom>
               <a:blipFill>
-                <a:blip r:embed="rId8"/>
+                <a:blip r:embed="rId7"/>
                 <a:stretch>
                   <a:fillRect l="-16667" r="-2381" b="-15000"/>
                 </a:stretch>
@@ -11556,7 +13890,7 @@
                 <a:avLst/>
               </a:prstGeom>
               <a:blipFill>
-                <a:blip r:embed="rId9"/>
+                <a:blip r:embed="rId8"/>
                 <a:stretch>
                   <a:fillRect l="-16667" r="-4762" b="-15000"/>
                 </a:stretch>
@@ -11699,7 +14033,7 @@
                 <a:avLst/>
               </a:prstGeom>
               <a:blipFill>
-                <a:blip r:embed="rId10"/>
+                <a:blip r:embed="rId9"/>
                 <a:stretch>
                   <a:fillRect l="-23256" r="-4651" b="-30769"/>
                 </a:stretch>
@@ -11860,7 +14194,7 @@
                 <a:avLst/>
               </a:prstGeom>
               <a:blipFill>
-                <a:blip r:embed="rId11"/>
+                <a:blip r:embed="rId10"/>
                 <a:stretch>
                   <a:fillRect l="-6944" r="-4167" b="-19355"/>
                 </a:stretch>
@@ -11895,6 +14229,426 @@
 </file>
 
 <file path=ppt/slides/slide7.xml><?xml version="1.0" encoding="utf-8"?>
+<p:sld xmlns:a="http://schemas.openxmlformats.org/drawingml/2006/main" xmlns:r="http://schemas.openxmlformats.org/officeDocument/2006/relationships" xmlns:p="http://schemas.openxmlformats.org/presentationml/2006/main">
+  <p:cSld>
+    <p:spTree>
+      <p:nvGrpSpPr>
+        <p:cNvPr id="1" name=""/>
+        <p:cNvGrpSpPr/>
+        <p:nvPr/>
+      </p:nvGrpSpPr>
+      <p:grpSpPr>
+        <a:xfrm>
+          <a:off x="0" y="0"/>
+          <a:ext cx="0" cy="0"/>
+          <a:chOff x="0" y="0"/>
+          <a:chExt cx="0" cy="0"/>
+        </a:xfrm>
+      </p:grpSpPr>
+      <p:pic>
+        <p:nvPicPr>
+          <p:cNvPr id="5" name="Image 4">
+            <a:extLst>
+              <a:ext uri="{FF2B5EF4-FFF2-40B4-BE49-F238E27FC236}">
+                <a16:creationId xmlns:a16="http://schemas.microsoft.com/office/drawing/2014/main" id="{F48E04BB-ACC3-5196-6AC2-1356E94957E1}"/>
+              </a:ext>
+            </a:extLst>
+          </p:cNvPr>
+          <p:cNvPicPr>
+            <a:picLocks noChangeAspect="1"/>
+          </p:cNvPicPr>
+          <p:nvPr/>
+        </p:nvPicPr>
+        <p:blipFill>
+          <a:blip r:embed="rId2"/>
+          <a:stretch>
+            <a:fillRect/>
+          </a:stretch>
+        </p:blipFill>
+        <p:spPr>
+          <a:xfrm>
+            <a:off x="1020417" y="1109557"/>
+            <a:ext cx="10151166" cy="4638886"/>
+          </a:xfrm>
+          <a:prstGeom prst="rect">
+            <a:avLst/>
+          </a:prstGeom>
+        </p:spPr>
+      </p:pic>
+      <p:cxnSp>
+        <p:nvCxnSpPr>
+          <p:cNvPr id="6" name="Connecteur droit 5">
+            <a:extLst>
+              <a:ext uri="{FF2B5EF4-FFF2-40B4-BE49-F238E27FC236}">
+                <a16:creationId xmlns:a16="http://schemas.microsoft.com/office/drawing/2014/main" id="{0E59CAB5-040E-04F3-D4E2-DB17F46398ED}"/>
+              </a:ext>
+            </a:extLst>
+          </p:cNvPr>
+          <p:cNvCxnSpPr>
+            <a:cxnSpLocks/>
+          </p:cNvCxnSpPr>
+          <p:nvPr/>
+        </p:nvCxnSpPr>
+        <p:spPr>
+          <a:xfrm flipV="1">
+            <a:off x="2998750" y="3392488"/>
+            <a:ext cx="1" cy="1581262"/>
+          </a:xfrm>
+          <a:prstGeom prst="line">
+            <a:avLst/>
+          </a:prstGeom>
+          <a:solidFill>
+            <a:schemeClr val="bg1"/>
+          </a:solidFill>
+          <a:ln w="28575">
+            <a:solidFill>
+              <a:srgbClr val="FF0000"/>
+            </a:solidFill>
+          </a:ln>
+        </p:spPr>
+        <p:style>
+          <a:lnRef idx="2">
+            <a:schemeClr val="accent1">
+              <a:shade val="50000"/>
+            </a:schemeClr>
+          </a:lnRef>
+          <a:fillRef idx="1">
+            <a:schemeClr val="accent1"/>
+          </a:fillRef>
+          <a:effectRef idx="0">
+            <a:schemeClr val="accent1"/>
+          </a:effectRef>
+          <a:fontRef idx="minor">
+            <a:schemeClr val="lt1"/>
+          </a:fontRef>
+        </p:style>
+      </p:cxnSp>
+      <p:sp>
+        <p:nvSpPr>
+          <p:cNvPr id="7" name="Rectangle 6">
+            <a:extLst>
+              <a:ext uri="{FF2B5EF4-FFF2-40B4-BE49-F238E27FC236}">
+                <a16:creationId xmlns:a16="http://schemas.microsoft.com/office/drawing/2014/main" id="{AAC5A469-CD13-B927-94BC-3E0CD7081B27}"/>
+              </a:ext>
+            </a:extLst>
+          </p:cNvPr>
+          <p:cNvSpPr/>
+          <p:nvPr/>
+        </p:nvSpPr>
+        <p:spPr>
+          <a:xfrm>
+            <a:off x="1673351" y="2020888"/>
+            <a:ext cx="1325393" cy="1371600"/>
+          </a:xfrm>
+          <a:prstGeom prst="rect">
+            <a:avLst/>
+          </a:prstGeom>
+          <a:noFill/>
+          <a:ln w="28575">
+            <a:solidFill>
+              <a:srgbClr val="FF0000"/>
+            </a:solidFill>
+            <a:prstDash val="sysDash"/>
+          </a:ln>
+        </p:spPr>
+        <p:style>
+          <a:lnRef idx="2">
+            <a:schemeClr val="accent1">
+              <a:shade val="50000"/>
+            </a:schemeClr>
+          </a:lnRef>
+          <a:fillRef idx="1">
+            <a:schemeClr val="accent1"/>
+          </a:fillRef>
+          <a:effectRef idx="0">
+            <a:schemeClr val="accent1"/>
+          </a:effectRef>
+          <a:fontRef idx="minor">
+            <a:schemeClr val="lt1"/>
+          </a:fontRef>
+        </p:style>
+        <p:txBody>
+          <a:bodyPr rtlCol="0" anchor="ctr"/>
+          <a:lstStyle/>
+          <a:p>
+            <a:pPr algn="ctr"/>
+            <a:endParaRPr lang="fr-FR"/>
+          </a:p>
+        </p:txBody>
+      </p:sp>
+      <p:cxnSp>
+        <p:nvCxnSpPr>
+          <p:cNvPr id="9" name="Connecteur droit 8">
+            <a:extLst>
+              <a:ext uri="{FF2B5EF4-FFF2-40B4-BE49-F238E27FC236}">
+                <a16:creationId xmlns:a16="http://schemas.microsoft.com/office/drawing/2014/main" id="{3D71CF48-7F37-C503-0D91-853D13113559}"/>
+              </a:ext>
+            </a:extLst>
+          </p:cNvPr>
+          <p:cNvCxnSpPr>
+            <a:cxnSpLocks/>
+          </p:cNvCxnSpPr>
+          <p:nvPr/>
+        </p:nvCxnSpPr>
+        <p:spPr>
+          <a:xfrm flipV="1">
+            <a:off x="6404164" y="2968816"/>
+            <a:ext cx="0" cy="2004934"/>
+          </a:xfrm>
+          <a:prstGeom prst="line">
+            <a:avLst/>
+          </a:prstGeom>
+          <a:solidFill>
+            <a:schemeClr val="bg1"/>
+          </a:solidFill>
+          <a:ln w="28575">
+            <a:solidFill>
+              <a:srgbClr val="FF0000"/>
+            </a:solidFill>
+          </a:ln>
+        </p:spPr>
+        <p:style>
+          <a:lnRef idx="2">
+            <a:schemeClr val="accent1">
+              <a:shade val="50000"/>
+            </a:schemeClr>
+          </a:lnRef>
+          <a:fillRef idx="1">
+            <a:schemeClr val="accent1"/>
+          </a:fillRef>
+          <a:effectRef idx="0">
+            <a:schemeClr val="accent1"/>
+          </a:effectRef>
+          <a:fontRef idx="minor">
+            <a:schemeClr val="lt1"/>
+          </a:fontRef>
+        </p:style>
+      </p:cxnSp>
+      <p:sp>
+        <p:nvSpPr>
+          <p:cNvPr id="10" name="Rectangle 9">
+            <a:extLst>
+              <a:ext uri="{FF2B5EF4-FFF2-40B4-BE49-F238E27FC236}">
+                <a16:creationId xmlns:a16="http://schemas.microsoft.com/office/drawing/2014/main" id="{58D6AA54-2575-270B-04C0-19D07FE3CBC1}"/>
+              </a:ext>
+            </a:extLst>
+          </p:cNvPr>
+          <p:cNvSpPr/>
+          <p:nvPr/>
+        </p:nvSpPr>
+        <p:spPr>
+          <a:xfrm>
+            <a:off x="5078772" y="2496312"/>
+            <a:ext cx="1325393" cy="472504"/>
+          </a:xfrm>
+          <a:prstGeom prst="rect">
+            <a:avLst/>
+          </a:prstGeom>
+          <a:noFill/>
+          <a:ln w="28575">
+            <a:solidFill>
+              <a:srgbClr val="FF0000"/>
+            </a:solidFill>
+            <a:prstDash val="sysDash"/>
+          </a:ln>
+        </p:spPr>
+        <p:style>
+          <a:lnRef idx="2">
+            <a:schemeClr val="accent1">
+              <a:shade val="50000"/>
+            </a:schemeClr>
+          </a:lnRef>
+          <a:fillRef idx="1">
+            <a:schemeClr val="accent1"/>
+          </a:fillRef>
+          <a:effectRef idx="0">
+            <a:schemeClr val="accent1"/>
+          </a:effectRef>
+          <a:fontRef idx="minor">
+            <a:schemeClr val="lt1"/>
+          </a:fontRef>
+        </p:style>
+        <p:txBody>
+          <a:bodyPr rtlCol="0" anchor="ctr"/>
+          <a:lstStyle/>
+          <a:p>
+            <a:pPr algn="ctr"/>
+            <a:endParaRPr lang="fr-FR"/>
+          </a:p>
+        </p:txBody>
+      </p:sp>
+      <p:cxnSp>
+        <p:nvCxnSpPr>
+          <p:cNvPr id="13" name="Connecteur droit 12">
+            <a:extLst>
+              <a:ext uri="{FF2B5EF4-FFF2-40B4-BE49-F238E27FC236}">
+                <a16:creationId xmlns:a16="http://schemas.microsoft.com/office/drawing/2014/main" id="{DB25D3AC-BA83-E9EB-864A-0077A252CEA2}"/>
+              </a:ext>
+            </a:extLst>
+          </p:cNvPr>
+          <p:cNvCxnSpPr>
+            <a:cxnSpLocks/>
+          </p:cNvCxnSpPr>
+          <p:nvPr/>
+        </p:nvCxnSpPr>
+        <p:spPr>
+          <a:xfrm flipV="1">
+            <a:off x="9414792" y="2886520"/>
+            <a:ext cx="0" cy="2154084"/>
+          </a:xfrm>
+          <a:prstGeom prst="line">
+            <a:avLst/>
+          </a:prstGeom>
+          <a:solidFill>
+            <a:schemeClr val="bg1"/>
+          </a:solidFill>
+          <a:ln w="28575">
+            <a:solidFill>
+              <a:srgbClr val="FF0000"/>
+            </a:solidFill>
+          </a:ln>
+        </p:spPr>
+        <p:style>
+          <a:lnRef idx="2">
+            <a:schemeClr val="accent1">
+              <a:shade val="50000"/>
+            </a:schemeClr>
+          </a:lnRef>
+          <a:fillRef idx="1">
+            <a:schemeClr val="accent1"/>
+          </a:fillRef>
+          <a:effectRef idx="0">
+            <a:schemeClr val="accent1"/>
+          </a:effectRef>
+          <a:fontRef idx="minor">
+            <a:schemeClr val="lt1"/>
+          </a:fontRef>
+        </p:style>
+      </p:cxnSp>
+      <p:sp>
+        <p:nvSpPr>
+          <p:cNvPr id="14" name="Rectangle 13">
+            <a:extLst>
+              <a:ext uri="{FF2B5EF4-FFF2-40B4-BE49-F238E27FC236}">
+                <a16:creationId xmlns:a16="http://schemas.microsoft.com/office/drawing/2014/main" id="{080B2B78-77BC-22D8-CC36-BA52BE07A1C1}"/>
+              </a:ext>
+            </a:extLst>
+          </p:cNvPr>
+          <p:cNvSpPr/>
+          <p:nvPr/>
+        </p:nvSpPr>
+        <p:spPr>
+          <a:xfrm>
+            <a:off x="8290560" y="1828800"/>
+            <a:ext cx="1124232" cy="1057720"/>
+          </a:xfrm>
+          <a:prstGeom prst="rect">
+            <a:avLst/>
+          </a:prstGeom>
+          <a:noFill/>
+          <a:ln w="28575">
+            <a:solidFill>
+              <a:srgbClr val="FF0000"/>
+            </a:solidFill>
+            <a:prstDash val="sysDash"/>
+          </a:ln>
+        </p:spPr>
+        <p:style>
+          <a:lnRef idx="2">
+            <a:schemeClr val="accent1">
+              <a:shade val="50000"/>
+            </a:schemeClr>
+          </a:lnRef>
+          <a:fillRef idx="1">
+            <a:schemeClr val="accent1"/>
+          </a:fillRef>
+          <a:effectRef idx="0">
+            <a:schemeClr val="accent1"/>
+          </a:effectRef>
+          <a:fontRef idx="minor">
+            <a:schemeClr val="lt1"/>
+          </a:fontRef>
+        </p:style>
+        <p:txBody>
+          <a:bodyPr rtlCol="0" anchor="ctr"/>
+          <a:lstStyle/>
+          <a:p>
+            <a:pPr algn="ctr"/>
+            <a:endParaRPr lang="fr-FR"/>
+          </a:p>
+        </p:txBody>
+      </p:sp>
+      <p:sp>
+        <p:nvSpPr>
+          <p:cNvPr id="17" name="Signe de multiplication 16">
+            <a:extLst>
+              <a:ext uri="{FF2B5EF4-FFF2-40B4-BE49-F238E27FC236}">
+                <a16:creationId xmlns:a16="http://schemas.microsoft.com/office/drawing/2014/main" id="{0DE147FB-FBBB-81A3-8FFF-780779CD81E2}"/>
+              </a:ext>
+            </a:extLst>
+          </p:cNvPr>
+          <p:cNvSpPr/>
+          <p:nvPr/>
+        </p:nvSpPr>
+        <p:spPr>
+          <a:xfrm>
+            <a:off x="1124712" y="1453896"/>
+            <a:ext cx="256032" cy="256032"/>
+          </a:xfrm>
+          <a:prstGeom prst="mathMultiply">
+            <a:avLst/>
+          </a:prstGeom>
+          <a:solidFill>
+            <a:schemeClr val="accent2">
+              <a:lumMod val="40000"/>
+              <a:lumOff val="60000"/>
+            </a:schemeClr>
+          </a:solidFill>
+          <a:ln>
+            <a:solidFill>
+              <a:srgbClr val="FF0000"/>
+            </a:solidFill>
+          </a:ln>
+        </p:spPr>
+        <p:style>
+          <a:lnRef idx="2">
+            <a:schemeClr val="accent1">
+              <a:shade val="50000"/>
+            </a:schemeClr>
+          </a:lnRef>
+          <a:fillRef idx="1">
+            <a:schemeClr val="accent1"/>
+          </a:fillRef>
+          <a:effectRef idx="0">
+            <a:schemeClr val="accent1"/>
+          </a:effectRef>
+          <a:fontRef idx="minor">
+            <a:schemeClr val="lt1"/>
+          </a:fontRef>
+        </p:style>
+        <p:txBody>
+          <a:bodyPr rtlCol="0" anchor="ctr"/>
+          <a:lstStyle/>
+          <a:p>
+            <a:pPr algn="ctr"/>
+            <a:endParaRPr lang="fr-FR"/>
+          </a:p>
+        </p:txBody>
+      </p:sp>
+    </p:spTree>
+    <p:extLst>
+      <p:ext uri="{BB962C8B-B14F-4D97-AF65-F5344CB8AC3E}">
+        <p14:creationId xmlns:p14="http://schemas.microsoft.com/office/powerpoint/2010/main" val="536003240"/>
+      </p:ext>
+    </p:extLst>
+  </p:cSld>
+  <p:clrMapOvr>
+    <a:masterClrMapping/>
+  </p:clrMapOvr>
+</p:sld>
+</file>
+
+<file path=ppt/slides/slide8.xml><?xml version="1.0" encoding="utf-8"?>
 <p:sld xmlns:a="http://schemas.openxmlformats.org/drawingml/2006/main" xmlns:r="http://schemas.openxmlformats.org/officeDocument/2006/relationships" xmlns:p="http://schemas.openxmlformats.org/presentationml/2006/main">
   <p:cSld>
     <p:spTree>
@@ -13923,7 +16677,7 @@
 </p:sld>
 </file>
 
-<file path=ppt/slides/slide8.xml><?xml version="1.0" encoding="utf-8"?>
+<file path=ppt/slides/slide9.xml><?xml version="1.0" encoding="utf-8"?>
 <p:sld xmlns:a="http://schemas.openxmlformats.org/drawingml/2006/main" xmlns:r="http://schemas.openxmlformats.org/officeDocument/2006/relationships" xmlns:p="http://schemas.openxmlformats.org/presentationml/2006/main">
   <p:cSld>
     <p:spTree>
@@ -16423,2506 +19177,6 @@
 </p:sld>
 </file>
 
-<file path=ppt/slides/slide9.xml><?xml version="1.0" encoding="utf-8"?>
-<p:sld xmlns:a="http://schemas.openxmlformats.org/drawingml/2006/main" xmlns:r="http://schemas.openxmlformats.org/officeDocument/2006/relationships" xmlns:p="http://schemas.openxmlformats.org/presentationml/2006/main">
-  <p:cSld>
-    <p:spTree>
-      <p:nvGrpSpPr>
-        <p:cNvPr id="1" name=""/>
-        <p:cNvGrpSpPr/>
-        <p:nvPr/>
-      </p:nvGrpSpPr>
-      <p:grpSpPr>
-        <a:xfrm>
-          <a:off x="0" y="0"/>
-          <a:ext cx="0" cy="0"/>
-          <a:chOff x="0" y="0"/>
-          <a:chExt cx="0" cy="0"/>
-        </a:xfrm>
-      </p:grpSpPr>
-      <p:cxnSp>
-        <p:nvCxnSpPr>
-          <p:cNvPr id="28" name="Connecteur droit 27">
-            <a:extLst>
-              <a:ext uri="{FF2B5EF4-FFF2-40B4-BE49-F238E27FC236}">
-                <a16:creationId xmlns:a16="http://schemas.microsoft.com/office/drawing/2014/main" id="{C74975E6-0C86-2C0D-1C03-38CA4DF43AE8}"/>
-              </a:ext>
-            </a:extLst>
-          </p:cNvPr>
-          <p:cNvCxnSpPr>
-            <a:cxnSpLocks/>
-          </p:cNvCxnSpPr>
-          <p:nvPr/>
-        </p:nvCxnSpPr>
-        <p:spPr>
-          <a:xfrm>
-            <a:off x="6819954" y="1989882"/>
-            <a:ext cx="720000" cy="0"/>
-          </a:xfrm>
-          <a:prstGeom prst="line">
-            <a:avLst/>
-          </a:prstGeom>
-          <a:solidFill>
-            <a:schemeClr val="bg1"/>
-          </a:solidFill>
-          <a:ln w="28575">
-            <a:solidFill>
-              <a:srgbClr val="7030A0"/>
-            </a:solidFill>
-          </a:ln>
-        </p:spPr>
-        <p:style>
-          <a:lnRef idx="2">
-            <a:schemeClr val="accent1">
-              <a:shade val="50000"/>
-            </a:schemeClr>
-          </a:lnRef>
-          <a:fillRef idx="1">
-            <a:schemeClr val="accent1"/>
-          </a:fillRef>
-          <a:effectRef idx="0">
-            <a:schemeClr val="accent1"/>
-          </a:effectRef>
-          <a:fontRef idx="minor">
-            <a:schemeClr val="lt1"/>
-          </a:fontRef>
-        </p:style>
-      </p:cxnSp>
-      <p:cxnSp>
-        <p:nvCxnSpPr>
-          <p:cNvPr id="24" name="Connecteur droit 23">
-            <a:extLst>
-              <a:ext uri="{FF2B5EF4-FFF2-40B4-BE49-F238E27FC236}">
-                <a16:creationId xmlns:a16="http://schemas.microsoft.com/office/drawing/2014/main" id="{419E6C69-F7DC-0316-44A5-385751940AED}"/>
-              </a:ext>
-            </a:extLst>
-          </p:cNvPr>
-          <p:cNvCxnSpPr>
-            <a:cxnSpLocks/>
-          </p:cNvCxnSpPr>
-          <p:nvPr/>
-        </p:nvCxnSpPr>
-        <p:spPr>
-          <a:xfrm>
-            <a:off x="3939954" y="1989882"/>
-            <a:ext cx="720000" cy="0"/>
-          </a:xfrm>
-          <a:prstGeom prst="line">
-            <a:avLst/>
-          </a:prstGeom>
-          <a:solidFill>
-            <a:schemeClr val="bg1"/>
-          </a:solidFill>
-          <a:ln w="28575">
-            <a:solidFill>
-              <a:srgbClr val="7030A0"/>
-            </a:solidFill>
-          </a:ln>
-        </p:spPr>
-        <p:style>
-          <a:lnRef idx="2">
-            <a:schemeClr val="accent1">
-              <a:shade val="50000"/>
-            </a:schemeClr>
-          </a:lnRef>
-          <a:fillRef idx="1">
-            <a:schemeClr val="accent1"/>
-          </a:fillRef>
-          <a:effectRef idx="0">
-            <a:schemeClr val="accent1"/>
-          </a:effectRef>
-          <a:fontRef idx="minor">
-            <a:schemeClr val="lt1"/>
-          </a:fontRef>
-        </p:style>
-      </p:cxnSp>
-      <p:sp>
-        <p:nvSpPr>
-          <p:cNvPr id="22" name="Rectangle 21">
-            <a:extLst>
-              <a:ext uri="{FF2B5EF4-FFF2-40B4-BE49-F238E27FC236}">
-                <a16:creationId xmlns:a16="http://schemas.microsoft.com/office/drawing/2014/main" id="{C1B9B700-CF80-4993-1363-19B22CF5328D}"/>
-              </a:ext>
-            </a:extLst>
-          </p:cNvPr>
-          <p:cNvSpPr/>
-          <p:nvPr/>
-        </p:nvSpPr>
-        <p:spPr>
-          <a:xfrm>
-            <a:off x="6585954" y="2043227"/>
-            <a:ext cx="468000" cy="144000"/>
-          </a:xfrm>
-          <a:prstGeom prst="rect">
-            <a:avLst/>
-          </a:prstGeom>
-          <a:solidFill>
-            <a:schemeClr val="bg1"/>
-          </a:solidFill>
-          <a:ln w="28575">
-            <a:solidFill>
-              <a:schemeClr val="accent1">
-                <a:lumMod val="50000"/>
-              </a:schemeClr>
-            </a:solidFill>
-          </a:ln>
-        </p:spPr>
-        <p:style>
-          <a:lnRef idx="2">
-            <a:schemeClr val="accent1">
-              <a:shade val="50000"/>
-            </a:schemeClr>
-          </a:lnRef>
-          <a:fillRef idx="1">
-            <a:schemeClr val="accent1"/>
-          </a:fillRef>
-          <a:effectRef idx="0">
-            <a:schemeClr val="accent1"/>
-          </a:effectRef>
-          <a:fontRef idx="minor">
-            <a:schemeClr val="lt1"/>
-          </a:fontRef>
-        </p:style>
-        <p:txBody>
-          <a:bodyPr rtlCol="0" anchor="ctr"/>
-          <a:lstStyle/>
-          <a:p>
-            <a:pPr algn="ctr"/>
-            <a:endParaRPr lang="fr-FR"/>
-          </a:p>
-        </p:txBody>
-      </p:sp>
-      <p:sp>
-        <p:nvSpPr>
-          <p:cNvPr id="20" name="Arc 19">
-            <a:extLst>
-              <a:ext uri="{FF2B5EF4-FFF2-40B4-BE49-F238E27FC236}">
-                <a16:creationId xmlns:a16="http://schemas.microsoft.com/office/drawing/2014/main" id="{9A9E1B3D-DDC9-D643-D638-F1A4F560EE1D}"/>
-              </a:ext>
-            </a:extLst>
-          </p:cNvPr>
-          <p:cNvSpPr/>
-          <p:nvPr/>
-        </p:nvSpPr>
-        <p:spPr>
-          <a:xfrm>
-            <a:off x="4479954" y="1809882"/>
-            <a:ext cx="360000" cy="360000"/>
-          </a:xfrm>
-          <a:prstGeom prst="arc">
-            <a:avLst>
-              <a:gd name="adj1" fmla="val 857438"/>
-              <a:gd name="adj2" fmla="val 10008154"/>
-            </a:avLst>
-          </a:prstGeom>
-          <a:solidFill>
-            <a:schemeClr val="bg1"/>
-          </a:solidFill>
-          <a:ln w="28575">
-            <a:solidFill>
-              <a:schemeClr val="accent1">
-                <a:lumMod val="50000"/>
-              </a:schemeClr>
-            </a:solidFill>
-          </a:ln>
-        </p:spPr>
-        <p:style>
-          <a:lnRef idx="2">
-            <a:schemeClr val="accent1">
-              <a:shade val="50000"/>
-            </a:schemeClr>
-          </a:lnRef>
-          <a:fillRef idx="1">
-            <a:schemeClr val="accent1"/>
-          </a:fillRef>
-          <a:effectRef idx="0">
-            <a:schemeClr val="accent1"/>
-          </a:effectRef>
-          <a:fontRef idx="minor">
-            <a:schemeClr val="lt1"/>
-          </a:fontRef>
-        </p:style>
-        <p:txBody>
-          <a:bodyPr rtlCol="0" anchor="ctr"/>
-          <a:lstStyle/>
-          <a:p>
-            <a:pPr algn="ctr"/>
-            <a:endParaRPr lang="fr-FR">
-              <a:solidFill>
-                <a:schemeClr val="lt1"/>
-              </a:solidFill>
-            </a:endParaRPr>
-          </a:p>
-        </p:txBody>
-      </p:sp>
-      <p:sp>
-        <p:nvSpPr>
-          <p:cNvPr id="4" name="Ellipse 3">
-            <a:extLst>
-              <a:ext uri="{FF2B5EF4-FFF2-40B4-BE49-F238E27FC236}">
-                <a16:creationId xmlns:a16="http://schemas.microsoft.com/office/drawing/2014/main" id="{2B73D1EA-FA48-A88E-2C82-7210DF13B222}"/>
-              </a:ext>
-            </a:extLst>
-          </p:cNvPr>
-          <p:cNvSpPr/>
-          <p:nvPr/>
-        </p:nvSpPr>
-        <p:spPr>
-          <a:xfrm>
-            <a:off x="4515954" y="1845882"/>
-            <a:ext cx="288000" cy="288000"/>
-          </a:xfrm>
-          <a:prstGeom prst="ellipse">
-            <a:avLst/>
-          </a:prstGeom>
-          <a:solidFill>
-            <a:schemeClr val="bg1"/>
-          </a:solidFill>
-          <a:ln w="28575">
-            <a:solidFill>
-              <a:srgbClr val="7030A0"/>
-            </a:solidFill>
-          </a:ln>
-        </p:spPr>
-        <p:style>
-          <a:lnRef idx="2">
-            <a:schemeClr val="accent1">
-              <a:shade val="50000"/>
-            </a:schemeClr>
-          </a:lnRef>
-          <a:fillRef idx="1">
-            <a:schemeClr val="accent1"/>
-          </a:fillRef>
-          <a:effectRef idx="0">
-            <a:schemeClr val="accent1"/>
-          </a:effectRef>
-          <a:fontRef idx="minor">
-            <a:schemeClr val="lt1"/>
-          </a:fontRef>
-        </p:style>
-        <p:txBody>
-          <a:bodyPr rtlCol="0" anchor="ctr"/>
-          <a:lstStyle/>
-          <a:p>
-            <a:pPr algn="ctr"/>
-            <a:endParaRPr lang="fr-FR"/>
-          </a:p>
-        </p:txBody>
-      </p:sp>
-      <p:sp>
-        <p:nvSpPr>
-          <p:cNvPr id="5" name="Ellipse 4">
-            <a:extLst>
-              <a:ext uri="{FF2B5EF4-FFF2-40B4-BE49-F238E27FC236}">
-                <a16:creationId xmlns:a16="http://schemas.microsoft.com/office/drawing/2014/main" id="{FF4125D3-B40D-1102-AF1F-AC49C21130B0}"/>
-              </a:ext>
-            </a:extLst>
-          </p:cNvPr>
-          <p:cNvSpPr/>
-          <p:nvPr/>
-        </p:nvSpPr>
-        <p:spPr>
-          <a:xfrm>
-            <a:off x="6675954" y="1845882"/>
-            <a:ext cx="288000" cy="288000"/>
-          </a:xfrm>
-          <a:prstGeom prst="ellipse">
-            <a:avLst/>
-          </a:prstGeom>
-          <a:solidFill>
-            <a:schemeClr val="bg1"/>
-          </a:solidFill>
-          <a:ln w="28575">
-            <a:solidFill>
-              <a:srgbClr val="7030A0"/>
-            </a:solidFill>
-          </a:ln>
-        </p:spPr>
-        <p:style>
-          <a:lnRef idx="2">
-            <a:schemeClr val="accent1">
-              <a:shade val="50000"/>
-            </a:schemeClr>
-          </a:lnRef>
-          <a:fillRef idx="1">
-            <a:schemeClr val="accent1"/>
-          </a:fillRef>
-          <a:effectRef idx="0">
-            <a:schemeClr val="accent1"/>
-          </a:effectRef>
-          <a:fontRef idx="minor">
-            <a:schemeClr val="lt1"/>
-          </a:fontRef>
-        </p:style>
-        <p:txBody>
-          <a:bodyPr rtlCol="0" anchor="ctr"/>
-          <a:lstStyle/>
-          <a:p>
-            <a:pPr algn="ctr"/>
-            <a:endParaRPr lang="fr-FR"/>
-          </a:p>
-        </p:txBody>
-      </p:sp>
-      <p:cxnSp>
-        <p:nvCxnSpPr>
-          <p:cNvPr id="7" name="Connecteur droit 6">
-            <a:extLst>
-              <a:ext uri="{FF2B5EF4-FFF2-40B4-BE49-F238E27FC236}">
-                <a16:creationId xmlns:a16="http://schemas.microsoft.com/office/drawing/2014/main" id="{34FA399A-B722-EE0F-C3F8-1135C57F47CB}"/>
-              </a:ext>
-            </a:extLst>
-          </p:cNvPr>
-          <p:cNvCxnSpPr>
-            <a:cxnSpLocks/>
-            <a:stCxn id="4" idx="6"/>
-            <a:endCxn id="5" idx="2"/>
-          </p:cNvCxnSpPr>
-          <p:nvPr/>
-        </p:nvCxnSpPr>
-        <p:spPr>
-          <a:xfrm>
-            <a:off x="4803954" y="1989882"/>
-            <a:ext cx="1872000" cy="0"/>
-          </a:xfrm>
-          <a:prstGeom prst="line">
-            <a:avLst/>
-          </a:prstGeom>
-          <a:solidFill>
-            <a:schemeClr val="bg1"/>
-          </a:solidFill>
-          <a:ln w="28575">
-            <a:solidFill>
-              <a:srgbClr val="7030A0"/>
-            </a:solidFill>
-          </a:ln>
-        </p:spPr>
-        <p:style>
-          <a:lnRef idx="2">
-            <a:schemeClr val="accent1">
-              <a:shade val="50000"/>
-            </a:schemeClr>
-          </a:lnRef>
-          <a:fillRef idx="1">
-            <a:schemeClr val="accent1"/>
-          </a:fillRef>
-          <a:effectRef idx="0">
-            <a:schemeClr val="accent1"/>
-          </a:effectRef>
-          <a:fontRef idx="minor">
-            <a:schemeClr val="lt1"/>
-          </a:fontRef>
-        </p:style>
-      </p:cxnSp>
-      <p:cxnSp>
-        <p:nvCxnSpPr>
-          <p:cNvPr id="12" name="Connecteur droit 11">
-            <a:extLst>
-              <a:ext uri="{FF2B5EF4-FFF2-40B4-BE49-F238E27FC236}">
-                <a16:creationId xmlns:a16="http://schemas.microsoft.com/office/drawing/2014/main" id="{C3A9B7BA-686D-0D0C-76AE-2AFFF1BD59A2}"/>
-              </a:ext>
-            </a:extLst>
-          </p:cNvPr>
-          <p:cNvCxnSpPr>
-            <a:cxnSpLocks/>
-          </p:cNvCxnSpPr>
-          <p:nvPr/>
-        </p:nvCxnSpPr>
-        <p:spPr>
-          <a:xfrm flipV="1">
-            <a:off x="3938639" y="1989882"/>
-            <a:ext cx="0" cy="712694"/>
-          </a:xfrm>
-          <a:prstGeom prst="line">
-            <a:avLst/>
-          </a:prstGeom>
-          <a:solidFill>
-            <a:schemeClr val="bg1"/>
-          </a:solidFill>
-          <a:ln w="28575">
-            <a:solidFill>
-              <a:srgbClr val="C00000"/>
-            </a:solidFill>
-            <a:tailEnd type="stealth" w="med" len="lg"/>
-          </a:ln>
-        </p:spPr>
-        <p:style>
-          <a:lnRef idx="2">
-            <a:schemeClr val="accent1">
-              <a:shade val="50000"/>
-            </a:schemeClr>
-          </a:lnRef>
-          <a:fillRef idx="1">
-            <a:schemeClr val="accent1"/>
-          </a:fillRef>
-          <a:effectRef idx="0">
-            <a:schemeClr val="accent1"/>
-          </a:effectRef>
-          <a:fontRef idx="minor">
-            <a:schemeClr val="lt1"/>
-          </a:fontRef>
-        </p:style>
-      </p:cxnSp>
-      <p:cxnSp>
-        <p:nvCxnSpPr>
-          <p:cNvPr id="15" name="Connecteur droit 14">
-            <a:extLst>
-              <a:ext uri="{FF2B5EF4-FFF2-40B4-BE49-F238E27FC236}">
-                <a16:creationId xmlns:a16="http://schemas.microsoft.com/office/drawing/2014/main" id="{53C3C478-37F2-BA19-8C53-FC72D2FBC844}"/>
-              </a:ext>
-            </a:extLst>
-          </p:cNvPr>
-          <p:cNvCxnSpPr>
-            <a:cxnSpLocks/>
-          </p:cNvCxnSpPr>
-          <p:nvPr/>
-        </p:nvCxnSpPr>
-        <p:spPr>
-          <a:xfrm>
-            <a:off x="7539954" y="1989882"/>
-            <a:ext cx="0" cy="531770"/>
-          </a:xfrm>
-          <a:prstGeom prst="line">
-            <a:avLst/>
-          </a:prstGeom>
-          <a:solidFill>
-            <a:schemeClr val="bg1"/>
-          </a:solidFill>
-          <a:ln w="28575">
-            <a:solidFill>
-              <a:srgbClr val="C00000"/>
-            </a:solidFill>
-            <a:tailEnd type="stealth" w="med" len="lg"/>
-          </a:ln>
-        </p:spPr>
-        <p:style>
-          <a:lnRef idx="2">
-            <a:schemeClr val="accent1">
-              <a:shade val="50000"/>
-            </a:schemeClr>
-          </a:lnRef>
-          <a:fillRef idx="1">
-            <a:schemeClr val="accent1"/>
-          </a:fillRef>
-          <a:effectRef idx="0">
-            <a:schemeClr val="accent1"/>
-          </a:effectRef>
-          <a:fontRef idx="minor">
-            <a:schemeClr val="lt1"/>
-          </a:fontRef>
-        </p:style>
-      </p:cxnSp>
-      <mc:AlternateContent xmlns:mc="http://schemas.openxmlformats.org/markup-compatibility/2006" xmlns:a14="http://schemas.microsoft.com/office/drawing/2010/main">
-        <mc:Choice Requires="a14">
-          <p:sp>
-            <p:nvSpPr>
-              <p:cNvPr id="17" name="ZoneTexte 16">
-                <a:extLst>
-                  <a:ext uri="{FF2B5EF4-FFF2-40B4-BE49-F238E27FC236}">
-                    <a16:creationId xmlns:a16="http://schemas.microsoft.com/office/drawing/2014/main" id="{5853C66E-F7C5-9D45-4609-DAC8FD58D6DE}"/>
-                  </a:ext>
-                </a:extLst>
-              </p:cNvPr>
-              <p:cNvSpPr txBox="1"/>
-              <p:nvPr/>
-            </p:nvSpPr>
-            <p:spPr>
-              <a:xfrm>
-                <a:off x="3185368" y="2282129"/>
-                <a:ext cx="708271" cy="208903"/>
-              </a:xfrm>
-              <a:prstGeom prst="rect">
-                <a:avLst/>
-              </a:prstGeom>
-              <a:noFill/>
-            </p:spPr>
-            <p:txBody>
-              <a:bodyPr wrap="none" lIns="0" tIns="0" rIns="0" bIns="0" rtlCol="0">
-                <a:spAutoFit/>
-              </a:bodyPr>
-              <a:lstStyle/>
-              <a:p>
-                <a:pPr/>
-                <a14:m>
-                  <m:oMathPara xmlns:m="http://schemas.openxmlformats.org/officeDocument/2006/math">
-                    <m:oMathParaPr>
-                      <m:jc m:val="centerGroup"/>
-                    </m:oMathParaPr>
-                    <m:oMath xmlns:m="http://schemas.openxmlformats.org/officeDocument/2006/math">
-                      <m:acc>
-                        <m:accPr>
-                          <m:chr m:val="⃗"/>
-                          <m:ctrlPr>
-                            <a:rPr lang="fr-FR" sz="1100" b="0" i="1" smtClean="0">
-                              <a:latin typeface="Cambria Math" panose="02040503050406030204" pitchFamily="18" charset="0"/>
-                            </a:rPr>
-                          </m:ctrlPr>
-                        </m:accPr>
-                        <m:e>
-                          <m:sSub>
-                            <m:sSubPr>
-                              <m:ctrlPr>
-                                <a:rPr lang="fr-FR" sz="1100" i="1">
-                                  <a:latin typeface="Cambria Math" panose="02040503050406030204" pitchFamily="18" charset="0"/>
-                                </a:rPr>
-                              </m:ctrlPr>
-                            </m:sSubPr>
-                            <m:e>
-                              <m:r>
-                                <a:rPr lang="fr-FR" sz="1100" i="1">
-                                  <a:latin typeface="Cambria Math" panose="02040503050406030204" pitchFamily="18" charset="0"/>
-                                </a:rPr>
-                                <m:t>𝐹</m:t>
-                              </m:r>
-                            </m:e>
-                            <m:sub>
-                              <m:r>
-                                <a:rPr lang="fr-FR" sz="1100" i="1">
-                                  <a:latin typeface="Cambria Math" panose="02040503050406030204" pitchFamily="18" charset="0"/>
-                                </a:rPr>
-                                <m:t>𝑙𝑎𝑚𝑒</m:t>
-                              </m:r>
-                              <m:r>
-                                <m:rPr>
-                                  <m:lit/>
-                                </m:rPr>
-                                <a:rPr lang="fr-FR" sz="1100" i="1">
-                                  <a:latin typeface="Cambria Math" panose="02040503050406030204" pitchFamily="18" charset="0"/>
-                                </a:rPr>
-                                <m:t>/</m:t>
-                              </m:r>
-                              <m:r>
-                                <a:rPr lang="fr-FR" sz="1100" i="1">
-                                  <a:latin typeface="Cambria Math" panose="02040503050406030204" pitchFamily="18" charset="0"/>
-                                </a:rPr>
-                                <m:t>𝑎𝑟𝑏𝑟𝑒</m:t>
-                              </m:r>
-                            </m:sub>
-                          </m:sSub>
-                        </m:e>
-                      </m:acc>
-                    </m:oMath>
-                  </m:oMathPara>
-                </a14:m>
-                <a:endParaRPr lang="fr-FR" dirty="0"/>
-              </a:p>
-            </p:txBody>
-          </p:sp>
-        </mc:Choice>
-        <mc:Fallback xmlns="">
-          <p:sp>
-            <p:nvSpPr>
-              <p:cNvPr id="17" name="ZoneTexte 16">
-                <a:extLst>
-                  <a:ext uri="{FF2B5EF4-FFF2-40B4-BE49-F238E27FC236}">
-                    <a16:creationId xmlns:a16="http://schemas.microsoft.com/office/drawing/2014/main" id="{5853C66E-F7C5-9D45-4609-DAC8FD58D6DE}"/>
-                  </a:ext>
-                </a:extLst>
-              </p:cNvPr>
-              <p:cNvSpPr txBox="1">
-                <a:spLocks noRot="1" noChangeAspect="1" noMove="1" noResize="1" noEditPoints="1" noAdjustHandles="1" noChangeArrowheads="1" noChangeShapeType="1" noTextEdit="1"/>
-              </p:cNvSpPr>
-              <p:nvPr/>
-            </p:nvSpPr>
-            <p:spPr>
-              <a:xfrm>
-                <a:off x="3185368" y="2282129"/>
-                <a:ext cx="708271" cy="208903"/>
-              </a:xfrm>
-              <a:prstGeom prst="rect">
-                <a:avLst/>
-              </a:prstGeom>
-              <a:blipFill>
-                <a:blip r:embed="rId2"/>
-                <a:stretch>
-                  <a:fillRect l="-4310" r="-1724" b="-25714"/>
-                </a:stretch>
-              </a:blipFill>
-            </p:spPr>
-            <p:txBody>
-              <a:bodyPr/>
-              <a:lstStyle/>
-              <a:p>
-                <a:r>
-                  <a:rPr lang="fr-FR">
-                    <a:noFill/>
-                  </a:rPr>
-                  <a:t> </a:t>
-                </a:r>
-              </a:p>
-            </p:txBody>
-          </p:sp>
-        </mc:Fallback>
-      </mc:AlternateContent>
-      <mc:AlternateContent xmlns:mc="http://schemas.openxmlformats.org/markup-compatibility/2006" xmlns:a14="http://schemas.microsoft.com/office/drawing/2010/main">
-        <mc:Choice Requires="a14">
-          <p:sp>
-            <p:nvSpPr>
-              <p:cNvPr id="19" name="ZoneTexte 18">
-                <a:extLst>
-                  <a:ext uri="{FF2B5EF4-FFF2-40B4-BE49-F238E27FC236}">
-                    <a16:creationId xmlns:a16="http://schemas.microsoft.com/office/drawing/2014/main" id="{8006ADE4-EE8F-25FA-7E75-529D7061EE5E}"/>
-                  </a:ext>
-                </a:extLst>
-              </p:cNvPr>
-              <p:cNvSpPr txBox="1"/>
-              <p:nvPr/>
-            </p:nvSpPr>
-            <p:spPr>
-              <a:xfrm>
-                <a:off x="7629954" y="2106838"/>
-                <a:ext cx="897425" cy="208903"/>
-              </a:xfrm>
-              <a:prstGeom prst="rect">
-                <a:avLst/>
-              </a:prstGeom>
-              <a:noFill/>
-            </p:spPr>
-            <p:txBody>
-              <a:bodyPr wrap="none" lIns="0" tIns="0" rIns="0" bIns="0" rtlCol="0">
-                <a:spAutoFit/>
-              </a:bodyPr>
-              <a:lstStyle/>
-              <a:p>
-                <a:pPr/>
-                <a14:m>
-                  <m:oMathPara xmlns:m="http://schemas.openxmlformats.org/officeDocument/2006/math">
-                    <m:oMathParaPr>
-                      <m:jc m:val="centerGroup"/>
-                    </m:oMathParaPr>
-                    <m:oMath xmlns:m="http://schemas.openxmlformats.org/officeDocument/2006/math">
-                      <m:acc>
-                        <m:accPr>
-                          <m:chr m:val="⃗"/>
-                          <m:ctrlPr>
-                            <a:rPr lang="fr-FR" sz="1100" b="0" i="1" smtClean="0">
-                              <a:latin typeface="Cambria Math" panose="02040503050406030204" pitchFamily="18" charset="0"/>
-                            </a:rPr>
-                          </m:ctrlPr>
-                        </m:accPr>
-                        <m:e>
-                          <m:sSub>
-                            <m:sSubPr>
-                              <m:ctrlPr>
-                                <a:rPr lang="fr-FR" sz="1100" i="1">
-                                  <a:latin typeface="Cambria Math" panose="02040503050406030204" pitchFamily="18" charset="0"/>
-                                </a:rPr>
-                              </m:ctrlPr>
-                            </m:sSubPr>
-                            <m:e>
-                              <m:r>
-                                <a:rPr lang="fr-FR" sz="1100" i="1">
-                                  <a:latin typeface="Cambria Math" panose="02040503050406030204" pitchFamily="18" charset="0"/>
-                                </a:rPr>
-                                <m:t>𝐹</m:t>
-                              </m:r>
-                            </m:e>
-                            <m:sub>
-                              <m:r>
-                                <a:rPr lang="fr-FR" sz="1100" b="0" i="1" smtClean="0">
-                                  <a:latin typeface="Cambria Math" panose="02040503050406030204" pitchFamily="18" charset="0"/>
-                                </a:rPr>
-                                <m:t>𝑐𝑜𝑢𝑟𝑟𝑜𝑖𝑒</m:t>
-                              </m:r>
-                              <m:r>
-                                <m:rPr>
-                                  <m:lit/>
-                                </m:rPr>
-                                <a:rPr lang="fr-FR" sz="1100" i="1">
-                                  <a:latin typeface="Cambria Math" panose="02040503050406030204" pitchFamily="18" charset="0"/>
-                                </a:rPr>
-                                <m:t>/</m:t>
-                              </m:r>
-                              <m:r>
-                                <a:rPr lang="fr-FR" sz="1100" i="1">
-                                  <a:latin typeface="Cambria Math" panose="02040503050406030204" pitchFamily="18" charset="0"/>
-                                </a:rPr>
-                                <m:t>𝑎𝑟𝑏𝑟𝑒</m:t>
-                              </m:r>
-                            </m:sub>
-                          </m:sSub>
-                        </m:e>
-                      </m:acc>
-                    </m:oMath>
-                  </m:oMathPara>
-                </a14:m>
-                <a:endParaRPr lang="fr-FR" dirty="0"/>
-              </a:p>
-            </p:txBody>
-          </p:sp>
-        </mc:Choice>
-        <mc:Fallback xmlns="">
-          <p:sp>
-            <p:nvSpPr>
-              <p:cNvPr id="19" name="ZoneTexte 18">
-                <a:extLst>
-                  <a:ext uri="{FF2B5EF4-FFF2-40B4-BE49-F238E27FC236}">
-                    <a16:creationId xmlns:a16="http://schemas.microsoft.com/office/drawing/2014/main" id="{8006ADE4-EE8F-25FA-7E75-529D7061EE5E}"/>
-                  </a:ext>
-                </a:extLst>
-              </p:cNvPr>
-              <p:cNvSpPr txBox="1">
-                <a:spLocks noRot="1" noChangeAspect="1" noMove="1" noResize="1" noEditPoints="1" noAdjustHandles="1" noChangeArrowheads="1" noChangeShapeType="1" noTextEdit="1"/>
-              </p:cNvSpPr>
-              <p:nvPr/>
-            </p:nvSpPr>
-            <p:spPr>
-              <a:xfrm>
-                <a:off x="7629954" y="2106838"/>
-                <a:ext cx="897425" cy="208903"/>
-              </a:xfrm>
-              <a:prstGeom prst="rect">
-                <a:avLst/>
-              </a:prstGeom>
-              <a:blipFill>
-                <a:blip r:embed="rId3"/>
-                <a:stretch>
-                  <a:fillRect l="-3401" r="-1361" b="-26471"/>
-                </a:stretch>
-              </a:blipFill>
-            </p:spPr>
-            <p:txBody>
-              <a:bodyPr/>
-              <a:lstStyle/>
-              <a:p>
-                <a:r>
-                  <a:rPr lang="fr-FR">
-                    <a:noFill/>
-                  </a:rPr>
-                  <a:t> </a:t>
-                </a:r>
-              </a:p>
-            </p:txBody>
-          </p:sp>
-        </mc:Fallback>
-      </mc:AlternateContent>
-      <p:cxnSp>
-        <p:nvCxnSpPr>
-          <p:cNvPr id="23" name="Connecteur droit 22">
-            <a:extLst>
-              <a:ext uri="{FF2B5EF4-FFF2-40B4-BE49-F238E27FC236}">
-                <a16:creationId xmlns:a16="http://schemas.microsoft.com/office/drawing/2014/main" id="{BA6878E0-BA88-A381-C274-546397C3A09A}"/>
-              </a:ext>
-            </a:extLst>
-          </p:cNvPr>
-          <p:cNvCxnSpPr>
-            <a:cxnSpLocks/>
-          </p:cNvCxnSpPr>
-          <p:nvPr/>
-        </p:nvCxnSpPr>
-        <p:spPr>
-          <a:xfrm>
-            <a:off x="4659954" y="2169882"/>
-            <a:ext cx="0" cy="216699"/>
-          </a:xfrm>
-          <a:prstGeom prst="line">
-            <a:avLst/>
-          </a:prstGeom>
-          <a:solidFill>
-            <a:schemeClr val="bg1"/>
-          </a:solidFill>
-          <a:ln w="28575">
-            <a:solidFill>
-              <a:schemeClr val="accent1">
-                <a:lumMod val="50000"/>
-              </a:schemeClr>
-            </a:solidFill>
-          </a:ln>
-        </p:spPr>
-        <p:style>
-          <a:lnRef idx="2">
-            <a:schemeClr val="accent1">
-              <a:shade val="50000"/>
-            </a:schemeClr>
-          </a:lnRef>
-          <a:fillRef idx="1">
-            <a:schemeClr val="accent1"/>
-          </a:fillRef>
-          <a:effectRef idx="0">
-            <a:schemeClr val="accent1"/>
-          </a:effectRef>
-          <a:fontRef idx="minor">
-            <a:schemeClr val="lt1"/>
-          </a:fontRef>
-        </p:style>
-      </p:cxnSp>
-      <p:cxnSp>
-        <p:nvCxnSpPr>
-          <p:cNvPr id="27" name="Connecteur droit 26">
-            <a:extLst>
-              <a:ext uri="{FF2B5EF4-FFF2-40B4-BE49-F238E27FC236}">
-                <a16:creationId xmlns:a16="http://schemas.microsoft.com/office/drawing/2014/main" id="{59441FA6-98EC-AC94-F34B-2595115CFB6B}"/>
-              </a:ext>
-            </a:extLst>
-          </p:cNvPr>
-          <p:cNvCxnSpPr>
-            <a:cxnSpLocks/>
-            <a:endCxn id="22" idx="2"/>
-          </p:cNvCxnSpPr>
-          <p:nvPr/>
-        </p:nvCxnSpPr>
-        <p:spPr>
-          <a:xfrm flipV="1">
-            <a:off x="6819954" y="2187227"/>
-            <a:ext cx="0" cy="208903"/>
-          </a:xfrm>
-          <a:prstGeom prst="line">
-            <a:avLst/>
-          </a:prstGeom>
-          <a:solidFill>
-            <a:schemeClr val="bg1"/>
-          </a:solidFill>
-          <a:ln w="28575">
-            <a:solidFill>
-              <a:schemeClr val="accent1">
-                <a:lumMod val="50000"/>
-              </a:schemeClr>
-            </a:solidFill>
-          </a:ln>
-        </p:spPr>
-        <p:style>
-          <a:lnRef idx="2">
-            <a:schemeClr val="accent1">
-              <a:shade val="50000"/>
-            </a:schemeClr>
-          </a:lnRef>
-          <a:fillRef idx="1">
-            <a:schemeClr val="accent1"/>
-          </a:fillRef>
-          <a:effectRef idx="0">
-            <a:schemeClr val="accent1"/>
-          </a:effectRef>
-          <a:fontRef idx="minor">
-            <a:schemeClr val="lt1"/>
-          </a:fontRef>
-        </p:style>
-      </p:cxnSp>
-      <p:cxnSp>
-        <p:nvCxnSpPr>
-          <p:cNvPr id="30" name="Connecteur droit 29">
-            <a:extLst>
-              <a:ext uri="{FF2B5EF4-FFF2-40B4-BE49-F238E27FC236}">
-                <a16:creationId xmlns:a16="http://schemas.microsoft.com/office/drawing/2014/main" id="{8ED62A41-204D-F5CA-65A4-85C063973BD9}"/>
-              </a:ext>
-            </a:extLst>
-          </p:cNvPr>
-          <p:cNvCxnSpPr>
-            <a:cxnSpLocks/>
-          </p:cNvCxnSpPr>
-          <p:nvPr/>
-        </p:nvCxnSpPr>
-        <p:spPr>
-          <a:xfrm flipH="1">
-            <a:off x="4645659" y="2396130"/>
-            <a:ext cx="2174295" cy="0"/>
-          </a:xfrm>
-          <a:prstGeom prst="line">
-            <a:avLst/>
-          </a:prstGeom>
-          <a:solidFill>
-            <a:schemeClr val="bg1"/>
-          </a:solidFill>
-          <a:ln w="28575">
-            <a:solidFill>
-              <a:schemeClr val="accent1">
-                <a:lumMod val="50000"/>
-              </a:schemeClr>
-            </a:solidFill>
-          </a:ln>
-        </p:spPr>
-        <p:style>
-          <a:lnRef idx="2">
-            <a:schemeClr val="accent1">
-              <a:shade val="50000"/>
-            </a:schemeClr>
-          </a:lnRef>
-          <a:fillRef idx="1">
-            <a:schemeClr val="accent1"/>
-          </a:fillRef>
-          <a:effectRef idx="0">
-            <a:schemeClr val="accent1"/>
-          </a:effectRef>
-          <a:fontRef idx="minor">
-            <a:schemeClr val="lt1"/>
-          </a:fontRef>
-        </p:style>
-      </p:cxnSp>
-      <p:cxnSp>
-        <p:nvCxnSpPr>
-          <p:cNvPr id="34" name="Connecteur droit 33">
-            <a:extLst>
-              <a:ext uri="{FF2B5EF4-FFF2-40B4-BE49-F238E27FC236}">
-                <a16:creationId xmlns:a16="http://schemas.microsoft.com/office/drawing/2014/main" id="{1BADC16F-3A93-FCAE-B5EE-03138BE21FB3}"/>
-              </a:ext>
-            </a:extLst>
-          </p:cNvPr>
-          <p:cNvCxnSpPr>
-            <a:cxnSpLocks/>
-          </p:cNvCxnSpPr>
-          <p:nvPr/>
-        </p:nvCxnSpPr>
-        <p:spPr>
-          <a:xfrm>
-            <a:off x="5771147" y="2397171"/>
-            <a:ext cx="0" cy="216699"/>
-          </a:xfrm>
-          <a:prstGeom prst="line">
-            <a:avLst/>
-          </a:prstGeom>
-          <a:solidFill>
-            <a:schemeClr val="bg1"/>
-          </a:solidFill>
-          <a:ln w="28575">
-            <a:solidFill>
-              <a:schemeClr val="accent1">
-                <a:lumMod val="50000"/>
-              </a:schemeClr>
-            </a:solidFill>
-          </a:ln>
-        </p:spPr>
-        <p:style>
-          <a:lnRef idx="2">
-            <a:schemeClr val="accent1">
-              <a:shade val="50000"/>
-            </a:schemeClr>
-          </a:lnRef>
-          <a:fillRef idx="1">
-            <a:schemeClr val="accent1"/>
-          </a:fillRef>
-          <a:effectRef idx="0">
-            <a:schemeClr val="accent1"/>
-          </a:effectRef>
-          <a:fontRef idx="minor">
-            <a:schemeClr val="lt1"/>
-          </a:fontRef>
-        </p:style>
-      </p:cxnSp>
-      <p:sp>
-        <p:nvSpPr>
-          <p:cNvPr id="36" name="Forme libre : forme 35">
-            <a:extLst>
-              <a:ext uri="{FF2B5EF4-FFF2-40B4-BE49-F238E27FC236}">
-                <a16:creationId xmlns:a16="http://schemas.microsoft.com/office/drawing/2014/main" id="{C8885A49-7B79-5CAF-98DC-D234F195286B}"/>
-              </a:ext>
-            </a:extLst>
-          </p:cNvPr>
-          <p:cNvSpPr/>
-          <p:nvPr/>
-        </p:nvSpPr>
-        <p:spPr>
-          <a:xfrm>
-            <a:off x="5567193" y="2605034"/>
-            <a:ext cx="418531" cy="153602"/>
-          </a:xfrm>
-          <a:custGeom>
-            <a:avLst/>
-            <a:gdLst>
-              <a:gd name="connsiteX0" fmla="*/ 0 w 418531"/>
-              <a:gd name="connsiteY0" fmla="*/ 9098 h 153602"/>
-              <a:gd name="connsiteX1" fmla="*/ 77337 w 418531"/>
-              <a:gd name="connsiteY1" fmla="*/ 150125 h 153602"/>
-              <a:gd name="connsiteX2" fmla="*/ 181970 w 418531"/>
-              <a:gd name="connsiteY2" fmla="*/ 109182 h 153602"/>
-              <a:gd name="connsiteX3" fmla="*/ 332095 w 418531"/>
-              <a:gd name="connsiteY3" fmla="*/ 150125 h 153602"/>
-              <a:gd name="connsiteX4" fmla="*/ 418531 w 418531"/>
-              <a:gd name="connsiteY4" fmla="*/ 0 h 153602"/>
-            </a:gdLst>
-            <a:ahLst/>
-            <a:cxnLst>
-              <a:cxn ang="0">
-                <a:pos x="connsiteX0" y="connsiteY0"/>
-              </a:cxn>
-              <a:cxn ang="0">
-                <a:pos x="connsiteX1" y="connsiteY1"/>
-              </a:cxn>
-              <a:cxn ang="0">
-                <a:pos x="connsiteX2" y="connsiteY2"/>
-              </a:cxn>
-              <a:cxn ang="0">
-                <a:pos x="connsiteX3" y="connsiteY3"/>
-              </a:cxn>
-              <a:cxn ang="0">
-                <a:pos x="connsiteX4" y="connsiteY4"/>
-              </a:cxn>
-            </a:cxnLst>
-            <a:rect l="l" t="t" r="r" b="b"/>
-            <a:pathLst>
-              <a:path w="418531" h="153602">
-                <a:moveTo>
-                  <a:pt x="0" y="9098"/>
-                </a:moveTo>
-                <a:cubicBezTo>
-                  <a:pt x="23504" y="71271"/>
-                  <a:pt x="47009" y="133444"/>
-                  <a:pt x="77337" y="150125"/>
-                </a:cubicBezTo>
-                <a:cubicBezTo>
-                  <a:pt x="107665" y="166806"/>
-                  <a:pt x="139510" y="109182"/>
-                  <a:pt x="181970" y="109182"/>
-                </a:cubicBezTo>
-                <a:cubicBezTo>
-                  <a:pt x="224430" y="109182"/>
-                  <a:pt x="292668" y="168322"/>
-                  <a:pt x="332095" y="150125"/>
-                </a:cubicBezTo>
-                <a:cubicBezTo>
-                  <a:pt x="371522" y="131928"/>
-                  <a:pt x="395026" y="65964"/>
-                  <a:pt x="418531" y="0"/>
-                </a:cubicBezTo>
-              </a:path>
-            </a:pathLst>
-          </a:custGeom>
-          <a:solidFill>
-            <a:schemeClr val="accent1">
-              <a:lumMod val="20000"/>
-              <a:lumOff val="80000"/>
-            </a:schemeClr>
-          </a:solidFill>
-          <a:ln w="12700">
-            <a:solidFill>
-              <a:schemeClr val="accent1">
-                <a:lumMod val="50000"/>
-              </a:schemeClr>
-            </a:solidFill>
-          </a:ln>
-        </p:spPr>
-        <p:style>
-          <a:lnRef idx="2">
-            <a:schemeClr val="accent1">
-              <a:shade val="50000"/>
-            </a:schemeClr>
-          </a:lnRef>
-          <a:fillRef idx="1">
-            <a:schemeClr val="accent1"/>
-          </a:fillRef>
-          <a:effectRef idx="0">
-            <a:schemeClr val="accent1"/>
-          </a:effectRef>
-          <a:fontRef idx="minor">
-            <a:schemeClr val="lt1"/>
-          </a:fontRef>
-        </p:style>
-        <p:txBody>
-          <a:bodyPr rtlCol="0" anchor="ctr"/>
-          <a:lstStyle/>
-          <a:p>
-            <a:pPr algn="ctr"/>
-            <a:endParaRPr lang="fr-FR"/>
-          </a:p>
-        </p:txBody>
-      </p:sp>
-      <p:cxnSp>
-        <p:nvCxnSpPr>
-          <p:cNvPr id="35" name="Connecteur droit 34">
-            <a:extLst>
-              <a:ext uri="{FF2B5EF4-FFF2-40B4-BE49-F238E27FC236}">
-                <a16:creationId xmlns:a16="http://schemas.microsoft.com/office/drawing/2014/main" id="{584EAEEE-4AA8-6ED7-A1D1-B37CD4DB8559}"/>
-              </a:ext>
-            </a:extLst>
-          </p:cNvPr>
-          <p:cNvCxnSpPr>
-            <a:cxnSpLocks/>
-          </p:cNvCxnSpPr>
-          <p:nvPr/>
-        </p:nvCxnSpPr>
-        <p:spPr>
-          <a:xfrm rot="5400000">
-            <a:off x="5771909" y="2397870"/>
-            <a:ext cx="0" cy="432000"/>
-          </a:xfrm>
-          <a:prstGeom prst="line">
-            <a:avLst/>
-          </a:prstGeom>
-          <a:solidFill>
-            <a:schemeClr val="bg1"/>
-          </a:solidFill>
-          <a:ln w="28575">
-            <a:solidFill>
-              <a:schemeClr val="accent1">
-                <a:lumMod val="50000"/>
-              </a:schemeClr>
-            </a:solidFill>
-          </a:ln>
-        </p:spPr>
-        <p:style>
-          <a:lnRef idx="2">
-            <a:schemeClr val="accent1">
-              <a:shade val="50000"/>
-            </a:schemeClr>
-          </a:lnRef>
-          <a:fillRef idx="1">
-            <a:schemeClr val="accent1"/>
-          </a:fillRef>
-          <a:effectRef idx="0">
-            <a:schemeClr val="accent1"/>
-          </a:effectRef>
-          <a:fontRef idx="minor">
-            <a:schemeClr val="lt1"/>
-          </a:fontRef>
-        </p:style>
-      </p:cxnSp>
-      <mc:AlternateContent xmlns:mc="http://schemas.openxmlformats.org/markup-compatibility/2006" xmlns:a14="http://schemas.microsoft.com/office/drawing/2010/main">
-        <mc:Choice Requires="a14">
-          <p:sp>
-            <p:nvSpPr>
-              <p:cNvPr id="37" name="ZoneTexte 36">
-                <a:extLst>
-                  <a:ext uri="{FF2B5EF4-FFF2-40B4-BE49-F238E27FC236}">
-                    <a16:creationId xmlns:a16="http://schemas.microsoft.com/office/drawing/2014/main" id="{9ED1DE3B-9EA9-4E3D-9578-45824CF3B2BD}"/>
-                  </a:ext>
-                </a:extLst>
-              </p:cNvPr>
-              <p:cNvSpPr txBox="1"/>
-              <p:nvPr/>
-            </p:nvSpPr>
-            <p:spPr>
-              <a:xfrm>
-                <a:off x="3878366" y="1780979"/>
-                <a:ext cx="123175" cy="169277"/>
-              </a:xfrm>
-              <a:prstGeom prst="rect">
-                <a:avLst/>
-              </a:prstGeom>
-              <a:noFill/>
-            </p:spPr>
-            <p:txBody>
-              <a:bodyPr wrap="none" lIns="0" tIns="0" rIns="0" bIns="0" rtlCol="0">
-                <a:spAutoFit/>
-              </a:bodyPr>
-              <a:lstStyle/>
-              <a:p>
-                <a:pPr/>
-                <a14:m>
-                  <m:oMathPara xmlns:m="http://schemas.openxmlformats.org/officeDocument/2006/math">
-                    <m:oMathParaPr>
-                      <m:jc m:val="centerGroup"/>
-                    </m:oMathParaPr>
-                    <m:oMath xmlns:m="http://schemas.openxmlformats.org/officeDocument/2006/math">
-                      <m:r>
-                        <a:rPr lang="fr-FR" sz="1100" b="0" i="1" smtClean="0">
-                          <a:latin typeface="Cambria Math" panose="02040503050406030204" pitchFamily="18" charset="0"/>
-                        </a:rPr>
-                        <m:t>𝐴</m:t>
-                      </m:r>
-                    </m:oMath>
-                  </m:oMathPara>
-                </a14:m>
-                <a:endParaRPr lang="fr-FR" dirty="0"/>
-              </a:p>
-            </p:txBody>
-          </p:sp>
-        </mc:Choice>
-        <mc:Fallback xmlns="">
-          <p:sp>
-            <p:nvSpPr>
-              <p:cNvPr id="37" name="ZoneTexte 36">
-                <a:extLst>
-                  <a:ext uri="{FF2B5EF4-FFF2-40B4-BE49-F238E27FC236}">
-                    <a16:creationId xmlns:a16="http://schemas.microsoft.com/office/drawing/2014/main" id="{9ED1DE3B-9EA9-4E3D-9578-45824CF3B2BD}"/>
-                  </a:ext>
-                </a:extLst>
-              </p:cNvPr>
-              <p:cNvSpPr txBox="1">
-                <a:spLocks noRot="1" noChangeAspect="1" noMove="1" noResize="1" noEditPoints="1" noAdjustHandles="1" noChangeArrowheads="1" noChangeShapeType="1" noTextEdit="1"/>
-              </p:cNvSpPr>
-              <p:nvPr/>
-            </p:nvSpPr>
-            <p:spPr>
-              <a:xfrm>
-                <a:off x="3878366" y="1780979"/>
-                <a:ext cx="123175" cy="169277"/>
-              </a:xfrm>
-              <a:prstGeom prst="rect">
-                <a:avLst/>
-              </a:prstGeom>
-              <a:blipFill>
-                <a:blip r:embed="rId4"/>
-                <a:stretch>
-                  <a:fillRect l="-25000" r="-30000" b="-7143"/>
-                </a:stretch>
-              </a:blipFill>
-            </p:spPr>
-            <p:txBody>
-              <a:bodyPr/>
-              <a:lstStyle/>
-              <a:p>
-                <a:r>
-                  <a:rPr lang="fr-FR">
-                    <a:noFill/>
-                  </a:rPr>
-                  <a:t> </a:t>
-                </a:r>
-              </a:p>
-            </p:txBody>
-          </p:sp>
-        </mc:Fallback>
-      </mc:AlternateContent>
-      <mc:AlternateContent xmlns:mc="http://schemas.openxmlformats.org/markup-compatibility/2006" xmlns:a14="http://schemas.microsoft.com/office/drawing/2010/main">
-        <mc:Choice Requires="a14">
-          <p:sp>
-            <p:nvSpPr>
-              <p:cNvPr id="38" name="ZoneTexte 37">
-                <a:extLst>
-                  <a:ext uri="{FF2B5EF4-FFF2-40B4-BE49-F238E27FC236}">
-                    <a16:creationId xmlns:a16="http://schemas.microsoft.com/office/drawing/2014/main" id="{77473007-63BC-B4A4-3B49-AE53B6F779F7}"/>
-                  </a:ext>
-                </a:extLst>
-              </p:cNvPr>
-              <p:cNvSpPr txBox="1"/>
-              <p:nvPr/>
-            </p:nvSpPr>
-            <p:spPr>
-              <a:xfrm>
-                <a:off x="4356884" y="1780979"/>
-                <a:ext cx="128818" cy="169277"/>
-              </a:xfrm>
-              <a:prstGeom prst="rect">
-                <a:avLst/>
-              </a:prstGeom>
-              <a:noFill/>
-            </p:spPr>
-            <p:txBody>
-              <a:bodyPr wrap="none" lIns="0" tIns="0" rIns="0" bIns="0" rtlCol="0">
-                <a:spAutoFit/>
-              </a:bodyPr>
-              <a:lstStyle/>
-              <a:p>
-                <a:pPr/>
-                <a14:m>
-                  <m:oMathPara xmlns:m="http://schemas.openxmlformats.org/officeDocument/2006/math">
-                    <m:oMathParaPr>
-                      <m:jc m:val="centerGroup"/>
-                    </m:oMathParaPr>
-                    <m:oMath xmlns:m="http://schemas.openxmlformats.org/officeDocument/2006/math">
-                      <m:r>
-                        <a:rPr lang="fr-FR" sz="1100" b="0" i="1" smtClean="0">
-                          <a:latin typeface="Cambria Math" panose="02040503050406030204" pitchFamily="18" charset="0"/>
-                        </a:rPr>
-                        <m:t>𝐵</m:t>
-                      </m:r>
-                    </m:oMath>
-                  </m:oMathPara>
-                </a14:m>
-                <a:endParaRPr lang="fr-FR" dirty="0"/>
-              </a:p>
-            </p:txBody>
-          </p:sp>
-        </mc:Choice>
-        <mc:Fallback xmlns="">
-          <p:sp>
-            <p:nvSpPr>
-              <p:cNvPr id="38" name="ZoneTexte 37">
-                <a:extLst>
-                  <a:ext uri="{FF2B5EF4-FFF2-40B4-BE49-F238E27FC236}">
-                    <a16:creationId xmlns:a16="http://schemas.microsoft.com/office/drawing/2014/main" id="{77473007-63BC-B4A4-3B49-AE53B6F779F7}"/>
-                  </a:ext>
-                </a:extLst>
-              </p:cNvPr>
-              <p:cNvSpPr txBox="1">
-                <a:spLocks noRot="1" noChangeAspect="1" noMove="1" noResize="1" noEditPoints="1" noAdjustHandles="1" noChangeArrowheads="1" noChangeShapeType="1" noTextEdit="1"/>
-              </p:cNvSpPr>
-              <p:nvPr/>
-            </p:nvSpPr>
-            <p:spPr>
-              <a:xfrm>
-                <a:off x="4356884" y="1780979"/>
-                <a:ext cx="128818" cy="169277"/>
-              </a:xfrm>
-              <a:prstGeom prst="rect">
-                <a:avLst/>
-              </a:prstGeom>
-              <a:blipFill>
-                <a:blip r:embed="rId5"/>
-                <a:stretch>
-                  <a:fillRect l="-23810" r="-23810" b="-7143"/>
-                </a:stretch>
-              </a:blipFill>
-            </p:spPr>
-            <p:txBody>
-              <a:bodyPr/>
-              <a:lstStyle/>
-              <a:p>
-                <a:r>
-                  <a:rPr lang="fr-FR">
-                    <a:noFill/>
-                  </a:rPr>
-                  <a:t> </a:t>
-                </a:r>
-              </a:p>
-            </p:txBody>
-          </p:sp>
-        </mc:Fallback>
-      </mc:AlternateContent>
-      <mc:AlternateContent xmlns:mc="http://schemas.openxmlformats.org/markup-compatibility/2006" xmlns:a14="http://schemas.microsoft.com/office/drawing/2010/main">
-        <mc:Choice Requires="a14">
-          <p:sp>
-            <p:nvSpPr>
-              <p:cNvPr id="39" name="ZoneTexte 38">
-                <a:extLst>
-                  <a:ext uri="{FF2B5EF4-FFF2-40B4-BE49-F238E27FC236}">
-                    <a16:creationId xmlns:a16="http://schemas.microsoft.com/office/drawing/2014/main" id="{F44610B7-42B0-08B2-1595-F33EC3AA8062}"/>
-                  </a:ext>
-                </a:extLst>
-              </p:cNvPr>
-              <p:cNvSpPr txBox="1"/>
-              <p:nvPr/>
-            </p:nvSpPr>
-            <p:spPr>
-              <a:xfrm>
-                <a:off x="6540982" y="1780979"/>
-                <a:ext cx="123239" cy="169277"/>
-              </a:xfrm>
-              <a:prstGeom prst="rect">
-                <a:avLst/>
-              </a:prstGeom>
-              <a:noFill/>
-            </p:spPr>
-            <p:txBody>
-              <a:bodyPr wrap="none" lIns="0" tIns="0" rIns="0" bIns="0" rtlCol="0">
-                <a:spAutoFit/>
-              </a:bodyPr>
-              <a:lstStyle/>
-              <a:p>
-                <a:pPr/>
-                <a14:m>
-                  <m:oMathPara xmlns:m="http://schemas.openxmlformats.org/officeDocument/2006/math">
-                    <m:oMathParaPr>
-                      <m:jc m:val="centerGroup"/>
-                    </m:oMathParaPr>
-                    <m:oMath xmlns:m="http://schemas.openxmlformats.org/officeDocument/2006/math">
-                      <m:r>
-                        <a:rPr lang="fr-FR" sz="1100" b="0" i="1" smtClean="0">
-                          <a:latin typeface="Cambria Math" panose="02040503050406030204" pitchFamily="18" charset="0"/>
-                        </a:rPr>
-                        <m:t>𝐶</m:t>
-                      </m:r>
-                    </m:oMath>
-                  </m:oMathPara>
-                </a14:m>
-                <a:endParaRPr lang="fr-FR" dirty="0"/>
-              </a:p>
-            </p:txBody>
-          </p:sp>
-        </mc:Choice>
-        <mc:Fallback xmlns="">
-          <p:sp>
-            <p:nvSpPr>
-              <p:cNvPr id="39" name="ZoneTexte 38">
-                <a:extLst>
-                  <a:ext uri="{FF2B5EF4-FFF2-40B4-BE49-F238E27FC236}">
-                    <a16:creationId xmlns:a16="http://schemas.microsoft.com/office/drawing/2014/main" id="{F44610B7-42B0-08B2-1595-F33EC3AA8062}"/>
-                  </a:ext>
-                </a:extLst>
-              </p:cNvPr>
-              <p:cNvSpPr txBox="1">
-                <a:spLocks noRot="1" noChangeAspect="1" noMove="1" noResize="1" noEditPoints="1" noAdjustHandles="1" noChangeArrowheads="1" noChangeShapeType="1" noTextEdit="1"/>
-              </p:cNvSpPr>
-              <p:nvPr/>
-            </p:nvSpPr>
-            <p:spPr>
-              <a:xfrm>
-                <a:off x="6540982" y="1780979"/>
-                <a:ext cx="123239" cy="169277"/>
-              </a:xfrm>
-              <a:prstGeom prst="rect">
-                <a:avLst/>
-              </a:prstGeom>
-              <a:blipFill>
-                <a:blip r:embed="rId6"/>
-                <a:stretch>
-                  <a:fillRect l="-25000" r="-25000" b="-7143"/>
-                </a:stretch>
-              </a:blipFill>
-            </p:spPr>
-            <p:txBody>
-              <a:bodyPr/>
-              <a:lstStyle/>
-              <a:p>
-                <a:r>
-                  <a:rPr lang="fr-FR">
-                    <a:noFill/>
-                  </a:rPr>
-                  <a:t> </a:t>
-                </a:r>
-              </a:p>
-            </p:txBody>
-          </p:sp>
-        </mc:Fallback>
-      </mc:AlternateContent>
-      <mc:AlternateContent xmlns:mc="http://schemas.openxmlformats.org/markup-compatibility/2006" xmlns:a14="http://schemas.microsoft.com/office/drawing/2010/main">
-        <mc:Choice Requires="a14">
-          <p:sp>
-            <p:nvSpPr>
-              <p:cNvPr id="40" name="ZoneTexte 39">
-                <a:extLst>
-                  <a:ext uri="{FF2B5EF4-FFF2-40B4-BE49-F238E27FC236}">
-                    <a16:creationId xmlns:a16="http://schemas.microsoft.com/office/drawing/2014/main" id="{296C7F8F-E7D4-F0C9-5AC5-F98581706E4A}"/>
-                  </a:ext>
-                </a:extLst>
-              </p:cNvPr>
-              <p:cNvSpPr txBox="1"/>
-              <p:nvPr/>
-            </p:nvSpPr>
-            <p:spPr>
-              <a:xfrm>
-                <a:off x="7472981" y="1780979"/>
-                <a:ext cx="133946" cy="169277"/>
-              </a:xfrm>
-              <a:prstGeom prst="rect">
-                <a:avLst/>
-              </a:prstGeom>
-              <a:noFill/>
-            </p:spPr>
-            <p:txBody>
-              <a:bodyPr wrap="none" lIns="0" tIns="0" rIns="0" bIns="0" rtlCol="0">
-                <a:spAutoFit/>
-              </a:bodyPr>
-              <a:lstStyle/>
-              <a:p>
-                <a:pPr/>
-                <a14:m>
-                  <m:oMathPara xmlns:m="http://schemas.openxmlformats.org/officeDocument/2006/math">
-                    <m:oMathParaPr>
-                      <m:jc m:val="centerGroup"/>
-                    </m:oMathParaPr>
-                    <m:oMath xmlns:m="http://schemas.openxmlformats.org/officeDocument/2006/math">
-                      <m:r>
-                        <a:rPr lang="fr-FR" sz="1100" b="0" i="1" smtClean="0">
-                          <a:latin typeface="Cambria Math" panose="02040503050406030204" pitchFamily="18" charset="0"/>
-                        </a:rPr>
-                        <m:t>𝐷</m:t>
-                      </m:r>
-                    </m:oMath>
-                  </m:oMathPara>
-                </a14:m>
-                <a:endParaRPr lang="fr-FR" dirty="0"/>
-              </a:p>
-            </p:txBody>
-          </p:sp>
-        </mc:Choice>
-        <mc:Fallback xmlns="">
-          <p:sp>
-            <p:nvSpPr>
-              <p:cNvPr id="40" name="ZoneTexte 39">
-                <a:extLst>
-                  <a:ext uri="{FF2B5EF4-FFF2-40B4-BE49-F238E27FC236}">
-                    <a16:creationId xmlns:a16="http://schemas.microsoft.com/office/drawing/2014/main" id="{296C7F8F-E7D4-F0C9-5AC5-F98581706E4A}"/>
-                  </a:ext>
-                </a:extLst>
-              </p:cNvPr>
-              <p:cNvSpPr txBox="1">
-                <a:spLocks noRot="1" noChangeAspect="1" noMove="1" noResize="1" noEditPoints="1" noAdjustHandles="1" noChangeArrowheads="1" noChangeShapeType="1" noTextEdit="1"/>
-              </p:cNvSpPr>
-              <p:nvPr/>
-            </p:nvSpPr>
-            <p:spPr>
-              <a:xfrm>
-                <a:off x="7472981" y="1780979"/>
-                <a:ext cx="133946" cy="169277"/>
-              </a:xfrm>
-              <a:prstGeom prst="rect">
-                <a:avLst/>
-              </a:prstGeom>
-              <a:blipFill>
-                <a:blip r:embed="rId7"/>
-                <a:stretch>
-                  <a:fillRect l="-22727" r="-22727" b="-7143"/>
-                </a:stretch>
-              </a:blipFill>
-            </p:spPr>
-            <p:txBody>
-              <a:bodyPr/>
-              <a:lstStyle/>
-              <a:p>
-                <a:r>
-                  <a:rPr lang="fr-FR">
-                    <a:noFill/>
-                  </a:rPr>
-                  <a:t> </a:t>
-                </a:r>
-              </a:p>
-            </p:txBody>
-          </p:sp>
-        </mc:Fallback>
-      </mc:AlternateContent>
-      <p:cxnSp>
-        <p:nvCxnSpPr>
-          <p:cNvPr id="25" name="Connecteur droit 24">
-            <a:extLst>
-              <a:ext uri="{FF2B5EF4-FFF2-40B4-BE49-F238E27FC236}">
-                <a16:creationId xmlns:a16="http://schemas.microsoft.com/office/drawing/2014/main" id="{B9D48251-6524-9105-9165-A470C93D49EA}"/>
-              </a:ext>
-            </a:extLst>
-          </p:cNvPr>
-          <p:cNvCxnSpPr>
-            <a:cxnSpLocks/>
-          </p:cNvCxnSpPr>
-          <p:nvPr/>
-        </p:nvCxnSpPr>
-        <p:spPr>
-          <a:xfrm flipV="1">
-            <a:off x="6819954" y="1294417"/>
-            <a:ext cx="0" cy="681824"/>
-          </a:xfrm>
-          <a:prstGeom prst="line">
-            <a:avLst/>
-          </a:prstGeom>
-          <a:solidFill>
-            <a:schemeClr val="bg1"/>
-          </a:solidFill>
-          <a:ln w="28575">
-            <a:solidFill>
-              <a:srgbClr val="C00000"/>
-            </a:solidFill>
-            <a:tailEnd type="stealth" w="med" len="lg"/>
-          </a:ln>
-        </p:spPr>
-        <p:style>
-          <a:lnRef idx="2">
-            <a:schemeClr val="accent1">
-              <a:shade val="50000"/>
-            </a:schemeClr>
-          </a:lnRef>
-          <a:fillRef idx="1">
-            <a:schemeClr val="accent1"/>
-          </a:fillRef>
-          <a:effectRef idx="0">
-            <a:schemeClr val="accent1"/>
-          </a:effectRef>
-          <a:fontRef idx="minor">
-            <a:schemeClr val="lt1"/>
-          </a:fontRef>
-        </p:style>
-      </p:cxnSp>
-      <mc:AlternateContent xmlns:mc="http://schemas.openxmlformats.org/markup-compatibility/2006" xmlns:a14="http://schemas.microsoft.com/office/drawing/2010/main">
-        <mc:Choice Requires="a14">
-          <p:sp>
-            <p:nvSpPr>
-              <p:cNvPr id="26" name="ZoneTexte 25">
-                <a:extLst>
-                  <a:ext uri="{FF2B5EF4-FFF2-40B4-BE49-F238E27FC236}">
-                    <a16:creationId xmlns:a16="http://schemas.microsoft.com/office/drawing/2014/main" id="{457E0124-6EF8-D914-88BF-1B6E0962DA87}"/>
-                  </a:ext>
-                </a:extLst>
-              </p:cNvPr>
-              <p:cNvSpPr txBox="1"/>
-              <p:nvPr/>
-            </p:nvSpPr>
-            <p:spPr>
-              <a:xfrm>
-                <a:off x="6871148" y="1293377"/>
-                <a:ext cx="182806" cy="182614"/>
-              </a:xfrm>
-              <a:prstGeom prst="rect">
-                <a:avLst/>
-              </a:prstGeom>
-              <a:noFill/>
-            </p:spPr>
-            <p:txBody>
-              <a:bodyPr wrap="none" lIns="0" tIns="0" rIns="0" bIns="0" rtlCol="0">
-                <a:spAutoFit/>
-              </a:bodyPr>
-              <a:lstStyle/>
-              <a:p>
-                <a:pPr/>
-                <a14:m>
-                  <m:oMathPara xmlns:m="http://schemas.openxmlformats.org/officeDocument/2006/math">
-                    <m:oMathParaPr>
-                      <m:jc m:val="centerGroup"/>
-                    </m:oMathParaPr>
-                    <m:oMath xmlns:m="http://schemas.openxmlformats.org/officeDocument/2006/math">
-                      <m:sSub>
-                        <m:sSubPr>
-                          <m:ctrlPr>
-                            <a:rPr lang="fr-FR" sz="1100" b="0" i="1" smtClean="0">
-                              <a:latin typeface="Cambria Math" panose="02040503050406030204" pitchFamily="18" charset="0"/>
-                            </a:rPr>
-                          </m:ctrlPr>
-                        </m:sSubPr>
-                        <m:e>
-                          <m:r>
-                            <a:rPr lang="fr-FR" sz="1100" b="0" i="1" smtClean="0">
-                              <a:latin typeface="Cambria Math" panose="02040503050406030204" pitchFamily="18" charset="0"/>
-                            </a:rPr>
-                            <m:t>𝐶</m:t>
-                          </m:r>
-                        </m:e>
-                        <m:sub>
-                          <m:r>
-                            <a:rPr lang="fr-FR" sz="1100" b="0" i="1" smtClean="0">
-                              <a:latin typeface="Cambria Math" panose="02040503050406030204" pitchFamily="18" charset="0"/>
-                            </a:rPr>
-                            <m:t>𝑦</m:t>
-                          </m:r>
-                        </m:sub>
-                      </m:sSub>
-                    </m:oMath>
-                  </m:oMathPara>
-                </a14:m>
-                <a:endParaRPr lang="fr-FR" dirty="0"/>
-              </a:p>
-            </p:txBody>
-          </p:sp>
-        </mc:Choice>
-        <mc:Fallback xmlns="">
-          <p:sp>
-            <p:nvSpPr>
-              <p:cNvPr id="26" name="ZoneTexte 25">
-                <a:extLst>
-                  <a:ext uri="{FF2B5EF4-FFF2-40B4-BE49-F238E27FC236}">
-                    <a16:creationId xmlns:a16="http://schemas.microsoft.com/office/drawing/2014/main" id="{457E0124-6EF8-D914-88BF-1B6E0962DA87}"/>
-                  </a:ext>
-                </a:extLst>
-              </p:cNvPr>
-              <p:cNvSpPr txBox="1">
-                <a:spLocks noRot="1" noChangeAspect="1" noMove="1" noResize="1" noEditPoints="1" noAdjustHandles="1" noChangeArrowheads="1" noChangeShapeType="1" noTextEdit="1"/>
-              </p:cNvSpPr>
-              <p:nvPr/>
-            </p:nvSpPr>
-            <p:spPr>
-              <a:xfrm>
-                <a:off x="6871148" y="1293377"/>
-                <a:ext cx="182806" cy="182614"/>
-              </a:xfrm>
-              <a:prstGeom prst="rect">
-                <a:avLst/>
-              </a:prstGeom>
-              <a:blipFill>
-                <a:blip r:embed="rId8"/>
-                <a:stretch>
-                  <a:fillRect l="-16667" r="-10000" b="-20000"/>
-                </a:stretch>
-              </a:blipFill>
-            </p:spPr>
-            <p:txBody>
-              <a:bodyPr/>
-              <a:lstStyle/>
-              <a:p>
-                <a:r>
-                  <a:rPr lang="fr-FR">
-                    <a:noFill/>
-                  </a:rPr>
-                  <a:t> </a:t>
-                </a:r>
-              </a:p>
-            </p:txBody>
-          </p:sp>
-        </mc:Fallback>
-      </mc:AlternateContent>
-      <p:cxnSp>
-        <p:nvCxnSpPr>
-          <p:cNvPr id="29" name="Connecteur droit 28">
-            <a:extLst>
-              <a:ext uri="{FF2B5EF4-FFF2-40B4-BE49-F238E27FC236}">
-                <a16:creationId xmlns:a16="http://schemas.microsoft.com/office/drawing/2014/main" id="{D62D5870-44AD-FB58-8EB5-B2AF97F9A470}"/>
-              </a:ext>
-            </a:extLst>
-          </p:cNvPr>
-          <p:cNvCxnSpPr>
-            <a:cxnSpLocks/>
-          </p:cNvCxnSpPr>
-          <p:nvPr/>
-        </p:nvCxnSpPr>
-        <p:spPr>
-          <a:xfrm flipV="1">
-            <a:off x="4652571" y="1307051"/>
-            <a:ext cx="0" cy="681824"/>
-          </a:xfrm>
-          <a:prstGeom prst="line">
-            <a:avLst/>
-          </a:prstGeom>
-          <a:solidFill>
-            <a:schemeClr val="bg1"/>
-          </a:solidFill>
-          <a:ln w="28575">
-            <a:solidFill>
-              <a:srgbClr val="C00000"/>
-            </a:solidFill>
-            <a:tailEnd type="stealth" w="med" len="lg"/>
-          </a:ln>
-        </p:spPr>
-        <p:style>
-          <a:lnRef idx="2">
-            <a:schemeClr val="accent1">
-              <a:shade val="50000"/>
-            </a:schemeClr>
-          </a:lnRef>
-          <a:fillRef idx="1">
-            <a:schemeClr val="accent1"/>
-          </a:fillRef>
-          <a:effectRef idx="0">
-            <a:schemeClr val="accent1"/>
-          </a:effectRef>
-          <a:fontRef idx="minor">
-            <a:schemeClr val="lt1"/>
-          </a:fontRef>
-        </p:style>
-      </p:cxnSp>
-      <mc:AlternateContent xmlns:mc="http://schemas.openxmlformats.org/markup-compatibility/2006" xmlns:a14="http://schemas.microsoft.com/office/drawing/2010/main">
-        <mc:Choice Requires="a14">
-          <p:sp>
-            <p:nvSpPr>
-              <p:cNvPr id="31" name="ZoneTexte 30">
-                <a:extLst>
-                  <a:ext uri="{FF2B5EF4-FFF2-40B4-BE49-F238E27FC236}">
-                    <a16:creationId xmlns:a16="http://schemas.microsoft.com/office/drawing/2014/main" id="{D3593CDB-D2C0-E391-158A-DD375AC3300E}"/>
-                  </a:ext>
-                </a:extLst>
-              </p:cNvPr>
-              <p:cNvSpPr txBox="1"/>
-              <p:nvPr/>
-            </p:nvSpPr>
-            <p:spPr>
-              <a:xfrm>
-                <a:off x="4707973" y="1294417"/>
-                <a:ext cx="186718" cy="182614"/>
-              </a:xfrm>
-              <a:prstGeom prst="rect">
-                <a:avLst/>
-              </a:prstGeom>
-              <a:noFill/>
-            </p:spPr>
-            <p:txBody>
-              <a:bodyPr wrap="none" lIns="0" tIns="0" rIns="0" bIns="0" rtlCol="0">
-                <a:spAutoFit/>
-              </a:bodyPr>
-              <a:lstStyle/>
-              <a:p>
-                <a:pPr/>
-                <a14:m>
-                  <m:oMathPara xmlns:m="http://schemas.openxmlformats.org/officeDocument/2006/math">
-                    <m:oMathParaPr>
-                      <m:jc m:val="centerGroup"/>
-                    </m:oMathParaPr>
-                    <m:oMath xmlns:m="http://schemas.openxmlformats.org/officeDocument/2006/math">
-                      <m:sSub>
-                        <m:sSubPr>
-                          <m:ctrlPr>
-                            <a:rPr lang="fr-FR" sz="1100" b="0" i="1" smtClean="0">
-                              <a:latin typeface="Cambria Math" panose="02040503050406030204" pitchFamily="18" charset="0"/>
-                            </a:rPr>
-                          </m:ctrlPr>
-                        </m:sSubPr>
-                        <m:e>
-                          <m:r>
-                            <a:rPr lang="fr-FR" sz="1100" b="0" i="1" smtClean="0">
-                              <a:latin typeface="Cambria Math" panose="02040503050406030204" pitchFamily="18" charset="0"/>
-                            </a:rPr>
-                            <m:t>𝐵</m:t>
-                          </m:r>
-                        </m:e>
-                        <m:sub>
-                          <m:r>
-                            <a:rPr lang="fr-FR" sz="1100" b="0" i="1" smtClean="0">
-                              <a:latin typeface="Cambria Math" panose="02040503050406030204" pitchFamily="18" charset="0"/>
-                            </a:rPr>
-                            <m:t>𝑦</m:t>
-                          </m:r>
-                        </m:sub>
-                      </m:sSub>
-                    </m:oMath>
-                  </m:oMathPara>
-                </a14:m>
-                <a:endParaRPr lang="fr-FR" dirty="0"/>
-              </a:p>
-            </p:txBody>
-          </p:sp>
-        </mc:Choice>
-        <mc:Fallback xmlns="">
-          <p:sp>
-            <p:nvSpPr>
-              <p:cNvPr id="31" name="ZoneTexte 30">
-                <a:extLst>
-                  <a:ext uri="{FF2B5EF4-FFF2-40B4-BE49-F238E27FC236}">
-                    <a16:creationId xmlns:a16="http://schemas.microsoft.com/office/drawing/2014/main" id="{D3593CDB-D2C0-E391-158A-DD375AC3300E}"/>
-                  </a:ext>
-                </a:extLst>
-              </p:cNvPr>
-              <p:cNvSpPr txBox="1">
-                <a:spLocks noRot="1" noChangeAspect="1" noMove="1" noResize="1" noEditPoints="1" noAdjustHandles="1" noChangeArrowheads="1" noChangeShapeType="1" noTextEdit="1"/>
-              </p:cNvSpPr>
-              <p:nvPr/>
-            </p:nvSpPr>
-            <p:spPr>
-              <a:xfrm>
-                <a:off x="4707973" y="1294417"/>
-                <a:ext cx="186718" cy="182614"/>
-              </a:xfrm>
-              <a:prstGeom prst="rect">
-                <a:avLst/>
-              </a:prstGeom>
-              <a:blipFill>
-                <a:blip r:embed="rId9"/>
-                <a:stretch>
-                  <a:fillRect l="-16129" r="-6452" b="-20000"/>
-                </a:stretch>
-              </a:blipFill>
-            </p:spPr>
-            <p:txBody>
-              <a:bodyPr/>
-              <a:lstStyle/>
-              <a:p>
-                <a:r>
-                  <a:rPr lang="fr-FR">
-                    <a:noFill/>
-                  </a:rPr>
-                  <a:t> </a:t>
-                </a:r>
-              </a:p>
-            </p:txBody>
-          </p:sp>
-        </mc:Fallback>
-      </mc:AlternateContent>
-      <p:cxnSp>
-        <p:nvCxnSpPr>
-          <p:cNvPr id="32" name="Connecteur droit 31">
-            <a:extLst>
-              <a:ext uri="{FF2B5EF4-FFF2-40B4-BE49-F238E27FC236}">
-                <a16:creationId xmlns:a16="http://schemas.microsoft.com/office/drawing/2014/main" id="{FBDB9C64-9D40-AD67-D305-166925A4C1CC}"/>
-              </a:ext>
-            </a:extLst>
-          </p:cNvPr>
-          <p:cNvCxnSpPr>
-            <a:cxnSpLocks/>
-          </p:cNvCxnSpPr>
-          <p:nvPr/>
-        </p:nvCxnSpPr>
-        <p:spPr>
-          <a:xfrm>
-            <a:off x="4665741" y="1988875"/>
-            <a:ext cx="310830" cy="0"/>
-          </a:xfrm>
-          <a:prstGeom prst="line">
-            <a:avLst/>
-          </a:prstGeom>
-          <a:solidFill>
-            <a:schemeClr val="bg1"/>
-          </a:solidFill>
-          <a:ln w="28575">
-            <a:solidFill>
-              <a:srgbClr val="C00000"/>
-            </a:solidFill>
-            <a:tailEnd type="stealth" w="med" len="lg"/>
-          </a:ln>
-        </p:spPr>
-        <p:style>
-          <a:lnRef idx="2">
-            <a:schemeClr val="accent1">
-              <a:shade val="50000"/>
-            </a:schemeClr>
-          </a:lnRef>
-          <a:fillRef idx="1">
-            <a:schemeClr val="accent1"/>
-          </a:fillRef>
-          <a:effectRef idx="0">
-            <a:schemeClr val="accent1"/>
-          </a:effectRef>
-          <a:fontRef idx="minor">
-            <a:schemeClr val="lt1"/>
-          </a:fontRef>
-        </p:style>
-      </p:cxnSp>
-      <mc:AlternateContent xmlns:mc="http://schemas.openxmlformats.org/markup-compatibility/2006" xmlns:a14="http://schemas.microsoft.com/office/drawing/2010/main">
-        <mc:Choice Requires="a14">
-          <p:sp>
-            <p:nvSpPr>
-              <p:cNvPr id="33" name="ZoneTexte 32">
-                <a:extLst>
-                  <a:ext uri="{FF2B5EF4-FFF2-40B4-BE49-F238E27FC236}">
-                    <a16:creationId xmlns:a16="http://schemas.microsoft.com/office/drawing/2014/main" id="{0FF554FA-35BC-A669-6CF1-3D3444D6D926}"/>
-                  </a:ext>
-                </a:extLst>
-              </p:cNvPr>
-              <p:cNvSpPr txBox="1"/>
-              <p:nvPr/>
-            </p:nvSpPr>
-            <p:spPr>
-              <a:xfrm>
-                <a:off x="4841024" y="1732461"/>
-                <a:ext cx="182166" cy="169277"/>
-              </a:xfrm>
-              <a:prstGeom prst="rect">
-                <a:avLst/>
-              </a:prstGeom>
-              <a:noFill/>
-            </p:spPr>
-            <p:txBody>
-              <a:bodyPr wrap="none" lIns="0" tIns="0" rIns="0" bIns="0" rtlCol="0">
-                <a:spAutoFit/>
-              </a:bodyPr>
-              <a:lstStyle/>
-              <a:p>
-                <a:pPr/>
-                <a14:m>
-                  <m:oMathPara xmlns:m="http://schemas.openxmlformats.org/officeDocument/2006/math">
-                    <m:oMathParaPr>
-                      <m:jc m:val="centerGroup"/>
-                    </m:oMathParaPr>
-                    <m:oMath xmlns:m="http://schemas.openxmlformats.org/officeDocument/2006/math">
-                      <m:sSub>
-                        <m:sSubPr>
-                          <m:ctrlPr>
-                            <a:rPr lang="fr-FR" sz="1100" b="0" i="1" smtClean="0">
-                              <a:latin typeface="Cambria Math" panose="02040503050406030204" pitchFamily="18" charset="0"/>
-                            </a:rPr>
-                          </m:ctrlPr>
-                        </m:sSubPr>
-                        <m:e>
-                          <m:r>
-                            <a:rPr lang="fr-FR" sz="1100" b="0" i="1" smtClean="0">
-                              <a:latin typeface="Cambria Math" panose="02040503050406030204" pitchFamily="18" charset="0"/>
-                            </a:rPr>
-                            <m:t>𝐵</m:t>
-                          </m:r>
-                        </m:e>
-                        <m:sub>
-                          <m:r>
-                            <a:rPr lang="fr-FR" sz="1100" b="0" i="1" smtClean="0">
-                              <a:latin typeface="Cambria Math" panose="02040503050406030204" pitchFamily="18" charset="0"/>
-                            </a:rPr>
-                            <m:t>𝑥</m:t>
-                          </m:r>
-                        </m:sub>
-                      </m:sSub>
-                    </m:oMath>
-                  </m:oMathPara>
-                </a14:m>
-                <a:endParaRPr lang="fr-FR" dirty="0"/>
-              </a:p>
-            </p:txBody>
-          </p:sp>
-        </mc:Choice>
-        <mc:Fallback xmlns="">
-          <p:sp>
-            <p:nvSpPr>
-              <p:cNvPr id="33" name="ZoneTexte 32">
-                <a:extLst>
-                  <a:ext uri="{FF2B5EF4-FFF2-40B4-BE49-F238E27FC236}">
-                    <a16:creationId xmlns:a16="http://schemas.microsoft.com/office/drawing/2014/main" id="{0FF554FA-35BC-A669-6CF1-3D3444D6D926}"/>
-                  </a:ext>
-                </a:extLst>
-              </p:cNvPr>
-              <p:cNvSpPr txBox="1">
-                <a:spLocks noRot="1" noChangeAspect="1" noMove="1" noResize="1" noEditPoints="1" noAdjustHandles="1" noChangeArrowheads="1" noChangeShapeType="1" noTextEdit="1"/>
-              </p:cNvSpPr>
-              <p:nvPr/>
-            </p:nvSpPr>
-            <p:spPr>
-              <a:xfrm>
-                <a:off x="4841024" y="1732461"/>
-                <a:ext cx="182166" cy="169277"/>
-              </a:xfrm>
-              <a:prstGeom prst="rect">
-                <a:avLst/>
-              </a:prstGeom>
-              <a:blipFill>
-                <a:blip r:embed="rId10"/>
-                <a:stretch>
-                  <a:fillRect l="-16667" r="-3333" b="-14286"/>
-                </a:stretch>
-              </a:blipFill>
-            </p:spPr>
-            <p:txBody>
-              <a:bodyPr/>
-              <a:lstStyle/>
-              <a:p>
-                <a:r>
-                  <a:rPr lang="fr-FR">
-                    <a:noFill/>
-                  </a:rPr>
-                  <a:t> </a:t>
-                </a:r>
-              </a:p>
-            </p:txBody>
-          </p:sp>
-        </mc:Fallback>
-      </mc:AlternateContent>
-      <p:sp>
-        <p:nvSpPr>
-          <p:cNvPr id="41" name="Forme libre : forme 40">
-            <a:extLst>
-              <a:ext uri="{FF2B5EF4-FFF2-40B4-BE49-F238E27FC236}">
-                <a16:creationId xmlns:a16="http://schemas.microsoft.com/office/drawing/2014/main" id="{881A3FB5-266A-0216-76E2-B76B89D3DC44}"/>
-              </a:ext>
-            </a:extLst>
-          </p:cNvPr>
-          <p:cNvSpPr/>
-          <p:nvPr/>
-        </p:nvSpPr>
-        <p:spPr>
-          <a:xfrm>
-            <a:off x="5803640" y="1815154"/>
-            <a:ext cx="52450" cy="318728"/>
-          </a:xfrm>
-          <a:custGeom>
-            <a:avLst/>
-            <a:gdLst>
-              <a:gd name="connsiteX0" fmla="*/ 0 w 75235"/>
-              <a:gd name="connsiteY0" fmla="*/ 0 h 457200"/>
-              <a:gd name="connsiteX1" fmla="*/ 57873 w 75235"/>
-              <a:gd name="connsiteY1" fmla="*/ 115746 h 457200"/>
-              <a:gd name="connsiteX2" fmla="*/ 17362 w 75235"/>
-              <a:gd name="connsiteY2" fmla="*/ 312516 h 457200"/>
-              <a:gd name="connsiteX3" fmla="*/ 75235 w 75235"/>
-              <a:gd name="connsiteY3" fmla="*/ 457200 h 457200"/>
-            </a:gdLst>
-            <a:ahLst/>
-            <a:cxnLst>
-              <a:cxn ang="0">
-                <a:pos x="connsiteX0" y="connsiteY0"/>
-              </a:cxn>
-              <a:cxn ang="0">
-                <a:pos x="connsiteX1" y="connsiteY1"/>
-              </a:cxn>
-              <a:cxn ang="0">
-                <a:pos x="connsiteX2" y="connsiteY2"/>
-              </a:cxn>
-              <a:cxn ang="0">
-                <a:pos x="connsiteX3" y="connsiteY3"/>
-              </a:cxn>
-            </a:cxnLst>
-            <a:rect l="l" t="t" r="r" b="b"/>
-            <a:pathLst>
-              <a:path w="75235" h="457200">
-                <a:moveTo>
-                  <a:pt x="0" y="0"/>
-                </a:moveTo>
-                <a:cubicBezTo>
-                  <a:pt x="27489" y="31830"/>
-                  <a:pt x="54979" y="63660"/>
-                  <a:pt x="57873" y="115746"/>
-                </a:cubicBezTo>
-                <a:cubicBezTo>
-                  <a:pt x="60767" y="167832"/>
-                  <a:pt x="14468" y="255607"/>
-                  <a:pt x="17362" y="312516"/>
-                </a:cubicBezTo>
-                <a:cubicBezTo>
-                  <a:pt x="20256" y="369425"/>
-                  <a:pt x="57873" y="448519"/>
-                  <a:pt x="75235" y="457200"/>
-                </a:cubicBezTo>
-              </a:path>
-            </a:pathLst>
-          </a:custGeom>
-          <a:noFill/>
-          <a:ln w="38100">
-            <a:solidFill>
-              <a:srgbClr val="00B050"/>
-            </a:solidFill>
-          </a:ln>
-        </p:spPr>
-        <p:style>
-          <a:lnRef idx="2">
-            <a:schemeClr val="accent1">
-              <a:shade val="50000"/>
-            </a:schemeClr>
-          </a:lnRef>
-          <a:fillRef idx="1">
-            <a:schemeClr val="accent1"/>
-          </a:fillRef>
-          <a:effectRef idx="0">
-            <a:schemeClr val="accent1"/>
-          </a:effectRef>
-          <a:fontRef idx="minor">
-            <a:schemeClr val="lt1"/>
-          </a:fontRef>
-        </p:style>
-        <p:txBody>
-          <a:bodyPr rtlCol="0" anchor="ctr"/>
-          <a:lstStyle/>
-          <a:p>
-            <a:pPr algn="ctr"/>
-            <a:endParaRPr lang="fr-FR"/>
-          </a:p>
-        </p:txBody>
-      </p:sp>
-      <mc:AlternateContent xmlns:mc="http://schemas.openxmlformats.org/markup-compatibility/2006" xmlns:a14="http://schemas.microsoft.com/office/drawing/2010/main">
-        <mc:Choice Requires="a14">
-          <p:sp>
-            <p:nvSpPr>
-              <p:cNvPr id="42" name="ZoneTexte 41">
-                <a:extLst>
-                  <a:ext uri="{FF2B5EF4-FFF2-40B4-BE49-F238E27FC236}">
-                    <a16:creationId xmlns:a16="http://schemas.microsoft.com/office/drawing/2014/main" id="{DC20DF48-8AAC-1DD1-EF18-10983F9D37B9}"/>
-                  </a:ext>
-                </a:extLst>
-              </p:cNvPr>
-              <p:cNvSpPr txBox="1"/>
-              <p:nvPr/>
-            </p:nvSpPr>
-            <p:spPr>
-              <a:xfrm>
-                <a:off x="5733112" y="1604386"/>
-                <a:ext cx="181267" cy="169277"/>
-              </a:xfrm>
-              <a:prstGeom prst="rect">
-                <a:avLst/>
-              </a:prstGeom>
-              <a:noFill/>
-            </p:spPr>
-            <p:txBody>
-              <a:bodyPr wrap="none" lIns="0" tIns="0" rIns="0" bIns="0" rtlCol="0">
-                <a:spAutoFit/>
-              </a:bodyPr>
-              <a:lstStyle/>
-              <a:p>
-                <a:pPr/>
-                <a14:m>
-                  <m:oMathPara xmlns:m="http://schemas.openxmlformats.org/officeDocument/2006/math">
-                    <m:oMathParaPr>
-                      <m:jc m:val="centerGroup"/>
-                    </m:oMathParaPr>
-                    <m:oMath xmlns:m="http://schemas.openxmlformats.org/officeDocument/2006/math">
-                      <m:sSub>
-                        <m:sSubPr>
-                          <m:ctrlPr>
-                            <a:rPr lang="fr-FR" sz="1100" b="0" i="1" smtClean="0">
-                              <a:latin typeface="Cambria Math" panose="02040503050406030204" pitchFamily="18" charset="0"/>
-                            </a:rPr>
-                          </m:ctrlPr>
-                        </m:sSubPr>
-                        <m:e>
-                          <m:r>
-                            <a:rPr lang="fr-FR" sz="1100" b="0" i="1" smtClean="0">
-                              <a:latin typeface="Cambria Math" panose="02040503050406030204" pitchFamily="18" charset="0"/>
-                            </a:rPr>
-                            <m:t>𝐺</m:t>
-                          </m:r>
-                        </m:e>
-                        <m:sub>
-                          <m:r>
-                            <a:rPr lang="fr-FR" sz="1100" b="0" i="1" smtClean="0">
-                              <a:latin typeface="Cambria Math" panose="02040503050406030204" pitchFamily="18" charset="0"/>
-                            </a:rPr>
-                            <m:t>2</m:t>
-                          </m:r>
-                        </m:sub>
-                      </m:sSub>
-                    </m:oMath>
-                  </m:oMathPara>
-                </a14:m>
-                <a:endParaRPr lang="fr-FR" dirty="0"/>
-              </a:p>
-            </p:txBody>
-          </p:sp>
-        </mc:Choice>
-        <mc:Fallback xmlns="">
-          <p:sp>
-            <p:nvSpPr>
-              <p:cNvPr id="42" name="ZoneTexte 41">
-                <a:extLst>
-                  <a:ext uri="{FF2B5EF4-FFF2-40B4-BE49-F238E27FC236}">
-                    <a16:creationId xmlns:a16="http://schemas.microsoft.com/office/drawing/2014/main" id="{DC20DF48-8AAC-1DD1-EF18-10983F9D37B9}"/>
-                  </a:ext>
-                </a:extLst>
-              </p:cNvPr>
-              <p:cNvSpPr txBox="1">
-                <a:spLocks noRot="1" noChangeAspect="1" noMove="1" noResize="1" noEditPoints="1" noAdjustHandles="1" noChangeArrowheads="1" noChangeShapeType="1" noTextEdit="1"/>
-              </p:cNvSpPr>
-              <p:nvPr/>
-            </p:nvSpPr>
-            <p:spPr>
-              <a:xfrm>
-                <a:off x="5733112" y="1604386"/>
-                <a:ext cx="181267" cy="169277"/>
-              </a:xfrm>
-              <a:prstGeom prst="rect">
-                <a:avLst/>
-              </a:prstGeom>
-              <a:blipFill>
-                <a:blip r:embed="rId11"/>
-                <a:stretch>
-                  <a:fillRect l="-16667" r="-6667" b="-17857"/>
-                </a:stretch>
-              </a:blipFill>
-            </p:spPr>
-            <p:txBody>
-              <a:bodyPr/>
-              <a:lstStyle/>
-              <a:p>
-                <a:r>
-                  <a:rPr lang="fr-FR">
-                    <a:noFill/>
-                  </a:rPr>
-                  <a:t> </a:t>
-                </a:r>
-              </a:p>
-            </p:txBody>
-          </p:sp>
-        </mc:Fallback>
-      </mc:AlternateContent>
-      <mc:AlternateContent xmlns:mc="http://schemas.openxmlformats.org/markup-compatibility/2006" xmlns:a14="http://schemas.microsoft.com/office/drawing/2010/main">
-        <mc:Choice Requires="a14">
-          <p:sp>
-            <p:nvSpPr>
-              <p:cNvPr id="43" name="Ellipse 42">
-                <a:extLst>
-                  <a:ext uri="{FF2B5EF4-FFF2-40B4-BE49-F238E27FC236}">
-                    <a16:creationId xmlns:a16="http://schemas.microsoft.com/office/drawing/2014/main" id="{450EB561-DD3D-023F-3173-32157E3661F6}"/>
-                  </a:ext>
-                </a:extLst>
-              </p:cNvPr>
-              <p:cNvSpPr/>
-              <p:nvPr/>
-            </p:nvSpPr>
-            <p:spPr>
-              <a:xfrm>
-                <a:off x="5017773" y="1307719"/>
-                <a:ext cx="288000" cy="288000"/>
-              </a:xfrm>
-              <a:prstGeom prst="ellipse">
-                <a:avLst/>
-              </a:prstGeom>
-              <a:solidFill>
-                <a:schemeClr val="bg1"/>
-              </a:solidFill>
-              <a:ln w="19050">
-                <a:solidFill>
-                  <a:srgbClr val="00B050"/>
-                </a:solidFill>
-              </a:ln>
-            </p:spPr>
-            <p:style>
-              <a:lnRef idx="2">
-                <a:schemeClr val="accent1">
-                  <a:shade val="50000"/>
-                </a:schemeClr>
-              </a:lnRef>
-              <a:fillRef idx="1">
-                <a:schemeClr val="accent1"/>
-              </a:fillRef>
-              <a:effectRef idx="0">
-                <a:schemeClr val="accent1"/>
-              </a:effectRef>
-              <a:fontRef idx="minor">
-                <a:schemeClr val="lt1"/>
-              </a:fontRef>
-            </p:style>
-            <p:txBody>
-              <a:bodyPr lIns="0" tIns="0" rIns="0" bIns="0" rtlCol="0" anchor="ctr"/>
-              <a:lstStyle/>
-              <a:p>
-                <a:pPr algn="ctr"/>
-                <a:r>
-                  <a:rPr lang="fr-FR" sz="1200" b="0" dirty="0">
-                    <a:solidFill>
-                      <a:schemeClr val="tx1"/>
-                    </a:solidFill>
-                  </a:rPr>
-                  <a:t> </a:t>
-                </a:r>
-                <a14:m>
-                  <m:oMath xmlns:m="http://schemas.openxmlformats.org/officeDocument/2006/math">
-                    <m:r>
-                      <a:rPr lang="fr-FR" sz="1200" b="0" i="1" smtClean="0">
-                        <a:solidFill>
-                          <a:schemeClr val="tx1"/>
-                        </a:solidFill>
-                        <a:latin typeface="Cambria Math" panose="02040503050406030204" pitchFamily="18" charset="0"/>
-                      </a:rPr>
-                      <m:t>𝐼</m:t>
-                    </m:r>
-                  </m:oMath>
-                </a14:m>
-                <a:endParaRPr lang="fr-FR" sz="1200" dirty="0"/>
-              </a:p>
-            </p:txBody>
-          </p:sp>
-        </mc:Choice>
-        <mc:Fallback xmlns="">
-          <p:sp>
-            <p:nvSpPr>
-              <p:cNvPr id="43" name="Ellipse 42">
-                <a:extLst>
-                  <a:ext uri="{FF2B5EF4-FFF2-40B4-BE49-F238E27FC236}">
-                    <a16:creationId xmlns:a16="http://schemas.microsoft.com/office/drawing/2014/main" id="{450EB561-DD3D-023F-3173-32157E3661F6}"/>
-                  </a:ext>
-                </a:extLst>
-              </p:cNvPr>
-              <p:cNvSpPr>
-                <a:spLocks noRot="1" noChangeAspect="1" noMove="1" noResize="1" noEditPoints="1" noAdjustHandles="1" noChangeArrowheads="1" noChangeShapeType="1" noTextEdit="1"/>
-              </p:cNvSpPr>
-              <p:nvPr/>
-            </p:nvSpPr>
-            <p:spPr>
-              <a:xfrm>
-                <a:off x="5017773" y="1307719"/>
-                <a:ext cx="288000" cy="288000"/>
-              </a:xfrm>
-              <a:prstGeom prst="ellipse">
-                <a:avLst/>
-              </a:prstGeom>
-              <a:blipFill>
-                <a:blip r:embed="rId12"/>
-                <a:stretch>
-                  <a:fillRect/>
-                </a:stretch>
-              </a:blipFill>
-              <a:ln w="19050">
-                <a:solidFill>
-                  <a:srgbClr val="00B050"/>
-                </a:solidFill>
-              </a:ln>
-            </p:spPr>
-            <p:txBody>
-              <a:bodyPr/>
-              <a:lstStyle/>
-              <a:p>
-                <a:r>
-                  <a:rPr lang="fr-FR">
-                    <a:noFill/>
-                  </a:rPr>
-                  <a:t> </a:t>
-                </a:r>
-              </a:p>
-            </p:txBody>
-          </p:sp>
-        </mc:Fallback>
-      </mc:AlternateContent>
-      <mc:AlternateContent xmlns:mc="http://schemas.openxmlformats.org/markup-compatibility/2006" xmlns:a14="http://schemas.microsoft.com/office/drawing/2010/main">
-        <mc:Choice Requires="a14">
-          <p:sp>
-            <p:nvSpPr>
-              <p:cNvPr id="44" name="Ellipse 43">
-                <a:extLst>
-                  <a:ext uri="{FF2B5EF4-FFF2-40B4-BE49-F238E27FC236}">
-                    <a16:creationId xmlns:a16="http://schemas.microsoft.com/office/drawing/2014/main" id="{57AC1567-6749-F385-44C2-4101A2A618B0}"/>
-                  </a:ext>
-                </a:extLst>
-              </p:cNvPr>
-              <p:cNvSpPr/>
-              <p:nvPr/>
-            </p:nvSpPr>
-            <p:spPr>
-              <a:xfrm>
-                <a:off x="6096000" y="1307719"/>
-                <a:ext cx="288000" cy="288000"/>
-              </a:xfrm>
-              <a:prstGeom prst="ellipse">
-                <a:avLst/>
-              </a:prstGeom>
-              <a:solidFill>
-                <a:schemeClr val="bg1"/>
-              </a:solidFill>
-              <a:ln w="19050">
-                <a:solidFill>
-                  <a:srgbClr val="00B050"/>
-                </a:solidFill>
-              </a:ln>
-            </p:spPr>
-            <p:style>
-              <a:lnRef idx="2">
-                <a:schemeClr val="accent1">
-                  <a:shade val="50000"/>
-                </a:schemeClr>
-              </a:lnRef>
-              <a:fillRef idx="1">
-                <a:schemeClr val="accent1"/>
-              </a:fillRef>
-              <a:effectRef idx="0">
-                <a:schemeClr val="accent1"/>
-              </a:effectRef>
-              <a:fontRef idx="minor">
-                <a:schemeClr val="lt1"/>
-              </a:fontRef>
-            </p:style>
-            <p:txBody>
-              <a:bodyPr lIns="0" tIns="0" rIns="0" bIns="0" rtlCol="0" anchor="ctr"/>
-              <a:lstStyle/>
-              <a:p>
-                <a:pPr algn="ctr"/>
-                <a:r>
-                  <a:rPr lang="fr-FR" sz="1200" b="0" dirty="0">
-                    <a:solidFill>
-                      <a:schemeClr val="tx1"/>
-                    </a:solidFill>
-                  </a:rPr>
-                  <a:t> </a:t>
-                </a:r>
-                <a14:m>
-                  <m:oMath xmlns:m="http://schemas.openxmlformats.org/officeDocument/2006/math">
-                    <m:r>
-                      <a:rPr lang="fr-FR" sz="1200" b="0" i="1" smtClean="0">
-                        <a:solidFill>
-                          <a:schemeClr val="tx1"/>
-                        </a:solidFill>
-                        <a:latin typeface="Cambria Math" panose="02040503050406030204" pitchFamily="18" charset="0"/>
-                      </a:rPr>
-                      <m:t>𝐼𝐼</m:t>
-                    </m:r>
-                  </m:oMath>
-                </a14:m>
-                <a:endParaRPr lang="fr-FR" sz="1200" dirty="0"/>
-              </a:p>
-            </p:txBody>
-          </p:sp>
-        </mc:Choice>
-        <mc:Fallback xmlns="">
-          <p:sp>
-            <p:nvSpPr>
-              <p:cNvPr id="44" name="Ellipse 43">
-                <a:extLst>
-                  <a:ext uri="{FF2B5EF4-FFF2-40B4-BE49-F238E27FC236}">
-                    <a16:creationId xmlns:a16="http://schemas.microsoft.com/office/drawing/2014/main" id="{57AC1567-6749-F385-44C2-4101A2A618B0}"/>
-                  </a:ext>
-                </a:extLst>
-              </p:cNvPr>
-              <p:cNvSpPr>
-                <a:spLocks noRot="1" noChangeAspect="1" noMove="1" noResize="1" noEditPoints="1" noAdjustHandles="1" noChangeArrowheads="1" noChangeShapeType="1" noTextEdit="1"/>
-              </p:cNvSpPr>
-              <p:nvPr/>
-            </p:nvSpPr>
-            <p:spPr>
-              <a:xfrm>
-                <a:off x="6096000" y="1307719"/>
-                <a:ext cx="288000" cy="288000"/>
-              </a:xfrm>
-              <a:prstGeom prst="ellipse">
-                <a:avLst/>
-              </a:prstGeom>
-              <a:blipFill>
-                <a:blip r:embed="rId13"/>
-                <a:stretch>
-                  <a:fillRect/>
-                </a:stretch>
-              </a:blipFill>
-              <a:ln w="19050">
-                <a:solidFill>
-                  <a:srgbClr val="00B050"/>
-                </a:solidFill>
-              </a:ln>
-            </p:spPr>
-            <p:txBody>
-              <a:bodyPr/>
-              <a:lstStyle/>
-              <a:p>
-                <a:r>
-                  <a:rPr lang="fr-FR">
-                    <a:noFill/>
-                  </a:rPr>
-                  <a:t> </a:t>
-                </a:r>
-              </a:p>
-            </p:txBody>
-          </p:sp>
-        </mc:Fallback>
-      </mc:AlternateContent>
-    </p:spTree>
-    <p:extLst>
-      <p:ext uri="{BB962C8B-B14F-4D97-AF65-F5344CB8AC3E}">
-        <p14:creationId xmlns:p14="http://schemas.microsoft.com/office/powerpoint/2010/main" val="2200824490"/>
-      </p:ext>
-    </p:extLst>
-  </p:cSld>
-  <p:clrMapOvr>
-    <a:masterClrMapping/>
-  </p:clrMapOvr>
-</p:sld>
-</file>
-
 <file path=ppt/theme/theme1.xml><?xml version="1.0" encoding="utf-8"?>
 <a:theme xmlns:a="http://schemas.openxmlformats.org/drawingml/2006/main" name="Thème Office">
   <a:themeElements>
